--- a/Courses/Software-Sciences/Module-3-Databases-New/09-Complex-Joins-and-Subqueries/09-Complex-Joins-and-Subqueries.pptx
+++ b/Courses/Software-Sciences/Module-3-Databases-New/09-Complex-Joins-and-Subqueries/09-Complex-Joins-and-Subqueries.pptx
@@ -5,10 +5,10 @@
     <p:sldMasterId id="2147483675" r:id="rId4"/>
   </p:sldMasterIdLst>
   <p:notesMasterIdLst>
-    <p:notesMasterId r:id="rId27"/>
+    <p:notesMasterId r:id="rId32"/>
   </p:notesMasterIdLst>
   <p:handoutMasterIdLst>
-    <p:handoutMasterId r:id="rId28"/>
+    <p:handoutMasterId r:id="rId33"/>
   </p:handoutMasterIdLst>
   <p:sldIdLst>
     <p:sldId id="503" r:id="rId5"/>
@@ -30,9 +30,14 @@
     <p:sldId id="518" r:id="rId21"/>
     <p:sldId id="519" r:id="rId22"/>
     <p:sldId id="520" r:id="rId23"/>
-    <p:sldId id="349" r:id="rId24"/>
-    <p:sldId id="256" r:id="rId25"/>
-    <p:sldId id="493" r:id="rId26"/>
+    <p:sldId id="521" r:id="rId24"/>
+    <p:sldId id="522" r:id="rId25"/>
+    <p:sldId id="523" r:id="rId26"/>
+    <p:sldId id="524" r:id="rId27"/>
+    <p:sldId id="526" r:id="rId28"/>
+    <p:sldId id="349" r:id="rId29"/>
+    <p:sldId id="256" r:id="rId30"/>
+    <p:sldId id="493" r:id="rId31"/>
   </p:sldIdLst>
   <p:sldSz cx="12192000" cy="6858000"/>
   <p:notesSz cx="6858000" cy="9144000"/>
@@ -133,7 +138,7 @@
   </p:defaultTextStyle>
   <p:extLst>
     <p:ext uri="{521415D9-36F7-43E2-AB2F-B90AF26B5E84}">
-      <p14:sectionLst xmlns:p14="http://schemas.microsoft.com/office/powerpoint/2010/main" xmlns="">
+      <p14:sectionLst xmlns="" xmlns:p14="http://schemas.microsoft.com/office/powerpoint/2010/main">
         <p14:section name="Въведение" id="{A0C7653D-1924-4F56-9E27-AA2B21F1DA92}">
           <p14:sldIdLst>
             <p14:sldId id="503"/>
@@ -192,7 +197,7 @@
       </p14:sectionLst>
     </p:ext>
     <p:ext uri="{EFAFB233-063F-42B5-8137-9DF3F51BA10A}">
-      <p15:sldGuideLst xmlns:p15="http://schemas.microsoft.com/office/powerpoint/2012/main" xmlns="">
+      <p15:sldGuideLst xmlns="" xmlns:p15="http://schemas.microsoft.com/office/powerpoint/2012/main">
         <p15:guide id="1" orient="horz" pos="2184" userDrawn="1">
           <p15:clr>
             <a:srgbClr val="A4A3A4"/>
@@ -206,7 +211,7 @@
       </p15:sldGuideLst>
     </p:ext>
     <p:ext uri="{2D200454-40CA-4A62-9FC3-DE9A4176ACB9}">
-      <p15:notesGuideLst xmlns:p15="http://schemas.microsoft.com/office/powerpoint/2012/main" xmlns=""/>
+      <p15:notesGuideLst xmlns="" xmlns:p15="http://schemas.microsoft.com/office/powerpoint/2012/main"/>
     </p:ext>
   </p:extLst>
 </p:presentation>
@@ -239,7 +244,7 @@
           <p:cNvPr id="2" name="Header Placeholder 1">
             <a:extLst>
               <a:ext uri="{FF2B5EF4-FFF2-40B4-BE49-F238E27FC236}">
-                <a16:creationId xmlns:a16="http://schemas.microsoft.com/office/drawing/2014/main" xmlns="" id="{56F20103-83CC-4A54-8FDE-9D37FC2629C0}"/>
+                <a16:creationId xmlns="" xmlns:a16="http://schemas.microsoft.com/office/drawing/2014/main" id="{56F20103-83CC-4A54-8FDE-9D37FC2629C0}"/>
               </a:ext>
             </a:extLst>
           </p:cNvPr>
@@ -276,7 +281,7 @@
           <p:cNvPr id="3" name="Date Placeholder 2">
             <a:extLst>
               <a:ext uri="{FF2B5EF4-FFF2-40B4-BE49-F238E27FC236}">
-                <a16:creationId xmlns:a16="http://schemas.microsoft.com/office/drawing/2014/main" xmlns="" id="{27A53962-26EF-44E4-9E69-61B1727AB1C2}"/>
+                <a16:creationId xmlns="" xmlns:a16="http://schemas.microsoft.com/office/drawing/2014/main" id="{27A53962-26EF-44E4-9E69-61B1727AB1C2}"/>
               </a:ext>
             </a:extLst>
           </p:cNvPr>
@@ -307,7 +312,7 @@
             <a:fld id="{4E087215-0C8F-4762-A664-737A353EC9A4}" type="datetimeFigureOut">
               <a:rPr lang="bg-BG" smtClean="0"/>
               <a:pPr/>
-              <a:t>23.8.2023 г.</a:t>
+              <a:t>24.8.2023 г.</a:t>
             </a:fld>
             <a:endParaRPr lang="bg-BG" dirty="0"/>
           </a:p>
@@ -318,7 +323,7 @@
           <p:cNvPr id="4" name="Footer Placeholder 3">
             <a:extLst>
               <a:ext uri="{FF2B5EF4-FFF2-40B4-BE49-F238E27FC236}">
-                <a16:creationId xmlns:a16="http://schemas.microsoft.com/office/drawing/2014/main" xmlns="" id="{28A6967E-448F-4887-8FCB-34482EFBCC74}"/>
+                <a16:creationId xmlns="" xmlns:a16="http://schemas.microsoft.com/office/drawing/2014/main" id="{28A6967E-448F-4887-8FCB-34482EFBCC74}"/>
               </a:ext>
             </a:extLst>
           </p:cNvPr>
@@ -368,7 +373,7 @@
           <p:cNvPr id="5" name="Slide Number Placeholder 4">
             <a:extLst>
               <a:ext uri="{FF2B5EF4-FFF2-40B4-BE49-F238E27FC236}">
-                <a16:creationId xmlns:a16="http://schemas.microsoft.com/office/drawing/2014/main" xmlns="" id="{8B6554C2-DDBA-40E2-9536-53A07EC50274}"/>
+                <a16:creationId xmlns="" xmlns:a16="http://schemas.microsoft.com/office/drawing/2014/main" id="{8B6554C2-DDBA-40E2-9536-53A07EC50274}"/>
               </a:ext>
             </a:extLst>
           </p:cNvPr>
@@ -408,7 +413,7 @@
     </p:spTree>
     <p:extLst>
       <p:ext uri="{BB962C8B-B14F-4D97-AF65-F5344CB8AC3E}">
-        <p14:creationId xmlns:p14="http://schemas.microsoft.com/office/powerpoint/2010/main" xmlns="" val="4150602968"/>
+        <p14:creationId xmlns="" xmlns:p14="http://schemas.microsoft.com/office/powerpoint/2010/main" val="4150602968"/>
       </p:ext>
     </p:extLst>
   </p:cSld>
@@ -500,7 +505,7 @@
             <a:fld id="{72D84649-876A-46C9-8472-14CB09C070D8}" type="datetimeFigureOut">
               <a:rPr lang="en-US" smtClean="0"/>
               <a:pPr/>
-              <a:t>8/23/2023</a:t>
+              <a:t>8/24/2023</a:t>
             </a:fld>
             <a:endParaRPr lang="en-US" dirty="0"/>
           </a:p>
@@ -639,7 +644,7 @@
           <p:cNvPr id="8" name="Footer Placeholder 7">
             <a:extLst>
               <a:ext uri="{FF2B5EF4-FFF2-40B4-BE49-F238E27FC236}">
-                <a16:creationId xmlns:a16="http://schemas.microsoft.com/office/drawing/2014/main" xmlns="" id="{CAC3A49B-3196-44DF-AC28-085C72EFBFF0}"/>
+                <a16:creationId xmlns="" xmlns:a16="http://schemas.microsoft.com/office/drawing/2014/main" id="{CAC3A49B-3196-44DF-AC28-085C72EFBFF0}"/>
               </a:ext>
             </a:extLst>
           </p:cNvPr>
@@ -687,7 +692,7 @@
     </p:spTree>
     <p:extLst>
       <p:ext uri="{BB962C8B-B14F-4D97-AF65-F5344CB8AC3E}">
-        <p14:creationId xmlns:p14="http://schemas.microsoft.com/office/powerpoint/2010/main" xmlns="" val="1530847692"/>
+        <p14:creationId xmlns="" xmlns:p14="http://schemas.microsoft.com/office/powerpoint/2010/main" val="1530847692"/>
       </p:ext>
     </p:extLst>
   </p:cSld>
@@ -834,7 +839,7 @@
           <p:cNvPr id="8" name="Slide Image Placeholder 7">
             <a:extLst>
               <a:ext uri="{FF2B5EF4-FFF2-40B4-BE49-F238E27FC236}">
-                <a16:creationId xmlns:a16="http://schemas.microsoft.com/office/drawing/2014/main" xmlns="" id="{78811095-27E9-49AB-972B-D4E20B3963A6}"/>
+                <a16:creationId xmlns="" xmlns:a16="http://schemas.microsoft.com/office/drawing/2014/main" id="{78811095-27E9-49AB-972B-D4E20B3963A6}"/>
               </a:ext>
             </a:extLst>
           </p:cNvPr>
@@ -852,7 +857,7 @@
           <p:cNvPr id="9" name="Notes Placeholder 8">
             <a:extLst>
               <a:ext uri="{FF2B5EF4-FFF2-40B4-BE49-F238E27FC236}">
-                <a16:creationId xmlns:a16="http://schemas.microsoft.com/office/drawing/2014/main" xmlns="" id="{E923224B-0CC3-475A-8628-8A90751AE61A}"/>
+                <a16:creationId xmlns="" xmlns:a16="http://schemas.microsoft.com/office/drawing/2014/main" id="{E923224B-0CC3-475A-8628-8A90751AE61A}"/>
               </a:ext>
             </a:extLst>
           </p:cNvPr>
@@ -877,7 +882,7 @@
           <p:cNvPr id="2" name="Footer Placeholder 1">
             <a:extLst>
               <a:ext uri="{FF2B5EF4-FFF2-40B4-BE49-F238E27FC236}">
-                <a16:creationId xmlns:a16="http://schemas.microsoft.com/office/drawing/2014/main" xmlns="" id="{3288A3F3-90B1-4930-8D00-5603BDABEF10}"/>
+                <a16:creationId xmlns="" xmlns:a16="http://schemas.microsoft.com/office/drawing/2014/main" id="{3288A3F3-90B1-4930-8D00-5603BDABEF10}"/>
               </a:ext>
             </a:extLst>
           </p:cNvPr>
@@ -913,7 +918,7 @@
     </p:spTree>
     <p:extLst>
       <p:ext uri="{BB962C8B-B14F-4D97-AF65-F5344CB8AC3E}">
-        <p14:creationId xmlns:p14="http://schemas.microsoft.com/office/powerpoint/2010/main" xmlns="" val="2594489433"/>
+        <p14:creationId xmlns="" xmlns:p14="http://schemas.microsoft.com/office/powerpoint/2010/main" val="2594489433"/>
       </p:ext>
     </p:extLst>
   </p:cSld>
@@ -964,6 +969,236 @@
         </p:nvSpPr>
         <p:spPr/>
         <p:txBody>
+          <a:bodyPr>
+            <a:normAutofit/>
+          </a:bodyPr>
+          <a:lstStyle/>
+          <a:p>
+            <a:endParaRPr lang="en-US" dirty="0"/>
+          </a:p>
+        </p:txBody>
+      </p:sp>
+      <p:sp>
+        <p:nvSpPr>
+          <p:cNvPr id="4" name="Slide Number Placeholder 3"/>
+          <p:cNvSpPr>
+            <a:spLocks noGrp="1"/>
+          </p:cNvSpPr>
+          <p:nvPr>
+            <p:ph type="sldNum" sz="quarter" idx="10"/>
+          </p:nvPr>
+        </p:nvSpPr>
+        <p:spPr/>
+        <p:txBody>
+          <a:bodyPr/>
+          <a:lstStyle/>
+          <a:p>
+            <a:fld id="{2BF067CD-8E6B-4360-9AA8-C5DF2A48A6D1}" type="slidenum">
+              <a:rPr lang="en-US" smtClean="0"/>
+              <a:pPr/>
+              <a:t>20</a:t>
+            </a:fld>
+            <a:endParaRPr lang="en-US" dirty="0"/>
+          </a:p>
+        </p:txBody>
+      </p:sp>
+      <p:sp>
+        <p:nvSpPr>
+          <p:cNvPr id="5" name="Footer Placeholder 4"/>
+          <p:cNvSpPr>
+            <a:spLocks noGrp="1"/>
+          </p:cNvSpPr>
+          <p:nvPr>
+            <p:ph type="ftr" sz="quarter" idx="11"/>
+          </p:nvPr>
+        </p:nvSpPr>
+        <p:spPr/>
+        <p:txBody>
+          <a:bodyPr/>
+          <a:lstStyle/>
+          <a:p>
+            <a:r>
+              <a:rPr lang="en-US" smtClean="0"/>
+              <a:t>© SoftUni – </a:t>
+            </a:r>
+            <a:r>
+              <a:rPr lang="en-US" u="sng" smtClean="0">
+                <a:hlinkClick r:id="rId3"/>
+              </a:rPr>
+              <a:t>https://softuni.org</a:t>
+            </a:r>
+            <a:r>
+              <a:rPr lang="en-US" smtClean="0"/>
+              <a:t>. Copyrighted document. Unauthorized copy or reproduction is not permitted.</a:t>
+            </a:r>
+            <a:endParaRPr lang="en-US" dirty="0"/>
+          </a:p>
+        </p:txBody>
+      </p:sp>
+    </p:spTree>
+  </p:cSld>
+  <p:clrMapOvr>
+    <a:masterClrMapping/>
+  </p:clrMapOvr>
+</p:notes>
+</file>
+
+<file path=ppt/notesSlides/notesSlide11.xml><?xml version="1.0" encoding="utf-8"?>
+<p:notes xmlns:a="http://schemas.openxmlformats.org/drawingml/2006/main" xmlns:r="http://schemas.openxmlformats.org/officeDocument/2006/relationships" xmlns:p="http://schemas.openxmlformats.org/presentationml/2006/main">
+  <p:cSld>
+    <p:spTree>
+      <p:nvGrpSpPr>
+        <p:cNvPr id="1" name=""/>
+        <p:cNvGrpSpPr/>
+        <p:nvPr/>
+      </p:nvGrpSpPr>
+      <p:grpSpPr>
+        <a:xfrm>
+          <a:off x="0" y="0"/>
+          <a:ext cx="0" cy="0"/>
+          <a:chOff x="0" y="0"/>
+          <a:chExt cx="0" cy="0"/>
+        </a:xfrm>
+      </p:grpSpPr>
+      <p:sp>
+        <p:nvSpPr>
+          <p:cNvPr id="2" name="Slide Image Placeholder 1"/>
+          <p:cNvSpPr>
+            <a:spLocks noGrp="1" noRot="1" noChangeAspect="1"/>
+          </p:cNvSpPr>
+          <p:nvPr>
+            <p:ph type="sldImg"/>
+          </p:nvPr>
+        </p:nvSpPr>
+        <p:spPr/>
+      </p:sp>
+      <p:sp>
+        <p:nvSpPr>
+          <p:cNvPr id="3" name="Notes Placeholder 2"/>
+          <p:cNvSpPr>
+            <a:spLocks noGrp="1"/>
+          </p:cNvSpPr>
+          <p:nvPr>
+            <p:ph type="body" idx="1"/>
+          </p:nvPr>
+        </p:nvSpPr>
+        <p:spPr/>
+        <p:txBody>
+          <a:bodyPr>
+            <a:normAutofit/>
+          </a:bodyPr>
+          <a:lstStyle/>
+          <a:p>
+            <a:endParaRPr lang="en-US" dirty="0"/>
+          </a:p>
+        </p:txBody>
+      </p:sp>
+      <p:sp>
+        <p:nvSpPr>
+          <p:cNvPr id="4" name="Slide Number Placeholder 3"/>
+          <p:cNvSpPr>
+            <a:spLocks noGrp="1"/>
+          </p:cNvSpPr>
+          <p:nvPr>
+            <p:ph type="sldNum" sz="quarter" idx="10"/>
+          </p:nvPr>
+        </p:nvSpPr>
+        <p:spPr/>
+        <p:txBody>
+          <a:bodyPr/>
+          <a:lstStyle/>
+          <a:p>
+            <a:fld id="{2BF067CD-8E6B-4360-9AA8-C5DF2A48A6D1}" type="slidenum">
+              <a:rPr lang="en-US" smtClean="0"/>
+              <a:pPr/>
+              <a:t>23</a:t>
+            </a:fld>
+            <a:endParaRPr lang="en-US" dirty="0"/>
+          </a:p>
+        </p:txBody>
+      </p:sp>
+      <p:sp>
+        <p:nvSpPr>
+          <p:cNvPr id="5" name="Footer Placeholder 4"/>
+          <p:cNvSpPr>
+            <a:spLocks noGrp="1"/>
+          </p:cNvSpPr>
+          <p:nvPr>
+            <p:ph type="ftr" sz="quarter" idx="11"/>
+          </p:nvPr>
+        </p:nvSpPr>
+        <p:spPr/>
+        <p:txBody>
+          <a:bodyPr/>
+          <a:lstStyle/>
+          <a:p>
+            <a:r>
+              <a:rPr lang="en-US" smtClean="0"/>
+              <a:t>© SoftUni – </a:t>
+            </a:r>
+            <a:r>
+              <a:rPr lang="en-US" u="sng" smtClean="0">
+                <a:hlinkClick r:id="rId3"/>
+              </a:rPr>
+              <a:t>https://softuni.org</a:t>
+            </a:r>
+            <a:r>
+              <a:rPr lang="en-US" smtClean="0"/>
+              <a:t>. Copyrighted document. Unauthorized copy or reproduction is not permitted.</a:t>
+            </a:r>
+            <a:endParaRPr lang="en-US" dirty="0"/>
+          </a:p>
+        </p:txBody>
+      </p:sp>
+    </p:spTree>
+  </p:cSld>
+  <p:clrMapOvr>
+    <a:masterClrMapping/>
+  </p:clrMapOvr>
+</p:notes>
+</file>
+
+<file path=ppt/notesSlides/notesSlide12.xml><?xml version="1.0" encoding="utf-8"?>
+<p:notes xmlns:a="http://schemas.openxmlformats.org/drawingml/2006/main" xmlns:r="http://schemas.openxmlformats.org/officeDocument/2006/relationships" xmlns:p="http://schemas.openxmlformats.org/presentationml/2006/main">
+  <p:cSld>
+    <p:spTree>
+      <p:nvGrpSpPr>
+        <p:cNvPr id="1" name=""/>
+        <p:cNvGrpSpPr/>
+        <p:nvPr/>
+      </p:nvGrpSpPr>
+      <p:grpSpPr>
+        <a:xfrm>
+          <a:off x="0" y="0"/>
+          <a:ext cx="0" cy="0"/>
+          <a:chOff x="0" y="0"/>
+          <a:chExt cx="0" cy="0"/>
+        </a:xfrm>
+      </p:grpSpPr>
+      <p:sp>
+        <p:nvSpPr>
+          <p:cNvPr id="2" name="Slide Image Placeholder 1"/>
+          <p:cNvSpPr>
+            <a:spLocks noGrp="1" noRot="1" noChangeAspect="1"/>
+          </p:cNvSpPr>
+          <p:nvPr>
+            <p:ph type="sldImg"/>
+          </p:nvPr>
+        </p:nvSpPr>
+        <p:spPr/>
+      </p:sp>
+      <p:sp>
+        <p:nvSpPr>
+          <p:cNvPr id="3" name="Notes Placeholder 2"/>
+          <p:cNvSpPr>
+            <a:spLocks noGrp="1"/>
+          </p:cNvSpPr>
+          <p:nvPr>
+            <p:ph type="body" idx="1"/>
+          </p:nvPr>
+        </p:nvSpPr>
+        <p:spPr/>
+        <p:txBody>
           <a:bodyPr/>
           <a:lstStyle/>
           <a:p>
@@ -976,7 +1211,7 @@
           <p:cNvPr id="7" name="Slide Number Placeholder 5">
             <a:extLst>
               <a:ext uri="{FF2B5EF4-FFF2-40B4-BE49-F238E27FC236}">
-                <a16:creationId xmlns:a16="http://schemas.microsoft.com/office/drawing/2014/main" xmlns="" id="{E65F1CA9-65DC-416B-8882-B3A5E415CE67}"/>
+                <a16:creationId xmlns="" xmlns:a16="http://schemas.microsoft.com/office/drawing/2014/main" id="{E65F1CA9-65DC-416B-8882-B3A5E415CE67}"/>
               </a:ext>
             </a:extLst>
           </p:cNvPr>
@@ -1095,7 +1330,7 @@
             <a:fld id="{3EBA5BD7-F043-4D1B-AA17-CD412FC534DE}" type="slidenum">
               <a:rPr lang="en-US" smtClean="0"/>
               <a:pPr/>
-              <a:t>20</a:t>
+              <a:t>25</a:t>
             </a:fld>
             <a:endParaRPr lang="en-US" dirty="0"/>
           </a:p>
@@ -1106,7 +1341,7 @@
           <p:cNvPr id="4" name="Footer Placeholder 3">
             <a:extLst>
               <a:ext uri="{FF2B5EF4-FFF2-40B4-BE49-F238E27FC236}">
-                <a16:creationId xmlns:a16="http://schemas.microsoft.com/office/drawing/2014/main" xmlns="" id="{C5BD11C3-9FCD-4EAE-876D-E766924FAFF2}"/>
+                <a16:creationId xmlns="" xmlns:a16="http://schemas.microsoft.com/office/drawing/2014/main" id="{C5BD11C3-9FCD-4EAE-876D-E766924FAFF2}"/>
               </a:ext>
             </a:extLst>
           </p:cNvPr>
@@ -1142,7 +1377,7 @@
     </p:spTree>
     <p:extLst>
       <p:ext uri="{BB962C8B-B14F-4D97-AF65-F5344CB8AC3E}">
-        <p14:creationId xmlns:p14="http://schemas.microsoft.com/office/powerpoint/2010/main" xmlns="" val="1860974293"/>
+        <p14:creationId xmlns="" xmlns:p14="http://schemas.microsoft.com/office/powerpoint/2010/main" val="1860974293"/>
       </p:ext>
     </p:extLst>
   </p:cSld>
@@ -1152,7 +1387,7 @@
 </p:notes>
 </file>
 
-<file path=ppt/notesSlides/notesSlide11.xml><?xml version="1.0" encoding="utf-8"?>
+<file path=ppt/notesSlides/notesSlide13.xml><?xml version="1.0" encoding="utf-8"?>
 <p:notes xmlns:a="http://schemas.openxmlformats.org/drawingml/2006/main" xmlns:r="http://schemas.openxmlformats.org/officeDocument/2006/relationships" xmlns:p="http://schemas.openxmlformats.org/presentationml/2006/main">
   <p:cSld>
     <p:spTree>
@@ -1218,7 +1453,7 @@
             <a:fld id="{85C0F205-FB23-4B4A-AA1E-CC80DEDB9B7E}" type="slidenum">
               <a:rPr lang="x-none" smtClean="0"/>
               <a:pPr/>
-              <a:t>21</a:t>
+              <a:t>26</a:t>
             </a:fld>
             <a:endParaRPr lang="x-none"/>
           </a:p>
@@ -1227,7 +1462,7 @@
     </p:spTree>
     <p:extLst>
       <p:ext uri="{BB962C8B-B14F-4D97-AF65-F5344CB8AC3E}">
-        <p14:creationId xmlns:p14="http://schemas.microsoft.com/office/powerpoint/2010/main" xmlns="" val="1201445929"/>
+        <p14:creationId xmlns="" xmlns:p14="http://schemas.microsoft.com/office/powerpoint/2010/main" val="1201445929"/>
       </p:ext>
     </p:extLst>
   </p:cSld>
@@ -1237,7 +1472,7 @@
 </p:notes>
 </file>
 
-<file path=ppt/notesSlides/notesSlide12.xml><?xml version="1.0" encoding="utf-8"?>
+<file path=ppt/notesSlides/notesSlide14.xml><?xml version="1.0" encoding="utf-8"?>
 <p:notes xmlns:a="http://schemas.openxmlformats.org/drawingml/2006/main" xmlns:r="http://schemas.openxmlformats.org/officeDocument/2006/relationships" xmlns:p="http://schemas.openxmlformats.org/presentationml/2006/main">
   <p:cSld>
     <p:spTree>
@@ -1290,7 +1525,7 @@
           <p:cNvPr id="6" name="Slide Number Placeholder 5">
             <a:extLst>
               <a:ext uri="{FF2B5EF4-FFF2-40B4-BE49-F238E27FC236}">
-                <a16:creationId xmlns:a16="http://schemas.microsoft.com/office/drawing/2014/main" xmlns="" id="{6627548A-4D3C-449B-81A5-FA4BE4628490}"/>
+                <a16:creationId xmlns="" xmlns:a16="http://schemas.microsoft.com/office/drawing/2014/main" id="{6627548A-4D3C-449B-81A5-FA4BE4628490}"/>
               </a:ext>
             </a:extLst>
           </p:cNvPr>
@@ -1409,7 +1644,7 @@
             <a:fld id="{3EBA5BD7-F043-4D1B-AA17-CD412FC534DE}" type="slidenum">
               <a:rPr lang="en-US" smtClean="0"/>
               <a:pPr/>
-              <a:t>22</a:t>
+              <a:t>27</a:t>
             </a:fld>
             <a:endParaRPr lang="en-US" dirty="0"/>
           </a:p>
@@ -1420,7 +1655,7 @@
           <p:cNvPr id="4" name="Footer Placeholder 3">
             <a:extLst>
               <a:ext uri="{FF2B5EF4-FFF2-40B4-BE49-F238E27FC236}">
-                <a16:creationId xmlns:a16="http://schemas.microsoft.com/office/drawing/2014/main" xmlns="" id="{D2472CE7-61C1-4B7B-B0C8-5A45F0178717}"/>
+                <a16:creationId xmlns="" xmlns:a16="http://schemas.microsoft.com/office/drawing/2014/main" id="{D2472CE7-61C1-4B7B-B0C8-5A45F0178717}"/>
               </a:ext>
             </a:extLst>
           </p:cNvPr>
@@ -1456,7 +1691,7 @@
     </p:spTree>
     <p:extLst>
       <p:ext uri="{BB962C8B-B14F-4D97-AF65-F5344CB8AC3E}">
-        <p14:creationId xmlns:p14="http://schemas.microsoft.com/office/powerpoint/2010/main" xmlns="" val="729041308"/>
+        <p14:creationId xmlns="" xmlns:p14="http://schemas.microsoft.com/office/powerpoint/2010/main" val="729041308"/>
       </p:ext>
     </p:extLst>
   </p:cSld>
@@ -1488,7 +1723,7 @@
           <p:cNvPr id="14" name="Slide Image Placeholder 13">
             <a:extLst>
               <a:ext uri="{FF2B5EF4-FFF2-40B4-BE49-F238E27FC236}">
-                <a16:creationId xmlns:a16="http://schemas.microsoft.com/office/drawing/2014/main" xmlns="" id="{A1F0B3C6-2E53-4CA3-86D1-53D46EC35267}"/>
+                <a16:creationId xmlns="" xmlns:a16="http://schemas.microsoft.com/office/drawing/2014/main" id="{A1F0B3C6-2E53-4CA3-86D1-53D46EC35267}"/>
               </a:ext>
             </a:extLst>
           </p:cNvPr>
@@ -1506,7 +1741,7 @@
           <p:cNvPr id="15" name="Notes Placeholder 14">
             <a:extLst>
               <a:ext uri="{FF2B5EF4-FFF2-40B4-BE49-F238E27FC236}">
-                <a16:creationId xmlns:a16="http://schemas.microsoft.com/office/drawing/2014/main" xmlns="" id="{149CC699-A079-49A5-A4D6-73B7F849A7DC}"/>
+                <a16:creationId xmlns="" xmlns:a16="http://schemas.microsoft.com/office/drawing/2014/main" id="{149CC699-A079-49A5-A4D6-73B7F849A7DC}"/>
               </a:ext>
             </a:extLst>
           </p:cNvPr>
@@ -1531,7 +1766,7 @@
           <p:cNvPr id="19" name="Slide Number Placeholder 5">
             <a:extLst>
               <a:ext uri="{FF2B5EF4-FFF2-40B4-BE49-F238E27FC236}">
-                <a16:creationId xmlns:a16="http://schemas.microsoft.com/office/drawing/2014/main" xmlns="" id="{121F4233-7E9A-40D2-9066-2DB14E2FA5AD}"/>
+                <a16:creationId xmlns="" xmlns:a16="http://schemas.microsoft.com/office/drawing/2014/main" id="{121F4233-7E9A-40D2-9066-2DB14E2FA5AD}"/>
               </a:ext>
             </a:extLst>
           </p:cNvPr>
@@ -1661,7 +1896,7 @@
           <p:cNvPr id="2" name="Footer Placeholder 1">
             <a:extLst>
               <a:ext uri="{FF2B5EF4-FFF2-40B4-BE49-F238E27FC236}">
-                <a16:creationId xmlns:a16="http://schemas.microsoft.com/office/drawing/2014/main" xmlns="" id="{D18F1DFF-B3E7-4ABF-97EE-0BBF3A961EC5}"/>
+                <a16:creationId xmlns="" xmlns:a16="http://schemas.microsoft.com/office/drawing/2014/main" id="{D18F1DFF-B3E7-4ABF-97EE-0BBF3A961EC5}"/>
               </a:ext>
             </a:extLst>
           </p:cNvPr>
@@ -1697,7 +1932,7 @@
     </p:spTree>
     <p:extLst>
       <p:ext uri="{BB962C8B-B14F-4D97-AF65-F5344CB8AC3E}">
-        <p14:creationId xmlns:p14="http://schemas.microsoft.com/office/powerpoint/2010/main" xmlns="" val="4028530743"/>
+        <p14:creationId xmlns="" xmlns:p14="http://schemas.microsoft.com/office/powerpoint/2010/main" val="4028530743"/>
       </p:ext>
     </p:extLst>
   </p:cSld>
@@ -1797,7 +2032,7 @@
           <p:cNvPr id="7" name="Footer Placeholder 7">
             <a:extLst>
               <a:ext uri="{FF2B5EF4-FFF2-40B4-BE49-F238E27FC236}">
-                <a16:creationId xmlns="" xmlns:a16="http://schemas.microsoft.com/office/drawing/2014/main" id="{56AA1182-9AB1-4D3A-8BB9-912E8B62BF2A}"/>
+                <a16:creationId xmlns:a16="http://schemas.microsoft.com/office/drawing/2014/main" xmlns="" id="{56AA1182-9AB1-4D3A-8BB9-912E8B62BF2A}"/>
               </a:ext>
             </a:extLst>
           </p:cNvPr>
@@ -1845,7 +2080,7 @@
     </p:spTree>
     <p:extLst>
       <p:ext uri="{BB962C8B-B14F-4D97-AF65-F5344CB8AC3E}">
-        <p14:creationId xmlns="" xmlns:p14="http://schemas.microsoft.com/office/powerpoint/2010/main" val="1373093975"/>
+        <p14:creationId xmlns:p14="http://schemas.microsoft.com/office/powerpoint/2010/main" xmlns="" val="1373093975"/>
       </p:ext>
     </p:extLst>
   </p:cSld>
@@ -1957,7 +2192,7 @@
           <p:cNvPr id="7" name="Footer Placeholder 7">
             <a:extLst>
               <a:ext uri="{FF2B5EF4-FFF2-40B4-BE49-F238E27FC236}">
-                <a16:creationId xmlns="" xmlns:a16="http://schemas.microsoft.com/office/drawing/2014/main" id="{769F3C2A-6839-40CC-ABF3-ADC3B2083BEC}"/>
+                <a16:creationId xmlns:a16="http://schemas.microsoft.com/office/drawing/2014/main" xmlns="" id="{769F3C2A-6839-40CC-ABF3-ADC3B2083BEC}"/>
               </a:ext>
             </a:extLst>
           </p:cNvPr>
@@ -2005,7 +2240,7 @@
     </p:spTree>
     <p:extLst>
       <p:ext uri="{BB962C8B-B14F-4D97-AF65-F5344CB8AC3E}">
-        <p14:creationId xmlns="" xmlns:p14="http://schemas.microsoft.com/office/powerpoint/2010/main" val="1589677150"/>
+        <p14:creationId xmlns:p14="http://schemas.microsoft.com/office/powerpoint/2010/main" xmlns="" val="1589677150"/>
       </p:ext>
     </p:extLst>
   </p:cSld>
@@ -2092,7 +2327,7 @@
           <p:cNvPr id="7" name="Footer Placeholder 7">
             <a:extLst>
               <a:ext uri="{FF2B5EF4-FFF2-40B4-BE49-F238E27FC236}">
-                <a16:creationId xmlns="" xmlns:a16="http://schemas.microsoft.com/office/drawing/2014/main" id="{67562BF2-0015-4011-80FF-0857D12BC27F}"/>
+                <a16:creationId xmlns:a16="http://schemas.microsoft.com/office/drawing/2014/main" xmlns="" id="{67562BF2-0015-4011-80FF-0857D12BC27F}"/>
               </a:ext>
             </a:extLst>
           </p:cNvPr>
@@ -2140,7 +2375,7 @@
     </p:spTree>
     <p:extLst>
       <p:ext uri="{BB962C8B-B14F-4D97-AF65-F5344CB8AC3E}">
-        <p14:creationId xmlns="" xmlns:p14="http://schemas.microsoft.com/office/powerpoint/2010/main" val="452608540"/>
+        <p14:creationId xmlns:p14="http://schemas.microsoft.com/office/powerpoint/2010/main" xmlns="" val="452608540"/>
       </p:ext>
     </p:extLst>
   </p:cSld>
@@ -2287,7 +2522,7 @@
           <p:cNvPr id="9" name="Footer Placeholder 7">
             <a:extLst>
               <a:ext uri="{FF2B5EF4-FFF2-40B4-BE49-F238E27FC236}">
-                <a16:creationId xmlns="" xmlns:a16="http://schemas.microsoft.com/office/drawing/2014/main" id="{0C9B08B0-F280-4682-AEAC-8DECAB371F64}"/>
+                <a16:creationId xmlns:a16="http://schemas.microsoft.com/office/drawing/2014/main" xmlns="" id="{0C9B08B0-F280-4682-AEAC-8DECAB371F64}"/>
               </a:ext>
             </a:extLst>
           </p:cNvPr>
@@ -2335,7 +2570,7 @@
     </p:spTree>
     <p:extLst>
       <p:ext uri="{BB962C8B-B14F-4D97-AF65-F5344CB8AC3E}">
-        <p14:creationId xmlns="" xmlns:p14="http://schemas.microsoft.com/office/powerpoint/2010/main" val="664285175"/>
+        <p14:creationId xmlns:p14="http://schemas.microsoft.com/office/powerpoint/2010/main" xmlns="" val="664285175"/>
       </p:ext>
     </p:extLst>
   </p:cSld>
@@ -2422,7 +2657,7 @@
           <p:cNvPr id="7" name="Footer Placeholder 7">
             <a:extLst>
               <a:ext uri="{FF2B5EF4-FFF2-40B4-BE49-F238E27FC236}">
-                <a16:creationId xmlns="" xmlns:a16="http://schemas.microsoft.com/office/drawing/2014/main" id="{A628E2D1-3510-4A58-9627-5EDC8B1E2217}"/>
+                <a16:creationId xmlns:a16="http://schemas.microsoft.com/office/drawing/2014/main" xmlns="" id="{A628E2D1-3510-4A58-9627-5EDC8B1E2217}"/>
               </a:ext>
             </a:extLst>
           </p:cNvPr>
@@ -2470,7 +2705,7 @@
     </p:spTree>
     <p:extLst>
       <p:ext uri="{BB962C8B-B14F-4D97-AF65-F5344CB8AC3E}">
-        <p14:creationId xmlns="" xmlns:p14="http://schemas.microsoft.com/office/powerpoint/2010/main" val="3851196914"/>
+        <p14:creationId xmlns:p14="http://schemas.microsoft.com/office/powerpoint/2010/main" xmlns="" val="3851196914"/>
       </p:ext>
     </p:extLst>
   </p:cSld>
@@ -2732,7 +2967,7 @@
           <p:cNvPr id="16" name="Rectangle Bottom">
             <a:extLst>
               <a:ext uri="{FF2B5EF4-FFF2-40B4-BE49-F238E27FC236}">
-                <a16:creationId xmlns:a16="http://schemas.microsoft.com/office/drawing/2014/main" xmlns="" id="{6854D183-0374-4B3E-B2CE-32F308A81591}"/>
+                <a16:creationId xmlns="" xmlns:a16="http://schemas.microsoft.com/office/drawing/2014/main" id="{6854D183-0374-4B3E-B2CE-32F308A81591}"/>
               </a:ext>
             </a:extLst>
           </p:cNvPr>
@@ -2813,7 +3048,7 @@
           <p:cNvPr id="14" name="Picture Logo SoftUni" descr="SoftUni logo">
             <a:extLst>
               <a:ext uri="{FF2B5EF4-FFF2-40B4-BE49-F238E27FC236}">
-                <a16:creationId xmlns:a16="http://schemas.microsoft.com/office/drawing/2014/main" xmlns="" id="{C4D6B2A2-DFF0-4712-BFEC-6676BEC99FEC}"/>
+                <a16:creationId xmlns="" xmlns:a16="http://schemas.microsoft.com/office/drawing/2014/main" id="{C4D6B2A2-DFF0-4712-BFEC-6676BEC99FEC}"/>
               </a:ext>
             </a:extLst>
           </p:cNvPr>
@@ -2836,7 +3071,7 @@
             </a:clrChange>
             <a:extLst>
               <a:ext uri="{28A0092B-C50C-407E-A947-70E740481C1C}">
-                <a14:useLocalDpi xmlns:a14="http://schemas.microsoft.com/office/drawing/2010/main" xmlns="" val="0"/>
+                <a14:useLocalDpi xmlns="" xmlns:a14="http://schemas.microsoft.com/office/drawing/2010/main" val="0"/>
               </a:ext>
             </a:extLst>
           </a:blip>
@@ -2859,7 +3094,7 @@
           <p:cNvPr id="31" name="Text Placeholder Company Site">
             <a:extLst>
               <a:ext uri="{FF2B5EF4-FFF2-40B4-BE49-F238E27FC236}">
-                <a16:creationId xmlns:a16="http://schemas.microsoft.com/office/drawing/2014/main" xmlns="" id="{3E6B87B7-9D33-4EBB-BD4F-C0436BA3FD72}"/>
+                <a16:creationId xmlns="" xmlns:a16="http://schemas.microsoft.com/office/drawing/2014/main" id="{3E6B87B7-9D33-4EBB-BD4F-C0436BA3FD72}"/>
               </a:ext>
             </a:extLst>
           </p:cNvPr>
@@ -2921,7 +3156,7 @@
           <p:cNvPr id="30" name="Text Placeholder Company Name">
             <a:extLst>
               <a:ext uri="{FF2B5EF4-FFF2-40B4-BE49-F238E27FC236}">
-                <a16:creationId xmlns:a16="http://schemas.microsoft.com/office/drawing/2014/main" xmlns="" id="{2EA92DCA-4DB5-4D03-ACD3-A6A296592D0C}"/>
+                <a16:creationId xmlns="" xmlns:a16="http://schemas.microsoft.com/office/drawing/2014/main" id="{2EA92DCA-4DB5-4D03-ACD3-A6A296592D0C}"/>
               </a:ext>
             </a:extLst>
           </p:cNvPr>
@@ -2983,7 +3218,7 @@
           <p:cNvPr id="35" name="Picture SoftUni Mascot" descr="SoftUni mascot">
             <a:extLst>
               <a:ext uri="{FF2B5EF4-FFF2-40B4-BE49-F238E27FC236}">
-                <a16:creationId xmlns:a16="http://schemas.microsoft.com/office/drawing/2014/main" xmlns="" id="{951E7DA9-C5F0-43D9-B013-3BDF9EEF029D}"/>
+                <a16:creationId xmlns="" xmlns:a16="http://schemas.microsoft.com/office/drawing/2014/main" id="{951E7DA9-C5F0-43D9-B013-3BDF9EEF029D}"/>
               </a:ext>
             </a:extLst>
           </p:cNvPr>
@@ -2996,7 +3231,7 @@
           <a:blip r:embed="rId3" cstate="print">
             <a:extLst>
               <a:ext uri="{28A0092B-C50C-407E-A947-70E740481C1C}">
-                <a14:useLocalDpi xmlns:a14="http://schemas.microsoft.com/office/drawing/2010/main" xmlns="" val="0"/>
+                <a14:useLocalDpi xmlns="" xmlns:a14="http://schemas.microsoft.com/office/drawing/2010/main" val="0"/>
               </a:ext>
             </a:extLst>
           </a:blip>
@@ -3019,7 +3254,7 @@
             <a:hlinkClick r:id="rId4"/>
             <a:extLst>
               <a:ext uri="{FF2B5EF4-FFF2-40B4-BE49-F238E27FC236}">
-                <a16:creationId xmlns:a16="http://schemas.microsoft.com/office/drawing/2014/main" xmlns="" id="{F2315EB3-3FE4-4D3B-921E-5F209CEC13CB}"/>
+                <a16:creationId xmlns="" xmlns:a16="http://schemas.microsoft.com/office/drawing/2014/main" id="{F2315EB3-3FE4-4D3B-921E-5F209CEC13CB}"/>
               </a:ext>
             </a:extLst>
           </p:cNvPr>
@@ -3042,7 +3277,7 @@
             </a:clrChange>
             <a:extLst>
               <a:ext uri="{28A0092B-C50C-407E-A947-70E740481C1C}">
-                <a14:useLocalDpi xmlns:a14="http://schemas.microsoft.com/office/drawing/2010/main" xmlns="" val="0"/>
+                <a14:useLocalDpi xmlns="" xmlns:a14="http://schemas.microsoft.com/office/drawing/2010/main" val="0"/>
               </a:ext>
             </a:extLst>
           </a:blip>
@@ -3065,7 +3300,7 @@
           <p:cNvPr id="40" name="Text Placeholder Author Position">
             <a:extLst>
               <a:ext uri="{FF2B5EF4-FFF2-40B4-BE49-F238E27FC236}">
-                <a16:creationId xmlns:a16="http://schemas.microsoft.com/office/drawing/2014/main" xmlns="" id="{CD940256-851E-46C8-8BFB-A5ECA6C7DA07}"/>
+                <a16:creationId xmlns="" xmlns:a16="http://schemas.microsoft.com/office/drawing/2014/main" id="{CD940256-851E-46C8-8BFB-A5ECA6C7DA07}"/>
               </a:ext>
             </a:extLst>
           </p:cNvPr>
@@ -3125,7 +3360,7 @@
           <p:cNvPr id="36" name="Text Placeholder Author Name">
             <a:extLst>
               <a:ext uri="{FF2B5EF4-FFF2-40B4-BE49-F238E27FC236}">
-                <a16:creationId xmlns:a16="http://schemas.microsoft.com/office/drawing/2014/main" xmlns="" id="{3B21F47B-DE1F-442D-A2B7-6866F8786704}"/>
+                <a16:creationId xmlns="" xmlns:a16="http://schemas.microsoft.com/office/drawing/2014/main" id="{3B21F47B-DE1F-442D-A2B7-6866F8786704}"/>
               </a:ext>
             </a:extLst>
           </p:cNvPr>
@@ -3185,7 +3420,7 @@
           <p:cNvPr id="33" name="Picture Placeholder Title Image">
             <a:extLst>
               <a:ext uri="{FF2B5EF4-FFF2-40B4-BE49-F238E27FC236}">
-                <a16:creationId xmlns:a16="http://schemas.microsoft.com/office/drawing/2014/main" xmlns="" id="{A04D819A-89E2-4714-8C56-1838BF467EF7}"/>
+                <a16:creationId xmlns="" xmlns:a16="http://schemas.microsoft.com/office/drawing/2014/main" id="{A04D819A-89E2-4714-8C56-1838BF467EF7}"/>
               </a:ext>
             </a:extLst>
           </p:cNvPr>
@@ -3227,7 +3462,7 @@
           <p:cNvPr id="43" name="Presentation Subtitle">
             <a:extLst>
               <a:ext uri="{FF2B5EF4-FFF2-40B4-BE49-F238E27FC236}">
-                <a16:creationId xmlns:a16="http://schemas.microsoft.com/office/drawing/2014/main" xmlns="" id="{37BDB812-1395-4B02-ABCF-6A331EEE23E5}"/>
+                <a16:creationId xmlns="" xmlns:a16="http://schemas.microsoft.com/office/drawing/2014/main" id="{37BDB812-1395-4B02-ABCF-6A331EEE23E5}"/>
               </a:ext>
             </a:extLst>
           </p:cNvPr>
@@ -3271,7 +3506,7 @@
           <p:cNvPr id="2" name="Presentation Title">
             <a:extLst>
               <a:ext uri="{FF2B5EF4-FFF2-40B4-BE49-F238E27FC236}">
-                <a16:creationId xmlns:a16="http://schemas.microsoft.com/office/drawing/2014/main" xmlns="" id="{A4DF3AB8-E6E3-4FCE-8A4A-ECD147720A5D}"/>
+                <a16:creationId xmlns="" xmlns:a16="http://schemas.microsoft.com/office/drawing/2014/main" id="{A4DF3AB8-E6E3-4FCE-8A4A-ECD147720A5D}"/>
               </a:ext>
             </a:extLst>
           </p:cNvPr>
@@ -3306,7 +3541,7 @@
     </p:spTree>
     <p:extLst>
       <p:ext uri="{BB962C8B-B14F-4D97-AF65-F5344CB8AC3E}">
-        <p14:creationId xmlns:p14="http://schemas.microsoft.com/office/powerpoint/2010/main" xmlns="" val="970179299"/>
+        <p14:creationId xmlns="" xmlns:p14="http://schemas.microsoft.com/office/powerpoint/2010/main" val="970179299"/>
       </p:ext>
     </p:extLst>
   </p:cSld>
@@ -3314,7 +3549,7 @@
     <a:masterClrMapping/>
   </p:clrMapOvr>
   <mc:AlternateContent xmlns:mc="http://schemas.openxmlformats.org/markup-compatibility/2006">
-    <mc:Choice xmlns:p14="http://schemas.microsoft.com/office/powerpoint/2010/main" xmlns="" Requires="p14">
+    <mc:Choice xmlns="" xmlns:p14="http://schemas.microsoft.com/office/powerpoint/2010/main" Requires="p14">
       <p:transition spd="slow" p14:dur="2000" advClick="0" advTm="5000"/>
     </mc:Choice>
     <mc:Fallback>
@@ -3323,7 +3558,7 @@
   </mc:AlternateContent>
   <p:extLst>
     <p:ext uri="{DCECCB84-F9BA-43D5-87BE-67443E8EF086}">
-      <p15:sldGuideLst xmlns:p15="http://schemas.microsoft.com/office/powerpoint/2012/main" xmlns="">
+      <p15:sldGuideLst xmlns="" xmlns:p15="http://schemas.microsoft.com/office/powerpoint/2012/main">
         <p15:guide id="1" orient="horz" pos="2160">
           <p15:clr>
             <a:srgbClr val="FBAE40"/>
@@ -3362,7 +3597,7 @@
           <p:cNvPr id="15" name="Slide Number">
             <a:extLst>
               <a:ext uri="{FF2B5EF4-FFF2-40B4-BE49-F238E27FC236}">
-                <a16:creationId xmlns:a16="http://schemas.microsoft.com/office/drawing/2014/main" xmlns="" id="{F888EE71-82B3-40F1-A63F-7417422FB4A4}"/>
+                <a16:creationId xmlns="" xmlns:a16="http://schemas.microsoft.com/office/drawing/2014/main" id="{F888EE71-82B3-40F1-A63F-7417422FB4A4}"/>
               </a:ext>
             </a:extLst>
           </p:cNvPr>
@@ -3404,7 +3639,7 @@
           <p:cNvPr id="14" name="Text Placeholder Body">
             <a:extLst>
               <a:ext uri="{FF2B5EF4-FFF2-40B4-BE49-F238E27FC236}">
-                <a16:creationId xmlns:a16="http://schemas.microsoft.com/office/drawing/2014/main" xmlns="" id="{A2ABE920-240F-4CF6-AD45-23ED489FAD6E}"/>
+                <a16:creationId xmlns="" xmlns:a16="http://schemas.microsoft.com/office/drawing/2014/main" id="{A2ABE920-240F-4CF6-AD45-23ED489FAD6E}"/>
               </a:ext>
             </a:extLst>
           </p:cNvPr>
@@ -3710,7 +3945,7 @@
           <p:cNvPr id="10" name="Rectangle Down">
             <a:extLst>
               <a:ext uri="{FF2B5EF4-FFF2-40B4-BE49-F238E27FC236}">
-                <a16:creationId xmlns:a16="http://schemas.microsoft.com/office/drawing/2014/main" xmlns="" id="{E9B994EC-35A8-4A11-98CB-25DC28852F94}"/>
+                <a16:creationId xmlns="" xmlns:a16="http://schemas.microsoft.com/office/drawing/2014/main" id="{E9B994EC-35A8-4A11-98CB-25DC28852F94}"/>
               </a:ext>
             </a:extLst>
           </p:cNvPr>
@@ -3791,7 +4026,7 @@
           <p:cNvPr id="11" name="Rectangle Top">
             <a:extLst>
               <a:ext uri="{FF2B5EF4-FFF2-40B4-BE49-F238E27FC236}">
-                <a16:creationId xmlns:a16="http://schemas.microsoft.com/office/drawing/2014/main" xmlns="" id="{274B8F05-DFCE-47BD-BAFD-DF93E1A63BDD}"/>
+                <a16:creationId xmlns="" xmlns:a16="http://schemas.microsoft.com/office/drawing/2014/main" id="{274B8F05-DFCE-47BD-BAFD-DF93E1A63BDD}"/>
               </a:ext>
             </a:extLst>
           </p:cNvPr>
@@ -3872,7 +4107,7 @@
           <p:cNvPr id="12" name="Logo Software University" descr="Software University logo">
             <a:extLst>
               <a:ext uri="{FF2B5EF4-FFF2-40B4-BE49-F238E27FC236}">
-                <a16:creationId xmlns:a16="http://schemas.microsoft.com/office/drawing/2014/main" xmlns="" id="{233CBB95-791E-4630-B3D9-FADFCE7BCF52}"/>
+                <a16:creationId xmlns="" xmlns:a16="http://schemas.microsoft.com/office/drawing/2014/main" id="{233CBB95-791E-4630-B3D9-FADFCE7BCF52}"/>
               </a:ext>
             </a:extLst>
           </p:cNvPr>
@@ -3885,7 +4120,7 @@
           <a:blip r:embed="rId2" cstate="print">
             <a:extLst>
               <a:ext uri="{28A0092B-C50C-407E-A947-70E740481C1C}">
-                <a14:useLocalDpi xmlns:a14="http://schemas.microsoft.com/office/drawing/2010/main" xmlns="" val="0"/>
+                <a14:useLocalDpi xmlns="" xmlns:a14="http://schemas.microsoft.com/office/drawing/2010/main" val="0"/>
               </a:ext>
             </a:extLst>
           </a:blip>
@@ -3908,7 +4143,7 @@
           <p:cNvPr id="13" name="Slide Title">
             <a:extLst>
               <a:ext uri="{FF2B5EF4-FFF2-40B4-BE49-F238E27FC236}">
-                <a16:creationId xmlns:a16="http://schemas.microsoft.com/office/drawing/2014/main" xmlns="" id="{3F218E34-55D7-4290-BFE4-80F31F941551}"/>
+                <a16:creationId xmlns="" xmlns:a16="http://schemas.microsoft.com/office/drawing/2014/main" id="{3F218E34-55D7-4290-BFE4-80F31F941551}"/>
               </a:ext>
             </a:extLst>
           </p:cNvPr>
@@ -3947,7 +4182,7 @@
     </p:spTree>
     <p:extLst>
       <p:ext uri="{BB962C8B-B14F-4D97-AF65-F5344CB8AC3E}">
-        <p14:creationId xmlns:p14="http://schemas.microsoft.com/office/powerpoint/2010/main" xmlns="" val="3774019400"/>
+        <p14:creationId xmlns="" xmlns:p14="http://schemas.microsoft.com/office/powerpoint/2010/main" val="3774019400"/>
       </p:ext>
     </p:extLst>
   </p:cSld>
@@ -3955,7 +4190,7 @@
     <a:masterClrMapping/>
   </p:clrMapOvr>
   <mc:AlternateContent xmlns:mc="http://schemas.openxmlformats.org/markup-compatibility/2006">
-    <mc:Choice xmlns:p14="http://schemas.microsoft.com/office/powerpoint/2010/main" xmlns="" Requires="p14">
+    <mc:Choice xmlns="" xmlns:p14="http://schemas.microsoft.com/office/powerpoint/2010/main" Requires="p14">
       <p:transition spd="slow" p14:dur="2000" advClick="0" advTm="5000"/>
     </mc:Choice>
     <mc:Fallback>
@@ -3995,7 +4230,7 @@
           <p:cNvPr id="35" name="Rectangle Bottom">
             <a:extLst>
               <a:ext uri="{FF2B5EF4-FFF2-40B4-BE49-F238E27FC236}">
-                <a16:creationId xmlns:a16="http://schemas.microsoft.com/office/drawing/2014/main" xmlns="" id="{550A59F9-9A9D-4956-95B4-F78CC0DB1D59}"/>
+                <a16:creationId xmlns="" xmlns:a16="http://schemas.microsoft.com/office/drawing/2014/main" id="{550A59F9-9A9D-4956-95B4-F78CC0DB1D59}"/>
               </a:ext>
             </a:extLst>
           </p:cNvPr>
@@ -4076,7 +4311,7 @@
           <p:cNvPr id="53" name="Rectangle Bottom Copyright">
             <a:extLst>
               <a:ext uri="{FF2B5EF4-FFF2-40B4-BE49-F238E27FC236}">
-                <a16:creationId xmlns:a16="http://schemas.microsoft.com/office/drawing/2014/main" xmlns="" id="{B07FB7FB-DA6C-4F5D-B068-357F0FCE27D8}"/>
+                <a16:creationId xmlns="" xmlns:a16="http://schemas.microsoft.com/office/drawing/2014/main" id="{B07FB7FB-DA6C-4F5D-B068-357F0FCE27D8}"/>
               </a:ext>
             </a:extLst>
           </p:cNvPr>
@@ -4133,7 +4368,7 @@
                 <a:hlinkClick r:id="rId2">
                   <a:extLst>
                     <a:ext uri="{A12FA001-AC4F-418D-AE19-62706E023703}">
-                      <ahyp:hlinkClr xmlns:ahyp="http://schemas.microsoft.com/office/drawing/2018/hyperlinkcolor" xmlns="" val="tx"/>
+                      <ahyp:hlinkClr xmlns="" xmlns:ahyp="http://schemas.microsoft.com/office/drawing/2018/hyperlinkcolor" val="tx"/>
                     </a:ext>
                   </a:extLst>
                 </a:hlinkClick>
@@ -4169,7 +4404,7 @@
           <p:cNvPr id="26" name="Picture SoftUni Mascot" descr="SoftUni mascot with open hand">
             <a:extLst>
               <a:ext uri="{FF2B5EF4-FFF2-40B4-BE49-F238E27FC236}">
-                <a16:creationId xmlns:a16="http://schemas.microsoft.com/office/drawing/2014/main" xmlns="" id="{247CFF3C-C4FA-493D-8505-DF469F4D36A4}"/>
+                <a16:creationId xmlns="" xmlns:a16="http://schemas.microsoft.com/office/drawing/2014/main" id="{247CFF3C-C4FA-493D-8505-DF469F4D36A4}"/>
               </a:ext>
             </a:extLst>
           </p:cNvPr>
@@ -4182,7 +4417,7 @@
           <a:blip r:embed="rId3" cstate="print">
             <a:extLst>
               <a:ext uri="{28A0092B-C50C-407E-A947-70E740481C1C}">
-                <a14:useLocalDpi xmlns:a14="http://schemas.microsoft.com/office/drawing/2010/main" xmlns="" val="0"/>
+                <a14:useLocalDpi xmlns="" xmlns:a14="http://schemas.microsoft.com/office/drawing/2010/main" val="0"/>
               </a:ext>
             </a:extLst>
           </a:blip>
@@ -4205,7 +4440,7 @@
           <p:cNvPr id="2" name="Group SoftUni Brands">
             <a:extLst>
               <a:ext uri="{FF2B5EF4-FFF2-40B4-BE49-F238E27FC236}">
-                <a16:creationId xmlns:a16="http://schemas.microsoft.com/office/drawing/2014/main" xmlns="" id="{418FAE34-C1F8-46C7-A4AE-F270D1E70F25}"/>
+                <a16:creationId xmlns="" xmlns:a16="http://schemas.microsoft.com/office/drawing/2014/main" id="{418FAE34-C1F8-46C7-A4AE-F270D1E70F25}"/>
               </a:ext>
             </a:extLst>
           </p:cNvPr>
@@ -4225,7 +4460,7 @@
             <p:cNvPr id="24" name="Picture SoftUni Kids Logo" descr="SoftUni Kids logo">
               <a:extLst>
                 <a:ext uri="{FF2B5EF4-FFF2-40B4-BE49-F238E27FC236}">
-                  <a16:creationId xmlns:a16="http://schemas.microsoft.com/office/drawing/2014/main" xmlns="" id="{B0812936-74B6-4265-8C08-AEDC8C798702}"/>
+                  <a16:creationId xmlns="" xmlns:a16="http://schemas.microsoft.com/office/drawing/2014/main" id="{B0812936-74B6-4265-8C08-AEDC8C798702}"/>
                 </a:ext>
               </a:extLst>
             </p:cNvPr>
@@ -4238,7 +4473,7 @@
             <a:blip r:embed="rId4" cstate="print">
               <a:extLst>
                 <a:ext uri="{28A0092B-C50C-407E-A947-70E740481C1C}">
-                  <a14:useLocalDpi xmlns:a14="http://schemas.microsoft.com/office/drawing/2010/main" xmlns="" val="0"/>
+                  <a14:useLocalDpi xmlns="" xmlns:a14="http://schemas.microsoft.com/office/drawing/2010/main" val="0"/>
                 </a:ext>
               </a:extLst>
             </a:blip>
@@ -4261,7 +4496,7 @@
             <p:cNvPr id="23" name="Picture SoftUni Foundation Logo" descr="SoftUni Foundation logo">
               <a:extLst>
                 <a:ext uri="{FF2B5EF4-FFF2-40B4-BE49-F238E27FC236}">
-                  <a16:creationId xmlns:a16="http://schemas.microsoft.com/office/drawing/2014/main" xmlns="" id="{6643F71A-2013-433A-8322-FBAAED3162D8}"/>
+                  <a16:creationId xmlns="" xmlns:a16="http://schemas.microsoft.com/office/drawing/2014/main" id="{6643F71A-2013-433A-8322-FBAAED3162D8}"/>
                 </a:ext>
               </a:extLst>
             </p:cNvPr>
@@ -4274,7 +4509,7 @@
             <a:blip r:embed="rId5" cstate="print">
               <a:extLst>
                 <a:ext uri="{28A0092B-C50C-407E-A947-70E740481C1C}">
-                  <a14:useLocalDpi xmlns:a14="http://schemas.microsoft.com/office/drawing/2010/main" xmlns="" val="0"/>
+                  <a14:useLocalDpi xmlns="" xmlns:a14="http://schemas.microsoft.com/office/drawing/2010/main" val="0"/>
                 </a:ext>
               </a:extLst>
             </a:blip>
@@ -4297,7 +4532,7 @@
             <p:cNvPr id="22" name="Picture SoftUni Digital Logo" descr="SoftUni Digital logo">
               <a:extLst>
                 <a:ext uri="{FF2B5EF4-FFF2-40B4-BE49-F238E27FC236}">
-                  <a16:creationId xmlns:a16="http://schemas.microsoft.com/office/drawing/2014/main" xmlns="" id="{0A83D66F-855B-463B-920B-BF239B01A206}"/>
+                  <a16:creationId xmlns="" xmlns:a16="http://schemas.microsoft.com/office/drawing/2014/main" id="{0A83D66F-855B-463B-920B-BF239B01A206}"/>
                 </a:ext>
               </a:extLst>
             </p:cNvPr>
@@ -4310,7 +4545,7 @@
             <a:blip r:embed="rId6" cstate="print">
               <a:extLst>
                 <a:ext uri="{28A0092B-C50C-407E-A947-70E740481C1C}">
-                  <a14:useLocalDpi xmlns:a14="http://schemas.microsoft.com/office/drawing/2010/main" xmlns="" val="0"/>
+                  <a14:useLocalDpi xmlns="" xmlns:a14="http://schemas.microsoft.com/office/drawing/2010/main" val="0"/>
                 </a:ext>
               </a:extLst>
             </a:blip>
@@ -4333,7 +4568,7 @@
             <p:cNvPr id="21" name="Picture SoftUni Creative Logo" descr="SoftUni Creative logo">
               <a:extLst>
                 <a:ext uri="{FF2B5EF4-FFF2-40B4-BE49-F238E27FC236}">
-                  <a16:creationId xmlns:a16="http://schemas.microsoft.com/office/drawing/2014/main" xmlns="" id="{EA755AAE-BA08-481C-9224-0061170EE4B8}"/>
+                  <a16:creationId xmlns="" xmlns:a16="http://schemas.microsoft.com/office/drawing/2014/main" id="{EA755AAE-BA08-481C-9224-0061170EE4B8}"/>
                 </a:ext>
               </a:extLst>
             </p:cNvPr>
@@ -4346,7 +4581,7 @@
             <a:blip r:embed="rId7" cstate="print">
               <a:extLst>
                 <a:ext uri="{28A0092B-C50C-407E-A947-70E740481C1C}">
-                  <a14:useLocalDpi xmlns:a14="http://schemas.microsoft.com/office/drawing/2010/main" xmlns="" val="0"/>
+                  <a14:useLocalDpi xmlns="" xmlns:a14="http://schemas.microsoft.com/office/drawing/2010/main" val="0"/>
                 </a:ext>
               </a:extLst>
             </a:blip>
@@ -4369,7 +4604,7 @@
             <p:cNvPr id="20" name="Picture SoftUni Svetlina Logo" descr="SoftUni Svetlina logo">
               <a:extLst>
                 <a:ext uri="{FF2B5EF4-FFF2-40B4-BE49-F238E27FC236}">
-                  <a16:creationId xmlns:a16="http://schemas.microsoft.com/office/drawing/2014/main" xmlns="" id="{827D15FD-4C66-4B85-98E6-7826AA8F61C6}"/>
+                  <a16:creationId xmlns="" xmlns:a16="http://schemas.microsoft.com/office/drawing/2014/main" id="{827D15FD-4C66-4B85-98E6-7826AA8F61C6}"/>
                 </a:ext>
               </a:extLst>
             </p:cNvPr>
@@ -4382,7 +4617,7 @@
             <a:blip r:embed="rId8" cstate="print">
               <a:extLst>
                 <a:ext uri="{28A0092B-C50C-407E-A947-70E740481C1C}">
-                  <a14:useLocalDpi xmlns:a14="http://schemas.microsoft.com/office/drawing/2010/main" xmlns="" val="0"/>
+                  <a14:useLocalDpi xmlns="" xmlns:a14="http://schemas.microsoft.com/office/drawing/2010/main" val="0"/>
                 </a:ext>
               </a:extLst>
             </a:blip>
@@ -4405,7 +4640,7 @@
             <p:cNvPr id="25" name="Picture Software University Logo" descr="Software University logo">
               <a:extLst>
                 <a:ext uri="{FF2B5EF4-FFF2-40B4-BE49-F238E27FC236}">
-                  <a16:creationId xmlns:a16="http://schemas.microsoft.com/office/drawing/2014/main" xmlns="" id="{C74C190C-5856-41B9-8819-AE8DE0E10980}"/>
+                  <a16:creationId xmlns="" xmlns:a16="http://schemas.microsoft.com/office/drawing/2014/main" id="{C74C190C-5856-41B9-8819-AE8DE0E10980}"/>
                 </a:ext>
               </a:extLst>
             </p:cNvPr>
@@ -4418,7 +4653,7 @@
             <a:blip r:embed="rId9" cstate="print">
               <a:extLst>
                 <a:ext uri="{28A0092B-C50C-407E-A947-70E740481C1C}">
-                  <a14:useLocalDpi xmlns:a14="http://schemas.microsoft.com/office/drawing/2010/main" xmlns="" val="0"/>
+                  <a14:useLocalDpi xmlns="" xmlns:a14="http://schemas.microsoft.com/office/drawing/2010/main" val="0"/>
                 </a:ext>
               </a:extLst>
             </a:blip>
@@ -4441,7 +4676,7 @@
             <p:cNvPr id="33" name="Straight Connector 6">
               <a:extLst>
                 <a:ext uri="{FF2B5EF4-FFF2-40B4-BE49-F238E27FC236}">
-                  <a16:creationId xmlns:a16="http://schemas.microsoft.com/office/drawing/2014/main" xmlns="" id="{5C63D1E8-4A92-4691-8A24-A2FC7E8008E5}"/>
+                  <a16:creationId xmlns="" xmlns:a16="http://schemas.microsoft.com/office/drawing/2014/main" id="{5C63D1E8-4A92-4691-8A24-A2FC7E8008E5}"/>
                 </a:ext>
               </a:extLst>
             </p:cNvPr>
@@ -4480,7 +4715,7 @@
             <p:cNvPr id="32" name="Straight Connector 5">
               <a:extLst>
                 <a:ext uri="{FF2B5EF4-FFF2-40B4-BE49-F238E27FC236}">
-                  <a16:creationId xmlns:a16="http://schemas.microsoft.com/office/drawing/2014/main" xmlns="" id="{6E91D320-3732-40B8-864D-142D0A277ED1}"/>
+                  <a16:creationId xmlns="" xmlns:a16="http://schemas.microsoft.com/office/drawing/2014/main" id="{6E91D320-3732-40B8-864D-142D0A277ED1}"/>
                 </a:ext>
               </a:extLst>
             </p:cNvPr>
@@ -4519,7 +4754,7 @@
             <p:cNvPr id="31" name="Straight Connector 4">
               <a:extLst>
                 <a:ext uri="{FF2B5EF4-FFF2-40B4-BE49-F238E27FC236}">
-                  <a16:creationId xmlns:a16="http://schemas.microsoft.com/office/drawing/2014/main" xmlns="" id="{299ABE09-E33C-46B7-A80D-7BF4A6956211}"/>
+                  <a16:creationId xmlns="" xmlns:a16="http://schemas.microsoft.com/office/drawing/2014/main" id="{299ABE09-E33C-46B7-A80D-7BF4A6956211}"/>
                 </a:ext>
               </a:extLst>
             </p:cNvPr>
@@ -4556,7 +4791,7 @@
             <p:cNvPr id="30" name="Straight Connector 3">
               <a:extLst>
                 <a:ext uri="{FF2B5EF4-FFF2-40B4-BE49-F238E27FC236}">
-                  <a16:creationId xmlns:a16="http://schemas.microsoft.com/office/drawing/2014/main" xmlns="" id="{93DDBF37-0764-47AA-94E3-9A44F3ED8FB5}"/>
+                  <a16:creationId xmlns="" xmlns:a16="http://schemas.microsoft.com/office/drawing/2014/main" id="{93DDBF37-0764-47AA-94E3-9A44F3ED8FB5}"/>
                 </a:ext>
               </a:extLst>
             </p:cNvPr>
@@ -4593,7 +4828,7 @@
             <p:cNvPr id="29" name="Straight Connector 2">
               <a:extLst>
                 <a:ext uri="{FF2B5EF4-FFF2-40B4-BE49-F238E27FC236}">
-                  <a16:creationId xmlns:a16="http://schemas.microsoft.com/office/drawing/2014/main" xmlns="" id="{72BFE2F3-0845-4E5B-9375-E9D4027DD675}"/>
+                  <a16:creationId xmlns="" xmlns:a16="http://schemas.microsoft.com/office/drawing/2014/main" id="{72BFE2F3-0845-4E5B-9375-E9D4027DD675}"/>
                 </a:ext>
               </a:extLst>
             </p:cNvPr>
@@ -4630,7 +4865,7 @@
             <p:cNvPr id="28" name="Straight Connector 1">
               <a:extLst>
                 <a:ext uri="{FF2B5EF4-FFF2-40B4-BE49-F238E27FC236}">
-                  <a16:creationId xmlns:a16="http://schemas.microsoft.com/office/drawing/2014/main" xmlns="" id="{D4E5982E-3110-47E1-A5BB-91B7BECC3093}"/>
+                  <a16:creationId xmlns="" xmlns:a16="http://schemas.microsoft.com/office/drawing/2014/main" id="{D4E5982E-3110-47E1-A5BB-91B7BECC3093}"/>
                 </a:ext>
               </a:extLst>
             </p:cNvPr>
@@ -4667,7 +4902,7 @@
             <p:cNvPr id="27" name="Straight Connector Horizontal">
               <a:extLst>
                 <a:ext uri="{FF2B5EF4-FFF2-40B4-BE49-F238E27FC236}">
-                  <a16:creationId xmlns:a16="http://schemas.microsoft.com/office/drawing/2014/main" xmlns="" id="{5F62FB7C-BD6E-4383-98C1-2CF30F34CAFD}"/>
+                  <a16:creationId xmlns="" xmlns:a16="http://schemas.microsoft.com/office/drawing/2014/main" id="{5F62FB7C-BD6E-4383-98C1-2CF30F34CAFD}"/>
                 </a:ext>
               </a:extLst>
             </p:cNvPr>
@@ -4706,7 +4941,7 @@
             <p:cNvPr id="34" name="Straight Connector 0">
               <a:extLst>
                 <a:ext uri="{FF2B5EF4-FFF2-40B4-BE49-F238E27FC236}">
-                  <a16:creationId xmlns:a16="http://schemas.microsoft.com/office/drawing/2014/main" xmlns="" id="{C84A0FE1-723D-4682-8682-77BAD950EE15}"/>
+                  <a16:creationId xmlns="" xmlns:a16="http://schemas.microsoft.com/office/drawing/2014/main" id="{C84A0FE1-723D-4682-8682-77BAD950EE15}"/>
                 </a:ext>
               </a:extLst>
             </p:cNvPr>
@@ -4743,7 +4978,7 @@
             <p:cNvPr id="18" name="Picture SoftUni Logo" descr="SoftUni logo">
               <a:extLst>
                 <a:ext uri="{FF2B5EF4-FFF2-40B4-BE49-F238E27FC236}">
-                  <a16:creationId xmlns:a16="http://schemas.microsoft.com/office/drawing/2014/main" xmlns="" id="{A0675455-B7FA-4569-A5FD-A3B0F20B2A26}"/>
+                  <a16:creationId xmlns="" xmlns:a16="http://schemas.microsoft.com/office/drawing/2014/main" id="{A0675455-B7FA-4569-A5FD-A3B0F20B2A26}"/>
                 </a:ext>
               </a:extLst>
             </p:cNvPr>
@@ -4756,7 +4991,7 @@
             <a:blip r:embed="rId10" cstate="print">
               <a:extLst>
                 <a:ext uri="{28A0092B-C50C-407E-A947-70E740481C1C}">
-                  <a14:useLocalDpi xmlns:a14="http://schemas.microsoft.com/office/drawing/2010/main" xmlns="" val="0"/>
+                  <a14:useLocalDpi xmlns="" xmlns:a14="http://schemas.microsoft.com/office/drawing/2010/main" val="0"/>
                 </a:ext>
               </a:extLst>
             </a:blip>
@@ -4780,7 +5015,7 @@
           <p:cNvPr id="19" name="Slide Title">
             <a:extLst>
               <a:ext uri="{FF2B5EF4-FFF2-40B4-BE49-F238E27FC236}">
-                <a16:creationId xmlns:a16="http://schemas.microsoft.com/office/drawing/2014/main" xmlns="" id="{7CFDBB16-985C-4CC7-B6DB-B81B36037922}"/>
+                <a16:creationId xmlns="" xmlns:a16="http://schemas.microsoft.com/office/drawing/2014/main" id="{7CFDBB16-985C-4CC7-B6DB-B81B36037922}"/>
               </a:ext>
             </a:extLst>
           </p:cNvPr>
@@ -4883,7 +5118,7 @@
           <p:cNvPr id="36" name="Logo Software University" descr="Software University logo">
             <a:extLst>
               <a:ext uri="{FF2B5EF4-FFF2-40B4-BE49-F238E27FC236}">
-                <a16:creationId xmlns:a16="http://schemas.microsoft.com/office/drawing/2014/main" xmlns="" id="{67FC4D2E-913D-432A-B658-F0D82839FA5E}"/>
+                <a16:creationId xmlns="" xmlns:a16="http://schemas.microsoft.com/office/drawing/2014/main" id="{67FC4D2E-913D-432A-B658-F0D82839FA5E}"/>
               </a:ext>
             </a:extLst>
           </p:cNvPr>
@@ -4906,7 +5141,7 @@
             </a:clrChange>
             <a:extLst>
               <a:ext uri="{28A0092B-C50C-407E-A947-70E740481C1C}">
-                <a14:useLocalDpi xmlns:a14="http://schemas.microsoft.com/office/drawing/2010/main" xmlns="" val="0"/>
+                <a14:useLocalDpi xmlns="" xmlns:a14="http://schemas.microsoft.com/office/drawing/2010/main" val="0"/>
               </a:ext>
             </a:extLst>
           </a:blip>
@@ -4927,7 +5162,7 @@
     </p:spTree>
     <p:extLst>
       <p:ext uri="{BB962C8B-B14F-4D97-AF65-F5344CB8AC3E}">
-        <p14:creationId xmlns:p14="http://schemas.microsoft.com/office/powerpoint/2010/main" xmlns="" val="4192061223"/>
+        <p14:creationId xmlns="" xmlns:p14="http://schemas.microsoft.com/office/powerpoint/2010/main" val="4192061223"/>
       </p:ext>
     </p:extLst>
   </p:cSld>
@@ -4935,7 +5170,7 @@
     <a:masterClrMapping/>
   </p:clrMapOvr>
   <mc:AlternateContent xmlns:mc="http://schemas.openxmlformats.org/markup-compatibility/2006">
-    <mc:Choice xmlns:p14="http://schemas.microsoft.com/office/powerpoint/2010/main" xmlns="" Requires="p14">
+    <mc:Choice xmlns="" xmlns:p14="http://schemas.microsoft.com/office/powerpoint/2010/main" Requires="p14">
       <p:transition spd="slow" p14:dur="2000" advClick="0" advTm="5000"/>
     </mc:Choice>
     <mc:Fallback>
@@ -4944,7 +5179,7 @@
   </mc:AlternateContent>
   <p:extLst>
     <p:ext uri="{DCECCB84-F9BA-43D5-87BE-67443E8EF086}">
-      <p15:sldGuideLst xmlns:p15="http://schemas.microsoft.com/office/powerpoint/2012/main" xmlns="">
+      <p15:sldGuideLst xmlns="" xmlns:p15="http://schemas.microsoft.com/office/powerpoint/2012/main">
         <p15:guide id="1" orient="horz" pos="2160">
           <p15:clr>
             <a:srgbClr val="FBAE40"/>
@@ -4983,7 +5218,7 @@
           <p:cNvPr id="13" name="Slide Number">
             <a:extLst>
               <a:ext uri="{FF2B5EF4-FFF2-40B4-BE49-F238E27FC236}">
-                <a16:creationId xmlns:a16="http://schemas.microsoft.com/office/drawing/2014/main" xmlns="" id="{5B8761D8-B42F-4A70-A0CE-682CEB2AE31B}"/>
+                <a16:creationId xmlns="" xmlns:a16="http://schemas.microsoft.com/office/drawing/2014/main" id="{5B8761D8-B42F-4A70-A0CE-682CEB2AE31B}"/>
               </a:ext>
             </a:extLst>
           </p:cNvPr>
@@ -5026,7 +5261,7 @@
             <a:hlinkClick r:id="rId2" tooltip="Software University Discussion Forum"/>
             <a:extLst>
               <a:ext uri="{FF2B5EF4-FFF2-40B4-BE49-F238E27FC236}">
-                <a16:creationId xmlns:a16="http://schemas.microsoft.com/office/drawing/2014/main" xmlns="" id="{98C579AD-FAF5-4B28-9B52-5457F1E90061}"/>
+                <a16:creationId xmlns="" xmlns:a16="http://schemas.microsoft.com/office/drawing/2014/main" id="{98C579AD-FAF5-4B28-9B52-5457F1E90061}"/>
               </a:ext>
             </a:extLst>
           </p:cNvPr>
@@ -5039,7 +5274,7 @@
           <a:blip r:embed="rId3" cstate="print">
             <a:extLst>
               <a:ext uri="{28A0092B-C50C-407E-A947-70E740481C1C}">
-                <a14:useLocalDpi xmlns:a14="http://schemas.microsoft.com/office/drawing/2010/main" xmlns=""/>
+                <a14:useLocalDpi xmlns="" xmlns:a14="http://schemas.microsoft.com/office/drawing/2010/main"/>
               </a:ext>
             </a:extLst>
           </a:blip>
@@ -5063,7 +5298,7 @@
             <a:hlinkClick r:id="rId4" tooltip="Software University @ Facebook"/>
             <a:extLst>
               <a:ext uri="{FF2B5EF4-FFF2-40B4-BE49-F238E27FC236}">
-                <a16:creationId xmlns:a16="http://schemas.microsoft.com/office/drawing/2014/main" xmlns="" id="{6B2C510E-5EF2-49F6-B926-2BD74CD3C7F8}"/>
+                <a16:creationId xmlns="" xmlns:a16="http://schemas.microsoft.com/office/drawing/2014/main" id="{6B2C510E-5EF2-49F6-B926-2BD74CD3C7F8}"/>
               </a:ext>
             </a:extLst>
           </p:cNvPr>
@@ -5076,7 +5311,7 @@
           <a:blip r:embed="rId5" cstate="print">
             <a:extLst>
               <a:ext uri="{28A0092B-C50C-407E-A947-70E740481C1C}">
-                <a14:useLocalDpi xmlns:a14="http://schemas.microsoft.com/office/drawing/2010/main" xmlns=""/>
+                <a14:useLocalDpi xmlns="" xmlns:a14="http://schemas.microsoft.com/office/drawing/2010/main"/>
               </a:ext>
             </a:extLst>
           </a:blip>
@@ -5094,7 +5329,7 @@
           <a:noFill/>
           <a:extLst>
             <a:ext uri="{909E8E84-426E-40DD-AFC4-6F175D3DCCD1}">
-              <a14:hiddenFill xmlns:a14="http://schemas.microsoft.com/office/drawing/2010/main" xmlns="">
+              <a14:hiddenFill xmlns="" xmlns:a14="http://schemas.microsoft.com/office/drawing/2010/main">
                 <a:solidFill>
                   <a:srgbClr val="FFFFFF"/>
                 </a:solidFill>
@@ -5109,7 +5344,7 @@
             <a:hlinkClick r:id="rId6"/>
             <a:extLst>
               <a:ext uri="{FF2B5EF4-FFF2-40B4-BE49-F238E27FC236}">
-                <a16:creationId xmlns:a16="http://schemas.microsoft.com/office/drawing/2014/main" xmlns="" id="{F4604840-E810-44B7-9FF1-3B28CD68B758}"/>
+                <a16:creationId xmlns="" xmlns:a16="http://schemas.microsoft.com/office/drawing/2014/main" id="{F4604840-E810-44B7-9FF1-3B28CD68B758}"/>
               </a:ext>
             </a:extLst>
           </p:cNvPr>
@@ -5122,7 +5357,7 @@
           <a:blip r:embed="rId7" cstate="print">
             <a:extLst>
               <a:ext uri="{28A0092B-C50C-407E-A947-70E740481C1C}">
-                <a14:useLocalDpi xmlns:a14="http://schemas.microsoft.com/office/drawing/2010/main" xmlns="" val="0"/>
+                <a14:useLocalDpi xmlns="" xmlns:a14="http://schemas.microsoft.com/office/drawing/2010/main" val="0"/>
               </a:ext>
             </a:extLst>
           </a:blip>
@@ -5146,7 +5381,7 @@
             <a:hlinkClick r:id="rId8"/>
             <a:extLst>
               <a:ext uri="{FF2B5EF4-FFF2-40B4-BE49-F238E27FC236}">
-                <a16:creationId xmlns:a16="http://schemas.microsoft.com/office/drawing/2014/main" xmlns="" id="{07C965FA-A87E-4824-AFA8-C67AF548A76A}"/>
+                <a16:creationId xmlns="" xmlns:a16="http://schemas.microsoft.com/office/drawing/2014/main" id="{07C965FA-A87E-4824-AFA8-C67AF548A76A}"/>
               </a:ext>
             </a:extLst>
           </p:cNvPr>
@@ -5159,7 +5394,7 @@
           <a:blip r:embed="rId9" cstate="print">
             <a:extLst>
               <a:ext uri="{28A0092B-C50C-407E-A947-70E740481C1C}">
-                <a14:useLocalDpi xmlns:a14="http://schemas.microsoft.com/office/drawing/2010/main" xmlns="" val="0"/>
+                <a14:useLocalDpi xmlns="" xmlns:a14="http://schemas.microsoft.com/office/drawing/2010/main" val="0"/>
               </a:ext>
             </a:extLst>
           </a:blip>
@@ -5181,7 +5416,7 @@
           <p:cNvPr id="12" name="Slide Body Text">
             <a:extLst>
               <a:ext uri="{FF2B5EF4-FFF2-40B4-BE49-F238E27FC236}">
-                <a16:creationId xmlns:a16="http://schemas.microsoft.com/office/drawing/2014/main" xmlns="" id="{0C1F9416-8B6E-46DE-973C-777785E27A26}"/>
+                <a16:creationId xmlns="" xmlns:a16="http://schemas.microsoft.com/office/drawing/2014/main" id="{0C1F9416-8B6E-46DE-973C-777785E27A26}"/>
               </a:ext>
             </a:extLst>
           </p:cNvPr>
@@ -5306,7 +5541,7 @@
           <p:cNvPr id="10" name="Rectangle Top">
             <a:extLst>
               <a:ext uri="{FF2B5EF4-FFF2-40B4-BE49-F238E27FC236}">
-                <a16:creationId xmlns:a16="http://schemas.microsoft.com/office/drawing/2014/main" xmlns="" id="{86646B95-5E3B-4DE8-9118-031C2C296D8C}"/>
+                <a16:creationId xmlns="" xmlns:a16="http://schemas.microsoft.com/office/drawing/2014/main" id="{86646B95-5E3B-4DE8-9118-031C2C296D8C}"/>
               </a:ext>
             </a:extLst>
           </p:cNvPr>
@@ -5387,7 +5622,7 @@
           <p:cNvPr id="11" name="Logo Software University" descr="Software University logo">
             <a:extLst>
               <a:ext uri="{FF2B5EF4-FFF2-40B4-BE49-F238E27FC236}">
-                <a16:creationId xmlns:a16="http://schemas.microsoft.com/office/drawing/2014/main" xmlns="" id="{58AB1944-B146-4E89-B2D9-426EB610F319}"/>
+                <a16:creationId xmlns="" xmlns:a16="http://schemas.microsoft.com/office/drawing/2014/main" id="{58AB1944-B146-4E89-B2D9-426EB610F319}"/>
               </a:ext>
             </a:extLst>
           </p:cNvPr>
@@ -5400,7 +5635,7 @@
           <a:blip r:embed="rId11" cstate="print">
             <a:extLst>
               <a:ext uri="{28A0092B-C50C-407E-A947-70E740481C1C}">
-                <a14:useLocalDpi xmlns:a14="http://schemas.microsoft.com/office/drawing/2010/main" xmlns="" val="0"/>
+                <a14:useLocalDpi xmlns="" xmlns:a14="http://schemas.microsoft.com/office/drawing/2010/main" val="0"/>
               </a:ext>
             </a:extLst>
           </a:blip>
@@ -5423,7 +5658,7 @@
           <p:cNvPr id="18" name="Slide Title">
             <a:extLst>
               <a:ext uri="{FF2B5EF4-FFF2-40B4-BE49-F238E27FC236}">
-                <a16:creationId xmlns:a16="http://schemas.microsoft.com/office/drawing/2014/main" xmlns="" id="{AE87ED9C-76E1-4D85-9B06-3AF44AABB668}"/>
+                <a16:creationId xmlns="" xmlns:a16="http://schemas.microsoft.com/office/drawing/2014/main" id="{AE87ED9C-76E1-4D85-9B06-3AF44AABB668}"/>
               </a:ext>
             </a:extLst>
           </p:cNvPr>
@@ -5462,7 +5697,7 @@
     </p:spTree>
     <p:extLst>
       <p:ext uri="{BB962C8B-B14F-4D97-AF65-F5344CB8AC3E}">
-        <p14:creationId xmlns:p14="http://schemas.microsoft.com/office/powerpoint/2010/main" xmlns="" val="2196466322"/>
+        <p14:creationId xmlns="" xmlns:p14="http://schemas.microsoft.com/office/powerpoint/2010/main" val="2196466322"/>
       </p:ext>
     </p:extLst>
   </p:cSld>
@@ -5470,7 +5705,7 @@
     <a:masterClrMapping/>
   </p:clrMapOvr>
   <mc:AlternateContent xmlns:mc="http://schemas.openxmlformats.org/markup-compatibility/2006">
-    <mc:Choice xmlns:p14="http://schemas.microsoft.com/office/powerpoint/2010/main" xmlns="" Requires="p14">
+    <mc:Choice xmlns="" xmlns:p14="http://schemas.microsoft.com/office/powerpoint/2010/main" Requires="p14">
       <p:transition spd="slow" p14:dur="2000" advClick="0" advTm="5000"/>
     </mc:Choice>
     <mc:Fallback>
@@ -5502,7 +5737,7 @@
           <p:cNvPr id="9" name="Oval Center Icon">
             <a:extLst>
               <a:ext uri="{FF2B5EF4-FFF2-40B4-BE49-F238E27FC236}">
-                <a16:creationId xmlns:a16="http://schemas.microsoft.com/office/drawing/2014/main" xmlns="" id="{13B9A8FE-2718-4F2C-98D4-CBF86AD69D58}"/>
+                <a16:creationId xmlns="" xmlns:a16="http://schemas.microsoft.com/office/drawing/2014/main" id="{13B9A8FE-2718-4F2C-98D4-CBF86AD69D58}"/>
               </a:ext>
             </a:extLst>
           </p:cNvPr>
@@ -5583,7 +5818,7 @@
           <p:cNvPr id="8" name="Slide Subtitle">
             <a:extLst>
               <a:ext uri="{FF2B5EF4-FFF2-40B4-BE49-F238E27FC236}">
-                <a16:creationId xmlns:a16="http://schemas.microsoft.com/office/drawing/2014/main" xmlns="" id="{588387B4-E99E-4145-9D1D-F17CA5190DFD}"/>
+                <a16:creationId xmlns="" xmlns:a16="http://schemas.microsoft.com/office/drawing/2014/main" id="{588387B4-E99E-4145-9D1D-F17CA5190DFD}"/>
               </a:ext>
             </a:extLst>
           </p:cNvPr>
@@ -5633,7 +5868,7 @@
           <p:cNvPr id="13" name="Slide Title">
             <a:extLst>
               <a:ext uri="{FF2B5EF4-FFF2-40B4-BE49-F238E27FC236}">
-                <a16:creationId xmlns:a16="http://schemas.microsoft.com/office/drawing/2014/main" xmlns="" id="{8A28C56F-AE84-49D0-9AD1-1F0CEEABF710}"/>
+                <a16:creationId xmlns="" xmlns:a16="http://schemas.microsoft.com/office/drawing/2014/main" id="{8A28C56F-AE84-49D0-9AD1-1F0CEEABF710}"/>
               </a:ext>
             </a:extLst>
           </p:cNvPr>
@@ -5678,7 +5913,7 @@
     </p:spTree>
     <p:extLst>
       <p:ext uri="{BB962C8B-B14F-4D97-AF65-F5344CB8AC3E}">
-        <p14:creationId xmlns:p14="http://schemas.microsoft.com/office/powerpoint/2010/main" xmlns="" val="475389923"/>
+        <p14:creationId xmlns="" xmlns:p14="http://schemas.microsoft.com/office/powerpoint/2010/main" val="475389923"/>
       </p:ext>
     </p:extLst>
   </p:cSld>
@@ -5686,7 +5921,7 @@
     <a:masterClrMapping/>
   </p:clrMapOvr>
   <mc:AlternateContent xmlns:mc="http://schemas.openxmlformats.org/markup-compatibility/2006">
-    <mc:Choice xmlns:p14="http://schemas.microsoft.com/office/powerpoint/2010/main" xmlns="" Requires="p14">
+    <mc:Choice xmlns="" xmlns:p14="http://schemas.microsoft.com/office/powerpoint/2010/main" Requires="p14">
       <p:transition spd="slow" p14:dur="2000" advClick="0" advTm="5000"/>
     </mc:Choice>
     <mc:Fallback>
@@ -5719,7 +5954,7 @@
           <p:cNvPr id="2" name="Title 1">
             <a:extLst>
               <a:ext uri="{FF2B5EF4-FFF2-40B4-BE49-F238E27FC236}">
-                <a16:creationId xmlns:a16="http://schemas.microsoft.com/office/drawing/2014/main" xmlns="" id="{5213C145-EA12-94EF-AA17-5F628EA0AD2D}"/>
+                <a16:creationId xmlns="" xmlns:a16="http://schemas.microsoft.com/office/drawing/2014/main" id="{5213C145-EA12-94EF-AA17-5F628EA0AD2D}"/>
               </a:ext>
             </a:extLst>
           </p:cNvPr>
@@ -5757,7 +5992,7 @@
           <p:cNvPr id="3" name="Subtitle 2">
             <a:extLst>
               <a:ext uri="{FF2B5EF4-FFF2-40B4-BE49-F238E27FC236}">
-                <a16:creationId xmlns:a16="http://schemas.microsoft.com/office/drawing/2014/main" xmlns="" id="{5F55E72E-5B45-B6EE-75AE-03B188AD9A08}"/>
+                <a16:creationId xmlns="" xmlns:a16="http://schemas.microsoft.com/office/drawing/2014/main" id="{5F55E72E-5B45-B6EE-75AE-03B188AD9A08}"/>
               </a:ext>
             </a:extLst>
           </p:cNvPr>
@@ -5828,7 +6063,7 @@
           <p:cNvPr id="4" name="Date Placeholder 3">
             <a:extLst>
               <a:ext uri="{FF2B5EF4-FFF2-40B4-BE49-F238E27FC236}">
-                <a16:creationId xmlns:a16="http://schemas.microsoft.com/office/drawing/2014/main" xmlns="" id="{30C6A8EA-0240-01AB-A7C2-BD1CD885E1C1}"/>
+                <a16:creationId xmlns="" xmlns:a16="http://schemas.microsoft.com/office/drawing/2014/main" id="{30C6A8EA-0240-01AB-A7C2-BD1CD885E1C1}"/>
               </a:ext>
             </a:extLst>
           </p:cNvPr>
@@ -5847,7 +6082,7 @@
             <a:fld id="{1CF2F75B-1C4E-1E47-AE31-5B79E79ADF4F}" type="datetimeFigureOut">
               <a:rPr lang="x-none" smtClean="0"/>
               <a:pPr/>
-              <a:t>23.8.2023 г.</a:t>
+              <a:t>24.8.2023 г.</a:t>
             </a:fld>
             <a:endParaRPr lang="x-none"/>
           </a:p>
@@ -5858,7 +6093,7 @@
           <p:cNvPr id="5" name="Footer Placeholder 4">
             <a:extLst>
               <a:ext uri="{FF2B5EF4-FFF2-40B4-BE49-F238E27FC236}">
-                <a16:creationId xmlns:a16="http://schemas.microsoft.com/office/drawing/2014/main" xmlns="" id="{F95CBF96-4249-1541-E44E-FBCECA233B3C}"/>
+                <a16:creationId xmlns="" xmlns:a16="http://schemas.microsoft.com/office/drawing/2014/main" id="{F95CBF96-4249-1541-E44E-FBCECA233B3C}"/>
               </a:ext>
             </a:extLst>
           </p:cNvPr>
@@ -5883,7 +6118,7 @@
           <p:cNvPr id="6" name="Slide Number Placeholder 5">
             <a:extLst>
               <a:ext uri="{FF2B5EF4-FFF2-40B4-BE49-F238E27FC236}">
-                <a16:creationId xmlns:a16="http://schemas.microsoft.com/office/drawing/2014/main" xmlns="" id="{7ACB54F2-814F-F79B-8CD7-FA3133365CBC}"/>
+                <a16:creationId xmlns="" xmlns:a16="http://schemas.microsoft.com/office/drawing/2014/main" id="{7ACB54F2-814F-F79B-8CD7-FA3133365CBC}"/>
               </a:ext>
             </a:extLst>
           </p:cNvPr>
@@ -5911,7 +6146,7 @@
     </p:spTree>
     <p:extLst>
       <p:ext uri="{BB962C8B-B14F-4D97-AF65-F5344CB8AC3E}">
-        <p14:creationId xmlns:p14="http://schemas.microsoft.com/office/powerpoint/2010/main" xmlns="" val="2773863354"/>
+        <p14:creationId xmlns="" xmlns:p14="http://schemas.microsoft.com/office/powerpoint/2010/main" val="2773863354"/>
       </p:ext>
     </p:extLst>
   </p:cSld>
@@ -5943,7 +6178,7 @@
           <p:cNvPr id="8" name="Rectangle Top">
             <a:extLst>
               <a:ext uri="{FF2B5EF4-FFF2-40B4-BE49-F238E27FC236}">
-                <a16:creationId xmlns:a16="http://schemas.microsoft.com/office/drawing/2014/main" xmlns="" id="{454BD9C2-93A6-4860-A758-846ED0E1C8FA}"/>
+                <a16:creationId xmlns="" xmlns:a16="http://schemas.microsoft.com/office/drawing/2014/main" id="{454BD9C2-93A6-4860-A758-846ED0E1C8FA}"/>
               </a:ext>
             </a:extLst>
           </p:cNvPr>
@@ -6024,7 +6259,7 @@
           <p:cNvPr id="7" name="Slide Number">
             <a:extLst>
               <a:ext uri="{FF2B5EF4-FFF2-40B4-BE49-F238E27FC236}">
-                <a16:creationId xmlns:a16="http://schemas.microsoft.com/office/drawing/2014/main" xmlns="" id="{C1780DB1-0AF0-4108-AFE1-9DA99F0DBCB8}"/>
+                <a16:creationId xmlns="" xmlns:a16="http://schemas.microsoft.com/office/drawing/2014/main" id="{C1780DB1-0AF0-4108-AFE1-9DA99F0DBCB8}"/>
               </a:ext>
             </a:extLst>
           </p:cNvPr>
@@ -6066,7 +6301,7 @@
           <p:cNvPr id="3" name="Slide Body Text">
             <a:extLst>
               <a:ext uri="{FF2B5EF4-FFF2-40B4-BE49-F238E27FC236}">
-                <a16:creationId xmlns:a16="http://schemas.microsoft.com/office/drawing/2014/main" xmlns="" id="{5A9D2960-6D42-439F-82E8-812822013A10}"/>
+                <a16:creationId xmlns="" xmlns:a16="http://schemas.microsoft.com/office/drawing/2014/main" id="{5A9D2960-6D42-439F-82E8-812822013A10}"/>
               </a:ext>
             </a:extLst>
           </p:cNvPr>
@@ -6144,7 +6379,7 @@
           <p:cNvPr id="13" name="Rectangle Top">
             <a:extLst>
               <a:ext uri="{FF2B5EF4-FFF2-40B4-BE49-F238E27FC236}">
-                <a16:creationId xmlns:a16="http://schemas.microsoft.com/office/drawing/2014/main" xmlns="" id="{391AFA4E-7870-4561-A1B8-AC956B0C8931}"/>
+                <a16:creationId xmlns="" xmlns:a16="http://schemas.microsoft.com/office/drawing/2014/main" id="{391AFA4E-7870-4561-A1B8-AC956B0C8931}"/>
               </a:ext>
             </a:extLst>
           </p:cNvPr>
@@ -6225,7 +6460,7 @@
           <p:cNvPr id="12" name="Logo Software University" descr="Software University logo">
             <a:extLst>
               <a:ext uri="{FF2B5EF4-FFF2-40B4-BE49-F238E27FC236}">
-                <a16:creationId xmlns:a16="http://schemas.microsoft.com/office/drawing/2014/main" xmlns="" id="{B1D3B425-B9BF-43ED-9DEC-C05002FBA22F}"/>
+                <a16:creationId xmlns="" xmlns:a16="http://schemas.microsoft.com/office/drawing/2014/main" id="{B1D3B425-B9BF-43ED-9DEC-C05002FBA22F}"/>
               </a:ext>
             </a:extLst>
           </p:cNvPr>
@@ -6238,7 +6473,7 @@
           <a:blip r:embed="rId2" cstate="print">
             <a:extLst>
               <a:ext uri="{28A0092B-C50C-407E-A947-70E740481C1C}">
-                <a14:useLocalDpi xmlns:a14="http://schemas.microsoft.com/office/drawing/2010/main" xmlns="" val="0"/>
+                <a14:useLocalDpi xmlns="" xmlns:a14="http://schemas.microsoft.com/office/drawing/2010/main" val="0"/>
               </a:ext>
             </a:extLst>
           </a:blip>
@@ -6261,7 +6496,7 @@
           <p:cNvPr id="6" name="Slide Title">
             <a:extLst>
               <a:ext uri="{FF2B5EF4-FFF2-40B4-BE49-F238E27FC236}">
-                <a16:creationId xmlns:a16="http://schemas.microsoft.com/office/drawing/2014/main" xmlns="" id="{19B5B676-7892-440F-8191-7109B2C59885}"/>
+                <a16:creationId xmlns="" xmlns:a16="http://schemas.microsoft.com/office/drawing/2014/main" id="{19B5B676-7892-440F-8191-7109B2C59885}"/>
               </a:ext>
             </a:extLst>
           </p:cNvPr>
@@ -6300,7 +6535,7 @@
     </p:spTree>
     <p:extLst>
       <p:ext uri="{BB962C8B-B14F-4D97-AF65-F5344CB8AC3E}">
-        <p14:creationId xmlns:p14="http://schemas.microsoft.com/office/powerpoint/2010/main" xmlns="" val="2685365194"/>
+        <p14:creationId xmlns="" xmlns:p14="http://schemas.microsoft.com/office/powerpoint/2010/main" val="2685365194"/>
       </p:ext>
     </p:extLst>
   </p:cSld>
@@ -6308,7 +6543,7 @@
     <a:masterClrMapping/>
   </p:clrMapOvr>
   <mc:AlternateContent xmlns:mc="http://schemas.openxmlformats.org/markup-compatibility/2006">
-    <mc:Choice xmlns:p14="http://schemas.microsoft.com/office/powerpoint/2010/main" xmlns="" Requires="p14">
+    <mc:Choice xmlns="" xmlns:p14="http://schemas.microsoft.com/office/powerpoint/2010/main" Requires="p14">
       <p:transition spd="slow" p14:dur="2000" advClick="0" advTm="5000"/>
     </mc:Choice>
     <mc:Fallback>
@@ -7358,7 +7593,7 @@
             <a:fld id="{1D8BD707-D9CF-40AE-B4C6-C98DA3205C09}" type="datetimeFigureOut">
               <a:rPr lang="en-US"/>
               <a:pPr/>
-              <a:t>8/23/2023</a:t>
+              <a:t>8/24/2023</a:t>
             </a:fld>
             <a:endParaRPr lang="en-US" dirty="0"/>
           </a:p>
@@ -7418,7 +7653,7 @@
     </p:spTree>
     <p:extLst>
       <p:ext uri="{BB962C8B-B14F-4D97-AF65-F5344CB8AC3E}">
-        <p14:creationId xmlns:p14="http://schemas.microsoft.com/office/powerpoint/2010/main" xmlns="" val="2531485629"/>
+        <p14:creationId xmlns="" xmlns:p14="http://schemas.microsoft.com/office/powerpoint/2010/main" val="2531485629"/>
       </p:ext>
     </p:extLst>
   </p:cSld>
@@ -7614,7 +7849,7 @@
     </p:spTree>
     <p:extLst>
       <p:ext uri="{BB962C8B-B14F-4D97-AF65-F5344CB8AC3E}">
-        <p14:creationId xmlns:p14="http://schemas.microsoft.com/office/powerpoint/2010/main" xmlns="" val="3529216409"/>
+        <p14:creationId xmlns="" xmlns:p14="http://schemas.microsoft.com/office/powerpoint/2010/main" val="3529216409"/>
       </p:ext>
     </p:extLst>
   </p:cSld>
@@ -7622,7 +7857,7 @@
     <a:masterClrMapping/>
   </p:clrMapOvr>
   <mc:AlternateContent xmlns:mc="http://schemas.openxmlformats.org/markup-compatibility/2006">
-    <mc:Choice xmlns:p14="http://schemas.microsoft.com/office/powerpoint/2010/main" xmlns="" Requires="p14">
+    <mc:Choice xmlns="" xmlns:p14="http://schemas.microsoft.com/office/powerpoint/2010/main" Requires="p14">
       <p:transition spd="slow" p14:dur="2000" advClick="0" advTm="5000"/>
     </mc:Choice>
     <mc:Fallback>
@@ -7654,7 +7889,7 @@
           <p:cNvPr id="7" name="Slide Number">
             <a:extLst>
               <a:ext uri="{FF2B5EF4-FFF2-40B4-BE49-F238E27FC236}">
-                <a16:creationId xmlns:a16="http://schemas.microsoft.com/office/drawing/2014/main" xmlns="" id="{C1780DB1-0AF0-4108-AFE1-9DA99F0DBCB8}"/>
+                <a16:creationId xmlns="" xmlns:a16="http://schemas.microsoft.com/office/drawing/2014/main" id="{C1780DB1-0AF0-4108-AFE1-9DA99F0DBCB8}"/>
               </a:ext>
             </a:extLst>
           </p:cNvPr>
@@ -7696,7 +7931,7 @@
           <p:cNvPr id="3" name="Slide Body Text">
             <a:extLst>
               <a:ext uri="{FF2B5EF4-FFF2-40B4-BE49-F238E27FC236}">
-                <a16:creationId xmlns:a16="http://schemas.microsoft.com/office/drawing/2014/main" xmlns="" id="{5A9D2960-6D42-439F-82E8-812822013A10}"/>
+                <a16:creationId xmlns="" xmlns:a16="http://schemas.microsoft.com/office/drawing/2014/main" id="{5A9D2960-6D42-439F-82E8-812822013A10}"/>
               </a:ext>
             </a:extLst>
           </p:cNvPr>
@@ -7774,7 +8009,7 @@
           <p:cNvPr id="13" name="Rectangle Top">
             <a:extLst>
               <a:ext uri="{FF2B5EF4-FFF2-40B4-BE49-F238E27FC236}">
-                <a16:creationId xmlns:a16="http://schemas.microsoft.com/office/drawing/2014/main" xmlns="" id="{391AFA4E-7870-4561-A1B8-AC956B0C8931}"/>
+                <a16:creationId xmlns="" xmlns:a16="http://schemas.microsoft.com/office/drawing/2014/main" id="{391AFA4E-7870-4561-A1B8-AC956B0C8931}"/>
               </a:ext>
             </a:extLst>
           </p:cNvPr>
@@ -7855,7 +8090,7 @@
           <p:cNvPr id="12" name="Logo Software University" descr="Software University logo">
             <a:extLst>
               <a:ext uri="{FF2B5EF4-FFF2-40B4-BE49-F238E27FC236}">
-                <a16:creationId xmlns:a16="http://schemas.microsoft.com/office/drawing/2014/main" xmlns="" id="{B1D3B425-B9BF-43ED-9DEC-C05002FBA22F}"/>
+                <a16:creationId xmlns="" xmlns:a16="http://schemas.microsoft.com/office/drawing/2014/main" id="{B1D3B425-B9BF-43ED-9DEC-C05002FBA22F}"/>
               </a:ext>
             </a:extLst>
           </p:cNvPr>
@@ -7868,7 +8103,7 @@
           <a:blip r:embed="rId2" cstate="print">
             <a:extLst>
               <a:ext uri="{28A0092B-C50C-407E-A947-70E740481C1C}">
-                <a14:useLocalDpi xmlns:a14="http://schemas.microsoft.com/office/drawing/2010/main" xmlns="" val="0"/>
+                <a14:useLocalDpi xmlns="" xmlns:a14="http://schemas.microsoft.com/office/drawing/2010/main" val="0"/>
               </a:ext>
             </a:extLst>
           </a:blip>
@@ -7891,7 +8126,7 @@
           <p:cNvPr id="6" name="Slide Title">
             <a:extLst>
               <a:ext uri="{FF2B5EF4-FFF2-40B4-BE49-F238E27FC236}">
-                <a16:creationId xmlns:a16="http://schemas.microsoft.com/office/drawing/2014/main" xmlns="" id="{19B5B676-7892-440F-8191-7109B2C59885}"/>
+                <a16:creationId xmlns="" xmlns:a16="http://schemas.microsoft.com/office/drawing/2014/main" id="{19B5B676-7892-440F-8191-7109B2C59885}"/>
               </a:ext>
             </a:extLst>
           </p:cNvPr>
@@ -7930,7 +8165,7 @@
     </p:spTree>
     <p:extLst>
       <p:ext uri="{BB962C8B-B14F-4D97-AF65-F5344CB8AC3E}">
-        <p14:creationId xmlns:p14="http://schemas.microsoft.com/office/powerpoint/2010/main" xmlns="" val="1102970716"/>
+        <p14:creationId xmlns="" xmlns:p14="http://schemas.microsoft.com/office/powerpoint/2010/main" val="1102970716"/>
       </p:ext>
     </p:extLst>
   </p:cSld>
@@ -7938,7 +8173,7 @@
     <a:masterClrMapping/>
   </p:clrMapOvr>
   <mc:AlternateContent xmlns:mc="http://schemas.openxmlformats.org/markup-compatibility/2006">
-    <mc:Choice xmlns:p14="http://schemas.microsoft.com/office/powerpoint/2010/main" xmlns="" Requires="p14">
+    <mc:Choice xmlns="" xmlns:p14="http://schemas.microsoft.com/office/powerpoint/2010/main" Requires="p14">
       <p:transition spd="slow" p14:dur="2000" advClick="0" advTm="5000"/>
     </mc:Choice>
     <mc:Fallback>
@@ -7970,7 +8205,7 @@
           <p:cNvPr id="9" name="Slide Number">
             <a:extLst>
               <a:ext uri="{FF2B5EF4-FFF2-40B4-BE49-F238E27FC236}">
-                <a16:creationId xmlns:a16="http://schemas.microsoft.com/office/drawing/2014/main" xmlns="" id="{0020EB61-2079-41A3-B356-B1D8D48D786E}"/>
+                <a16:creationId xmlns="" xmlns:a16="http://schemas.microsoft.com/office/drawing/2014/main" id="{0020EB61-2079-41A3-B356-B1D8D48D786E}"/>
               </a:ext>
             </a:extLst>
           </p:cNvPr>
@@ -8087,7 +8322,7 @@
           <p:cNvPr id="7" name="Slide Body Text">
             <a:extLst>
               <a:ext uri="{FF2B5EF4-FFF2-40B4-BE49-F238E27FC236}">
-                <a16:creationId xmlns:a16="http://schemas.microsoft.com/office/drawing/2014/main" xmlns="" id="{CB4CB13C-66A1-466B-A6C1-B0BABF5CFEC1}"/>
+                <a16:creationId xmlns="" xmlns:a16="http://schemas.microsoft.com/office/drawing/2014/main" id="{CB4CB13C-66A1-466B-A6C1-B0BABF5CFEC1}"/>
               </a:ext>
             </a:extLst>
           </p:cNvPr>
@@ -8185,7 +8420,7 @@
           <p:cNvPr id="3" name="Logo Software University" descr="Software University logo">
             <a:extLst>
               <a:ext uri="{FF2B5EF4-FFF2-40B4-BE49-F238E27FC236}">
-                <a16:creationId xmlns:a16="http://schemas.microsoft.com/office/drawing/2014/main" xmlns="" id="{5573C101-930B-47AC-967A-A64513DFFDEE}"/>
+                <a16:creationId xmlns="" xmlns:a16="http://schemas.microsoft.com/office/drawing/2014/main" id="{5573C101-930B-47AC-967A-A64513DFFDEE}"/>
               </a:ext>
             </a:extLst>
           </p:cNvPr>
@@ -8208,7 +8443,7 @@
             </a:clrChange>
             <a:extLst>
               <a:ext uri="{28A0092B-C50C-407E-A947-70E740481C1C}">
-                <a14:useLocalDpi xmlns:a14="http://schemas.microsoft.com/office/drawing/2010/main" xmlns="" val="0"/>
+                <a14:useLocalDpi xmlns="" xmlns:a14="http://schemas.microsoft.com/office/drawing/2010/main" val="0"/>
               </a:ext>
             </a:extLst>
           </a:blip>
@@ -8231,7 +8466,7 @@
           <p:cNvPr id="8" name="Slide Title">
             <a:extLst>
               <a:ext uri="{FF2B5EF4-FFF2-40B4-BE49-F238E27FC236}">
-                <a16:creationId xmlns:a16="http://schemas.microsoft.com/office/drawing/2014/main" xmlns="" id="{E2DA9691-CDF5-499C-94BB-AAA61DAC1BFB}"/>
+                <a16:creationId xmlns="" xmlns:a16="http://schemas.microsoft.com/office/drawing/2014/main" id="{E2DA9691-CDF5-499C-94BB-AAA61DAC1BFB}"/>
               </a:ext>
             </a:extLst>
           </p:cNvPr>
@@ -8268,7 +8503,7 @@
           <p:cNvPr id="10" name="Group 9">
             <a:extLst>
               <a:ext uri="{FF2B5EF4-FFF2-40B4-BE49-F238E27FC236}">
-                <a16:creationId xmlns:a16="http://schemas.microsoft.com/office/drawing/2014/main" xmlns="" id="{43CDBCC2-1C96-44BC-B992-7B0C49C34904}"/>
+                <a16:creationId xmlns="" xmlns:a16="http://schemas.microsoft.com/office/drawing/2014/main" id="{43CDBCC2-1C96-44BC-B992-7B0C49C34904}"/>
               </a:ext>
             </a:extLst>
           </p:cNvPr>
@@ -8288,7 +8523,7 @@
             <p:cNvPr id="11" name="Group 10">
               <a:extLst>
                 <a:ext uri="{FF2B5EF4-FFF2-40B4-BE49-F238E27FC236}">
-                  <a16:creationId xmlns:a16="http://schemas.microsoft.com/office/drawing/2014/main" xmlns="" id="{7D71B3A8-4D39-42CF-9255-81EA3A622DD6}"/>
+                  <a16:creationId xmlns="" xmlns:a16="http://schemas.microsoft.com/office/drawing/2014/main" id="{7D71B3A8-4D39-42CF-9255-81EA3A622DD6}"/>
                 </a:ext>
               </a:extLst>
             </p:cNvPr>
@@ -8308,7 +8543,7 @@
               <p:cNvPr id="25" name="Oval 24">
                 <a:extLst>
                   <a:ext uri="{FF2B5EF4-FFF2-40B4-BE49-F238E27FC236}">
-                    <a16:creationId xmlns:a16="http://schemas.microsoft.com/office/drawing/2014/main" xmlns="" id="{B98059F9-1874-426D-8AF7-A12C21F37DD9}"/>
+                    <a16:creationId xmlns="" xmlns:a16="http://schemas.microsoft.com/office/drawing/2014/main" id="{B98059F9-1874-426D-8AF7-A12C21F37DD9}"/>
                   </a:ext>
                 </a:extLst>
               </p:cNvPr>
@@ -8360,7 +8595,7 @@
               <p:cNvPr id="26" name="Rectangle 5">
                 <a:extLst>
                   <a:ext uri="{FF2B5EF4-FFF2-40B4-BE49-F238E27FC236}">
-                    <a16:creationId xmlns:a16="http://schemas.microsoft.com/office/drawing/2014/main" xmlns="" id="{A3A1E077-DBDF-48F0-A924-604984B940A2}"/>
+                    <a16:creationId xmlns="" xmlns:a16="http://schemas.microsoft.com/office/drawing/2014/main" id="{A3A1E077-DBDF-48F0-A924-604984B940A2}"/>
                   </a:ext>
                 </a:extLst>
               </p:cNvPr>
@@ -8505,7 +8740,7 @@
               <p:cNvPr id="27" name="Rectangle 5">
                 <a:extLst>
                   <a:ext uri="{FF2B5EF4-FFF2-40B4-BE49-F238E27FC236}">
-                    <a16:creationId xmlns:a16="http://schemas.microsoft.com/office/drawing/2014/main" xmlns="" id="{798B1F51-1FA4-4199-81C7-62356C936CC9}"/>
+                    <a16:creationId xmlns="" xmlns:a16="http://schemas.microsoft.com/office/drawing/2014/main" id="{798B1F51-1FA4-4199-81C7-62356C936CC9}"/>
                   </a:ext>
                 </a:extLst>
               </p:cNvPr>
@@ -8650,7 +8885,7 @@
               <p:cNvPr id="28" name="Arc 27">
                 <a:extLst>
                   <a:ext uri="{FF2B5EF4-FFF2-40B4-BE49-F238E27FC236}">
-                    <a16:creationId xmlns:a16="http://schemas.microsoft.com/office/drawing/2014/main" xmlns="" id="{40A224C8-1233-40F7-96AB-BFF79AF6CDCB}"/>
+                    <a16:creationId xmlns="" xmlns:a16="http://schemas.microsoft.com/office/drawing/2014/main" id="{40A224C8-1233-40F7-96AB-BFF79AF6CDCB}"/>
                   </a:ext>
                 </a:extLst>
               </p:cNvPr>
@@ -8709,7 +8944,7 @@
               <p:cNvPr id="29" name="Arc 28">
                 <a:extLst>
                   <a:ext uri="{FF2B5EF4-FFF2-40B4-BE49-F238E27FC236}">
-                    <a16:creationId xmlns:a16="http://schemas.microsoft.com/office/drawing/2014/main" xmlns="" id="{B57C7CCC-E218-4321-8C7B-3F0C5753C7A1}"/>
+                    <a16:creationId xmlns="" xmlns:a16="http://schemas.microsoft.com/office/drawing/2014/main" id="{B57C7CCC-E218-4321-8C7B-3F0C5753C7A1}"/>
                   </a:ext>
                 </a:extLst>
               </p:cNvPr>
@@ -8769,7 +9004,7 @@
             <p:cNvPr id="13" name="Rectangle: Rounded Corners 12">
               <a:extLst>
                 <a:ext uri="{FF2B5EF4-FFF2-40B4-BE49-F238E27FC236}">
-                  <a16:creationId xmlns:a16="http://schemas.microsoft.com/office/drawing/2014/main" xmlns="" id="{6AF309CA-A56C-4ABC-B293-420F4EB1A9B4}"/>
+                  <a16:creationId xmlns="" xmlns:a16="http://schemas.microsoft.com/office/drawing/2014/main" id="{6AF309CA-A56C-4ABC-B293-420F4EB1A9B4}"/>
                 </a:ext>
               </a:extLst>
             </p:cNvPr>
@@ -8823,7 +9058,7 @@
             <p:cNvPr id="14" name="Rectangle: Rounded Corners 13">
               <a:extLst>
                 <a:ext uri="{FF2B5EF4-FFF2-40B4-BE49-F238E27FC236}">
-                  <a16:creationId xmlns:a16="http://schemas.microsoft.com/office/drawing/2014/main" xmlns="" id="{07955808-2AC7-44EB-8B6D-82B974E53A3C}"/>
+                  <a16:creationId xmlns="" xmlns:a16="http://schemas.microsoft.com/office/drawing/2014/main" id="{07955808-2AC7-44EB-8B6D-82B974E53A3C}"/>
                 </a:ext>
               </a:extLst>
             </p:cNvPr>
@@ -8884,7 +9119,7 @@
             <p:cNvPr id="15" name="Straight Connector 14">
               <a:extLst>
                 <a:ext uri="{FF2B5EF4-FFF2-40B4-BE49-F238E27FC236}">
-                  <a16:creationId xmlns:a16="http://schemas.microsoft.com/office/drawing/2014/main" xmlns="" id="{AC6420D7-AEAB-45EF-8D46-11EB06E4AFEA}"/>
+                  <a16:creationId xmlns="" xmlns:a16="http://schemas.microsoft.com/office/drawing/2014/main" id="{AC6420D7-AEAB-45EF-8D46-11EB06E4AFEA}"/>
                 </a:ext>
               </a:extLst>
             </p:cNvPr>
@@ -8930,7 +9165,7 @@
             <p:cNvPr id="16" name="Straight Connector 15">
               <a:extLst>
                 <a:ext uri="{FF2B5EF4-FFF2-40B4-BE49-F238E27FC236}">
-                  <a16:creationId xmlns:a16="http://schemas.microsoft.com/office/drawing/2014/main" xmlns="" id="{76C7FABC-6773-44F6-990B-3EB082BE9B35}"/>
+                  <a16:creationId xmlns="" xmlns:a16="http://schemas.microsoft.com/office/drawing/2014/main" id="{76C7FABC-6773-44F6-990B-3EB082BE9B35}"/>
                 </a:ext>
               </a:extLst>
             </p:cNvPr>
@@ -8976,7 +9211,7 @@
             <p:cNvPr id="17" name="Group 16">
               <a:extLst>
                 <a:ext uri="{FF2B5EF4-FFF2-40B4-BE49-F238E27FC236}">
-                  <a16:creationId xmlns:a16="http://schemas.microsoft.com/office/drawing/2014/main" xmlns="" id="{1FAD48E1-DC45-4B3D-9CE5-613250708496}"/>
+                  <a16:creationId xmlns="" xmlns:a16="http://schemas.microsoft.com/office/drawing/2014/main" id="{1FAD48E1-DC45-4B3D-9CE5-613250708496}"/>
                 </a:ext>
               </a:extLst>
             </p:cNvPr>
@@ -8999,7 +9234,7 @@
               <p:cNvPr id="23" name="Straight Connector 22">
                 <a:extLst>
                   <a:ext uri="{FF2B5EF4-FFF2-40B4-BE49-F238E27FC236}">
-                    <a16:creationId xmlns:a16="http://schemas.microsoft.com/office/drawing/2014/main" xmlns="" id="{B01FD1D1-046F-457B-AB63-2702CE3E906E}"/>
+                    <a16:creationId xmlns="" xmlns:a16="http://schemas.microsoft.com/office/drawing/2014/main" id="{B01FD1D1-046F-457B-AB63-2702CE3E906E}"/>
                   </a:ext>
                 </a:extLst>
               </p:cNvPr>
@@ -9043,7 +9278,7 @@
               <p:cNvPr id="24" name="Straight Connector 23">
                 <a:extLst>
                   <a:ext uri="{FF2B5EF4-FFF2-40B4-BE49-F238E27FC236}">
-                    <a16:creationId xmlns:a16="http://schemas.microsoft.com/office/drawing/2014/main" xmlns="" id="{895660C3-C72C-43EE-9C4A-170F85E5BE08}"/>
+                    <a16:creationId xmlns="" xmlns:a16="http://schemas.microsoft.com/office/drawing/2014/main" id="{895660C3-C72C-43EE-9C4A-170F85E5BE08}"/>
                   </a:ext>
                 </a:extLst>
               </p:cNvPr>
@@ -9088,7 +9323,7 @@
             <p:cNvPr id="19" name="Straight Connector 18">
               <a:extLst>
                 <a:ext uri="{FF2B5EF4-FFF2-40B4-BE49-F238E27FC236}">
-                  <a16:creationId xmlns:a16="http://schemas.microsoft.com/office/drawing/2014/main" xmlns="" id="{A74EE503-8FC0-42A6-8860-CA4EE42272E4}"/>
+                  <a16:creationId xmlns="" xmlns:a16="http://schemas.microsoft.com/office/drawing/2014/main" id="{A74EE503-8FC0-42A6-8860-CA4EE42272E4}"/>
                 </a:ext>
               </a:extLst>
             </p:cNvPr>
@@ -9134,7 +9369,7 @@
             <p:cNvPr id="12" name="Rectangle: Rounded Corners 11">
               <a:extLst>
                 <a:ext uri="{FF2B5EF4-FFF2-40B4-BE49-F238E27FC236}">
-                  <a16:creationId xmlns:a16="http://schemas.microsoft.com/office/drawing/2014/main" xmlns="" id="{F4189FDA-9FE8-490B-8A70-2E941811021F}"/>
+                  <a16:creationId xmlns="" xmlns:a16="http://schemas.microsoft.com/office/drawing/2014/main" id="{F4189FDA-9FE8-490B-8A70-2E941811021F}"/>
                 </a:ext>
               </a:extLst>
             </p:cNvPr>
@@ -9188,7 +9423,7 @@
             <p:cNvPr id="18" name="Group 17">
               <a:extLst>
                 <a:ext uri="{FF2B5EF4-FFF2-40B4-BE49-F238E27FC236}">
-                  <a16:creationId xmlns:a16="http://schemas.microsoft.com/office/drawing/2014/main" xmlns="" id="{FDA3EFCD-0DF8-419D-8533-D781521E597E}"/>
+                  <a16:creationId xmlns="" xmlns:a16="http://schemas.microsoft.com/office/drawing/2014/main" id="{FDA3EFCD-0DF8-419D-8533-D781521E597E}"/>
                 </a:ext>
               </a:extLst>
             </p:cNvPr>
@@ -9211,7 +9446,7 @@
               <p:cNvPr id="21" name="Straight Connector 20">
                 <a:extLst>
                   <a:ext uri="{FF2B5EF4-FFF2-40B4-BE49-F238E27FC236}">
-                    <a16:creationId xmlns:a16="http://schemas.microsoft.com/office/drawing/2014/main" xmlns="" id="{C3CC6A5A-182E-4A09-9C04-EB191881D789}"/>
+                    <a16:creationId xmlns="" xmlns:a16="http://schemas.microsoft.com/office/drawing/2014/main" id="{C3CC6A5A-182E-4A09-9C04-EB191881D789}"/>
                   </a:ext>
                 </a:extLst>
               </p:cNvPr>
@@ -9255,7 +9490,7 @@
               <p:cNvPr id="22" name="Straight Connector 21">
                 <a:extLst>
                   <a:ext uri="{FF2B5EF4-FFF2-40B4-BE49-F238E27FC236}">
-                    <a16:creationId xmlns:a16="http://schemas.microsoft.com/office/drawing/2014/main" xmlns="" id="{440C8953-0555-48CC-8255-78F17E053EE7}"/>
+                    <a16:creationId xmlns="" xmlns:a16="http://schemas.microsoft.com/office/drawing/2014/main" id="{440C8953-0555-48CC-8255-78F17E053EE7}"/>
                   </a:ext>
                 </a:extLst>
               </p:cNvPr>
@@ -9301,7 +9536,7 @@
           <p:cNvPr id="34" name="Straight Connector 33">
             <a:extLst>
               <a:ext uri="{FF2B5EF4-FFF2-40B4-BE49-F238E27FC236}">
-                <a16:creationId xmlns:a16="http://schemas.microsoft.com/office/drawing/2014/main" xmlns="" id="{29B538CA-8CCB-43FB-B5E5-5FC04EBC1F54}"/>
+                <a16:creationId xmlns="" xmlns:a16="http://schemas.microsoft.com/office/drawing/2014/main" id="{29B538CA-8CCB-43FB-B5E5-5FC04EBC1F54}"/>
               </a:ext>
             </a:extLst>
           </p:cNvPr>
@@ -9346,7 +9581,7 @@
     </p:spTree>
     <p:extLst>
       <p:ext uri="{BB962C8B-B14F-4D97-AF65-F5344CB8AC3E}">
-        <p14:creationId xmlns:p14="http://schemas.microsoft.com/office/powerpoint/2010/main" xmlns="" val="743545348"/>
+        <p14:creationId xmlns="" xmlns:p14="http://schemas.microsoft.com/office/powerpoint/2010/main" val="743545348"/>
       </p:ext>
     </p:extLst>
   </p:cSld>
@@ -9354,7 +9589,7 @@
     <a:masterClrMapping/>
   </p:clrMapOvr>
   <mc:AlternateContent xmlns:mc="http://schemas.openxmlformats.org/markup-compatibility/2006">
-    <mc:Choice xmlns:p14="http://schemas.microsoft.com/office/powerpoint/2010/main" xmlns="" Requires="p14">
+    <mc:Choice xmlns="" xmlns:p14="http://schemas.microsoft.com/office/powerpoint/2010/main" Requires="p14">
       <p:transition spd="slow" p14:dur="2000" advClick="0" advTm="5000"/>
     </mc:Choice>
     <mc:Fallback>
@@ -9386,7 +9621,7 @@
           <p:cNvPr id="9" name="Slide Number">
             <a:extLst>
               <a:ext uri="{FF2B5EF4-FFF2-40B4-BE49-F238E27FC236}">
-                <a16:creationId xmlns:a16="http://schemas.microsoft.com/office/drawing/2014/main" xmlns="" id="{1865BF6B-7F07-4E9C-879F-80E36EEB3405}"/>
+                <a16:creationId xmlns="" xmlns:a16="http://schemas.microsoft.com/office/drawing/2014/main" id="{1865BF6B-7F07-4E9C-879F-80E36EEB3405}"/>
               </a:ext>
             </a:extLst>
           </p:cNvPr>
@@ -9428,7 +9663,7 @@
           <p:cNvPr id="12" name="Rectangle Left">
             <a:extLst>
               <a:ext uri="{FF2B5EF4-FFF2-40B4-BE49-F238E27FC236}">
-                <a16:creationId xmlns:a16="http://schemas.microsoft.com/office/drawing/2014/main" xmlns="" id="{345FB1C8-7F66-4D5C-ACCE-AE919936BCFD}"/>
+                <a16:creationId xmlns="" xmlns:a16="http://schemas.microsoft.com/office/drawing/2014/main" id="{345FB1C8-7F66-4D5C-ACCE-AE919936BCFD}"/>
               </a:ext>
             </a:extLst>
           </p:cNvPr>
@@ -9509,7 +9744,7 @@
           <p:cNvPr id="15" name="Slide Body Text">
             <a:extLst>
               <a:ext uri="{FF2B5EF4-FFF2-40B4-BE49-F238E27FC236}">
-                <a16:creationId xmlns:a16="http://schemas.microsoft.com/office/drawing/2014/main" xmlns="" id="{6157C8DE-E0AF-422B-BBB1-F0AF1264B5E9}"/>
+                <a16:creationId xmlns="" xmlns:a16="http://schemas.microsoft.com/office/drawing/2014/main" id="{6157C8DE-E0AF-422B-BBB1-F0AF1264B5E9}"/>
               </a:ext>
             </a:extLst>
           </p:cNvPr>
@@ -9607,7 +9842,7 @@
           <p:cNvPr id="16" name="Logo Software University" descr="Software University logo">
             <a:extLst>
               <a:ext uri="{FF2B5EF4-FFF2-40B4-BE49-F238E27FC236}">
-                <a16:creationId xmlns:a16="http://schemas.microsoft.com/office/drawing/2014/main" xmlns="" id="{EFEBB553-EACE-4B4F-8B4F-7629FDD910A4}"/>
+                <a16:creationId xmlns="" xmlns:a16="http://schemas.microsoft.com/office/drawing/2014/main" id="{EFEBB553-EACE-4B4F-8B4F-7629FDD910A4}"/>
               </a:ext>
             </a:extLst>
           </p:cNvPr>
@@ -9630,7 +9865,7 @@
             </a:clrChange>
             <a:extLst>
               <a:ext uri="{28A0092B-C50C-407E-A947-70E740481C1C}">
-                <a14:useLocalDpi xmlns:a14="http://schemas.microsoft.com/office/drawing/2010/main" xmlns="" val="0"/>
+                <a14:useLocalDpi xmlns="" xmlns:a14="http://schemas.microsoft.com/office/drawing/2010/main" val="0"/>
               </a:ext>
             </a:extLst>
           </a:blip>
@@ -9653,7 +9888,7 @@
           <p:cNvPr id="13" name="Slide Title">
             <a:extLst>
               <a:ext uri="{FF2B5EF4-FFF2-40B4-BE49-F238E27FC236}">
-                <a16:creationId xmlns:a16="http://schemas.microsoft.com/office/drawing/2014/main" xmlns="" id="{0D5CC956-5C4A-44BE-8F8B-327FAFA51E97}"/>
+                <a16:creationId xmlns="" xmlns:a16="http://schemas.microsoft.com/office/drawing/2014/main" id="{0D5CC956-5C4A-44BE-8F8B-327FAFA51E97}"/>
               </a:ext>
             </a:extLst>
           </p:cNvPr>
@@ -9690,7 +9925,7 @@
           <p:cNvPr id="33" name="Group 32">
             <a:extLst>
               <a:ext uri="{FF2B5EF4-FFF2-40B4-BE49-F238E27FC236}">
-                <a16:creationId xmlns:a16="http://schemas.microsoft.com/office/drawing/2014/main" xmlns="" id="{7CF60135-47AA-48F0-96BA-0E795668ABDB}"/>
+                <a16:creationId xmlns="" xmlns:a16="http://schemas.microsoft.com/office/drawing/2014/main" id="{7CF60135-47AA-48F0-96BA-0E795668ABDB}"/>
               </a:ext>
             </a:extLst>
           </p:cNvPr>
@@ -9710,7 +9945,7 @@
             <p:cNvPr id="34" name="Group 33">
               <a:extLst>
                 <a:ext uri="{FF2B5EF4-FFF2-40B4-BE49-F238E27FC236}">
-                  <a16:creationId xmlns:a16="http://schemas.microsoft.com/office/drawing/2014/main" xmlns="" id="{2823380E-3936-41AF-BDF7-DA54D75BBF6B}"/>
+                  <a16:creationId xmlns="" xmlns:a16="http://schemas.microsoft.com/office/drawing/2014/main" id="{2823380E-3936-41AF-BDF7-DA54D75BBF6B}"/>
                 </a:ext>
               </a:extLst>
             </p:cNvPr>
@@ -9730,7 +9965,7 @@
               <p:cNvPr id="47" name="Oval 46">
                 <a:extLst>
                   <a:ext uri="{FF2B5EF4-FFF2-40B4-BE49-F238E27FC236}">
-                    <a16:creationId xmlns:a16="http://schemas.microsoft.com/office/drawing/2014/main" xmlns="" id="{52B047D9-D8DD-45C7-9BC8-6D4F682F5182}"/>
+                    <a16:creationId xmlns="" xmlns:a16="http://schemas.microsoft.com/office/drawing/2014/main" id="{52B047D9-D8DD-45C7-9BC8-6D4F682F5182}"/>
                   </a:ext>
                 </a:extLst>
               </p:cNvPr>
@@ -9782,7 +10017,7 @@
               <p:cNvPr id="48" name="Rectangle 5">
                 <a:extLst>
                   <a:ext uri="{FF2B5EF4-FFF2-40B4-BE49-F238E27FC236}">
-                    <a16:creationId xmlns:a16="http://schemas.microsoft.com/office/drawing/2014/main" xmlns="" id="{4D84FE51-BD8E-47EA-9463-CE02FEA31766}"/>
+                    <a16:creationId xmlns="" xmlns:a16="http://schemas.microsoft.com/office/drawing/2014/main" id="{4D84FE51-BD8E-47EA-9463-CE02FEA31766}"/>
                   </a:ext>
                 </a:extLst>
               </p:cNvPr>
@@ -9927,7 +10162,7 @@
               <p:cNvPr id="49" name="Rectangle 5">
                 <a:extLst>
                   <a:ext uri="{FF2B5EF4-FFF2-40B4-BE49-F238E27FC236}">
-                    <a16:creationId xmlns:a16="http://schemas.microsoft.com/office/drawing/2014/main" xmlns="" id="{F5C8F037-C197-4219-AC87-3A81763512BC}"/>
+                    <a16:creationId xmlns="" xmlns:a16="http://schemas.microsoft.com/office/drawing/2014/main" id="{F5C8F037-C197-4219-AC87-3A81763512BC}"/>
                   </a:ext>
                 </a:extLst>
               </p:cNvPr>
@@ -10072,7 +10307,7 @@
               <p:cNvPr id="50" name="Arc 49">
                 <a:extLst>
                   <a:ext uri="{FF2B5EF4-FFF2-40B4-BE49-F238E27FC236}">
-                    <a16:creationId xmlns:a16="http://schemas.microsoft.com/office/drawing/2014/main" xmlns="" id="{786EE401-CF8E-439B-94A0-EE6F3A7D5798}"/>
+                    <a16:creationId xmlns="" xmlns:a16="http://schemas.microsoft.com/office/drawing/2014/main" id="{786EE401-CF8E-439B-94A0-EE6F3A7D5798}"/>
                   </a:ext>
                 </a:extLst>
               </p:cNvPr>
@@ -10131,7 +10366,7 @@
               <p:cNvPr id="51" name="Arc 50">
                 <a:extLst>
                   <a:ext uri="{FF2B5EF4-FFF2-40B4-BE49-F238E27FC236}">
-                    <a16:creationId xmlns:a16="http://schemas.microsoft.com/office/drawing/2014/main" xmlns="" id="{8D9ACD38-B3EB-4A63-9730-CBF0501BF235}"/>
+                    <a16:creationId xmlns="" xmlns:a16="http://schemas.microsoft.com/office/drawing/2014/main" id="{8D9ACD38-B3EB-4A63-9730-CBF0501BF235}"/>
                   </a:ext>
                 </a:extLst>
               </p:cNvPr>
@@ -10191,7 +10426,7 @@
             <p:cNvPr id="35" name="Rectangle: Rounded Corners 34">
               <a:extLst>
                 <a:ext uri="{FF2B5EF4-FFF2-40B4-BE49-F238E27FC236}">
-                  <a16:creationId xmlns:a16="http://schemas.microsoft.com/office/drawing/2014/main" xmlns="" id="{64EE493E-A353-4C75-A3B9-D48ABA2C57CC}"/>
+                  <a16:creationId xmlns="" xmlns:a16="http://schemas.microsoft.com/office/drawing/2014/main" id="{64EE493E-A353-4C75-A3B9-D48ABA2C57CC}"/>
                 </a:ext>
               </a:extLst>
             </p:cNvPr>
@@ -10245,7 +10480,7 @@
             <p:cNvPr id="36" name="Rectangle: Rounded Corners 35">
               <a:extLst>
                 <a:ext uri="{FF2B5EF4-FFF2-40B4-BE49-F238E27FC236}">
-                  <a16:creationId xmlns:a16="http://schemas.microsoft.com/office/drawing/2014/main" xmlns="" id="{718408B9-204E-42E3-9E79-33E047E869BC}"/>
+                  <a16:creationId xmlns="" xmlns:a16="http://schemas.microsoft.com/office/drawing/2014/main" id="{718408B9-204E-42E3-9E79-33E047E869BC}"/>
                 </a:ext>
               </a:extLst>
             </p:cNvPr>
@@ -10306,7 +10541,7 @@
             <p:cNvPr id="37" name="Straight Connector 36">
               <a:extLst>
                 <a:ext uri="{FF2B5EF4-FFF2-40B4-BE49-F238E27FC236}">
-                  <a16:creationId xmlns:a16="http://schemas.microsoft.com/office/drawing/2014/main" xmlns="" id="{0AB66D97-DF6F-4CD2-AF13-42B5C852F673}"/>
+                  <a16:creationId xmlns="" xmlns:a16="http://schemas.microsoft.com/office/drawing/2014/main" id="{0AB66D97-DF6F-4CD2-AF13-42B5C852F673}"/>
                 </a:ext>
               </a:extLst>
             </p:cNvPr>
@@ -10352,7 +10587,7 @@
             <p:cNvPr id="38" name="Straight Connector 37">
               <a:extLst>
                 <a:ext uri="{FF2B5EF4-FFF2-40B4-BE49-F238E27FC236}">
-                  <a16:creationId xmlns:a16="http://schemas.microsoft.com/office/drawing/2014/main" xmlns="" id="{F2AFBA69-C196-4703-8AAB-5F72A8EDCEB5}"/>
+                  <a16:creationId xmlns="" xmlns:a16="http://schemas.microsoft.com/office/drawing/2014/main" id="{F2AFBA69-C196-4703-8AAB-5F72A8EDCEB5}"/>
                 </a:ext>
               </a:extLst>
             </p:cNvPr>
@@ -10398,7 +10633,7 @@
             <p:cNvPr id="39" name="Group 38">
               <a:extLst>
                 <a:ext uri="{FF2B5EF4-FFF2-40B4-BE49-F238E27FC236}">
-                  <a16:creationId xmlns:a16="http://schemas.microsoft.com/office/drawing/2014/main" xmlns="" id="{9AFC66C1-0C1C-4332-9C4E-782574C896B8}"/>
+                  <a16:creationId xmlns="" xmlns:a16="http://schemas.microsoft.com/office/drawing/2014/main" id="{9AFC66C1-0C1C-4332-9C4E-782574C896B8}"/>
                 </a:ext>
               </a:extLst>
             </p:cNvPr>
@@ -10421,7 +10656,7 @@
               <p:cNvPr id="45" name="Straight Connector 44">
                 <a:extLst>
                   <a:ext uri="{FF2B5EF4-FFF2-40B4-BE49-F238E27FC236}">
-                    <a16:creationId xmlns:a16="http://schemas.microsoft.com/office/drawing/2014/main" xmlns="" id="{872CA8AD-EAF6-40BE-9DDE-ECDB4A980CA5}"/>
+                    <a16:creationId xmlns="" xmlns:a16="http://schemas.microsoft.com/office/drawing/2014/main" id="{872CA8AD-EAF6-40BE-9DDE-ECDB4A980CA5}"/>
                   </a:ext>
                 </a:extLst>
               </p:cNvPr>
@@ -10465,7 +10700,7 @@
               <p:cNvPr id="46" name="Straight Connector 45">
                 <a:extLst>
                   <a:ext uri="{FF2B5EF4-FFF2-40B4-BE49-F238E27FC236}">
-                    <a16:creationId xmlns:a16="http://schemas.microsoft.com/office/drawing/2014/main" xmlns="" id="{57DD3EC7-1A13-4AFE-BD6F-DA12C281FAFB}"/>
+                    <a16:creationId xmlns="" xmlns:a16="http://schemas.microsoft.com/office/drawing/2014/main" id="{57DD3EC7-1A13-4AFE-BD6F-DA12C281FAFB}"/>
                   </a:ext>
                 </a:extLst>
               </p:cNvPr>
@@ -10510,7 +10745,7 @@
             <p:cNvPr id="40" name="Straight Connector 39">
               <a:extLst>
                 <a:ext uri="{FF2B5EF4-FFF2-40B4-BE49-F238E27FC236}">
-                  <a16:creationId xmlns:a16="http://schemas.microsoft.com/office/drawing/2014/main" xmlns="" id="{E46151FA-19E9-4E84-A082-EDAC6F76EA9D}"/>
+                  <a16:creationId xmlns="" xmlns:a16="http://schemas.microsoft.com/office/drawing/2014/main" id="{E46151FA-19E9-4E84-A082-EDAC6F76EA9D}"/>
                 </a:ext>
               </a:extLst>
             </p:cNvPr>
@@ -10556,7 +10791,7 @@
             <p:cNvPr id="41" name="Rectangle: Rounded Corners 40">
               <a:extLst>
                 <a:ext uri="{FF2B5EF4-FFF2-40B4-BE49-F238E27FC236}">
-                  <a16:creationId xmlns:a16="http://schemas.microsoft.com/office/drawing/2014/main" xmlns="" id="{3423EEF0-5B70-4091-B2DA-0740D2609643}"/>
+                  <a16:creationId xmlns="" xmlns:a16="http://schemas.microsoft.com/office/drawing/2014/main" id="{3423EEF0-5B70-4091-B2DA-0740D2609643}"/>
                 </a:ext>
               </a:extLst>
             </p:cNvPr>
@@ -10610,7 +10845,7 @@
             <p:cNvPr id="42" name="Group 41">
               <a:extLst>
                 <a:ext uri="{FF2B5EF4-FFF2-40B4-BE49-F238E27FC236}">
-                  <a16:creationId xmlns:a16="http://schemas.microsoft.com/office/drawing/2014/main" xmlns="" id="{49A8AAA7-98E7-4224-B027-830FFCC285A3}"/>
+                  <a16:creationId xmlns="" xmlns:a16="http://schemas.microsoft.com/office/drawing/2014/main" id="{49A8AAA7-98E7-4224-B027-830FFCC285A3}"/>
                 </a:ext>
               </a:extLst>
             </p:cNvPr>
@@ -10633,7 +10868,7 @@
               <p:cNvPr id="43" name="Straight Connector 42">
                 <a:extLst>
                   <a:ext uri="{FF2B5EF4-FFF2-40B4-BE49-F238E27FC236}">
-                    <a16:creationId xmlns:a16="http://schemas.microsoft.com/office/drawing/2014/main" xmlns="" id="{2129EC38-471E-4685-973E-BA7A7F567C42}"/>
+                    <a16:creationId xmlns="" xmlns:a16="http://schemas.microsoft.com/office/drawing/2014/main" id="{2129EC38-471E-4685-973E-BA7A7F567C42}"/>
                   </a:ext>
                 </a:extLst>
               </p:cNvPr>
@@ -10677,7 +10912,7 @@
               <p:cNvPr id="44" name="Straight Connector 43">
                 <a:extLst>
                   <a:ext uri="{FF2B5EF4-FFF2-40B4-BE49-F238E27FC236}">
-                    <a16:creationId xmlns:a16="http://schemas.microsoft.com/office/drawing/2014/main" xmlns="" id="{678142BE-84C9-4834-B6CC-6623E401661C}"/>
+                    <a16:creationId xmlns="" xmlns:a16="http://schemas.microsoft.com/office/drawing/2014/main" id="{678142BE-84C9-4834-B6CC-6623E401661C}"/>
                   </a:ext>
                 </a:extLst>
               </p:cNvPr>
@@ -10721,7 +10956,7 @@
     </p:spTree>
     <p:extLst>
       <p:ext uri="{BB962C8B-B14F-4D97-AF65-F5344CB8AC3E}">
-        <p14:creationId xmlns:p14="http://schemas.microsoft.com/office/powerpoint/2010/main" xmlns="" val="1679651758"/>
+        <p14:creationId xmlns="" xmlns:p14="http://schemas.microsoft.com/office/powerpoint/2010/main" val="1679651758"/>
       </p:ext>
     </p:extLst>
   </p:cSld>
@@ -10729,7 +10964,7 @@
     <a:masterClrMapping/>
   </p:clrMapOvr>
   <mc:AlternateContent xmlns:mc="http://schemas.openxmlformats.org/markup-compatibility/2006">
-    <mc:Choice xmlns:p14="http://schemas.microsoft.com/office/powerpoint/2010/main" xmlns="" Requires="p14">
+    <mc:Choice xmlns="" xmlns:p14="http://schemas.microsoft.com/office/powerpoint/2010/main" Requires="p14">
       <p:transition spd="slow" p14:dur="2000" advClick="0" advTm="5000"/>
     </mc:Choice>
     <mc:Fallback>
@@ -10761,7 +10996,7 @@
           <p:cNvPr id="5" name="Slide Number">
             <a:extLst>
               <a:ext uri="{FF2B5EF4-FFF2-40B4-BE49-F238E27FC236}">
-                <a16:creationId xmlns:a16="http://schemas.microsoft.com/office/drawing/2014/main" xmlns="" id="{F0B8C963-1813-4B69-AD27-6D02EBBBB569}"/>
+                <a16:creationId xmlns="" xmlns:a16="http://schemas.microsoft.com/office/drawing/2014/main" id="{F0B8C963-1813-4B69-AD27-6D02EBBBB569}"/>
               </a:ext>
             </a:extLst>
           </p:cNvPr>
@@ -10803,7 +11038,7 @@
           <p:cNvPr id="3" name="Rectangle Left">
             <a:extLst>
               <a:ext uri="{FF2B5EF4-FFF2-40B4-BE49-F238E27FC236}">
-                <a16:creationId xmlns:a16="http://schemas.microsoft.com/office/drawing/2014/main" xmlns="" id="{345FB1C8-7F66-4D5C-ACCE-AE919936BCFD}"/>
+                <a16:creationId xmlns="" xmlns:a16="http://schemas.microsoft.com/office/drawing/2014/main" id="{345FB1C8-7F66-4D5C-ACCE-AE919936BCFD}"/>
               </a:ext>
             </a:extLst>
           </p:cNvPr>
@@ -10884,7 +11119,7 @@
           <p:cNvPr id="7" name="Slide Body Text">
             <a:extLst>
               <a:ext uri="{FF2B5EF4-FFF2-40B4-BE49-F238E27FC236}">
-                <a16:creationId xmlns:a16="http://schemas.microsoft.com/office/drawing/2014/main" xmlns="" id="{7296EDA7-D37D-4B31-A888-371F0804124F}"/>
+                <a16:creationId xmlns="" xmlns:a16="http://schemas.microsoft.com/office/drawing/2014/main" id="{7296EDA7-D37D-4B31-A888-371F0804124F}"/>
               </a:ext>
             </a:extLst>
           </p:cNvPr>
@@ -10982,7 +11217,7 @@
           <p:cNvPr id="6" name="Slide Title">
             <a:extLst>
               <a:ext uri="{FF2B5EF4-FFF2-40B4-BE49-F238E27FC236}">
-                <a16:creationId xmlns:a16="http://schemas.microsoft.com/office/drawing/2014/main" xmlns="" id="{55A88B09-3557-48A3-BF27-42699C269215}"/>
+                <a16:creationId xmlns="" xmlns:a16="http://schemas.microsoft.com/office/drawing/2014/main" id="{55A88B09-3557-48A3-BF27-42699C269215}"/>
               </a:ext>
             </a:extLst>
           </p:cNvPr>
@@ -11019,7 +11254,7 @@
           <p:cNvPr id="28" name="Group 27">
             <a:extLst>
               <a:ext uri="{FF2B5EF4-FFF2-40B4-BE49-F238E27FC236}">
-                <a16:creationId xmlns:a16="http://schemas.microsoft.com/office/drawing/2014/main" xmlns="" id="{C4248838-4E67-439E-AE0A-0043D2CB04D6}"/>
+                <a16:creationId xmlns="" xmlns:a16="http://schemas.microsoft.com/office/drawing/2014/main" id="{C4248838-4E67-439E-AE0A-0043D2CB04D6}"/>
               </a:ext>
             </a:extLst>
           </p:cNvPr>
@@ -11039,7 +11274,7 @@
             <p:cNvPr id="29" name="Group 28">
               <a:extLst>
                 <a:ext uri="{FF2B5EF4-FFF2-40B4-BE49-F238E27FC236}">
-                  <a16:creationId xmlns:a16="http://schemas.microsoft.com/office/drawing/2014/main" xmlns="" id="{810CFD6A-2427-49D5-846A-5F93601D4184}"/>
+                  <a16:creationId xmlns="" xmlns:a16="http://schemas.microsoft.com/office/drawing/2014/main" id="{810CFD6A-2427-49D5-846A-5F93601D4184}"/>
                 </a:ext>
               </a:extLst>
             </p:cNvPr>
@@ -11059,7 +11294,7 @@
               <p:cNvPr id="42" name="Oval 41">
                 <a:extLst>
                   <a:ext uri="{FF2B5EF4-FFF2-40B4-BE49-F238E27FC236}">
-                    <a16:creationId xmlns:a16="http://schemas.microsoft.com/office/drawing/2014/main" xmlns="" id="{017B1AE5-5C36-4839-BA1F-B404EA44E701}"/>
+                    <a16:creationId xmlns="" xmlns:a16="http://schemas.microsoft.com/office/drawing/2014/main" id="{017B1AE5-5C36-4839-BA1F-B404EA44E701}"/>
                   </a:ext>
                 </a:extLst>
               </p:cNvPr>
@@ -11111,7 +11346,7 @@
               <p:cNvPr id="43" name="Rectangle 5">
                 <a:extLst>
                   <a:ext uri="{FF2B5EF4-FFF2-40B4-BE49-F238E27FC236}">
-                    <a16:creationId xmlns:a16="http://schemas.microsoft.com/office/drawing/2014/main" xmlns="" id="{FB963D79-BB49-4A1D-BA66-EA0670C79BAE}"/>
+                    <a16:creationId xmlns="" xmlns:a16="http://schemas.microsoft.com/office/drawing/2014/main" id="{FB963D79-BB49-4A1D-BA66-EA0670C79BAE}"/>
                   </a:ext>
                 </a:extLst>
               </p:cNvPr>
@@ -11256,7 +11491,7 @@
               <p:cNvPr id="44" name="Rectangle 5">
                 <a:extLst>
                   <a:ext uri="{FF2B5EF4-FFF2-40B4-BE49-F238E27FC236}">
-                    <a16:creationId xmlns:a16="http://schemas.microsoft.com/office/drawing/2014/main" xmlns="" id="{6D7746D8-B913-493B-AAE9-25BC6893D40E}"/>
+                    <a16:creationId xmlns="" xmlns:a16="http://schemas.microsoft.com/office/drawing/2014/main" id="{6D7746D8-B913-493B-AAE9-25BC6893D40E}"/>
                   </a:ext>
                 </a:extLst>
               </p:cNvPr>
@@ -11401,7 +11636,7 @@
               <p:cNvPr id="45" name="Arc 44">
                 <a:extLst>
                   <a:ext uri="{FF2B5EF4-FFF2-40B4-BE49-F238E27FC236}">
-                    <a16:creationId xmlns:a16="http://schemas.microsoft.com/office/drawing/2014/main" xmlns="" id="{29031C02-E965-417B-8799-96061B14F30D}"/>
+                    <a16:creationId xmlns="" xmlns:a16="http://schemas.microsoft.com/office/drawing/2014/main" id="{29031C02-E965-417B-8799-96061B14F30D}"/>
                   </a:ext>
                 </a:extLst>
               </p:cNvPr>
@@ -11460,7 +11695,7 @@
               <p:cNvPr id="46" name="Arc 45">
                 <a:extLst>
                   <a:ext uri="{FF2B5EF4-FFF2-40B4-BE49-F238E27FC236}">
-                    <a16:creationId xmlns:a16="http://schemas.microsoft.com/office/drawing/2014/main" xmlns="" id="{26BFD8A6-BC99-4B16-BA10-08A9E5C681C0}"/>
+                    <a16:creationId xmlns="" xmlns:a16="http://schemas.microsoft.com/office/drawing/2014/main" id="{26BFD8A6-BC99-4B16-BA10-08A9E5C681C0}"/>
                   </a:ext>
                 </a:extLst>
               </p:cNvPr>
@@ -11520,7 +11755,7 @@
             <p:cNvPr id="30" name="Rectangle: Rounded Corners 29">
               <a:extLst>
                 <a:ext uri="{FF2B5EF4-FFF2-40B4-BE49-F238E27FC236}">
-                  <a16:creationId xmlns:a16="http://schemas.microsoft.com/office/drawing/2014/main" xmlns="" id="{B310277F-A78E-4FB9-9EA9-88BE4F1D585B}"/>
+                  <a16:creationId xmlns="" xmlns:a16="http://schemas.microsoft.com/office/drawing/2014/main" id="{B310277F-A78E-4FB9-9EA9-88BE4F1D585B}"/>
                 </a:ext>
               </a:extLst>
             </p:cNvPr>
@@ -11574,7 +11809,7 @@
             <p:cNvPr id="31" name="Rectangle: Rounded Corners 30">
               <a:extLst>
                 <a:ext uri="{FF2B5EF4-FFF2-40B4-BE49-F238E27FC236}">
-                  <a16:creationId xmlns:a16="http://schemas.microsoft.com/office/drawing/2014/main" xmlns="" id="{A92CF92B-C212-4542-83AE-A0058B5BB5EA}"/>
+                  <a16:creationId xmlns="" xmlns:a16="http://schemas.microsoft.com/office/drawing/2014/main" id="{A92CF92B-C212-4542-83AE-A0058B5BB5EA}"/>
                 </a:ext>
               </a:extLst>
             </p:cNvPr>
@@ -11635,7 +11870,7 @@
             <p:cNvPr id="32" name="Straight Connector 31">
               <a:extLst>
                 <a:ext uri="{FF2B5EF4-FFF2-40B4-BE49-F238E27FC236}">
-                  <a16:creationId xmlns:a16="http://schemas.microsoft.com/office/drawing/2014/main" xmlns="" id="{563B4374-5C0D-461F-B3BD-78D99614D365}"/>
+                  <a16:creationId xmlns="" xmlns:a16="http://schemas.microsoft.com/office/drawing/2014/main" id="{563B4374-5C0D-461F-B3BD-78D99614D365}"/>
                 </a:ext>
               </a:extLst>
             </p:cNvPr>
@@ -11681,7 +11916,7 @@
             <p:cNvPr id="33" name="Straight Connector 32">
               <a:extLst>
                 <a:ext uri="{FF2B5EF4-FFF2-40B4-BE49-F238E27FC236}">
-                  <a16:creationId xmlns:a16="http://schemas.microsoft.com/office/drawing/2014/main" xmlns="" id="{FBC6FDE7-AEA1-4230-8433-4C088A0FF5F9}"/>
+                  <a16:creationId xmlns="" xmlns:a16="http://schemas.microsoft.com/office/drawing/2014/main" id="{FBC6FDE7-AEA1-4230-8433-4C088A0FF5F9}"/>
                 </a:ext>
               </a:extLst>
             </p:cNvPr>
@@ -11727,7 +11962,7 @@
             <p:cNvPr id="34" name="Group 33">
               <a:extLst>
                 <a:ext uri="{FF2B5EF4-FFF2-40B4-BE49-F238E27FC236}">
-                  <a16:creationId xmlns:a16="http://schemas.microsoft.com/office/drawing/2014/main" xmlns="" id="{C4D1021D-07C7-4331-8FF6-36980A30978B}"/>
+                  <a16:creationId xmlns="" xmlns:a16="http://schemas.microsoft.com/office/drawing/2014/main" id="{C4D1021D-07C7-4331-8FF6-36980A30978B}"/>
                 </a:ext>
               </a:extLst>
             </p:cNvPr>
@@ -11750,7 +11985,7 @@
               <p:cNvPr id="40" name="Straight Connector 39">
                 <a:extLst>
                   <a:ext uri="{FF2B5EF4-FFF2-40B4-BE49-F238E27FC236}">
-                    <a16:creationId xmlns:a16="http://schemas.microsoft.com/office/drawing/2014/main" xmlns="" id="{13B7FE99-95CF-45D5-966B-87A979B93431}"/>
+                    <a16:creationId xmlns="" xmlns:a16="http://schemas.microsoft.com/office/drawing/2014/main" id="{13B7FE99-95CF-45D5-966B-87A979B93431}"/>
                   </a:ext>
                 </a:extLst>
               </p:cNvPr>
@@ -11794,7 +12029,7 @@
               <p:cNvPr id="41" name="Straight Connector 40">
                 <a:extLst>
                   <a:ext uri="{FF2B5EF4-FFF2-40B4-BE49-F238E27FC236}">
-                    <a16:creationId xmlns:a16="http://schemas.microsoft.com/office/drawing/2014/main" xmlns="" id="{71BBA69B-19FF-4ADB-A739-AD8136A5F0A6}"/>
+                    <a16:creationId xmlns="" xmlns:a16="http://schemas.microsoft.com/office/drawing/2014/main" id="{71BBA69B-19FF-4ADB-A739-AD8136A5F0A6}"/>
                   </a:ext>
                 </a:extLst>
               </p:cNvPr>
@@ -11839,7 +12074,7 @@
             <p:cNvPr id="35" name="Straight Connector 34">
               <a:extLst>
                 <a:ext uri="{FF2B5EF4-FFF2-40B4-BE49-F238E27FC236}">
-                  <a16:creationId xmlns:a16="http://schemas.microsoft.com/office/drawing/2014/main" xmlns="" id="{BFD1D86B-562B-40B2-8E46-34233EFEE7FC}"/>
+                  <a16:creationId xmlns="" xmlns:a16="http://schemas.microsoft.com/office/drawing/2014/main" id="{BFD1D86B-562B-40B2-8E46-34233EFEE7FC}"/>
                 </a:ext>
               </a:extLst>
             </p:cNvPr>
@@ -11885,7 +12120,7 @@
             <p:cNvPr id="36" name="Rectangle: Rounded Corners 35">
               <a:extLst>
                 <a:ext uri="{FF2B5EF4-FFF2-40B4-BE49-F238E27FC236}">
-                  <a16:creationId xmlns:a16="http://schemas.microsoft.com/office/drawing/2014/main" xmlns="" id="{388C17BD-16A1-43C5-BFFA-2FF9174719E1}"/>
+                  <a16:creationId xmlns="" xmlns:a16="http://schemas.microsoft.com/office/drawing/2014/main" id="{388C17BD-16A1-43C5-BFFA-2FF9174719E1}"/>
                 </a:ext>
               </a:extLst>
             </p:cNvPr>
@@ -11939,7 +12174,7 @@
             <p:cNvPr id="37" name="Group 36">
               <a:extLst>
                 <a:ext uri="{FF2B5EF4-FFF2-40B4-BE49-F238E27FC236}">
-                  <a16:creationId xmlns:a16="http://schemas.microsoft.com/office/drawing/2014/main" xmlns="" id="{1B3B910E-ACFC-4F28-8E28-F02E1588B87E}"/>
+                  <a16:creationId xmlns="" xmlns:a16="http://schemas.microsoft.com/office/drawing/2014/main" id="{1B3B910E-ACFC-4F28-8E28-F02E1588B87E}"/>
                 </a:ext>
               </a:extLst>
             </p:cNvPr>
@@ -11962,7 +12197,7 @@
               <p:cNvPr id="38" name="Straight Connector 37">
                 <a:extLst>
                   <a:ext uri="{FF2B5EF4-FFF2-40B4-BE49-F238E27FC236}">
-                    <a16:creationId xmlns:a16="http://schemas.microsoft.com/office/drawing/2014/main" xmlns="" id="{F57772B6-06C0-4F54-AA94-D3F92DA4716A}"/>
+                    <a16:creationId xmlns="" xmlns:a16="http://schemas.microsoft.com/office/drawing/2014/main" id="{F57772B6-06C0-4F54-AA94-D3F92DA4716A}"/>
                   </a:ext>
                 </a:extLst>
               </p:cNvPr>
@@ -12006,7 +12241,7 @@
               <p:cNvPr id="39" name="Straight Connector 38">
                 <a:extLst>
                   <a:ext uri="{FF2B5EF4-FFF2-40B4-BE49-F238E27FC236}">
-                    <a16:creationId xmlns:a16="http://schemas.microsoft.com/office/drawing/2014/main" xmlns="" id="{23370C1F-7876-4278-AB20-78F6CAA385E2}"/>
+                    <a16:creationId xmlns="" xmlns:a16="http://schemas.microsoft.com/office/drawing/2014/main" id="{23370C1F-7876-4278-AB20-78F6CAA385E2}"/>
                   </a:ext>
                 </a:extLst>
               </p:cNvPr>
@@ -12050,7 +12285,7 @@
     </p:spTree>
     <p:extLst>
       <p:ext uri="{BB962C8B-B14F-4D97-AF65-F5344CB8AC3E}">
-        <p14:creationId xmlns:p14="http://schemas.microsoft.com/office/powerpoint/2010/main" xmlns="" val="3284562556"/>
+        <p14:creationId xmlns="" xmlns:p14="http://schemas.microsoft.com/office/powerpoint/2010/main" val="3284562556"/>
       </p:ext>
     </p:extLst>
   </p:cSld>
@@ -12058,7 +12293,7 @@
     <a:masterClrMapping/>
   </p:clrMapOvr>
   <mc:AlternateContent xmlns:mc="http://schemas.openxmlformats.org/markup-compatibility/2006">
-    <mc:Choice xmlns:p14="http://schemas.microsoft.com/office/powerpoint/2010/main" xmlns="" Requires="p14">
+    <mc:Choice xmlns="" xmlns:p14="http://schemas.microsoft.com/office/powerpoint/2010/main" Requires="p14">
       <p:transition spd="slow" p14:dur="2000" advClick="0" advTm="5000"/>
     </mc:Choice>
     <mc:Fallback>
@@ -12090,7 +12325,7 @@
           <p:cNvPr id="8" name="Slide Number">
             <a:extLst>
               <a:ext uri="{FF2B5EF4-FFF2-40B4-BE49-F238E27FC236}">
-                <a16:creationId xmlns:a16="http://schemas.microsoft.com/office/drawing/2014/main" xmlns="" id="{509D954E-A844-4072-A556-DE584BEB9321}"/>
+                <a16:creationId xmlns="" xmlns:a16="http://schemas.microsoft.com/office/drawing/2014/main" id="{509D954E-A844-4072-A556-DE584BEB9321}"/>
               </a:ext>
             </a:extLst>
           </p:cNvPr>
@@ -12132,7 +12367,7 @@
           <p:cNvPr id="6" name="Code Box">
             <a:extLst>
               <a:ext uri="{FF2B5EF4-FFF2-40B4-BE49-F238E27FC236}">
-                <a16:creationId xmlns:a16="http://schemas.microsoft.com/office/drawing/2014/main" xmlns="" id="{3278A82F-5546-4977-9F75-2A933B415945}"/>
+                <a16:creationId xmlns="" xmlns:a16="http://schemas.microsoft.com/office/drawing/2014/main" id="{3278A82F-5546-4977-9F75-2A933B415945}"/>
               </a:ext>
             </a:extLst>
           </p:cNvPr>
@@ -12219,7 +12454,7 @@
           <p:cNvPr id="21" name="Slide Body Text">
             <a:extLst>
               <a:ext uri="{FF2B5EF4-FFF2-40B4-BE49-F238E27FC236}">
-                <a16:creationId xmlns:a16="http://schemas.microsoft.com/office/drawing/2014/main" xmlns="" id="{04F318BE-2BAD-4677-871C-D78A4BF0CBA6}"/>
+                <a16:creationId xmlns="" xmlns:a16="http://schemas.microsoft.com/office/drawing/2014/main" id="{04F318BE-2BAD-4677-871C-D78A4BF0CBA6}"/>
               </a:ext>
             </a:extLst>
           </p:cNvPr>
@@ -12266,7 +12501,7 @@
           <p:cNvPr id="9" name="Rectangle Top">
             <a:extLst>
               <a:ext uri="{FF2B5EF4-FFF2-40B4-BE49-F238E27FC236}">
-                <a16:creationId xmlns:a16="http://schemas.microsoft.com/office/drawing/2014/main" xmlns="" id="{A15CE03A-0933-4E5D-9EA1-718D4F802FFC}"/>
+                <a16:creationId xmlns="" xmlns:a16="http://schemas.microsoft.com/office/drawing/2014/main" id="{A15CE03A-0933-4E5D-9EA1-718D4F802FFC}"/>
               </a:ext>
             </a:extLst>
           </p:cNvPr>
@@ -12347,7 +12582,7 @@
           <p:cNvPr id="10" name="Logo Software University" descr="Software University logo">
             <a:extLst>
               <a:ext uri="{FF2B5EF4-FFF2-40B4-BE49-F238E27FC236}">
-                <a16:creationId xmlns:a16="http://schemas.microsoft.com/office/drawing/2014/main" xmlns="" id="{8C01D7AF-7CBD-46E1-99F3-8EB60E838D91}"/>
+                <a16:creationId xmlns="" xmlns:a16="http://schemas.microsoft.com/office/drawing/2014/main" id="{8C01D7AF-7CBD-46E1-99F3-8EB60E838D91}"/>
               </a:ext>
             </a:extLst>
           </p:cNvPr>
@@ -12360,7 +12595,7 @@
           <a:blip r:embed="rId2" cstate="print">
             <a:extLst>
               <a:ext uri="{28A0092B-C50C-407E-A947-70E740481C1C}">
-                <a14:useLocalDpi xmlns:a14="http://schemas.microsoft.com/office/drawing/2010/main" xmlns="" val="0"/>
+                <a14:useLocalDpi xmlns="" xmlns:a14="http://schemas.microsoft.com/office/drawing/2010/main" val="0"/>
               </a:ext>
             </a:extLst>
           </a:blip>
@@ -12383,7 +12618,7 @@
           <p:cNvPr id="11" name="Slide Title">
             <a:extLst>
               <a:ext uri="{FF2B5EF4-FFF2-40B4-BE49-F238E27FC236}">
-                <a16:creationId xmlns:a16="http://schemas.microsoft.com/office/drawing/2014/main" xmlns="" id="{47D60833-F0A9-4F29-8C06-A963A7C8BE93}"/>
+                <a16:creationId xmlns="" xmlns:a16="http://schemas.microsoft.com/office/drawing/2014/main" id="{47D60833-F0A9-4F29-8C06-A963A7C8BE93}"/>
               </a:ext>
             </a:extLst>
           </p:cNvPr>
@@ -12422,7 +12657,7 @@
     </p:spTree>
     <p:extLst>
       <p:ext uri="{BB962C8B-B14F-4D97-AF65-F5344CB8AC3E}">
-        <p14:creationId xmlns:p14="http://schemas.microsoft.com/office/powerpoint/2010/main" xmlns="" val="1000829826"/>
+        <p14:creationId xmlns="" xmlns:p14="http://schemas.microsoft.com/office/powerpoint/2010/main" val="1000829826"/>
       </p:ext>
     </p:extLst>
   </p:cSld>
@@ -12430,7 +12665,7 @@
     <a:masterClrMapping/>
   </p:clrMapOvr>
   <mc:AlternateContent xmlns:mc="http://schemas.openxmlformats.org/markup-compatibility/2006">
-    <mc:Choice xmlns:p14="http://schemas.microsoft.com/office/powerpoint/2010/main" xmlns="" Requires="p14">
+    <mc:Choice xmlns="" xmlns:p14="http://schemas.microsoft.com/office/powerpoint/2010/main" Requires="p14">
       <p:transition spd="slow" p14:dur="2000" advClick="0" advTm="5000"/>
     </mc:Choice>
     <mc:Fallback>
@@ -12462,7 +12697,7 @@
           <p:cNvPr id="10" name="Slide Number">
             <a:extLst>
               <a:ext uri="{FF2B5EF4-FFF2-40B4-BE49-F238E27FC236}">
-                <a16:creationId xmlns:a16="http://schemas.microsoft.com/office/drawing/2014/main" xmlns="" id="{39DDE17E-5472-41F3-AF5F-54DFF10DC63C}"/>
+                <a16:creationId xmlns="" xmlns:a16="http://schemas.microsoft.com/office/drawing/2014/main" id="{39DDE17E-5472-41F3-AF5F-54DFF10DC63C}"/>
               </a:ext>
             </a:extLst>
           </p:cNvPr>
@@ -12504,7 +12739,7 @@
           <p:cNvPr id="9" name="Picture SoftUni Mascot" descr="SoftUni mascot with laptop">
             <a:extLst>
               <a:ext uri="{FF2B5EF4-FFF2-40B4-BE49-F238E27FC236}">
-                <a16:creationId xmlns:a16="http://schemas.microsoft.com/office/drawing/2014/main" xmlns="" id="{DC4365F6-D2C1-47B4-8477-38FD2C7711AA}"/>
+                <a16:creationId xmlns="" xmlns:a16="http://schemas.microsoft.com/office/drawing/2014/main" id="{DC4365F6-D2C1-47B4-8477-38FD2C7711AA}"/>
               </a:ext>
             </a:extLst>
           </p:cNvPr>
@@ -12517,7 +12752,7 @@
           <a:blip r:embed="rId2" cstate="print">
             <a:extLst>
               <a:ext uri="{28A0092B-C50C-407E-A947-70E740481C1C}">
-                <a14:useLocalDpi xmlns:a14="http://schemas.microsoft.com/office/drawing/2010/main" xmlns="" val="0"/>
+                <a14:useLocalDpi xmlns="" xmlns:a14="http://schemas.microsoft.com/office/drawing/2010/main" val="0"/>
               </a:ext>
             </a:extLst>
           </a:blip>
@@ -12540,7 +12775,7 @@
           <p:cNvPr id="23" name="Slide Body Text">
             <a:extLst>
               <a:ext uri="{FF2B5EF4-FFF2-40B4-BE49-F238E27FC236}">
-                <a16:creationId xmlns:a16="http://schemas.microsoft.com/office/drawing/2014/main" xmlns="" id="{889D93F4-ABFA-46BF-8E5D-FE6562ACB20F}"/>
+                <a16:creationId xmlns="" xmlns:a16="http://schemas.microsoft.com/office/drawing/2014/main" id="{889D93F4-ABFA-46BF-8E5D-FE6562ACB20F}"/>
               </a:ext>
             </a:extLst>
           </p:cNvPr>
@@ -12631,7 +12866,7 @@
           <p:cNvPr id="8" name="Rectangle Top">
             <a:extLst>
               <a:ext uri="{FF2B5EF4-FFF2-40B4-BE49-F238E27FC236}">
-                <a16:creationId xmlns:a16="http://schemas.microsoft.com/office/drawing/2014/main" xmlns="" id="{930E0800-9260-4369-8330-8264DD33C5CE}"/>
+                <a16:creationId xmlns="" xmlns:a16="http://schemas.microsoft.com/office/drawing/2014/main" id="{930E0800-9260-4369-8330-8264DD33C5CE}"/>
               </a:ext>
             </a:extLst>
           </p:cNvPr>
@@ -12712,7 +12947,7 @@
           <p:cNvPr id="11" name="Logo Software University" descr="Software University logo">
             <a:extLst>
               <a:ext uri="{FF2B5EF4-FFF2-40B4-BE49-F238E27FC236}">
-                <a16:creationId xmlns:a16="http://schemas.microsoft.com/office/drawing/2014/main" xmlns="" id="{14F779A7-4A91-448B-BEFA-956C70A1C22F}"/>
+                <a16:creationId xmlns="" xmlns:a16="http://schemas.microsoft.com/office/drawing/2014/main" id="{14F779A7-4A91-448B-BEFA-956C70A1C22F}"/>
               </a:ext>
             </a:extLst>
           </p:cNvPr>
@@ -12725,7 +12960,7 @@
           <a:blip r:embed="rId3" cstate="print">
             <a:extLst>
               <a:ext uri="{28A0092B-C50C-407E-A947-70E740481C1C}">
-                <a14:useLocalDpi xmlns:a14="http://schemas.microsoft.com/office/drawing/2010/main" xmlns="" val="0"/>
+                <a14:useLocalDpi xmlns="" xmlns:a14="http://schemas.microsoft.com/office/drawing/2010/main" val="0"/>
               </a:ext>
             </a:extLst>
           </a:blip>
@@ -12748,7 +12983,7 @@
           <p:cNvPr id="13" name="Slide Title">
             <a:extLst>
               <a:ext uri="{FF2B5EF4-FFF2-40B4-BE49-F238E27FC236}">
-                <a16:creationId xmlns:a16="http://schemas.microsoft.com/office/drawing/2014/main" xmlns="" id="{357D7BE1-6358-42CC-94F3-7BCDD91DCB6D}"/>
+                <a16:creationId xmlns="" xmlns:a16="http://schemas.microsoft.com/office/drawing/2014/main" id="{357D7BE1-6358-42CC-94F3-7BCDD91DCB6D}"/>
               </a:ext>
             </a:extLst>
           </p:cNvPr>
@@ -12787,7 +13022,7 @@
     </p:spTree>
     <p:extLst>
       <p:ext uri="{BB962C8B-B14F-4D97-AF65-F5344CB8AC3E}">
-        <p14:creationId xmlns:p14="http://schemas.microsoft.com/office/powerpoint/2010/main" xmlns="" val="1028724482"/>
+        <p14:creationId xmlns="" xmlns:p14="http://schemas.microsoft.com/office/powerpoint/2010/main" val="1028724482"/>
       </p:ext>
     </p:extLst>
   </p:cSld>
@@ -12795,7 +13030,7 @@
     <a:masterClrMapping/>
   </p:clrMapOvr>
   <mc:AlternateContent xmlns:mc="http://schemas.openxmlformats.org/markup-compatibility/2006">
-    <mc:Choice xmlns:p14="http://schemas.microsoft.com/office/powerpoint/2010/main" xmlns="" Requires="p14">
+    <mc:Choice xmlns="" xmlns:p14="http://schemas.microsoft.com/office/powerpoint/2010/main" Requires="p14">
       <p:transition spd="slow" p14:dur="2000" advClick="0" advTm="5000"/>
     </mc:Choice>
     <mc:Fallback>
@@ -12907,7 +13142,7 @@
           <p:cNvPr id="11" name="Slide Number">
             <a:extLst>
               <a:ext uri="{FF2B5EF4-FFF2-40B4-BE49-F238E27FC236}">
-                <a16:creationId xmlns:a16="http://schemas.microsoft.com/office/drawing/2014/main" xmlns="" id="{6750ECE4-94E0-469B-B8E4-562792823B0F}"/>
+                <a16:creationId xmlns="" xmlns:a16="http://schemas.microsoft.com/office/drawing/2014/main" id="{6750ECE4-94E0-469B-B8E4-562792823B0F}"/>
               </a:ext>
             </a:extLst>
           </p:cNvPr>
@@ -13030,7 +13265,7 @@
           <p:cNvPr id="12" name="Logo Software University Down" descr="Software University logo">
             <a:extLst>
               <a:ext uri="{FF2B5EF4-FFF2-40B4-BE49-F238E27FC236}">
-                <a16:creationId xmlns:a16="http://schemas.microsoft.com/office/drawing/2014/main" xmlns="" id="{7028D2F0-1E67-414B-A93D-D3F8F131A132}"/>
+                <a16:creationId xmlns="" xmlns:a16="http://schemas.microsoft.com/office/drawing/2014/main" id="{7028D2F0-1E67-414B-A93D-D3F8F131A132}"/>
               </a:ext>
             </a:extLst>
           </p:cNvPr>
@@ -13043,7 +13278,7 @@
           <a:blip r:embed="rId2" cstate="print">
             <a:extLst>
               <a:ext uri="{28A0092B-C50C-407E-A947-70E740481C1C}">
-                <a14:useLocalDpi xmlns:a14="http://schemas.microsoft.com/office/drawing/2010/main" xmlns="" val="0"/>
+                <a14:useLocalDpi xmlns="" xmlns:a14="http://schemas.microsoft.com/office/drawing/2010/main" val="0"/>
               </a:ext>
             </a:extLst>
           </a:blip>
@@ -13066,7 +13301,7 @@
           <p:cNvPr id="10" name="Text Placeholder Right">
             <a:extLst>
               <a:ext uri="{FF2B5EF4-FFF2-40B4-BE49-F238E27FC236}">
-                <a16:creationId xmlns:a16="http://schemas.microsoft.com/office/drawing/2014/main" xmlns="" id="{AF69A59F-C564-4A04-B1CC-31C261499991}"/>
+                <a16:creationId xmlns="" xmlns:a16="http://schemas.microsoft.com/office/drawing/2014/main" id="{AF69A59F-C564-4A04-B1CC-31C261499991}"/>
               </a:ext>
             </a:extLst>
           </p:cNvPr>
@@ -13144,7 +13379,7 @@
           <p:cNvPr id="9" name="Text Placeholder Left">
             <a:extLst>
               <a:ext uri="{FF2B5EF4-FFF2-40B4-BE49-F238E27FC236}">
-                <a16:creationId xmlns:a16="http://schemas.microsoft.com/office/drawing/2014/main" xmlns="" id="{C8A626D2-456B-41EF-9818-EA8DD7E314DA}"/>
+                <a16:creationId xmlns="" xmlns:a16="http://schemas.microsoft.com/office/drawing/2014/main" id="{C8A626D2-456B-41EF-9818-EA8DD7E314DA}"/>
               </a:ext>
             </a:extLst>
           </p:cNvPr>
@@ -13222,7 +13457,7 @@
           <p:cNvPr id="13" name="Rectangle Top">
             <a:extLst>
               <a:ext uri="{FF2B5EF4-FFF2-40B4-BE49-F238E27FC236}">
-                <a16:creationId xmlns:a16="http://schemas.microsoft.com/office/drawing/2014/main" xmlns="" id="{E03301DA-D0AF-46FD-8740-2F761250203A}"/>
+                <a16:creationId xmlns="" xmlns:a16="http://schemas.microsoft.com/office/drawing/2014/main" id="{E03301DA-D0AF-46FD-8740-2F761250203A}"/>
               </a:ext>
             </a:extLst>
           </p:cNvPr>
@@ -13303,7 +13538,7 @@
           <p:cNvPr id="14" name="Logo Software University" descr="Software University logo">
             <a:extLst>
               <a:ext uri="{FF2B5EF4-FFF2-40B4-BE49-F238E27FC236}">
-                <a16:creationId xmlns:a16="http://schemas.microsoft.com/office/drawing/2014/main" xmlns="" id="{19A67BB9-D880-4EAD-B90E-89C4219BFC0B}"/>
+                <a16:creationId xmlns="" xmlns:a16="http://schemas.microsoft.com/office/drawing/2014/main" id="{19A67BB9-D880-4EAD-B90E-89C4219BFC0B}"/>
               </a:ext>
             </a:extLst>
           </p:cNvPr>
@@ -13316,7 +13551,7 @@
           <a:blip r:embed="rId3" cstate="print">
             <a:extLst>
               <a:ext uri="{28A0092B-C50C-407E-A947-70E740481C1C}">
-                <a14:useLocalDpi xmlns:a14="http://schemas.microsoft.com/office/drawing/2010/main" xmlns="" val="0"/>
+                <a14:useLocalDpi xmlns="" xmlns:a14="http://schemas.microsoft.com/office/drawing/2010/main" val="0"/>
               </a:ext>
             </a:extLst>
           </a:blip>
@@ -13339,7 +13574,7 @@
           <p:cNvPr id="15" name="Slide Title">
             <a:extLst>
               <a:ext uri="{FF2B5EF4-FFF2-40B4-BE49-F238E27FC236}">
-                <a16:creationId xmlns:a16="http://schemas.microsoft.com/office/drawing/2014/main" xmlns="" id="{EA9A94D1-F9F6-4D7B-85E3-896A987B6A4D}"/>
+                <a16:creationId xmlns="" xmlns:a16="http://schemas.microsoft.com/office/drawing/2014/main" id="{EA9A94D1-F9F6-4D7B-85E3-896A987B6A4D}"/>
               </a:ext>
             </a:extLst>
           </p:cNvPr>
@@ -13378,7 +13613,7 @@
     </p:spTree>
     <p:extLst>
       <p:ext uri="{BB962C8B-B14F-4D97-AF65-F5344CB8AC3E}">
-        <p14:creationId xmlns:p14="http://schemas.microsoft.com/office/powerpoint/2010/main" xmlns="" val="3044033461"/>
+        <p14:creationId xmlns="" xmlns:p14="http://schemas.microsoft.com/office/powerpoint/2010/main" val="3044033461"/>
       </p:ext>
     </p:extLst>
   </p:cSld>
@@ -13386,7 +13621,7 @@
     <a:masterClrMapping/>
   </p:clrMapOvr>
   <mc:AlternateContent xmlns:mc="http://schemas.openxmlformats.org/markup-compatibility/2006">
-    <mc:Choice xmlns:p14="http://schemas.microsoft.com/office/powerpoint/2010/main" xmlns="" Requires="p14">
+    <mc:Choice xmlns="" xmlns:p14="http://schemas.microsoft.com/office/powerpoint/2010/main" Requires="p14">
       <p:transition spd="slow" p14:dur="2000" advClick="0" advTm="5000"/>
     </mc:Choice>
     <mc:Fallback>
@@ -13395,7 +13630,7 @@
   </mc:AlternateContent>
   <p:extLst>
     <p:ext uri="{DCECCB84-F9BA-43D5-87BE-67443E8EF086}">
-      <p15:sldGuideLst xmlns:p15="http://schemas.microsoft.com/office/powerpoint/2012/main" xmlns="">
+      <p15:sldGuideLst xmlns="" xmlns:p15="http://schemas.microsoft.com/office/powerpoint/2012/main">
         <p15:guide id="1" orient="horz" pos="2160">
           <p15:clr>
             <a:srgbClr val="FBAE40"/>
@@ -13442,7 +13677,7 @@
           <p:cNvPr id="4" name="Picture Background" descr="SoftUni Background">
             <a:extLst>
               <a:ext uri="{FF2B5EF4-FFF2-40B4-BE49-F238E27FC236}">
-                <a16:creationId xmlns:a16="http://schemas.microsoft.com/office/drawing/2014/main" xmlns="" id="{5BE90A63-DDD9-4B3B-A234-DF69B9BC812F}"/>
+                <a16:creationId xmlns="" xmlns:a16="http://schemas.microsoft.com/office/drawing/2014/main" id="{5BE90A63-DDD9-4B3B-A234-DF69B9BC812F}"/>
               </a:ext>
             </a:extLst>
           </p:cNvPr>
@@ -13471,7 +13706,7 @@
           <p:cNvPr id="11" name="Slide Body Text">
             <a:extLst>
               <a:ext uri="{FF2B5EF4-FFF2-40B4-BE49-F238E27FC236}">
-                <a16:creationId xmlns:a16="http://schemas.microsoft.com/office/drawing/2014/main" xmlns="" id="{90CBFB32-9F46-4F2F-8A54-9EE8BED27855}"/>
+                <a16:creationId xmlns="" xmlns:a16="http://schemas.microsoft.com/office/drawing/2014/main" id="{90CBFB32-9F46-4F2F-8A54-9EE8BED27855}"/>
               </a:ext>
             </a:extLst>
           </p:cNvPr>
@@ -13539,7 +13774,7 @@
           <p:cNvPr id="10" name="Slide Title">
             <a:extLst>
               <a:ext uri="{FF2B5EF4-FFF2-40B4-BE49-F238E27FC236}">
-                <a16:creationId xmlns:a16="http://schemas.microsoft.com/office/drawing/2014/main" xmlns="" id="{B770C392-3003-4C35-9625-BB041F8257BA}"/>
+                <a16:creationId xmlns="" xmlns:a16="http://schemas.microsoft.com/office/drawing/2014/main" id="{B770C392-3003-4C35-9625-BB041F8257BA}"/>
               </a:ext>
             </a:extLst>
           </p:cNvPr>
@@ -13576,7 +13811,7 @@
     </p:spTree>
     <p:extLst>
       <p:ext uri="{BB962C8B-B14F-4D97-AF65-F5344CB8AC3E}">
-        <p14:creationId xmlns:p14="http://schemas.microsoft.com/office/powerpoint/2010/main" xmlns="" val="156789181"/>
+        <p14:creationId xmlns="" xmlns:p14="http://schemas.microsoft.com/office/powerpoint/2010/main" val="156789181"/>
       </p:ext>
     </p:extLst>
   </p:cSld>
@@ -13600,7 +13835,7 @@
     <p:sldLayoutId id="2147483696" r:id="rId16"/>
   </p:sldLayoutIdLst>
   <mc:AlternateContent xmlns:mc="http://schemas.openxmlformats.org/markup-compatibility/2006">
-    <mc:Choice xmlns:p14="http://schemas.microsoft.com/office/powerpoint/2010/main" xmlns="" Requires="p14">
+    <mc:Choice xmlns="" xmlns:p14="http://schemas.microsoft.com/office/powerpoint/2010/main" Requires="p14">
       <p:transition spd="slow" p14:dur="2000" advClick="0" advTm="5000"/>
     </mc:Choice>
     <mc:Fallback>
@@ -13890,7 +14125,7 @@
   </p:txStyles>
   <p:extLst>
     <p:ext uri="{27BBF7A9-308A-43DC-89C8-2F10F3537804}">
-      <p15:sldGuideLst xmlns:p15="http://schemas.microsoft.com/office/powerpoint/2012/main" xmlns="">
+      <p15:sldGuideLst xmlns="" xmlns:p15="http://schemas.microsoft.com/office/powerpoint/2012/main">
         <p15:guide id="1" orient="horz" pos="2160">
           <p15:clr>
             <a:srgbClr val="F26B43"/>
@@ -13986,7 +14221,7 @@
           <p:cNvPr id="10" name="Author Position">
             <a:extLst>
               <a:ext uri="{FF2B5EF4-FFF2-40B4-BE49-F238E27FC236}">
-                <a16:creationId xmlns:a16="http://schemas.microsoft.com/office/drawing/2014/main" xmlns="" id="{F585BC4C-0F13-4FD4-8F23-99FD46618370}"/>
+                <a16:creationId xmlns="" xmlns:a16="http://schemas.microsoft.com/office/drawing/2014/main" id="{F585BC4C-0F13-4FD4-8F23-99FD46618370}"/>
               </a:ext>
             </a:extLst>
           </p:cNvPr>
@@ -14019,7 +14254,7 @@
           <p:cNvPr id="9" name="Author Name">
             <a:extLst>
               <a:ext uri="{FF2B5EF4-FFF2-40B4-BE49-F238E27FC236}">
-                <a16:creationId xmlns:a16="http://schemas.microsoft.com/office/drawing/2014/main" xmlns="" id="{FA396BB6-2053-4690-9672-BC528007D370}"/>
+                <a16:creationId xmlns="" xmlns:a16="http://schemas.microsoft.com/office/drawing/2014/main" id="{FA396BB6-2053-4690-9672-BC528007D370}"/>
               </a:ext>
             </a:extLst>
           </p:cNvPr>
@@ -14052,7 +14287,7 @@
           <p:cNvPr id="3" name="Presentation Subtitle">
             <a:extLst>
               <a:ext uri="{FF2B5EF4-FFF2-40B4-BE49-F238E27FC236}">
-                <a16:creationId xmlns:a16="http://schemas.microsoft.com/office/drawing/2014/main" xmlns="" id="{A004DC04-DA2A-41C0-8578-4B8D2F08EA7D}"/>
+                <a16:creationId xmlns="" xmlns:a16="http://schemas.microsoft.com/office/drawing/2014/main" id="{A004DC04-DA2A-41C0-8578-4B8D2F08EA7D}"/>
               </a:ext>
             </a:extLst>
           </p:cNvPr>
@@ -14096,7 +14331,7 @@
           <p:cNvPr id="16" name="Title 15">
             <a:extLst>
               <a:ext uri="{FF2B5EF4-FFF2-40B4-BE49-F238E27FC236}">
-                <a16:creationId xmlns:a16="http://schemas.microsoft.com/office/drawing/2014/main" xmlns="" id="{09D526E5-16F9-CDC3-F025-1D308EB5C234}"/>
+                <a16:creationId xmlns="" xmlns:a16="http://schemas.microsoft.com/office/drawing/2014/main" id="{09D526E5-16F9-CDC3-F025-1D308EB5C234}"/>
               </a:ext>
             </a:extLst>
           </p:cNvPr>
@@ -14139,7 +14374,7 @@
           <a:blip r:embed="rId4" cstate="print">
             <a:extLst>
               <a:ext uri="{28A0092B-C50C-407E-A947-70E740481C1C}">
-                <a14:useLocalDpi xmlns="" xmlns:a14="http://schemas.microsoft.com/office/drawing/2010/main" val="0"/>
+                <a14:useLocalDpi xmlns:a14="http://schemas.microsoft.com/office/drawing/2010/main" xmlns="" val="0"/>
               </a:ext>
             </a:extLst>
           </a:blip>
@@ -14159,7 +14394,7 @@
           <a:noFill/>
           <a:extLst>
             <a:ext uri="{909E8E84-426E-40DD-AFC4-6F175D3DCCD1}">
-              <a14:hiddenFill xmlns="" xmlns:a14="http://schemas.microsoft.com/office/drawing/2010/main">
+              <a14:hiddenFill xmlns:a14="http://schemas.microsoft.com/office/drawing/2010/main" xmlns="">
                 <a:solidFill>
                   <a:srgbClr val="FFFFFF"/>
                 </a:solidFill>
@@ -14171,7 +14406,7 @@
     </p:spTree>
     <p:extLst>
       <p:ext uri="{BB962C8B-B14F-4D97-AF65-F5344CB8AC3E}">
-        <p14:creationId xmlns:p14="http://schemas.microsoft.com/office/powerpoint/2010/main" xmlns="" val="3666405375"/>
+        <p14:creationId xmlns="" xmlns:p14="http://schemas.microsoft.com/office/powerpoint/2010/main" val="3666405375"/>
       </p:ext>
     </p:extLst>
   </p:cSld>
@@ -14179,7 +14414,7 @@
     <a:masterClrMapping/>
   </p:clrMapOvr>
   <mc:AlternateContent xmlns:mc="http://schemas.openxmlformats.org/markup-compatibility/2006">
-    <mc:Choice xmlns:p14="http://schemas.microsoft.com/office/powerpoint/2010/main" xmlns="" Requires="p14">
+    <mc:Choice xmlns="" xmlns:p14="http://schemas.microsoft.com/office/powerpoint/2010/main" Requires="p14">
       <p:transition spd="slow" p14:dur="2000" advClick="0" advTm="5000"/>
     </mc:Choice>
     <mc:Fallback>
@@ -14641,7 +14876,7 @@
           <p:cNvPr id="9" name="Slide Number">
             <a:extLst>
               <a:ext uri="{FF2B5EF4-FFF2-40B4-BE49-F238E27FC236}">
-                <a16:creationId xmlns="" xmlns:a16="http://schemas.microsoft.com/office/drawing/2014/main" id="{A816F084-DA92-4652-B283-F50A1A2276F5}"/>
+                <a16:creationId xmlns:a16="http://schemas.microsoft.com/office/drawing/2014/main" xmlns="" id="{A816F084-DA92-4652-B283-F50A1A2276F5}"/>
               </a:ext>
             </a:extLst>
           </p:cNvPr>
@@ -14681,7 +14916,7 @@
     </p:spTree>
     <p:extLst>
       <p:ext uri="{BB962C8B-B14F-4D97-AF65-F5344CB8AC3E}">
-        <p14:creationId xmlns="" xmlns:p14="http://schemas.microsoft.com/office/powerpoint/2010/main" val="3967804102"/>
+        <p14:creationId xmlns:p14="http://schemas.microsoft.com/office/powerpoint/2010/main" xmlns="" val="3967804102"/>
       </p:ext>
     </p:extLst>
   </p:cSld>
@@ -14689,7 +14924,7 @@
     <a:masterClrMapping/>
   </p:clrMapOvr>
   <mc:AlternateContent xmlns:mc="http://schemas.openxmlformats.org/markup-compatibility/2006">
-    <mc:Choice xmlns="" xmlns:p14="http://schemas.microsoft.com/office/powerpoint/2010/main" Requires="p14">
+    <mc:Choice xmlns:p14="http://schemas.microsoft.com/office/powerpoint/2010/main" xmlns="" Requires="p14">
       <p:transition spd="slow" p14:dur="2000" advClick="0" advTm="5000"/>
     </mc:Choice>
     <mc:Fallback>
@@ -15134,7 +15369,7 @@
           <p:cNvPr id="8" name="Slide Number">
             <a:extLst>
               <a:ext uri="{FF2B5EF4-FFF2-40B4-BE49-F238E27FC236}">
-                <a16:creationId xmlns="" xmlns:a16="http://schemas.microsoft.com/office/drawing/2014/main" id="{7379BEBA-72C0-4705-8AF6-97816F3B989B}"/>
+                <a16:creationId xmlns:a16="http://schemas.microsoft.com/office/drawing/2014/main" xmlns="" id="{7379BEBA-72C0-4705-8AF6-97816F3B989B}"/>
               </a:ext>
             </a:extLst>
           </p:cNvPr>
@@ -15174,7 +15409,7 @@
     </p:spTree>
     <p:extLst>
       <p:ext uri="{BB962C8B-B14F-4D97-AF65-F5344CB8AC3E}">
-        <p14:creationId xmlns="" xmlns:p14="http://schemas.microsoft.com/office/powerpoint/2010/main" val="1509527703"/>
+        <p14:creationId xmlns:p14="http://schemas.microsoft.com/office/powerpoint/2010/main" xmlns="" val="1509527703"/>
       </p:ext>
     </p:extLst>
   </p:cSld>
@@ -15182,7 +15417,7 @@
     <a:masterClrMapping/>
   </p:clrMapOvr>
   <mc:AlternateContent xmlns:mc="http://schemas.openxmlformats.org/markup-compatibility/2006">
-    <mc:Choice xmlns="" xmlns:p14="http://schemas.microsoft.com/office/powerpoint/2010/main" Requires="p14">
+    <mc:Choice xmlns:p14="http://schemas.microsoft.com/office/powerpoint/2010/main" xmlns="" Requires="p14">
       <p:transition spd="slow" p14:dur="2000" advClick="0" advTm="5000"/>
     </mc:Choice>
     <mc:Fallback>
@@ -16025,7 +16260,7 @@
           <p:cNvPr id="11" name="Slide Number">
             <a:extLst>
               <a:ext uri="{FF2B5EF4-FFF2-40B4-BE49-F238E27FC236}">
-                <a16:creationId xmlns="" xmlns:a16="http://schemas.microsoft.com/office/drawing/2014/main" id="{0FA1B6CD-C952-4A44-80D2-331DA0266BDB}"/>
+                <a16:creationId xmlns:a16="http://schemas.microsoft.com/office/drawing/2014/main" xmlns="" id="{0FA1B6CD-C952-4A44-80D2-331DA0266BDB}"/>
               </a:ext>
             </a:extLst>
           </p:cNvPr>
@@ -16065,7 +16300,7 @@
     </p:spTree>
     <p:extLst>
       <p:ext uri="{BB962C8B-B14F-4D97-AF65-F5344CB8AC3E}">
-        <p14:creationId xmlns="" xmlns:p14="http://schemas.microsoft.com/office/powerpoint/2010/main" val="4092459972"/>
+        <p14:creationId xmlns:p14="http://schemas.microsoft.com/office/powerpoint/2010/main" xmlns="" val="4092459972"/>
       </p:ext>
     </p:extLst>
   </p:cSld>
@@ -16073,7 +16308,7 @@
     <a:masterClrMapping/>
   </p:clrMapOvr>
   <mc:AlternateContent xmlns:mc="http://schemas.openxmlformats.org/markup-compatibility/2006">
-    <mc:Choice xmlns="" xmlns:p14="http://schemas.microsoft.com/office/powerpoint/2010/main" Requires="p14">
+    <mc:Choice xmlns:p14="http://schemas.microsoft.com/office/powerpoint/2010/main" xmlns="" Requires="p14">
       <p:transition spd="slow" p14:dur="2000" advClick="0" advTm="5000"/>
     </mc:Choice>
     <mc:Fallback>
@@ -16404,11 +16639,19 @@
             </a:r>
             <a:r>
               <a:rPr lang="en-US" dirty="0" smtClean="0"/>
-              <a:t>EXCEPT, </a:t>
+              <a:t>EXCEPT</a:t>
+            </a:r>
+            <a:r>
+              <a:rPr lang="bg-BG" dirty="0" smtClean="0"/>
+              <a:t> и</a:t>
             </a:r>
             <a:r>
               <a:rPr lang="en-US" dirty="0" smtClean="0"/>
-              <a:t>DIVIDE</a:t>
+              <a:t> </a:t>
+            </a:r>
+            <a:r>
+              <a:rPr lang="bg-BG" dirty="0" smtClean="0"/>
+              <a:t>деление</a:t>
             </a:r>
             <a:endParaRPr lang="en-US" dirty="0"/>
           </a:p>
@@ -16474,7 +16717,7 @@
     <a:masterClrMapping/>
   </p:clrMapOvr>
   <mc:AlternateContent xmlns:mc="http://schemas.openxmlformats.org/markup-compatibility/2006">
-    <mc:Choice xmlns:p14="http://schemas.microsoft.com/office/powerpoint/2010/main" xmlns="" Requires="p14">
+    <mc:Choice xmlns="" xmlns:p14="http://schemas.microsoft.com/office/powerpoint/2010/main" Requires="p14">
       <p:transition spd="slow" p14:dur="2000" advClick="0" advTm="5000"/>
     </mc:Choice>
     <mc:Fallback>
@@ -16580,11 +16823,7 @@
             <a:pPr lvl="1"/>
             <a:r>
               <a:rPr lang="ru-RU" dirty="0" smtClean="0"/>
-              <a:t>Обединение на резултатите от две или повече </a:t>
-            </a:r>
-            <a:r>
-              <a:rPr lang="ru-RU" dirty="0" smtClean="0"/>
-              <a:t>заявки</a:t>
+              <a:t>Обединение на резултатите от две или повече заявки</a:t>
             </a:r>
             <a:endParaRPr lang="en-US" dirty="0" smtClean="0"/>
           </a:p>
@@ -16604,11 +16843,7 @@
             </a:r>
             <a:r>
               <a:rPr lang="ru-RU" dirty="0" smtClean="0"/>
-              <a:t> редове, премахвайки дублиращите се </a:t>
-            </a:r>
-            <a:r>
-              <a:rPr lang="ru-RU" dirty="0" smtClean="0"/>
-              <a:t>записи</a:t>
+              <a:t> редове, премахвайки дублиращите се записи</a:t>
             </a:r>
             <a:endParaRPr lang="en-US" dirty="0" smtClean="0"/>
           </a:p>
@@ -16648,15 +16883,7 @@
             </a:r>
             <a:r>
               <a:rPr lang="ru-RU" dirty="0" smtClean="0"/>
-              <a:t>във </a:t>
-            </a:r>
-            <a:r>
-              <a:rPr lang="ru-RU" dirty="0" smtClean="0"/>
-              <a:t>всички SELECT заявки трябва да </a:t>
-            </a:r>
-            <a:r>
-              <a:rPr lang="ru-RU" dirty="0" smtClean="0"/>
-              <a:t>съвпадат (ако се селектират колони)</a:t>
+              <a:t>във всички SELECT заявки трябва да съвпадат (ако се селектират колони)</a:t>
             </a:r>
           </a:p>
           <a:p>
@@ -16675,15 +16902,7 @@
             </a:r>
             <a:r>
               <a:rPr lang="ru-RU" dirty="0" smtClean="0"/>
-              <a:t> на съответните </a:t>
-            </a:r>
-            <a:r>
-              <a:rPr lang="ru-RU" dirty="0" smtClean="0"/>
-              <a:t>колони също </a:t>
-            </a:r>
-            <a:r>
-              <a:rPr lang="ru-RU" dirty="0" smtClean="0"/>
-              <a:t>трябва да бъдат </a:t>
+              <a:t> на съответните колони също трябва да бъдат </a:t>
             </a:r>
             <a:r>
               <a:rPr lang="ru-RU" b="1" dirty="0" smtClean="0">
@@ -16773,7 +16992,7 @@
     <a:masterClrMapping/>
   </p:clrMapOvr>
   <mc:AlternateContent xmlns:mc="http://schemas.openxmlformats.org/markup-compatibility/2006">
-    <mc:Choice xmlns:p14="http://schemas.microsoft.com/office/powerpoint/2010/main" xmlns="" Requires="p14">
+    <mc:Choice xmlns="" xmlns:p14="http://schemas.microsoft.com/office/powerpoint/2010/main" Requires="p14">
       <p:transition spd="slow" p14:dur="2000" advClick="0" advTm="5000"/>
     </mc:Choice>
     <mc:Fallback>
@@ -17071,11 +17290,7 @@
             </a:r>
             <a:r>
               <a:rPr lang="en-US" dirty="0" smtClean="0"/>
-              <a:t> </a:t>
-            </a:r>
-            <a:r>
-              <a:rPr lang="en-US" dirty="0" smtClean="0"/>
-              <a:t>(2)</a:t>
+              <a:t> (2)</a:t>
             </a:r>
             <a:endParaRPr lang="en-US" dirty="0"/>
           </a:p>
@@ -17103,14 +17318,14 @@
                 <a:gridCol w="863600">
                   <a:extLst>
                     <a:ext uri="{9D8B030D-6E8A-4147-A177-3AD203B41FA5}">
-                      <a16:colId xmlns="" xmlns:a16="http://schemas.microsoft.com/office/drawing/2014/main" val="1594468805"/>
+                      <a16:colId xmlns:a16="http://schemas.microsoft.com/office/drawing/2014/main" xmlns="" val="1594468805"/>
                     </a:ext>
                   </a:extLst>
                 </a:gridCol>
                 <a:gridCol w="1727200">
                   <a:extLst>
                     <a:ext uri="{9D8B030D-6E8A-4147-A177-3AD203B41FA5}">
-                      <a16:colId xmlns="" xmlns:a16="http://schemas.microsoft.com/office/drawing/2014/main" val="683614382"/>
+                      <a16:colId xmlns:a16="http://schemas.microsoft.com/office/drawing/2014/main" xmlns="" val="683614382"/>
                     </a:ext>
                   </a:extLst>
                 </a:gridCol>
@@ -17180,7 +17395,7 @@
                 </a:tc>
                 <a:extLst>
                   <a:ext uri="{0D108BD9-81ED-4DB2-BD59-A6C34878D82A}">
-                    <a16:rowId xmlns="" xmlns:a16="http://schemas.microsoft.com/office/drawing/2014/main" val="1969825376"/>
+                    <a16:rowId xmlns:a16="http://schemas.microsoft.com/office/drawing/2014/main" xmlns="" val="1969825376"/>
                   </a:ext>
                 </a:extLst>
               </a:tr>
@@ -17229,7 +17444,7 @@
                 </a:tc>
                 <a:extLst>
                   <a:ext uri="{0D108BD9-81ED-4DB2-BD59-A6C34878D82A}">
-                    <a16:rowId xmlns="" xmlns:a16="http://schemas.microsoft.com/office/drawing/2014/main" val="2845318136"/>
+                    <a16:rowId xmlns:a16="http://schemas.microsoft.com/office/drawing/2014/main" xmlns="" val="2845318136"/>
                   </a:ext>
                 </a:extLst>
               </a:tr>
@@ -17278,7 +17493,7 @@
                 </a:tc>
                 <a:extLst>
                   <a:ext uri="{0D108BD9-81ED-4DB2-BD59-A6C34878D82A}">
-                    <a16:rowId xmlns="" xmlns:a16="http://schemas.microsoft.com/office/drawing/2014/main" val="2968156586"/>
+                    <a16:rowId xmlns:a16="http://schemas.microsoft.com/office/drawing/2014/main" xmlns="" val="2968156586"/>
                   </a:ext>
                 </a:extLst>
               </a:tr>
@@ -17327,7 +17542,7 @@
                 </a:tc>
                 <a:extLst>
                   <a:ext uri="{0D108BD9-81ED-4DB2-BD59-A6C34878D82A}">
-                    <a16:rowId xmlns="" xmlns:a16="http://schemas.microsoft.com/office/drawing/2014/main" val="1476753229"/>
+                    <a16:rowId xmlns:a16="http://schemas.microsoft.com/office/drawing/2014/main" xmlns="" val="1476753229"/>
                   </a:ext>
                 </a:extLst>
               </a:tr>
@@ -17387,14 +17602,14 @@
                 <a:gridCol w="914400">
                   <a:extLst>
                     <a:ext uri="{9D8B030D-6E8A-4147-A177-3AD203B41FA5}">
-                      <a16:colId xmlns="" xmlns:a16="http://schemas.microsoft.com/office/drawing/2014/main" val="1594468805"/>
+                      <a16:colId xmlns:a16="http://schemas.microsoft.com/office/drawing/2014/main" xmlns="" val="1594468805"/>
                     </a:ext>
                   </a:extLst>
                 </a:gridCol>
                 <a:gridCol w="1752600">
                   <a:extLst>
                     <a:ext uri="{9D8B030D-6E8A-4147-A177-3AD203B41FA5}">
-                      <a16:colId xmlns="" xmlns:a16="http://schemas.microsoft.com/office/drawing/2014/main" val="683614382"/>
+                      <a16:colId xmlns:a16="http://schemas.microsoft.com/office/drawing/2014/main" xmlns="" val="683614382"/>
                     </a:ext>
                   </a:extLst>
                 </a:gridCol>
@@ -17460,7 +17675,7 @@
                 </a:tc>
                 <a:extLst>
                   <a:ext uri="{0D108BD9-81ED-4DB2-BD59-A6C34878D82A}">
-                    <a16:rowId xmlns="" xmlns:a16="http://schemas.microsoft.com/office/drawing/2014/main" val="1969825376"/>
+                    <a16:rowId xmlns:a16="http://schemas.microsoft.com/office/drawing/2014/main" xmlns="" val="1969825376"/>
                   </a:ext>
                 </a:extLst>
               </a:tr>
@@ -17509,7 +17724,7 @@
                 </a:tc>
                 <a:extLst>
                   <a:ext uri="{0D108BD9-81ED-4DB2-BD59-A6C34878D82A}">
-                    <a16:rowId xmlns="" xmlns:a16="http://schemas.microsoft.com/office/drawing/2014/main" val="2845318136"/>
+                    <a16:rowId xmlns:a16="http://schemas.microsoft.com/office/drawing/2014/main" xmlns="" val="2845318136"/>
                   </a:ext>
                 </a:extLst>
               </a:tr>
@@ -17558,7 +17773,7 @@
                 </a:tc>
                 <a:extLst>
                   <a:ext uri="{0D108BD9-81ED-4DB2-BD59-A6C34878D82A}">
-                    <a16:rowId xmlns="" xmlns:a16="http://schemas.microsoft.com/office/drawing/2014/main" val="2968156586"/>
+                    <a16:rowId xmlns:a16="http://schemas.microsoft.com/office/drawing/2014/main" xmlns="" val="2968156586"/>
                   </a:ext>
                 </a:extLst>
               </a:tr>
@@ -17607,7 +17822,7 @@
                 </a:tc>
                 <a:extLst>
                   <a:ext uri="{0D108BD9-81ED-4DB2-BD59-A6C34878D82A}">
-                    <a16:rowId xmlns="" xmlns:a16="http://schemas.microsoft.com/office/drawing/2014/main" val="1476753229"/>
+                    <a16:rowId xmlns:a16="http://schemas.microsoft.com/office/drawing/2014/main" xmlns="" val="1476753229"/>
                   </a:ext>
                 </a:extLst>
               </a:tr>
@@ -17840,7 +18055,7 @@
           <p:nvPr>
             <p:extLst>
               <p:ext uri="{D42A27DB-BD31-4B8C-83A1-F6EECF244321}">
-                <p14:modId xmlns:p14="http://schemas.microsoft.com/office/powerpoint/2010/main" xmlns="" val="46705198"/>
+                <p14:modId xmlns="" xmlns:p14="http://schemas.microsoft.com/office/powerpoint/2010/main" val="46705198"/>
               </p:ext>
             </p:extLst>
           </p:nvPr>
@@ -17894,16 +18109,6 @@
                         </a:rPr>
                         <a:t>Id</a:t>
                       </a:r>
-                      <a:endParaRPr kumimoji="1" lang="en-US" sz="2400" b="1" i="0" u="none" strike="noStrike" cap="none" normalizeH="0" baseline="0" noProof="1" smtClean="0">
-                        <a:ln>
-                          <a:noFill/>
-                        </a:ln>
-                        <a:solidFill>
-                          <a:schemeClr val="tx1"/>
-                        </a:solidFill>
-                        <a:effectLst/>
-                        <a:latin typeface="+mj-lt"/>
-                      </a:endParaRPr>
                     </a:p>
                   </a:txBody>
                   <a:tcPr marL="91464" marR="91464" anchor="ctr" horzOverflow="overflow">
@@ -18006,16 +18211,6 @@
                         </a:rPr>
                         <a:t>Name</a:t>
                       </a:r>
-                      <a:endParaRPr kumimoji="1" lang="en-US" sz="2400" b="1" i="0" u="none" strike="noStrike" cap="none" normalizeH="0" baseline="0" noProof="1" smtClean="0">
-                        <a:ln>
-                          <a:noFill/>
-                        </a:ln>
-                        <a:solidFill>
-                          <a:schemeClr val="tx1"/>
-                        </a:solidFill>
-                        <a:effectLst/>
-                        <a:latin typeface="+mj-lt"/>
-                      </a:endParaRPr>
                     </a:p>
                   </a:txBody>
                   <a:tcPr marL="91464" marR="91464" anchor="ctr" horzOverflow="overflow">
@@ -18120,16 +18315,6 @@
                         </a:rPr>
                         <a:t>1</a:t>
                       </a:r>
-                      <a:endParaRPr kumimoji="1" lang="en-US" sz="2200" b="0" i="0" u="none" strike="noStrike" cap="none" normalizeH="0" baseline="0" noProof="1" smtClean="0">
-                        <a:ln>
-                          <a:noFill/>
-                        </a:ln>
-                        <a:solidFill>
-                          <a:schemeClr val="tx1"/>
-                        </a:solidFill>
-                        <a:effectLst/>
-                        <a:latin typeface="+mn-lt"/>
-                      </a:endParaRPr>
                     </a:p>
                   </a:txBody>
                   <a:tcPr marL="91464" marR="91464" anchor="ctr" horzOverflow="overflow">
@@ -18327,16 +18512,6 @@
                         </a:rPr>
                         <a:t>2</a:t>
                       </a:r>
-                      <a:endParaRPr kumimoji="1" lang="en-US" sz="2200" b="0" i="0" u="none" strike="noStrike" cap="none" normalizeH="0" baseline="0" noProof="1" smtClean="0">
-                        <a:ln>
-                          <a:noFill/>
-                        </a:ln>
-                        <a:solidFill>
-                          <a:schemeClr val="tx1"/>
-                        </a:solidFill>
-                        <a:effectLst/>
-                        <a:latin typeface="+mn-lt"/>
-                      </a:endParaRPr>
                     </a:p>
                   </a:txBody>
                   <a:tcPr marL="91464" marR="91464" anchor="ctr" horzOverflow="overflow">
@@ -18534,16 +18709,6 @@
                         </a:rPr>
                         <a:t>3</a:t>
                       </a:r>
-                      <a:endParaRPr kumimoji="1" lang="en-US" sz="2200" b="0" i="0" u="none" strike="noStrike" cap="none" normalizeH="0" baseline="0" noProof="1" smtClean="0">
-                        <a:ln>
-                          <a:noFill/>
-                        </a:ln>
-                        <a:solidFill>
-                          <a:schemeClr val="tx1"/>
-                        </a:solidFill>
-                        <a:effectLst/>
-                        <a:latin typeface="+mn-lt"/>
-                      </a:endParaRPr>
                     </a:p>
                   </a:txBody>
                   <a:tcPr marL="91464" marR="91464" anchor="ctr" horzOverflow="overflow">
@@ -18741,16 +18906,6 @@
                         </a:rPr>
                         <a:t>4</a:t>
                       </a:r>
-                      <a:endParaRPr kumimoji="1" lang="en-US" sz="2200" b="0" i="0" u="none" strike="noStrike" cap="none" normalizeH="0" baseline="0" noProof="1" smtClean="0">
-                        <a:ln>
-                          <a:noFill/>
-                        </a:ln>
-                        <a:solidFill>
-                          <a:schemeClr val="tx1"/>
-                        </a:solidFill>
-                        <a:effectLst/>
-                        <a:latin typeface="+mn-lt"/>
-                      </a:endParaRPr>
                     </a:p>
                   </a:txBody>
                   <a:tcPr marL="91464" marR="91464" anchor="ctr" horzOverflow="overflow">
@@ -18948,16 +19103,6 @@
                         </a:rPr>
                         <a:t>5</a:t>
                       </a:r>
-                      <a:endParaRPr kumimoji="1" lang="en-US" sz="2200" b="0" i="0" u="none" strike="noStrike" cap="none" normalizeH="0" baseline="0" noProof="1" smtClean="0">
-                        <a:ln>
-                          <a:noFill/>
-                        </a:ln>
-                        <a:solidFill>
-                          <a:schemeClr val="tx1"/>
-                        </a:solidFill>
-                        <a:effectLst/>
-                        <a:latin typeface="+mn-lt"/>
-                      </a:endParaRPr>
                     </a:p>
                   </a:txBody>
                   <a:tcPr marL="91464" marR="91464" anchor="ctr" horzOverflow="overflow">
@@ -19204,7 +19349,7 @@
     <a:masterClrMapping/>
   </p:clrMapOvr>
   <mc:AlternateContent xmlns:mc="http://schemas.openxmlformats.org/markup-compatibility/2006">
-    <mc:Choice xmlns:p14="http://schemas.microsoft.com/office/powerpoint/2010/main" xmlns="" Requires="p14">
+    <mc:Choice xmlns="" xmlns:p14="http://schemas.microsoft.com/office/powerpoint/2010/main" Requires="p14">
       <p:transition spd="slow" p14:dur="2000" advClick="0" advTm="5000"/>
     </mc:Choice>
     <mc:Fallback>
@@ -19453,11 +19598,7 @@
             </a:r>
             <a:r>
               <a:rPr lang="en-US" dirty="0" smtClean="0"/>
-              <a:t> </a:t>
-            </a:r>
-            <a:r>
-              <a:rPr lang="en-US" dirty="0" smtClean="0"/>
-              <a:t>(3)</a:t>
+              <a:t> (3)</a:t>
             </a:r>
             <a:endParaRPr lang="en-US" dirty="0"/>
           </a:p>
@@ -19473,7 +19614,7 @@
         </p:nvSpPr>
         <p:spPr bwMode="auto">
           <a:xfrm>
-            <a:off x="2057400" y="2819400"/>
+            <a:off x="2667000" y="2819400"/>
             <a:ext cx="7315200" cy="1449628"/>
           </a:xfrm>
           <a:prstGeom prst="rect">
@@ -19636,7 +19777,7 @@
         </p:nvSpPr>
         <p:spPr bwMode="auto">
           <a:xfrm>
-            <a:off x="6781800" y="1828800"/>
+            <a:off x="7391400" y="1828800"/>
             <a:ext cx="2819400" cy="685800"/>
           </a:xfrm>
           <a:prstGeom prst="wedgeRoundRectCallout">
@@ -19712,7 +19853,7 @@
         </p:nvSpPr>
         <p:spPr bwMode="auto">
           <a:xfrm>
-            <a:off x="4419600" y="4572000"/>
+            <a:off x="5029200" y="4572000"/>
             <a:ext cx="2819400" cy="685800"/>
           </a:xfrm>
           <a:prstGeom prst="wedgeRoundRectCallout">
@@ -19788,13 +19929,13 @@
         </p:nvSpPr>
         <p:spPr bwMode="auto">
           <a:xfrm>
-            <a:off x="914400" y="2057400"/>
+            <a:off x="152400" y="2362200"/>
             <a:ext cx="2438400" cy="685800"/>
           </a:xfrm>
           <a:prstGeom prst="wedgeRoundRectCallout">
             <a:avLst>
-              <a:gd name="adj1" fmla="val -438"/>
-              <a:gd name="adj2" fmla="val 144180"/>
+              <a:gd name="adj1" fmla="val 51906"/>
+              <a:gd name="adj2" fmla="val 112236"/>
               <a:gd name="adj3" fmla="val 16667"/>
             </a:avLst>
           </a:prstGeom>
@@ -19860,7 +20001,7 @@
     <a:masterClrMapping/>
   </p:clrMapOvr>
   <mc:AlternateContent xmlns:mc="http://schemas.openxmlformats.org/markup-compatibility/2006">
-    <mc:Choice xmlns:p14="http://schemas.microsoft.com/office/powerpoint/2010/main" xmlns="" Requires="p14">
+    <mc:Choice xmlns="" xmlns:p14="http://schemas.microsoft.com/office/powerpoint/2010/main" Requires="p14">
       <p:transition spd="slow" p14:dur="2000" advClick="0" advTm="5000"/>
     </mc:Choice>
     <mc:Fallback>
@@ -20097,11 +20238,7 @@
             </a:r>
             <a:r>
               <a:rPr lang="ru-RU" sz="3400" dirty="0" smtClean="0"/>
-              <a:t>между резултатите от две или повече </a:t>
-            </a:r>
-            <a:r>
-              <a:rPr lang="ru-RU" sz="3400" dirty="0" smtClean="0"/>
-              <a:t>заявки</a:t>
+              <a:t>между резултатите от две или повече заявки</a:t>
             </a:r>
             <a:endParaRPr lang="en-US" sz="3400" dirty="0" smtClean="0"/>
           </a:p>
@@ -20144,15 +20281,7 @@
                   <a:schemeClr val="bg1"/>
                 </a:solidFill>
               </a:rPr>
-              <a:t>общите </a:t>
-            </a:r>
-            <a:r>
-              <a:rPr lang="ru-RU" sz="3200" b="1" dirty="0" smtClean="0">
-                <a:solidFill>
-                  <a:schemeClr val="bg1"/>
-                </a:solidFill>
-              </a:rPr>
-              <a:t>интереси </a:t>
+              <a:t>общите интереси </a:t>
             </a:r>
             <a:r>
               <a:rPr lang="ru-RU" sz="3200" dirty="0" smtClean="0"/>
@@ -20282,7 +20411,7 @@
     <a:masterClrMapping/>
   </p:clrMapOvr>
   <mc:AlternateContent xmlns:mc="http://schemas.openxmlformats.org/markup-compatibility/2006">
-    <mc:Choice xmlns:p14="http://schemas.microsoft.com/office/powerpoint/2010/main" xmlns="" Requires="p14">
+    <mc:Choice xmlns="" xmlns:p14="http://schemas.microsoft.com/office/powerpoint/2010/main" Requires="p14">
       <p:transition spd="slow" p14:dur="2000" advClick="0" advTm="5000"/>
     </mc:Choice>
     <mc:Fallback>
@@ -20541,14 +20670,14 @@
                 <a:gridCol w="863600">
                   <a:extLst>
                     <a:ext uri="{9D8B030D-6E8A-4147-A177-3AD203B41FA5}">
-                      <a16:colId xmlns="" xmlns:a16="http://schemas.microsoft.com/office/drawing/2014/main" val="1594468805"/>
+                      <a16:colId xmlns:a16="http://schemas.microsoft.com/office/drawing/2014/main" xmlns="" val="1594468805"/>
                     </a:ext>
                   </a:extLst>
                 </a:gridCol>
                 <a:gridCol w="1727200">
                   <a:extLst>
                     <a:ext uri="{9D8B030D-6E8A-4147-A177-3AD203B41FA5}">
-                      <a16:colId xmlns="" xmlns:a16="http://schemas.microsoft.com/office/drawing/2014/main" val="683614382"/>
+                      <a16:colId xmlns:a16="http://schemas.microsoft.com/office/drawing/2014/main" xmlns="" val="683614382"/>
                     </a:ext>
                   </a:extLst>
                 </a:gridCol>
@@ -20618,7 +20747,7 @@
                 </a:tc>
                 <a:extLst>
                   <a:ext uri="{0D108BD9-81ED-4DB2-BD59-A6C34878D82A}">
-                    <a16:rowId xmlns="" xmlns:a16="http://schemas.microsoft.com/office/drawing/2014/main" val="1969825376"/>
+                    <a16:rowId xmlns:a16="http://schemas.microsoft.com/office/drawing/2014/main" xmlns="" val="1969825376"/>
                   </a:ext>
                 </a:extLst>
               </a:tr>
@@ -20667,7 +20796,7 @@
                 </a:tc>
                 <a:extLst>
                   <a:ext uri="{0D108BD9-81ED-4DB2-BD59-A6C34878D82A}">
-                    <a16:rowId xmlns="" xmlns:a16="http://schemas.microsoft.com/office/drawing/2014/main" val="2845318136"/>
+                    <a16:rowId xmlns:a16="http://schemas.microsoft.com/office/drawing/2014/main" xmlns="" val="2845318136"/>
                   </a:ext>
                 </a:extLst>
               </a:tr>
@@ -20716,7 +20845,7 @@
                 </a:tc>
                 <a:extLst>
                   <a:ext uri="{0D108BD9-81ED-4DB2-BD59-A6C34878D82A}">
-                    <a16:rowId xmlns="" xmlns:a16="http://schemas.microsoft.com/office/drawing/2014/main" val="2968156586"/>
+                    <a16:rowId xmlns:a16="http://schemas.microsoft.com/office/drawing/2014/main" xmlns="" val="2968156586"/>
                   </a:ext>
                 </a:extLst>
               </a:tr>
@@ -20765,7 +20894,7 @@
                 </a:tc>
                 <a:extLst>
                   <a:ext uri="{0D108BD9-81ED-4DB2-BD59-A6C34878D82A}">
-                    <a16:rowId xmlns="" xmlns:a16="http://schemas.microsoft.com/office/drawing/2014/main" val="1476753229"/>
+                    <a16:rowId xmlns:a16="http://schemas.microsoft.com/office/drawing/2014/main" xmlns="" val="1476753229"/>
                   </a:ext>
                 </a:extLst>
               </a:tr>
@@ -20825,14 +20954,14 @@
                 <a:gridCol w="914400">
                   <a:extLst>
                     <a:ext uri="{9D8B030D-6E8A-4147-A177-3AD203B41FA5}">
-                      <a16:colId xmlns="" xmlns:a16="http://schemas.microsoft.com/office/drawing/2014/main" val="1594468805"/>
+                      <a16:colId xmlns:a16="http://schemas.microsoft.com/office/drawing/2014/main" xmlns="" val="1594468805"/>
                     </a:ext>
                   </a:extLst>
                 </a:gridCol>
                 <a:gridCol w="1752600">
                   <a:extLst>
                     <a:ext uri="{9D8B030D-6E8A-4147-A177-3AD203B41FA5}">
-                      <a16:colId xmlns="" xmlns:a16="http://schemas.microsoft.com/office/drawing/2014/main" val="683614382"/>
+                      <a16:colId xmlns:a16="http://schemas.microsoft.com/office/drawing/2014/main" xmlns="" val="683614382"/>
                     </a:ext>
                   </a:extLst>
                 </a:gridCol>
@@ -20898,7 +21027,7 @@
                 </a:tc>
                 <a:extLst>
                   <a:ext uri="{0D108BD9-81ED-4DB2-BD59-A6C34878D82A}">
-                    <a16:rowId xmlns="" xmlns:a16="http://schemas.microsoft.com/office/drawing/2014/main" val="1969825376"/>
+                    <a16:rowId xmlns:a16="http://schemas.microsoft.com/office/drawing/2014/main" xmlns="" val="1969825376"/>
                   </a:ext>
                 </a:extLst>
               </a:tr>
@@ -20947,7 +21076,7 @@
                 </a:tc>
                 <a:extLst>
                   <a:ext uri="{0D108BD9-81ED-4DB2-BD59-A6C34878D82A}">
-                    <a16:rowId xmlns="" xmlns:a16="http://schemas.microsoft.com/office/drawing/2014/main" val="2845318136"/>
+                    <a16:rowId xmlns:a16="http://schemas.microsoft.com/office/drawing/2014/main" xmlns="" val="2845318136"/>
                   </a:ext>
                 </a:extLst>
               </a:tr>
@@ -20996,7 +21125,7 @@
                 </a:tc>
                 <a:extLst>
                   <a:ext uri="{0D108BD9-81ED-4DB2-BD59-A6C34878D82A}">
-                    <a16:rowId xmlns="" xmlns:a16="http://schemas.microsoft.com/office/drawing/2014/main" val="2968156586"/>
+                    <a16:rowId xmlns:a16="http://schemas.microsoft.com/office/drawing/2014/main" xmlns="" val="2968156586"/>
                   </a:ext>
                 </a:extLst>
               </a:tr>
@@ -21045,7 +21174,7 @@
                 </a:tc>
                 <a:extLst>
                   <a:ext uri="{0D108BD9-81ED-4DB2-BD59-A6C34878D82A}">
-                    <a16:rowId xmlns="" xmlns:a16="http://schemas.microsoft.com/office/drawing/2014/main" val="1476753229"/>
+                    <a16:rowId xmlns:a16="http://schemas.microsoft.com/office/drawing/2014/main" xmlns="" val="1476753229"/>
                   </a:ext>
                 </a:extLst>
               </a:tr>
@@ -21278,7 +21407,7 @@
           <p:nvPr>
             <p:extLst>
               <p:ext uri="{D42A27DB-BD31-4B8C-83A1-F6EECF244321}">
-                <p14:modId xmlns:p14="http://schemas.microsoft.com/office/powerpoint/2010/main" xmlns="" val="46705198"/>
+                <p14:modId xmlns="" xmlns:p14="http://schemas.microsoft.com/office/powerpoint/2010/main" val="46705198"/>
               </p:ext>
             </p:extLst>
           </p:nvPr>
@@ -21332,16 +21461,6 @@
                         </a:rPr>
                         <a:t>Id</a:t>
                       </a:r>
-                      <a:endParaRPr kumimoji="1" lang="en-US" sz="2400" b="1" i="0" u="none" strike="noStrike" cap="none" normalizeH="0" baseline="0" noProof="1" smtClean="0">
-                        <a:ln>
-                          <a:noFill/>
-                        </a:ln>
-                        <a:solidFill>
-                          <a:schemeClr val="tx1"/>
-                        </a:solidFill>
-                        <a:effectLst/>
-                        <a:latin typeface="+mj-lt"/>
-                      </a:endParaRPr>
                     </a:p>
                   </a:txBody>
                   <a:tcPr marL="91464" marR="91464" anchor="ctr" horzOverflow="overflow">
@@ -21444,16 +21563,6 @@
                         </a:rPr>
                         <a:t>Name</a:t>
                       </a:r>
-                      <a:endParaRPr kumimoji="1" lang="en-US" sz="2400" b="1" i="0" u="none" strike="noStrike" cap="none" normalizeH="0" baseline="0" noProof="1" smtClean="0">
-                        <a:ln>
-                          <a:noFill/>
-                        </a:ln>
-                        <a:solidFill>
-                          <a:schemeClr val="tx1"/>
-                        </a:solidFill>
-                        <a:effectLst/>
-                        <a:latin typeface="+mj-lt"/>
-                      </a:endParaRPr>
                     </a:p>
                   </a:txBody>
                   <a:tcPr marL="91464" marR="91464" anchor="ctr" horzOverflow="overflow">
@@ -21558,16 +21667,6 @@
                         </a:rPr>
                         <a:t>3</a:t>
                       </a:r>
-                      <a:endParaRPr kumimoji="1" lang="en-US" sz="2200" b="0" i="0" u="none" strike="noStrike" cap="none" normalizeH="0" baseline="0" noProof="1" smtClean="0">
-                        <a:ln>
-                          <a:noFill/>
-                        </a:ln>
-                        <a:solidFill>
-                          <a:schemeClr val="tx1"/>
-                        </a:solidFill>
-                        <a:effectLst/>
-                        <a:latin typeface="+mn-lt"/>
-                      </a:endParaRPr>
                     </a:p>
                   </a:txBody>
                   <a:tcPr marL="91464" marR="91464" anchor="ctr" horzOverflow="overflow">
@@ -21814,7 +21913,7 @@
     <a:masterClrMapping/>
   </p:clrMapOvr>
   <mc:AlternateContent xmlns:mc="http://schemas.openxmlformats.org/markup-compatibility/2006">
-    <mc:Choice xmlns:p14="http://schemas.microsoft.com/office/powerpoint/2010/main" xmlns="" Requires="p14">
+    <mc:Choice xmlns="" xmlns:p14="http://schemas.microsoft.com/office/powerpoint/2010/main" Requires="p14">
       <p:transition spd="slow" p14:dur="2000" advClick="0" advTm="5000"/>
     </mc:Choice>
     <mc:Fallback>
@@ -22079,7 +22178,7 @@
         </p:nvSpPr>
         <p:spPr bwMode="auto">
           <a:xfrm>
-            <a:off x="2057400" y="2819400"/>
+            <a:off x="2743200" y="2819400"/>
             <a:ext cx="7315200" cy="1449628"/>
           </a:xfrm>
           <a:prstGeom prst="rect">
@@ -22242,7 +22341,7 @@
         </p:nvSpPr>
         <p:spPr bwMode="auto">
           <a:xfrm>
-            <a:off x="6781800" y="1828800"/>
+            <a:off x="7467600" y="1828800"/>
             <a:ext cx="2819400" cy="685800"/>
           </a:xfrm>
           <a:prstGeom prst="wedgeRoundRectCallout">
@@ -22318,7 +22417,7 @@
         </p:nvSpPr>
         <p:spPr bwMode="auto">
           <a:xfrm>
-            <a:off x="4419600" y="4572000"/>
+            <a:off x="5105400" y="4572000"/>
             <a:ext cx="2819400" cy="685800"/>
           </a:xfrm>
           <a:prstGeom prst="wedgeRoundRectCallout">
@@ -22394,13 +22493,13 @@
         </p:nvSpPr>
         <p:spPr bwMode="auto">
           <a:xfrm>
-            <a:off x="152400" y="3657600"/>
+            <a:off x="533400" y="2971800"/>
             <a:ext cx="1828800" cy="685800"/>
           </a:xfrm>
           <a:prstGeom prst="wedgeRoundRectCallout">
             <a:avLst>
-              <a:gd name="adj1" fmla="val 56333"/>
-              <a:gd name="adj2" fmla="val -69708"/>
+              <a:gd name="adj1" fmla="val 66750"/>
+              <a:gd name="adj2" fmla="val 34459"/>
               <a:gd name="adj3" fmla="val 16667"/>
             </a:avLst>
           </a:prstGeom>
@@ -22466,7 +22565,7 @@
     <a:masterClrMapping/>
   </p:clrMapOvr>
   <mc:AlternateContent xmlns:mc="http://schemas.openxmlformats.org/markup-compatibility/2006">
-    <mc:Choice xmlns:p14="http://schemas.microsoft.com/office/powerpoint/2010/main" xmlns="" Requires="p14">
+    <mc:Choice xmlns="" xmlns:p14="http://schemas.microsoft.com/office/powerpoint/2010/main" Requires="p14">
       <p:transition spd="slow" p14:dur="2000" advClick="0" advTm="5000"/>
     </mc:Choice>
     <mc:Fallback>
@@ -22622,7 +22721,7 @@
           <p:cNvPr id="5" name="Slide Number">
             <a:extLst>
               <a:ext uri="{FF2B5EF4-FFF2-40B4-BE49-F238E27FC236}">
-                <a16:creationId xmlns:a16="http://schemas.microsoft.com/office/drawing/2014/main" xmlns="" id="{6A760D59-0056-4F39-B077-DBDBE3D2927E}"/>
+                <a16:creationId xmlns="" xmlns:a16="http://schemas.microsoft.com/office/drawing/2014/main" id="{6A760D59-0056-4F39-B077-DBDBE3D2927E}"/>
               </a:ext>
             </a:extLst>
           </p:cNvPr>
@@ -22783,19 +22882,7 @@
           <a:p>
             <a:r>
               <a:rPr lang="bg-BG" sz="3200" dirty="0" smtClean="0"/>
-              <a:t>Операции за обединение</a:t>
-            </a:r>
-            <a:r>
-              <a:rPr lang="bg-BG" sz="3200" dirty="0" smtClean="0"/>
-              <a:t>, сечение, </a:t>
-            </a:r>
-            <a:r>
-              <a:rPr lang="bg-BG" sz="3200" dirty="0" smtClean="0"/>
-              <a:t>разлика и </a:t>
-            </a:r>
-            <a:r>
-              <a:rPr lang="bg-BG" sz="3200" dirty="0" smtClean="0"/>
-              <a:t>деление</a:t>
+              <a:t>Операции за обединение, сечение, разлика и деление</a:t>
             </a:r>
           </a:p>
         </p:txBody>
@@ -22830,7 +22917,7 @@
     </p:spTree>
     <p:extLst>
       <p:ext uri="{BB962C8B-B14F-4D97-AF65-F5344CB8AC3E}">
-        <p14:creationId xmlns:p14="http://schemas.microsoft.com/office/powerpoint/2010/main" xmlns="" val="1646986932"/>
+        <p14:creationId xmlns="" xmlns:p14="http://schemas.microsoft.com/office/powerpoint/2010/main" val="1646986932"/>
       </p:ext>
     </p:extLst>
   </p:cSld>
@@ -22838,7 +22925,7 @@
     <a:masterClrMapping/>
   </p:clrMapOvr>
   <mc:AlternateContent xmlns:mc="http://schemas.openxmlformats.org/markup-compatibility/2006">
-    <mc:Choice xmlns:p14="http://schemas.microsoft.com/office/powerpoint/2010/main" xmlns="" Requires="p14">
+    <mc:Choice xmlns="" xmlns:p14="http://schemas.microsoft.com/office/powerpoint/2010/main" Requires="p14">
       <p:transition spd="slow" p14:dur="2000" advClick="0" advTm="5000"/>
     </mc:Choice>
     <mc:Fallback>
@@ -22848,7 +22935,128 @@
   <p:timing>
     <p:tnLst>
       <p:par>
-        <p:cTn id="1" dur="indefinite" restart="never" nodeType="tmRoot"/>
+        <p:cTn id="1" dur="indefinite" restart="never" nodeType="tmRoot">
+          <p:childTnLst>
+            <p:seq concurrent="1" nextAc="seek">
+              <p:cTn id="2" dur="indefinite" nodeType="mainSeq">
+                <p:childTnLst>
+                  <p:par>
+                    <p:cTn id="3" fill="hold">
+                      <p:stCondLst>
+                        <p:cond delay="indefinite"/>
+                      </p:stCondLst>
+                      <p:childTnLst>
+                        <p:par>
+                          <p:cTn id="4" fill="hold">
+                            <p:stCondLst>
+                              <p:cond delay="0"/>
+                            </p:stCondLst>
+                            <p:childTnLst>
+                              <p:par>
+                                <p:cTn id="5" presetID="1" presetClass="entr" presetSubtype="0" fill="hold" nodeType="clickEffect">
+                                  <p:stCondLst>
+                                    <p:cond delay="0"/>
+                                  </p:stCondLst>
+                                  <p:childTnLst>
+                                    <p:set>
+                                      <p:cBhvr>
+                                        <p:cTn id="6" dur="1" fill="hold">
+                                          <p:stCondLst>
+                                            <p:cond delay="0"/>
+                                          </p:stCondLst>
+                                        </p:cTn>
+                                        <p:tgtEl>
+                                          <p:spTgt spid="444419">
+                                            <p:txEl>
+                                              <p:pRg st="1" end="1"/>
+                                            </p:txEl>
+                                          </p:spTgt>
+                                        </p:tgtEl>
+                                        <p:attrNameLst>
+                                          <p:attrName>style.visibility</p:attrName>
+                                        </p:attrNameLst>
+                                      </p:cBhvr>
+                                      <p:to>
+                                        <p:strVal val="visible"/>
+                                      </p:to>
+                                    </p:set>
+                                  </p:childTnLst>
+                                </p:cTn>
+                              </p:par>
+                            </p:childTnLst>
+                          </p:cTn>
+                        </p:par>
+                      </p:childTnLst>
+                    </p:cTn>
+                  </p:par>
+                  <p:par>
+                    <p:cTn id="7" fill="hold">
+                      <p:stCondLst>
+                        <p:cond delay="indefinite"/>
+                      </p:stCondLst>
+                      <p:childTnLst>
+                        <p:par>
+                          <p:cTn id="8" fill="hold">
+                            <p:stCondLst>
+                              <p:cond delay="0"/>
+                            </p:stCondLst>
+                            <p:childTnLst>
+                              <p:par>
+                                <p:cTn id="9" presetID="1" presetClass="entr" presetSubtype="0" fill="hold" nodeType="clickEffect">
+                                  <p:stCondLst>
+                                    <p:cond delay="0"/>
+                                  </p:stCondLst>
+                                  <p:childTnLst>
+                                    <p:set>
+                                      <p:cBhvr>
+                                        <p:cTn id="10" dur="1" fill="hold">
+                                          <p:stCondLst>
+                                            <p:cond delay="0"/>
+                                          </p:stCondLst>
+                                        </p:cTn>
+                                        <p:tgtEl>
+                                          <p:spTgt spid="444419">
+                                            <p:txEl>
+                                              <p:pRg st="2" end="2"/>
+                                            </p:txEl>
+                                          </p:spTgt>
+                                        </p:tgtEl>
+                                        <p:attrNameLst>
+                                          <p:attrName>style.visibility</p:attrName>
+                                        </p:attrNameLst>
+                                      </p:cBhvr>
+                                      <p:to>
+                                        <p:strVal val="visible"/>
+                                      </p:to>
+                                    </p:set>
+                                  </p:childTnLst>
+                                </p:cTn>
+                              </p:par>
+                            </p:childTnLst>
+                          </p:cTn>
+                        </p:par>
+                      </p:childTnLst>
+                    </p:cTn>
+                  </p:par>
+                </p:childTnLst>
+              </p:cTn>
+              <p:prevCondLst>
+                <p:cond evt="onPrev" delay="0">
+                  <p:tgtEl>
+                    <p:sldTgt/>
+                  </p:tgtEl>
+                </p:cond>
+              </p:prevCondLst>
+              <p:nextCondLst>
+                <p:cond evt="onNext" delay="0">
+                  <p:tgtEl>
+                    <p:sldTgt/>
+                  </p:tgtEl>
+                </p:cond>
+              </p:nextCondLst>
+            </p:seq>
+          </p:childTnLst>
+        </p:cTn>
       </p:par>
     </p:tnLst>
   </p:timing>
@@ -22872,12 +23080,3954 @@
           <a:chExt cx="0" cy="0"/>
         </a:xfrm>
       </p:grpSpPr>
+      <p:sp>
+        <p:nvSpPr>
+          <p:cNvPr id="2" name="Slide Number Placeholder 1"/>
+          <p:cNvSpPr>
+            <a:spLocks noGrp="1"/>
+          </p:cNvSpPr>
+          <p:nvPr>
+            <p:ph type="sldNum" sz="quarter" idx="5"/>
+          </p:nvPr>
+        </p:nvSpPr>
+        <p:spPr/>
+        <p:txBody>
+          <a:bodyPr/>
+          <a:lstStyle/>
+          <a:p>
+            <a:fld id="{2BF067CD-8E6B-4360-9AA8-C5DF2A48A6D1}" type="slidenum">
+              <a:rPr lang="en-US" noProof="0" smtClean="0"/>
+              <a:pPr/>
+              <a:t>20</a:t>
+            </a:fld>
+            <a:endParaRPr lang="en-US" noProof="0" dirty="0"/>
+          </a:p>
+        </p:txBody>
+      </p:sp>
+      <p:sp>
+        <p:nvSpPr>
+          <p:cNvPr id="3" name="Text Placeholder 2"/>
+          <p:cNvSpPr>
+            <a:spLocks noGrp="1"/>
+          </p:cNvSpPr>
+          <p:nvPr>
+            <p:ph type="body" sz="quarter" idx="10"/>
+          </p:nvPr>
+        </p:nvSpPr>
+        <p:spPr/>
+        <p:txBody>
+          <a:bodyPr/>
+          <a:lstStyle/>
+          <a:p>
+            <a:pPr>
+              <a:buClr>
+                <a:schemeClr val="tx1"/>
+              </a:buClr>
+            </a:pPr>
+            <a:r>
+              <a:rPr lang="bg-BG" sz="3600" dirty="0" smtClean="0">
+                <a:solidFill>
+                  <a:srgbClr val="224464"/>
+                </a:solidFill>
+              </a:rPr>
+              <a:t>Операцията </a:t>
+            </a:r>
+            <a:r>
+              <a:rPr lang="en-US" sz="3600" b="1" dirty="0" smtClean="0">
+                <a:solidFill>
+                  <a:schemeClr val="bg1"/>
+                </a:solidFill>
+              </a:rPr>
+              <a:t>EXCEPT</a:t>
+            </a:r>
+            <a:endParaRPr lang="bg-BG" sz="3600" b="1" dirty="0" smtClean="0">
+              <a:solidFill>
+                <a:schemeClr val="bg1"/>
+              </a:solidFill>
+            </a:endParaRPr>
+          </a:p>
+          <a:p>
+            <a:pPr lvl="1">
+              <a:buClr>
+                <a:schemeClr val="tx1"/>
+              </a:buClr>
+            </a:pPr>
+            <a:r>
+              <a:rPr lang="ru-RU" sz="3600" dirty="0" smtClean="0"/>
+              <a:t>Връща редовете от първата заявка, които </a:t>
+            </a:r>
+            <a:r>
+              <a:rPr lang="ru-RU" sz="3600" b="1" dirty="0" smtClean="0">
+                <a:solidFill>
+                  <a:schemeClr val="bg1"/>
+                </a:solidFill>
+              </a:rPr>
+              <a:t>не се срещат </a:t>
+            </a:r>
+            <a:r>
+              <a:rPr lang="ru-RU" sz="3600" dirty="0" smtClean="0"/>
+              <a:t>във втората </a:t>
+            </a:r>
+            <a:r>
+              <a:rPr lang="ru-RU" sz="3600" dirty="0" smtClean="0"/>
+              <a:t>заявка</a:t>
+            </a:r>
+          </a:p>
+          <a:p>
+            <a:pPr lvl="2">
+              <a:buClr>
+                <a:schemeClr val="tx1"/>
+              </a:buClr>
+            </a:pPr>
+            <a:r>
+              <a:rPr lang="ru-RU" sz="3400" dirty="0" smtClean="0"/>
+              <a:t>Например, за да намерим </a:t>
+            </a:r>
+            <a:r>
+              <a:rPr lang="ru-RU" sz="3400" b="1" dirty="0" smtClean="0">
+                <a:solidFill>
+                  <a:schemeClr val="bg1"/>
+                </a:solidFill>
+              </a:rPr>
+              <a:t>продукти</a:t>
+            </a:r>
+            <a:r>
+              <a:rPr lang="ru-RU" sz="3400" dirty="0" smtClean="0"/>
+              <a:t>, които са налични в </a:t>
+            </a:r>
+            <a:r>
+              <a:rPr lang="ru-RU" sz="3400" b="1" dirty="0" smtClean="0">
+                <a:solidFill>
+                  <a:schemeClr val="bg1"/>
+                </a:solidFill>
+              </a:rPr>
+              <a:t>онлайн магазин</a:t>
+            </a:r>
+            <a:r>
+              <a:rPr lang="ru-RU" sz="3400" dirty="0" smtClean="0"/>
+              <a:t>, но не и в магазина на </a:t>
+            </a:r>
+            <a:r>
+              <a:rPr lang="ru-RU" sz="3400" b="1" dirty="0" smtClean="0">
+                <a:solidFill>
+                  <a:schemeClr val="bg1"/>
+                </a:solidFill>
+              </a:rPr>
+              <a:t>физически адрес</a:t>
+            </a:r>
+            <a:endParaRPr lang="en-US" sz="3400" b="1" dirty="0" smtClean="0">
+              <a:solidFill>
+                <a:schemeClr val="bg1"/>
+              </a:solidFill>
+            </a:endParaRPr>
+          </a:p>
+          <a:p>
+            <a:pPr lvl="1">
+              <a:buClr>
+                <a:schemeClr val="tx1"/>
+              </a:buClr>
+            </a:pPr>
+            <a:r>
+              <a:rPr lang="ru-RU" sz="3400" b="1" dirty="0" smtClean="0">
+                <a:solidFill>
+                  <a:schemeClr val="bg1"/>
+                </a:solidFill>
+              </a:rPr>
+              <a:t>Типовете</a:t>
+            </a:r>
+            <a:r>
+              <a:rPr lang="ru-RU" sz="3400" dirty="0" smtClean="0">
+                <a:solidFill>
+                  <a:srgbClr val="224464"/>
+                </a:solidFill>
+              </a:rPr>
+              <a:t>, </a:t>
+            </a:r>
+            <a:r>
+              <a:rPr lang="ru-RU" sz="3400" b="1" dirty="0" smtClean="0">
+                <a:solidFill>
+                  <a:schemeClr val="bg1"/>
+                </a:solidFill>
+              </a:rPr>
+              <a:t>броят</a:t>
+            </a:r>
+            <a:r>
+              <a:rPr lang="ru-RU" sz="3400" dirty="0" smtClean="0">
+                <a:solidFill>
+                  <a:srgbClr val="224464"/>
+                </a:solidFill>
+              </a:rPr>
+              <a:t> и </a:t>
+            </a:r>
+            <a:r>
+              <a:rPr lang="ru-RU" sz="3400" b="1" dirty="0" smtClean="0">
+                <a:solidFill>
+                  <a:schemeClr val="bg1"/>
+                </a:solidFill>
+              </a:rPr>
+              <a:t>редът</a:t>
+            </a:r>
+            <a:r>
+              <a:rPr lang="ru-RU" sz="3400" dirty="0" smtClean="0">
+                <a:solidFill>
+                  <a:srgbClr val="224464"/>
+                </a:solidFill>
+              </a:rPr>
+              <a:t> на колоните трябва да съвпада</a:t>
+            </a:r>
+            <a:endParaRPr lang="en-US" sz="3400" dirty="0" smtClean="0">
+              <a:solidFill>
+                <a:srgbClr val="224464"/>
+              </a:solidFill>
+            </a:endParaRPr>
+          </a:p>
+        </p:txBody>
+      </p:sp>
+      <p:sp>
+        <p:nvSpPr>
+          <p:cNvPr id="4" name="Title 3"/>
+          <p:cNvSpPr>
+            <a:spLocks noGrp="1"/>
+          </p:cNvSpPr>
+          <p:nvPr>
+            <p:ph type="title"/>
+          </p:nvPr>
+        </p:nvSpPr>
+        <p:spPr/>
+        <p:txBody>
+          <a:bodyPr/>
+          <a:lstStyle/>
+          <a:p>
+            <a:r>
+              <a:rPr lang="bg-BG" dirty="0" smtClean="0"/>
+              <a:t>Разлика (1)</a:t>
+            </a:r>
+            <a:endParaRPr lang="en-US" dirty="0"/>
+          </a:p>
+        </p:txBody>
+      </p:sp>
+    </p:spTree>
+  </p:cSld>
+  <p:clrMapOvr>
+    <a:masterClrMapping/>
+  </p:clrMapOvr>
+  <mc:AlternateContent xmlns:mc="http://schemas.openxmlformats.org/markup-compatibility/2006">
+    <mc:Choice xmlns="" xmlns:p14="http://schemas.microsoft.com/office/powerpoint/2010/main" Requires="p14">
+      <p:transition spd="slow" p14:dur="2000" advClick="0" advTm="5000"/>
+    </mc:Choice>
+    <mc:Fallback>
+      <p:transition spd="slow" advClick="0" advTm="5000"/>
+    </mc:Fallback>
+  </mc:AlternateContent>
+  <p:timing>
+    <p:tnLst>
+      <p:par>
+        <p:cTn id="1" dur="indefinite" restart="never" nodeType="tmRoot">
+          <p:childTnLst>
+            <p:seq concurrent="1" nextAc="seek">
+              <p:cTn id="2" dur="indefinite" nodeType="mainSeq">
+                <p:childTnLst>
+                  <p:par>
+                    <p:cTn id="3" fill="hold">
+                      <p:stCondLst>
+                        <p:cond delay="indefinite"/>
+                      </p:stCondLst>
+                      <p:childTnLst>
+                        <p:par>
+                          <p:cTn id="4" fill="hold">
+                            <p:stCondLst>
+                              <p:cond delay="0"/>
+                            </p:stCondLst>
+                            <p:childTnLst>
+                              <p:par>
+                                <p:cTn id="5" presetID="1" presetClass="entr" presetSubtype="0" fill="hold" nodeType="clickEffect">
+                                  <p:stCondLst>
+                                    <p:cond delay="0"/>
+                                  </p:stCondLst>
+                                  <p:childTnLst>
+                                    <p:set>
+                                      <p:cBhvr>
+                                        <p:cTn id="6" dur="1" fill="hold">
+                                          <p:stCondLst>
+                                            <p:cond delay="0"/>
+                                          </p:stCondLst>
+                                        </p:cTn>
+                                        <p:tgtEl>
+                                          <p:spTgt spid="3">
+                                            <p:txEl>
+                                              <p:pRg st="3" end="3"/>
+                                            </p:txEl>
+                                          </p:spTgt>
+                                        </p:tgtEl>
+                                        <p:attrNameLst>
+                                          <p:attrName>style.visibility</p:attrName>
+                                        </p:attrNameLst>
+                                      </p:cBhvr>
+                                      <p:to>
+                                        <p:strVal val="visible"/>
+                                      </p:to>
+                                    </p:set>
+                                  </p:childTnLst>
+                                </p:cTn>
+                              </p:par>
+                            </p:childTnLst>
+                          </p:cTn>
+                        </p:par>
+                      </p:childTnLst>
+                    </p:cTn>
+                  </p:par>
+                </p:childTnLst>
+              </p:cTn>
+              <p:prevCondLst>
+                <p:cond evt="onPrev" delay="0">
+                  <p:tgtEl>
+                    <p:sldTgt/>
+                  </p:tgtEl>
+                </p:cond>
+              </p:prevCondLst>
+              <p:nextCondLst>
+                <p:cond evt="onNext" delay="0">
+                  <p:tgtEl>
+                    <p:sldTgt/>
+                  </p:tgtEl>
+                </p:cond>
+              </p:nextCondLst>
+            </p:seq>
+          </p:childTnLst>
+        </p:cTn>
+      </p:par>
+    </p:tnLst>
+  </p:timing>
+</p:sld>
+</file>
+
+<file path=ppt/slides/slide21.xml><?xml version="1.0" encoding="utf-8"?>
+<p:sld xmlns:a="http://schemas.openxmlformats.org/drawingml/2006/main" xmlns:r="http://schemas.openxmlformats.org/officeDocument/2006/relationships" xmlns:p="http://schemas.openxmlformats.org/presentationml/2006/main">
+  <p:cSld>
+    <p:spTree>
+      <p:nvGrpSpPr>
+        <p:cNvPr id="1" name=""/>
+        <p:cNvGrpSpPr/>
+        <p:nvPr/>
+      </p:nvGrpSpPr>
+      <p:grpSpPr>
+        <a:xfrm>
+          <a:off x="0" y="0"/>
+          <a:ext cx="0" cy="0"/>
+          <a:chOff x="0" y="0"/>
+          <a:chExt cx="0" cy="0"/>
+        </a:xfrm>
+      </p:grpSpPr>
+      <p:sp>
+        <p:nvSpPr>
+          <p:cNvPr id="2" name="Slide Number Placeholder 1"/>
+          <p:cNvSpPr>
+            <a:spLocks noGrp="1"/>
+          </p:cNvSpPr>
+          <p:nvPr>
+            <p:ph type="sldNum" sz="quarter" idx="5"/>
+          </p:nvPr>
+        </p:nvSpPr>
+        <p:spPr/>
+        <p:txBody>
+          <a:bodyPr/>
+          <a:lstStyle/>
+          <a:p>
+            <a:fld id="{2BF067CD-8E6B-4360-9AA8-C5DF2A48A6D1}" type="slidenum">
+              <a:rPr lang="en-US" noProof="0" smtClean="0"/>
+              <a:pPr/>
+              <a:t>21</a:t>
+            </a:fld>
+            <a:endParaRPr lang="en-US" noProof="0" dirty="0"/>
+          </a:p>
+        </p:txBody>
+      </p:sp>
+      <p:sp>
+        <p:nvSpPr>
+          <p:cNvPr id="4" name="Title 3"/>
+          <p:cNvSpPr>
+            <a:spLocks noGrp="1"/>
+          </p:cNvSpPr>
+          <p:nvPr>
+            <p:ph type="title"/>
+          </p:nvPr>
+        </p:nvSpPr>
+        <p:spPr/>
+        <p:txBody>
+          <a:bodyPr/>
+          <a:lstStyle/>
+          <a:p>
+            <a:r>
+              <a:rPr lang="bg-BG" dirty="0" smtClean="0"/>
+              <a:t>Разлика </a:t>
+            </a:r>
+            <a:r>
+              <a:rPr lang="en-US" dirty="0" smtClean="0"/>
+              <a:t>(2</a:t>
+            </a:r>
+            <a:r>
+              <a:rPr lang="en-US" dirty="0" smtClean="0"/>
+              <a:t>)</a:t>
+            </a:r>
+            <a:endParaRPr lang="en-US" dirty="0"/>
+          </a:p>
+        </p:txBody>
+      </p:sp>
+      <p:graphicFrame>
+        <p:nvGraphicFramePr>
+          <p:cNvPr id="5" name="Table 4"/>
+          <p:cNvGraphicFramePr>
+            <a:graphicFrameLocks noGrp="1"/>
+          </p:cNvGraphicFramePr>
+          <p:nvPr/>
+        </p:nvGraphicFramePr>
+        <p:xfrm>
+          <a:off x="1905000" y="1828800"/>
+          <a:ext cx="2590800" cy="1828800"/>
+        </p:xfrm>
+        <a:graphic>
+          <a:graphicData uri="http://schemas.openxmlformats.org/drawingml/2006/table">
+            <a:tbl>
+              <a:tblPr firstRow="1" bandRow="1">
+                <a:tableStyleId>{912C8C85-51F0-491E-9774-3900AFEF0FD7}</a:tableStyleId>
+              </a:tblPr>
+              <a:tblGrid>
+                <a:gridCol w="863600">
+                  <a:extLst>
+                    <a:ext uri="{9D8B030D-6E8A-4147-A177-3AD203B41FA5}">
+                      <a16:colId xmlns:a16="http://schemas.microsoft.com/office/drawing/2014/main" xmlns="" val="1594468805"/>
+                    </a:ext>
+                  </a:extLst>
+                </a:gridCol>
+                <a:gridCol w="1727200">
+                  <a:extLst>
+                    <a:ext uri="{9D8B030D-6E8A-4147-A177-3AD203B41FA5}">
+                      <a16:colId xmlns:a16="http://schemas.microsoft.com/office/drawing/2014/main" xmlns="" val="683614382"/>
+                    </a:ext>
+                  </a:extLst>
+                </a:gridCol>
+              </a:tblGrid>
+              <a:tr h="457200">
+                <a:tc>
+                  <a:txBody>
+                    <a:bodyPr/>
+                    <a:lstStyle/>
+                    <a:p>
+                      <a:pPr algn="ctr"/>
+                      <a:r>
+                        <a:rPr lang="en-US" noProof="1" smtClean="0">
+                          <a:solidFill>
+                            <a:schemeClr val="tx1"/>
+                          </a:solidFill>
+                          <a:effectLst/>
+                          <a:latin typeface="+mj-lt"/>
+                        </a:rPr>
+                        <a:t>Id</a:t>
+                      </a:r>
+                      <a:endParaRPr lang="en-US" noProof="1">
+                        <a:solidFill>
+                          <a:schemeClr val="tx1"/>
+                        </a:solidFill>
+                        <a:effectLst/>
+                        <a:latin typeface="+mj-lt"/>
+                      </a:endParaRPr>
+                    </a:p>
+                  </a:txBody>
+                  <a:tcPr anchor="ctr">
+                    <a:solidFill>
+                      <a:srgbClr val="D1D5DD"/>
+                    </a:solidFill>
+                  </a:tcPr>
+                </a:tc>
+                <a:tc>
+                  <a:txBody>
+                    <a:bodyPr/>
+                    <a:lstStyle/>
+                    <a:p>
+                      <a:pPr algn="ctr"/>
+                      <a:r>
+                        <a:rPr lang="en-US" noProof="1" smtClean="0">
+                          <a:solidFill>
+                            <a:schemeClr val="tx1"/>
+                          </a:solidFill>
+                          <a:effectLst/>
+                          <a:latin typeface="+mj-lt"/>
+                        </a:rPr>
+                        <a:t>Name</a:t>
+                      </a:r>
+                      <a:endParaRPr lang="en-US" noProof="1">
+                        <a:solidFill>
+                          <a:schemeClr val="tx1"/>
+                        </a:solidFill>
+                        <a:effectLst/>
+                        <a:latin typeface="+mj-lt"/>
+                      </a:endParaRPr>
+                    </a:p>
+                  </a:txBody>
+                  <a:tcPr anchor="ctr">
+                    <a:solidFill>
+                      <a:srgbClr val="D1D5DD"/>
+                    </a:solidFill>
+                  </a:tcPr>
+                </a:tc>
+                <a:extLst>
+                  <a:ext uri="{0D108BD9-81ED-4DB2-BD59-A6C34878D82A}">
+                    <a16:rowId xmlns:a16="http://schemas.microsoft.com/office/drawing/2014/main" xmlns="" val="1969825376"/>
+                  </a:ext>
+                </a:extLst>
+              </a:tr>
+              <a:tr h="457200">
+                <a:tc>
+                  <a:txBody>
+                    <a:bodyPr/>
+                    <a:lstStyle/>
+                    <a:p>
+                      <a:r>
+                        <a:rPr lang="en-US" dirty="0" smtClean="0">
+                          <a:effectLst/>
+                        </a:rPr>
+                        <a:t>1</a:t>
+                      </a:r>
+                      <a:endParaRPr lang="bg-BG" dirty="0">
+                        <a:solidFill>
+                          <a:schemeClr val="tx1"/>
+                        </a:solidFill>
+                        <a:effectLst/>
+                      </a:endParaRPr>
+                    </a:p>
+                  </a:txBody>
+                  <a:tcPr anchor="ctr"/>
+                </a:tc>
+                <a:tc>
+                  <a:txBody>
+                    <a:bodyPr/>
+                    <a:lstStyle/>
+                    <a:p>
+                      <a:r>
+                        <a:rPr lang="en-US" dirty="0" smtClean="0">
+                          <a:effectLst/>
+                        </a:rPr>
+                        <a:t>Smartwatch</a:t>
+                      </a:r>
+                      <a:endParaRPr lang="bg-BG" dirty="0">
+                        <a:solidFill>
+                          <a:schemeClr val="tx1"/>
+                        </a:solidFill>
+                        <a:effectLst/>
+                      </a:endParaRPr>
+                    </a:p>
+                  </a:txBody>
+                  <a:tcPr anchor="ctr"/>
+                </a:tc>
+                <a:extLst>
+                  <a:ext uri="{0D108BD9-81ED-4DB2-BD59-A6C34878D82A}">
+                    <a16:rowId xmlns:a16="http://schemas.microsoft.com/office/drawing/2014/main" xmlns="" val="2845318136"/>
+                  </a:ext>
+                </a:extLst>
+              </a:tr>
+              <a:tr h="457200">
+                <a:tc>
+                  <a:txBody>
+                    <a:bodyPr/>
+                    <a:lstStyle/>
+                    <a:p>
+                      <a:r>
+                        <a:rPr lang="en-US" dirty="0" smtClean="0">
+                          <a:effectLst/>
+                        </a:rPr>
+                        <a:t>2</a:t>
+                      </a:r>
+                      <a:endParaRPr lang="bg-BG" dirty="0">
+                        <a:solidFill>
+                          <a:schemeClr val="tx1"/>
+                        </a:solidFill>
+                        <a:effectLst/>
+                      </a:endParaRPr>
+                    </a:p>
+                  </a:txBody>
+                  <a:tcPr anchor="ctr"/>
+                </a:tc>
+                <a:tc>
+                  <a:txBody>
+                    <a:bodyPr/>
+                    <a:lstStyle/>
+                    <a:p>
+                      <a:r>
+                        <a:rPr lang="en-US" dirty="0" smtClean="0">
+                          <a:effectLst/>
+                        </a:rPr>
+                        <a:t>Speakers</a:t>
+                      </a:r>
+                      <a:endParaRPr lang="bg-BG" dirty="0">
+                        <a:solidFill>
+                          <a:schemeClr val="tx1"/>
+                        </a:solidFill>
+                        <a:effectLst/>
+                      </a:endParaRPr>
+                    </a:p>
+                  </a:txBody>
+                  <a:tcPr anchor="ctr"/>
+                </a:tc>
+                <a:extLst>
+                  <a:ext uri="{0D108BD9-81ED-4DB2-BD59-A6C34878D82A}">
+                    <a16:rowId xmlns:a16="http://schemas.microsoft.com/office/drawing/2014/main" xmlns="" val="2968156586"/>
+                  </a:ext>
+                </a:extLst>
+              </a:tr>
+              <a:tr h="457200">
+                <a:tc>
+                  <a:txBody>
+                    <a:bodyPr/>
+                    <a:lstStyle/>
+                    <a:p>
+                      <a:r>
+                        <a:rPr lang="en-US" dirty="0" smtClean="0">
+                          <a:effectLst/>
+                        </a:rPr>
+                        <a:t>3</a:t>
+                      </a:r>
+                      <a:endParaRPr lang="bg-BG" dirty="0">
+                        <a:solidFill>
+                          <a:schemeClr val="tx1"/>
+                        </a:solidFill>
+                        <a:effectLst/>
+                      </a:endParaRPr>
+                    </a:p>
+                  </a:txBody>
+                  <a:tcPr anchor="ctr"/>
+                </a:tc>
+                <a:tc>
+                  <a:txBody>
+                    <a:bodyPr/>
+                    <a:lstStyle/>
+                    <a:p>
+                      <a:r>
+                        <a:rPr lang="en-US" dirty="0" smtClean="0">
+                          <a:effectLst/>
+                        </a:rPr>
+                        <a:t>Microphone</a:t>
+                      </a:r>
+                      <a:endParaRPr lang="bg-BG" dirty="0">
+                        <a:solidFill>
+                          <a:schemeClr val="tx1"/>
+                        </a:solidFill>
+                        <a:effectLst/>
+                      </a:endParaRPr>
+                    </a:p>
+                  </a:txBody>
+                  <a:tcPr anchor="ctr"/>
+                </a:tc>
+                <a:extLst>
+                  <a:ext uri="{0D108BD9-81ED-4DB2-BD59-A6C34878D82A}">
+                    <a16:rowId xmlns:a16="http://schemas.microsoft.com/office/drawing/2014/main" xmlns="" val="1476753229"/>
+                  </a:ext>
+                </a:extLst>
+              </a:tr>
+            </a:tbl>
+          </a:graphicData>
+        </a:graphic>
+      </p:graphicFrame>
+      <p:sp>
+        <p:nvSpPr>
+          <p:cNvPr id="6" name="TextBox 5"/>
+          <p:cNvSpPr txBox="1"/>
+          <p:nvPr/>
+        </p:nvSpPr>
+        <p:spPr>
+          <a:xfrm>
+            <a:off x="2133600" y="1143000"/>
+            <a:ext cx="1915909" cy="523220"/>
+          </a:xfrm>
+          <a:prstGeom prst="rect">
+            <a:avLst/>
+          </a:prstGeom>
+          <a:noFill/>
+        </p:spPr>
+        <p:txBody>
+          <a:bodyPr wrap="none" rtlCol="0">
+            <a:spAutoFit/>
+          </a:bodyPr>
+          <a:lstStyle/>
+          <a:p>
+            <a:r>
+              <a:rPr lang="en-US" sz="2800" b="1" dirty="0" smtClean="0"/>
+              <a:t>OnlineShop</a:t>
+            </a:r>
+            <a:endParaRPr lang="en-US" sz="2800" b="1" dirty="0"/>
+          </a:p>
+        </p:txBody>
+      </p:sp>
+      <p:graphicFrame>
+        <p:nvGraphicFramePr>
+          <p:cNvPr id="7" name="Table 6"/>
+          <p:cNvGraphicFramePr>
+            <a:graphicFrameLocks noGrp="1"/>
+          </p:cNvGraphicFramePr>
+          <p:nvPr/>
+        </p:nvGraphicFramePr>
+        <p:xfrm>
+          <a:off x="6781800" y="1752600"/>
+          <a:ext cx="2667000" cy="1828800"/>
+        </p:xfrm>
+        <a:graphic>
+          <a:graphicData uri="http://schemas.openxmlformats.org/drawingml/2006/table">
+            <a:tbl>
+              <a:tblPr firstRow="1" bandRow="1">
+                <a:tableStyleId>{912C8C85-51F0-491E-9774-3900AFEF0FD7}</a:tableStyleId>
+              </a:tblPr>
+              <a:tblGrid>
+                <a:gridCol w="914400">
+                  <a:extLst>
+                    <a:ext uri="{9D8B030D-6E8A-4147-A177-3AD203B41FA5}">
+                      <a16:colId xmlns:a16="http://schemas.microsoft.com/office/drawing/2014/main" xmlns="" val="1594468805"/>
+                    </a:ext>
+                  </a:extLst>
+                </a:gridCol>
+                <a:gridCol w="1752600">
+                  <a:extLst>
+                    <a:ext uri="{9D8B030D-6E8A-4147-A177-3AD203B41FA5}">
+                      <a16:colId xmlns:a16="http://schemas.microsoft.com/office/drawing/2014/main" xmlns="" val="683614382"/>
+                    </a:ext>
+                  </a:extLst>
+                </a:gridCol>
+              </a:tblGrid>
+              <a:tr h="457200">
+                <a:tc>
+                  <a:txBody>
+                    <a:bodyPr/>
+                    <a:lstStyle/>
+                    <a:p>
+                      <a:pPr algn="ctr"/>
+                      <a:r>
+                        <a:rPr lang="en-US" noProof="1" smtClean="0">
+                          <a:solidFill>
+                            <a:schemeClr val="tx1"/>
+                          </a:solidFill>
+                          <a:effectLst/>
+                        </a:rPr>
+                        <a:t>Id</a:t>
+                      </a:r>
+                      <a:endParaRPr lang="en-US" noProof="1">
+                        <a:solidFill>
+                          <a:schemeClr val="tx1"/>
+                        </a:solidFill>
+                        <a:effectLst/>
+                      </a:endParaRPr>
+                    </a:p>
+                  </a:txBody>
+                  <a:tcPr anchor="ctr">
+                    <a:solidFill>
+                      <a:srgbClr val="D1D5DD"/>
+                    </a:solidFill>
+                  </a:tcPr>
+                </a:tc>
+                <a:tc>
+                  <a:txBody>
+                    <a:bodyPr/>
+                    <a:lstStyle/>
+                    <a:p>
+                      <a:pPr algn="ctr"/>
+                      <a:r>
+                        <a:rPr lang="en-US" noProof="1" smtClean="0">
+                          <a:solidFill>
+                            <a:schemeClr val="tx1"/>
+                          </a:solidFill>
+                          <a:effectLst/>
+                        </a:rPr>
+                        <a:t>Name</a:t>
+                      </a:r>
+                      <a:endParaRPr lang="en-US" noProof="1">
+                        <a:solidFill>
+                          <a:schemeClr val="tx1"/>
+                        </a:solidFill>
+                        <a:effectLst/>
+                      </a:endParaRPr>
+                    </a:p>
+                  </a:txBody>
+                  <a:tcPr anchor="ctr">
+                    <a:solidFill>
+                      <a:srgbClr val="D1D5DD"/>
+                    </a:solidFill>
+                  </a:tcPr>
+                </a:tc>
+                <a:extLst>
+                  <a:ext uri="{0D108BD9-81ED-4DB2-BD59-A6C34878D82A}">
+                    <a16:rowId xmlns:a16="http://schemas.microsoft.com/office/drawing/2014/main" xmlns="" val="1969825376"/>
+                  </a:ext>
+                </a:extLst>
+              </a:tr>
+              <a:tr h="457200">
+                <a:tc>
+                  <a:txBody>
+                    <a:bodyPr/>
+                    <a:lstStyle/>
+                    <a:p>
+                      <a:r>
+                        <a:rPr lang="en-US" dirty="0" smtClean="0">
+                          <a:effectLst/>
+                        </a:rPr>
+                        <a:t>3</a:t>
+                      </a:r>
+                      <a:endParaRPr lang="bg-BG" dirty="0">
+                        <a:solidFill>
+                          <a:schemeClr val="tx1"/>
+                        </a:solidFill>
+                        <a:effectLst/>
+                      </a:endParaRPr>
+                    </a:p>
+                  </a:txBody>
+                  <a:tcPr anchor="ctr"/>
+                </a:tc>
+                <a:tc>
+                  <a:txBody>
+                    <a:bodyPr/>
+                    <a:lstStyle/>
+                    <a:p>
+                      <a:r>
+                        <a:rPr lang="en-US" dirty="0" smtClean="0">
+                          <a:effectLst/>
+                        </a:rPr>
+                        <a:t>Speakers</a:t>
+                      </a:r>
+                      <a:endParaRPr lang="bg-BG" dirty="0">
+                        <a:solidFill>
+                          <a:schemeClr val="tx1"/>
+                        </a:solidFill>
+                        <a:effectLst/>
+                      </a:endParaRPr>
+                    </a:p>
+                  </a:txBody>
+                  <a:tcPr anchor="ctr"/>
+                </a:tc>
+                <a:extLst>
+                  <a:ext uri="{0D108BD9-81ED-4DB2-BD59-A6C34878D82A}">
+                    <a16:rowId xmlns:a16="http://schemas.microsoft.com/office/drawing/2014/main" xmlns="" val="2845318136"/>
+                  </a:ext>
+                </a:extLst>
+              </a:tr>
+              <a:tr h="457200">
+                <a:tc>
+                  <a:txBody>
+                    <a:bodyPr/>
+                    <a:lstStyle/>
+                    <a:p>
+                      <a:r>
+                        <a:rPr lang="en-US" dirty="0" smtClean="0">
+                          <a:effectLst/>
+                        </a:rPr>
+                        <a:t>4</a:t>
+                      </a:r>
+                      <a:endParaRPr lang="bg-BG" dirty="0">
+                        <a:solidFill>
+                          <a:schemeClr val="tx1"/>
+                        </a:solidFill>
+                        <a:effectLst/>
+                      </a:endParaRPr>
+                    </a:p>
+                  </a:txBody>
+                  <a:tcPr anchor="ctr"/>
+                </a:tc>
+                <a:tc>
+                  <a:txBody>
+                    <a:bodyPr/>
+                    <a:lstStyle/>
+                    <a:p>
+                      <a:r>
+                        <a:rPr lang="en-US" dirty="0" smtClean="0">
+                          <a:effectLst/>
+                        </a:rPr>
+                        <a:t>TV</a:t>
+                      </a:r>
+                      <a:endParaRPr lang="bg-BG" dirty="0">
+                        <a:solidFill>
+                          <a:schemeClr val="tx1"/>
+                        </a:solidFill>
+                        <a:effectLst/>
+                      </a:endParaRPr>
+                    </a:p>
+                  </a:txBody>
+                  <a:tcPr anchor="ctr"/>
+                </a:tc>
+                <a:extLst>
+                  <a:ext uri="{0D108BD9-81ED-4DB2-BD59-A6C34878D82A}">
+                    <a16:rowId xmlns:a16="http://schemas.microsoft.com/office/drawing/2014/main" xmlns="" val="2968156586"/>
+                  </a:ext>
+                </a:extLst>
+              </a:tr>
+              <a:tr h="457200">
+                <a:tc>
+                  <a:txBody>
+                    <a:bodyPr/>
+                    <a:lstStyle/>
+                    <a:p>
+                      <a:r>
+                        <a:rPr lang="en-US" dirty="0" smtClean="0">
+                          <a:effectLst/>
+                        </a:rPr>
+                        <a:t>5</a:t>
+                      </a:r>
+                      <a:endParaRPr lang="bg-BG" dirty="0">
+                        <a:solidFill>
+                          <a:schemeClr val="tx1"/>
+                        </a:solidFill>
+                        <a:effectLst/>
+                      </a:endParaRPr>
+                    </a:p>
+                  </a:txBody>
+                  <a:tcPr anchor="ctr"/>
+                </a:tc>
+                <a:tc>
+                  <a:txBody>
+                    <a:bodyPr/>
+                    <a:lstStyle/>
+                    <a:p>
+                      <a:r>
+                        <a:rPr lang="en-US" dirty="0" smtClean="0">
+                          <a:effectLst/>
+                        </a:rPr>
+                        <a:t>Camera</a:t>
+                      </a:r>
+                      <a:endParaRPr lang="bg-BG" dirty="0">
+                        <a:solidFill>
+                          <a:schemeClr val="tx1"/>
+                        </a:solidFill>
+                        <a:effectLst/>
+                      </a:endParaRPr>
+                    </a:p>
+                  </a:txBody>
+                  <a:tcPr anchor="ctr"/>
+                </a:tc>
+                <a:extLst>
+                  <a:ext uri="{0D108BD9-81ED-4DB2-BD59-A6C34878D82A}">
+                    <a16:rowId xmlns:a16="http://schemas.microsoft.com/office/drawing/2014/main" xmlns="" val="1476753229"/>
+                  </a:ext>
+                </a:extLst>
+              </a:tr>
+            </a:tbl>
+          </a:graphicData>
+        </a:graphic>
+      </p:graphicFrame>
+      <p:sp>
+        <p:nvSpPr>
+          <p:cNvPr id="8" name="TextBox 7"/>
+          <p:cNvSpPr txBox="1"/>
+          <p:nvPr/>
+        </p:nvSpPr>
+        <p:spPr>
+          <a:xfrm>
+            <a:off x="7162800" y="1143000"/>
+            <a:ext cx="1690976" cy="523220"/>
+          </a:xfrm>
+          <a:prstGeom prst="rect">
+            <a:avLst/>
+          </a:prstGeom>
+          <a:noFill/>
+        </p:spPr>
+        <p:txBody>
+          <a:bodyPr wrap="none" rtlCol="0">
+            <a:spAutoFit/>
+          </a:bodyPr>
+          <a:lstStyle/>
+          <a:p>
+            <a:r>
+              <a:rPr lang="en-US" sz="2800" b="1" dirty="0" smtClean="0"/>
+              <a:t>LocalShop</a:t>
+            </a:r>
+            <a:endParaRPr lang="en-US" sz="2800" b="1" dirty="0"/>
+          </a:p>
+        </p:txBody>
+      </p:sp>
+      <p:grpSp>
+        <p:nvGrpSpPr>
+          <p:cNvPr id="3" name="Group 5"/>
+          <p:cNvGrpSpPr>
+            <a:grpSpLocks/>
+          </p:cNvGrpSpPr>
+          <p:nvPr/>
+        </p:nvGrpSpPr>
+        <p:grpSpPr bwMode="auto">
+          <a:xfrm>
+            <a:off x="2057400" y="3657600"/>
+            <a:ext cx="1600200" cy="1295400"/>
+            <a:chOff x="930" y="2577"/>
+            <a:chExt cx="535" cy="953"/>
+          </a:xfrm>
+        </p:grpSpPr>
+        <p:sp>
+          <p:nvSpPr>
+            <p:cNvPr id="10" name="Line 6"/>
+            <p:cNvSpPr>
+              <a:spLocks noChangeShapeType="1"/>
+            </p:cNvSpPr>
+            <p:nvPr/>
+          </p:nvSpPr>
+          <p:spPr bwMode="auto">
+            <a:xfrm>
+              <a:off x="930" y="2577"/>
+              <a:ext cx="0" cy="953"/>
+            </a:xfrm>
+            <a:prstGeom prst="line">
+              <a:avLst/>
+            </a:prstGeom>
+            <a:noFill/>
+            <a:ln w="31750">
+              <a:solidFill>
+                <a:schemeClr val="accent5">
+                  <a:lumMod val="20000"/>
+                  <a:lumOff val="80000"/>
+                </a:schemeClr>
+              </a:solidFill>
+              <a:round/>
+              <a:headEnd/>
+              <a:tailEnd/>
+            </a:ln>
+            <a:effectLst/>
+          </p:spPr>
+          <p:txBody>
+            <a:bodyPr/>
+            <a:lstStyle/>
+            <a:p>
+              <a:endParaRPr lang="bg-BG"/>
+            </a:p>
+          </p:txBody>
+        </p:sp>
+        <p:sp>
+          <p:nvSpPr>
+            <p:cNvPr id="11" name="Line 7"/>
+            <p:cNvSpPr>
+              <a:spLocks noChangeShapeType="1"/>
+            </p:cNvSpPr>
+            <p:nvPr/>
+          </p:nvSpPr>
+          <p:spPr bwMode="auto">
+            <a:xfrm>
+              <a:off x="930" y="3521"/>
+              <a:ext cx="535" cy="0"/>
+            </a:xfrm>
+            <a:prstGeom prst="line">
+              <a:avLst/>
+            </a:prstGeom>
+            <a:noFill/>
+            <a:ln w="31750">
+              <a:solidFill>
+                <a:schemeClr val="accent5">
+                  <a:lumMod val="20000"/>
+                  <a:lumOff val="80000"/>
+                </a:schemeClr>
+              </a:solidFill>
+              <a:round/>
+              <a:headEnd/>
+              <a:tailEnd type="triangle" w="med" len="med"/>
+            </a:ln>
+            <a:effectLst/>
+          </p:spPr>
+          <p:txBody>
+            <a:bodyPr/>
+            <a:lstStyle/>
+            <a:p>
+              <a:endParaRPr lang="bg-BG"/>
+            </a:p>
+          </p:txBody>
+        </p:sp>
+      </p:grpSp>
+      <p:grpSp>
+        <p:nvGrpSpPr>
+          <p:cNvPr id="9" name="Group 2"/>
+          <p:cNvGrpSpPr>
+            <a:grpSpLocks/>
+          </p:cNvGrpSpPr>
+          <p:nvPr/>
+        </p:nvGrpSpPr>
+        <p:grpSpPr bwMode="auto">
+          <a:xfrm>
+            <a:off x="8153400" y="3581400"/>
+            <a:ext cx="1219200" cy="1371600"/>
+            <a:chOff x="4150" y="2578"/>
+            <a:chExt cx="408" cy="952"/>
+          </a:xfrm>
+        </p:grpSpPr>
+        <p:sp>
+          <p:nvSpPr>
+            <p:cNvPr id="13" name="Line 3"/>
+            <p:cNvSpPr>
+              <a:spLocks noChangeShapeType="1"/>
+            </p:cNvSpPr>
+            <p:nvPr/>
+          </p:nvSpPr>
+          <p:spPr bwMode="auto">
+            <a:xfrm>
+              <a:off x="4558" y="2578"/>
+              <a:ext cx="0" cy="952"/>
+            </a:xfrm>
+            <a:prstGeom prst="line">
+              <a:avLst/>
+            </a:prstGeom>
+            <a:noFill/>
+            <a:ln w="31750">
+              <a:solidFill>
+                <a:schemeClr val="accent5">
+                  <a:lumMod val="20000"/>
+                  <a:lumOff val="80000"/>
+                </a:schemeClr>
+              </a:solidFill>
+              <a:round/>
+              <a:headEnd/>
+              <a:tailEnd/>
+            </a:ln>
+            <a:effectLst/>
+          </p:spPr>
+          <p:txBody>
+            <a:bodyPr/>
+            <a:lstStyle/>
+            <a:p>
+              <a:endParaRPr lang="bg-BG"/>
+            </a:p>
+          </p:txBody>
+        </p:sp>
+        <p:sp>
+          <p:nvSpPr>
+            <p:cNvPr id="14" name="Line 4"/>
+            <p:cNvSpPr>
+              <a:spLocks noChangeShapeType="1"/>
+            </p:cNvSpPr>
+            <p:nvPr/>
+          </p:nvSpPr>
+          <p:spPr bwMode="auto">
+            <a:xfrm flipH="1">
+              <a:off x="4150" y="3521"/>
+              <a:ext cx="408" cy="0"/>
+            </a:xfrm>
+            <a:prstGeom prst="line">
+              <a:avLst/>
+            </a:prstGeom>
+            <a:noFill/>
+            <a:ln w="31750">
+              <a:solidFill>
+                <a:schemeClr val="accent5">
+                  <a:lumMod val="20000"/>
+                  <a:lumOff val="80000"/>
+                </a:schemeClr>
+              </a:solidFill>
+              <a:round/>
+              <a:headEnd/>
+              <a:tailEnd type="triangle" w="med" len="med"/>
+            </a:ln>
+            <a:effectLst/>
+          </p:spPr>
+          <p:txBody>
+            <a:bodyPr/>
+            <a:lstStyle/>
+            <a:p>
+              <a:endParaRPr lang="bg-BG"/>
+            </a:p>
+          </p:txBody>
+        </p:sp>
+      </p:grpSp>
+      <p:graphicFrame>
+        <p:nvGraphicFramePr>
+          <p:cNvPr id="15" name="Group 48"/>
+          <p:cNvGraphicFramePr>
+            <a:graphicFrameLocks noGrp="1"/>
+          </p:cNvGraphicFramePr>
+          <p:nvPr>
+            <p:extLst>
+              <p:ext uri="{D42A27DB-BD31-4B8C-83A1-F6EECF244321}">
+                <p14:modId xmlns="" xmlns:p14="http://schemas.microsoft.com/office/powerpoint/2010/main" val="46705198"/>
+              </p:ext>
+            </p:extLst>
+          </p:nvPr>
+        </p:nvGraphicFramePr>
+        <p:xfrm>
+          <a:off x="3733800" y="4343400"/>
+          <a:ext cx="4287367" cy="1258824"/>
+        </p:xfrm>
+        <a:graphic>
+          <a:graphicData uri="http://schemas.openxmlformats.org/drawingml/2006/table">
+            <a:tbl>
+              <a:tblPr/>
+              <a:tblGrid>
+                <a:gridCol w="1714947"/>
+                <a:gridCol w="2572420"/>
+              </a:tblGrid>
+              <a:tr h="342900">
+                <a:tc>
+                  <a:txBody>
+                    <a:bodyPr/>
+                    <a:lstStyle/>
+                    <a:p>
+                      <a:pPr marL="0" marR="0" lvl="0" indent="0" algn="ctr" defTabSz="914400" rtl="0" eaLnBrk="0" fontAlgn="base" latinLnBrk="0" hangingPunct="0">
+                        <a:lnSpc>
+                          <a:spcPct val="95000"/>
+                        </a:lnSpc>
+                        <a:spcBef>
+                          <a:spcPct val="40000"/>
+                        </a:spcBef>
+                        <a:spcAft>
+                          <a:spcPct val="0"/>
+                        </a:spcAft>
+                        <a:buClr>
+                          <a:schemeClr val="tx1"/>
+                        </a:buClr>
+                        <a:buSzTx/>
+                        <a:buFontTx/>
+                        <a:buNone/>
+                        <a:tabLst/>
+                      </a:pPr>
+                      <a:r>
+                        <a:rPr kumimoji="1" lang="en-US" sz="2400" b="1" i="0" u="none" strike="noStrike" cap="none" normalizeH="0" baseline="0" noProof="1" smtClean="0">
+                          <a:ln>
+                            <a:noFill/>
+                          </a:ln>
+                          <a:solidFill>
+                            <a:schemeClr val="tx1"/>
+                          </a:solidFill>
+                          <a:effectLst/>
+                          <a:latin typeface="+mj-lt"/>
+                        </a:rPr>
+                        <a:t>Id</a:t>
+                      </a:r>
+                    </a:p>
+                  </a:txBody>
+                  <a:tcPr marL="91464" marR="91464" anchor="ctr" horzOverflow="overflow">
+                    <a:lnL w="28575" cap="flat" cmpd="sng" algn="ctr">
+                      <a:solidFill>
+                        <a:schemeClr val="accent5">
+                          <a:lumMod val="20000"/>
+                          <a:lumOff val="80000"/>
+                        </a:schemeClr>
+                      </a:solidFill>
+                      <a:prstDash val="solid"/>
+                      <a:round/>
+                      <a:headEnd type="none" w="med" len="med"/>
+                      <a:tailEnd type="none" w="med" len="med"/>
+                    </a:lnL>
+                    <a:lnR w="28575" cap="flat" cmpd="sng" algn="ctr">
+                      <a:solidFill>
+                        <a:schemeClr val="accent5">
+                          <a:lumMod val="20000"/>
+                          <a:lumOff val="80000"/>
+                        </a:schemeClr>
+                      </a:solidFill>
+                      <a:prstDash val="solid"/>
+                      <a:round/>
+                      <a:headEnd type="none" w="med" len="med"/>
+                      <a:tailEnd type="none" w="med" len="med"/>
+                    </a:lnR>
+                    <a:lnT w="28575" cap="flat" cmpd="sng" algn="ctr">
+                      <a:solidFill>
+                        <a:schemeClr val="accent5">
+                          <a:lumMod val="20000"/>
+                          <a:lumOff val="80000"/>
+                        </a:schemeClr>
+                      </a:solidFill>
+                      <a:prstDash val="solid"/>
+                      <a:round/>
+                      <a:headEnd type="none" w="med" len="med"/>
+                      <a:tailEnd type="none" w="med" len="med"/>
+                    </a:lnT>
+                    <a:lnB w="28575" cap="flat" cmpd="sng" algn="ctr">
+                      <a:solidFill>
+                        <a:schemeClr val="accent5">
+                          <a:lumMod val="20000"/>
+                          <a:lumOff val="80000"/>
+                        </a:schemeClr>
+                      </a:solidFill>
+                      <a:prstDash val="solid"/>
+                      <a:round/>
+                      <a:headEnd type="none" w="med" len="med"/>
+                      <a:tailEnd type="none" w="med" len="med"/>
+                    </a:lnB>
+                    <a:lnTlToBr>
+                      <a:noFill/>
+                    </a:lnTlToBr>
+                    <a:lnBlToTr>
+                      <a:noFill/>
+                    </a:lnBlToTr>
+                    <a:solidFill>
+                      <a:schemeClr val="accent5">
+                        <a:lumMod val="60000"/>
+                        <a:lumOff val="40000"/>
+                        <a:alpha val="50000"/>
+                      </a:schemeClr>
+                    </a:solidFill>
+                  </a:tcPr>
+                </a:tc>
+                <a:tc>
+                  <a:txBody>
+                    <a:bodyPr/>
+                    <a:lstStyle/>
+                    <a:p>
+                      <a:pPr marL="0" marR="0" lvl="0" indent="0" algn="ctr" defTabSz="914400" rtl="0" eaLnBrk="0" fontAlgn="base" latinLnBrk="0" hangingPunct="0">
+                        <a:lnSpc>
+                          <a:spcPct val="95000"/>
+                        </a:lnSpc>
+                        <a:spcBef>
+                          <a:spcPct val="40000"/>
+                        </a:spcBef>
+                        <a:spcAft>
+                          <a:spcPct val="0"/>
+                        </a:spcAft>
+                        <a:buClr>
+                          <a:schemeClr val="tx1"/>
+                        </a:buClr>
+                        <a:buSzTx/>
+                        <a:buFontTx/>
+                        <a:buNone/>
+                        <a:tabLst/>
+                      </a:pPr>
+                      <a:r>
+                        <a:rPr kumimoji="1" lang="en-US" sz="2400" b="1" i="0" u="none" strike="noStrike" cap="none" normalizeH="0" baseline="0" noProof="1" smtClean="0">
+                          <a:ln>
+                            <a:noFill/>
+                          </a:ln>
+                          <a:solidFill>
+                            <a:schemeClr val="tx1"/>
+                          </a:solidFill>
+                          <a:effectLst/>
+                          <a:latin typeface="+mj-lt"/>
+                        </a:rPr>
+                        <a:t>Name</a:t>
+                      </a:r>
+                    </a:p>
+                  </a:txBody>
+                  <a:tcPr marL="91464" marR="91464" anchor="ctr" horzOverflow="overflow">
+                    <a:lnL w="28575" cap="flat" cmpd="sng" algn="ctr">
+                      <a:solidFill>
+                        <a:schemeClr val="accent5">
+                          <a:lumMod val="20000"/>
+                          <a:lumOff val="80000"/>
+                        </a:schemeClr>
+                      </a:solidFill>
+                      <a:prstDash val="solid"/>
+                      <a:round/>
+                      <a:headEnd type="none" w="med" len="med"/>
+                      <a:tailEnd type="none" w="med" len="med"/>
+                    </a:lnL>
+                    <a:lnR w="28575" cap="flat" cmpd="sng" algn="ctr">
+                      <a:solidFill>
+                        <a:schemeClr val="accent5">
+                          <a:lumMod val="20000"/>
+                          <a:lumOff val="80000"/>
+                        </a:schemeClr>
+                      </a:solidFill>
+                      <a:prstDash val="solid"/>
+                      <a:round/>
+                      <a:headEnd type="none" w="med" len="med"/>
+                      <a:tailEnd type="none" w="med" len="med"/>
+                    </a:lnR>
+                    <a:lnT w="28575" cap="flat" cmpd="sng" algn="ctr">
+                      <a:solidFill>
+                        <a:schemeClr val="accent5">
+                          <a:lumMod val="20000"/>
+                          <a:lumOff val="80000"/>
+                        </a:schemeClr>
+                      </a:solidFill>
+                      <a:prstDash val="solid"/>
+                      <a:round/>
+                      <a:headEnd type="none" w="med" len="med"/>
+                      <a:tailEnd type="none" w="med" len="med"/>
+                    </a:lnT>
+                    <a:lnB w="28575" cap="flat" cmpd="sng" algn="ctr">
+                      <a:solidFill>
+                        <a:schemeClr val="accent5">
+                          <a:lumMod val="20000"/>
+                          <a:lumOff val="80000"/>
+                        </a:schemeClr>
+                      </a:solidFill>
+                      <a:prstDash val="solid"/>
+                      <a:round/>
+                      <a:headEnd type="none" w="med" len="med"/>
+                      <a:tailEnd type="none" w="med" len="med"/>
+                    </a:lnB>
+                    <a:lnTlToBr>
+                      <a:noFill/>
+                    </a:lnTlToBr>
+                    <a:lnBlToTr>
+                      <a:noFill/>
+                    </a:lnBlToTr>
+                    <a:solidFill>
+                      <a:schemeClr val="accent5">
+                        <a:lumMod val="60000"/>
+                        <a:lumOff val="40000"/>
+                        <a:alpha val="50000"/>
+                      </a:schemeClr>
+                    </a:solidFill>
+                  </a:tcPr>
+                </a:tc>
+              </a:tr>
+              <a:tr h="342900">
+                <a:tc>
+                  <a:txBody>
+                    <a:bodyPr/>
+                    <a:lstStyle/>
+                    <a:p>
+                      <a:pPr marL="0" marR="0" lvl="0" indent="0" algn="l" defTabSz="914400" rtl="0" eaLnBrk="0" fontAlgn="base" latinLnBrk="0" hangingPunct="0">
+                        <a:lnSpc>
+                          <a:spcPct val="95000"/>
+                        </a:lnSpc>
+                        <a:spcBef>
+                          <a:spcPct val="40000"/>
+                        </a:spcBef>
+                        <a:spcAft>
+                          <a:spcPct val="0"/>
+                        </a:spcAft>
+                        <a:buClr>
+                          <a:schemeClr val="tx1"/>
+                        </a:buClr>
+                        <a:buSzTx/>
+                        <a:buFontTx/>
+                        <a:buNone/>
+                        <a:tabLst/>
+                      </a:pPr>
+                      <a:r>
+                        <a:rPr kumimoji="1" lang="en-US" sz="2200" b="0" i="0" u="none" strike="noStrike" cap="none" normalizeH="0" baseline="0" noProof="1" smtClean="0">
+                          <a:ln>
+                            <a:noFill/>
+                          </a:ln>
+                          <a:solidFill>
+                            <a:schemeClr val="tx1"/>
+                          </a:solidFill>
+                          <a:effectLst/>
+                          <a:latin typeface="+mn-lt"/>
+                        </a:rPr>
+                        <a:t>1</a:t>
+                      </a:r>
+                      <a:endParaRPr kumimoji="1" lang="en-US" sz="2200" b="0" i="0" u="none" strike="noStrike" cap="none" normalizeH="0" baseline="0" noProof="1" smtClean="0">
+                        <a:ln>
+                          <a:noFill/>
+                        </a:ln>
+                        <a:solidFill>
+                          <a:schemeClr val="tx1"/>
+                        </a:solidFill>
+                        <a:effectLst/>
+                        <a:latin typeface="+mn-lt"/>
+                      </a:endParaRPr>
+                    </a:p>
+                  </a:txBody>
+                  <a:tcPr marL="91464" marR="91464" anchor="ctr" horzOverflow="overflow">
+                    <a:lnL w="28575" cap="flat" cmpd="sng" algn="ctr">
+                      <a:solidFill>
+                        <a:schemeClr val="accent5">
+                          <a:lumMod val="20000"/>
+                          <a:lumOff val="80000"/>
+                        </a:schemeClr>
+                      </a:solidFill>
+                      <a:prstDash val="solid"/>
+                      <a:round/>
+                      <a:headEnd type="none" w="med" len="med"/>
+                      <a:tailEnd type="none" w="med" len="med"/>
+                    </a:lnL>
+                    <a:lnR w="28575" cap="flat" cmpd="sng" algn="ctr">
+                      <a:solidFill>
+                        <a:schemeClr val="accent5">
+                          <a:lumMod val="20000"/>
+                          <a:lumOff val="80000"/>
+                        </a:schemeClr>
+                      </a:solidFill>
+                      <a:prstDash val="solid"/>
+                      <a:round/>
+                      <a:headEnd type="none" w="med" len="med"/>
+                      <a:tailEnd type="none" w="med" len="med"/>
+                    </a:lnR>
+                    <a:lnT w="28575" cap="flat" cmpd="sng" algn="ctr">
+                      <a:solidFill>
+                        <a:schemeClr val="accent5">
+                          <a:lumMod val="20000"/>
+                          <a:lumOff val="80000"/>
+                        </a:schemeClr>
+                      </a:solidFill>
+                      <a:prstDash val="solid"/>
+                      <a:round/>
+                      <a:headEnd type="none" w="med" len="med"/>
+                      <a:tailEnd type="none" w="med" len="med"/>
+                    </a:lnT>
+                    <a:lnB w="28575" cap="flat" cmpd="sng" algn="ctr">
+                      <a:solidFill>
+                        <a:schemeClr val="accent5">
+                          <a:lumMod val="20000"/>
+                          <a:lumOff val="80000"/>
+                        </a:schemeClr>
+                      </a:solidFill>
+                      <a:prstDash val="solid"/>
+                      <a:round/>
+                      <a:headEnd type="none" w="med" len="med"/>
+                      <a:tailEnd type="none" w="med" len="med"/>
+                    </a:lnB>
+                    <a:lnTlToBr>
+                      <a:noFill/>
+                    </a:lnTlToBr>
+                    <a:lnBlToTr>
+                      <a:noFill/>
+                    </a:lnBlToTr>
+                    <a:noFill/>
+                  </a:tcPr>
+                </a:tc>
+                <a:tc>
+                  <a:txBody>
+                    <a:bodyPr/>
+                    <a:lstStyle/>
+                    <a:p>
+                      <a:pPr marL="0" marR="0" lvl="0" indent="0" algn="l" defTabSz="914400" rtl="0" eaLnBrk="0" fontAlgn="base" latinLnBrk="0" hangingPunct="0">
+                        <a:lnSpc>
+                          <a:spcPct val="95000"/>
+                        </a:lnSpc>
+                        <a:spcBef>
+                          <a:spcPct val="40000"/>
+                        </a:spcBef>
+                        <a:spcAft>
+                          <a:spcPct val="0"/>
+                        </a:spcAft>
+                        <a:buClr>
+                          <a:schemeClr val="tx1"/>
+                        </a:buClr>
+                        <a:buSzTx/>
+                        <a:buFontTx/>
+                        <a:buNone/>
+                        <a:tabLst/>
+                      </a:pPr>
+                      <a:r>
+                        <a:rPr lang="en-US" sz="2000" dirty="0" smtClean="0">
+                          <a:effectLst/>
+                        </a:rPr>
+                        <a:t>Smartwatch</a:t>
+                      </a:r>
+                      <a:endParaRPr kumimoji="1" lang="en-US" sz="2200" b="0" i="0" u="none" strike="noStrike" cap="none" normalizeH="0" baseline="0" noProof="1" smtClean="0">
+                        <a:ln>
+                          <a:noFill/>
+                        </a:ln>
+                        <a:solidFill>
+                          <a:schemeClr val="tx1"/>
+                        </a:solidFill>
+                        <a:effectLst/>
+                        <a:latin typeface="+mn-lt"/>
+                      </a:endParaRPr>
+                    </a:p>
+                  </a:txBody>
+                  <a:tcPr marL="91464" marR="91464" anchor="ctr" horzOverflow="overflow">
+                    <a:lnL w="28575" cap="flat" cmpd="sng" algn="ctr">
+                      <a:solidFill>
+                        <a:schemeClr val="accent5">
+                          <a:lumMod val="20000"/>
+                          <a:lumOff val="80000"/>
+                        </a:schemeClr>
+                      </a:solidFill>
+                      <a:prstDash val="solid"/>
+                      <a:round/>
+                      <a:headEnd type="none" w="med" len="med"/>
+                      <a:tailEnd type="none" w="med" len="med"/>
+                    </a:lnL>
+                    <a:lnR w="28575" cap="flat" cmpd="sng" algn="ctr">
+                      <a:solidFill>
+                        <a:schemeClr val="accent5">
+                          <a:lumMod val="20000"/>
+                          <a:lumOff val="80000"/>
+                        </a:schemeClr>
+                      </a:solidFill>
+                      <a:prstDash val="solid"/>
+                      <a:round/>
+                      <a:headEnd type="none" w="med" len="med"/>
+                      <a:tailEnd type="none" w="med" len="med"/>
+                    </a:lnR>
+                    <a:lnT w="28575" cap="flat" cmpd="sng" algn="ctr">
+                      <a:solidFill>
+                        <a:schemeClr val="accent5">
+                          <a:lumMod val="20000"/>
+                          <a:lumOff val="80000"/>
+                        </a:schemeClr>
+                      </a:solidFill>
+                      <a:prstDash val="solid"/>
+                      <a:round/>
+                      <a:headEnd type="none" w="med" len="med"/>
+                      <a:tailEnd type="none" w="med" len="med"/>
+                    </a:lnT>
+                    <a:lnB w="28575" cap="flat" cmpd="sng" algn="ctr">
+                      <a:solidFill>
+                        <a:schemeClr val="accent5">
+                          <a:lumMod val="20000"/>
+                          <a:lumOff val="80000"/>
+                        </a:schemeClr>
+                      </a:solidFill>
+                      <a:prstDash val="solid"/>
+                      <a:round/>
+                      <a:headEnd type="none" w="med" len="med"/>
+                      <a:tailEnd type="none" w="med" len="med"/>
+                    </a:lnB>
+                    <a:lnTlToBr>
+                      <a:noFill/>
+                    </a:lnTlToBr>
+                    <a:lnBlToTr>
+                      <a:noFill/>
+                    </a:lnBlToTr>
+                    <a:noFill/>
+                  </a:tcPr>
+                </a:tc>
+              </a:tr>
+              <a:tr h="342900">
+                <a:tc>
+                  <a:txBody>
+                    <a:bodyPr/>
+                    <a:lstStyle/>
+                    <a:p>
+                      <a:pPr marL="0" marR="0" lvl="0" indent="0" algn="l" defTabSz="914400" rtl="0" eaLnBrk="0" fontAlgn="base" latinLnBrk="0" hangingPunct="0">
+                        <a:lnSpc>
+                          <a:spcPct val="95000"/>
+                        </a:lnSpc>
+                        <a:spcBef>
+                          <a:spcPct val="40000"/>
+                        </a:spcBef>
+                        <a:spcAft>
+                          <a:spcPct val="0"/>
+                        </a:spcAft>
+                        <a:buClr>
+                          <a:schemeClr val="tx1"/>
+                        </a:buClr>
+                        <a:buSzTx/>
+                        <a:buFontTx/>
+                        <a:buNone/>
+                        <a:tabLst/>
+                      </a:pPr>
+                      <a:r>
+                        <a:rPr kumimoji="1" lang="en-US" sz="2200" b="0" i="0" u="none" strike="noStrike" cap="none" normalizeH="0" baseline="0" noProof="1" smtClean="0">
+                          <a:ln>
+                            <a:noFill/>
+                          </a:ln>
+                          <a:solidFill>
+                            <a:schemeClr val="tx1"/>
+                          </a:solidFill>
+                          <a:effectLst/>
+                          <a:latin typeface="+mn-lt"/>
+                        </a:rPr>
+                        <a:t>3</a:t>
+                      </a:r>
+                      <a:endParaRPr kumimoji="1" lang="en-US" sz="2200" b="0" i="0" u="none" strike="noStrike" cap="none" normalizeH="0" baseline="0" noProof="1" smtClean="0">
+                        <a:ln>
+                          <a:noFill/>
+                        </a:ln>
+                        <a:solidFill>
+                          <a:schemeClr val="tx1"/>
+                        </a:solidFill>
+                        <a:effectLst/>
+                        <a:latin typeface="+mn-lt"/>
+                      </a:endParaRPr>
+                    </a:p>
+                  </a:txBody>
+                  <a:tcPr marL="91464" marR="91464" anchor="ctr" horzOverflow="overflow">
+                    <a:lnL w="28575" cap="flat" cmpd="sng" algn="ctr">
+                      <a:solidFill>
+                        <a:schemeClr val="accent5">
+                          <a:lumMod val="20000"/>
+                          <a:lumOff val="80000"/>
+                        </a:schemeClr>
+                      </a:solidFill>
+                      <a:prstDash val="solid"/>
+                      <a:round/>
+                      <a:headEnd type="none" w="med" len="med"/>
+                      <a:tailEnd type="none" w="med" len="med"/>
+                    </a:lnL>
+                    <a:lnR w="28575" cap="flat" cmpd="sng" algn="ctr">
+                      <a:solidFill>
+                        <a:schemeClr val="accent5">
+                          <a:lumMod val="20000"/>
+                          <a:lumOff val="80000"/>
+                        </a:schemeClr>
+                      </a:solidFill>
+                      <a:prstDash val="solid"/>
+                      <a:round/>
+                      <a:headEnd type="none" w="med" len="med"/>
+                      <a:tailEnd type="none" w="med" len="med"/>
+                    </a:lnR>
+                    <a:lnT w="28575" cap="flat" cmpd="sng" algn="ctr">
+                      <a:solidFill>
+                        <a:schemeClr val="accent5">
+                          <a:lumMod val="20000"/>
+                          <a:lumOff val="80000"/>
+                        </a:schemeClr>
+                      </a:solidFill>
+                      <a:prstDash val="solid"/>
+                      <a:round/>
+                      <a:headEnd type="none" w="med" len="med"/>
+                      <a:tailEnd type="none" w="med" len="med"/>
+                    </a:lnT>
+                    <a:lnB w="28575" cap="flat" cmpd="sng" algn="ctr">
+                      <a:solidFill>
+                        <a:schemeClr val="accent5">
+                          <a:lumMod val="20000"/>
+                          <a:lumOff val="80000"/>
+                        </a:schemeClr>
+                      </a:solidFill>
+                      <a:prstDash val="solid"/>
+                      <a:round/>
+                      <a:headEnd type="none" w="med" len="med"/>
+                      <a:tailEnd type="none" w="med" len="med"/>
+                    </a:lnB>
+                    <a:lnTlToBr>
+                      <a:noFill/>
+                    </a:lnTlToBr>
+                    <a:lnBlToTr>
+                      <a:noFill/>
+                    </a:lnBlToTr>
+                    <a:noFill/>
+                  </a:tcPr>
+                </a:tc>
+                <a:tc>
+                  <a:txBody>
+                    <a:bodyPr/>
+                    <a:lstStyle/>
+                    <a:p>
+                      <a:pPr marL="0" marR="0" lvl="0" indent="0" algn="l" defTabSz="914400" rtl="0" eaLnBrk="0" fontAlgn="base" latinLnBrk="0" hangingPunct="0">
+                        <a:lnSpc>
+                          <a:spcPct val="95000"/>
+                        </a:lnSpc>
+                        <a:spcBef>
+                          <a:spcPct val="40000"/>
+                        </a:spcBef>
+                        <a:spcAft>
+                          <a:spcPct val="0"/>
+                        </a:spcAft>
+                        <a:buClr>
+                          <a:schemeClr val="tx1"/>
+                        </a:buClr>
+                        <a:buSzTx/>
+                        <a:buFontTx/>
+                        <a:buNone/>
+                        <a:tabLst/>
+                      </a:pPr>
+                      <a:r>
+                        <a:rPr lang="en-US" sz="2000" dirty="0" smtClean="0">
+                          <a:effectLst/>
+                        </a:rPr>
+                        <a:t>Microphone</a:t>
+                      </a:r>
+                      <a:endParaRPr kumimoji="1" lang="en-US" sz="2200" b="0" i="0" u="none" strike="noStrike" cap="none" normalizeH="0" baseline="0" noProof="1" smtClean="0">
+                        <a:ln>
+                          <a:noFill/>
+                        </a:ln>
+                        <a:solidFill>
+                          <a:schemeClr val="tx1"/>
+                        </a:solidFill>
+                        <a:effectLst/>
+                        <a:latin typeface="+mn-lt"/>
+                      </a:endParaRPr>
+                    </a:p>
+                  </a:txBody>
+                  <a:tcPr marL="91464" marR="91464" anchor="ctr" horzOverflow="overflow">
+                    <a:lnL w="28575" cap="flat" cmpd="sng" algn="ctr">
+                      <a:solidFill>
+                        <a:schemeClr val="accent5">
+                          <a:lumMod val="20000"/>
+                          <a:lumOff val="80000"/>
+                        </a:schemeClr>
+                      </a:solidFill>
+                      <a:prstDash val="solid"/>
+                      <a:round/>
+                      <a:headEnd type="none" w="med" len="med"/>
+                      <a:tailEnd type="none" w="med" len="med"/>
+                    </a:lnL>
+                    <a:lnR w="28575" cap="flat" cmpd="sng" algn="ctr">
+                      <a:solidFill>
+                        <a:schemeClr val="accent5">
+                          <a:lumMod val="20000"/>
+                          <a:lumOff val="80000"/>
+                        </a:schemeClr>
+                      </a:solidFill>
+                      <a:prstDash val="solid"/>
+                      <a:round/>
+                      <a:headEnd type="none" w="med" len="med"/>
+                      <a:tailEnd type="none" w="med" len="med"/>
+                    </a:lnR>
+                    <a:lnT w="28575" cap="flat" cmpd="sng" algn="ctr">
+                      <a:solidFill>
+                        <a:schemeClr val="accent5">
+                          <a:lumMod val="20000"/>
+                          <a:lumOff val="80000"/>
+                        </a:schemeClr>
+                      </a:solidFill>
+                      <a:prstDash val="solid"/>
+                      <a:round/>
+                      <a:headEnd type="none" w="med" len="med"/>
+                      <a:tailEnd type="none" w="med" len="med"/>
+                    </a:lnT>
+                    <a:lnB w="28575" cap="flat" cmpd="sng" algn="ctr">
+                      <a:solidFill>
+                        <a:schemeClr val="accent5">
+                          <a:lumMod val="20000"/>
+                          <a:lumOff val="80000"/>
+                        </a:schemeClr>
+                      </a:solidFill>
+                      <a:prstDash val="solid"/>
+                      <a:round/>
+                      <a:headEnd type="none" w="med" len="med"/>
+                      <a:tailEnd type="none" w="med" len="med"/>
+                    </a:lnB>
+                    <a:lnTlToBr>
+                      <a:noFill/>
+                    </a:lnTlToBr>
+                    <a:lnBlToTr>
+                      <a:noFill/>
+                    </a:lnBlToTr>
+                    <a:noFill/>
+                  </a:tcPr>
+                </a:tc>
+              </a:tr>
+            </a:tbl>
+          </a:graphicData>
+        </a:graphic>
+      </p:graphicFrame>
+      <p:sp>
+        <p:nvSpPr>
+          <p:cNvPr id="17" name="AutoShape 7"/>
+          <p:cNvSpPr>
+            <a:spLocks noChangeArrowheads="1"/>
+          </p:cNvSpPr>
+          <p:nvPr/>
+        </p:nvSpPr>
+        <p:spPr bwMode="auto">
+          <a:xfrm>
+            <a:off x="685800" y="5715000"/>
+            <a:ext cx="2819400" cy="914400"/>
+          </a:xfrm>
+          <a:prstGeom prst="wedgeRoundRectCallout">
+            <a:avLst>
+              <a:gd name="adj1" fmla="val 53975"/>
+              <a:gd name="adj2" fmla="val -82556"/>
+              <a:gd name="adj3" fmla="val 16667"/>
+            </a:avLst>
+          </a:prstGeom>
+          <a:solidFill>
+            <a:schemeClr val="tx1">
+              <a:alpha val="80000"/>
+            </a:schemeClr>
+          </a:solidFill>
+          <a:ln w="19050">
+            <a:solidFill>
+              <a:schemeClr val="tx1">
+                <a:alpha val="80000"/>
+              </a:schemeClr>
+            </a:solidFill>
+          </a:ln>
+          <a:effectLst/>
+        </p:spPr>
+        <p:style>
+          <a:lnRef idx="2">
+            <a:schemeClr val="accent1">
+              <a:shade val="50000"/>
+            </a:schemeClr>
+          </a:lnRef>
+          <a:fillRef idx="1001">
+            <a:schemeClr val="dk2"/>
+          </a:fillRef>
+          <a:effectRef idx="0">
+            <a:schemeClr val="accent1"/>
+          </a:effectRef>
+          <a:fontRef idx="minor">
+            <a:schemeClr val="lt1"/>
+          </a:fontRef>
+        </p:style>
+        <p:txBody>
+          <a:bodyPr rot="0" spcFirstLastPara="0" vertOverflow="overflow" horzOverflow="overflow" vert="horz" wrap="square" lIns="91440" tIns="45720" rIns="91440" bIns="45720" numCol="1" spcCol="0" rtlCol="0" fromWordArt="0" anchor="ctr" anchorCtr="0" forceAA="0" compatLnSpc="1">
+            <a:prstTxWarp prst="textNoShape">
+              <a:avLst/>
+            </a:prstTxWarp>
+            <a:noAutofit/>
+          </a:bodyPr>
+          <a:lstStyle/>
+          <a:p>
+            <a:pPr algn="ctr"/>
+            <a:r>
+              <a:rPr lang="bg-BG" sz="2800" b="1" noProof="1" smtClean="0">
+                <a:solidFill>
+                  <a:schemeClr val="bg2"/>
+                </a:solidFill>
+              </a:rPr>
+              <a:t>Резултатната таблица</a:t>
+            </a:r>
+            <a:endParaRPr lang="en-US" sz="2800" b="1" noProof="1">
+              <a:solidFill>
+                <a:schemeClr val="bg2"/>
+              </a:solidFill>
+            </a:endParaRPr>
+          </a:p>
+        </p:txBody>
+      </p:sp>
+    </p:spTree>
+  </p:cSld>
+  <p:clrMapOvr>
+    <a:masterClrMapping/>
+  </p:clrMapOvr>
+  <mc:AlternateContent xmlns:mc="http://schemas.openxmlformats.org/markup-compatibility/2006">
+    <mc:Choice xmlns="" xmlns:p14="http://schemas.microsoft.com/office/powerpoint/2010/main" Requires="p14">
+      <p:transition spd="slow" p14:dur="2000" advClick="0" advTm="5000"/>
+    </mc:Choice>
+    <mc:Fallback>
+      <p:transition spd="slow" advClick="0" advTm="5000"/>
+    </mc:Fallback>
+  </mc:AlternateContent>
+  <p:timing>
+    <p:tnLst>
+      <p:par>
+        <p:cTn id="1" dur="indefinite" restart="never" nodeType="tmRoot">
+          <p:childTnLst>
+            <p:seq concurrent="1" nextAc="seek">
+              <p:cTn id="2" dur="indefinite" nodeType="mainSeq">
+                <p:childTnLst>
+                  <p:par>
+                    <p:cTn id="3" fill="hold">
+                      <p:stCondLst>
+                        <p:cond delay="indefinite"/>
+                      </p:stCondLst>
+                      <p:childTnLst>
+                        <p:par>
+                          <p:cTn id="4" fill="hold">
+                            <p:stCondLst>
+                              <p:cond delay="0"/>
+                            </p:stCondLst>
+                            <p:childTnLst>
+                              <p:par>
+                                <p:cTn id="5" presetID="1" presetClass="entr" presetSubtype="0" fill="hold" nodeType="clickEffect">
+                                  <p:stCondLst>
+                                    <p:cond delay="0"/>
+                                  </p:stCondLst>
+                                  <p:childTnLst>
+                                    <p:set>
+                                      <p:cBhvr>
+                                        <p:cTn id="6" dur="1" fill="hold">
+                                          <p:stCondLst>
+                                            <p:cond delay="0"/>
+                                          </p:stCondLst>
+                                        </p:cTn>
+                                        <p:tgtEl>
+                                          <p:spTgt spid="3"/>
+                                        </p:tgtEl>
+                                        <p:attrNameLst>
+                                          <p:attrName>style.visibility</p:attrName>
+                                        </p:attrNameLst>
+                                      </p:cBhvr>
+                                      <p:to>
+                                        <p:strVal val="visible"/>
+                                      </p:to>
+                                    </p:set>
+                                  </p:childTnLst>
+                                </p:cTn>
+                              </p:par>
+                              <p:par>
+                                <p:cTn id="7" presetID="1" presetClass="entr" presetSubtype="0" fill="hold" nodeType="withEffect">
+                                  <p:stCondLst>
+                                    <p:cond delay="0"/>
+                                  </p:stCondLst>
+                                  <p:childTnLst>
+                                    <p:set>
+                                      <p:cBhvr>
+                                        <p:cTn id="8" dur="1" fill="hold">
+                                          <p:stCondLst>
+                                            <p:cond delay="0"/>
+                                          </p:stCondLst>
+                                        </p:cTn>
+                                        <p:tgtEl>
+                                          <p:spTgt spid="9"/>
+                                        </p:tgtEl>
+                                        <p:attrNameLst>
+                                          <p:attrName>style.visibility</p:attrName>
+                                        </p:attrNameLst>
+                                      </p:cBhvr>
+                                      <p:to>
+                                        <p:strVal val="visible"/>
+                                      </p:to>
+                                    </p:set>
+                                  </p:childTnLst>
+                                </p:cTn>
+                              </p:par>
+                              <p:par>
+                                <p:cTn id="9" presetID="1" presetClass="entr" presetSubtype="0" fill="hold" nodeType="withEffect">
+                                  <p:stCondLst>
+                                    <p:cond delay="0"/>
+                                  </p:stCondLst>
+                                  <p:childTnLst>
+                                    <p:set>
+                                      <p:cBhvr>
+                                        <p:cTn id="10" dur="1" fill="hold">
+                                          <p:stCondLst>
+                                            <p:cond delay="0"/>
+                                          </p:stCondLst>
+                                        </p:cTn>
+                                        <p:tgtEl>
+                                          <p:spTgt spid="15"/>
+                                        </p:tgtEl>
+                                        <p:attrNameLst>
+                                          <p:attrName>style.visibility</p:attrName>
+                                        </p:attrNameLst>
+                                      </p:cBhvr>
+                                      <p:to>
+                                        <p:strVal val="visible"/>
+                                      </p:to>
+                                    </p:set>
+                                  </p:childTnLst>
+                                </p:cTn>
+                              </p:par>
+                            </p:childTnLst>
+                          </p:cTn>
+                        </p:par>
+                      </p:childTnLst>
+                    </p:cTn>
+                  </p:par>
+                  <p:par>
+                    <p:cTn id="11" fill="hold">
+                      <p:stCondLst>
+                        <p:cond delay="indefinite"/>
+                      </p:stCondLst>
+                      <p:childTnLst>
+                        <p:par>
+                          <p:cTn id="12" fill="hold">
+                            <p:stCondLst>
+                              <p:cond delay="0"/>
+                            </p:stCondLst>
+                            <p:childTnLst>
+                              <p:par>
+                                <p:cTn id="13" presetID="1" presetClass="entr" presetSubtype="0" fill="hold" grpId="0" nodeType="clickEffect">
+                                  <p:stCondLst>
+                                    <p:cond delay="0"/>
+                                  </p:stCondLst>
+                                  <p:childTnLst>
+                                    <p:set>
+                                      <p:cBhvr>
+                                        <p:cTn id="14" dur="1" fill="hold">
+                                          <p:stCondLst>
+                                            <p:cond delay="0"/>
+                                          </p:stCondLst>
+                                        </p:cTn>
+                                        <p:tgtEl>
+                                          <p:spTgt spid="17"/>
+                                        </p:tgtEl>
+                                        <p:attrNameLst>
+                                          <p:attrName>style.visibility</p:attrName>
+                                        </p:attrNameLst>
+                                      </p:cBhvr>
+                                      <p:to>
+                                        <p:strVal val="visible"/>
+                                      </p:to>
+                                    </p:set>
+                                  </p:childTnLst>
+                                </p:cTn>
+                              </p:par>
+                            </p:childTnLst>
+                          </p:cTn>
+                        </p:par>
+                      </p:childTnLst>
+                    </p:cTn>
+                  </p:par>
+                </p:childTnLst>
+              </p:cTn>
+              <p:prevCondLst>
+                <p:cond evt="onPrev" delay="0">
+                  <p:tgtEl>
+                    <p:sldTgt/>
+                  </p:tgtEl>
+                </p:cond>
+              </p:prevCondLst>
+              <p:nextCondLst>
+                <p:cond evt="onNext" delay="0">
+                  <p:tgtEl>
+                    <p:sldTgt/>
+                  </p:tgtEl>
+                </p:cond>
+              </p:nextCondLst>
+            </p:seq>
+          </p:childTnLst>
+        </p:cTn>
+      </p:par>
+    </p:tnLst>
+    <p:bldLst>
+      <p:bldP spid="17" grpId="0" animBg="1"/>
+    </p:bldLst>
+  </p:timing>
+</p:sld>
+</file>
+
+<file path=ppt/slides/slide22.xml><?xml version="1.0" encoding="utf-8"?>
+<p:sld xmlns:a="http://schemas.openxmlformats.org/drawingml/2006/main" xmlns:r="http://schemas.openxmlformats.org/officeDocument/2006/relationships" xmlns:p="http://schemas.openxmlformats.org/presentationml/2006/main">
+  <p:cSld>
+    <p:spTree>
+      <p:nvGrpSpPr>
+        <p:cNvPr id="1" name=""/>
+        <p:cNvGrpSpPr/>
+        <p:nvPr/>
+      </p:nvGrpSpPr>
+      <p:grpSpPr>
+        <a:xfrm>
+          <a:off x="0" y="0"/>
+          <a:ext cx="0" cy="0"/>
+          <a:chOff x="0" y="0"/>
+          <a:chExt cx="0" cy="0"/>
+        </a:xfrm>
+      </p:grpSpPr>
+      <p:sp>
+        <p:nvSpPr>
+          <p:cNvPr id="2" name="Slide Number Placeholder 1"/>
+          <p:cNvSpPr>
+            <a:spLocks noGrp="1"/>
+          </p:cNvSpPr>
+          <p:nvPr>
+            <p:ph type="sldNum" sz="quarter" idx="5"/>
+          </p:nvPr>
+        </p:nvSpPr>
+        <p:spPr/>
+        <p:txBody>
+          <a:bodyPr/>
+          <a:lstStyle/>
+          <a:p>
+            <a:fld id="{2BF067CD-8E6B-4360-9AA8-C5DF2A48A6D1}" type="slidenum">
+              <a:rPr lang="en-US" noProof="0" smtClean="0"/>
+              <a:pPr/>
+              <a:t>22</a:t>
+            </a:fld>
+            <a:endParaRPr lang="en-US" noProof="0" dirty="0"/>
+          </a:p>
+        </p:txBody>
+      </p:sp>
+      <p:sp>
+        <p:nvSpPr>
+          <p:cNvPr id="4" name="Title 3"/>
+          <p:cNvSpPr>
+            <a:spLocks noGrp="1"/>
+          </p:cNvSpPr>
+          <p:nvPr>
+            <p:ph type="title"/>
+          </p:nvPr>
+        </p:nvSpPr>
+        <p:spPr/>
+        <p:txBody>
+          <a:bodyPr/>
+          <a:lstStyle/>
+          <a:p>
+            <a:r>
+              <a:rPr lang="bg-BG" dirty="0" smtClean="0"/>
+              <a:t>Разлика </a:t>
+            </a:r>
+            <a:r>
+              <a:rPr lang="en-US" dirty="0" smtClean="0"/>
+              <a:t>(3</a:t>
+            </a:r>
+            <a:r>
+              <a:rPr lang="en-US" dirty="0" smtClean="0"/>
+              <a:t>)</a:t>
+            </a:r>
+            <a:endParaRPr lang="en-US" dirty="0"/>
+          </a:p>
+        </p:txBody>
+      </p:sp>
+      <p:sp>
+        <p:nvSpPr>
+          <p:cNvPr id="5" name="Rectangle 4"/>
+          <p:cNvSpPr>
+            <a:spLocks noChangeArrowheads="1"/>
+          </p:cNvSpPr>
+          <p:nvPr/>
+        </p:nvSpPr>
+        <p:spPr bwMode="auto">
+          <a:xfrm>
+            <a:off x="2743200" y="2819400"/>
+            <a:ext cx="7315200" cy="1449628"/>
+          </a:xfrm>
+          <a:prstGeom prst="rect">
+            <a:avLst/>
+          </a:prstGeom>
+          <a:solidFill>
+            <a:schemeClr val="accent5">
+              <a:lumMod val="40000"/>
+              <a:lumOff val="60000"/>
+              <a:alpha val="15000"/>
+            </a:schemeClr>
+          </a:solidFill>
+          <a:ln w="12700">
+            <a:solidFill>
+              <a:schemeClr val="accent5">
+                <a:lumMod val="60000"/>
+                <a:lumOff val="40000"/>
+              </a:schemeClr>
+            </a:solidFill>
+          </a:ln>
+        </p:spPr>
+        <p:txBody>
+          <a:bodyPr wrap="square">
+            <a:spAutoFit/>
+          </a:bodyPr>
+          <a:lstStyle/>
+          <a:p>
+            <a:pPr eaLnBrk="0" hangingPunct="0">
+              <a:lnSpc>
+                <a:spcPct val="105000"/>
+              </a:lnSpc>
+              <a:buClr>
+                <a:schemeClr val="accent5">
+                  <a:lumMod val="40000"/>
+                  <a:lumOff val="60000"/>
+                </a:schemeClr>
+              </a:buClr>
+              <a:buSzPct val="70000"/>
+            </a:pPr>
+            <a:r>
+              <a:rPr lang="en-US" sz="2800" b="1" noProof="1" smtClean="0">
+                <a:solidFill>
+                  <a:schemeClr val="bg1"/>
+                </a:solidFill>
+                <a:latin typeface="Consolas" pitchFamily="49" charset="0"/>
+                <a:cs typeface="Consolas" pitchFamily="49" charset="0"/>
+              </a:rPr>
+              <a:t>SELECT</a:t>
+            </a:r>
+            <a:r>
+              <a:rPr lang="en-US" sz="2800" b="1" noProof="1" smtClean="0">
+                <a:latin typeface="Consolas" pitchFamily="49" charset="0"/>
+                <a:cs typeface="Consolas" pitchFamily="49" charset="0"/>
+              </a:rPr>
+              <a:t> Id, Name </a:t>
+            </a:r>
+            <a:r>
+              <a:rPr lang="en-US" sz="2800" b="1" noProof="1" smtClean="0">
+                <a:solidFill>
+                  <a:schemeClr val="bg1"/>
+                </a:solidFill>
+                <a:latin typeface="Consolas" pitchFamily="49" charset="0"/>
+                <a:cs typeface="Consolas" pitchFamily="49" charset="0"/>
+              </a:rPr>
+              <a:t>FROM</a:t>
+            </a:r>
+            <a:r>
+              <a:rPr lang="en-US" sz="2800" b="1" noProof="1" smtClean="0">
+                <a:latin typeface="Consolas" pitchFamily="49" charset="0"/>
+                <a:cs typeface="Consolas" pitchFamily="49" charset="0"/>
+              </a:rPr>
+              <a:t> </a:t>
+            </a:r>
+            <a:r>
+              <a:rPr lang="en-US" sz="2800" b="1" dirty="0" smtClean="0"/>
+              <a:t>OnlineShop</a:t>
+            </a:r>
+            <a:endParaRPr lang="en-US" sz="2800" b="1" noProof="1" smtClean="0">
+              <a:latin typeface="Consolas" pitchFamily="49" charset="0"/>
+              <a:cs typeface="Consolas" pitchFamily="49" charset="0"/>
+            </a:endParaRPr>
+          </a:p>
+          <a:p>
+            <a:pPr eaLnBrk="0" hangingPunct="0">
+              <a:lnSpc>
+                <a:spcPct val="105000"/>
+              </a:lnSpc>
+              <a:buClr>
+                <a:schemeClr val="accent5">
+                  <a:lumMod val="40000"/>
+                  <a:lumOff val="60000"/>
+                </a:schemeClr>
+              </a:buClr>
+              <a:buSzPct val="70000"/>
+            </a:pPr>
+            <a:r>
+              <a:rPr lang="en-US" sz="2800" b="1" noProof="1" smtClean="0">
+                <a:solidFill>
+                  <a:schemeClr val="bg1"/>
+                </a:solidFill>
+                <a:latin typeface="Consolas" pitchFamily="49" charset="0"/>
+                <a:cs typeface="Consolas" pitchFamily="49" charset="0"/>
+              </a:rPr>
+              <a:t>EXCEPT</a:t>
+            </a:r>
+            <a:endParaRPr lang="en-US" sz="2800" b="1" noProof="1" smtClean="0">
+              <a:solidFill>
+                <a:schemeClr val="bg1"/>
+              </a:solidFill>
+              <a:latin typeface="Consolas" pitchFamily="49" charset="0"/>
+              <a:cs typeface="Consolas" pitchFamily="49" charset="0"/>
+            </a:endParaRPr>
+          </a:p>
+          <a:p>
+            <a:pPr eaLnBrk="0" hangingPunct="0">
+              <a:lnSpc>
+                <a:spcPct val="105000"/>
+              </a:lnSpc>
+              <a:buClr>
+                <a:schemeClr val="accent5">
+                  <a:lumMod val="40000"/>
+                  <a:lumOff val="60000"/>
+                </a:schemeClr>
+              </a:buClr>
+              <a:buSzPct val="70000"/>
+            </a:pPr>
+            <a:r>
+              <a:rPr lang="en-US" sz="2800" b="1" noProof="1" smtClean="0">
+                <a:solidFill>
+                  <a:schemeClr val="bg1"/>
+                </a:solidFill>
+                <a:latin typeface="Consolas" pitchFamily="49" charset="0"/>
+                <a:cs typeface="Consolas" pitchFamily="49" charset="0"/>
+              </a:rPr>
+              <a:t>SELECT</a:t>
+            </a:r>
+            <a:r>
+              <a:rPr lang="en-US" sz="2800" b="1" noProof="1" smtClean="0">
+                <a:latin typeface="Consolas" pitchFamily="49" charset="0"/>
+                <a:cs typeface="Consolas" pitchFamily="49" charset="0"/>
+              </a:rPr>
+              <a:t> Id, Name </a:t>
+            </a:r>
+            <a:r>
+              <a:rPr lang="en-US" sz="2800" b="1" noProof="1" smtClean="0">
+                <a:solidFill>
+                  <a:schemeClr val="bg1"/>
+                </a:solidFill>
+                <a:latin typeface="Consolas" pitchFamily="49" charset="0"/>
+                <a:cs typeface="Consolas" pitchFamily="49" charset="0"/>
+              </a:rPr>
+              <a:t>FROM</a:t>
+            </a:r>
+            <a:r>
+              <a:rPr lang="en-US" sz="2800" b="1" noProof="1" smtClean="0">
+                <a:latin typeface="Consolas" pitchFamily="49" charset="0"/>
+                <a:cs typeface="Consolas" pitchFamily="49" charset="0"/>
+              </a:rPr>
+              <a:t> </a:t>
+            </a:r>
+            <a:r>
+              <a:rPr lang="en-US" sz="2800" b="1" noProof="1" smtClean="0">
+                <a:latin typeface="Consolas" pitchFamily="49" charset="0"/>
+                <a:cs typeface="Consolas" pitchFamily="49" charset="0"/>
+              </a:rPr>
+              <a:t>LocalShop</a:t>
+            </a:r>
+            <a:endParaRPr lang="en-US" sz="2800" b="1" noProof="1">
+              <a:latin typeface="Consolas" pitchFamily="49" charset="0"/>
+              <a:cs typeface="Consolas" pitchFamily="49" charset="0"/>
+            </a:endParaRPr>
+          </a:p>
+        </p:txBody>
+      </p:sp>
+      <p:sp>
+        <p:nvSpPr>
+          <p:cNvPr id="7" name="AutoShape 7"/>
+          <p:cNvSpPr>
+            <a:spLocks noChangeArrowheads="1"/>
+          </p:cNvSpPr>
+          <p:nvPr/>
+        </p:nvSpPr>
+        <p:spPr bwMode="auto">
+          <a:xfrm>
+            <a:off x="7239000" y="1828800"/>
+            <a:ext cx="2819400" cy="685800"/>
+          </a:xfrm>
+          <a:prstGeom prst="wedgeRoundRectCallout">
+            <a:avLst>
+              <a:gd name="adj1" fmla="val -30823"/>
+              <a:gd name="adj2" fmla="val 106680"/>
+              <a:gd name="adj3" fmla="val 16667"/>
+            </a:avLst>
+          </a:prstGeom>
+          <a:solidFill>
+            <a:schemeClr val="tx1">
+              <a:alpha val="80000"/>
+            </a:schemeClr>
+          </a:solidFill>
+          <a:ln w="19050">
+            <a:solidFill>
+              <a:schemeClr val="tx1">
+                <a:alpha val="80000"/>
+              </a:schemeClr>
+            </a:solidFill>
+          </a:ln>
+          <a:effectLst/>
+        </p:spPr>
+        <p:style>
+          <a:lnRef idx="2">
+            <a:schemeClr val="accent1">
+              <a:shade val="50000"/>
+            </a:schemeClr>
+          </a:lnRef>
+          <a:fillRef idx="1001">
+            <a:schemeClr val="dk2"/>
+          </a:fillRef>
+          <a:effectRef idx="0">
+            <a:schemeClr val="accent1"/>
+          </a:effectRef>
+          <a:fontRef idx="minor">
+            <a:schemeClr val="lt1"/>
+          </a:fontRef>
+        </p:style>
+        <p:txBody>
+          <a:bodyPr rot="0" spcFirstLastPara="0" vertOverflow="overflow" horzOverflow="overflow" vert="horz" wrap="square" lIns="91440" tIns="45720" rIns="91440" bIns="45720" numCol="1" spcCol="0" rtlCol="0" fromWordArt="0" anchor="ctr" anchorCtr="0" forceAA="0" compatLnSpc="1">
+            <a:prstTxWarp prst="textNoShape">
+              <a:avLst/>
+            </a:prstTxWarp>
+            <a:noAutofit/>
+          </a:bodyPr>
+          <a:lstStyle/>
+          <a:p>
+            <a:pPr algn="ctr"/>
+            <a:r>
+              <a:rPr lang="bg-BG" sz="2800" b="1" noProof="1" smtClean="0">
+                <a:solidFill>
+                  <a:schemeClr val="bg2"/>
+                </a:solidFill>
+              </a:rPr>
+              <a:t>Първа таблица</a:t>
+            </a:r>
+            <a:endParaRPr lang="en-US" sz="2800" b="1" noProof="1">
+              <a:solidFill>
+                <a:schemeClr val="bg2"/>
+              </a:solidFill>
+            </a:endParaRPr>
+          </a:p>
+        </p:txBody>
+      </p:sp>
+      <p:sp>
+        <p:nvSpPr>
+          <p:cNvPr id="8" name="AutoShape 7"/>
+          <p:cNvSpPr>
+            <a:spLocks noChangeArrowheads="1"/>
+          </p:cNvSpPr>
+          <p:nvPr/>
+        </p:nvSpPr>
+        <p:spPr bwMode="auto">
+          <a:xfrm>
+            <a:off x="4876800" y="4572000"/>
+            <a:ext cx="2819400" cy="685800"/>
+          </a:xfrm>
+          <a:prstGeom prst="wedgeRoundRectCallout">
+            <a:avLst>
+              <a:gd name="adj1" fmla="val 31339"/>
+              <a:gd name="adj2" fmla="val -104431"/>
+              <a:gd name="adj3" fmla="val 16667"/>
+            </a:avLst>
+          </a:prstGeom>
+          <a:solidFill>
+            <a:schemeClr val="tx1">
+              <a:alpha val="80000"/>
+            </a:schemeClr>
+          </a:solidFill>
+          <a:ln w="19050">
+            <a:solidFill>
+              <a:schemeClr val="tx1">
+                <a:alpha val="80000"/>
+              </a:schemeClr>
+            </a:solidFill>
+          </a:ln>
+          <a:effectLst/>
+        </p:spPr>
+        <p:style>
+          <a:lnRef idx="2">
+            <a:schemeClr val="accent1">
+              <a:shade val="50000"/>
+            </a:schemeClr>
+          </a:lnRef>
+          <a:fillRef idx="1001">
+            <a:schemeClr val="dk2"/>
+          </a:fillRef>
+          <a:effectRef idx="0">
+            <a:schemeClr val="accent1"/>
+          </a:effectRef>
+          <a:fontRef idx="minor">
+            <a:schemeClr val="lt1"/>
+          </a:fontRef>
+        </p:style>
+        <p:txBody>
+          <a:bodyPr rot="0" spcFirstLastPara="0" vertOverflow="overflow" horzOverflow="overflow" vert="horz" wrap="square" lIns="91440" tIns="45720" rIns="91440" bIns="45720" numCol="1" spcCol="0" rtlCol="0" fromWordArt="0" anchor="ctr" anchorCtr="0" forceAA="0" compatLnSpc="1">
+            <a:prstTxWarp prst="textNoShape">
+              <a:avLst/>
+            </a:prstTxWarp>
+            <a:noAutofit/>
+          </a:bodyPr>
+          <a:lstStyle/>
+          <a:p>
+            <a:pPr algn="ctr"/>
+            <a:r>
+              <a:rPr lang="bg-BG" sz="2800" b="1" noProof="1" smtClean="0">
+                <a:solidFill>
+                  <a:schemeClr val="bg2"/>
+                </a:solidFill>
+              </a:rPr>
+              <a:t>Втора таблица</a:t>
+            </a:r>
+            <a:endParaRPr lang="en-US" sz="2800" b="1" noProof="1">
+              <a:solidFill>
+                <a:schemeClr val="bg2"/>
+              </a:solidFill>
+            </a:endParaRPr>
+          </a:p>
+        </p:txBody>
+      </p:sp>
+      <p:sp>
+        <p:nvSpPr>
+          <p:cNvPr id="9" name="AutoShape 7"/>
+          <p:cNvSpPr>
+            <a:spLocks noChangeArrowheads="1"/>
+          </p:cNvSpPr>
+          <p:nvPr/>
+        </p:nvSpPr>
+        <p:spPr bwMode="auto">
+          <a:xfrm>
+            <a:off x="533400" y="2895600"/>
+            <a:ext cx="1828800" cy="685800"/>
+          </a:xfrm>
+          <a:prstGeom prst="wedgeRoundRectCallout">
+            <a:avLst>
+              <a:gd name="adj1" fmla="val 70396"/>
+              <a:gd name="adj2" fmla="val 48347"/>
+              <a:gd name="adj3" fmla="val 16667"/>
+            </a:avLst>
+          </a:prstGeom>
+          <a:solidFill>
+            <a:schemeClr val="tx1">
+              <a:alpha val="80000"/>
+            </a:schemeClr>
+          </a:solidFill>
+          <a:ln w="19050">
+            <a:solidFill>
+              <a:schemeClr val="tx1">
+                <a:alpha val="80000"/>
+              </a:schemeClr>
+            </a:solidFill>
+          </a:ln>
+          <a:effectLst/>
+        </p:spPr>
+        <p:style>
+          <a:lnRef idx="2">
+            <a:schemeClr val="accent1">
+              <a:shade val="50000"/>
+            </a:schemeClr>
+          </a:lnRef>
+          <a:fillRef idx="1001">
+            <a:schemeClr val="dk2"/>
+          </a:fillRef>
+          <a:effectRef idx="0">
+            <a:schemeClr val="accent1"/>
+          </a:effectRef>
+          <a:fontRef idx="minor">
+            <a:schemeClr val="lt1"/>
+          </a:fontRef>
+        </p:style>
+        <p:txBody>
+          <a:bodyPr rot="0" spcFirstLastPara="0" vertOverflow="overflow" horzOverflow="overflow" vert="horz" wrap="square" lIns="91440" tIns="45720" rIns="91440" bIns="45720" numCol="1" spcCol="0" rtlCol="0" fromWordArt="0" anchor="ctr" anchorCtr="0" forceAA="0" compatLnSpc="1">
+            <a:prstTxWarp prst="textNoShape">
+              <a:avLst/>
+            </a:prstTxWarp>
+            <a:noAutofit/>
+          </a:bodyPr>
+          <a:lstStyle/>
+          <a:p>
+            <a:pPr algn="ctr"/>
+            <a:r>
+              <a:rPr lang="bg-BG" sz="2800" b="1" noProof="1" smtClean="0">
+                <a:solidFill>
+                  <a:schemeClr val="bg2"/>
+                </a:solidFill>
+              </a:rPr>
+              <a:t>Разлика</a:t>
+            </a:r>
+            <a:endParaRPr lang="en-US" sz="2800" b="1" noProof="1">
+              <a:solidFill>
+                <a:schemeClr val="bg2"/>
+              </a:solidFill>
+            </a:endParaRPr>
+          </a:p>
+        </p:txBody>
+      </p:sp>
+    </p:spTree>
+  </p:cSld>
+  <p:clrMapOvr>
+    <a:masterClrMapping/>
+  </p:clrMapOvr>
+  <mc:AlternateContent xmlns:mc="http://schemas.openxmlformats.org/markup-compatibility/2006">
+    <mc:Choice xmlns="" xmlns:p14="http://schemas.microsoft.com/office/powerpoint/2010/main" Requires="p14">
+      <p:transition spd="slow" p14:dur="2000" advClick="0" advTm="5000"/>
+    </mc:Choice>
+    <mc:Fallback>
+      <p:transition spd="slow" advClick="0" advTm="5000"/>
+    </mc:Fallback>
+  </mc:AlternateContent>
+  <p:timing>
+    <p:tnLst>
+      <p:par>
+        <p:cTn id="1" dur="indefinite" restart="never" nodeType="tmRoot">
+          <p:childTnLst>
+            <p:seq concurrent="1" nextAc="seek">
+              <p:cTn id="2" dur="indefinite" nodeType="mainSeq">
+                <p:childTnLst>
+                  <p:par>
+                    <p:cTn id="3" fill="hold">
+                      <p:stCondLst>
+                        <p:cond delay="indefinite"/>
+                      </p:stCondLst>
+                      <p:childTnLst>
+                        <p:par>
+                          <p:cTn id="4" fill="hold">
+                            <p:stCondLst>
+                              <p:cond delay="0"/>
+                            </p:stCondLst>
+                            <p:childTnLst>
+                              <p:par>
+                                <p:cTn id="5" presetID="1" presetClass="entr" presetSubtype="0" fill="hold" grpId="0" nodeType="clickEffect">
+                                  <p:stCondLst>
+                                    <p:cond delay="0"/>
+                                  </p:stCondLst>
+                                  <p:childTnLst>
+                                    <p:set>
+                                      <p:cBhvr>
+                                        <p:cTn id="6" dur="1" fill="hold">
+                                          <p:stCondLst>
+                                            <p:cond delay="0"/>
+                                          </p:stCondLst>
+                                        </p:cTn>
+                                        <p:tgtEl>
+                                          <p:spTgt spid="8"/>
+                                        </p:tgtEl>
+                                        <p:attrNameLst>
+                                          <p:attrName>style.visibility</p:attrName>
+                                        </p:attrNameLst>
+                                      </p:cBhvr>
+                                      <p:to>
+                                        <p:strVal val="visible"/>
+                                      </p:to>
+                                    </p:set>
+                                  </p:childTnLst>
+                                </p:cTn>
+                              </p:par>
+                            </p:childTnLst>
+                          </p:cTn>
+                        </p:par>
+                      </p:childTnLst>
+                    </p:cTn>
+                  </p:par>
+                  <p:par>
+                    <p:cTn id="7" fill="hold">
+                      <p:stCondLst>
+                        <p:cond delay="indefinite"/>
+                      </p:stCondLst>
+                      <p:childTnLst>
+                        <p:par>
+                          <p:cTn id="8" fill="hold">
+                            <p:stCondLst>
+                              <p:cond delay="0"/>
+                            </p:stCondLst>
+                            <p:childTnLst>
+                              <p:par>
+                                <p:cTn id="9" presetID="1" presetClass="entr" presetSubtype="0" fill="hold" grpId="0" nodeType="clickEffect">
+                                  <p:stCondLst>
+                                    <p:cond delay="0"/>
+                                  </p:stCondLst>
+                                  <p:childTnLst>
+                                    <p:set>
+                                      <p:cBhvr>
+                                        <p:cTn id="10" dur="1" fill="hold">
+                                          <p:stCondLst>
+                                            <p:cond delay="0"/>
+                                          </p:stCondLst>
+                                        </p:cTn>
+                                        <p:tgtEl>
+                                          <p:spTgt spid="9"/>
+                                        </p:tgtEl>
+                                        <p:attrNameLst>
+                                          <p:attrName>style.visibility</p:attrName>
+                                        </p:attrNameLst>
+                                      </p:cBhvr>
+                                      <p:to>
+                                        <p:strVal val="visible"/>
+                                      </p:to>
+                                    </p:set>
+                                  </p:childTnLst>
+                                </p:cTn>
+                              </p:par>
+                            </p:childTnLst>
+                          </p:cTn>
+                        </p:par>
+                      </p:childTnLst>
+                    </p:cTn>
+                  </p:par>
+                </p:childTnLst>
+              </p:cTn>
+              <p:prevCondLst>
+                <p:cond evt="onPrev" delay="0">
+                  <p:tgtEl>
+                    <p:sldTgt/>
+                  </p:tgtEl>
+                </p:cond>
+              </p:prevCondLst>
+              <p:nextCondLst>
+                <p:cond evt="onNext" delay="0">
+                  <p:tgtEl>
+                    <p:sldTgt/>
+                  </p:tgtEl>
+                </p:cond>
+              </p:nextCondLst>
+            </p:seq>
+          </p:childTnLst>
+        </p:cTn>
+      </p:par>
+    </p:tnLst>
+    <p:bldLst>
+      <p:bldP spid="8" grpId="0" animBg="1"/>
+      <p:bldP spid="9" grpId="0" animBg="1"/>
+    </p:bldLst>
+  </p:timing>
+</p:sld>
+</file>
+
+<file path=ppt/slides/slide23.xml><?xml version="1.0" encoding="utf-8"?>
+<p:sld xmlns:a="http://schemas.openxmlformats.org/drawingml/2006/main" xmlns:r="http://schemas.openxmlformats.org/officeDocument/2006/relationships" xmlns:p="http://schemas.openxmlformats.org/presentationml/2006/main">
+  <p:cSld>
+    <p:spTree>
+      <p:nvGrpSpPr>
+        <p:cNvPr id="1" name=""/>
+        <p:cNvGrpSpPr/>
+        <p:nvPr/>
+      </p:nvGrpSpPr>
+      <p:grpSpPr>
+        <a:xfrm>
+          <a:off x="0" y="0"/>
+          <a:ext cx="0" cy="0"/>
+          <a:chOff x="0" y="0"/>
+          <a:chExt cx="0" cy="0"/>
+        </a:xfrm>
+      </p:grpSpPr>
+      <p:sp>
+        <p:nvSpPr>
+          <p:cNvPr id="2" name="Slide Number Placeholder 1"/>
+          <p:cNvSpPr>
+            <a:spLocks noGrp="1"/>
+          </p:cNvSpPr>
+          <p:nvPr>
+            <p:ph type="sldNum" sz="quarter" idx="5"/>
+          </p:nvPr>
+        </p:nvSpPr>
+        <p:spPr/>
+        <p:txBody>
+          <a:bodyPr/>
+          <a:lstStyle/>
+          <a:p>
+            <a:fld id="{2BF067CD-8E6B-4360-9AA8-C5DF2A48A6D1}" type="slidenum">
+              <a:rPr lang="en-US" noProof="0" smtClean="0"/>
+              <a:pPr/>
+              <a:t>23</a:t>
+            </a:fld>
+            <a:endParaRPr lang="en-US" noProof="0" dirty="0"/>
+          </a:p>
+        </p:txBody>
+      </p:sp>
+      <p:sp>
+        <p:nvSpPr>
+          <p:cNvPr id="3" name="Text Placeholder 2"/>
+          <p:cNvSpPr>
+            <a:spLocks noGrp="1"/>
+          </p:cNvSpPr>
+          <p:nvPr>
+            <p:ph type="body" sz="quarter" idx="10"/>
+          </p:nvPr>
+        </p:nvSpPr>
+        <p:spPr/>
+        <p:txBody>
+          <a:bodyPr/>
+          <a:lstStyle/>
+          <a:p>
+            <a:pPr>
+              <a:buClr>
+                <a:schemeClr val="tx1"/>
+              </a:buClr>
+            </a:pPr>
+            <a:r>
+              <a:rPr lang="bg-BG" sz="3600" dirty="0" smtClean="0">
+                <a:solidFill>
+                  <a:srgbClr val="224464"/>
+                </a:solidFill>
+              </a:rPr>
+              <a:t>Операцията </a:t>
+            </a:r>
+            <a:r>
+              <a:rPr lang="en-US" sz="3600" b="1" dirty="0" smtClean="0">
+                <a:solidFill>
+                  <a:schemeClr val="bg1"/>
+                </a:solidFill>
+              </a:rPr>
+              <a:t>DIVIDE</a:t>
+            </a:r>
+            <a:endParaRPr lang="bg-BG" sz="3600" b="1" dirty="0" smtClean="0">
+              <a:solidFill>
+                <a:schemeClr val="bg1"/>
+              </a:solidFill>
+            </a:endParaRPr>
+          </a:p>
+          <a:p>
+            <a:pPr lvl="1">
+              <a:buClr>
+                <a:schemeClr val="tx1"/>
+              </a:buClr>
+            </a:pPr>
+            <a:r>
+              <a:rPr lang="bg-BG" sz="3600" dirty="0" smtClean="0"/>
+              <a:t>П</a:t>
+            </a:r>
+            <a:r>
+              <a:rPr lang="ru-RU" sz="3600" dirty="0" smtClean="0"/>
+              <a:t>оказва </a:t>
+            </a:r>
+            <a:r>
+              <a:rPr lang="ru-RU" sz="3600" dirty="0" smtClean="0"/>
+              <a:t>какви стойности от първата таблица </a:t>
+            </a:r>
+            <a:r>
+              <a:rPr lang="ru-RU" sz="3600" b="1" dirty="0" smtClean="0">
+                <a:solidFill>
+                  <a:schemeClr val="bg1"/>
+                </a:solidFill>
+              </a:rPr>
+              <a:t>съответстват</a:t>
+            </a:r>
+            <a:r>
+              <a:rPr lang="ru-RU" sz="3600" dirty="0" smtClean="0"/>
+              <a:t> на всички стойности от втората таблица</a:t>
+            </a:r>
+            <a:endParaRPr lang="ru-RU" sz="3600" dirty="0" smtClean="0"/>
+          </a:p>
+          <a:p>
+            <a:pPr lvl="1">
+              <a:buClr>
+                <a:schemeClr val="tx1"/>
+              </a:buClr>
+            </a:pPr>
+            <a:r>
+              <a:rPr lang="bg-BG" sz="3400" dirty="0" smtClean="0">
+                <a:solidFill>
+                  <a:srgbClr val="224464"/>
+                </a:solidFill>
+              </a:rPr>
+              <a:t>Използва се по-рядко и е по-сложна</a:t>
+            </a:r>
+            <a:endParaRPr lang="en-US" sz="3400" dirty="0" smtClean="0">
+              <a:solidFill>
+                <a:srgbClr val="224464"/>
+              </a:solidFill>
+            </a:endParaRPr>
+          </a:p>
+          <a:p>
+            <a:pPr lvl="2">
+              <a:buClr>
+                <a:schemeClr val="tx1"/>
+              </a:buClr>
+            </a:pPr>
+            <a:r>
+              <a:rPr lang="bg-BG" sz="3200" dirty="0" smtClean="0">
+                <a:solidFill>
+                  <a:srgbClr val="224464"/>
+                </a:solidFill>
+              </a:rPr>
+              <a:t>Например за намиране на </a:t>
+            </a:r>
+            <a:r>
+              <a:rPr lang="bg-BG" sz="3200" b="1" dirty="0" smtClean="0">
+                <a:solidFill>
+                  <a:schemeClr val="bg1"/>
+                </a:solidFill>
+              </a:rPr>
+              <a:t>студентите</a:t>
+            </a:r>
+            <a:r>
+              <a:rPr lang="bg-BG" sz="3200" dirty="0" smtClean="0">
+                <a:solidFill>
+                  <a:srgbClr val="224464"/>
+                </a:solidFill>
+              </a:rPr>
+              <a:t>, които са </a:t>
+            </a:r>
+            <a:r>
+              <a:rPr lang="bg-BG" sz="3200" b="1" dirty="0" smtClean="0">
+                <a:solidFill>
+                  <a:schemeClr val="bg1"/>
+                </a:solidFill>
+              </a:rPr>
+              <a:t>записани</a:t>
+            </a:r>
+            <a:r>
+              <a:rPr lang="bg-BG" sz="3200" dirty="0" smtClean="0">
+                <a:solidFill>
+                  <a:srgbClr val="224464"/>
+                </a:solidFill>
+              </a:rPr>
+              <a:t> на всички </a:t>
+            </a:r>
+            <a:r>
+              <a:rPr lang="bg-BG" sz="3200" b="1" dirty="0" smtClean="0">
+                <a:solidFill>
+                  <a:schemeClr val="bg1"/>
+                </a:solidFill>
+              </a:rPr>
+              <a:t>задължителни курсове </a:t>
+            </a:r>
+            <a:r>
+              <a:rPr lang="bg-BG" sz="3200" dirty="0" smtClean="0">
+                <a:solidFill>
+                  <a:srgbClr val="224464"/>
+                </a:solidFill>
+              </a:rPr>
+              <a:t>в университета</a:t>
+            </a:r>
+            <a:endParaRPr lang="en-US" sz="3200" dirty="0" smtClean="0">
+              <a:solidFill>
+                <a:srgbClr val="224464"/>
+              </a:solidFill>
+            </a:endParaRPr>
+          </a:p>
+        </p:txBody>
+      </p:sp>
+      <p:sp>
+        <p:nvSpPr>
+          <p:cNvPr id="4" name="Title 3"/>
+          <p:cNvSpPr>
+            <a:spLocks noGrp="1"/>
+          </p:cNvSpPr>
+          <p:nvPr>
+            <p:ph type="title"/>
+          </p:nvPr>
+        </p:nvSpPr>
+        <p:spPr/>
+        <p:txBody>
+          <a:bodyPr/>
+          <a:lstStyle/>
+          <a:p>
+            <a:r>
+              <a:rPr lang="bg-BG" dirty="0" smtClean="0"/>
+              <a:t>Деление (1)</a:t>
+            </a:r>
+            <a:endParaRPr lang="en-US" dirty="0"/>
+          </a:p>
+        </p:txBody>
+      </p:sp>
+    </p:spTree>
+  </p:cSld>
+  <p:clrMapOvr>
+    <a:masterClrMapping/>
+  </p:clrMapOvr>
+  <mc:AlternateContent xmlns:mc="http://schemas.openxmlformats.org/markup-compatibility/2006">
+    <mc:Choice xmlns="" xmlns:p14="http://schemas.microsoft.com/office/powerpoint/2010/main" Requires="p14">
+      <p:transition spd="slow" p14:dur="2000" advClick="0" advTm="5000"/>
+    </mc:Choice>
+    <mc:Fallback>
+      <p:transition spd="slow" advClick="0" advTm="5000"/>
+    </mc:Fallback>
+  </mc:AlternateContent>
+  <p:timing>
+    <p:tnLst>
+      <p:par>
+        <p:cTn id="1" dur="indefinite" restart="never" nodeType="tmRoot">
+          <p:childTnLst>
+            <p:seq concurrent="1" nextAc="seek">
+              <p:cTn id="2" dur="indefinite" nodeType="mainSeq">
+                <p:childTnLst>
+                  <p:par>
+                    <p:cTn id="3" fill="hold">
+                      <p:stCondLst>
+                        <p:cond delay="indefinite"/>
+                      </p:stCondLst>
+                      <p:childTnLst>
+                        <p:par>
+                          <p:cTn id="4" fill="hold">
+                            <p:stCondLst>
+                              <p:cond delay="0"/>
+                            </p:stCondLst>
+                            <p:childTnLst>
+                              <p:par>
+                                <p:cTn id="5" presetID="1" presetClass="entr" presetSubtype="0" fill="hold" nodeType="clickEffect">
+                                  <p:stCondLst>
+                                    <p:cond delay="0"/>
+                                  </p:stCondLst>
+                                  <p:childTnLst>
+                                    <p:set>
+                                      <p:cBhvr>
+                                        <p:cTn id="6" dur="1" fill="hold">
+                                          <p:stCondLst>
+                                            <p:cond delay="0"/>
+                                          </p:stCondLst>
+                                        </p:cTn>
+                                        <p:tgtEl>
+                                          <p:spTgt spid="3">
+                                            <p:txEl>
+                                              <p:pRg st="2" end="2"/>
+                                            </p:txEl>
+                                          </p:spTgt>
+                                        </p:tgtEl>
+                                        <p:attrNameLst>
+                                          <p:attrName>style.visibility</p:attrName>
+                                        </p:attrNameLst>
+                                      </p:cBhvr>
+                                      <p:to>
+                                        <p:strVal val="visible"/>
+                                      </p:to>
+                                    </p:set>
+                                  </p:childTnLst>
+                                </p:cTn>
+                              </p:par>
+                              <p:par>
+                                <p:cTn id="7" presetID="1" presetClass="entr" presetSubtype="0" fill="hold" nodeType="withEffect">
+                                  <p:stCondLst>
+                                    <p:cond delay="0"/>
+                                  </p:stCondLst>
+                                  <p:childTnLst>
+                                    <p:set>
+                                      <p:cBhvr>
+                                        <p:cTn id="8" dur="1" fill="hold">
+                                          <p:stCondLst>
+                                            <p:cond delay="0"/>
+                                          </p:stCondLst>
+                                        </p:cTn>
+                                        <p:tgtEl>
+                                          <p:spTgt spid="3">
+                                            <p:txEl>
+                                              <p:pRg st="3" end="3"/>
+                                            </p:txEl>
+                                          </p:spTgt>
+                                        </p:tgtEl>
+                                        <p:attrNameLst>
+                                          <p:attrName>style.visibility</p:attrName>
+                                        </p:attrNameLst>
+                                      </p:cBhvr>
+                                      <p:to>
+                                        <p:strVal val="visible"/>
+                                      </p:to>
+                                    </p:set>
+                                  </p:childTnLst>
+                                </p:cTn>
+                              </p:par>
+                            </p:childTnLst>
+                          </p:cTn>
+                        </p:par>
+                      </p:childTnLst>
+                    </p:cTn>
+                  </p:par>
+                </p:childTnLst>
+              </p:cTn>
+              <p:prevCondLst>
+                <p:cond evt="onPrev" delay="0">
+                  <p:tgtEl>
+                    <p:sldTgt/>
+                  </p:tgtEl>
+                </p:cond>
+              </p:prevCondLst>
+              <p:nextCondLst>
+                <p:cond evt="onNext" delay="0">
+                  <p:tgtEl>
+                    <p:sldTgt/>
+                  </p:tgtEl>
+                </p:cond>
+              </p:nextCondLst>
+            </p:seq>
+          </p:childTnLst>
+        </p:cTn>
+      </p:par>
+    </p:tnLst>
+  </p:timing>
+</p:sld>
+</file>
+
+<file path=ppt/slides/slide24.xml><?xml version="1.0" encoding="utf-8"?>
+<p:sld xmlns:a="http://schemas.openxmlformats.org/drawingml/2006/main" xmlns:r="http://schemas.openxmlformats.org/officeDocument/2006/relationships" xmlns:p="http://schemas.openxmlformats.org/presentationml/2006/main">
+  <p:cSld>
+    <p:spTree>
+      <p:nvGrpSpPr>
+        <p:cNvPr id="1" name=""/>
+        <p:cNvGrpSpPr/>
+        <p:nvPr/>
+      </p:nvGrpSpPr>
+      <p:grpSpPr>
+        <a:xfrm>
+          <a:off x="0" y="0"/>
+          <a:ext cx="0" cy="0"/>
+          <a:chOff x="0" y="0"/>
+          <a:chExt cx="0" cy="0"/>
+        </a:xfrm>
+      </p:grpSpPr>
+      <p:sp>
+        <p:nvSpPr>
+          <p:cNvPr id="2" name="Slide Number Placeholder 1"/>
+          <p:cNvSpPr>
+            <a:spLocks noGrp="1"/>
+          </p:cNvSpPr>
+          <p:nvPr>
+            <p:ph type="sldNum" sz="quarter" idx="5"/>
+          </p:nvPr>
+        </p:nvSpPr>
+        <p:spPr/>
+        <p:txBody>
+          <a:bodyPr/>
+          <a:lstStyle/>
+          <a:p>
+            <a:fld id="{2BF067CD-8E6B-4360-9AA8-C5DF2A48A6D1}" type="slidenum">
+              <a:rPr lang="en-US" noProof="0" smtClean="0"/>
+              <a:pPr/>
+              <a:t>24</a:t>
+            </a:fld>
+            <a:endParaRPr lang="en-US" noProof="0" dirty="0"/>
+          </a:p>
+        </p:txBody>
+      </p:sp>
+      <p:sp>
+        <p:nvSpPr>
+          <p:cNvPr id="17" name="Text Placeholder 16"/>
+          <p:cNvSpPr>
+            <a:spLocks noGrp="1"/>
+          </p:cNvSpPr>
+          <p:nvPr>
+            <p:ph type="body" sz="quarter" idx="10"/>
+          </p:nvPr>
+        </p:nvSpPr>
+        <p:spPr/>
+        <p:txBody>
+          <a:bodyPr>
+            <a:normAutofit lnSpcReduction="10000"/>
+          </a:bodyPr>
+          <a:lstStyle/>
+          <a:p>
+            <a:endParaRPr lang="en-US" dirty="0" smtClean="0"/>
+          </a:p>
+          <a:p>
+            <a:endParaRPr lang="en-US" dirty="0" smtClean="0"/>
+          </a:p>
+          <a:p>
+            <a:endParaRPr lang="en-US" dirty="0" smtClean="0"/>
+          </a:p>
+          <a:p>
+            <a:endParaRPr lang="en-US" dirty="0" smtClean="0"/>
+          </a:p>
+          <a:p>
+            <a:endParaRPr lang="en-US" dirty="0" smtClean="0"/>
+          </a:p>
+          <a:p>
+            <a:endParaRPr lang="en-US" sz="3200" dirty="0" smtClean="0"/>
+          </a:p>
+          <a:p>
+            <a:pPr>
+              <a:buClr>
+                <a:schemeClr val="tx1"/>
+              </a:buClr>
+            </a:pPr>
+            <a:r>
+              <a:rPr lang="ru-RU" sz="3200" b="1" dirty="0" smtClean="0">
+                <a:solidFill>
+                  <a:schemeClr val="bg1"/>
+                </a:solidFill>
+              </a:rPr>
+              <a:t>Вътрешните подзаявки </a:t>
+            </a:r>
+            <a:r>
+              <a:rPr lang="ru-RU" sz="3200" dirty="0" smtClean="0"/>
+              <a:t>сравняват записите между </a:t>
+            </a:r>
+            <a:r>
+              <a:rPr lang="bg-BG" sz="3200" dirty="0" smtClean="0"/>
+              <a:t>двете</a:t>
+            </a:r>
+            <a:r>
+              <a:rPr lang="ru-RU" sz="3200" dirty="0" smtClean="0"/>
+              <a:t> таблиц</a:t>
+            </a:r>
+            <a:r>
+              <a:rPr lang="bg-BG" sz="3200" dirty="0" smtClean="0"/>
+              <a:t>и</a:t>
+            </a:r>
+            <a:r>
+              <a:rPr lang="ru-RU" sz="3200" dirty="0" smtClean="0"/>
+              <a:t> и намират </a:t>
+            </a:r>
+            <a:r>
+              <a:rPr lang="ru-RU" sz="3200" b="1" dirty="0" smtClean="0">
+                <a:solidFill>
+                  <a:schemeClr val="bg1"/>
+                </a:solidFill>
+              </a:rPr>
+              <a:t>студентите</a:t>
+            </a:r>
+            <a:r>
+              <a:rPr lang="ru-RU" sz="3200" dirty="0" smtClean="0"/>
+              <a:t>, които са записани на </a:t>
+            </a:r>
+            <a:r>
+              <a:rPr lang="ru-RU" sz="3200" b="1" dirty="0" smtClean="0">
+                <a:solidFill>
+                  <a:schemeClr val="bg1"/>
+                </a:solidFill>
+              </a:rPr>
+              <a:t>всички задължителни курсове</a:t>
+            </a:r>
+            <a:endParaRPr lang="en-US" sz="3200" b="1" dirty="0">
+              <a:solidFill>
+                <a:schemeClr val="bg1"/>
+              </a:solidFill>
+            </a:endParaRPr>
+          </a:p>
+        </p:txBody>
+      </p:sp>
+      <p:sp>
+        <p:nvSpPr>
+          <p:cNvPr id="4" name="Title 3"/>
+          <p:cNvSpPr>
+            <a:spLocks noGrp="1"/>
+          </p:cNvSpPr>
+          <p:nvPr>
+            <p:ph type="title"/>
+          </p:nvPr>
+        </p:nvSpPr>
+        <p:spPr/>
+        <p:txBody>
+          <a:bodyPr/>
+          <a:lstStyle/>
+          <a:p>
+            <a:r>
+              <a:rPr lang="bg-BG" smtClean="0"/>
+              <a:t>Деление</a:t>
+            </a:r>
+            <a:r>
+              <a:rPr lang="en-US" smtClean="0"/>
+              <a:t> </a:t>
+            </a:r>
+            <a:r>
+              <a:rPr lang="en-US" smtClean="0"/>
+              <a:t>(2)</a:t>
+            </a:r>
+            <a:endParaRPr lang="en-US" dirty="0"/>
+          </a:p>
+        </p:txBody>
+      </p:sp>
+      <p:sp>
+        <p:nvSpPr>
+          <p:cNvPr id="10" name="Rectangle 9"/>
+          <p:cNvSpPr>
+            <a:spLocks noChangeArrowheads="1"/>
+          </p:cNvSpPr>
+          <p:nvPr/>
+        </p:nvSpPr>
+        <p:spPr bwMode="auto">
+          <a:xfrm>
+            <a:off x="685800" y="1295400"/>
+            <a:ext cx="10744200" cy="3582519"/>
+          </a:xfrm>
+          <a:prstGeom prst="rect">
+            <a:avLst/>
+          </a:prstGeom>
+          <a:solidFill>
+            <a:schemeClr val="accent5">
+              <a:lumMod val="40000"/>
+              <a:lumOff val="60000"/>
+              <a:alpha val="15000"/>
+            </a:schemeClr>
+          </a:solidFill>
+          <a:ln w="12700">
+            <a:solidFill>
+              <a:schemeClr val="accent5">
+                <a:lumMod val="60000"/>
+                <a:lumOff val="40000"/>
+              </a:schemeClr>
+            </a:solidFill>
+          </a:ln>
+        </p:spPr>
+        <p:txBody>
+          <a:bodyPr wrap="square">
+            <a:spAutoFit/>
+          </a:bodyPr>
+          <a:lstStyle/>
+          <a:p>
+            <a:pPr eaLnBrk="0" hangingPunct="0">
+              <a:lnSpc>
+                <a:spcPct val="105000"/>
+              </a:lnSpc>
+              <a:buClr>
+                <a:schemeClr val="accent5">
+                  <a:lumMod val="40000"/>
+                  <a:lumOff val="60000"/>
+                </a:schemeClr>
+              </a:buClr>
+              <a:buSzPct val="70000"/>
+            </a:pPr>
+            <a:r>
+              <a:rPr lang="en-US" sz="2400" b="1" noProof="1" smtClean="0">
+                <a:solidFill>
+                  <a:schemeClr val="bg1"/>
+                </a:solidFill>
+                <a:latin typeface="Consolas" pitchFamily="49" charset="0"/>
+                <a:cs typeface="Consolas" pitchFamily="49" charset="0"/>
+              </a:rPr>
+              <a:t>SELECT</a:t>
+            </a:r>
+            <a:r>
+              <a:rPr lang="en-US" sz="2400" b="1" noProof="1" smtClean="0">
+                <a:latin typeface="Consolas" pitchFamily="49" charset="0"/>
+                <a:cs typeface="Consolas" pitchFamily="49" charset="0"/>
+              </a:rPr>
+              <a:t> </a:t>
+            </a:r>
+            <a:r>
+              <a:rPr lang="en-US" sz="2400" b="1" noProof="1" smtClean="0">
+                <a:latin typeface="Consolas" pitchFamily="49" charset="0"/>
+                <a:cs typeface="Consolas" pitchFamily="49" charset="0"/>
+              </a:rPr>
+              <a:t>StudentId FROM EnrolledCourses </a:t>
+            </a:r>
+            <a:endParaRPr lang="bg-BG" sz="2400" b="1" noProof="1" smtClean="0">
+              <a:latin typeface="Consolas" pitchFamily="49" charset="0"/>
+              <a:cs typeface="Consolas" pitchFamily="49" charset="0"/>
+            </a:endParaRPr>
+          </a:p>
+          <a:p>
+            <a:pPr eaLnBrk="0" hangingPunct="0">
+              <a:lnSpc>
+                <a:spcPct val="105000"/>
+              </a:lnSpc>
+              <a:buClr>
+                <a:schemeClr val="accent5">
+                  <a:lumMod val="40000"/>
+                  <a:lumOff val="60000"/>
+                </a:schemeClr>
+              </a:buClr>
+              <a:buSzPct val="70000"/>
+            </a:pPr>
+            <a:r>
+              <a:rPr lang="en-US" sz="2400" b="1" noProof="1" smtClean="0">
+                <a:solidFill>
+                  <a:schemeClr val="bg1"/>
+                </a:solidFill>
+                <a:latin typeface="Consolas" pitchFamily="49" charset="0"/>
+                <a:cs typeface="Consolas" pitchFamily="49" charset="0"/>
+              </a:rPr>
+              <a:t>WHERE </a:t>
+            </a:r>
+            <a:r>
+              <a:rPr lang="en-US" sz="2400" b="1" noProof="1" smtClean="0">
+                <a:solidFill>
+                  <a:schemeClr val="bg1"/>
+                </a:solidFill>
+                <a:latin typeface="Consolas" pitchFamily="49" charset="0"/>
+                <a:cs typeface="Consolas" pitchFamily="49" charset="0"/>
+              </a:rPr>
+              <a:t>NOT </a:t>
+            </a:r>
+            <a:r>
+              <a:rPr lang="en-US" sz="2400" b="1" noProof="1" smtClean="0">
+                <a:solidFill>
+                  <a:schemeClr val="bg1"/>
+                </a:solidFill>
+                <a:latin typeface="Consolas" pitchFamily="49" charset="0"/>
+                <a:cs typeface="Consolas" pitchFamily="49" charset="0"/>
+              </a:rPr>
+              <a:t>EXISTS </a:t>
+            </a:r>
+            <a:r>
+              <a:rPr lang="en-US" sz="2400" b="1" noProof="1" smtClean="0">
+                <a:latin typeface="Consolas" pitchFamily="49" charset="0"/>
+                <a:cs typeface="Consolas" pitchFamily="49" charset="0"/>
+              </a:rPr>
+              <a:t>(</a:t>
+            </a:r>
+            <a:endParaRPr lang="bg-BG" sz="2400" b="1" noProof="1" smtClean="0">
+              <a:latin typeface="Consolas" pitchFamily="49" charset="0"/>
+              <a:cs typeface="Consolas" pitchFamily="49" charset="0"/>
+            </a:endParaRPr>
+          </a:p>
+          <a:p>
+            <a:pPr eaLnBrk="0" hangingPunct="0">
+              <a:lnSpc>
+                <a:spcPct val="105000"/>
+              </a:lnSpc>
+              <a:buClr>
+                <a:schemeClr val="accent5">
+                  <a:lumMod val="40000"/>
+                  <a:lumOff val="60000"/>
+                </a:schemeClr>
+              </a:buClr>
+              <a:buSzPct val="70000"/>
+            </a:pPr>
+            <a:r>
+              <a:rPr lang="bg-BG" sz="2400" b="1" noProof="1" smtClean="0">
+                <a:solidFill>
+                  <a:schemeClr val="bg1"/>
+                </a:solidFill>
+                <a:latin typeface="Consolas" pitchFamily="49" charset="0"/>
+                <a:cs typeface="Consolas" pitchFamily="49" charset="0"/>
+              </a:rPr>
+              <a:t>	</a:t>
+            </a:r>
+            <a:r>
+              <a:rPr lang="en-US" sz="2400" b="1" noProof="1" smtClean="0">
+                <a:solidFill>
+                  <a:schemeClr val="bg1"/>
+                </a:solidFill>
+                <a:latin typeface="Consolas" pitchFamily="49" charset="0"/>
+                <a:cs typeface="Consolas" pitchFamily="49" charset="0"/>
+              </a:rPr>
+              <a:t>SELECT</a:t>
+            </a:r>
+            <a:r>
+              <a:rPr lang="en-US" sz="2400" b="1" noProof="1" smtClean="0">
+                <a:latin typeface="Consolas" pitchFamily="49" charset="0"/>
+                <a:cs typeface="Consolas" pitchFamily="49" charset="0"/>
+              </a:rPr>
+              <a:t> CourseId </a:t>
+            </a:r>
+            <a:r>
+              <a:rPr lang="en-US" sz="2400" b="1" noProof="1" smtClean="0">
+                <a:solidFill>
+                  <a:schemeClr val="bg1"/>
+                </a:solidFill>
+                <a:latin typeface="Consolas" pitchFamily="49" charset="0"/>
+                <a:cs typeface="Consolas" pitchFamily="49" charset="0"/>
+              </a:rPr>
+              <a:t>FROM</a:t>
+            </a:r>
+            <a:r>
+              <a:rPr lang="en-US" sz="2400" b="1" noProof="1" smtClean="0">
+                <a:latin typeface="Consolas" pitchFamily="49" charset="0"/>
+                <a:cs typeface="Consolas" pitchFamily="49" charset="0"/>
+              </a:rPr>
+              <a:t> </a:t>
+            </a:r>
+            <a:r>
+              <a:rPr lang="en-US" sz="2400" b="1" noProof="1" smtClean="0">
+                <a:latin typeface="Consolas" pitchFamily="49" charset="0"/>
+                <a:cs typeface="Consolas" pitchFamily="49" charset="0"/>
+              </a:rPr>
+              <a:t>MandatoryCourses </a:t>
+            </a:r>
+            <a:endParaRPr lang="bg-BG" sz="2400" b="1" noProof="1" smtClean="0">
+              <a:latin typeface="Consolas" pitchFamily="49" charset="0"/>
+              <a:cs typeface="Consolas" pitchFamily="49" charset="0"/>
+            </a:endParaRPr>
+          </a:p>
+          <a:p>
+            <a:pPr eaLnBrk="0" hangingPunct="0">
+              <a:lnSpc>
+                <a:spcPct val="105000"/>
+              </a:lnSpc>
+              <a:buClr>
+                <a:schemeClr val="accent5">
+                  <a:lumMod val="40000"/>
+                  <a:lumOff val="60000"/>
+                </a:schemeClr>
+              </a:buClr>
+              <a:buSzPct val="70000"/>
+            </a:pPr>
+            <a:r>
+              <a:rPr lang="bg-BG" sz="2400" b="1" noProof="1" smtClean="0">
+                <a:latin typeface="Consolas" pitchFamily="49" charset="0"/>
+                <a:cs typeface="Consolas" pitchFamily="49" charset="0"/>
+              </a:rPr>
+              <a:t>	</a:t>
+            </a:r>
+            <a:r>
+              <a:rPr lang="en-US" sz="2400" b="1" noProof="1" smtClean="0">
+                <a:solidFill>
+                  <a:schemeClr val="bg1"/>
+                </a:solidFill>
+                <a:latin typeface="Consolas" pitchFamily="49" charset="0"/>
+                <a:cs typeface="Consolas" pitchFamily="49" charset="0"/>
+              </a:rPr>
+              <a:t>WHERE </a:t>
+            </a:r>
+            <a:r>
+              <a:rPr lang="en-US" sz="2400" b="1" noProof="1" smtClean="0">
+                <a:solidFill>
+                  <a:schemeClr val="bg1"/>
+                </a:solidFill>
+                <a:latin typeface="Consolas" pitchFamily="49" charset="0"/>
+                <a:cs typeface="Consolas" pitchFamily="49" charset="0"/>
+              </a:rPr>
+              <a:t>NOT </a:t>
+            </a:r>
+            <a:r>
+              <a:rPr lang="en-US" sz="2400" b="1" noProof="1" smtClean="0">
+                <a:solidFill>
+                  <a:schemeClr val="bg1"/>
+                </a:solidFill>
+                <a:latin typeface="Consolas" pitchFamily="49" charset="0"/>
+                <a:cs typeface="Consolas" pitchFamily="49" charset="0"/>
+              </a:rPr>
+              <a:t>EXISTS </a:t>
+            </a:r>
+            <a:r>
+              <a:rPr lang="en-US" sz="2400" b="1" noProof="1" smtClean="0">
+                <a:latin typeface="Consolas" pitchFamily="49" charset="0"/>
+                <a:cs typeface="Consolas" pitchFamily="49" charset="0"/>
+              </a:rPr>
+              <a:t>(</a:t>
+            </a:r>
+            <a:endParaRPr lang="bg-BG" sz="2400" b="1" noProof="1" smtClean="0">
+              <a:latin typeface="Consolas" pitchFamily="49" charset="0"/>
+              <a:cs typeface="Consolas" pitchFamily="49" charset="0"/>
+            </a:endParaRPr>
+          </a:p>
+          <a:p>
+            <a:pPr eaLnBrk="0" hangingPunct="0">
+              <a:lnSpc>
+                <a:spcPct val="105000"/>
+              </a:lnSpc>
+              <a:buClr>
+                <a:schemeClr val="accent5">
+                  <a:lumMod val="40000"/>
+                  <a:lumOff val="60000"/>
+                </a:schemeClr>
+              </a:buClr>
+              <a:buSzPct val="70000"/>
+            </a:pPr>
+            <a:r>
+              <a:rPr lang="bg-BG" sz="2400" b="1" noProof="1" smtClean="0">
+                <a:solidFill>
+                  <a:schemeClr val="bg1"/>
+                </a:solidFill>
+                <a:latin typeface="Consolas" pitchFamily="49" charset="0"/>
+                <a:cs typeface="Consolas" pitchFamily="49" charset="0"/>
+              </a:rPr>
+              <a:t>	</a:t>
+            </a:r>
+            <a:r>
+              <a:rPr lang="bg-BG" sz="2400" b="1" noProof="1" smtClean="0">
+                <a:solidFill>
+                  <a:schemeClr val="bg1"/>
+                </a:solidFill>
+                <a:latin typeface="Consolas" pitchFamily="49" charset="0"/>
+                <a:cs typeface="Consolas" pitchFamily="49" charset="0"/>
+              </a:rPr>
+              <a:t>	</a:t>
+            </a:r>
+            <a:r>
+              <a:rPr lang="en-US" sz="2400" b="1" noProof="1" smtClean="0">
+                <a:solidFill>
+                  <a:schemeClr val="bg1"/>
+                </a:solidFill>
+                <a:latin typeface="Consolas" pitchFamily="49" charset="0"/>
+                <a:cs typeface="Consolas" pitchFamily="49" charset="0"/>
+              </a:rPr>
+              <a:t>SELECT</a:t>
+            </a:r>
+            <a:r>
+              <a:rPr lang="en-US" sz="2400" b="1" noProof="1" smtClean="0">
+                <a:latin typeface="Consolas" pitchFamily="49" charset="0"/>
+                <a:cs typeface="Consolas" pitchFamily="49" charset="0"/>
+              </a:rPr>
+              <a:t> </a:t>
+            </a:r>
+            <a:r>
+              <a:rPr lang="en-US" sz="2400" b="1" noProof="1" smtClean="0">
+                <a:latin typeface="Consolas" pitchFamily="49" charset="0"/>
+                <a:cs typeface="Consolas" pitchFamily="49" charset="0"/>
+              </a:rPr>
+              <a:t>* </a:t>
+            </a:r>
+            <a:r>
+              <a:rPr lang="en-US" sz="2400" b="1" noProof="1" smtClean="0">
+                <a:solidFill>
+                  <a:schemeClr val="bg1"/>
+                </a:solidFill>
+                <a:latin typeface="Consolas" pitchFamily="49" charset="0"/>
+                <a:cs typeface="Consolas" pitchFamily="49" charset="0"/>
+              </a:rPr>
+              <a:t>FROM </a:t>
+            </a:r>
+            <a:r>
+              <a:rPr lang="en-US" sz="2400" b="1" noProof="1" smtClean="0">
+                <a:latin typeface="Consolas" pitchFamily="49" charset="0"/>
+                <a:cs typeface="Consolas" pitchFamily="49" charset="0"/>
+              </a:rPr>
+              <a:t>EnrolledCourses </a:t>
+            </a:r>
+            <a:r>
+              <a:rPr lang="en-US" sz="2400" b="1" noProof="1" smtClean="0">
+                <a:latin typeface="Consolas" pitchFamily="49" charset="0"/>
+                <a:cs typeface="Consolas" pitchFamily="49" charset="0"/>
+              </a:rPr>
+              <a:t>AS </a:t>
+            </a:r>
+            <a:r>
+              <a:rPr lang="en-US" sz="2400" b="1" noProof="1" smtClean="0">
+                <a:latin typeface="Consolas" pitchFamily="49" charset="0"/>
+                <a:cs typeface="Consolas" pitchFamily="49" charset="0"/>
+              </a:rPr>
+              <a:t>ec </a:t>
+            </a:r>
+            <a:r>
+              <a:rPr lang="bg-BG" sz="2400" b="1" noProof="1" smtClean="0">
+                <a:latin typeface="Consolas" pitchFamily="49" charset="0"/>
+                <a:cs typeface="Consolas" pitchFamily="49" charset="0"/>
+              </a:rPr>
+              <a:t>					</a:t>
+            </a:r>
+            <a:r>
+              <a:rPr lang="en-US" sz="2400" b="1" noProof="1" smtClean="0">
+                <a:solidFill>
+                  <a:schemeClr val="bg1"/>
+                </a:solidFill>
+                <a:latin typeface="Consolas" pitchFamily="49" charset="0"/>
+                <a:cs typeface="Consolas" pitchFamily="49" charset="0"/>
+              </a:rPr>
+              <a:t>WHERE</a:t>
+            </a:r>
+            <a:r>
+              <a:rPr lang="en-US" sz="2400" b="1" noProof="1" smtClean="0">
+                <a:latin typeface="Consolas" pitchFamily="49" charset="0"/>
+                <a:cs typeface="Consolas" pitchFamily="49" charset="0"/>
+              </a:rPr>
+              <a:t> ec.SudentId </a:t>
+            </a:r>
+            <a:r>
+              <a:rPr lang="en-US" sz="2400" b="1" noProof="1" smtClean="0">
+                <a:latin typeface="Consolas" pitchFamily="49" charset="0"/>
+                <a:cs typeface="Consolas" pitchFamily="49" charset="0"/>
+              </a:rPr>
+              <a:t>= </a:t>
+            </a:r>
+            <a:r>
+              <a:rPr lang="en-US" sz="2400" b="1" noProof="1" smtClean="0">
+                <a:latin typeface="Consolas" pitchFamily="49" charset="0"/>
+                <a:cs typeface="Consolas" pitchFamily="49" charset="0"/>
+              </a:rPr>
+              <a:t>EnrolledCourses.StudentId </a:t>
+            </a:r>
+            <a:r>
+              <a:rPr lang="bg-BG" sz="2400" b="1" noProof="1" smtClean="0">
+                <a:latin typeface="Consolas" pitchFamily="49" charset="0"/>
+                <a:cs typeface="Consolas" pitchFamily="49" charset="0"/>
+              </a:rPr>
+              <a:t>		</a:t>
+            </a:r>
+            <a:r>
+              <a:rPr lang="en-US" sz="2400" b="1" noProof="1" smtClean="0">
+                <a:latin typeface="Consolas" pitchFamily="49" charset="0"/>
+                <a:cs typeface="Consolas" pitchFamily="49" charset="0"/>
+              </a:rPr>
+              <a:t>	AND ec.CourseId </a:t>
+            </a:r>
+            <a:r>
+              <a:rPr lang="en-US" sz="2400" b="1" noProof="1" smtClean="0">
+                <a:latin typeface="Consolas" pitchFamily="49" charset="0"/>
+                <a:cs typeface="Consolas" pitchFamily="49" charset="0"/>
+              </a:rPr>
+              <a:t>= </a:t>
+            </a:r>
+            <a:r>
+              <a:rPr lang="en-US" sz="2400" b="1" noProof="1" smtClean="0">
+                <a:latin typeface="Consolas" pitchFamily="49" charset="0"/>
+                <a:cs typeface="Consolas" pitchFamily="49" charset="0"/>
+              </a:rPr>
+              <a:t>NandatoryCourses.Course_id</a:t>
+            </a:r>
+            <a:endParaRPr lang="bg-BG" sz="2400" b="1" noProof="1" smtClean="0">
+              <a:latin typeface="Consolas" pitchFamily="49" charset="0"/>
+              <a:cs typeface="Consolas" pitchFamily="49" charset="0"/>
+            </a:endParaRPr>
+          </a:p>
+          <a:p>
+            <a:pPr eaLnBrk="0" hangingPunct="0">
+              <a:lnSpc>
+                <a:spcPct val="105000"/>
+              </a:lnSpc>
+              <a:buClr>
+                <a:schemeClr val="accent5">
+                  <a:lumMod val="40000"/>
+                  <a:lumOff val="60000"/>
+                </a:schemeClr>
+              </a:buClr>
+              <a:buSzPct val="70000"/>
+            </a:pPr>
+            <a:r>
+              <a:rPr lang="bg-BG" sz="2400" b="1" noProof="1" smtClean="0">
+                <a:latin typeface="Consolas" pitchFamily="49" charset="0"/>
+                <a:cs typeface="Consolas" pitchFamily="49" charset="0"/>
+              </a:rPr>
+              <a:t>	</a:t>
+            </a:r>
+            <a:r>
+              <a:rPr lang="bg-BG" sz="2400" b="1" noProof="1" smtClean="0">
+                <a:latin typeface="Consolas" pitchFamily="49" charset="0"/>
+                <a:cs typeface="Consolas" pitchFamily="49" charset="0"/>
+              </a:rPr>
+              <a:t>)</a:t>
+            </a:r>
+          </a:p>
+          <a:p>
+            <a:pPr eaLnBrk="0" hangingPunct="0">
+              <a:lnSpc>
+                <a:spcPct val="105000"/>
+              </a:lnSpc>
+              <a:buClr>
+                <a:schemeClr val="accent5">
+                  <a:lumMod val="40000"/>
+                  <a:lumOff val="60000"/>
+                </a:schemeClr>
+              </a:buClr>
+              <a:buSzPct val="70000"/>
+            </a:pPr>
+            <a:r>
+              <a:rPr lang="bg-BG" sz="2400" b="1" noProof="1" smtClean="0">
+                <a:latin typeface="Consolas" pitchFamily="49" charset="0"/>
+                <a:cs typeface="Consolas" pitchFamily="49" charset="0"/>
+              </a:rPr>
+              <a:t>)</a:t>
+            </a:r>
+            <a:endParaRPr lang="en-US" sz="2400" b="1" noProof="1">
+              <a:latin typeface="Consolas" pitchFamily="49" charset="0"/>
+              <a:cs typeface="Consolas" pitchFamily="49" charset="0"/>
+            </a:endParaRPr>
+          </a:p>
+        </p:txBody>
+      </p:sp>
+    </p:spTree>
+  </p:cSld>
+  <p:clrMapOvr>
+    <a:masterClrMapping/>
+  </p:clrMapOvr>
+  <mc:AlternateContent xmlns:mc="http://schemas.openxmlformats.org/markup-compatibility/2006">
+    <mc:Choice xmlns="" xmlns:p14="http://schemas.microsoft.com/office/powerpoint/2010/main" Requires="p14">
+      <p:transition spd="slow" p14:dur="2000" advClick="0" advTm="5000"/>
+    </mc:Choice>
+    <mc:Fallback>
+      <p:transition spd="slow" advClick="0" advTm="5000"/>
+    </mc:Fallback>
+  </mc:AlternateContent>
+  <p:timing>
+    <p:tnLst>
+      <p:par>
+        <p:cTn id="1" dur="indefinite" restart="never" nodeType="tmRoot">
+          <p:childTnLst>
+            <p:seq concurrent="1" nextAc="seek">
+              <p:cTn id="2" dur="indefinite" nodeType="mainSeq">
+                <p:childTnLst>
+                  <p:par>
+                    <p:cTn id="3" fill="hold">
+                      <p:stCondLst>
+                        <p:cond delay="indefinite"/>
+                      </p:stCondLst>
+                      <p:childTnLst>
+                        <p:par>
+                          <p:cTn id="4" fill="hold">
+                            <p:stCondLst>
+                              <p:cond delay="0"/>
+                            </p:stCondLst>
+                            <p:childTnLst>
+                              <p:par>
+                                <p:cTn id="5" presetID="1" presetClass="entr" presetSubtype="0" fill="hold" nodeType="clickEffect">
+                                  <p:stCondLst>
+                                    <p:cond delay="0"/>
+                                  </p:stCondLst>
+                                  <p:childTnLst>
+                                    <p:set>
+                                      <p:cBhvr>
+                                        <p:cTn id="6" dur="1" fill="hold">
+                                          <p:stCondLst>
+                                            <p:cond delay="0"/>
+                                          </p:stCondLst>
+                                        </p:cTn>
+                                        <p:tgtEl>
+                                          <p:spTgt spid="10">
+                                            <p:txEl>
+                                              <p:pRg st="2" end="2"/>
+                                            </p:txEl>
+                                          </p:spTgt>
+                                        </p:tgtEl>
+                                        <p:attrNameLst>
+                                          <p:attrName>style.visibility</p:attrName>
+                                        </p:attrNameLst>
+                                      </p:cBhvr>
+                                      <p:to>
+                                        <p:strVal val="visible"/>
+                                      </p:to>
+                                    </p:set>
+                                  </p:childTnLst>
+                                </p:cTn>
+                              </p:par>
+                              <p:par>
+                                <p:cTn id="7" presetID="1" presetClass="entr" presetSubtype="0" fill="hold" nodeType="withEffect">
+                                  <p:stCondLst>
+                                    <p:cond delay="0"/>
+                                  </p:stCondLst>
+                                  <p:childTnLst>
+                                    <p:set>
+                                      <p:cBhvr>
+                                        <p:cTn id="8" dur="1" fill="hold">
+                                          <p:stCondLst>
+                                            <p:cond delay="0"/>
+                                          </p:stCondLst>
+                                        </p:cTn>
+                                        <p:tgtEl>
+                                          <p:spTgt spid="10">
+                                            <p:txEl>
+                                              <p:pRg st="3" end="3"/>
+                                            </p:txEl>
+                                          </p:spTgt>
+                                        </p:tgtEl>
+                                        <p:attrNameLst>
+                                          <p:attrName>style.visibility</p:attrName>
+                                        </p:attrNameLst>
+                                      </p:cBhvr>
+                                      <p:to>
+                                        <p:strVal val="visible"/>
+                                      </p:to>
+                                    </p:set>
+                                  </p:childTnLst>
+                                </p:cTn>
+                              </p:par>
+                              <p:par>
+                                <p:cTn id="9" presetID="1" presetClass="entr" presetSubtype="0" fill="hold" nodeType="withEffect">
+                                  <p:stCondLst>
+                                    <p:cond delay="0"/>
+                                  </p:stCondLst>
+                                  <p:childTnLst>
+                                    <p:set>
+                                      <p:cBhvr>
+                                        <p:cTn id="10" dur="1" fill="hold">
+                                          <p:stCondLst>
+                                            <p:cond delay="0"/>
+                                          </p:stCondLst>
+                                        </p:cTn>
+                                        <p:tgtEl>
+                                          <p:spTgt spid="10">
+                                            <p:txEl>
+                                              <p:pRg st="4" end="4"/>
+                                            </p:txEl>
+                                          </p:spTgt>
+                                        </p:tgtEl>
+                                        <p:attrNameLst>
+                                          <p:attrName>style.visibility</p:attrName>
+                                        </p:attrNameLst>
+                                      </p:cBhvr>
+                                      <p:to>
+                                        <p:strVal val="visible"/>
+                                      </p:to>
+                                    </p:set>
+                                  </p:childTnLst>
+                                </p:cTn>
+                              </p:par>
+                              <p:par>
+                                <p:cTn id="11" presetID="1" presetClass="entr" presetSubtype="0" fill="hold" nodeType="withEffect">
+                                  <p:stCondLst>
+                                    <p:cond delay="0"/>
+                                  </p:stCondLst>
+                                  <p:childTnLst>
+                                    <p:set>
+                                      <p:cBhvr>
+                                        <p:cTn id="12" dur="1" fill="hold">
+                                          <p:stCondLst>
+                                            <p:cond delay="0"/>
+                                          </p:stCondLst>
+                                        </p:cTn>
+                                        <p:tgtEl>
+                                          <p:spTgt spid="10">
+                                            <p:txEl>
+                                              <p:pRg st="5" end="5"/>
+                                            </p:txEl>
+                                          </p:spTgt>
+                                        </p:tgtEl>
+                                        <p:attrNameLst>
+                                          <p:attrName>style.visibility</p:attrName>
+                                        </p:attrNameLst>
+                                      </p:cBhvr>
+                                      <p:to>
+                                        <p:strVal val="visible"/>
+                                      </p:to>
+                                    </p:set>
+                                  </p:childTnLst>
+                                </p:cTn>
+                              </p:par>
+                            </p:childTnLst>
+                          </p:cTn>
+                        </p:par>
+                      </p:childTnLst>
+                    </p:cTn>
+                  </p:par>
+                  <p:par>
+                    <p:cTn id="13" fill="hold">
+                      <p:stCondLst>
+                        <p:cond delay="indefinite"/>
+                      </p:stCondLst>
+                      <p:childTnLst>
+                        <p:par>
+                          <p:cTn id="14" fill="hold">
+                            <p:stCondLst>
+                              <p:cond delay="0"/>
+                            </p:stCondLst>
+                            <p:childTnLst>
+                              <p:par>
+                                <p:cTn id="15" presetID="1" presetClass="entr" presetSubtype="0" fill="hold" nodeType="clickEffect">
+                                  <p:stCondLst>
+                                    <p:cond delay="0"/>
+                                  </p:stCondLst>
+                                  <p:childTnLst>
+                                    <p:set>
+                                      <p:cBhvr>
+                                        <p:cTn id="16" dur="1" fill="hold">
+                                          <p:stCondLst>
+                                            <p:cond delay="0"/>
+                                          </p:stCondLst>
+                                        </p:cTn>
+                                        <p:tgtEl>
+                                          <p:spTgt spid="17">
+                                            <p:txEl>
+                                              <p:pRg st="6" end="6"/>
+                                            </p:txEl>
+                                          </p:spTgt>
+                                        </p:tgtEl>
+                                        <p:attrNameLst>
+                                          <p:attrName>style.visibility</p:attrName>
+                                        </p:attrNameLst>
+                                      </p:cBhvr>
+                                      <p:to>
+                                        <p:strVal val="visible"/>
+                                      </p:to>
+                                    </p:set>
+                                  </p:childTnLst>
+                                </p:cTn>
+                              </p:par>
+                            </p:childTnLst>
+                          </p:cTn>
+                        </p:par>
+                      </p:childTnLst>
+                    </p:cTn>
+                  </p:par>
+                </p:childTnLst>
+              </p:cTn>
+              <p:prevCondLst>
+                <p:cond evt="onPrev" delay="0">
+                  <p:tgtEl>
+                    <p:sldTgt/>
+                  </p:tgtEl>
+                </p:cond>
+              </p:prevCondLst>
+              <p:nextCondLst>
+                <p:cond evt="onNext" delay="0">
+                  <p:tgtEl>
+                    <p:sldTgt/>
+                  </p:tgtEl>
+                </p:cond>
+              </p:nextCondLst>
+            </p:seq>
+          </p:childTnLst>
+        </p:cTn>
+      </p:par>
+    </p:tnLst>
+  </p:timing>
+</p:sld>
+</file>
+
+<file path=ppt/slides/slide25.xml><?xml version="1.0" encoding="utf-8"?>
+<p:sld xmlns:a="http://schemas.openxmlformats.org/drawingml/2006/main" xmlns:r="http://schemas.openxmlformats.org/officeDocument/2006/relationships" xmlns:p="http://schemas.openxmlformats.org/presentationml/2006/main">
+  <p:cSld>
+    <p:spTree>
+      <p:nvGrpSpPr>
+        <p:cNvPr id="1" name=""/>
+        <p:cNvGrpSpPr/>
+        <p:nvPr/>
+      </p:nvGrpSpPr>
+      <p:grpSpPr>
+        <a:xfrm>
+          <a:off x="0" y="0"/>
+          <a:ext cx="0" cy="0"/>
+          <a:chOff x="0" y="0"/>
+          <a:chExt cx="0" cy="0"/>
+        </a:xfrm>
+      </p:grpSpPr>
       <p:grpSp>
         <p:nvGrpSpPr>
           <p:cNvPr id="9" name="Summary Box Group">
             <a:extLst>
               <a:ext uri="{FF2B5EF4-FFF2-40B4-BE49-F238E27FC236}">
-                <a16:creationId xmlns:a16="http://schemas.microsoft.com/office/drawing/2014/main" xmlns="" id="{EBAFE522-EB7D-4931-A015-9A7E8A98517D}"/>
+                <a16:creationId xmlns="" xmlns:a16="http://schemas.microsoft.com/office/drawing/2014/main" id="{EBAFE522-EB7D-4931-A015-9A7E8A98517D}"/>
               </a:ext>
             </a:extLst>
           </p:cNvPr>
@@ -22897,7 +27047,7 @@
             <p:cNvPr id="10" name="Rounded Rectangle Blue">
               <a:extLst>
                 <a:ext uri="{FF2B5EF4-FFF2-40B4-BE49-F238E27FC236}">
-                  <a16:creationId xmlns:a16="http://schemas.microsoft.com/office/drawing/2014/main" xmlns="" id="{18F78F23-3D09-4B63-8DF9-D49CFBB145EE}"/>
+                  <a16:creationId xmlns="" xmlns:a16="http://schemas.microsoft.com/office/drawing/2014/main" id="{18F78F23-3D09-4B63-8DF9-D49CFBB145EE}"/>
                 </a:ext>
               </a:extLst>
             </p:cNvPr>
@@ -22951,7 +27101,7 @@
             <p:cNvPr id="11" name="Rounded Rectangle Left">
               <a:extLst>
                 <a:ext uri="{FF2B5EF4-FFF2-40B4-BE49-F238E27FC236}">
-                  <a16:creationId xmlns:a16="http://schemas.microsoft.com/office/drawing/2014/main" xmlns="" id="{F12C06CE-2BBE-46C2-B718-813794C58DF9}"/>
+                  <a16:creationId xmlns="" xmlns:a16="http://schemas.microsoft.com/office/drawing/2014/main" id="{F12C06CE-2BBE-46C2-B718-813794C58DF9}"/>
                 </a:ext>
               </a:extLst>
             </p:cNvPr>
@@ -23011,7 +27161,7 @@
             <p:cNvPr id="12" name="Half Frame Top Right">
               <a:extLst>
                 <a:ext uri="{FF2B5EF4-FFF2-40B4-BE49-F238E27FC236}">
-                  <a16:creationId xmlns:a16="http://schemas.microsoft.com/office/drawing/2014/main" xmlns="" id="{66CDBB1E-AF3C-43FC-9F34-2DD691F81726}"/>
+                  <a16:creationId xmlns="" xmlns:a16="http://schemas.microsoft.com/office/drawing/2014/main" id="{66CDBB1E-AF3C-43FC-9F34-2DD691F81726}"/>
                 </a:ext>
               </a:extLst>
             </p:cNvPr>
@@ -23073,7 +27223,7 @@
           <p:cNvPr id="14" name="Text Placeholder Body">
             <a:extLst>
               <a:ext uri="{FF2B5EF4-FFF2-40B4-BE49-F238E27FC236}">
-                <a16:creationId xmlns:a16="http://schemas.microsoft.com/office/drawing/2014/main" xmlns="" id="{0E49D336-45B6-44D3-97C4-E28F8DEA2022}"/>
+                <a16:creationId xmlns="" xmlns:a16="http://schemas.microsoft.com/office/drawing/2014/main" id="{0E49D336-45B6-44D3-97C4-E28F8DEA2022}"/>
               </a:ext>
             </a:extLst>
           </p:cNvPr>
@@ -23086,7 +27236,7 @@
         </p:nvSpPr>
         <p:spPr>
           <a:xfrm>
-            <a:off x="685800" y="1447800"/>
+            <a:off x="685800" y="1295400"/>
             <a:ext cx="8775781" cy="5029200"/>
           </a:xfrm>
         </p:spPr>
@@ -23154,7 +27304,11 @@
               </a:buClr>
             </a:pPr>
             <a:r>
-              <a:rPr lang="bg-BG" sz="3000" b="1" dirty="0" smtClean="0">
+              <a:rPr lang="bg-BG" sz="2600" dirty="0" smtClean="0"/>
+              <a:t>Използваме</a:t>
+            </a:r>
+            <a:r>
+              <a:rPr lang="bg-BG" sz="2600" b="1" dirty="0" smtClean="0">
                 <a:solidFill>
                   <a:schemeClr val="bg1">
                     <a:lumMod val="60000"/>
@@ -23162,21 +27316,353 @@
                   </a:schemeClr>
                 </a:solidFill>
               </a:rPr>
-              <a:t>Подзаявките</a:t>
-            </a:r>
-            <a:r>
-              <a:rPr lang="en-US" sz="3000" dirty="0" smtClean="0"/>
+              <a:t> по-сложни </a:t>
+            </a:r>
+            <a:r>
+              <a:rPr lang="en-US" sz="2600" b="1" dirty="0" smtClean="0">
+                <a:solidFill>
+                  <a:schemeClr val="bg1">
+                    <a:lumMod val="60000"/>
+                    <a:lumOff val="40000"/>
+                  </a:schemeClr>
+                </a:solidFill>
+              </a:rPr>
+              <a:t>JOIN </a:t>
+            </a:r>
+            <a:r>
+              <a:rPr lang="bg-BG" sz="2600" dirty="0" smtClean="0"/>
+              <a:t>заявки:</a:t>
+            </a:r>
+          </a:p>
+          <a:p>
+            <a:pPr marL="969948" lvl="1" indent="-360000" fontAlgn="base">
+              <a:lnSpc>
+                <a:spcPct val="100000"/>
+              </a:lnSpc>
+              <a:spcAft>
+                <a:spcPts val="0"/>
+              </a:spcAft>
+              <a:buClr>
+                <a:schemeClr val="bg2"/>
+              </a:buClr>
+            </a:pPr>
+            <a:r>
+              <a:rPr lang="bg-BG" sz="2400" dirty="0" smtClean="0">
+                <a:solidFill>
+                  <a:schemeClr val="bg2"/>
+                </a:solidFill>
+              </a:rPr>
+              <a:t>Данни от повече от 2 таблици</a:t>
+            </a:r>
+            <a:endParaRPr lang="bg-BG" sz="2400" dirty="0" smtClean="0">
+              <a:solidFill>
+                <a:schemeClr val="bg2"/>
+              </a:solidFill>
+            </a:endParaRPr>
+          </a:p>
+          <a:p>
+            <a:pPr marL="360363" indent="-360000" fontAlgn="base">
+              <a:lnSpc>
+                <a:spcPct val="100000"/>
+              </a:lnSpc>
+              <a:spcAft>
+                <a:spcPts val="0"/>
+              </a:spcAft>
+              <a:buClr>
+                <a:schemeClr val="bg2"/>
+              </a:buClr>
+            </a:pPr>
+            <a:r>
+              <a:rPr lang="bg-BG" sz="2600" b="1" dirty="0" smtClean="0">
+                <a:solidFill>
+                  <a:schemeClr val="bg1">
+                    <a:lumMod val="60000"/>
+                    <a:lumOff val="40000"/>
+                  </a:schemeClr>
+                </a:solidFill>
+              </a:rPr>
+              <a:t>Подзаявки</a:t>
+            </a:r>
+          </a:p>
+          <a:p>
+            <a:pPr marL="969948" lvl="1" indent="-360000" fontAlgn="base">
+              <a:lnSpc>
+                <a:spcPct val="100000"/>
+              </a:lnSpc>
+              <a:spcAft>
+                <a:spcPts val="0"/>
+              </a:spcAft>
+              <a:buClr>
+                <a:schemeClr val="bg2"/>
+              </a:buClr>
+            </a:pPr>
+            <a:r>
+              <a:rPr lang="ru-RU" sz="2400" dirty="0" smtClean="0">
+                <a:solidFill>
+                  <a:schemeClr val="bg2"/>
+                </a:solidFill>
+              </a:rPr>
+              <a:t>Използват</a:t>
+            </a:r>
+            <a:r>
+              <a:rPr lang="en-US" sz="2400" dirty="0" smtClean="0">
+                <a:solidFill>
+                  <a:schemeClr val="bg2"/>
+                </a:solidFill>
+              </a:rPr>
               <a:t> </a:t>
             </a:r>
             <a:r>
-              <a:rPr lang="bg-BG" sz="3000" dirty="0" smtClean="0"/>
+              <a:rPr lang="bg-BG" sz="2400" dirty="0" smtClean="0">
+                <a:solidFill>
+                  <a:schemeClr val="bg2"/>
+                </a:solidFill>
+              </a:rPr>
               <a:t>се</a:t>
             </a:r>
             <a:r>
-              <a:rPr lang="ru-RU" sz="3000" dirty="0" smtClean="0"/>
-              <a:t> използват за влагане на заявки</a:t>
-            </a:r>
-            <a:endParaRPr lang="en-US" sz="3000" dirty="0" smtClean="0"/>
+              <a:rPr lang="ru-RU" sz="2400" dirty="0" smtClean="0">
+                <a:solidFill>
+                  <a:schemeClr val="bg2"/>
+                </a:solidFill>
+              </a:rPr>
+              <a:t> </a:t>
+            </a:r>
+            <a:r>
+              <a:rPr lang="ru-RU" sz="2400" dirty="0" smtClean="0">
+                <a:solidFill>
+                  <a:schemeClr val="bg2"/>
+                </a:solidFill>
+              </a:rPr>
+              <a:t>за влагане на </a:t>
+            </a:r>
+            <a:r>
+              <a:rPr lang="ru-RU" sz="2400" dirty="0" smtClean="0">
+                <a:solidFill>
+                  <a:schemeClr val="bg2"/>
+                </a:solidFill>
+              </a:rPr>
+              <a:t>заявки</a:t>
+            </a:r>
+          </a:p>
+          <a:p>
+            <a:pPr marL="969948" lvl="1" indent="-360000" fontAlgn="base">
+              <a:lnSpc>
+                <a:spcPct val="100000"/>
+              </a:lnSpc>
+              <a:spcAft>
+                <a:spcPts val="0"/>
+              </a:spcAft>
+              <a:buClr>
+                <a:schemeClr val="bg2"/>
+              </a:buClr>
+            </a:pPr>
+            <a:r>
+              <a:rPr lang="ru-RU" sz="2400" dirty="0" smtClean="0">
+                <a:solidFill>
+                  <a:schemeClr val="bg2"/>
+                </a:solidFill>
+              </a:rPr>
+              <a:t>Използваме резултата от заявка като данни за друга</a:t>
+            </a:r>
+          </a:p>
+          <a:p>
+            <a:pPr marL="360363" indent="-360000" fontAlgn="base">
+              <a:lnSpc>
+                <a:spcPct val="100000"/>
+              </a:lnSpc>
+              <a:spcAft>
+                <a:spcPts val="0"/>
+              </a:spcAft>
+              <a:buClr>
+                <a:schemeClr val="bg2"/>
+              </a:buClr>
+            </a:pPr>
+            <a:r>
+              <a:rPr lang="en-US" sz="2600" b="1" dirty="0" smtClean="0">
+                <a:solidFill>
+                  <a:schemeClr val="bg1">
+                    <a:lumMod val="60000"/>
+                    <a:lumOff val="40000"/>
+                  </a:schemeClr>
+                </a:solidFill>
+              </a:rPr>
+              <a:t>UNION</a:t>
+            </a:r>
+            <a:r>
+              <a:rPr lang="en-US" sz="2600" dirty="0" smtClean="0"/>
+              <a:t> == </a:t>
+            </a:r>
+            <a:r>
+              <a:rPr lang="ru-RU" sz="2600" dirty="0" smtClean="0"/>
+              <a:t>уникални </a:t>
+            </a:r>
+            <a:r>
+              <a:rPr lang="ru-RU" sz="2600" dirty="0" smtClean="0"/>
+              <a:t>редове от две или повече </a:t>
+            </a:r>
+            <a:r>
+              <a:rPr lang="ru-RU" sz="2600" dirty="0" smtClean="0"/>
+              <a:t>заявки</a:t>
+            </a:r>
+            <a:endParaRPr lang="en-US" sz="2600" dirty="0" smtClean="0"/>
+          </a:p>
+          <a:p>
+            <a:pPr marL="360363" indent="-360000" fontAlgn="base">
+              <a:lnSpc>
+                <a:spcPct val="100000"/>
+              </a:lnSpc>
+              <a:spcAft>
+                <a:spcPts val="0"/>
+              </a:spcAft>
+              <a:buClr>
+                <a:schemeClr val="bg2"/>
+              </a:buClr>
+            </a:pPr>
+            <a:r>
+              <a:rPr lang="en-US" sz="2600" b="1" dirty="0" smtClean="0">
+                <a:solidFill>
+                  <a:schemeClr val="bg1">
+                    <a:lumMod val="60000"/>
+                    <a:lumOff val="40000"/>
+                  </a:schemeClr>
+                </a:solidFill>
+              </a:rPr>
+              <a:t>INTERSECT </a:t>
+            </a:r>
+            <a:r>
+              <a:rPr lang="en-US" sz="2600" dirty="0" smtClean="0"/>
+              <a:t>== </a:t>
+            </a:r>
+            <a:r>
+              <a:rPr lang="ru-RU" sz="2600" dirty="0" smtClean="0"/>
+              <a:t>общи</a:t>
+            </a:r>
+            <a:r>
+              <a:rPr lang="bg-BG" sz="2600" dirty="0" smtClean="0"/>
+              <a:t>те</a:t>
+            </a:r>
+            <a:r>
+              <a:rPr lang="ru-RU" sz="2600" dirty="0" smtClean="0"/>
+              <a:t> </a:t>
+            </a:r>
+            <a:r>
+              <a:rPr lang="ru-RU" sz="2600" dirty="0" smtClean="0"/>
+              <a:t>редове между резултатите на две или повече </a:t>
+            </a:r>
+            <a:r>
+              <a:rPr lang="ru-RU" sz="2600" dirty="0" smtClean="0"/>
+              <a:t>заявки</a:t>
+            </a:r>
+          </a:p>
+          <a:p>
+            <a:pPr marL="360363" indent="-360000" fontAlgn="base">
+              <a:lnSpc>
+                <a:spcPct val="100000"/>
+              </a:lnSpc>
+              <a:spcAft>
+                <a:spcPts val="0"/>
+              </a:spcAft>
+              <a:buClr>
+                <a:schemeClr val="bg2"/>
+              </a:buClr>
+            </a:pPr>
+            <a:r>
+              <a:rPr lang="en-US" sz="2600" b="1" dirty="0" smtClean="0">
+                <a:solidFill>
+                  <a:schemeClr val="bg1">
+                    <a:lumMod val="60000"/>
+                    <a:lumOff val="40000"/>
+                  </a:schemeClr>
+                </a:solidFill>
+              </a:rPr>
+              <a:t>EXCEPT </a:t>
+            </a:r>
+            <a:r>
+              <a:rPr lang="en-US" sz="2600" dirty="0" smtClean="0"/>
+              <a:t>==</a:t>
+            </a:r>
+            <a:r>
+              <a:rPr lang="en-US" sz="2600" b="1" dirty="0" smtClean="0">
+                <a:solidFill>
+                  <a:schemeClr val="bg1">
+                    <a:lumMod val="60000"/>
+                    <a:lumOff val="40000"/>
+                  </a:schemeClr>
+                </a:solidFill>
+              </a:rPr>
+              <a:t> </a:t>
+            </a:r>
+            <a:r>
+              <a:rPr lang="ru-RU" sz="2600" dirty="0" smtClean="0"/>
+              <a:t>редове </a:t>
+            </a:r>
+            <a:r>
+              <a:rPr lang="ru-RU" sz="2600" dirty="0" smtClean="0"/>
+              <a:t>от първата </a:t>
+            </a:r>
+            <a:r>
+              <a:rPr lang="ru-RU" sz="2600" dirty="0" smtClean="0"/>
+              <a:t>заявка</a:t>
+            </a:r>
+            <a:r>
+              <a:rPr lang="ru-RU" sz="2600" dirty="0" smtClean="0"/>
+              <a:t>, които не се срещат във втората </a:t>
+            </a:r>
+            <a:r>
+              <a:rPr lang="ru-RU" sz="2600" dirty="0" smtClean="0"/>
+              <a:t>заявка</a:t>
+            </a:r>
+            <a:endParaRPr lang="en-US" sz="2600" dirty="0" smtClean="0"/>
+          </a:p>
+          <a:p>
+            <a:pPr marL="360363" indent="-360000" fontAlgn="base">
+              <a:lnSpc>
+                <a:spcPct val="100000"/>
+              </a:lnSpc>
+              <a:spcAft>
+                <a:spcPts val="0"/>
+              </a:spcAft>
+              <a:buClr>
+                <a:schemeClr val="bg2"/>
+              </a:buClr>
+            </a:pPr>
+            <a:r>
+              <a:rPr lang="bg-BG" sz="2600" b="1" dirty="0" smtClean="0">
+                <a:solidFill>
+                  <a:schemeClr val="bg1">
+                    <a:lumMod val="60000"/>
+                    <a:lumOff val="40000"/>
+                  </a:schemeClr>
+                </a:solidFill>
+              </a:rPr>
+              <a:t>Деление</a:t>
+            </a:r>
+            <a:r>
+              <a:rPr lang="bg-BG" sz="2600" dirty="0" smtClean="0"/>
+              <a:t> == </a:t>
+            </a:r>
+            <a:r>
+              <a:rPr lang="ru-RU" sz="2600" dirty="0" smtClean="0"/>
+              <a:t>стойности </a:t>
+            </a:r>
+            <a:r>
+              <a:rPr lang="ru-RU" sz="2600" dirty="0" smtClean="0"/>
+              <a:t>от първата таблица, </a:t>
+            </a:r>
+            <a:r>
+              <a:rPr lang="ru-RU" sz="2600" dirty="0" smtClean="0"/>
+              <a:t>съответстващи  </a:t>
+            </a:r>
+            <a:r>
+              <a:rPr lang="ru-RU" sz="2600" dirty="0" smtClean="0"/>
+              <a:t>на всички стойности от втората таблица</a:t>
+            </a:r>
+            <a:r>
+              <a:rPr lang="bg-BG" sz="2600" dirty="0" smtClean="0"/>
+              <a:t> </a:t>
+            </a:r>
+            <a:endParaRPr lang="en-US" sz="2600" dirty="0" smtClean="0"/>
           </a:p>
         </p:txBody>
       </p:sp>
@@ -23185,7 +27671,7 @@
           <p:cNvPr id="17" name="Slide Number">
             <a:extLst>
               <a:ext uri="{FF2B5EF4-FFF2-40B4-BE49-F238E27FC236}">
-                <a16:creationId xmlns:a16="http://schemas.microsoft.com/office/drawing/2014/main" xmlns="" id="{9DE5559F-55C2-47F1-A321-B593B1EC63C1}"/>
+                <a16:creationId xmlns="" xmlns:a16="http://schemas.microsoft.com/office/drawing/2014/main" id="{9DE5559F-55C2-47F1-A321-B593B1EC63C1}"/>
               </a:ext>
             </a:extLst>
           </p:cNvPr>
@@ -23216,7 +27702,7 @@
             <a:fld id="{2BF067CD-8E6B-4360-9AA8-C5DF2A48A6D1}" type="slidenum">
               <a:rPr lang="en-US" smtClean="0"/>
               <a:pPr/>
-              <a:t>20</a:t>
+              <a:t>25</a:t>
             </a:fld>
             <a:endParaRPr lang="en-US" dirty="0"/>
           </a:p>
@@ -23227,7 +27713,7 @@
           <p:cNvPr id="13" name="Picture SoftUni Mascot">
             <a:extLst>
               <a:ext uri="{FF2B5EF4-FFF2-40B4-BE49-F238E27FC236}">
-                <a16:creationId xmlns:a16="http://schemas.microsoft.com/office/drawing/2014/main" xmlns="" id="{CCC3A316-993C-4741-8826-E104F27650A3}"/>
+                <a16:creationId xmlns="" xmlns:a16="http://schemas.microsoft.com/office/drawing/2014/main" id="{CCC3A316-993C-4741-8826-E104F27650A3}"/>
               </a:ext>
             </a:extLst>
           </p:cNvPr>
@@ -23240,7 +27726,7 @@
           <a:blip r:embed="rId3" cstate="print">
             <a:extLst>
               <a:ext uri="{28A0092B-C50C-407E-A947-70E740481C1C}">
-                <a14:useLocalDpi xmlns:a14="http://schemas.microsoft.com/office/drawing/2010/main" xmlns="" val="0"/>
+                <a14:useLocalDpi xmlns="" xmlns:a14="http://schemas.microsoft.com/office/drawing/2010/main" val="0"/>
               </a:ext>
             </a:extLst>
           </a:blip>
@@ -23285,7 +27771,7 @@
     </p:spTree>
     <p:extLst>
       <p:ext uri="{BB962C8B-B14F-4D97-AF65-F5344CB8AC3E}">
-        <p14:creationId xmlns:p14="http://schemas.microsoft.com/office/powerpoint/2010/main" xmlns="" val="2087190546"/>
+        <p14:creationId xmlns="" xmlns:p14="http://schemas.microsoft.com/office/powerpoint/2010/main" val="2087190546"/>
       </p:ext>
     </p:extLst>
   </p:cSld>
@@ -23293,7 +27779,7 @@
     <a:masterClrMapping/>
   </p:clrMapOvr>
   <mc:AlternateContent xmlns:mc="http://schemas.openxmlformats.org/markup-compatibility/2006">
-    <mc:Choice xmlns:p14="http://schemas.microsoft.com/office/powerpoint/2010/main" xmlns="" Requires="p14">
+    <mc:Choice xmlns="" xmlns:p14="http://schemas.microsoft.com/office/powerpoint/2010/main" Requires="p14">
       <p:transition spd="slow" p14:dur="2000" advClick="0" advTm="5000"/>
     </mc:Choice>
     <mc:Fallback>
@@ -23303,14 +27789,362 @@
   <p:timing>
     <p:tnLst>
       <p:par>
-        <p:cTn id="1" dur="indefinite" restart="never" nodeType="tmRoot"/>
+        <p:cTn id="1" dur="indefinite" restart="never" nodeType="tmRoot">
+          <p:childTnLst>
+            <p:seq concurrent="1" nextAc="seek">
+              <p:cTn id="2" dur="indefinite" nodeType="mainSeq">
+                <p:childTnLst>
+                  <p:par>
+                    <p:cTn id="3" fill="hold">
+                      <p:stCondLst>
+                        <p:cond delay="indefinite"/>
+                      </p:stCondLst>
+                      <p:childTnLst>
+                        <p:par>
+                          <p:cTn id="4" fill="hold">
+                            <p:stCondLst>
+                              <p:cond delay="0"/>
+                            </p:stCondLst>
+                            <p:childTnLst>
+                              <p:par>
+                                <p:cTn id="5" presetID="1" presetClass="entr" presetSubtype="0" fill="hold" nodeType="clickEffect">
+                                  <p:stCondLst>
+                                    <p:cond delay="0"/>
+                                  </p:stCondLst>
+                                  <p:childTnLst>
+                                    <p:set>
+                                      <p:cBhvr>
+                                        <p:cTn id="6" dur="1" fill="hold">
+                                          <p:stCondLst>
+                                            <p:cond delay="0"/>
+                                          </p:stCondLst>
+                                        </p:cTn>
+                                        <p:tgtEl>
+                                          <p:spTgt spid="14">
+                                            <p:txEl>
+                                              <p:pRg st="2" end="2"/>
+                                            </p:txEl>
+                                          </p:spTgt>
+                                        </p:tgtEl>
+                                        <p:attrNameLst>
+                                          <p:attrName>style.visibility</p:attrName>
+                                        </p:attrNameLst>
+                                      </p:cBhvr>
+                                      <p:to>
+                                        <p:strVal val="visible"/>
+                                      </p:to>
+                                    </p:set>
+                                  </p:childTnLst>
+                                </p:cTn>
+                              </p:par>
+                              <p:par>
+                                <p:cTn id="7" presetID="1" presetClass="entr" presetSubtype="0" fill="hold" nodeType="withEffect">
+                                  <p:stCondLst>
+                                    <p:cond delay="0"/>
+                                  </p:stCondLst>
+                                  <p:childTnLst>
+                                    <p:set>
+                                      <p:cBhvr>
+                                        <p:cTn id="8" dur="1" fill="hold">
+                                          <p:stCondLst>
+                                            <p:cond delay="0"/>
+                                          </p:stCondLst>
+                                        </p:cTn>
+                                        <p:tgtEl>
+                                          <p:spTgt spid="14">
+                                            <p:txEl>
+                                              <p:pRg st="3" end="3"/>
+                                            </p:txEl>
+                                          </p:spTgt>
+                                        </p:tgtEl>
+                                        <p:attrNameLst>
+                                          <p:attrName>style.visibility</p:attrName>
+                                        </p:attrNameLst>
+                                      </p:cBhvr>
+                                      <p:to>
+                                        <p:strVal val="visible"/>
+                                      </p:to>
+                                    </p:set>
+                                  </p:childTnLst>
+                                </p:cTn>
+                              </p:par>
+                            </p:childTnLst>
+                          </p:cTn>
+                        </p:par>
+                      </p:childTnLst>
+                    </p:cTn>
+                  </p:par>
+                  <p:par>
+                    <p:cTn id="9" fill="hold">
+                      <p:stCondLst>
+                        <p:cond delay="indefinite"/>
+                      </p:stCondLst>
+                      <p:childTnLst>
+                        <p:par>
+                          <p:cTn id="10" fill="hold">
+                            <p:stCondLst>
+                              <p:cond delay="0"/>
+                            </p:stCondLst>
+                            <p:childTnLst>
+                              <p:par>
+                                <p:cTn id="11" presetID="1" presetClass="entr" presetSubtype="0" fill="hold" nodeType="clickEffect">
+                                  <p:stCondLst>
+                                    <p:cond delay="0"/>
+                                  </p:stCondLst>
+                                  <p:childTnLst>
+                                    <p:set>
+                                      <p:cBhvr>
+                                        <p:cTn id="12" dur="1" fill="hold">
+                                          <p:stCondLst>
+                                            <p:cond delay="0"/>
+                                          </p:stCondLst>
+                                        </p:cTn>
+                                        <p:tgtEl>
+                                          <p:spTgt spid="14">
+                                            <p:txEl>
+                                              <p:pRg st="4" end="4"/>
+                                            </p:txEl>
+                                          </p:spTgt>
+                                        </p:tgtEl>
+                                        <p:attrNameLst>
+                                          <p:attrName>style.visibility</p:attrName>
+                                        </p:attrNameLst>
+                                      </p:cBhvr>
+                                      <p:to>
+                                        <p:strVal val="visible"/>
+                                      </p:to>
+                                    </p:set>
+                                  </p:childTnLst>
+                                </p:cTn>
+                              </p:par>
+                            </p:childTnLst>
+                          </p:cTn>
+                        </p:par>
+                      </p:childTnLst>
+                    </p:cTn>
+                  </p:par>
+                  <p:par>
+                    <p:cTn id="13" fill="hold">
+                      <p:stCondLst>
+                        <p:cond delay="indefinite"/>
+                      </p:stCondLst>
+                      <p:childTnLst>
+                        <p:par>
+                          <p:cTn id="14" fill="hold">
+                            <p:stCondLst>
+                              <p:cond delay="0"/>
+                            </p:stCondLst>
+                            <p:childTnLst>
+                              <p:par>
+                                <p:cTn id="15" presetID="1" presetClass="entr" presetSubtype="0" fill="hold" nodeType="clickEffect">
+                                  <p:stCondLst>
+                                    <p:cond delay="0"/>
+                                  </p:stCondLst>
+                                  <p:childTnLst>
+                                    <p:set>
+                                      <p:cBhvr>
+                                        <p:cTn id="16" dur="1" fill="hold">
+                                          <p:stCondLst>
+                                            <p:cond delay="0"/>
+                                          </p:stCondLst>
+                                        </p:cTn>
+                                        <p:tgtEl>
+                                          <p:spTgt spid="14">
+                                            <p:txEl>
+                                              <p:pRg st="5" end="5"/>
+                                            </p:txEl>
+                                          </p:spTgt>
+                                        </p:tgtEl>
+                                        <p:attrNameLst>
+                                          <p:attrName>style.visibility</p:attrName>
+                                        </p:attrNameLst>
+                                      </p:cBhvr>
+                                      <p:to>
+                                        <p:strVal val="visible"/>
+                                      </p:to>
+                                    </p:set>
+                                  </p:childTnLst>
+                                </p:cTn>
+                              </p:par>
+                            </p:childTnLst>
+                          </p:cTn>
+                        </p:par>
+                      </p:childTnLst>
+                    </p:cTn>
+                  </p:par>
+                  <p:par>
+                    <p:cTn id="17" fill="hold">
+                      <p:stCondLst>
+                        <p:cond delay="indefinite"/>
+                      </p:stCondLst>
+                      <p:childTnLst>
+                        <p:par>
+                          <p:cTn id="18" fill="hold">
+                            <p:stCondLst>
+                              <p:cond delay="0"/>
+                            </p:stCondLst>
+                            <p:childTnLst>
+                              <p:par>
+                                <p:cTn id="19" presetID="1" presetClass="entr" presetSubtype="0" fill="hold" nodeType="clickEffect">
+                                  <p:stCondLst>
+                                    <p:cond delay="0"/>
+                                  </p:stCondLst>
+                                  <p:childTnLst>
+                                    <p:set>
+                                      <p:cBhvr>
+                                        <p:cTn id="20" dur="1" fill="hold">
+                                          <p:stCondLst>
+                                            <p:cond delay="0"/>
+                                          </p:stCondLst>
+                                        </p:cTn>
+                                        <p:tgtEl>
+                                          <p:spTgt spid="14">
+                                            <p:txEl>
+                                              <p:pRg st="6" end="6"/>
+                                            </p:txEl>
+                                          </p:spTgt>
+                                        </p:tgtEl>
+                                        <p:attrNameLst>
+                                          <p:attrName>style.visibility</p:attrName>
+                                        </p:attrNameLst>
+                                      </p:cBhvr>
+                                      <p:to>
+                                        <p:strVal val="visible"/>
+                                      </p:to>
+                                    </p:set>
+                                  </p:childTnLst>
+                                </p:cTn>
+                              </p:par>
+                            </p:childTnLst>
+                          </p:cTn>
+                        </p:par>
+                      </p:childTnLst>
+                    </p:cTn>
+                  </p:par>
+                  <p:par>
+                    <p:cTn id="21" fill="hold">
+                      <p:stCondLst>
+                        <p:cond delay="indefinite"/>
+                      </p:stCondLst>
+                      <p:childTnLst>
+                        <p:par>
+                          <p:cTn id="22" fill="hold">
+                            <p:stCondLst>
+                              <p:cond delay="0"/>
+                            </p:stCondLst>
+                            <p:childTnLst>
+                              <p:par>
+                                <p:cTn id="23" presetID="1" presetClass="entr" presetSubtype="0" fill="hold" nodeType="clickEffect">
+                                  <p:stCondLst>
+                                    <p:cond delay="0"/>
+                                  </p:stCondLst>
+                                  <p:childTnLst>
+                                    <p:set>
+                                      <p:cBhvr>
+                                        <p:cTn id="24" dur="1" fill="hold">
+                                          <p:stCondLst>
+                                            <p:cond delay="0"/>
+                                          </p:stCondLst>
+                                        </p:cTn>
+                                        <p:tgtEl>
+                                          <p:spTgt spid="14">
+                                            <p:txEl>
+                                              <p:pRg st="7" end="7"/>
+                                            </p:txEl>
+                                          </p:spTgt>
+                                        </p:tgtEl>
+                                        <p:attrNameLst>
+                                          <p:attrName>style.visibility</p:attrName>
+                                        </p:attrNameLst>
+                                      </p:cBhvr>
+                                      <p:to>
+                                        <p:strVal val="visible"/>
+                                      </p:to>
+                                    </p:set>
+                                  </p:childTnLst>
+                                </p:cTn>
+                              </p:par>
+                            </p:childTnLst>
+                          </p:cTn>
+                        </p:par>
+                      </p:childTnLst>
+                    </p:cTn>
+                  </p:par>
+                  <p:par>
+                    <p:cTn id="25" fill="hold">
+                      <p:stCondLst>
+                        <p:cond delay="indefinite"/>
+                      </p:stCondLst>
+                      <p:childTnLst>
+                        <p:par>
+                          <p:cTn id="26" fill="hold">
+                            <p:stCondLst>
+                              <p:cond delay="0"/>
+                            </p:stCondLst>
+                            <p:childTnLst>
+                              <p:par>
+                                <p:cTn id="27" presetID="1" presetClass="entr" presetSubtype="0" fill="hold" nodeType="clickEffect">
+                                  <p:stCondLst>
+                                    <p:cond delay="0"/>
+                                  </p:stCondLst>
+                                  <p:childTnLst>
+                                    <p:set>
+                                      <p:cBhvr>
+                                        <p:cTn id="28" dur="1" fill="hold">
+                                          <p:stCondLst>
+                                            <p:cond delay="0"/>
+                                          </p:stCondLst>
+                                        </p:cTn>
+                                        <p:tgtEl>
+                                          <p:spTgt spid="14">
+                                            <p:txEl>
+                                              <p:pRg st="8" end="8"/>
+                                            </p:txEl>
+                                          </p:spTgt>
+                                        </p:tgtEl>
+                                        <p:attrNameLst>
+                                          <p:attrName>style.visibility</p:attrName>
+                                        </p:attrNameLst>
+                                      </p:cBhvr>
+                                      <p:to>
+                                        <p:strVal val="visible"/>
+                                      </p:to>
+                                    </p:set>
+                                  </p:childTnLst>
+                                </p:cTn>
+                              </p:par>
+                            </p:childTnLst>
+                          </p:cTn>
+                        </p:par>
+                      </p:childTnLst>
+                    </p:cTn>
+                  </p:par>
+                </p:childTnLst>
+              </p:cTn>
+              <p:prevCondLst>
+                <p:cond evt="onPrev" delay="0">
+                  <p:tgtEl>
+                    <p:sldTgt/>
+                  </p:tgtEl>
+                </p:cond>
+              </p:prevCondLst>
+              <p:nextCondLst>
+                <p:cond evt="onNext" delay="0">
+                  <p:tgtEl>
+                    <p:sldTgt/>
+                  </p:tgtEl>
+                </p:cond>
+              </p:nextCondLst>
+            </p:seq>
+          </p:childTnLst>
+        </p:cTn>
       </p:par>
     </p:tnLst>
   </p:timing>
 </p:sld>
 </file>
 
-<file path=ppt/slides/slide21.xml><?xml version="1.0" encoding="utf-8"?>
+<file path=ppt/slides/slide26.xml><?xml version="1.0" encoding="utf-8"?>
 <p:sld xmlns:a="http://schemas.openxmlformats.org/drawingml/2006/main" xmlns:r="http://schemas.openxmlformats.org/officeDocument/2006/relationships" xmlns:p="http://schemas.openxmlformats.org/presentationml/2006/main">
   <p:cSld>
     <p:spTree>
@@ -23332,7 +28166,7 @@
           <p:cNvPr id="5" name="Group 4">
             <a:extLst>
               <a:ext uri="{FF2B5EF4-FFF2-40B4-BE49-F238E27FC236}">
-                <a16:creationId xmlns:a16="http://schemas.microsoft.com/office/drawing/2014/main" xmlns="" id="{1A67F800-7980-E3CA-7188-3C478C8E98B8}"/>
+                <a16:creationId xmlns="" xmlns:a16="http://schemas.microsoft.com/office/drawing/2014/main" id="{1A67F800-7980-E3CA-7188-3C478C8E98B8}"/>
               </a:ext>
             </a:extLst>
           </p:cNvPr>
@@ -23352,7 +28186,7 @@
             <p:cNvPr id="7" name="Picture 6" descr="A picture containing text, sign, vector graphics&#10;&#10;Description automatically generated">
               <a:extLst>
                 <a:ext uri="{FF2B5EF4-FFF2-40B4-BE49-F238E27FC236}">
-                  <a16:creationId xmlns:a16="http://schemas.microsoft.com/office/drawing/2014/main" xmlns="" id="{15CE28B1-02BA-4014-E149-BF1EE09447ED}"/>
+                  <a16:creationId xmlns="" xmlns:a16="http://schemas.microsoft.com/office/drawing/2014/main" id="{15CE28B1-02BA-4014-E149-BF1EE09447ED}"/>
                 </a:ext>
               </a:extLst>
             </p:cNvPr>
@@ -23382,7 +28216,7 @@
             <p:cNvPr id="9" name="Picture 8" descr="Logo&#10;&#10;Description automatically generated">
               <a:extLst>
                 <a:ext uri="{FF2B5EF4-FFF2-40B4-BE49-F238E27FC236}">
-                  <a16:creationId xmlns:a16="http://schemas.microsoft.com/office/drawing/2014/main" xmlns="" id="{5F82FF4F-4AD2-4B3B-1445-F3C6BA268522}"/>
+                  <a16:creationId xmlns="" xmlns:a16="http://schemas.microsoft.com/office/drawing/2014/main" id="{5F82FF4F-4AD2-4B3B-1445-F3C6BA268522}"/>
                 </a:ext>
               </a:extLst>
             </p:cNvPr>
@@ -23412,7 +28246,7 @@
             <p:cNvPr id="11" name="Picture 10" descr="Logo&#10;&#10;Description automatically generated">
               <a:extLst>
                 <a:ext uri="{FF2B5EF4-FFF2-40B4-BE49-F238E27FC236}">
-                  <a16:creationId xmlns:a16="http://schemas.microsoft.com/office/drawing/2014/main" xmlns="" id="{68CCA8DB-9EFC-F9BC-57AE-81E4F843E863}"/>
+                  <a16:creationId xmlns="" xmlns:a16="http://schemas.microsoft.com/office/drawing/2014/main" id="{68CCA8DB-9EFC-F9BC-57AE-81E4F843E863}"/>
                 </a:ext>
               </a:extLst>
             </p:cNvPr>
@@ -23442,7 +28276,7 @@
             <p:cNvPr id="13" name="Picture 12" descr="Logo&#10;&#10;Description automatically generated">
               <a:extLst>
                 <a:ext uri="{FF2B5EF4-FFF2-40B4-BE49-F238E27FC236}">
-                  <a16:creationId xmlns:a16="http://schemas.microsoft.com/office/drawing/2014/main" xmlns="" id="{3FDF9297-50FA-E866-B6CE-9D64B1E892BF}"/>
+                  <a16:creationId xmlns="" xmlns:a16="http://schemas.microsoft.com/office/drawing/2014/main" id="{3FDF9297-50FA-E866-B6CE-9D64B1E892BF}"/>
                 </a:ext>
               </a:extLst>
             </p:cNvPr>
@@ -23472,7 +28306,7 @@
             <p:cNvPr id="18" name="Graphic 17">
               <a:extLst>
                 <a:ext uri="{FF2B5EF4-FFF2-40B4-BE49-F238E27FC236}">
-                  <a16:creationId xmlns:a16="http://schemas.microsoft.com/office/drawing/2014/main" xmlns="" id="{2A1BC0C9-7A7B-9C5B-B457-3E86E59EF29E}"/>
+                  <a16:creationId xmlns="" xmlns:a16="http://schemas.microsoft.com/office/drawing/2014/main" id="{2A1BC0C9-7A7B-9C5B-B457-3E86E59EF29E}"/>
                 </a:ext>
               </a:extLst>
             </p:cNvPr>
@@ -23485,7 +28319,7 @@
             <a:blip r:embed="rId7" cstate="print">
               <a:extLst>
                 <a:ext uri="{96DAC541-7B7A-43D3-8B79-37D633B846F1}">
-                  <asvg:svgBlip xmlns:asvg="http://schemas.microsoft.com/office/drawing/2016/SVG/main" xmlns="" r:embed="rId8"/>
+                  <asvg:svgBlip xmlns="" xmlns:asvg="http://schemas.microsoft.com/office/drawing/2016/SVG/main" r:embed="rId8"/>
                 </a:ext>
               </a:extLst>
             </a:blip>
@@ -23508,7 +28342,7 @@
             <p:cNvPr id="20" name="Graphic 19">
               <a:extLst>
                 <a:ext uri="{FF2B5EF4-FFF2-40B4-BE49-F238E27FC236}">
-                  <a16:creationId xmlns:a16="http://schemas.microsoft.com/office/drawing/2014/main" xmlns="" id="{DBE174DA-A182-7E57-06D4-86AFA26D484D}"/>
+                  <a16:creationId xmlns="" xmlns:a16="http://schemas.microsoft.com/office/drawing/2014/main" id="{DBE174DA-A182-7E57-06D4-86AFA26D484D}"/>
                 </a:ext>
               </a:extLst>
             </p:cNvPr>
@@ -23521,7 +28355,7 @@
             <a:blip r:embed="rId9" cstate="print">
               <a:extLst>
                 <a:ext uri="{96DAC541-7B7A-43D3-8B79-37D633B846F1}">
-                  <asvg:svgBlip xmlns:asvg="http://schemas.microsoft.com/office/drawing/2016/SVG/main" xmlns="" r:embed="rId10"/>
+                  <asvg:svgBlip xmlns="" xmlns:asvg="http://schemas.microsoft.com/office/drawing/2016/SVG/main" r:embed="rId10"/>
                 </a:ext>
               </a:extLst>
             </a:blip>
@@ -23544,7 +28378,7 @@
             <p:cNvPr id="22" name="Picture 21" descr="Logo&#10;&#10;Description automatically generated">
               <a:extLst>
                 <a:ext uri="{FF2B5EF4-FFF2-40B4-BE49-F238E27FC236}">
-                  <a16:creationId xmlns:a16="http://schemas.microsoft.com/office/drawing/2014/main" xmlns="" id="{9B7FFC36-A4BC-7A53-AB82-82C398A47538}"/>
+                  <a16:creationId xmlns="" xmlns:a16="http://schemas.microsoft.com/office/drawing/2014/main" id="{9B7FFC36-A4BC-7A53-AB82-82C398A47538}"/>
                 </a:ext>
               </a:extLst>
             </p:cNvPr>
@@ -23574,7 +28408,7 @@
             <p:cNvPr id="36" name="Group 35">
               <a:extLst>
                 <a:ext uri="{FF2B5EF4-FFF2-40B4-BE49-F238E27FC236}">
-                  <a16:creationId xmlns:a16="http://schemas.microsoft.com/office/drawing/2014/main" xmlns="" id="{3FB2AEAC-BDEE-9D5F-67A3-17CEDA699052}"/>
+                  <a16:creationId xmlns="" xmlns:a16="http://schemas.microsoft.com/office/drawing/2014/main" id="{3FB2AEAC-BDEE-9D5F-67A3-17CEDA699052}"/>
                 </a:ext>
               </a:extLst>
             </p:cNvPr>
@@ -23594,7 +28428,7 @@
               <p:cNvPr id="31" name="Straight Connector 30">
                 <a:extLst>
                   <a:ext uri="{FF2B5EF4-FFF2-40B4-BE49-F238E27FC236}">
-                    <a16:creationId xmlns:a16="http://schemas.microsoft.com/office/drawing/2014/main" xmlns="" id="{AA38ABD5-1637-DC80-A922-DF10E4F75CDE}"/>
+                    <a16:creationId xmlns="" xmlns:a16="http://schemas.microsoft.com/office/drawing/2014/main" id="{AA38ABD5-1637-DC80-A922-DF10E4F75CDE}"/>
                   </a:ext>
                 </a:extLst>
               </p:cNvPr>
@@ -23637,7 +28471,7 @@
               <p:cNvPr id="33" name="Picture 32">
                 <a:extLst>
                   <a:ext uri="{FF2B5EF4-FFF2-40B4-BE49-F238E27FC236}">
-                    <a16:creationId xmlns:a16="http://schemas.microsoft.com/office/drawing/2014/main" xmlns="" id="{617B586A-0BC5-5E32-7E67-FD277547ED69}"/>
+                    <a16:creationId xmlns="" xmlns:a16="http://schemas.microsoft.com/office/drawing/2014/main" id="{617B586A-0BC5-5E32-7E67-FD277547ED69}"/>
                   </a:ext>
                 </a:extLst>
               </p:cNvPr>
@@ -23669,7 +28503,7 @@
           <p:cNvPr id="40" name="Picture 39" descr="Logo&#10;&#10;Description automatically generated">
             <a:extLst>
               <a:ext uri="{FF2B5EF4-FFF2-40B4-BE49-F238E27FC236}">
-                <a16:creationId xmlns:a16="http://schemas.microsoft.com/office/drawing/2014/main" xmlns="" id="{9C30DD70-D438-6D27-35D3-8BB874966D84}"/>
+                <a16:creationId xmlns="" xmlns:a16="http://schemas.microsoft.com/office/drawing/2014/main" id="{9C30DD70-D438-6D27-35D3-8BB874966D84}"/>
               </a:ext>
             </a:extLst>
           </p:cNvPr>
@@ -23699,7 +28533,7 @@
           <p:cNvPr id="2" name="Google Shape;441;p37">
             <a:extLst>
               <a:ext uri="{FF2B5EF4-FFF2-40B4-BE49-F238E27FC236}">
-                <a16:creationId xmlns:a16="http://schemas.microsoft.com/office/drawing/2014/main" xmlns="" id="{2AFB472C-93C2-241B-75FA-457782840F92}"/>
+                <a16:creationId xmlns="" xmlns:a16="http://schemas.microsoft.com/office/drawing/2014/main" id="{2AFB472C-93C2-241B-75FA-457782840F92}"/>
               </a:ext>
             </a:extLst>
           </p:cNvPr>
@@ -24004,7 +28838,7 @@
           <p:cNvPr id="14" name="Картина 13">
             <a:extLst>
               <a:ext uri="{FF2B5EF4-FFF2-40B4-BE49-F238E27FC236}">
-                <a16:creationId xmlns:a16="http://schemas.microsoft.com/office/drawing/2014/main" xmlns="" id="{54B365E9-8FD0-6D5B-2DFC-723EE5DDD555}"/>
+                <a16:creationId xmlns="" xmlns:a16="http://schemas.microsoft.com/office/drawing/2014/main" id="{54B365E9-8FD0-6D5B-2DFC-723EE5DDD555}"/>
               </a:ext>
             </a:extLst>
           </p:cNvPr>
@@ -24034,7 +28868,7 @@
           <p:cNvPr id="16" name="Картина 15">
             <a:extLst>
               <a:ext uri="{FF2B5EF4-FFF2-40B4-BE49-F238E27FC236}">
-                <a16:creationId xmlns:a16="http://schemas.microsoft.com/office/drawing/2014/main" xmlns="" id="{3BD6ABFC-02BF-2D42-B42B-6929222F37B6}"/>
+                <a16:creationId xmlns="" xmlns:a16="http://schemas.microsoft.com/office/drawing/2014/main" id="{3BD6ABFC-02BF-2D42-B42B-6929222F37B6}"/>
               </a:ext>
             </a:extLst>
           </p:cNvPr>
@@ -24062,7 +28896,7 @@
     </p:spTree>
     <p:extLst>
       <p:ext uri="{BB962C8B-B14F-4D97-AF65-F5344CB8AC3E}">
-        <p14:creationId xmlns:p14="http://schemas.microsoft.com/office/powerpoint/2010/main" xmlns="" val="2144060659"/>
+        <p14:creationId xmlns="" xmlns:p14="http://schemas.microsoft.com/office/powerpoint/2010/main" val="2144060659"/>
       </p:ext>
     </p:extLst>
   </p:cSld>
@@ -24079,7 +28913,7 @@
 </p:sld>
 </file>
 
-<file path=ppt/slides/slide22.xml><?xml version="1.0" encoding="utf-8"?>
+<file path=ppt/slides/slide27.xml><?xml version="1.0" encoding="utf-8"?>
 <p:sld xmlns:a="http://schemas.openxmlformats.org/drawingml/2006/main" xmlns:r="http://schemas.openxmlformats.org/officeDocument/2006/relationships" xmlns:p="http://schemas.openxmlformats.org/presentationml/2006/main">
   <p:cSld>
     <p:spTree>
@@ -24101,7 +28935,7 @@
           <p:cNvPr id="5" name="Slide Number">
             <a:extLst>
               <a:ext uri="{FF2B5EF4-FFF2-40B4-BE49-F238E27FC236}">
-                <a16:creationId xmlns:a16="http://schemas.microsoft.com/office/drawing/2014/main" xmlns="" id="{F48C3C93-90A1-4D31-BEA6-B54D1106CE31}"/>
+                <a16:creationId xmlns="" xmlns:a16="http://schemas.microsoft.com/office/drawing/2014/main" id="{F48C3C93-90A1-4D31-BEA6-B54D1106CE31}"/>
               </a:ext>
             </a:extLst>
           </p:cNvPr>
@@ -24132,7 +28966,7 @@
             <a:fld id="{2BF067CD-8E6B-4360-9AA8-C5DF2A48A6D1}" type="slidenum">
               <a:rPr lang="en-US" smtClean="0"/>
               <a:pPr/>
-              <a:t>22</a:t>
+              <a:t>27</a:t>
             </a:fld>
             <a:endParaRPr lang="en-US" dirty="0"/>
           </a:p>
@@ -24143,7 +28977,7 @@
           <p:cNvPr id="2" name="Slide Body">
             <a:extLst>
               <a:ext uri="{FF2B5EF4-FFF2-40B4-BE49-F238E27FC236}">
-                <a16:creationId xmlns:a16="http://schemas.microsoft.com/office/drawing/2014/main" xmlns="" id="{980F49B1-E4BE-4389-A747-7AB9B71AD920}"/>
+                <a16:creationId xmlns="" xmlns:a16="http://schemas.microsoft.com/office/drawing/2014/main" id="{980F49B1-E4BE-4389-A747-7AB9B71AD920}"/>
               </a:ext>
             </a:extLst>
           </p:cNvPr>
@@ -24277,7 +29111,7 @@
           <p:cNvPr id="6" name="Picture License" descr="License">
             <a:extLst>
               <a:ext uri="{FF2B5EF4-FFF2-40B4-BE49-F238E27FC236}">
-                <a16:creationId xmlns:a16="http://schemas.microsoft.com/office/drawing/2014/main" xmlns="" id="{A10A2585-858C-4B1E-8846-27CF1C15729E}"/>
+                <a16:creationId xmlns="" xmlns:a16="http://schemas.microsoft.com/office/drawing/2014/main" id="{A10A2585-858C-4B1E-8846-27CF1C15729E}"/>
               </a:ext>
             </a:extLst>
           </p:cNvPr>
@@ -24318,7 +29152,7 @@
           <p:cNvPr id="3" name="Slide Title">
             <a:extLst>
               <a:ext uri="{FF2B5EF4-FFF2-40B4-BE49-F238E27FC236}">
-                <a16:creationId xmlns:a16="http://schemas.microsoft.com/office/drawing/2014/main" xmlns="" id="{E5F1FB41-80C3-4816-BC47-CCC50632E6E8}"/>
+                <a16:creationId xmlns="" xmlns:a16="http://schemas.microsoft.com/office/drawing/2014/main" id="{E5F1FB41-80C3-4816-BC47-CCC50632E6E8}"/>
               </a:ext>
             </a:extLst>
           </p:cNvPr>
@@ -24344,7 +29178,7 @@
     </p:spTree>
     <p:extLst>
       <p:ext uri="{BB962C8B-B14F-4D97-AF65-F5344CB8AC3E}">
-        <p14:creationId xmlns:p14="http://schemas.microsoft.com/office/powerpoint/2010/main" xmlns="" val="3506533871"/>
+        <p14:creationId xmlns="" xmlns:p14="http://schemas.microsoft.com/office/powerpoint/2010/main" val="3506533871"/>
       </p:ext>
     </p:extLst>
   </p:cSld>
@@ -24352,7 +29186,7 @@
     <a:masterClrMapping/>
   </p:clrMapOvr>
   <mc:AlternateContent xmlns:mc="http://schemas.openxmlformats.org/markup-compatibility/2006">
-    <mc:Choice xmlns:p14="http://schemas.microsoft.com/office/powerpoint/2010/main" xmlns="" Requires="p14">
+    <mc:Choice xmlns="" xmlns:p14="http://schemas.microsoft.com/office/powerpoint/2010/main" Requires="p14">
       <p:transition spd="slow" p14:dur="2000" advClick="0" advTm="5000"/>
     </mc:Choice>
     <mc:Fallback>
@@ -24464,7 +29298,7 @@
     <a:masterClrMapping/>
   </p:clrMapOvr>
   <mc:AlternateContent xmlns:mc="http://schemas.openxmlformats.org/markup-compatibility/2006">
-    <mc:Choice xmlns:p14="http://schemas.microsoft.com/office/powerpoint/2010/main" xmlns="" Requires="p14">
+    <mc:Choice xmlns="" xmlns:p14="http://schemas.microsoft.com/office/powerpoint/2010/main" Requires="p14">
       <p:transition spd="slow" p14:dur="2000" advClick="0" advTm="5000"/>
     </mc:Choice>
     <mc:Fallback>
@@ -24660,7 +29494,7 @@
     <a:masterClrMapping/>
   </p:clrMapOvr>
   <mc:AlternateContent xmlns:mc="http://schemas.openxmlformats.org/markup-compatibility/2006">
-    <mc:Choice xmlns:p14="http://schemas.microsoft.com/office/powerpoint/2010/main" xmlns="" Requires="p14">
+    <mc:Choice xmlns="" xmlns:p14="http://schemas.microsoft.com/office/powerpoint/2010/main" Requires="p14">
       <p:transition spd="slow" p14:dur="2000" advClick="0" advTm="5000"/>
     </mc:Choice>
     <mc:Fallback>
@@ -24989,7 +29823,7 @@
     <a:masterClrMapping/>
   </p:clrMapOvr>
   <mc:AlternateContent xmlns:mc="http://schemas.openxmlformats.org/markup-compatibility/2006">
-    <mc:Choice xmlns:p14="http://schemas.microsoft.com/office/powerpoint/2010/main" xmlns="" Requires="p14">
+    <mc:Choice xmlns="" xmlns:p14="http://schemas.microsoft.com/office/powerpoint/2010/main" Requires="p14">
       <p:transition spd="slow" p14:dur="2000" advClick="0" advTm="5000"/>
     </mc:Choice>
     <mc:Fallback>
@@ -25500,7 +30334,7 @@
           <p:cNvPr id="8" name="AutoShape 5">
             <a:extLst>
               <a:ext uri="{FF2B5EF4-FFF2-40B4-BE49-F238E27FC236}">
-                <a16:creationId xmlns="" xmlns:a16="http://schemas.microsoft.com/office/drawing/2014/main" id="{F571EDF2-BA8D-4C84-8360-12467530B87E}"/>
+                <a16:creationId xmlns:a16="http://schemas.microsoft.com/office/drawing/2014/main" xmlns="" id="{F571EDF2-BA8D-4C84-8360-12467530B87E}"/>
               </a:ext>
             </a:extLst>
           </p:cNvPr>
@@ -25646,7 +30480,7 @@
           <p:cNvPr id="9" name="AutoShape 5">
             <a:extLst>
               <a:ext uri="{FF2B5EF4-FFF2-40B4-BE49-F238E27FC236}">
-                <a16:creationId xmlns="" xmlns:a16="http://schemas.microsoft.com/office/drawing/2014/main" id="{F571EDF2-BA8D-4C84-8360-12467530B87E}"/>
+                <a16:creationId xmlns:a16="http://schemas.microsoft.com/office/drawing/2014/main" xmlns="" id="{F571EDF2-BA8D-4C84-8360-12467530B87E}"/>
               </a:ext>
             </a:extLst>
           </p:cNvPr>
@@ -25736,7 +30570,7 @@
     <a:masterClrMapping/>
   </p:clrMapOvr>
   <mc:AlternateContent xmlns:mc="http://schemas.openxmlformats.org/markup-compatibility/2006">
-    <mc:Choice xmlns:p14="http://schemas.microsoft.com/office/powerpoint/2010/main" xmlns="" Requires="p14">
+    <mc:Choice xmlns="" xmlns:p14="http://schemas.microsoft.com/office/powerpoint/2010/main" Requires="p14">
       <p:transition spd="slow" p14:dur="2000" advClick="0" advTm="5000"/>
     </mc:Choice>
     <mc:Fallback>
@@ -26015,7 +30849,7 @@
           <p:nvPr>
             <p:extLst>
               <p:ext uri="{D42A27DB-BD31-4B8C-83A1-F6EECF244321}">
-                <p14:modId xmlns="" xmlns:p14="http://schemas.microsoft.com/office/powerpoint/2010/main" val="1102571627"/>
+                <p14:modId xmlns:p14="http://schemas.microsoft.com/office/powerpoint/2010/main" xmlns="" val="1102571627"/>
               </p:ext>
             </p:extLst>
           </p:nvPr>
@@ -26034,21 +30868,21 @@
                 <a:gridCol w="1559860">
                   <a:extLst>
                     <a:ext uri="{9D8B030D-6E8A-4147-A177-3AD203B41FA5}">
-                      <a16:colId xmlns="" xmlns:a16="http://schemas.microsoft.com/office/drawing/2014/main" val="20000"/>
+                      <a16:colId xmlns:a16="http://schemas.microsoft.com/office/drawing/2014/main" xmlns="" val="20000"/>
                     </a:ext>
                   </a:extLst>
                 </a:gridCol>
                 <a:gridCol w="1792940">
                   <a:extLst>
                     <a:ext uri="{9D8B030D-6E8A-4147-A177-3AD203B41FA5}">
-                      <a16:colId xmlns="" xmlns:a16="http://schemas.microsoft.com/office/drawing/2014/main" val="20001"/>
+                      <a16:colId xmlns:a16="http://schemas.microsoft.com/office/drawing/2014/main" xmlns="" val="20001"/>
                     </a:ext>
                   </a:extLst>
                 </a:gridCol>
                 <a:gridCol w="1950721">
                   <a:extLst>
                     <a:ext uri="{9D8B030D-6E8A-4147-A177-3AD203B41FA5}">
-                      <a16:colId xmlns="" xmlns:a16="http://schemas.microsoft.com/office/drawing/2014/main" val="20002"/>
+                      <a16:colId xmlns:a16="http://schemas.microsoft.com/office/drawing/2014/main" xmlns="" val="20002"/>
                     </a:ext>
                   </a:extLst>
                 </a:gridCol>
@@ -26587,7 +31421,7 @@
                 </a:tc>
                 <a:extLst>
                   <a:ext uri="{0D108BD9-81ED-4DB2-BD59-A6C34878D82A}">
-                    <a16:rowId xmlns="" xmlns:a16="http://schemas.microsoft.com/office/drawing/2014/main" val="10001"/>
+                    <a16:rowId xmlns:a16="http://schemas.microsoft.com/office/drawing/2014/main" xmlns="" val="10001"/>
                   </a:ext>
                 </a:extLst>
               </a:tr>
@@ -26833,7 +31667,7 @@
                 </a:tc>
                 <a:extLst>
                   <a:ext uri="{0D108BD9-81ED-4DB2-BD59-A6C34878D82A}">
-                    <a16:rowId xmlns="" xmlns:a16="http://schemas.microsoft.com/office/drawing/2014/main" val="10002"/>
+                    <a16:rowId xmlns:a16="http://schemas.microsoft.com/office/drawing/2014/main" xmlns="" val="10002"/>
                   </a:ext>
                 </a:extLst>
               </a:tr>
@@ -27592,7 +32426,7 @@
     <a:masterClrMapping/>
   </p:clrMapOvr>
   <mc:AlternateContent xmlns:mc="http://schemas.openxmlformats.org/markup-compatibility/2006">
-    <mc:Choice xmlns:p14="http://schemas.microsoft.com/office/powerpoint/2010/main" xmlns="" Requires="p14">
+    <mc:Choice xmlns="" xmlns:p14="http://schemas.microsoft.com/office/powerpoint/2010/main" Requires="p14">
       <p:transition spd="slow" p14:dur="2000" advClick="0" advTm="5000"/>
     </mc:Choice>
     <mc:Fallback>
@@ -27652,7 +32486,7 @@
             <a:blip r:embed="rId3" cstate="print">
               <a:extLst>
                 <a:ext uri="{28A0092B-C50C-407E-A947-70E740481C1C}">
-                  <a14:useLocalDpi xmlns="" xmlns:a14="http://schemas.microsoft.com/office/drawing/2010/main" val="0"/>
+                  <a14:useLocalDpi xmlns:a14="http://schemas.microsoft.com/office/drawing/2010/main" xmlns="" val="0"/>
                 </a:ext>
               </a:extLst>
             </a:blip>
@@ -27682,7 +32516,7 @@
             <a:blip r:embed="rId4" cstate="print">
               <a:extLst>
                 <a:ext uri="{BEBA8EAE-BF5A-486C-A8C5-ECC9F3942E4B}">
-                  <a14:imgProps xmlns="" xmlns:a14="http://schemas.microsoft.com/office/drawing/2010/main">
+                  <a14:imgProps xmlns:a14="http://schemas.microsoft.com/office/drawing/2010/main" xmlns="">
                     <a14:imgLayer r:embed="rId5">
                       <a14:imgEffect>
                         <a14:brightnessContrast bright="13000"/>
@@ -27691,7 +32525,7 @@
                   </a14:imgProps>
                 </a:ext>
                 <a:ext uri="{28A0092B-C50C-407E-A947-70E740481C1C}">
-                  <a14:useLocalDpi xmlns="" xmlns:a14="http://schemas.microsoft.com/office/drawing/2010/main" val="0"/>
+                  <a14:useLocalDpi xmlns:a14="http://schemas.microsoft.com/office/drawing/2010/main" xmlns="" val="0"/>
                 </a:ext>
               </a:extLst>
             </a:blip>
@@ -27721,7 +32555,7 @@
             <a:blip r:embed="rId6" cstate="print">
               <a:extLst>
                 <a:ext uri="{BEBA8EAE-BF5A-486C-A8C5-ECC9F3942E4B}">
-                  <a14:imgProps xmlns="" xmlns:a14="http://schemas.microsoft.com/office/drawing/2010/main">
+                  <a14:imgProps xmlns:a14="http://schemas.microsoft.com/office/drawing/2010/main" xmlns="">
                     <a14:imgLayer r:embed="rId7">
                       <a14:imgEffect>
                         <a14:brightnessContrast bright="37000"/>
@@ -27730,7 +32564,7 @@
                   </a14:imgProps>
                 </a:ext>
                 <a:ext uri="{28A0092B-C50C-407E-A947-70E740481C1C}">
-                  <a14:useLocalDpi xmlns="" xmlns:a14="http://schemas.microsoft.com/office/drawing/2010/main" val="0"/>
+                  <a14:useLocalDpi xmlns:a14="http://schemas.microsoft.com/office/drawing/2010/main" xmlns="" val="0"/>
                 </a:ext>
               </a:extLst>
             </a:blip>
@@ -27754,7 +32588,7 @@
           <p:cNvPr id="4" name="Title 3">
             <a:extLst>
               <a:ext uri="{FF2B5EF4-FFF2-40B4-BE49-F238E27FC236}">
-                <a16:creationId xmlns="" xmlns:a16="http://schemas.microsoft.com/office/drawing/2014/main" id="{84B15084-1EDB-45FA-849F-A9E6D1C9F87D}"/>
+                <a16:creationId xmlns:a16="http://schemas.microsoft.com/office/drawing/2014/main" xmlns="" id="{84B15084-1EDB-45FA-849F-A9E6D1C9F87D}"/>
               </a:ext>
             </a:extLst>
           </p:cNvPr>
@@ -27783,7 +32617,7 @@
           <p:cNvPr id="7" name="Subtitle 6">
             <a:extLst>
               <a:ext uri="{FF2B5EF4-FFF2-40B4-BE49-F238E27FC236}">
-                <a16:creationId xmlns="" xmlns:a16="http://schemas.microsoft.com/office/drawing/2014/main" id="{B164C44A-7219-435E-914F-0B59FC8DBFCA}"/>
+                <a16:creationId xmlns:a16="http://schemas.microsoft.com/office/drawing/2014/main" xmlns="" id="{B164C44A-7219-435E-914F-0B59FC8DBFCA}"/>
               </a:ext>
             </a:extLst>
           </p:cNvPr>
@@ -27810,7 +32644,7 @@
     </p:spTree>
     <p:extLst>
       <p:ext uri="{BB962C8B-B14F-4D97-AF65-F5344CB8AC3E}">
-        <p14:creationId xmlns="" xmlns:p14="http://schemas.microsoft.com/office/powerpoint/2010/main" val="969028049"/>
+        <p14:creationId xmlns:p14="http://schemas.microsoft.com/office/powerpoint/2010/main" xmlns="" val="969028049"/>
       </p:ext>
     </p:extLst>
   </p:cSld>
@@ -27818,7 +32652,7 @@
     <a:masterClrMapping/>
   </p:clrMapOvr>
   <mc:AlternateContent xmlns:mc="http://schemas.openxmlformats.org/markup-compatibility/2006">
-    <mc:Choice xmlns="" xmlns:p14="http://schemas.microsoft.com/office/powerpoint/2010/main" Requires="p14">
+    <mc:Choice xmlns:p14="http://schemas.microsoft.com/office/powerpoint/2010/main" xmlns="" Requires="p14">
       <p:transition spd="slow" p14:dur="2000" advClick="0" advTm="5000"/>
     </mc:Choice>
     <mc:Fallback>
@@ -27857,7 +32691,7 @@
           <p:cNvPr id="9" name="Content Placeholder 8">
             <a:extLst>
               <a:ext uri="{FF2B5EF4-FFF2-40B4-BE49-F238E27FC236}">
-                <a16:creationId xmlns="" xmlns:a16="http://schemas.microsoft.com/office/drawing/2014/main" id="{174334DD-7BAB-4A22-AE78-E4D6B4A60AD0}"/>
+                <a16:creationId xmlns:a16="http://schemas.microsoft.com/office/drawing/2014/main" xmlns="" id="{174334DD-7BAB-4A22-AE78-E4D6B4A60AD0}"/>
               </a:ext>
             </a:extLst>
           </p:cNvPr>
@@ -27931,14 +32765,14 @@
                 <a:gridCol w="1704814">
                   <a:extLst>
                     <a:ext uri="{9D8B030D-6E8A-4147-A177-3AD203B41FA5}">
-                      <a16:colId xmlns="" xmlns:a16="http://schemas.microsoft.com/office/drawing/2014/main" val="1594468805"/>
+                      <a16:colId xmlns:a16="http://schemas.microsoft.com/office/drawing/2014/main" xmlns="" val="1594468805"/>
                     </a:ext>
                   </a:extLst>
                 </a:gridCol>
                 <a:gridCol w="2486186">
                   <a:extLst>
                     <a:ext uri="{9D8B030D-6E8A-4147-A177-3AD203B41FA5}">
-                      <a16:colId xmlns="" xmlns:a16="http://schemas.microsoft.com/office/drawing/2014/main" val="683614382"/>
+                      <a16:colId xmlns:a16="http://schemas.microsoft.com/office/drawing/2014/main" xmlns="" val="683614382"/>
                     </a:ext>
                   </a:extLst>
                 </a:gridCol>
@@ -28001,7 +32835,7 @@
                 </a:tc>
                 <a:extLst>
                   <a:ext uri="{0D108BD9-81ED-4DB2-BD59-A6C34878D82A}">
-                    <a16:rowId xmlns="" xmlns:a16="http://schemas.microsoft.com/office/drawing/2014/main" val="1969825376"/>
+                    <a16:rowId xmlns:a16="http://schemas.microsoft.com/office/drawing/2014/main" xmlns="" val="1969825376"/>
                   </a:ext>
                 </a:extLst>
               </a:tr>
@@ -28050,7 +32884,7 @@
                 </a:tc>
                 <a:extLst>
                   <a:ext uri="{0D108BD9-81ED-4DB2-BD59-A6C34878D82A}">
-                    <a16:rowId xmlns="" xmlns:a16="http://schemas.microsoft.com/office/drawing/2014/main" val="2845318136"/>
+                    <a16:rowId xmlns:a16="http://schemas.microsoft.com/office/drawing/2014/main" xmlns="" val="2845318136"/>
                   </a:ext>
                 </a:extLst>
               </a:tr>
@@ -28099,7 +32933,7 @@
                 </a:tc>
                 <a:extLst>
                   <a:ext uri="{0D108BD9-81ED-4DB2-BD59-A6C34878D82A}">
-                    <a16:rowId xmlns="" xmlns:a16="http://schemas.microsoft.com/office/drawing/2014/main" val="2968156586"/>
+                    <a16:rowId xmlns:a16="http://schemas.microsoft.com/office/drawing/2014/main" xmlns="" val="2968156586"/>
                   </a:ext>
                 </a:extLst>
               </a:tr>
@@ -28148,7 +32982,7 @@
                 </a:tc>
                 <a:extLst>
                   <a:ext uri="{0D108BD9-81ED-4DB2-BD59-A6C34878D82A}">
-                    <a16:rowId xmlns="" xmlns:a16="http://schemas.microsoft.com/office/drawing/2014/main" val="1476753229"/>
+                    <a16:rowId xmlns:a16="http://schemas.microsoft.com/office/drawing/2014/main" xmlns="" val="1476753229"/>
                   </a:ext>
                 </a:extLst>
               </a:tr>
@@ -28207,14 +33041,14 @@
                 <a:gridCol w="2590800">
                   <a:extLst>
                     <a:ext uri="{9D8B030D-6E8A-4147-A177-3AD203B41FA5}">
-                      <a16:colId xmlns="" xmlns:a16="http://schemas.microsoft.com/office/drawing/2014/main" val="1594468805"/>
+                      <a16:colId xmlns:a16="http://schemas.microsoft.com/office/drawing/2014/main" xmlns="" val="1594468805"/>
                     </a:ext>
                   </a:extLst>
                 </a:gridCol>
                 <a:gridCol w="1600200">
                   <a:extLst>
                     <a:ext uri="{9D8B030D-6E8A-4147-A177-3AD203B41FA5}">
-                      <a16:colId xmlns="" xmlns:a16="http://schemas.microsoft.com/office/drawing/2014/main" val="683614382"/>
+                      <a16:colId xmlns:a16="http://schemas.microsoft.com/office/drawing/2014/main" xmlns="" val="683614382"/>
                     </a:ext>
                   </a:extLst>
                 </a:gridCol>
@@ -28260,7 +33094,7 @@
                 </a:tc>
                 <a:extLst>
                   <a:ext uri="{0D108BD9-81ED-4DB2-BD59-A6C34878D82A}">
-                    <a16:rowId xmlns="" xmlns:a16="http://schemas.microsoft.com/office/drawing/2014/main" val="1969825376"/>
+                    <a16:rowId xmlns:a16="http://schemas.microsoft.com/office/drawing/2014/main" xmlns="" val="1969825376"/>
                   </a:ext>
                 </a:extLst>
               </a:tr>
@@ -28309,7 +33143,7 @@
                 </a:tc>
                 <a:extLst>
                   <a:ext uri="{0D108BD9-81ED-4DB2-BD59-A6C34878D82A}">
-                    <a16:rowId xmlns="" xmlns:a16="http://schemas.microsoft.com/office/drawing/2014/main" val="2845318136"/>
+                    <a16:rowId xmlns:a16="http://schemas.microsoft.com/office/drawing/2014/main" xmlns="" val="2845318136"/>
                   </a:ext>
                 </a:extLst>
               </a:tr>
@@ -28690,7 +33524,7 @@
           <p:cNvPr id="17" name="Slide Number">
             <a:extLst>
               <a:ext uri="{FF2B5EF4-FFF2-40B4-BE49-F238E27FC236}">
-                <a16:creationId xmlns="" xmlns:a16="http://schemas.microsoft.com/office/drawing/2014/main" id="{8557AFEC-E42F-4557-92F7-7DA53E20272D}"/>
+                <a16:creationId xmlns:a16="http://schemas.microsoft.com/office/drawing/2014/main" xmlns="" id="{8557AFEC-E42F-4557-92F7-7DA53E20272D}"/>
               </a:ext>
             </a:extLst>
           </p:cNvPr>
@@ -28818,7 +33652,7 @@
     </p:spTree>
     <p:extLst>
       <p:ext uri="{BB962C8B-B14F-4D97-AF65-F5344CB8AC3E}">
-        <p14:creationId xmlns="" xmlns:p14="http://schemas.microsoft.com/office/powerpoint/2010/main" val="826980726"/>
+        <p14:creationId xmlns:p14="http://schemas.microsoft.com/office/powerpoint/2010/main" xmlns="" val="826980726"/>
       </p:ext>
     </p:extLst>
   </p:cSld>
@@ -28826,7 +33660,7 @@
     <a:masterClrMapping/>
   </p:clrMapOvr>
   <mc:AlternateContent xmlns:mc="http://schemas.openxmlformats.org/markup-compatibility/2006">
-    <mc:Choice xmlns="" xmlns:p14="http://schemas.microsoft.com/office/powerpoint/2010/main" Requires="p14">
+    <mc:Choice xmlns:p14="http://schemas.microsoft.com/office/powerpoint/2010/main" xmlns="" Requires="p14">
       <p:transition spd="slow" p14:dur="2000" advClick="0" advTm="5000"/>
     </mc:Choice>
     <mc:Fallback>
@@ -29405,7 +34239,7 @@
   <a:extraClrSchemeLst/>
   <a:extLst>
     <a:ext uri="{05A4C25C-085E-4340-85A3-A5531E510DB2}">
-      <thm15:themeFamily xmlns:thm15="http://schemas.microsoft.com/office/thememl/2012/main" xmlns="" name="SoftUni" id="{D61FAD9B-6E74-4E03-BFE4-B363D484F1DA}" vid="{7089C1A3-635B-4B03-A017-DAF10A3A396B}"/>
+      <thm15:themeFamily xmlns="" xmlns:thm15="http://schemas.microsoft.com/office/thememl/2012/main" name="SoftUni" id="{D61FAD9B-6E74-4E03-BFE4-B363D484F1DA}" vid="{7089C1A3-635B-4B03-A017-DAF10A3A396B}"/>
     </a:ext>
   </a:extLst>
 </a:theme>
@@ -29700,7 +34534,7 @@
   <a:extraClrSchemeLst/>
   <a:extLst>
     <a:ext uri="{05A4C25C-085E-4340-85A3-A5531E510DB2}">
-      <thm15:themeFamily xmlns:thm15="http://schemas.microsoft.com/office/thememl/2012/main" xmlns="" name="Office Theme" id="{62F939B6-93AF-4DB8-9C6B-D6C7DFDC589F}" vid="{4A3C46E8-61CC-4603-A589-7422A47A8E4A}"/>
+      <thm15:themeFamily xmlns="" xmlns:thm15="http://schemas.microsoft.com/office/thememl/2012/main" name="Office Theme" id="{62F939B6-93AF-4DB8-9C6B-D6C7DFDC589F}" vid="{4A3C46E8-61CC-4603-A589-7422A47A8E4A}"/>
     </a:ext>
   </a:extLst>
 </a:theme>
@@ -29995,16 +34829,19 @@
   <a:extraClrSchemeLst/>
   <a:extLst>
     <a:ext uri="{05A4C25C-085E-4340-85A3-A5531E510DB2}">
-      <thm15:themeFamily xmlns:thm15="http://schemas.microsoft.com/office/thememl/2012/main" xmlns="" name="Office Theme" id="{62F939B6-93AF-4DB8-9C6B-D6C7DFDC589F}" vid="{4A3C46E8-61CC-4603-A589-7422A47A8E4A}"/>
+      <thm15:themeFamily xmlns="" xmlns:thm15="http://schemas.microsoft.com/office/thememl/2012/main" name="Office Theme" id="{62F939B6-93AF-4DB8-9C6B-D6C7DFDC589F}" vid="{4A3C46E8-61CC-4603-A589-7422A47A8E4A}"/>
     </a:ext>
   </a:extLst>
 </a:theme>
 </file>
 
 <file path=customXml/item1.xml><?xml version="1.0" encoding="utf-8"?>
-<p:properties xmlns:p="http://schemas.microsoft.com/office/2006/metadata/properties" xmlns:xsi="http://www.w3.org/2001/XMLSchema-instance" xmlns:pc="http://schemas.microsoft.com/office/infopath/2007/PartnerControls">
-  <documentManagement/>
-</p:properties>
+<?mso-contentType ?>
+<FormTemplates xmlns="http://schemas.microsoft.com/sharepoint/v3/contenttype/forms">
+  <Display>DocumentLibraryForm</Display>
+  <Edit>DocumentLibraryForm</Edit>
+  <New>DocumentLibraryForm</New>
+</FormTemplates>
 </file>
 
 <file path=customXml/item2.xml><?xml version="1.0" encoding="utf-8"?>
@@ -30180,26 +35017,15 @@
 </file>
 
 <file path=customXml/item3.xml><?xml version="1.0" encoding="utf-8"?>
-<?mso-contentType ?>
-<FormTemplates xmlns="http://schemas.microsoft.com/sharepoint/v3/contenttype/forms">
-  <Display>DocumentLibraryForm</Display>
-  <Edit>DocumentLibraryForm</Edit>
-  <New>DocumentLibraryForm</New>
-</FormTemplates>
+<p:properties xmlns:p="http://schemas.microsoft.com/office/2006/metadata/properties" xmlns:xsi="http://www.w3.org/2001/XMLSchema-instance" xmlns:pc="http://schemas.microsoft.com/office/infopath/2007/PartnerControls">
+  <documentManagement/>
+</p:properties>
 </file>
 
 <file path=customXml/itemProps1.xml><?xml version="1.0" encoding="utf-8"?>
-<ds:datastoreItem xmlns:ds="http://schemas.openxmlformats.org/officeDocument/2006/customXml" ds:itemID="{5E2F4A33-1866-4BB8-8A35-8D6BDFE8D9F5}">
+<ds:datastoreItem xmlns:ds="http://schemas.openxmlformats.org/officeDocument/2006/customXml" ds:itemID="{68A20BEC-F81B-49CD-951D-E62C4BAE7796}">
   <ds:schemaRefs>
-    <ds:schemaRef ds:uri="http://schemas.microsoft.com/office/infopath/2007/PartnerControls"/>
-    <ds:schemaRef ds:uri="http://purl.org/dc/dcmitype/"/>
-    <ds:schemaRef ds:uri="http://schemas.microsoft.com/office/2006/documentManagement/types"/>
-    <ds:schemaRef ds:uri="http://schemas.microsoft.com/office/2006/metadata/properties"/>
-    <ds:schemaRef ds:uri="http://www.w3.org/XML/1998/namespace"/>
-    <ds:schemaRef ds:uri="4f985cec-e092-4bcf-a1e1-b816bd0221d8"/>
-    <ds:schemaRef ds:uri="http://schemas.openxmlformats.org/package/2006/metadata/core-properties"/>
-    <ds:schemaRef ds:uri="http://purl.org/dc/terms/"/>
-    <ds:schemaRef ds:uri="http://purl.org/dc/elements/1.1/"/>
+    <ds:schemaRef ds:uri="http://schemas.microsoft.com/sharepoint/v3/contenttype/forms"/>
   </ds:schemaRefs>
 </ds:datastoreItem>
 </file>
@@ -30223,9 +35049,17 @@
 </file>
 
 <file path=customXml/itemProps3.xml><?xml version="1.0" encoding="utf-8"?>
-<ds:datastoreItem xmlns:ds="http://schemas.openxmlformats.org/officeDocument/2006/customXml" ds:itemID="{68A20BEC-F81B-49CD-951D-E62C4BAE7796}">
+<ds:datastoreItem xmlns:ds="http://schemas.openxmlformats.org/officeDocument/2006/customXml" ds:itemID="{5E2F4A33-1866-4BB8-8A35-8D6BDFE8D9F5}">
   <ds:schemaRefs>
-    <ds:schemaRef ds:uri="http://schemas.microsoft.com/sharepoint/v3/contenttype/forms"/>
+    <ds:schemaRef ds:uri="http://schemas.microsoft.com/office/infopath/2007/PartnerControls"/>
+    <ds:schemaRef ds:uri="http://purl.org/dc/dcmitype/"/>
+    <ds:schemaRef ds:uri="http://schemas.microsoft.com/office/2006/documentManagement/types"/>
+    <ds:schemaRef ds:uri="http://schemas.microsoft.com/office/2006/metadata/properties"/>
+    <ds:schemaRef ds:uri="http://www.w3.org/XML/1998/namespace"/>
+    <ds:schemaRef ds:uri="4f985cec-e092-4bcf-a1e1-b816bd0221d8"/>
+    <ds:schemaRef ds:uri="http://schemas.openxmlformats.org/package/2006/metadata/core-properties"/>
+    <ds:schemaRef ds:uri="http://purl.org/dc/terms/"/>
+    <ds:schemaRef ds:uri="http://purl.org/dc/elements/1.1/"/>
   </ds:schemaRefs>
 </ds:datastoreItem>
 </file>
--- a/Courses/Software-Sciences/Module-3-Databases-New/09-Complex-Joins-and-Subqueries/09-Complex-Joins-and-Subqueries.pptx
+++ b/Courses/Software-Sciences/Module-3-Databases-New/09-Complex-Joins-and-Subqueries/09-Complex-Joins-and-Subqueries.pptx
@@ -138,7 +138,7 @@
   </p:defaultTextStyle>
   <p:extLst>
     <p:ext uri="{521415D9-36F7-43E2-AB2F-B90AF26B5E84}">
-      <p14:sectionLst xmlns="" xmlns:p14="http://schemas.microsoft.com/office/powerpoint/2010/main">
+      <p14:sectionLst xmlns:p14="http://schemas.microsoft.com/office/powerpoint/2010/main" xmlns="">
         <p14:section name="Въведение" id="{A0C7653D-1924-4F56-9E27-AA2B21F1DA92}">
           <p14:sldIdLst>
             <p14:sldId id="503"/>
@@ -197,7 +197,7 @@
       </p14:sectionLst>
     </p:ext>
     <p:ext uri="{EFAFB233-063F-42B5-8137-9DF3F51BA10A}">
-      <p15:sldGuideLst xmlns="" xmlns:p15="http://schemas.microsoft.com/office/powerpoint/2012/main">
+      <p15:sldGuideLst xmlns:p15="http://schemas.microsoft.com/office/powerpoint/2012/main" xmlns="">
         <p15:guide id="1" orient="horz" pos="2184" userDrawn="1">
           <p15:clr>
             <a:srgbClr val="A4A3A4"/>
@@ -211,7 +211,7 @@
       </p15:sldGuideLst>
     </p:ext>
     <p:ext uri="{2D200454-40CA-4A62-9FC3-DE9A4176ACB9}">
-      <p15:notesGuideLst xmlns="" xmlns:p15="http://schemas.microsoft.com/office/powerpoint/2012/main"/>
+      <p15:notesGuideLst xmlns:p15="http://schemas.microsoft.com/office/powerpoint/2012/main" xmlns=""/>
     </p:ext>
   </p:extLst>
 </p:presentation>
@@ -244,7 +244,7 @@
           <p:cNvPr id="2" name="Header Placeholder 1">
             <a:extLst>
               <a:ext uri="{FF2B5EF4-FFF2-40B4-BE49-F238E27FC236}">
-                <a16:creationId xmlns="" xmlns:a16="http://schemas.microsoft.com/office/drawing/2014/main" id="{56F20103-83CC-4A54-8FDE-9D37FC2629C0}"/>
+                <a16:creationId xmlns:a16="http://schemas.microsoft.com/office/drawing/2014/main" xmlns="" id="{56F20103-83CC-4A54-8FDE-9D37FC2629C0}"/>
               </a:ext>
             </a:extLst>
           </p:cNvPr>
@@ -281,7 +281,7 @@
           <p:cNvPr id="3" name="Date Placeholder 2">
             <a:extLst>
               <a:ext uri="{FF2B5EF4-FFF2-40B4-BE49-F238E27FC236}">
-                <a16:creationId xmlns="" xmlns:a16="http://schemas.microsoft.com/office/drawing/2014/main" id="{27A53962-26EF-44E4-9E69-61B1727AB1C2}"/>
+                <a16:creationId xmlns:a16="http://schemas.microsoft.com/office/drawing/2014/main" xmlns="" id="{27A53962-26EF-44E4-9E69-61B1727AB1C2}"/>
               </a:ext>
             </a:extLst>
           </p:cNvPr>
@@ -312,7 +312,7 @@
             <a:fld id="{4E087215-0C8F-4762-A664-737A353EC9A4}" type="datetimeFigureOut">
               <a:rPr lang="bg-BG" smtClean="0"/>
               <a:pPr/>
-              <a:t>24.8.2023 г.</a:t>
+              <a:t>25.8.2023 г.</a:t>
             </a:fld>
             <a:endParaRPr lang="bg-BG" dirty="0"/>
           </a:p>
@@ -323,7 +323,7 @@
           <p:cNvPr id="4" name="Footer Placeholder 3">
             <a:extLst>
               <a:ext uri="{FF2B5EF4-FFF2-40B4-BE49-F238E27FC236}">
-                <a16:creationId xmlns="" xmlns:a16="http://schemas.microsoft.com/office/drawing/2014/main" id="{28A6967E-448F-4887-8FCB-34482EFBCC74}"/>
+                <a16:creationId xmlns:a16="http://schemas.microsoft.com/office/drawing/2014/main" xmlns="" id="{28A6967E-448F-4887-8FCB-34482EFBCC74}"/>
               </a:ext>
             </a:extLst>
           </p:cNvPr>
@@ -373,7 +373,7 @@
           <p:cNvPr id="5" name="Slide Number Placeholder 4">
             <a:extLst>
               <a:ext uri="{FF2B5EF4-FFF2-40B4-BE49-F238E27FC236}">
-                <a16:creationId xmlns="" xmlns:a16="http://schemas.microsoft.com/office/drawing/2014/main" id="{8B6554C2-DDBA-40E2-9536-53A07EC50274}"/>
+                <a16:creationId xmlns:a16="http://schemas.microsoft.com/office/drawing/2014/main" xmlns="" id="{8B6554C2-DDBA-40E2-9536-53A07EC50274}"/>
               </a:ext>
             </a:extLst>
           </p:cNvPr>
@@ -413,7 +413,7 @@
     </p:spTree>
     <p:extLst>
       <p:ext uri="{BB962C8B-B14F-4D97-AF65-F5344CB8AC3E}">
-        <p14:creationId xmlns="" xmlns:p14="http://schemas.microsoft.com/office/powerpoint/2010/main" val="4150602968"/>
+        <p14:creationId xmlns:p14="http://schemas.microsoft.com/office/powerpoint/2010/main" xmlns="" val="4150602968"/>
       </p:ext>
     </p:extLst>
   </p:cSld>
@@ -505,7 +505,7 @@
             <a:fld id="{72D84649-876A-46C9-8472-14CB09C070D8}" type="datetimeFigureOut">
               <a:rPr lang="en-US" smtClean="0"/>
               <a:pPr/>
-              <a:t>8/24/2023</a:t>
+              <a:t>8/25/2023</a:t>
             </a:fld>
             <a:endParaRPr lang="en-US" dirty="0"/>
           </a:p>
@@ -644,7 +644,7 @@
           <p:cNvPr id="8" name="Footer Placeholder 7">
             <a:extLst>
               <a:ext uri="{FF2B5EF4-FFF2-40B4-BE49-F238E27FC236}">
-                <a16:creationId xmlns="" xmlns:a16="http://schemas.microsoft.com/office/drawing/2014/main" id="{CAC3A49B-3196-44DF-AC28-085C72EFBFF0}"/>
+                <a16:creationId xmlns:a16="http://schemas.microsoft.com/office/drawing/2014/main" xmlns="" id="{CAC3A49B-3196-44DF-AC28-085C72EFBFF0}"/>
               </a:ext>
             </a:extLst>
           </p:cNvPr>
@@ -692,7 +692,7 @@
     </p:spTree>
     <p:extLst>
       <p:ext uri="{BB962C8B-B14F-4D97-AF65-F5344CB8AC3E}">
-        <p14:creationId xmlns="" xmlns:p14="http://schemas.microsoft.com/office/powerpoint/2010/main" val="1530847692"/>
+        <p14:creationId xmlns:p14="http://schemas.microsoft.com/office/powerpoint/2010/main" xmlns="" val="1530847692"/>
       </p:ext>
     </p:extLst>
   </p:cSld>
@@ -839,7 +839,7 @@
           <p:cNvPr id="8" name="Slide Image Placeholder 7">
             <a:extLst>
               <a:ext uri="{FF2B5EF4-FFF2-40B4-BE49-F238E27FC236}">
-                <a16:creationId xmlns="" xmlns:a16="http://schemas.microsoft.com/office/drawing/2014/main" id="{78811095-27E9-49AB-972B-D4E20B3963A6}"/>
+                <a16:creationId xmlns:a16="http://schemas.microsoft.com/office/drawing/2014/main" xmlns="" id="{78811095-27E9-49AB-972B-D4E20B3963A6}"/>
               </a:ext>
             </a:extLst>
           </p:cNvPr>
@@ -857,7 +857,7 @@
           <p:cNvPr id="9" name="Notes Placeholder 8">
             <a:extLst>
               <a:ext uri="{FF2B5EF4-FFF2-40B4-BE49-F238E27FC236}">
-                <a16:creationId xmlns="" xmlns:a16="http://schemas.microsoft.com/office/drawing/2014/main" id="{E923224B-0CC3-475A-8628-8A90751AE61A}"/>
+                <a16:creationId xmlns:a16="http://schemas.microsoft.com/office/drawing/2014/main" xmlns="" id="{E923224B-0CC3-475A-8628-8A90751AE61A}"/>
               </a:ext>
             </a:extLst>
           </p:cNvPr>
@@ -882,7 +882,7 @@
           <p:cNvPr id="2" name="Footer Placeholder 1">
             <a:extLst>
               <a:ext uri="{FF2B5EF4-FFF2-40B4-BE49-F238E27FC236}">
-                <a16:creationId xmlns="" xmlns:a16="http://schemas.microsoft.com/office/drawing/2014/main" id="{3288A3F3-90B1-4930-8D00-5603BDABEF10}"/>
+                <a16:creationId xmlns:a16="http://schemas.microsoft.com/office/drawing/2014/main" xmlns="" id="{3288A3F3-90B1-4930-8D00-5603BDABEF10}"/>
               </a:ext>
             </a:extLst>
           </p:cNvPr>
@@ -918,7 +918,7 @@
     </p:spTree>
     <p:extLst>
       <p:ext uri="{BB962C8B-B14F-4D97-AF65-F5344CB8AC3E}">
-        <p14:creationId xmlns="" xmlns:p14="http://schemas.microsoft.com/office/powerpoint/2010/main" val="2594489433"/>
+        <p14:creationId xmlns:p14="http://schemas.microsoft.com/office/powerpoint/2010/main" xmlns="" val="2594489433"/>
       </p:ext>
     </p:extLst>
   </p:cSld>
@@ -1211,7 +1211,7 @@
           <p:cNvPr id="7" name="Slide Number Placeholder 5">
             <a:extLst>
               <a:ext uri="{FF2B5EF4-FFF2-40B4-BE49-F238E27FC236}">
-                <a16:creationId xmlns="" xmlns:a16="http://schemas.microsoft.com/office/drawing/2014/main" id="{E65F1CA9-65DC-416B-8882-B3A5E415CE67}"/>
+                <a16:creationId xmlns:a16="http://schemas.microsoft.com/office/drawing/2014/main" xmlns="" id="{E65F1CA9-65DC-416B-8882-B3A5E415CE67}"/>
               </a:ext>
             </a:extLst>
           </p:cNvPr>
@@ -1341,7 +1341,7 @@
           <p:cNvPr id="4" name="Footer Placeholder 3">
             <a:extLst>
               <a:ext uri="{FF2B5EF4-FFF2-40B4-BE49-F238E27FC236}">
-                <a16:creationId xmlns="" xmlns:a16="http://schemas.microsoft.com/office/drawing/2014/main" id="{C5BD11C3-9FCD-4EAE-876D-E766924FAFF2}"/>
+                <a16:creationId xmlns:a16="http://schemas.microsoft.com/office/drawing/2014/main" xmlns="" id="{C5BD11C3-9FCD-4EAE-876D-E766924FAFF2}"/>
               </a:ext>
             </a:extLst>
           </p:cNvPr>
@@ -1377,7 +1377,7 @@
     </p:spTree>
     <p:extLst>
       <p:ext uri="{BB962C8B-B14F-4D97-AF65-F5344CB8AC3E}">
-        <p14:creationId xmlns="" xmlns:p14="http://schemas.microsoft.com/office/powerpoint/2010/main" val="1860974293"/>
+        <p14:creationId xmlns:p14="http://schemas.microsoft.com/office/powerpoint/2010/main" xmlns="" val="1860974293"/>
       </p:ext>
     </p:extLst>
   </p:cSld>
@@ -1462,7 +1462,7 @@
     </p:spTree>
     <p:extLst>
       <p:ext uri="{BB962C8B-B14F-4D97-AF65-F5344CB8AC3E}">
-        <p14:creationId xmlns="" xmlns:p14="http://schemas.microsoft.com/office/powerpoint/2010/main" val="1201445929"/>
+        <p14:creationId xmlns:p14="http://schemas.microsoft.com/office/powerpoint/2010/main" xmlns="" val="1201445929"/>
       </p:ext>
     </p:extLst>
   </p:cSld>
@@ -1525,7 +1525,7 @@
           <p:cNvPr id="6" name="Slide Number Placeholder 5">
             <a:extLst>
               <a:ext uri="{FF2B5EF4-FFF2-40B4-BE49-F238E27FC236}">
-                <a16:creationId xmlns="" xmlns:a16="http://schemas.microsoft.com/office/drawing/2014/main" id="{6627548A-4D3C-449B-81A5-FA4BE4628490}"/>
+                <a16:creationId xmlns:a16="http://schemas.microsoft.com/office/drawing/2014/main" xmlns="" id="{6627548A-4D3C-449B-81A5-FA4BE4628490}"/>
               </a:ext>
             </a:extLst>
           </p:cNvPr>
@@ -1655,7 +1655,7 @@
           <p:cNvPr id="4" name="Footer Placeholder 3">
             <a:extLst>
               <a:ext uri="{FF2B5EF4-FFF2-40B4-BE49-F238E27FC236}">
-                <a16:creationId xmlns="" xmlns:a16="http://schemas.microsoft.com/office/drawing/2014/main" id="{D2472CE7-61C1-4B7B-B0C8-5A45F0178717}"/>
+                <a16:creationId xmlns:a16="http://schemas.microsoft.com/office/drawing/2014/main" xmlns="" id="{D2472CE7-61C1-4B7B-B0C8-5A45F0178717}"/>
               </a:ext>
             </a:extLst>
           </p:cNvPr>
@@ -1691,7 +1691,7 @@
     </p:spTree>
     <p:extLst>
       <p:ext uri="{BB962C8B-B14F-4D97-AF65-F5344CB8AC3E}">
-        <p14:creationId xmlns="" xmlns:p14="http://schemas.microsoft.com/office/powerpoint/2010/main" val="729041308"/>
+        <p14:creationId xmlns:p14="http://schemas.microsoft.com/office/powerpoint/2010/main" xmlns="" val="729041308"/>
       </p:ext>
     </p:extLst>
   </p:cSld>
@@ -1723,7 +1723,7 @@
           <p:cNvPr id="14" name="Slide Image Placeholder 13">
             <a:extLst>
               <a:ext uri="{FF2B5EF4-FFF2-40B4-BE49-F238E27FC236}">
-                <a16:creationId xmlns="" xmlns:a16="http://schemas.microsoft.com/office/drawing/2014/main" id="{A1F0B3C6-2E53-4CA3-86D1-53D46EC35267}"/>
+                <a16:creationId xmlns:a16="http://schemas.microsoft.com/office/drawing/2014/main" xmlns="" id="{A1F0B3C6-2E53-4CA3-86D1-53D46EC35267}"/>
               </a:ext>
             </a:extLst>
           </p:cNvPr>
@@ -1741,7 +1741,7 @@
           <p:cNvPr id="15" name="Notes Placeholder 14">
             <a:extLst>
               <a:ext uri="{FF2B5EF4-FFF2-40B4-BE49-F238E27FC236}">
-                <a16:creationId xmlns="" xmlns:a16="http://schemas.microsoft.com/office/drawing/2014/main" id="{149CC699-A079-49A5-A4D6-73B7F849A7DC}"/>
+                <a16:creationId xmlns:a16="http://schemas.microsoft.com/office/drawing/2014/main" xmlns="" id="{149CC699-A079-49A5-A4D6-73B7F849A7DC}"/>
               </a:ext>
             </a:extLst>
           </p:cNvPr>
@@ -1766,7 +1766,7 @@
           <p:cNvPr id="19" name="Slide Number Placeholder 5">
             <a:extLst>
               <a:ext uri="{FF2B5EF4-FFF2-40B4-BE49-F238E27FC236}">
-                <a16:creationId xmlns="" xmlns:a16="http://schemas.microsoft.com/office/drawing/2014/main" id="{121F4233-7E9A-40D2-9066-2DB14E2FA5AD}"/>
+                <a16:creationId xmlns:a16="http://schemas.microsoft.com/office/drawing/2014/main" xmlns="" id="{121F4233-7E9A-40D2-9066-2DB14E2FA5AD}"/>
               </a:ext>
             </a:extLst>
           </p:cNvPr>
@@ -1896,7 +1896,7 @@
           <p:cNvPr id="2" name="Footer Placeholder 1">
             <a:extLst>
               <a:ext uri="{FF2B5EF4-FFF2-40B4-BE49-F238E27FC236}">
-                <a16:creationId xmlns="" xmlns:a16="http://schemas.microsoft.com/office/drawing/2014/main" id="{D18F1DFF-B3E7-4ABF-97EE-0BBF3A961EC5}"/>
+                <a16:creationId xmlns:a16="http://schemas.microsoft.com/office/drawing/2014/main" xmlns="" id="{D18F1DFF-B3E7-4ABF-97EE-0BBF3A961EC5}"/>
               </a:ext>
             </a:extLst>
           </p:cNvPr>
@@ -1932,7 +1932,7 @@
     </p:spTree>
     <p:extLst>
       <p:ext uri="{BB962C8B-B14F-4D97-AF65-F5344CB8AC3E}">
-        <p14:creationId xmlns="" xmlns:p14="http://schemas.microsoft.com/office/powerpoint/2010/main" val="4028530743"/>
+        <p14:creationId xmlns:p14="http://schemas.microsoft.com/office/powerpoint/2010/main" xmlns="" val="4028530743"/>
       </p:ext>
     </p:extLst>
   </p:cSld>
@@ -2032,7 +2032,7 @@
           <p:cNvPr id="7" name="Footer Placeholder 7">
             <a:extLst>
               <a:ext uri="{FF2B5EF4-FFF2-40B4-BE49-F238E27FC236}">
-                <a16:creationId xmlns:a16="http://schemas.microsoft.com/office/drawing/2014/main" xmlns="" id="{56AA1182-9AB1-4D3A-8BB9-912E8B62BF2A}"/>
+                <a16:creationId xmlns="" xmlns:a16="http://schemas.microsoft.com/office/drawing/2014/main" id="{56AA1182-9AB1-4D3A-8BB9-912E8B62BF2A}"/>
               </a:ext>
             </a:extLst>
           </p:cNvPr>
@@ -2080,7 +2080,7 @@
     </p:spTree>
     <p:extLst>
       <p:ext uri="{BB962C8B-B14F-4D97-AF65-F5344CB8AC3E}">
-        <p14:creationId xmlns:p14="http://schemas.microsoft.com/office/powerpoint/2010/main" xmlns="" val="1373093975"/>
+        <p14:creationId xmlns="" xmlns:p14="http://schemas.microsoft.com/office/powerpoint/2010/main" val="1373093975"/>
       </p:ext>
     </p:extLst>
   </p:cSld>
@@ -2192,7 +2192,7 @@
           <p:cNvPr id="7" name="Footer Placeholder 7">
             <a:extLst>
               <a:ext uri="{FF2B5EF4-FFF2-40B4-BE49-F238E27FC236}">
-                <a16:creationId xmlns:a16="http://schemas.microsoft.com/office/drawing/2014/main" xmlns="" id="{769F3C2A-6839-40CC-ABF3-ADC3B2083BEC}"/>
+                <a16:creationId xmlns="" xmlns:a16="http://schemas.microsoft.com/office/drawing/2014/main" id="{769F3C2A-6839-40CC-ABF3-ADC3B2083BEC}"/>
               </a:ext>
             </a:extLst>
           </p:cNvPr>
@@ -2240,7 +2240,7 @@
     </p:spTree>
     <p:extLst>
       <p:ext uri="{BB962C8B-B14F-4D97-AF65-F5344CB8AC3E}">
-        <p14:creationId xmlns:p14="http://schemas.microsoft.com/office/powerpoint/2010/main" xmlns="" val="1589677150"/>
+        <p14:creationId xmlns="" xmlns:p14="http://schemas.microsoft.com/office/powerpoint/2010/main" val="1589677150"/>
       </p:ext>
     </p:extLst>
   </p:cSld>
@@ -2327,7 +2327,7 @@
           <p:cNvPr id="7" name="Footer Placeholder 7">
             <a:extLst>
               <a:ext uri="{FF2B5EF4-FFF2-40B4-BE49-F238E27FC236}">
-                <a16:creationId xmlns:a16="http://schemas.microsoft.com/office/drawing/2014/main" xmlns="" id="{67562BF2-0015-4011-80FF-0857D12BC27F}"/>
+                <a16:creationId xmlns="" xmlns:a16="http://schemas.microsoft.com/office/drawing/2014/main" id="{67562BF2-0015-4011-80FF-0857D12BC27F}"/>
               </a:ext>
             </a:extLst>
           </p:cNvPr>
@@ -2375,7 +2375,7 @@
     </p:spTree>
     <p:extLst>
       <p:ext uri="{BB962C8B-B14F-4D97-AF65-F5344CB8AC3E}">
-        <p14:creationId xmlns:p14="http://schemas.microsoft.com/office/powerpoint/2010/main" xmlns="" val="452608540"/>
+        <p14:creationId xmlns="" xmlns:p14="http://schemas.microsoft.com/office/powerpoint/2010/main" val="452608540"/>
       </p:ext>
     </p:extLst>
   </p:cSld>
@@ -2522,7 +2522,7 @@
           <p:cNvPr id="9" name="Footer Placeholder 7">
             <a:extLst>
               <a:ext uri="{FF2B5EF4-FFF2-40B4-BE49-F238E27FC236}">
-                <a16:creationId xmlns:a16="http://schemas.microsoft.com/office/drawing/2014/main" xmlns="" id="{0C9B08B0-F280-4682-AEAC-8DECAB371F64}"/>
+                <a16:creationId xmlns="" xmlns:a16="http://schemas.microsoft.com/office/drawing/2014/main" id="{0C9B08B0-F280-4682-AEAC-8DECAB371F64}"/>
               </a:ext>
             </a:extLst>
           </p:cNvPr>
@@ -2570,7 +2570,7 @@
     </p:spTree>
     <p:extLst>
       <p:ext uri="{BB962C8B-B14F-4D97-AF65-F5344CB8AC3E}">
-        <p14:creationId xmlns:p14="http://schemas.microsoft.com/office/powerpoint/2010/main" xmlns="" val="664285175"/>
+        <p14:creationId xmlns="" xmlns:p14="http://schemas.microsoft.com/office/powerpoint/2010/main" val="664285175"/>
       </p:ext>
     </p:extLst>
   </p:cSld>
@@ -2657,7 +2657,7 @@
           <p:cNvPr id="7" name="Footer Placeholder 7">
             <a:extLst>
               <a:ext uri="{FF2B5EF4-FFF2-40B4-BE49-F238E27FC236}">
-                <a16:creationId xmlns:a16="http://schemas.microsoft.com/office/drawing/2014/main" xmlns="" id="{A628E2D1-3510-4A58-9627-5EDC8B1E2217}"/>
+                <a16:creationId xmlns="" xmlns:a16="http://schemas.microsoft.com/office/drawing/2014/main" id="{A628E2D1-3510-4A58-9627-5EDC8B1E2217}"/>
               </a:ext>
             </a:extLst>
           </p:cNvPr>
@@ -2705,7 +2705,7 @@
     </p:spTree>
     <p:extLst>
       <p:ext uri="{BB962C8B-B14F-4D97-AF65-F5344CB8AC3E}">
-        <p14:creationId xmlns:p14="http://schemas.microsoft.com/office/powerpoint/2010/main" xmlns="" val="3851196914"/>
+        <p14:creationId xmlns="" xmlns:p14="http://schemas.microsoft.com/office/powerpoint/2010/main" val="3851196914"/>
       </p:ext>
     </p:extLst>
   </p:cSld>
@@ -2967,7 +2967,7 @@
           <p:cNvPr id="16" name="Rectangle Bottom">
             <a:extLst>
               <a:ext uri="{FF2B5EF4-FFF2-40B4-BE49-F238E27FC236}">
-                <a16:creationId xmlns="" xmlns:a16="http://schemas.microsoft.com/office/drawing/2014/main" id="{6854D183-0374-4B3E-B2CE-32F308A81591}"/>
+                <a16:creationId xmlns:a16="http://schemas.microsoft.com/office/drawing/2014/main" xmlns="" id="{6854D183-0374-4B3E-B2CE-32F308A81591}"/>
               </a:ext>
             </a:extLst>
           </p:cNvPr>
@@ -3048,7 +3048,7 @@
           <p:cNvPr id="14" name="Picture Logo SoftUni" descr="SoftUni logo">
             <a:extLst>
               <a:ext uri="{FF2B5EF4-FFF2-40B4-BE49-F238E27FC236}">
-                <a16:creationId xmlns="" xmlns:a16="http://schemas.microsoft.com/office/drawing/2014/main" id="{C4D6B2A2-DFF0-4712-BFEC-6676BEC99FEC}"/>
+                <a16:creationId xmlns:a16="http://schemas.microsoft.com/office/drawing/2014/main" xmlns="" id="{C4D6B2A2-DFF0-4712-BFEC-6676BEC99FEC}"/>
               </a:ext>
             </a:extLst>
           </p:cNvPr>
@@ -3071,7 +3071,7 @@
             </a:clrChange>
             <a:extLst>
               <a:ext uri="{28A0092B-C50C-407E-A947-70E740481C1C}">
-                <a14:useLocalDpi xmlns="" xmlns:a14="http://schemas.microsoft.com/office/drawing/2010/main" val="0"/>
+                <a14:useLocalDpi xmlns:a14="http://schemas.microsoft.com/office/drawing/2010/main" xmlns="" val="0"/>
               </a:ext>
             </a:extLst>
           </a:blip>
@@ -3094,7 +3094,7 @@
           <p:cNvPr id="31" name="Text Placeholder Company Site">
             <a:extLst>
               <a:ext uri="{FF2B5EF4-FFF2-40B4-BE49-F238E27FC236}">
-                <a16:creationId xmlns="" xmlns:a16="http://schemas.microsoft.com/office/drawing/2014/main" id="{3E6B87B7-9D33-4EBB-BD4F-C0436BA3FD72}"/>
+                <a16:creationId xmlns:a16="http://schemas.microsoft.com/office/drawing/2014/main" xmlns="" id="{3E6B87B7-9D33-4EBB-BD4F-C0436BA3FD72}"/>
               </a:ext>
             </a:extLst>
           </p:cNvPr>
@@ -3156,7 +3156,7 @@
           <p:cNvPr id="30" name="Text Placeholder Company Name">
             <a:extLst>
               <a:ext uri="{FF2B5EF4-FFF2-40B4-BE49-F238E27FC236}">
-                <a16:creationId xmlns="" xmlns:a16="http://schemas.microsoft.com/office/drawing/2014/main" id="{2EA92DCA-4DB5-4D03-ACD3-A6A296592D0C}"/>
+                <a16:creationId xmlns:a16="http://schemas.microsoft.com/office/drawing/2014/main" xmlns="" id="{2EA92DCA-4DB5-4D03-ACD3-A6A296592D0C}"/>
               </a:ext>
             </a:extLst>
           </p:cNvPr>
@@ -3218,7 +3218,7 @@
           <p:cNvPr id="35" name="Picture SoftUni Mascot" descr="SoftUni mascot">
             <a:extLst>
               <a:ext uri="{FF2B5EF4-FFF2-40B4-BE49-F238E27FC236}">
-                <a16:creationId xmlns="" xmlns:a16="http://schemas.microsoft.com/office/drawing/2014/main" id="{951E7DA9-C5F0-43D9-B013-3BDF9EEF029D}"/>
+                <a16:creationId xmlns:a16="http://schemas.microsoft.com/office/drawing/2014/main" xmlns="" id="{951E7DA9-C5F0-43D9-B013-3BDF9EEF029D}"/>
               </a:ext>
             </a:extLst>
           </p:cNvPr>
@@ -3231,7 +3231,7 @@
           <a:blip r:embed="rId3" cstate="print">
             <a:extLst>
               <a:ext uri="{28A0092B-C50C-407E-A947-70E740481C1C}">
-                <a14:useLocalDpi xmlns="" xmlns:a14="http://schemas.microsoft.com/office/drawing/2010/main" val="0"/>
+                <a14:useLocalDpi xmlns:a14="http://schemas.microsoft.com/office/drawing/2010/main" xmlns="" val="0"/>
               </a:ext>
             </a:extLst>
           </a:blip>
@@ -3254,7 +3254,7 @@
             <a:hlinkClick r:id="rId4"/>
             <a:extLst>
               <a:ext uri="{FF2B5EF4-FFF2-40B4-BE49-F238E27FC236}">
-                <a16:creationId xmlns="" xmlns:a16="http://schemas.microsoft.com/office/drawing/2014/main" id="{F2315EB3-3FE4-4D3B-921E-5F209CEC13CB}"/>
+                <a16:creationId xmlns:a16="http://schemas.microsoft.com/office/drawing/2014/main" xmlns="" id="{F2315EB3-3FE4-4D3B-921E-5F209CEC13CB}"/>
               </a:ext>
             </a:extLst>
           </p:cNvPr>
@@ -3277,7 +3277,7 @@
             </a:clrChange>
             <a:extLst>
               <a:ext uri="{28A0092B-C50C-407E-A947-70E740481C1C}">
-                <a14:useLocalDpi xmlns="" xmlns:a14="http://schemas.microsoft.com/office/drawing/2010/main" val="0"/>
+                <a14:useLocalDpi xmlns:a14="http://schemas.microsoft.com/office/drawing/2010/main" xmlns="" val="0"/>
               </a:ext>
             </a:extLst>
           </a:blip>
@@ -3300,7 +3300,7 @@
           <p:cNvPr id="40" name="Text Placeholder Author Position">
             <a:extLst>
               <a:ext uri="{FF2B5EF4-FFF2-40B4-BE49-F238E27FC236}">
-                <a16:creationId xmlns="" xmlns:a16="http://schemas.microsoft.com/office/drawing/2014/main" id="{CD940256-851E-46C8-8BFB-A5ECA6C7DA07}"/>
+                <a16:creationId xmlns:a16="http://schemas.microsoft.com/office/drawing/2014/main" xmlns="" id="{CD940256-851E-46C8-8BFB-A5ECA6C7DA07}"/>
               </a:ext>
             </a:extLst>
           </p:cNvPr>
@@ -3360,7 +3360,7 @@
           <p:cNvPr id="36" name="Text Placeholder Author Name">
             <a:extLst>
               <a:ext uri="{FF2B5EF4-FFF2-40B4-BE49-F238E27FC236}">
-                <a16:creationId xmlns="" xmlns:a16="http://schemas.microsoft.com/office/drawing/2014/main" id="{3B21F47B-DE1F-442D-A2B7-6866F8786704}"/>
+                <a16:creationId xmlns:a16="http://schemas.microsoft.com/office/drawing/2014/main" xmlns="" id="{3B21F47B-DE1F-442D-A2B7-6866F8786704}"/>
               </a:ext>
             </a:extLst>
           </p:cNvPr>
@@ -3420,7 +3420,7 @@
           <p:cNvPr id="33" name="Picture Placeholder Title Image">
             <a:extLst>
               <a:ext uri="{FF2B5EF4-FFF2-40B4-BE49-F238E27FC236}">
-                <a16:creationId xmlns="" xmlns:a16="http://schemas.microsoft.com/office/drawing/2014/main" id="{A04D819A-89E2-4714-8C56-1838BF467EF7}"/>
+                <a16:creationId xmlns:a16="http://schemas.microsoft.com/office/drawing/2014/main" xmlns="" id="{A04D819A-89E2-4714-8C56-1838BF467EF7}"/>
               </a:ext>
             </a:extLst>
           </p:cNvPr>
@@ -3462,7 +3462,7 @@
           <p:cNvPr id="43" name="Presentation Subtitle">
             <a:extLst>
               <a:ext uri="{FF2B5EF4-FFF2-40B4-BE49-F238E27FC236}">
-                <a16:creationId xmlns="" xmlns:a16="http://schemas.microsoft.com/office/drawing/2014/main" id="{37BDB812-1395-4B02-ABCF-6A331EEE23E5}"/>
+                <a16:creationId xmlns:a16="http://schemas.microsoft.com/office/drawing/2014/main" xmlns="" id="{37BDB812-1395-4B02-ABCF-6A331EEE23E5}"/>
               </a:ext>
             </a:extLst>
           </p:cNvPr>
@@ -3506,7 +3506,7 @@
           <p:cNvPr id="2" name="Presentation Title">
             <a:extLst>
               <a:ext uri="{FF2B5EF4-FFF2-40B4-BE49-F238E27FC236}">
-                <a16:creationId xmlns="" xmlns:a16="http://schemas.microsoft.com/office/drawing/2014/main" id="{A4DF3AB8-E6E3-4FCE-8A4A-ECD147720A5D}"/>
+                <a16:creationId xmlns:a16="http://schemas.microsoft.com/office/drawing/2014/main" xmlns="" id="{A4DF3AB8-E6E3-4FCE-8A4A-ECD147720A5D}"/>
               </a:ext>
             </a:extLst>
           </p:cNvPr>
@@ -3541,7 +3541,7 @@
     </p:spTree>
     <p:extLst>
       <p:ext uri="{BB962C8B-B14F-4D97-AF65-F5344CB8AC3E}">
-        <p14:creationId xmlns="" xmlns:p14="http://schemas.microsoft.com/office/powerpoint/2010/main" val="970179299"/>
+        <p14:creationId xmlns:p14="http://schemas.microsoft.com/office/powerpoint/2010/main" xmlns="" val="970179299"/>
       </p:ext>
     </p:extLst>
   </p:cSld>
@@ -3549,7 +3549,7 @@
     <a:masterClrMapping/>
   </p:clrMapOvr>
   <mc:AlternateContent xmlns:mc="http://schemas.openxmlformats.org/markup-compatibility/2006">
-    <mc:Choice xmlns="" xmlns:p14="http://schemas.microsoft.com/office/powerpoint/2010/main" Requires="p14">
+    <mc:Choice xmlns:p14="http://schemas.microsoft.com/office/powerpoint/2010/main" xmlns="" Requires="p14">
       <p:transition spd="slow" p14:dur="2000" advClick="0" advTm="5000"/>
     </mc:Choice>
     <mc:Fallback>
@@ -3558,7 +3558,7 @@
   </mc:AlternateContent>
   <p:extLst>
     <p:ext uri="{DCECCB84-F9BA-43D5-87BE-67443E8EF086}">
-      <p15:sldGuideLst xmlns="" xmlns:p15="http://schemas.microsoft.com/office/powerpoint/2012/main">
+      <p15:sldGuideLst xmlns:p15="http://schemas.microsoft.com/office/powerpoint/2012/main" xmlns="">
         <p15:guide id="1" orient="horz" pos="2160">
           <p15:clr>
             <a:srgbClr val="FBAE40"/>
@@ -3597,7 +3597,7 @@
           <p:cNvPr id="15" name="Slide Number">
             <a:extLst>
               <a:ext uri="{FF2B5EF4-FFF2-40B4-BE49-F238E27FC236}">
-                <a16:creationId xmlns="" xmlns:a16="http://schemas.microsoft.com/office/drawing/2014/main" id="{F888EE71-82B3-40F1-A63F-7417422FB4A4}"/>
+                <a16:creationId xmlns:a16="http://schemas.microsoft.com/office/drawing/2014/main" xmlns="" id="{F888EE71-82B3-40F1-A63F-7417422FB4A4}"/>
               </a:ext>
             </a:extLst>
           </p:cNvPr>
@@ -3639,7 +3639,7 @@
           <p:cNvPr id="14" name="Text Placeholder Body">
             <a:extLst>
               <a:ext uri="{FF2B5EF4-FFF2-40B4-BE49-F238E27FC236}">
-                <a16:creationId xmlns="" xmlns:a16="http://schemas.microsoft.com/office/drawing/2014/main" id="{A2ABE920-240F-4CF6-AD45-23ED489FAD6E}"/>
+                <a16:creationId xmlns:a16="http://schemas.microsoft.com/office/drawing/2014/main" xmlns="" id="{A2ABE920-240F-4CF6-AD45-23ED489FAD6E}"/>
               </a:ext>
             </a:extLst>
           </p:cNvPr>
@@ -3945,7 +3945,7 @@
           <p:cNvPr id="10" name="Rectangle Down">
             <a:extLst>
               <a:ext uri="{FF2B5EF4-FFF2-40B4-BE49-F238E27FC236}">
-                <a16:creationId xmlns="" xmlns:a16="http://schemas.microsoft.com/office/drawing/2014/main" id="{E9B994EC-35A8-4A11-98CB-25DC28852F94}"/>
+                <a16:creationId xmlns:a16="http://schemas.microsoft.com/office/drawing/2014/main" xmlns="" id="{E9B994EC-35A8-4A11-98CB-25DC28852F94}"/>
               </a:ext>
             </a:extLst>
           </p:cNvPr>
@@ -4026,7 +4026,7 @@
           <p:cNvPr id="11" name="Rectangle Top">
             <a:extLst>
               <a:ext uri="{FF2B5EF4-FFF2-40B4-BE49-F238E27FC236}">
-                <a16:creationId xmlns="" xmlns:a16="http://schemas.microsoft.com/office/drawing/2014/main" id="{274B8F05-DFCE-47BD-BAFD-DF93E1A63BDD}"/>
+                <a16:creationId xmlns:a16="http://schemas.microsoft.com/office/drawing/2014/main" xmlns="" id="{274B8F05-DFCE-47BD-BAFD-DF93E1A63BDD}"/>
               </a:ext>
             </a:extLst>
           </p:cNvPr>
@@ -4107,7 +4107,7 @@
           <p:cNvPr id="12" name="Logo Software University" descr="Software University logo">
             <a:extLst>
               <a:ext uri="{FF2B5EF4-FFF2-40B4-BE49-F238E27FC236}">
-                <a16:creationId xmlns="" xmlns:a16="http://schemas.microsoft.com/office/drawing/2014/main" id="{233CBB95-791E-4630-B3D9-FADFCE7BCF52}"/>
+                <a16:creationId xmlns:a16="http://schemas.microsoft.com/office/drawing/2014/main" xmlns="" id="{233CBB95-791E-4630-B3D9-FADFCE7BCF52}"/>
               </a:ext>
             </a:extLst>
           </p:cNvPr>
@@ -4120,7 +4120,7 @@
           <a:blip r:embed="rId2" cstate="print">
             <a:extLst>
               <a:ext uri="{28A0092B-C50C-407E-A947-70E740481C1C}">
-                <a14:useLocalDpi xmlns="" xmlns:a14="http://schemas.microsoft.com/office/drawing/2010/main" val="0"/>
+                <a14:useLocalDpi xmlns:a14="http://schemas.microsoft.com/office/drawing/2010/main" xmlns="" val="0"/>
               </a:ext>
             </a:extLst>
           </a:blip>
@@ -4143,7 +4143,7 @@
           <p:cNvPr id="13" name="Slide Title">
             <a:extLst>
               <a:ext uri="{FF2B5EF4-FFF2-40B4-BE49-F238E27FC236}">
-                <a16:creationId xmlns="" xmlns:a16="http://schemas.microsoft.com/office/drawing/2014/main" id="{3F218E34-55D7-4290-BFE4-80F31F941551}"/>
+                <a16:creationId xmlns:a16="http://schemas.microsoft.com/office/drawing/2014/main" xmlns="" id="{3F218E34-55D7-4290-BFE4-80F31F941551}"/>
               </a:ext>
             </a:extLst>
           </p:cNvPr>
@@ -4182,7 +4182,7 @@
     </p:spTree>
     <p:extLst>
       <p:ext uri="{BB962C8B-B14F-4D97-AF65-F5344CB8AC3E}">
-        <p14:creationId xmlns="" xmlns:p14="http://schemas.microsoft.com/office/powerpoint/2010/main" val="3774019400"/>
+        <p14:creationId xmlns:p14="http://schemas.microsoft.com/office/powerpoint/2010/main" xmlns="" val="3774019400"/>
       </p:ext>
     </p:extLst>
   </p:cSld>
@@ -4190,7 +4190,7 @@
     <a:masterClrMapping/>
   </p:clrMapOvr>
   <mc:AlternateContent xmlns:mc="http://schemas.openxmlformats.org/markup-compatibility/2006">
-    <mc:Choice xmlns="" xmlns:p14="http://schemas.microsoft.com/office/powerpoint/2010/main" Requires="p14">
+    <mc:Choice xmlns:p14="http://schemas.microsoft.com/office/powerpoint/2010/main" xmlns="" Requires="p14">
       <p:transition spd="slow" p14:dur="2000" advClick="0" advTm="5000"/>
     </mc:Choice>
     <mc:Fallback>
@@ -4230,7 +4230,7 @@
           <p:cNvPr id="35" name="Rectangle Bottom">
             <a:extLst>
               <a:ext uri="{FF2B5EF4-FFF2-40B4-BE49-F238E27FC236}">
-                <a16:creationId xmlns="" xmlns:a16="http://schemas.microsoft.com/office/drawing/2014/main" id="{550A59F9-9A9D-4956-95B4-F78CC0DB1D59}"/>
+                <a16:creationId xmlns:a16="http://schemas.microsoft.com/office/drawing/2014/main" xmlns="" id="{550A59F9-9A9D-4956-95B4-F78CC0DB1D59}"/>
               </a:ext>
             </a:extLst>
           </p:cNvPr>
@@ -4311,7 +4311,7 @@
           <p:cNvPr id="53" name="Rectangle Bottom Copyright">
             <a:extLst>
               <a:ext uri="{FF2B5EF4-FFF2-40B4-BE49-F238E27FC236}">
-                <a16:creationId xmlns="" xmlns:a16="http://schemas.microsoft.com/office/drawing/2014/main" id="{B07FB7FB-DA6C-4F5D-B068-357F0FCE27D8}"/>
+                <a16:creationId xmlns:a16="http://schemas.microsoft.com/office/drawing/2014/main" xmlns="" id="{B07FB7FB-DA6C-4F5D-B068-357F0FCE27D8}"/>
               </a:ext>
             </a:extLst>
           </p:cNvPr>
@@ -4368,7 +4368,7 @@
                 <a:hlinkClick r:id="rId2">
                   <a:extLst>
                     <a:ext uri="{A12FA001-AC4F-418D-AE19-62706E023703}">
-                      <ahyp:hlinkClr xmlns="" xmlns:ahyp="http://schemas.microsoft.com/office/drawing/2018/hyperlinkcolor" val="tx"/>
+                      <ahyp:hlinkClr xmlns:ahyp="http://schemas.microsoft.com/office/drawing/2018/hyperlinkcolor" xmlns="" val="tx"/>
                     </a:ext>
                   </a:extLst>
                 </a:hlinkClick>
@@ -4404,7 +4404,7 @@
           <p:cNvPr id="26" name="Picture SoftUni Mascot" descr="SoftUni mascot with open hand">
             <a:extLst>
               <a:ext uri="{FF2B5EF4-FFF2-40B4-BE49-F238E27FC236}">
-                <a16:creationId xmlns="" xmlns:a16="http://schemas.microsoft.com/office/drawing/2014/main" id="{247CFF3C-C4FA-493D-8505-DF469F4D36A4}"/>
+                <a16:creationId xmlns:a16="http://schemas.microsoft.com/office/drawing/2014/main" xmlns="" id="{247CFF3C-C4FA-493D-8505-DF469F4D36A4}"/>
               </a:ext>
             </a:extLst>
           </p:cNvPr>
@@ -4417,7 +4417,7 @@
           <a:blip r:embed="rId3" cstate="print">
             <a:extLst>
               <a:ext uri="{28A0092B-C50C-407E-A947-70E740481C1C}">
-                <a14:useLocalDpi xmlns="" xmlns:a14="http://schemas.microsoft.com/office/drawing/2010/main" val="0"/>
+                <a14:useLocalDpi xmlns:a14="http://schemas.microsoft.com/office/drawing/2010/main" xmlns="" val="0"/>
               </a:ext>
             </a:extLst>
           </a:blip>
@@ -4440,7 +4440,7 @@
           <p:cNvPr id="2" name="Group SoftUni Brands">
             <a:extLst>
               <a:ext uri="{FF2B5EF4-FFF2-40B4-BE49-F238E27FC236}">
-                <a16:creationId xmlns="" xmlns:a16="http://schemas.microsoft.com/office/drawing/2014/main" id="{418FAE34-C1F8-46C7-A4AE-F270D1E70F25}"/>
+                <a16:creationId xmlns:a16="http://schemas.microsoft.com/office/drawing/2014/main" xmlns="" id="{418FAE34-C1F8-46C7-A4AE-F270D1E70F25}"/>
               </a:ext>
             </a:extLst>
           </p:cNvPr>
@@ -4460,7 +4460,7 @@
             <p:cNvPr id="24" name="Picture SoftUni Kids Logo" descr="SoftUni Kids logo">
               <a:extLst>
                 <a:ext uri="{FF2B5EF4-FFF2-40B4-BE49-F238E27FC236}">
-                  <a16:creationId xmlns="" xmlns:a16="http://schemas.microsoft.com/office/drawing/2014/main" id="{B0812936-74B6-4265-8C08-AEDC8C798702}"/>
+                  <a16:creationId xmlns:a16="http://schemas.microsoft.com/office/drawing/2014/main" xmlns="" id="{B0812936-74B6-4265-8C08-AEDC8C798702}"/>
                 </a:ext>
               </a:extLst>
             </p:cNvPr>
@@ -4473,7 +4473,7 @@
             <a:blip r:embed="rId4" cstate="print">
               <a:extLst>
                 <a:ext uri="{28A0092B-C50C-407E-A947-70E740481C1C}">
-                  <a14:useLocalDpi xmlns="" xmlns:a14="http://schemas.microsoft.com/office/drawing/2010/main" val="0"/>
+                  <a14:useLocalDpi xmlns:a14="http://schemas.microsoft.com/office/drawing/2010/main" xmlns="" val="0"/>
                 </a:ext>
               </a:extLst>
             </a:blip>
@@ -4496,7 +4496,7 @@
             <p:cNvPr id="23" name="Picture SoftUni Foundation Logo" descr="SoftUni Foundation logo">
               <a:extLst>
                 <a:ext uri="{FF2B5EF4-FFF2-40B4-BE49-F238E27FC236}">
-                  <a16:creationId xmlns="" xmlns:a16="http://schemas.microsoft.com/office/drawing/2014/main" id="{6643F71A-2013-433A-8322-FBAAED3162D8}"/>
+                  <a16:creationId xmlns:a16="http://schemas.microsoft.com/office/drawing/2014/main" xmlns="" id="{6643F71A-2013-433A-8322-FBAAED3162D8}"/>
                 </a:ext>
               </a:extLst>
             </p:cNvPr>
@@ -4509,7 +4509,7 @@
             <a:blip r:embed="rId5" cstate="print">
               <a:extLst>
                 <a:ext uri="{28A0092B-C50C-407E-A947-70E740481C1C}">
-                  <a14:useLocalDpi xmlns="" xmlns:a14="http://schemas.microsoft.com/office/drawing/2010/main" val="0"/>
+                  <a14:useLocalDpi xmlns:a14="http://schemas.microsoft.com/office/drawing/2010/main" xmlns="" val="0"/>
                 </a:ext>
               </a:extLst>
             </a:blip>
@@ -4532,7 +4532,7 @@
             <p:cNvPr id="22" name="Picture SoftUni Digital Logo" descr="SoftUni Digital logo">
               <a:extLst>
                 <a:ext uri="{FF2B5EF4-FFF2-40B4-BE49-F238E27FC236}">
-                  <a16:creationId xmlns="" xmlns:a16="http://schemas.microsoft.com/office/drawing/2014/main" id="{0A83D66F-855B-463B-920B-BF239B01A206}"/>
+                  <a16:creationId xmlns:a16="http://schemas.microsoft.com/office/drawing/2014/main" xmlns="" id="{0A83D66F-855B-463B-920B-BF239B01A206}"/>
                 </a:ext>
               </a:extLst>
             </p:cNvPr>
@@ -4545,7 +4545,7 @@
             <a:blip r:embed="rId6" cstate="print">
               <a:extLst>
                 <a:ext uri="{28A0092B-C50C-407E-A947-70E740481C1C}">
-                  <a14:useLocalDpi xmlns="" xmlns:a14="http://schemas.microsoft.com/office/drawing/2010/main" val="0"/>
+                  <a14:useLocalDpi xmlns:a14="http://schemas.microsoft.com/office/drawing/2010/main" xmlns="" val="0"/>
                 </a:ext>
               </a:extLst>
             </a:blip>
@@ -4568,7 +4568,7 @@
             <p:cNvPr id="21" name="Picture SoftUni Creative Logo" descr="SoftUni Creative logo">
               <a:extLst>
                 <a:ext uri="{FF2B5EF4-FFF2-40B4-BE49-F238E27FC236}">
-                  <a16:creationId xmlns="" xmlns:a16="http://schemas.microsoft.com/office/drawing/2014/main" id="{EA755AAE-BA08-481C-9224-0061170EE4B8}"/>
+                  <a16:creationId xmlns:a16="http://schemas.microsoft.com/office/drawing/2014/main" xmlns="" id="{EA755AAE-BA08-481C-9224-0061170EE4B8}"/>
                 </a:ext>
               </a:extLst>
             </p:cNvPr>
@@ -4581,7 +4581,7 @@
             <a:blip r:embed="rId7" cstate="print">
               <a:extLst>
                 <a:ext uri="{28A0092B-C50C-407E-A947-70E740481C1C}">
-                  <a14:useLocalDpi xmlns="" xmlns:a14="http://schemas.microsoft.com/office/drawing/2010/main" val="0"/>
+                  <a14:useLocalDpi xmlns:a14="http://schemas.microsoft.com/office/drawing/2010/main" xmlns="" val="0"/>
                 </a:ext>
               </a:extLst>
             </a:blip>
@@ -4604,7 +4604,7 @@
             <p:cNvPr id="20" name="Picture SoftUni Svetlina Logo" descr="SoftUni Svetlina logo">
               <a:extLst>
                 <a:ext uri="{FF2B5EF4-FFF2-40B4-BE49-F238E27FC236}">
-                  <a16:creationId xmlns="" xmlns:a16="http://schemas.microsoft.com/office/drawing/2014/main" id="{827D15FD-4C66-4B85-98E6-7826AA8F61C6}"/>
+                  <a16:creationId xmlns:a16="http://schemas.microsoft.com/office/drawing/2014/main" xmlns="" id="{827D15FD-4C66-4B85-98E6-7826AA8F61C6}"/>
                 </a:ext>
               </a:extLst>
             </p:cNvPr>
@@ -4617,7 +4617,7 @@
             <a:blip r:embed="rId8" cstate="print">
               <a:extLst>
                 <a:ext uri="{28A0092B-C50C-407E-A947-70E740481C1C}">
-                  <a14:useLocalDpi xmlns="" xmlns:a14="http://schemas.microsoft.com/office/drawing/2010/main" val="0"/>
+                  <a14:useLocalDpi xmlns:a14="http://schemas.microsoft.com/office/drawing/2010/main" xmlns="" val="0"/>
                 </a:ext>
               </a:extLst>
             </a:blip>
@@ -4640,7 +4640,7 @@
             <p:cNvPr id="25" name="Picture Software University Logo" descr="Software University logo">
               <a:extLst>
                 <a:ext uri="{FF2B5EF4-FFF2-40B4-BE49-F238E27FC236}">
-                  <a16:creationId xmlns="" xmlns:a16="http://schemas.microsoft.com/office/drawing/2014/main" id="{C74C190C-5856-41B9-8819-AE8DE0E10980}"/>
+                  <a16:creationId xmlns:a16="http://schemas.microsoft.com/office/drawing/2014/main" xmlns="" id="{C74C190C-5856-41B9-8819-AE8DE0E10980}"/>
                 </a:ext>
               </a:extLst>
             </p:cNvPr>
@@ -4653,7 +4653,7 @@
             <a:blip r:embed="rId9" cstate="print">
               <a:extLst>
                 <a:ext uri="{28A0092B-C50C-407E-A947-70E740481C1C}">
-                  <a14:useLocalDpi xmlns="" xmlns:a14="http://schemas.microsoft.com/office/drawing/2010/main" val="0"/>
+                  <a14:useLocalDpi xmlns:a14="http://schemas.microsoft.com/office/drawing/2010/main" xmlns="" val="0"/>
                 </a:ext>
               </a:extLst>
             </a:blip>
@@ -4676,7 +4676,7 @@
             <p:cNvPr id="33" name="Straight Connector 6">
               <a:extLst>
                 <a:ext uri="{FF2B5EF4-FFF2-40B4-BE49-F238E27FC236}">
-                  <a16:creationId xmlns="" xmlns:a16="http://schemas.microsoft.com/office/drawing/2014/main" id="{5C63D1E8-4A92-4691-8A24-A2FC7E8008E5}"/>
+                  <a16:creationId xmlns:a16="http://schemas.microsoft.com/office/drawing/2014/main" xmlns="" id="{5C63D1E8-4A92-4691-8A24-A2FC7E8008E5}"/>
                 </a:ext>
               </a:extLst>
             </p:cNvPr>
@@ -4715,7 +4715,7 @@
             <p:cNvPr id="32" name="Straight Connector 5">
               <a:extLst>
                 <a:ext uri="{FF2B5EF4-FFF2-40B4-BE49-F238E27FC236}">
-                  <a16:creationId xmlns="" xmlns:a16="http://schemas.microsoft.com/office/drawing/2014/main" id="{6E91D320-3732-40B8-864D-142D0A277ED1}"/>
+                  <a16:creationId xmlns:a16="http://schemas.microsoft.com/office/drawing/2014/main" xmlns="" id="{6E91D320-3732-40B8-864D-142D0A277ED1}"/>
                 </a:ext>
               </a:extLst>
             </p:cNvPr>
@@ -4754,7 +4754,7 @@
             <p:cNvPr id="31" name="Straight Connector 4">
               <a:extLst>
                 <a:ext uri="{FF2B5EF4-FFF2-40B4-BE49-F238E27FC236}">
-                  <a16:creationId xmlns="" xmlns:a16="http://schemas.microsoft.com/office/drawing/2014/main" id="{299ABE09-E33C-46B7-A80D-7BF4A6956211}"/>
+                  <a16:creationId xmlns:a16="http://schemas.microsoft.com/office/drawing/2014/main" xmlns="" id="{299ABE09-E33C-46B7-A80D-7BF4A6956211}"/>
                 </a:ext>
               </a:extLst>
             </p:cNvPr>
@@ -4791,7 +4791,7 @@
             <p:cNvPr id="30" name="Straight Connector 3">
               <a:extLst>
                 <a:ext uri="{FF2B5EF4-FFF2-40B4-BE49-F238E27FC236}">
-                  <a16:creationId xmlns="" xmlns:a16="http://schemas.microsoft.com/office/drawing/2014/main" id="{93DDBF37-0764-47AA-94E3-9A44F3ED8FB5}"/>
+                  <a16:creationId xmlns:a16="http://schemas.microsoft.com/office/drawing/2014/main" xmlns="" id="{93DDBF37-0764-47AA-94E3-9A44F3ED8FB5}"/>
                 </a:ext>
               </a:extLst>
             </p:cNvPr>
@@ -4828,7 +4828,7 @@
             <p:cNvPr id="29" name="Straight Connector 2">
               <a:extLst>
                 <a:ext uri="{FF2B5EF4-FFF2-40B4-BE49-F238E27FC236}">
-                  <a16:creationId xmlns="" xmlns:a16="http://schemas.microsoft.com/office/drawing/2014/main" id="{72BFE2F3-0845-4E5B-9375-E9D4027DD675}"/>
+                  <a16:creationId xmlns:a16="http://schemas.microsoft.com/office/drawing/2014/main" xmlns="" id="{72BFE2F3-0845-4E5B-9375-E9D4027DD675}"/>
                 </a:ext>
               </a:extLst>
             </p:cNvPr>
@@ -4865,7 +4865,7 @@
             <p:cNvPr id="28" name="Straight Connector 1">
               <a:extLst>
                 <a:ext uri="{FF2B5EF4-FFF2-40B4-BE49-F238E27FC236}">
-                  <a16:creationId xmlns="" xmlns:a16="http://schemas.microsoft.com/office/drawing/2014/main" id="{D4E5982E-3110-47E1-A5BB-91B7BECC3093}"/>
+                  <a16:creationId xmlns:a16="http://schemas.microsoft.com/office/drawing/2014/main" xmlns="" id="{D4E5982E-3110-47E1-A5BB-91B7BECC3093}"/>
                 </a:ext>
               </a:extLst>
             </p:cNvPr>
@@ -4902,7 +4902,7 @@
             <p:cNvPr id="27" name="Straight Connector Horizontal">
               <a:extLst>
                 <a:ext uri="{FF2B5EF4-FFF2-40B4-BE49-F238E27FC236}">
-                  <a16:creationId xmlns="" xmlns:a16="http://schemas.microsoft.com/office/drawing/2014/main" id="{5F62FB7C-BD6E-4383-98C1-2CF30F34CAFD}"/>
+                  <a16:creationId xmlns:a16="http://schemas.microsoft.com/office/drawing/2014/main" xmlns="" id="{5F62FB7C-BD6E-4383-98C1-2CF30F34CAFD}"/>
                 </a:ext>
               </a:extLst>
             </p:cNvPr>
@@ -4941,7 +4941,7 @@
             <p:cNvPr id="34" name="Straight Connector 0">
               <a:extLst>
                 <a:ext uri="{FF2B5EF4-FFF2-40B4-BE49-F238E27FC236}">
-                  <a16:creationId xmlns="" xmlns:a16="http://schemas.microsoft.com/office/drawing/2014/main" id="{C84A0FE1-723D-4682-8682-77BAD950EE15}"/>
+                  <a16:creationId xmlns:a16="http://schemas.microsoft.com/office/drawing/2014/main" xmlns="" id="{C84A0FE1-723D-4682-8682-77BAD950EE15}"/>
                 </a:ext>
               </a:extLst>
             </p:cNvPr>
@@ -4978,7 +4978,7 @@
             <p:cNvPr id="18" name="Picture SoftUni Logo" descr="SoftUni logo">
               <a:extLst>
                 <a:ext uri="{FF2B5EF4-FFF2-40B4-BE49-F238E27FC236}">
-                  <a16:creationId xmlns="" xmlns:a16="http://schemas.microsoft.com/office/drawing/2014/main" id="{A0675455-B7FA-4569-A5FD-A3B0F20B2A26}"/>
+                  <a16:creationId xmlns:a16="http://schemas.microsoft.com/office/drawing/2014/main" xmlns="" id="{A0675455-B7FA-4569-A5FD-A3B0F20B2A26}"/>
                 </a:ext>
               </a:extLst>
             </p:cNvPr>
@@ -4991,7 +4991,7 @@
             <a:blip r:embed="rId10" cstate="print">
               <a:extLst>
                 <a:ext uri="{28A0092B-C50C-407E-A947-70E740481C1C}">
-                  <a14:useLocalDpi xmlns="" xmlns:a14="http://schemas.microsoft.com/office/drawing/2010/main" val="0"/>
+                  <a14:useLocalDpi xmlns:a14="http://schemas.microsoft.com/office/drawing/2010/main" xmlns="" val="0"/>
                 </a:ext>
               </a:extLst>
             </a:blip>
@@ -5015,7 +5015,7 @@
           <p:cNvPr id="19" name="Slide Title">
             <a:extLst>
               <a:ext uri="{FF2B5EF4-FFF2-40B4-BE49-F238E27FC236}">
-                <a16:creationId xmlns="" xmlns:a16="http://schemas.microsoft.com/office/drawing/2014/main" id="{7CFDBB16-985C-4CC7-B6DB-B81B36037922}"/>
+                <a16:creationId xmlns:a16="http://schemas.microsoft.com/office/drawing/2014/main" xmlns="" id="{7CFDBB16-985C-4CC7-B6DB-B81B36037922}"/>
               </a:ext>
             </a:extLst>
           </p:cNvPr>
@@ -5118,7 +5118,7 @@
           <p:cNvPr id="36" name="Logo Software University" descr="Software University logo">
             <a:extLst>
               <a:ext uri="{FF2B5EF4-FFF2-40B4-BE49-F238E27FC236}">
-                <a16:creationId xmlns="" xmlns:a16="http://schemas.microsoft.com/office/drawing/2014/main" id="{67FC4D2E-913D-432A-B658-F0D82839FA5E}"/>
+                <a16:creationId xmlns:a16="http://schemas.microsoft.com/office/drawing/2014/main" xmlns="" id="{67FC4D2E-913D-432A-B658-F0D82839FA5E}"/>
               </a:ext>
             </a:extLst>
           </p:cNvPr>
@@ -5141,7 +5141,7 @@
             </a:clrChange>
             <a:extLst>
               <a:ext uri="{28A0092B-C50C-407E-A947-70E740481C1C}">
-                <a14:useLocalDpi xmlns="" xmlns:a14="http://schemas.microsoft.com/office/drawing/2010/main" val="0"/>
+                <a14:useLocalDpi xmlns:a14="http://schemas.microsoft.com/office/drawing/2010/main" xmlns="" val="0"/>
               </a:ext>
             </a:extLst>
           </a:blip>
@@ -5162,7 +5162,7 @@
     </p:spTree>
     <p:extLst>
       <p:ext uri="{BB962C8B-B14F-4D97-AF65-F5344CB8AC3E}">
-        <p14:creationId xmlns="" xmlns:p14="http://schemas.microsoft.com/office/powerpoint/2010/main" val="4192061223"/>
+        <p14:creationId xmlns:p14="http://schemas.microsoft.com/office/powerpoint/2010/main" xmlns="" val="4192061223"/>
       </p:ext>
     </p:extLst>
   </p:cSld>
@@ -5170,7 +5170,7 @@
     <a:masterClrMapping/>
   </p:clrMapOvr>
   <mc:AlternateContent xmlns:mc="http://schemas.openxmlformats.org/markup-compatibility/2006">
-    <mc:Choice xmlns="" xmlns:p14="http://schemas.microsoft.com/office/powerpoint/2010/main" Requires="p14">
+    <mc:Choice xmlns:p14="http://schemas.microsoft.com/office/powerpoint/2010/main" xmlns="" Requires="p14">
       <p:transition spd="slow" p14:dur="2000" advClick="0" advTm="5000"/>
     </mc:Choice>
     <mc:Fallback>
@@ -5179,7 +5179,7 @@
   </mc:AlternateContent>
   <p:extLst>
     <p:ext uri="{DCECCB84-F9BA-43D5-87BE-67443E8EF086}">
-      <p15:sldGuideLst xmlns="" xmlns:p15="http://schemas.microsoft.com/office/powerpoint/2012/main">
+      <p15:sldGuideLst xmlns:p15="http://schemas.microsoft.com/office/powerpoint/2012/main" xmlns="">
         <p15:guide id="1" orient="horz" pos="2160">
           <p15:clr>
             <a:srgbClr val="FBAE40"/>
@@ -5218,7 +5218,7 @@
           <p:cNvPr id="13" name="Slide Number">
             <a:extLst>
               <a:ext uri="{FF2B5EF4-FFF2-40B4-BE49-F238E27FC236}">
-                <a16:creationId xmlns="" xmlns:a16="http://schemas.microsoft.com/office/drawing/2014/main" id="{5B8761D8-B42F-4A70-A0CE-682CEB2AE31B}"/>
+                <a16:creationId xmlns:a16="http://schemas.microsoft.com/office/drawing/2014/main" xmlns="" id="{5B8761D8-B42F-4A70-A0CE-682CEB2AE31B}"/>
               </a:ext>
             </a:extLst>
           </p:cNvPr>
@@ -5261,7 +5261,7 @@
             <a:hlinkClick r:id="rId2" tooltip="Software University Discussion Forum"/>
             <a:extLst>
               <a:ext uri="{FF2B5EF4-FFF2-40B4-BE49-F238E27FC236}">
-                <a16:creationId xmlns="" xmlns:a16="http://schemas.microsoft.com/office/drawing/2014/main" id="{98C579AD-FAF5-4B28-9B52-5457F1E90061}"/>
+                <a16:creationId xmlns:a16="http://schemas.microsoft.com/office/drawing/2014/main" xmlns="" id="{98C579AD-FAF5-4B28-9B52-5457F1E90061}"/>
               </a:ext>
             </a:extLst>
           </p:cNvPr>
@@ -5274,7 +5274,7 @@
           <a:blip r:embed="rId3" cstate="print">
             <a:extLst>
               <a:ext uri="{28A0092B-C50C-407E-A947-70E740481C1C}">
-                <a14:useLocalDpi xmlns="" xmlns:a14="http://schemas.microsoft.com/office/drawing/2010/main"/>
+                <a14:useLocalDpi xmlns:a14="http://schemas.microsoft.com/office/drawing/2010/main" xmlns=""/>
               </a:ext>
             </a:extLst>
           </a:blip>
@@ -5298,7 +5298,7 @@
             <a:hlinkClick r:id="rId4" tooltip="Software University @ Facebook"/>
             <a:extLst>
               <a:ext uri="{FF2B5EF4-FFF2-40B4-BE49-F238E27FC236}">
-                <a16:creationId xmlns="" xmlns:a16="http://schemas.microsoft.com/office/drawing/2014/main" id="{6B2C510E-5EF2-49F6-B926-2BD74CD3C7F8}"/>
+                <a16:creationId xmlns:a16="http://schemas.microsoft.com/office/drawing/2014/main" xmlns="" id="{6B2C510E-5EF2-49F6-B926-2BD74CD3C7F8}"/>
               </a:ext>
             </a:extLst>
           </p:cNvPr>
@@ -5311,7 +5311,7 @@
           <a:blip r:embed="rId5" cstate="print">
             <a:extLst>
               <a:ext uri="{28A0092B-C50C-407E-A947-70E740481C1C}">
-                <a14:useLocalDpi xmlns="" xmlns:a14="http://schemas.microsoft.com/office/drawing/2010/main"/>
+                <a14:useLocalDpi xmlns:a14="http://schemas.microsoft.com/office/drawing/2010/main" xmlns=""/>
               </a:ext>
             </a:extLst>
           </a:blip>
@@ -5329,7 +5329,7 @@
           <a:noFill/>
           <a:extLst>
             <a:ext uri="{909E8E84-426E-40DD-AFC4-6F175D3DCCD1}">
-              <a14:hiddenFill xmlns="" xmlns:a14="http://schemas.microsoft.com/office/drawing/2010/main">
+              <a14:hiddenFill xmlns:a14="http://schemas.microsoft.com/office/drawing/2010/main" xmlns="">
                 <a:solidFill>
                   <a:srgbClr val="FFFFFF"/>
                 </a:solidFill>
@@ -5344,7 +5344,7 @@
             <a:hlinkClick r:id="rId6"/>
             <a:extLst>
               <a:ext uri="{FF2B5EF4-FFF2-40B4-BE49-F238E27FC236}">
-                <a16:creationId xmlns="" xmlns:a16="http://schemas.microsoft.com/office/drawing/2014/main" id="{F4604840-E810-44B7-9FF1-3B28CD68B758}"/>
+                <a16:creationId xmlns:a16="http://schemas.microsoft.com/office/drawing/2014/main" xmlns="" id="{F4604840-E810-44B7-9FF1-3B28CD68B758}"/>
               </a:ext>
             </a:extLst>
           </p:cNvPr>
@@ -5357,7 +5357,7 @@
           <a:blip r:embed="rId7" cstate="print">
             <a:extLst>
               <a:ext uri="{28A0092B-C50C-407E-A947-70E740481C1C}">
-                <a14:useLocalDpi xmlns="" xmlns:a14="http://schemas.microsoft.com/office/drawing/2010/main" val="0"/>
+                <a14:useLocalDpi xmlns:a14="http://schemas.microsoft.com/office/drawing/2010/main" xmlns="" val="0"/>
               </a:ext>
             </a:extLst>
           </a:blip>
@@ -5381,7 +5381,7 @@
             <a:hlinkClick r:id="rId8"/>
             <a:extLst>
               <a:ext uri="{FF2B5EF4-FFF2-40B4-BE49-F238E27FC236}">
-                <a16:creationId xmlns="" xmlns:a16="http://schemas.microsoft.com/office/drawing/2014/main" id="{07C965FA-A87E-4824-AFA8-C67AF548A76A}"/>
+                <a16:creationId xmlns:a16="http://schemas.microsoft.com/office/drawing/2014/main" xmlns="" id="{07C965FA-A87E-4824-AFA8-C67AF548A76A}"/>
               </a:ext>
             </a:extLst>
           </p:cNvPr>
@@ -5394,7 +5394,7 @@
           <a:blip r:embed="rId9" cstate="print">
             <a:extLst>
               <a:ext uri="{28A0092B-C50C-407E-A947-70E740481C1C}">
-                <a14:useLocalDpi xmlns="" xmlns:a14="http://schemas.microsoft.com/office/drawing/2010/main" val="0"/>
+                <a14:useLocalDpi xmlns:a14="http://schemas.microsoft.com/office/drawing/2010/main" xmlns="" val="0"/>
               </a:ext>
             </a:extLst>
           </a:blip>
@@ -5416,7 +5416,7 @@
           <p:cNvPr id="12" name="Slide Body Text">
             <a:extLst>
               <a:ext uri="{FF2B5EF4-FFF2-40B4-BE49-F238E27FC236}">
-                <a16:creationId xmlns="" xmlns:a16="http://schemas.microsoft.com/office/drawing/2014/main" id="{0C1F9416-8B6E-46DE-973C-777785E27A26}"/>
+                <a16:creationId xmlns:a16="http://schemas.microsoft.com/office/drawing/2014/main" xmlns="" id="{0C1F9416-8B6E-46DE-973C-777785E27A26}"/>
               </a:ext>
             </a:extLst>
           </p:cNvPr>
@@ -5541,7 +5541,7 @@
           <p:cNvPr id="10" name="Rectangle Top">
             <a:extLst>
               <a:ext uri="{FF2B5EF4-FFF2-40B4-BE49-F238E27FC236}">
-                <a16:creationId xmlns="" xmlns:a16="http://schemas.microsoft.com/office/drawing/2014/main" id="{86646B95-5E3B-4DE8-9118-031C2C296D8C}"/>
+                <a16:creationId xmlns:a16="http://schemas.microsoft.com/office/drawing/2014/main" xmlns="" id="{86646B95-5E3B-4DE8-9118-031C2C296D8C}"/>
               </a:ext>
             </a:extLst>
           </p:cNvPr>
@@ -5622,7 +5622,7 @@
           <p:cNvPr id="11" name="Logo Software University" descr="Software University logo">
             <a:extLst>
               <a:ext uri="{FF2B5EF4-FFF2-40B4-BE49-F238E27FC236}">
-                <a16:creationId xmlns="" xmlns:a16="http://schemas.microsoft.com/office/drawing/2014/main" id="{58AB1944-B146-4E89-B2D9-426EB610F319}"/>
+                <a16:creationId xmlns:a16="http://schemas.microsoft.com/office/drawing/2014/main" xmlns="" id="{58AB1944-B146-4E89-B2D9-426EB610F319}"/>
               </a:ext>
             </a:extLst>
           </p:cNvPr>
@@ -5635,7 +5635,7 @@
           <a:blip r:embed="rId11" cstate="print">
             <a:extLst>
               <a:ext uri="{28A0092B-C50C-407E-A947-70E740481C1C}">
-                <a14:useLocalDpi xmlns="" xmlns:a14="http://schemas.microsoft.com/office/drawing/2010/main" val="0"/>
+                <a14:useLocalDpi xmlns:a14="http://schemas.microsoft.com/office/drawing/2010/main" xmlns="" val="0"/>
               </a:ext>
             </a:extLst>
           </a:blip>
@@ -5658,7 +5658,7 @@
           <p:cNvPr id="18" name="Slide Title">
             <a:extLst>
               <a:ext uri="{FF2B5EF4-FFF2-40B4-BE49-F238E27FC236}">
-                <a16:creationId xmlns="" xmlns:a16="http://schemas.microsoft.com/office/drawing/2014/main" id="{AE87ED9C-76E1-4D85-9B06-3AF44AABB668}"/>
+                <a16:creationId xmlns:a16="http://schemas.microsoft.com/office/drawing/2014/main" xmlns="" id="{AE87ED9C-76E1-4D85-9B06-3AF44AABB668}"/>
               </a:ext>
             </a:extLst>
           </p:cNvPr>
@@ -5697,7 +5697,7 @@
     </p:spTree>
     <p:extLst>
       <p:ext uri="{BB962C8B-B14F-4D97-AF65-F5344CB8AC3E}">
-        <p14:creationId xmlns="" xmlns:p14="http://schemas.microsoft.com/office/powerpoint/2010/main" val="2196466322"/>
+        <p14:creationId xmlns:p14="http://schemas.microsoft.com/office/powerpoint/2010/main" xmlns="" val="2196466322"/>
       </p:ext>
     </p:extLst>
   </p:cSld>
@@ -5705,7 +5705,7 @@
     <a:masterClrMapping/>
   </p:clrMapOvr>
   <mc:AlternateContent xmlns:mc="http://schemas.openxmlformats.org/markup-compatibility/2006">
-    <mc:Choice xmlns="" xmlns:p14="http://schemas.microsoft.com/office/powerpoint/2010/main" Requires="p14">
+    <mc:Choice xmlns:p14="http://schemas.microsoft.com/office/powerpoint/2010/main" xmlns="" Requires="p14">
       <p:transition spd="slow" p14:dur="2000" advClick="0" advTm="5000"/>
     </mc:Choice>
     <mc:Fallback>
@@ -5737,7 +5737,7 @@
           <p:cNvPr id="9" name="Oval Center Icon">
             <a:extLst>
               <a:ext uri="{FF2B5EF4-FFF2-40B4-BE49-F238E27FC236}">
-                <a16:creationId xmlns="" xmlns:a16="http://schemas.microsoft.com/office/drawing/2014/main" id="{13B9A8FE-2718-4F2C-98D4-CBF86AD69D58}"/>
+                <a16:creationId xmlns:a16="http://schemas.microsoft.com/office/drawing/2014/main" xmlns="" id="{13B9A8FE-2718-4F2C-98D4-CBF86AD69D58}"/>
               </a:ext>
             </a:extLst>
           </p:cNvPr>
@@ -5818,7 +5818,7 @@
           <p:cNvPr id="8" name="Slide Subtitle">
             <a:extLst>
               <a:ext uri="{FF2B5EF4-FFF2-40B4-BE49-F238E27FC236}">
-                <a16:creationId xmlns="" xmlns:a16="http://schemas.microsoft.com/office/drawing/2014/main" id="{588387B4-E99E-4145-9D1D-F17CA5190DFD}"/>
+                <a16:creationId xmlns:a16="http://schemas.microsoft.com/office/drawing/2014/main" xmlns="" id="{588387B4-E99E-4145-9D1D-F17CA5190DFD}"/>
               </a:ext>
             </a:extLst>
           </p:cNvPr>
@@ -5868,7 +5868,7 @@
           <p:cNvPr id="13" name="Slide Title">
             <a:extLst>
               <a:ext uri="{FF2B5EF4-FFF2-40B4-BE49-F238E27FC236}">
-                <a16:creationId xmlns="" xmlns:a16="http://schemas.microsoft.com/office/drawing/2014/main" id="{8A28C56F-AE84-49D0-9AD1-1F0CEEABF710}"/>
+                <a16:creationId xmlns:a16="http://schemas.microsoft.com/office/drawing/2014/main" xmlns="" id="{8A28C56F-AE84-49D0-9AD1-1F0CEEABF710}"/>
               </a:ext>
             </a:extLst>
           </p:cNvPr>
@@ -5913,7 +5913,7 @@
     </p:spTree>
     <p:extLst>
       <p:ext uri="{BB962C8B-B14F-4D97-AF65-F5344CB8AC3E}">
-        <p14:creationId xmlns="" xmlns:p14="http://schemas.microsoft.com/office/powerpoint/2010/main" val="475389923"/>
+        <p14:creationId xmlns:p14="http://schemas.microsoft.com/office/powerpoint/2010/main" xmlns="" val="475389923"/>
       </p:ext>
     </p:extLst>
   </p:cSld>
@@ -5921,7 +5921,7 @@
     <a:masterClrMapping/>
   </p:clrMapOvr>
   <mc:AlternateContent xmlns:mc="http://schemas.openxmlformats.org/markup-compatibility/2006">
-    <mc:Choice xmlns="" xmlns:p14="http://schemas.microsoft.com/office/powerpoint/2010/main" Requires="p14">
+    <mc:Choice xmlns:p14="http://schemas.microsoft.com/office/powerpoint/2010/main" xmlns="" Requires="p14">
       <p:transition spd="slow" p14:dur="2000" advClick="0" advTm="5000"/>
     </mc:Choice>
     <mc:Fallback>
@@ -5954,7 +5954,7 @@
           <p:cNvPr id="2" name="Title 1">
             <a:extLst>
               <a:ext uri="{FF2B5EF4-FFF2-40B4-BE49-F238E27FC236}">
-                <a16:creationId xmlns="" xmlns:a16="http://schemas.microsoft.com/office/drawing/2014/main" id="{5213C145-EA12-94EF-AA17-5F628EA0AD2D}"/>
+                <a16:creationId xmlns:a16="http://schemas.microsoft.com/office/drawing/2014/main" xmlns="" id="{5213C145-EA12-94EF-AA17-5F628EA0AD2D}"/>
               </a:ext>
             </a:extLst>
           </p:cNvPr>
@@ -5992,7 +5992,7 @@
           <p:cNvPr id="3" name="Subtitle 2">
             <a:extLst>
               <a:ext uri="{FF2B5EF4-FFF2-40B4-BE49-F238E27FC236}">
-                <a16:creationId xmlns="" xmlns:a16="http://schemas.microsoft.com/office/drawing/2014/main" id="{5F55E72E-5B45-B6EE-75AE-03B188AD9A08}"/>
+                <a16:creationId xmlns:a16="http://schemas.microsoft.com/office/drawing/2014/main" xmlns="" id="{5F55E72E-5B45-B6EE-75AE-03B188AD9A08}"/>
               </a:ext>
             </a:extLst>
           </p:cNvPr>
@@ -6063,7 +6063,7 @@
           <p:cNvPr id="4" name="Date Placeholder 3">
             <a:extLst>
               <a:ext uri="{FF2B5EF4-FFF2-40B4-BE49-F238E27FC236}">
-                <a16:creationId xmlns="" xmlns:a16="http://schemas.microsoft.com/office/drawing/2014/main" id="{30C6A8EA-0240-01AB-A7C2-BD1CD885E1C1}"/>
+                <a16:creationId xmlns:a16="http://schemas.microsoft.com/office/drawing/2014/main" xmlns="" id="{30C6A8EA-0240-01AB-A7C2-BD1CD885E1C1}"/>
               </a:ext>
             </a:extLst>
           </p:cNvPr>
@@ -6082,7 +6082,7 @@
             <a:fld id="{1CF2F75B-1C4E-1E47-AE31-5B79E79ADF4F}" type="datetimeFigureOut">
               <a:rPr lang="x-none" smtClean="0"/>
               <a:pPr/>
-              <a:t>24.8.2023 г.</a:t>
+              <a:t>25.8.2023 г.</a:t>
             </a:fld>
             <a:endParaRPr lang="x-none"/>
           </a:p>
@@ -6093,7 +6093,7 @@
           <p:cNvPr id="5" name="Footer Placeholder 4">
             <a:extLst>
               <a:ext uri="{FF2B5EF4-FFF2-40B4-BE49-F238E27FC236}">
-                <a16:creationId xmlns="" xmlns:a16="http://schemas.microsoft.com/office/drawing/2014/main" id="{F95CBF96-4249-1541-E44E-FBCECA233B3C}"/>
+                <a16:creationId xmlns:a16="http://schemas.microsoft.com/office/drawing/2014/main" xmlns="" id="{F95CBF96-4249-1541-E44E-FBCECA233B3C}"/>
               </a:ext>
             </a:extLst>
           </p:cNvPr>
@@ -6118,7 +6118,7 @@
           <p:cNvPr id="6" name="Slide Number Placeholder 5">
             <a:extLst>
               <a:ext uri="{FF2B5EF4-FFF2-40B4-BE49-F238E27FC236}">
-                <a16:creationId xmlns="" xmlns:a16="http://schemas.microsoft.com/office/drawing/2014/main" id="{7ACB54F2-814F-F79B-8CD7-FA3133365CBC}"/>
+                <a16:creationId xmlns:a16="http://schemas.microsoft.com/office/drawing/2014/main" xmlns="" id="{7ACB54F2-814F-F79B-8CD7-FA3133365CBC}"/>
               </a:ext>
             </a:extLst>
           </p:cNvPr>
@@ -6146,7 +6146,7 @@
     </p:spTree>
     <p:extLst>
       <p:ext uri="{BB962C8B-B14F-4D97-AF65-F5344CB8AC3E}">
-        <p14:creationId xmlns="" xmlns:p14="http://schemas.microsoft.com/office/powerpoint/2010/main" val="2773863354"/>
+        <p14:creationId xmlns:p14="http://schemas.microsoft.com/office/powerpoint/2010/main" xmlns="" val="2773863354"/>
       </p:ext>
     </p:extLst>
   </p:cSld>
@@ -6178,7 +6178,7 @@
           <p:cNvPr id="8" name="Rectangle Top">
             <a:extLst>
               <a:ext uri="{FF2B5EF4-FFF2-40B4-BE49-F238E27FC236}">
-                <a16:creationId xmlns="" xmlns:a16="http://schemas.microsoft.com/office/drawing/2014/main" id="{454BD9C2-93A6-4860-A758-846ED0E1C8FA}"/>
+                <a16:creationId xmlns:a16="http://schemas.microsoft.com/office/drawing/2014/main" xmlns="" id="{454BD9C2-93A6-4860-A758-846ED0E1C8FA}"/>
               </a:ext>
             </a:extLst>
           </p:cNvPr>
@@ -6259,7 +6259,7 @@
           <p:cNvPr id="7" name="Slide Number">
             <a:extLst>
               <a:ext uri="{FF2B5EF4-FFF2-40B4-BE49-F238E27FC236}">
-                <a16:creationId xmlns="" xmlns:a16="http://schemas.microsoft.com/office/drawing/2014/main" id="{C1780DB1-0AF0-4108-AFE1-9DA99F0DBCB8}"/>
+                <a16:creationId xmlns:a16="http://schemas.microsoft.com/office/drawing/2014/main" xmlns="" id="{C1780DB1-0AF0-4108-AFE1-9DA99F0DBCB8}"/>
               </a:ext>
             </a:extLst>
           </p:cNvPr>
@@ -6301,7 +6301,7 @@
           <p:cNvPr id="3" name="Slide Body Text">
             <a:extLst>
               <a:ext uri="{FF2B5EF4-FFF2-40B4-BE49-F238E27FC236}">
-                <a16:creationId xmlns="" xmlns:a16="http://schemas.microsoft.com/office/drawing/2014/main" id="{5A9D2960-6D42-439F-82E8-812822013A10}"/>
+                <a16:creationId xmlns:a16="http://schemas.microsoft.com/office/drawing/2014/main" xmlns="" id="{5A9D2960-6D42-439F-82E8-812822013A10}"/>
               </a:ext>
             </a:extLst>
           </p:cNvPr>
@@ -6379,7 +6379,7 @@
           <p:cNvPr id="13" name="Rectangle Top">
             <a:extLst>
               <a:ext uri="{FF2B5EF4-FFF2-40B4-BE49-F238E27FC236}">
-                <a16:creationId xmlns="" xmlns:a16="http://schemas.microsoft.com/office/drawing/2014/main" id="{391AFA4E-7870-4561-A1B8-AC956B0C8931}"/>
+                <a16:creationId xmlns:a16="http://schemas.microsoft.com/office/drawing/2014/main" xmlns="" id="{391AFA4E-7870-4561-A1B8-AC956B0C8931}"/>
               </a:ext>
             </a:extLst>
           </p:cNvPr>
@@ -6460,7 +6460,7 @@
           <p:cNvPr id="12" name="Logo Software University" descr="Software University logo">
             <a:extLst>
               <a:ext uri="{FF2B5EF4-FFF2-40B4-BE49-F238E27FC236}">
-                <a16:creationId xmlns="" xmlns:a16="http://schemas.microsoft.com/office/drawing/2014/main" id="{B1D3B425-B9BF-43ED-9DEC-C05002FBA22F}"/>
+                <a16:creationId xmlns:a16="http://schemas.microsoft.com/office/drawing/2014/main" xmlns="" id="{B1D3B425-B9BF-43ED-9DEC-C05002FBA22F}"/>
               </a:ext>
             </a:extLst>
           </p:cNvPr>
@@ -6473,7 +6473,7 @@
           <a:blip r:embed="rId2" cstate="print">
             <a:extLst>
               <a:ext uri="{28A0092B-C50C-407E-A947-70E740481C1C}">
-                <a14:useLocalDpi xmlns="" xmlns:a14="http://schemas.microsoft.com/office/drawing/2010/main" val="0"/>
+                <a14:useLocalDpi xmlns:a14="http://schemas.microsoft.com/office/drawing/2010/main" xmlns="" val="0"/>
               </a:ext>
             </a:extLst>
           </a:blip>
@@ -6496,7 +6496,7 @@
           <p:cNvPr id="6" name="Slide Title">
             <a:extLst>
               <a:ext uri="{FF2B5EF4-FFF2-40B4-BE49-F238E27FC236}">
-                <a16:creationId xmlns="" xmlns:a16="http://schemas.microsoft.com/office/drawing/2014/main" id="{19B5B676-7892-440F-8191-7109B2C59885}"/>
+                <a16:creationId xmlns:a16="http://schemas.microsoft.com/office/drawing/2014/main" xmlns="" id="{19B5B676-7892-440F-8191-7109B2C59885}"/>
               </a:ext>
             </a:extLst>
           </p:cNvPr>
@@ -6535,7 +6535,7 @@
     </p:spTree>
     <p:extLst>
       <p:ext uri="{BB962C8B-B14F-4D97-AF65-F5344CB8AC3E}">
-        <p14:creationId xmlns="" xmlns:p14="http://schemas.microsoft.com/office/powerpoint/2010/main" val="2685365194"/>
+        <p14:creationId xmlns:p14="http://schemas.microsoft.com/office/powerpoint/2010/main" xmlns="" val="2685365194"/>
       </p:ext>
     </p:extLst>
   </p:cSld>
@@ -6543,7 +6543,7 @@
     <a:masterClrMapping/>
   </p:clrMapOvr>
   <mc:AlternateContent xmlns:mc="http://schemas.openxmlformats.org/markup-compatibility/2006">
-    <mc:Choice xmlns="" xmlns:p14="http://schemas.microsoft.com/office/powerpoint/2010/main" Requires="p14">
+    <mc:Choice xmlns:p14="http://schemas.microsoft.com/office/powerpoint/2010/main" xmlns="" Requires="p14">
       <p:transition spd="slow" p14:dur="2000" advClick="0" advTm="5000"/>
     </mc:Choice>
     <mc:Fallback>
@@ -7593,7 +7593,7 @@
             <a:fld id="{1D8BD707-D9CF-40AE-B4C6-C98DA3205C09}" type="datetimeFigureOut">
               <a:rPr lang="en-US"/>
               <a:pPr/>
-              <a:t>8/24/2023</a:t>
+              <a:t>8/25/2023</a:t>
             </a:fld>
             <a:endParaRPr lang="en-US" dirty="0"/>
           </a:p>
@@ -7653,7 +7653,7 @@
     </p:spTree>
     <p:extLst>
       <p:ext uri="{BB962C8B-B14F-4D97-AF65-F5344CB8AC3E}">
-        <p14:creationId xmlns="" xmlns:p14="http://schemas.microsoft.com/office/powerpoint/2010/main" val="2531485629"/>
+        <p14:creationId xmlns:p14="http://schemas.microsoft.com/office/powerpoint/2010/main" xmlns="" val="2531485629"/>
       </p:ext>
     </p:extLst>
   </p:cSld>
@@ -7849,7 +7849,7 @@
     </p:spTree>
     <p:extLst>
       <p:ext uri="{BB962C8B-B14F-4D97-AF65-F5344CB8AC3E}">
-        <p14:creationId xmlns="" xmlns:p14="http://schemas.microsoft.com/office/powerpoint/2010/main" val="3529216409"/>
+        <p14:creationId xmlns:p14="http://schemas.microsoft.com/office/powerpoint/2010/main" xmlns="" val="3529216409"/>
       </p:ext>
     </p:extLst>
   </p:cSld>
@@ -7857,7 +7857,7 @@
     <a:masterClrMapping/>
   </p:clrMapOvr>
   <mc:AlternateContent xmlns:mc="http://schemas.openxmlformats.org/markup-compatibility/2006">
-    <mc:Choice xmlns="" xmlns:p14="http://schemas.microsoft.com/office/powerpoint/2010/main" Requires="p14">
+    <mc:Choice xmlns:p14="http://schemas.microsoft.com/office/powerpoint/2010/main" xmlns="" Requires="p14">
       <p:transition spd="slow" p14:dur="2000" advClick="0" advTm="5000"/>
     </mc:Choice>
     <mc:Fallback>
@@ -7889,7 +7889,7 @@
           <p:cNvPr id="7" name="Slide Number">
             <a:extLst>
               <a:ext uri="{FF2B5EF4-FFF2-40B4-BE49-F238E27FC236}">
-                <a16:creationId xmlns="" xmlns:a16="http://schemas.microsoft.com/office/drawing/2014/main" id="{C1780DB1-0AF0-4108-AFE1-9DA99F0DBCB8}"/>
+                <a16:creationId xmlns:a16="http://schemas.microsoft.com/office/drawing/2014/main" xmlns="" id="{C1780DB1-0AF0-4108-AFE1-9DA99F0DBCB8}"/>
               </a:ext>
             </a:extLst>
           </p:cNvPr>
@@ -7931,7 +7931,7 @@
           <p:cNvPr id="3" name="Slide Body Text">
             <a:extLst>
               <a:ext uri="{FF2B5EF4-FFF2-40B4-BE49-F238E27FC236}">
-                <a16:creationId xmlns="" xmlns:a16="http://schemas.microsoft.com/office/drawing/2014/main" id="{5A9D2960-6D42-439F-82E8-812822013A10}"/>
+                <a16:creationId xmlns:a16="http://schemas.microsoft.com/office/drawing/2014/main" xmlns="" id="{5A9D2960-6D42-439F-82E8-812822013A10}"/>
               </a:ext>
             </a:extLst>
           </p:cNvPr>
@@ -8009,7 +8009,7 @@
           <p:cNvPr id="13" name="Rectangle Top">
             <a:extLst>
               <a:ext uri="{FF2B5EF4-FFF2-40B4-BE49-F238E27FC236}">
-                <a16:creationId xmlns="" xmlns:a16="http://schemas.microsoft.com/office/drawing/2014/main" id="{391AFA4E-7870-4561-A1B8-AC956B0C8931}"/>
+                <a16:creationId xmlns:a16="http://schemas.microsoft.com/office/drawing/2014/main" xmlns="" id="{391AFA4E-7870-4561-A1B8-AC956B0C8931}"/>
               </a:ext>
             </a:extLst>
           </p:cNvPr>
@@ -8090,7 +8090,7 @@
           <p:cNvPr id="12" name="Logo Software University" descr="Software University logo">
             <a:extLst>
               <a:ext uri="{FF2B5EF4-FFF2-40B4-BE49-F238E27FC236}">
-                <a16:creationId xmlns="" xmlns:a16="http://schemas.microsoft.com/office/drawing/2014/main" id="{B1D3B425-B9BF-43ED-9DEC-C05002FBA22F}"/>
+                <a16:creationId xmlns:a16="http://schemas.microsoft.com/office/drawing/2014/main" xmlns="" id="{B1D3B425-B9BF-43ED-9DEC-C05002FBA22F}"/>
               </a:ext>
             </a:extLst>
           </p:cNvPr>
@@ -8103,7 +8103,7 @@
           <a:blip r:embed="rId2" cstate="print">
             <a:extLst>
               <a:ext uri="{28A0092B-C50C-407E-A947-70E740481C1C}">
-                <a14:useLocalDpi xmlns="" xmlns:a14="http://schemas.microsoft.com/office/drawing/2010/main" val="0"/>
+                <a14:useLocalDpi xmlns:a14="http://schemas.microsoft.com/office/drawing/2010/main" xmlns="" val="0"/>
               </a:ext>
             </a:extLst>
           </a:blip>
@@ -8126,7 +8126,7 @@
           <p:cNvPr id="6" name="Slide Title">
             <a:extLst>
               <a:ext uri="{FF2B5EF4-FFF2-40B4-BE49-F238E27FC236}">
-                <a16:creationId xmlns="" xmlns:a16="http://schemas.microsoft.com/office/drawing/2014/main" id="{19B5B676-7892-440F-8191-7109B2C59885}"/>
+                <a16:creationId xmlns:a16="http://schemas.microsoft.com/office/drawing/2014/main" xmlns="" id="{19B5B676-7892-440F-8191-7109B2C59885}"/>
               </a:ext>
             </a:extLst>
           </p:cNvPr>
@@ -8165,7 +8165,7 @@
     </p:spTree>
     <p:extLst>
       <p:ext uri="{BB962C8B-B14F-4D97-AF65-F5344CB8AC3E}">
-        <p14:creationId xmlns="" xmlns:p14="http://schemas.microsoft.com/office/powerpoint/2010/main" val="1102970716"/>
+        <p14:creationId xmlns:p14="http://schemas.microsoft.com/office/powerpoint/2010/main" xmlns="" val="1102970716"/>
       </p:ext>
     </p:extLst>
   </p:cSld>
@@ -8173,7 +8173,7 @@
     <a:masterClrMapping/>
   </p:clrMapOvr>
   <mc:AlternateContent xmlns:mc="http://schemas.openxmlformats.org/markup-compatibility/2006">
-    <mc:Choice xmlns="" xmlns:p14="http://schemas.microsoft.com/office/powerpoint/2010/main" Requires="p14">
+    <mc:Choice xmlns:p14="http://schemas.microsoft.com/office/powerpoint/2010/main" xmlns="" Requires="p14">
       <p:transition spd="slow" p14:dur="2000" advClick="0" advTm="5000"/>
     </mc:Choice>
     <mc:Fallback>
@@ -8205,7 +8205,7 @@
           <p:cNvPr id="9" name="Slide Number">
             <a:extLst>
               <a:ext uri="{FF2B5EF4-FFF2-40B4-BE49-F238E27FC236}">
-                <a16:creationId xmlns="" xmlns:a16="http://schemas.microsoft.com/office/drawing/2014/main" id="{0020EB61-2079-41A3-B356-B1D8D48D786E}"/>
+                <a16:creationId xmlns:a16="http://schemas.microsoft.com/office/drawing/2014/main" xmlns="" id="{0020EB61-2079-41A3-B356-B1D8D48D786E}"/>
               </a:ext>
             </a:extLst>
           </p:cNvPr>
@@ -8322,7 +8322,7 @@
           <p:cNvPr id="7" name="Slide Body Text">
             <a:extLst>
               <a:ext uri="{FF2B5EF4-FFF2-40B4-BE49-F238E27FC236}">
-                <a16:creationId xmlns="" xmlns:a16="http://schemas.microsoft.com/office/drawing/2014/main" id="{CB4CB13C-66A1-466B-A6C1-B0BABF5CFEC1}"/>
+                <a16:creationId xmlns:a16="http://schemas.microsoft.com/office/drawing/2014/main" xmlns="" id="{CB4CB13C-66A1-466B-A6C1-B0BABF5CFEC1}"/>
               </a:ext>
             </a:extLst>
           </p:cNvPr>
@@ -8420,7 +8420,7 @@
           <p:cNvPr id="3" name="Logo Software University" descr="Software University logo">
             <a:extLst>
               <a:ext uri="{FF2B5EF4-FFF2-40B4-BE49-F238E27FC236}">
-                <a16:creationId xmlns="" xmlns:a16="http://schemas.microsoft.com/office/drawing/2014/main" id="{5573C101-930B-47AC-967A-A64513DFFDEE}"/>
+                <a16:creationId xmlns:a16="http://schemas.microsoft.com/office/drawing/2014/main" xmlns="" id="{5573C101-930B-47AC-967A-A64513DFFDEE}"/>
               </a:ext>
             </a:extLst>
           </p:cNvPr>
@@ -8443,7 +8443,7 @@
             </a:clrChange>
             <a:extLst>
               <a:ext uri="{28A0092B-C50C-407E-A947-70E740481C1C}">
-                <a14:useLocalDpi xmlns="" xmlns:a14="http://schemas.microsoft.com/office/drawing/2010/main" val="0"/>
+                <a14:useLocalDpi xmlns:a14="http://schemas.microsoft.com/office/drawing/2010/main" xmlns="" val="0"/>
               </a:ext>
             </a:extLst>
           </a:blip>
@@ -8466,7 +8466,7 @@
           <p:cNvPr id="8" name="Slide Title">
             <a:extLst>
               <a:ext uri="{FF2B5EF4-FFF2-40B4-BE49-F238E27FC236}">
-                <a16:creationId xmlns="" xmlns:a16="http://schemas.microsoft.com/office/drawing/2014/main" id="{E2DA9691-CDF5-499C-94BB-AAA61DAC1BFB}"/>
+                <a16:creationId xmlns:a16="http://schemas.microsoft.com/office/drawing/2014/main" xmlns="" id="{E2DA9691-CDF5-499C-94BB-AAA61DAC1BFB}"/>
               </a:ext>
             </a:extLst>
           </p:cNvPr>
@@ -8503,7 +8503,7 @@
           <p:cNvPr id="10" name="Group 9">
             <a:extLst>
               <a:ext uri="{FF2B5EF4-FFF2-40B4-BE49-F238E27FC236}">
-                <a16:creationId xmlns="" xmlns:a16="http://schemas.microsoft.com/office/drawing/2014/main" id="{43CDBCC2-1C96-44BC-B992-7B0C49C34904}"/>
+                <a16:creationId xmlns:a16="http://schemas.microsoft.com/office/drawing/2014/main" xmlns="" id="{43CDBCC2-1C96-44BC-B992-7B0C49C34904}"/>
               </a:ext>
             </a:extLst>
           </p:cNvPr>
@@ -8523,7 +8523,7 @@
             <p:cNvPr id="11" name="Group 10">
               <a:extLst>
                 <a:ext uri="{FF2B5EF4-FFF2-40B4-BE49-F238E27FC236}">
-                  <a16:creationId xmlns="" xmlns:a16="http://schemas.microsoft.com/office/drawing/2014/main" id="{7D71B3A8-4D39-42CF-9255-81EA3A622DD6}"/>
+                  <a16:creationId xmlns:a16="http://schemas.microsoft.com/office/drawing/2014/main" xmlns="" id="{7D71B3A8-4D39-42CF-9255-81EA3A622DD6}"/>
                 </a:ext>
               </a:extLst>
             </p:cNvPr>
@@ -8543,7 +8543,7 @@
               <p:cNvPr id="25" name="Oval 24">
                 <a:extLst>
                   <a:ext uri="{FF2B5EF4-FFF2-40B4-BE49-F238E27FC236}">
-                    <a16:creationId xmlns="" xmlns:a16="http://schemas.microsoft.com/office/drawing/2014/main" id="{B98059F9-1874-426D-8AF7-A12C21F37DD9}"/>
+                    <a16:creationId xmlns:a16="http://schemas.microsoft.com/office/drawing/2014/main" xmlns="" id="{B98059F9-1874-426D-8AF7-A12C21F37DD9}"/>
                   </a:ext>
                 </a:extLst>
               </p:cNvPr>
@@ -8595,7 +8595,7 @@
               <p:cNvPr id="26" name="Rectangle 5">
                 <a:extLst>
                   <a:ext uri="{FF2B5EF4-FFF2-40B4-BE49-F238E27FC236}">
-                    <a16:creationId xmlns="" xmlns:a16="http://schemas.microsoft.com/office/drawing/2014/main" id="{A3A1E077-DBDF-48F0-A924-604984B940A2}"/>
+                    <a16:creationId xmlns:a16="http://schemas.microsoft.com/office/drawing/2014/main" xmlns="" id="{A3A1E077-DBDF-48F0-A924-604984B940A2}"/>
                   </a:ext>
                 </a:extLst>
               </p:cNvPr>
@@ -8740,7 +8740,7 @@
               <p:cNvPr id="27" name="Rectangle 5">
                 <a:extLst>
                   <a:ext uri="{FF2B5EF4-FFF2-40B4-BE49-F238E27FC236}">
-                    <a16:creationId xmlns="" xmlns:a16="http://schemas.microsoft.com/office/drawing/2014/main" id="{798B1F51-1FA4-4199-81C7-62356C936CC9}"/>
+                    <a16:creationId xmlns:a16="http://schemas.microsoft.com/office/drawing/2014/main" xmlns="" id="{798B1F51-1FA4-4199-81C7-62356C936CC9}"/>
                   </a:ext>
                 </a:extLst>
               </p:cNvPr>
@@ -8885,7 +8885,7 @@
               <p:cNvPr id="28" name="Arc 27">
                 <a:extLst>
                   <a:ext uri="{FF2B5EF4-FFF2-40B4-BE49-F238E27FC236}">
-                    <a16:creationId xmlns="" xmlns:a16="http://schemas.microsoft.com/office/drawing/2014/main" id="{40A224C8-1233-40F7-96AB-BFF79AF6CDCB}"/>
+                    <a16:creationId xmlns:a16="http://schemas.microsoft.com/office/drawing/2014/main" xmlns="" id="{40A224C8-1233-40F7-96AB-BFF79AF6CDCB}"/>
                   </a:ext>
                 </a:extLst>
               </p:cNvPr>
@@ -8944,7 +8944,7 @@
               <p:cNvPr id="29" name="Arc 28">
                 <a:extLst>
                   <a:ext uri="{FF2B5EF4-FFF2-40B4-BE49-F238E27FC236}">
-                    <a16:creationId xmlns="" xmlns:a16="http://schemas.microsoft.com/office/drawing/2014/main" id="{B57C7CCC-E218-4321-8C7B-3F0C5753C7A1}"/>
+                    <a16:creationId xmlns:a16="http://schemas.microsoft.com/office/drawing/2014/main" xmlns="" id="{B57C7CCC-E218-4321-8C7B-3F0C5753C7A1}"/>
                   </a:ext>
                 </a:extLst>
               </p:cNvPr>
@@ -9004,7 +9004,7 @@
             <p:cNvPr id="13" name="Rectangle: Rounded Corners 12">
               <a:extLst>
                 <a:ext uri="{FF2B5EF4-FFF2-40B4-BE49-F238E27FC236}">
-                  <a16:creationId xmlns="" xmlns:a16="http://schemas.microsoft.com/office/drawing/2014/main" id="{6AF309CA-A56C-4ABC-B293-420F4EB1A9B4}"/>
+                  <a16:creationId xmlns:a16="http://schemas.microsoft.com/office/drawing/2014/main" xmlns="" id="{6AF309CA-A56C-4ABC-B293-420F4EB1A9B4}"/>
                 </a:ext>
               </a:extLst>
             </p:cNvPr>
@@ -9058,7 +9058,7 @@
             <p:cNvPr id="14" name="Rectangle: Rounded Corners 13">
               <a:extLst>
                 <a:ext uri="{FF2B5EF4-FFF2-40B4-BE49-F238E27FC236}">
-                  <a16:creationId xmlns="" xmlns:a16="http://schemas.microsoft.com/office/drawing/2014/main" id="{07955808-2AC7-44EB-8B6D-82B974E53A3C}"/>
+                  <a16:creationId xmlns:a16="http://schemas.microsoft.com/office/drawing/2014/main" xmlns="" id="{07955808-2AC7-44EB-8B6D-82B974E53A3C}"/>
                 </a:ext>
               </a:extLst>
             </p:cNvPr>
@@ -9119,7 +9119,7 @@
             <p:cNvPr id="15" name="Straight Connector 14">
               <a:extLst>
                 <a:ext uri="{FF2B5EF4-FFF2-40B4-BE49-F238E27FC236}">
-                  <a16:creationId xmlns="" xmlns:a16="http://schemas.microsoft.com/office/drawing/2014/main" id="{AC6420D7-AEAB-45EF-8D46-11EB06E4AFEA}"/>
+                  <a16:creationId xmlns:a16="http://schemas.microsoft.com/office/drawing/2014/main" xmlns="" id="{AC6420D7-AEAB-45EF-8D46-11EB06E4AFEA}"/>
                 </a:ext>
               </a:extLst>
             </p:cNvPr>
@@ -9165,7 +9165,7 @@
             <p:cNvPr id="16" name="Straight Connector 15">
               <a:extLst>
                 <a:ext uri="{FF2B5EF4-FFF2-40B4-BE49-F238E27FC236}">
-                  <a16:creationId xmlns="" xmlns:a16="http://schemas.microsoft.com/office/drawing/2014/main" id="{76C7FABC-6773-44F6-990B-3EB082BE9B35}"/>
+                  <a16:creationId xmlns:a16="http://schemas.microsoft.com/office/drawing/2014/main" xmlns="" id="{76C7FABC-6773-44F6-990B-3EB082BE9B35}"/>
                 </a:ext>
               </a:extLst>
             </p:cNvPr>
@@ -9211,7 +9211,7 @@
             <p:cNvPr id="17" name="Group 16">
               <a:extLst>
                 <a:ext uri="{FF2B5EF4-FFF2-40B4-BE49-F238E27FC236}">
-                  <a16:creationId xmlns="" xmlns:a16="http://schemas.microsoft.com/office/drawing/2014/main" id="{1FAD48E1-DC45-4B3D-9CE5-613250708496}"/>
+                  <a16:creationId xmlns:a16="http://schemas.microsoft.com/office/drawing/2014/main" xmlns="" id="{1FAD48E1-DC45-4B3D-9CE5-613250708496}"/>
                 </a:ext>
               </a:extLst>
             </p:cNvPr>
@@ -9234,7 +9234,7 @@
               <p:cNvPr id="23" name="Straight Connector 22">
                 <a:extLst>
                   <a:ext uri="{FF2B5EF4-FFF2-40B4-BE49-F238E27FC236}">
-                    <a16:creationId xmlns="" xmlns:a16="http://schemas.microsoft.com/office/drawing/2014/main" id="{B01FD1D1-046F-457B-AB63-2702CE3E906E}"/>
+                    <a16:creationId xmlns:a16="http://schemas.microsoft.com/office/drawing/2014/main" xmlns="" id="{B01FD1D1-046F-457B-AB63-2702CE3E906E}"/>
                   </a:ext>
                 </a:extLst>
               </p:cNvPr>
@@ -9278,7 +9278,7 @@
               <p:cNvPr id="24" name="Straight Connector 23">
                 <a:extLst>
                   <a:ext uri="{FF2B5EF4-FFF2-40B4-BE49-F238E27FC236}">
-                    <a16:creationId xmlns="" xmlns:a16="http://schemas.microsoft.com/office/drawing/2014/main" id="{895660C3-C72C-43EE-9C4A-170F85E5BE08}"/>
+                    <a16:creationId xmlns:a16="http://schemas.microsoft.com/office/drawing/2014/main" xmlns="" id="{895660C3-C72C-43EE-9C4A-170F85E5BE08}"/>
                   </a:ext>
                 </a:extLst>
               </p:cNvPr>
@@ -9323,7 +9323,7 @@
             <p:cNvPr id="19" name="Straight Connector 18">
               <a:extLst>
                 <a:ext uri="{FF2B5EF4-FFF2-40B4-BE49-F238E27FC236}">
-                  <a16:creationId xmlns="" xmlns:a16="http://schemas.microsoft.com/office/drawing/2014/main" id="{A74EE503-8FC0-42A6-8860-CA4EE42272E4}"/>
+                  <a16:creationId xmlns:a16="http://schemas.microsoft.com/office/drawing/2014/main" xmlns="" id="{A74EE503-8FC0-42A6-8860-CA4EE42272E4}"/>
                 </a:ext>
               </a:extLst>
             </p:cNvPr>
@@ -9369,7 +9369,7 @@
             <p:cNvPr id="12" name="Rectangle: Rounded Corners 11">
               <a:extLst>
                 <a:ext uri="{FF2B5EF4-FFF2-40B4-BE49-F238E27FC236}">
-                  <a16:creationId xmlns="" xmlns:a16="http://schemas.microsoft.com/office/drawing/2014/main" id="{F4189FDA-9FE8-490B-8A70-2E941811021F}"/>
+                  <a16:creationId xmlns:a16="http://schemas.microsoft.com/office/drawing/2014/main" xmlns="" id="{F4189FDA-9FE8-490B-8A70-2E941811021F}"/>
                 </a:ext>
               </a:extLst>
             </p:cNvPr>
@@ -9423,7 +9423,7 @@
             <p:cNvPr id="18" name="Group 17">
               <a:extLst>
                 <a:ext uri="{FF2B5EF4-FFF2-40B4-BE49-F238E27FC236}">
-                  <a16:creationId xmlns="" xmlns:a16="http://schemas.microsoft.com/office/drawing/2014/main" id="{FDA3EFCD-0DF8-419D-8533-D781521E597E}"/>
+                  <a16:creationId xmlns:a16="http://schemas.microsoft.com/office/drawing/2014/main" xmlns="" id="{FDA3EFCD-0DF8-419D-8533-D781521E597E}"/>
                 </a:ext>
               </a:extLst>
             </p:cNvPr>
@@ -9446,7 +9446,7 @@
               <p:cNvPr id="21" name="Straight Connector 20">
                 <a:extLst>
                   <a:ext uri="{FF2B5EF4-FFF2-40B4-BE49-F238E27FC236}">
-                    <a16:creationId xmlns="" xmlns:a16="http://schemas.microsoft.com/office/drawing/2014/main" id="{C3CC6A5A-182E-4A09-9C04-EB191881D789}"/>
+                    <a16:creationId xmlns:a16="http://schemas.microsoft.com/office/drawing/2014/main" xmlns="" id="{C3CC6A5A-182E-4A09-9C04-EB191881D789}"/>
                   </a:ext>
                 </a:extLst>
               </p:cNvPr>
@@ -9490,7 +9490,7 @@
               <p:cNvPr id="22" name="Straight Connector 21">
                 <a:extLst>
                   <a:ext uri="{FF2B5EF4-FFF2-40B4-BE49-F238E27FC236}">
-                    <a16:creationId xmlns="" xmlns:a16="http://schemas.microsoft.com/office/drawing/2014/main" id="{440C8953-0555-48CC-8255-78F17E053EE7}"/>
+                    <a16:creationId xmlns:a16="http://schemas.microsoft.com/office/drawing/2014/main" xmlns="" id="{440C8953-0555-48CC-8255-78F17E053EE7}"/>
                   </a:ext>
                 </a:extLst>
               </p:cNvPr>
@@ -9536,7 +9536,7 @@
           <p:cNvPr id="34" name="Straight Connector 33">
             <a:extLst>
               <a:ext uri="{FF2B5EF4-FFF2-40B4-BE49-F238E27FC236}">
-                <a16:creationId xmlns="" xmlns:a16="http://schemas.microsoft.com/office/drawing/2014/main" id="{29B538CA-8CCB-43FB-B5E5-5FC04EBC1F54}"/>
+                <a16:creationId xmlns:a16="http://schemas.microsoft.com/office/drawing/2014/main" xmlns="" id="{29B538CA-8CCB-43FB-B5E5-5FC04EBC1F54}"/>
               </a:ext>
             </a:extLst>
           </p:cNvPr>
@@ -9581,7 +9581,7 @@
     </p:spTree>
     <p:extLst>
       <p:ext uri="{BB962C8B-B14F-4D97-AF65-F5344CB8AC3E}">
-        <p14:creationId xmlns="" xmlns:p14="http://schemas.microsoft.com/office/powerpoint/2010/main" val="743545348"/>
+        <p14:creationId xmlns:p14="http://schemas.microsoft.com/office/powerpoint/2010/main" xmlns="" val="743545348"/>
       </p:ext>
     </p:extLst>
   </p:cSld>
@@ -9589,7 +9589,7 @@
     <a:masterClrMapping/>
   </p:clrMapOvr>
   <mc:AlternateContent xmlns:mc="http://schemas.openxmlformats.org/markup-compatibility/2006">
-    <mc:Choice xmlns="" xmlns:p14="http://schemas.microsoft.com/office/powerpoint/2010/main" Requires="p14">
+    <mc:Choice xmlns:p14="http://schemas.microsoft.com/office/powerpoint/2010/main" xmlns="" Requires="p14">
       <p:transition spd="slow" p14:dur="2000" advClick="0" advTm="5000"/>
     </mc:Choice>
     <mc:Fallback>
@@ -9621,7 +9621,7 @@
           <p:cNvPr id="9" name="Slide Number">
             <a:extLst>
               <a:ext uri="{FF2B5EF4-FFF2-40B4-BE49-F238E27FC236}">
-                <a16:creationId xmlns="" xmlns:a16="http://schemas.microsoft.com/office/drawing/2014/main" id="{1865BF6B-7F07-4E9C-879F-80E36EEB3405}"/>
+                <a16:creationId xmlns:a16="http://schemas.microsoft.com/office/drawing/2014/main" xmlns="" id="{1865BF6B-7F07-4E9C-879F-80E36EEB3405}"/>
               </a:ext>
             </a:extLst>
           </p:cNvPr>
@@ -9663,7 +9663,7 @@
           <p:cNvPr id="12" name="Rectangle Left">
             <a:extLst>
               <a:ext uri="{FF2B5EF4-FFF2-40B4-BE49-F238E27FC236}">
-                <a16:creationId xmlns="" xmlns:a16="http://schemas.microsoft.com/office/drawing/2014/main" id="{345FB1C8-7F66-4D5C-ACCE-AE919936BCFD}"/>
+                <a16:creationId xmlns:a16="http://schemas.microsoft.com/office/drawing/2014/main" xmlns="" id="{345FB1C8-7F66-4D5C-ACCE-AE919936BCFD}"/>
               </a:ext>
             </a:extLst>
           </p:cNvPr>
@@ -9744,7 +9744,7 @@
           <p:cNvPr id="15" name="Slide Body Text">
             <a:extLst>
               <a:ext uri="{FF2B5EF4-FFF2-40B4-BE49-F238E27FC236}">
-                <a16:creationId xmlns="" xmlns:a16="http://schemas.microsoft.com/office/drawing/2014/main" id="{6157C8DE-E0AF-422B-BBB1-F0AF1264B5E9}"/>
+                <a16:creationId xmlns:a16="http://schemas.microsoft.com/office/drawing/2014/main" xmlns="" id="{6157C8DE-E0AF-422B-BBB1-F0AF1264B5E9}"/>
               </a:ext>
             </a:extLst>
           </p:cNvPr>
@@ -9842,7 +9842,7 @@
           <p:cNvPr id="16" name="Logo Software University" descr="Software University logo">
             <a:extLst>
               <a:ext uri="{FF2B5EF4-FFF2-40B4-BE49-F238E27FC236}">
-                <a16:creationId xmlns="" xmlns:a16="http://schemas.microsoft.com/office/drawing/2014/main" id="{EFEBB553-EACE-4B4F-8B4F-7629FDD910A4}"/>
+                <a16:creationId xmlns:a16="http://schemas.microsoft.com/office/drawing/2014/main" xmlns="" id="{EFEBB553-EACE-4B4F-8B4F-7629FDD910A4}"/>
               </a:ext>
             </a:extLst>
           </p:cNvPr>
@@ -9865,7 +9865,7 @@
             </a:clrChange>
             <a:extLst>
               <a:ext uri="{28A0092B-C50C-407E-A947-70E740481C1C}">
-                <a14:useLocalDpi xmlns="" xmlns:a14="http://schemas.microsoft.com/office/drawing/2010/main" val="0"/>
+                <a14:useLocalDpi xmlns:a14="http://schemas.microsoft.com/office/drawing/2010/main" xmlns="" val="0"/>
               </a:ext>
             </a:extLst>
           </a:blip>
@@ -9888,7 +9888,7 @@
           <p:cNvPr id="13" name="Slide Title">
             <a:extLst>
               <a:ext uri="{FF2B5EF4-FFF2-40B4-BE49-F238E27FC236}">
-                <a16:creationId xmlns="" xmlns:a16="http://schemas.microsoft.com/office/drawing/2014/main" id="{0D5CC956-5C4A-44BE-8F8B-327FAFA51E97}"/>
+                <a16:creationId xmlns:a16="http://schemas.microsoft.com/office/drawing/2014/main" xmlns="" id="{0D5CC956-5C4A-44BE-8F8B-327FAFA51E97}"/>
               </a:ext>
             </a:extLst>
           </p:cNvPr>
@@ -9925,7 +9925,7 @@
           <p:cNvPr id="33" name="Group 32">
             <a:extLst>
               <a:ext uri="{FF2B5EF4-FFF2-40B4-BE49-F238E27FC236}">
-                <a16:creationId xmlns="" xmlns:a16="http://schemas.microsoft.com/office/drawing/2014/main" id="{7CF60135-47AA-48F0-96BA-0E795668ABDB}"/>
+                <a16:creationId xmlns:a16="http://schemas.microsoft.com/office/drawing/2014/main" xmlns="" id="{7CF60135-47AA-48F0-96BA-0E795668ABDB}"/>
               </a:ext>
             </a:extLst>
           </p:cNvPr>
@@ -9945,7 +9945,7 @@
             <p:cNvPr id="34" name="Group 33">
               <a:extLst>
                 <a:ext uri="{FF2B5EF4-FFF2-40B4-BE49-F238E27FC236}">
-                  <a16:creationId xmlns="" xmlns:a16="http://schemas.microsoft.com/office/drawing/2014/main" id="{2823380E-3936-41AF-BDF7-DA54D75BBF6B}"/>
+                  <a16:creationId xmlns:a16="http://schemas.microsoft.com/office/drawing/2014/main" xmlns="" id="{2823380E-3936-41AF-BDF7-DA54D75BBF6B}"/>
                 </a:ext>
               </a:extLst>
             </p:cNvPr>
@@ -9965,7 +9965,7 @@
               <p:cNvPr id="47" name="Oval 46">
                 <a:extLst>
                   <a:ext uri="{FF2B5EF4-FFF2-40B4-BE49-F238E27FC236}">
-                    <a16:creationId xmlns="" xmlns:a16="http://schemas.microsoft.com/office/drawing/2014/main" id="{52B047D9-D8DD-45C7-9BC8-6D4F682F5182}"/>
+                    <a16:creationId xmlns:a16="http://schemas.microsoft.com/office/drawing/2014/main" xmlns="" id="{52B047D9-D8DD-45C7-9BC8-6D4F682F5182}"/>
                   </a:ext>
                 </a:extLst>
               </p:cNvPr>
@@ -10017,7 +10017,7 @@
               <p:cNvPr id="48" name="Rectangle 5">
                 <a:extLst>
                   <a:ext uri="{FF2B5EF4-FFF2-40B4-BE49-F238E27FC236}">
-                    <a16:creationId xmlns="" xmlns:a16="http://schemas.microsoft.com/office/drawing/2014/main" id="{4D84FE51-BD8E-47EA-9463-CE02FEA31766}"/>
+                    <a16:creationId xmlns:a16="http://schemas.microsoft.com/office/drawing/2014/main" xmlns="" id="{4D84FE51-BD8E-47EA-9463-CE02FEA31766}"/>
                   </a:ext>
                 </a:extLst>
               </p:cNvPr>
@@ -10162,7 +10162,7 @@
               <p:cNvPr id="49" name="Rectangle 5">
                 <a:extLst>
                   <a:ext uri="{FF2B5EF4-FFF2-40B4-BE49-F238E27FC236}">
-                    <a16:creationId xmlns="" xmlns:a16="http://schemas.microsoft.com/office/drawing/2014/main" id="{F5C8F037-C197-4219-AC87-3A81763512BC}"/>
+                    <a16:creationId xmlns:a16="http://schemas.microsoft.com/office/drawing/2014/main" xmlns="" id="{F5C8F037-C197-4219-AC87-3A81763512BC}"/>
                   </a:ext>
                 </a:extLst>
               </p:cNvPr>
@@ -10307,7 +10307,7 @@
               <p:cNvPr id="50" name="Arc 49">
                 <a:extLst>
                   <a:ext uri="{FF2B5EF4-FFF2-40B4-BE49-F238E27FC236}">
-                    <a16:creationId xmlns="" xmlns:a16="http://schemas.microsoft.com/office/drawing/2014/main" id="{786EE401-CF8E-439B-94A0-EE6F3A7D5798}"/>
+                    <a16:creationId xmlns:a16="http://schemas.microsoft.com/office/drawing/2014/main" xmlns="" id="{786EE401-CF8E-439B-94A0-EE6F3A7D5798}"/>
                   </a:ext>
                 </a:extLst>
               </p:cNvPr>
@@ -10366,7 +10366,7 @@
               <p:cNvPr id="51" name="Arc 50">
                 <a:extLst>
                   <a:ext uri="{FF2B5EF4-FFF2-40B4-BE49-F238E27FC236}">
-                    <a16:creationId xmlns="" xmlns:a16="http://schemas.microsoft.com/office/drawing/2014/main" id="{8D9ACD38-B3EB-4A63-9730-CBF0501BF235}"/>
+                    <a16:creationId xmlns:a16="http://schemas.microsoft.com/office/drawing/2014/main" xmlns="" id="{8D9ACD38-B3EB-4A63-9730-CBF0501BF235}"/>
                   </a:ext>
                 </a:extLst>
               </p:cNvPr>
@@ -10426,7 +10426,7 @@
             <p:cNvPr id="35" name="Rectangle: Rounded Corners 34">
               <a:extLst>
                 <a:ext uri="{FF2B5EF4-FFF2-40B4-BE49-F238E27FC236}">
-                  <a16:creationId xmlns="" xmlns:a16="http://schemas.microsoft.com/office/drawing/2014/main" id="{64EE493E-A353-4C75-A3B9-D48ABA2C57CC}"/>
+                  <a16:creationId xmlns:a16="http://schemas.microsoft.com/office/drawing/2014/main" xmlns="" id="{64EE493E-A353-4C75-A3B9-D48ABA2C57CC}"/>
                 </a:ext>
               </a:extLst>
             </p:cNvPr>
@@ -10480,7 +10480,7 @@
             <p:cNvPr id="36" name="Rectangle: Rounded Corners 35">
               <a:extLst>
                 <a:ext uri="{FF2B5EF4-FFF2-40B4-BE49-F238E27FC236}">
-                  <a16:creationId xmlns="" xmlns:a16="http://schemas.microsoft.com/office/drawing/2014/main" id="{718408B9-204E-42E3-9E79-33E047E869BC}"/>
+                  <a16:creationId xmlns:a16="http://schemas.microsoft.com/office/drawing/2014/main" xmlns="" id="{718408B9-204E-42E3-9E79-33E047E869BC}"/>
                 </a:ext>
               </a:extLst>
             </p:cNvPr>
@@ -10541,7 +10541,7 @@
             <p:cNvPr id="37" name="Straight Connector 36">
               <a:extLst>
                 <a:ext uri="{FF2B5EF4-FFF2-40B4-BE49-F238E27FC236}">
-                  <a16:creationId xmlns="" xmlns:a16="http://schemas.microsoft.com/office/drawing/2014/main" id="{0AB66D97-DF6F-4CD2-AF13-42B5C852F673}"/>
+                  <a16:creationId xmlns:a16="http://schemas.microsoft.com/office/drawing/2014/main" xmlns="" id="{0AB66D97-DF6F-4CD2-AF13-42B5C852F673}"/>
                 </a:ext>
               </a:extLst>
             </p:cNvPr>
@@ -10587,7 +10587,7 @@
             <p:cNvPr id="38" name="Straight Connector 37">
               <a:extLst>
                 <a:ext uri="{FF2B5EF4-FFF2-40B4-BE49-F238E27FC236}">
-                  <a16:creationId xmlns="" xmlns:a16="http://schemas.microsoft.com/office/drawing/2014/main" id="{F2AFBA69-C196-4703-8AAB-5F72A8EDCEB5}"/>
+                  <a16:creationId xmlns:a16="http://schemas.microsoft.com/office/drawing/2014/main" xmlns="" id="{F2AFBA69-C196-4703-8AAB-5F72A8EDCEB5}"/>
                 </a:ext>
               </a:extLst>
             </p:cNvPr>
@@ -10633,7 +10633,7 @@
             <p:cNvPr id="39" name="Group 38">
               <a:extLst>
                 <a:ext uri="{FF2B5EF4-FFF2-40B4-BE49-F238E27FC236}">
-                  <a16:creationId xmlns="" xmlns:a16="http://schemas.microsoft.com/office/drawing/2014/main" id="{9AFC66C1-0C1C-4332-9C4E-782574C896B8}"/>
+                  <a16:creationId xmlns:a16="http://schemas.microsoft.com/office/drawing/2014/main" xmlns="" id="{9AFC66C1-0C1C-4332-9C4E-782574C896B8}"/>
                 </a:ext>
               </a:extLst>
             </p:cNvPr>
@@ -10656,7 +10656,7 @@
               <p:cNvPr id="45" name="Straight Connector 44">
                 <a:extLst>
                   <a:ext uri="{FF2B5EF4-FFF2-40B4-BE49-F238E27FC236}">
-                    <a16:creationId xmlns="" xmlns:a16="http://schemas.microsoft.com/office/drawing/2014/main" id="{872CA8AD-EAF6-40BE-9DDE-ECDB4A980CA5}"/>
+                    <a16:creationId xmlns:a16="http://schemas.microsoft.com/office/drawing/2014/main" xmlns="" id="{872CA8AD-EAF6-40BE-9DDE-ECDB4A980CA5}"/>
                   </a:ext>
                 </a:extLst>
               </p:cNvPr>
@@ -10700,7 +10700,7 @@
               <p:cNvPr id="46" name="Straight Connector 45">
                 <a:extLst>
                   <a:ext uri="{FF2B5EF4-FFF2-40B4-BE49-F238E27FC236}">
-                    <a16:creationId xmlns="" xmlns:a16="http://schemas.microsoft.com/office/drawing/2014/main" id="{57DD3EC7-1A13-4AFE-BD6F-DA12C281FAFB}"/>
+                    <a16:creationId xmlns:a16="http://schemas.microsoft.com/office/drawing/2014/main" xmlns="" id="{57DD3EC7-1A13-4AFE-BD6F-DA12C281FAFB}"/>
                   </a:ext>
                 </a:extLst>
               </p:cNvPr>
@@ -10745,7 +10745,7 @@
             <p:cNvPr id="40" name="Straight Connector 39">
               <a:extLst>
                 <a:ext uri="{FF2B5EF4-FFF2-40B4-BE49-F238E27FC236}">
-                  <a16:creationId xmlns="" xmlns:a16="http://schemas.microsoft.com/office/drawing/2014/main" id="{E46151FA-19E9-4E84-A082-EDAC6F76EA9D}"/>
+                  <a16:creationId xmlns:a16="http://schemas.microsoft.com/office/drawing/2014/main" xmlns="" id="{E46151FA-19E9-4E84-A082-EDAC6F76EA9D}"/>
                 </a:ext>
               </a:extLst>
             </p:cNvPr>
@@ -10791,7 +10791,7 @@
             <p:cNvPr id="41" name="Rectangle: Rounded Corners 40">
               <a:extLst>
                 <a:ext uri="{FF2B5EF4-FFF2-40B4-BE49-F238E27FC236}">
-                  <a16:creationId xmlns="" xmlns:a16="http://schemas.microsoft.com/office/drawing/2014/main" id="{3423EEF0-5B70-4091-B2DA-0740D2609643}"/>
+                  <a16:creationId xmlns:a16="http://schemas.microsoft.com/office/drawing/2014/main" xmlns="" id="{3423EEF0-5B70-4091-B2DA-0740D2609643}"/>
                 </a:ext>
               </a:extLst>
             </p:cNvPr>
@@ -10845,7 +10845,7 @@
             <p:cNvPr id="42" name="Group 41">
               <a:extLst>
                 <a:ext uri="{FF2B5EF4-FFF2-40B4-BE49-F238E27FC236}">
-                  <a16:creationId xmlns="" xmlns:a16="http://schemas.microsoft.com/office/drawing/2014/main" id="{49A8AAA7-98E7-4224-B027-830FFCC285A3}"/>
+                  <a16:creationId xmlns:a16="http://schemas.microsoft.com/office/drawing/2014/main" xmlns="" id="{49A8AAA7-98E7-4224-B027-830FFCC285A3}"/>
                 </a:ext>
               </a:extLst>
             </p:cNvPr>
@@ -10868,7 +10868,7 @@
               <p:cNvPr id="43" name="Straight Connector 42">
                 <a:extLst>
                   <a:ext uri="{FF2B5EF4-FFF2-40B4-BE49-F238E27FC236}">
-                    <a16:creationId xmlns="" xmlns:a16="http://schemas.microsoft.com/office/drawing/2014/main" id="{2129EC38-471E-4685-973E-BA7A7F567C42}"/>
+                    <a16:creationId xmlns:a16="http://schemas.microsoft.com/office/drawing/2014/main" xmlns="" id="{2129EC38-471E-4685-973E-BA7A7F567C42}"/>
                   </a:ext>
                 </a:extLst>
               </p:cNvPr>
@@ -10912,7 +10912,7 @@
               <p:cNvPr id="44" name="Straight Connector 43">
                 <a:extLst>
                   <a:ext uri="{FF2B5EF4-FFF2-40B4-BE49-F238E27FC236}">
-                    <a16:creationId xmlns="" xmlns:a16="http://schemas.microsoft.com/office/drawing/2014/main" id="{678142BE-84C9-4834-B6CC-6623E401661C}"/>
+                    <a16:creationId xmlns:a16="http://schemas.microsoft.com/office/drawing/2014/main" xmlns="" id="{678142BE-84C9-4834-B6CC-6623E401661C}"/>
                   </a:ext>
                 </a:extLst>
               </p:cNvPr>
@@ -10956,7 +10956,7 @@
     </p:spTree>
     <p:extLst>
       <p:ext uri="{BB962C8B-B14F-4D97-AF65-F5344CB8AC3E}">
-        <p14:creationId xmlns="" xmlns:p14="http://schemas.microsoft.com/office/powerpoint/2010/main" val="1679651758"/>
+        <p14:creationId xmlns:p14="http://schemas.microsoft.com/office/powerpoint/2010/main" xmlns="" val="1679651758"/>
       </p:ext>
     </p:extLst>
   </p:cSld>
@@ -10964,7 +10964,7 @@
     <a:masterClrMapping/>
   </p:clrMapOvr>
   <mc:AlternateContent xmlns:mc="http://schemas.openxmlformats.org/markup-compatibility/2006">
-    <mc:Choice xmlns="" xmlns:p14="http://schemas.microsoft.com/office/powerpoint/2010/main" Requires="p14">
+    <mc:Choice xmlns:p14="http://schemas.microsoft.com/office/powerpoint/2010/main" xmlns="" Requires="p14">
       <p:transition spd="slow" p14:dur="2000" advClick="0" advTm="5000"/>
     </mc:Choice>
     <mc:Fallback>
@@ -10996,7 +10996,7 @@
           <p:cNvPr id="5" name="Slide Number">
             <a:extLst>
               <a:ext uri="{FF2B5EF4-FFF2-40B4-BE49-F238E27FC236}">
-                <a16:creationId xmlns="" xmlns:a16="http://schemas.microsoft.com/office/drawing/2014/main" id="{F0B8C963-1813-4B69-AD27-6D02EBBBB569}"/>
+                <a16:creationId xmlns:a16="http://schemas.microsoft.com/office/drawing/2014/main" xmlns="" id="{F0B8C963-1813-4B69-AD27-6D02EBBBB569}"/>
               </a:ext>
             </a:extLst>
           </p:cNvPr>
@@ -11038,7 +11038,7 @@
           <p:cNvPr id="3" name="Rectangle Left">
             <a:extLst>
               <a:ext uri="{FF2B5EF4-FFF2-40B4-BE49-F238E27FC236}">
-                <a16:creationId xmlns="" xmlns:a16="http://schemas.microsoft.com/office/drawing/2014/main" id="{345FB1C8-7F66-4D5C-ACCE-AE919936BCFD}"/>
+                <a16:creationId xmlns:a16="http://schemas.microsoft.com/office/drawing/2014/main" xmlns="" id="{345FB1C8-7F66-4D5C-ACCE-AE919936BCFD}"/>
               </a:ext>
             </a:extLst>
           </p:cNvPr>
@@ -11119,7 +11119,7 @@
           <p:cNvPr id="7" name="Slide Body Text">
             <a:extLst>
               <a:ext uri="{FF2B5EF4-FFF2-40B4-BE49-F238E27FC236}">
-                <a16:creationId xmlns="" xmlns:a16="http://schemas.microsoft.com/office/drawing/2014/main" id="{7296EDA7-D37D-4B31-A888-371F0804124F}"/>
+                <a16:creationId xmlns:a16="http://schemas.microsoft.com/office/drawing/2014/main" xmlns="" id="{7296EDA7-D37D-4B31-A888-371F0804124F}"/>
               </a:ext>
             </a:extLst>
           </p:cNvPr>
@@ -11217,7 +11217,7 @@
           <p:cNvPr id="6" name="Slide Title">
             <a:extLst>
               <a:ext uri="{FF2B5EF4-FFF2-40B4-BE49-F238E27FC236}">
-                <a16:creationId xmlns="" xmlns:a16="http://schemas.microsoft.com/office/drawing/2014/main" id="{55A88B09-3557-48A3-BF27-42699C269215}"/>
+                <a16:creationId xmlns:a16="http://schemas.microsoft.com/office/drawing/2014/main" xmlns="" id="{55A88B09-3557-48A3-BF27-42699C269215}"/>
               </a:ext>
             </a:extLst>
           </p:cNvPr>
@@ -11254,7 +11254,7 @@
           <p:cNvPr id="28" name="Group 27">
             <a:extLst>
               <a:ext uri="{FF2B5EF4-FFF2-40B4-BE49-F238E27FC236}">
-                <a16:creationId xmlns="" xmlns:a16="http://schemas.microsoft.com/office/drawing/2014/main" id="{C4248838-4E67-439E-AE0A-0043D2CB04D6}"/>
+                <a16:creationId xmlns:a16="http://schemas.microsoft.com/office/drawing/2014/main" xmlns="" id="{C4248838-4E67-439E-AE0A-0043D2CB04D6}"/>
               </a:ext>
             </a:extLst>
           </p:cNvPr>
@@ -11274,7 +11274,7 @@
             <p:cNvPr id="29" name="Group 28">
               <a:extLst>
                 <a:ext uri="{FF2B5EF4-FFF2-40B4-BE49-F238E27FC236}">
-                  <a16:creationId xmlns="" xmlns:a16="http://schemas.microsoft.com/office/drawing/2014/main" id="{810CFD6A-2427-49D5-846A-5F93601D4184}"/>
+                  <a16:creationId xmlns:a16="http://schemas.microsoft.com/office/drawing/2014/main" xmlns="" id="{810CFD6A-2427-49D5-846A-5F93601D4184}"/>
                 </a:ext>
               </a:extLst>
             </p:cNvPr>
@@ -11294,7 +11294,7 @@
               <p:cNvPr id="42" name="Oval 41">
                 <a:extLst>
                   <a:ext uri="{FF2B5EF4-FFF2-40B4-BE49-F238E27FC236}">
-                    <a16:creationId xmlns="" xmlns:a16="http://schemas.microsoft.com/office/drawing/2014/main" id="{017B1AE5-5C36-4839-BA1F-B404EA44E701}"/>
+                    <a16:creationId xmlns:a16="http://schemas.microsoft.com/office/drawing/2014/main" xmlns="" id="{017B1AE5-5C36-4839-BA1F-B404EA44E701}"/>
                   </a:ext>
                 </a:extLst>
               </p:cNvPr>
@@ -11346,7 +11346,7 @@
               <p:cNvPr id="43" name="Rectangle 5">
                 <a:extLst>
                   <a:ext uri="{FF2B5EF4-FFF2-40B4-BE49-F238E27FC236}">
-                    <a16:creationId xmlns="" xmlns:a16="http://schemas.microsoft.com/office/drawing/2014/main" id="{FB963D79-BB49-4A1D-BA66-EA0670C79BAE}"/>
+                    <a16:creationId xmlns:a16="http://schemas.microsoft.com/office/drawing/2014/main" xmlns="" id="{FB963D79-BB49-4A1D-BA66-EA0670C79BAE}"/>
                   </a:ext>
                 </a:extLst>
               </p:cNvPr>
@@ -11491,7 +11491,7 @@
               <p:cNvPr id="44" name="Rectangle 5">
                 <a:extLst>
                   <a:ext uri="{FF2B5EF4-FFF2-40B4-BE49-F238E27FC236}">
-                    <a16:creationId xmlns="" xmlns:a16="http://schemas.microsoft.com/office/drawing/2014/main" id="{6D7746D8-B913-493B-AAE9-25BC6893D40E}"/>
+                    <a16:creationId xmlns:a16="http://schemas.microsoft.com/office/drawing/2014/main" xmlns="" id="{6D7746D8-B913-493B-AAE9-25BC6893D40E}"/>
                   </a:ext>
                 </a:extLst>
               </p:cNvPr>
@@ -11636,7 +11636,7 @@
               <p:cNvPr id="45" name="Arc 44">
                 <a:extLst>
                   <a:ext uri="{FF2B5EF4-FFF2-40B4-BE49-F238E27FC236}">
-                    <a16:creationId xmlns="" xmlns:a16="http://schemas.microsoft.com/office/drawing/2014/main" id="{29031C02-E965-417B-8799-96061B14F30D}"/>
+                    <a16:creationId xmlns:a16="http://schemas.microsoft.com/office/drawing/2014/main" xmlns="" id="{29031C02-E965-417B-8799-96061B14F30D}"/>
                   </a:ext>
                 </a:extLst>
               </p:cNvPr>
@@ -11695,7 +11695,7 @@
               <p:cNvPr id="46" name="Arc 45">
                 <a:extLst>
                   <a:ext uri="{FF2B5EF4-FFF2-40B4-BE49-F238E27FC236}">
-                    <a16:creationId xmlns="" xmlns:a16="http://schemas.microsoft.com/office/drawing/2014/main" id="{26BFD8A6-BC99-4B16-BA10-08A9E5C681C0}"/>
+                    <a16:creationId xmlns:a16="http://schemas.microsoft.com/office/drawing/2014/main" xmlns="" id="{26BFD8A6-BC99-4B16-BA10-08A9E5C681C0}"/>
                   </a:ext>
                 </a:extLst>
               </p:cNvPr>
@@ -11755,7 +11755,7 @@
             <p:cNvPr id="30" name="Rectangle: Rounded Corners 29">
               <a:extLst>
                 <a:ext uri="{FF2B5EF4-FFF2-40B4-BE49-F238E27FC236}">
-                  <a16:creationId xmlns="" xmlns:a16="http://schemas.microsoft.com/office/drawing/2014/main" id="{B310277F-A78E-4FB9-9EA9-88BE4F1D585B}"/>
+                  <a16:creationId xmlns:a16="http://schemas.microsoft.com/office/drawing/2014/main" xmlns="" id="{B310277F-A78E-4FB9-9EA9-88BE4F1D585B}"/>
                 </a:ext>
               </a:extLst>
             </p:cNvPr>
@@ -11809,7 +11809,7 @@
             <p:cNvPr id="31" name="Rectangle: Rounded Corners 30">
               <a:extLst>
                 <a:ext uri="{FF2B5EF4-FFF2-40B4-BE49-F238E27FC236}">
-                  <a16:creationId xmlns="" xmlns:a16="http://schemas.microsoft.com/office/drawing/2014/main" id="{A92CF92B-C212-4542-83AE-A0058B5BB5EA}"/>
+                  <a16:creationId xmlns:a16="http://schemas.microsoft.com/office/drawing/2014/main" xmlns="" id="{A92CF92B-C212-4542-83AE-A0058B5BB5EA}"/>
                 </a:ext>
               </a:extLst>
             </p:cNvPr>
@@ -11870,7 +11870,7 @@
             <p:cNvPr id="32" name="Straight Connector 31">
               <a:extLst>
                 <a:ext uri="{FF2B5EF4-FFF2-40B4-BE49-F238E27FC236}">
-                  <a16:creationId xmlns="" xmlns:a16="http://schemas.microsoft.com/office/drawing/2014/main" id="{563B4374-5C0D-461F-B3BD-78D99614D365}"/>
+                  <a16:creationId xmlns:a16="http://schemas.microsoft.com/office/drawing/2014/main" xmlns="" id="{563B4374-5C0D-461F-B3BD-78D99614D365}"/>
                 </a:ext>
               </a:extLst>
             </p:cNvPr>
@@ -11916,7 +11916,7 @@
             <p:cNvPr id="33" name="Straight Connector 32">
               <a:extLst>
                 <a:ext uri="{FF2B5EF4-FFF2-40B4-BE49-F238E27FC236}">
-                  <a16:creationId xmlns="" xmlns:a16="http://schemas.microsoft.com/office/drawing/2014/main" id="{FBC6FDE7-AEA1-4230-8433-4C088A0FF5F9}"/>
+                  <a16:creationId xmlns:a16="http://schemas.microsoft.com/office/drawing/2014/main" xmlns="" id="{FBC6FDE7-AEA1-4230-8433-4C088A0FF5F9}"/>
                 </a:ext>
               </a:extLst>
             </p:cNvPr>
@@ -11962,7 +11962,7 @@
             <p:cNvPr id="34" name="Group 33">
               <a:extLst>
                 <a:ext uri="{FF2B5EF4-FFF2-40B4-BE49-F238E27FC236}">
-                  <a16:creationId xmlns="" xmlns:a16="http://schemas.microsoft.com/office/drawing/2014/main" id="{C4D1021D-07C7-4331-8FF6-36980A30978B}"/>
+                  <a16:creationId xmlns:a16="http://schemas.microsoft.com/office/drawing/2014/main" xmlns="" id="{C4D1021D-07C7-4331-8FF6-36980A30978B}"/>
                 </a:ext>
               </a:extLst>
             </p:cNvPr>
@@ -11985,7 +11985,7 @@
               <p:cNvPr id="40" name="Straight Connector 39">
                 <a:extLst>
                   <a:ext uri="{FF2B5EF4-FFF2-40B4-BE49-F238E27FC236}">
-                    <a16:creationId xmlns="" xmlns:a16="http://schemas.microsoft.com/office/drawing/2014/main" id="{13B7FE99-95CF-45D5-966B-87A979B93431}"/>
+                    <a16:creationId xmlns:a16="http://schemas.microsoft.com/office/drawing/2014/main" xmlns="" id="{13B7FE99-95CF-45D5-966B-87A979B93431}"/>
                   </a:ext>
                 </a:extLst>
               </p:cNvPr>
@@ -12029,7 +12029,7 @@
               <p:cNvPr id="41" name="Straight Connector 40">
                 <a:extLst>
                   <a:ext uri="{FF2B5EF4-FFF2-40B4-BE49-F238E27FC236}">
-                    <a16:creationId xmlns="" xmlns:a16="http://schemas.microsoft.com/office/drawing/2014/main" id="{71BBA69B-19FF-4ADB-A739-AD8136A5F0A6}"/>
+                    <a16:creationId xmlns:a16="http://schemas.microsoft.com/office/drawing/2014/main" xmlns="" id="{71BBA69B-19FF-4ADB-A739-AD8136A5F0A6}"/>
                   </a:ext>
                 </a:extLst>
               </p:cNvPr>
@@ -12074,7 +12074,7 @@
             <p:cNvPr id="35" name="Straight Connector 34">
               <a:extLst>
                 <a:ext uri="{FF2B5EF4-FFF2-40B4-BE49-F238E27FC236}">
-                  <a16:creationId xmlns="" xmlns:a16="http://schemas.microsoft.com/office/drawing/2014/main" id="{BFD1D86B-562B-40B2-8E46-34233EFEE7FC}"/>
+                  <a16:creationId xmlns:a16="http://schemas.microsoft.com/office/drawing/2014/main" xmlns="" id="{BFD1D86B-562B-40B2-8E46-34233EFEE7FC}"/>
                 </a:ext>
               </a:extLst>
             </p:cNvPr>
@@ -12120,7 +12120,7 @@
             <p:cNvPr id="36" name="Rectangle: Rounded Corners 35">
               <a:extLst>
                 <a:ext uri="{FF2B5EF4-FFF2-40B4-BE49-F238E27FC236}">
-                  <a16:creationId xmlns="" xmlns:a16="http://schemas.microsoft.com/office/drawing/2014/main" id="{388C17BD-16A1-43C5-BFFA-2FF9174719E1}"/>
+                  <a16:creationId xmlns:a16="http://schemas.microsoft.com/office/drawing/2014/main" xmlns="" id="{388C17BD-16A1-43C5-BFFA-2FF9174719E1}"/>
                 </a:ext>
               </a:extLst>
             </p:cNvPr>
@@ -12174,7 +12174,7 @@
             <p:cNvPr id="37" name="Group 36">
               <a:extLst>
                 <a:ext uri="{FF2B5EF4-FFF2-40B4-BE49-F238E27FC236}">
-                  <a16:creationId xmlns="" xmlns:a16="http://schemas.microsoft.com/office/drawing/2014/main" id="{1B3B910E-ACFC-4F28-8E28-F02E1588B87E}"/>
+                  <a16:creationId xmlns:a16="http://schemas.microsoft.com/office/drawing/2014/main" xmlns="" id="{1B3B910E-ACFC-4F28-8E28-F02E1588B87E}"/>
                 </a:ext>
               </a:extLst>
             </p:cNvPr>
@@ -12197,7 +12197,7 @@
               <p:cNvPr id="38" name="Straight Connector 37">
                 <a:extLst>
                   <a:ext uri="{FF2B5EF4-FFF2-40B4-BE49-F238E27FC236}">
-                    <a16:creationId xmlns="" xmlns:a16="http://schemas.microsoft.com/office/drawing/2014/main" id="{F57772B6-06C0-4F54-AA94-D3F92DA4716A}"/>
+                    <a16:creationId xmlns:a16="http://schemas.microsoft.com/office/drawing/2014/main" xmlns="" id="{F57772B6-06C0-4F54-AA94-D3F92DA4716A}"/>
                   </a:ext>
                 </a:extLst>
               </p:cNvPr>
@@ -12241,7 +12241,7 @@
               <p:cNvPr id="39" name="Straight Connector 38">
                 <a:extLst>
                   <a:ext uri="{FF2B5EF4-FFF2-40B4-BE49-F238E27FC236}">
-                    <a16:creationId xmlns="" xmlns:a16="http://schemas.microsoft.com/office/drawing/2014/main" id="{23370C1F-7876-4278-AB20-78F6CAA385E2}"/>
+                    <a16:creationId xmlns:a16="http://schemas.microsoft.com/office/drawing/2014/main" xmlns="" id="{23370C1F-7876-4278-AB20-78F6CAA385E2}"/>
                   </a:ext>
                 </a:extLst>
               </p:cNvPr>
@@ -12285,7 +12285,7 @@
     </p:spTree>
     <p:extLst>
       <p:ext uri="{BB962C8B-B14F-4D97-AF65-F5344CB8AC3E}">
-        <p14:creationId xmlns="" xmlns:p14="http://schemas.microsoft.com/office/powerpoint/2010/main" val="3284562556"/>
+        <p14:creationId xmlns:p14="http://schemas.microsoft.com/office/powerpoint/2010/main" xmlns="" val="3284562556"/>
       </p:ext>
     </p:extLst>
   </p:cSld>
@@ -12293,7 +12293,7 @@
     <a:masterClrMapping/>
   </p:clrMapOvr>
   <mc:AlternateContent xmlns:mc="http://schemas.openxmlformats.org/markup-compatibility/2006">
-    <mc:Choice xmlns="" xmlns:p14="http://schemas.microsoft.com/office/powerpoint/2010/main" Requires="p14">
+    <mc:Choice xmlns:p14="http://schemas.microsoft.com/office/powerpoint/2010/main" xmlns="" Requires="p14">
       <p:transition spd="slow" p14:dur="2000" advClick="0" advTm="5000"/>
     </mc:Choice>
     <mc:Fallback>
@@ -12325,7 +12325,7 @@
           <p:cNvPr id="8" name="Slide Number">
             <a:extLst>
               <a:ext uri="{FF2B5EF4-FFF2-40B4-BE49-F238E27FC236}">
-                <a16:creationId xmlns="" xmlns:a16="http://schemas.microsoft.com/office/drawing/2014/main" id="{509D954E-A844-4072-A556-DE584BEB9321}"/>
+                <a16:creationId xmlns:a16="http://schemas.microsoft.com/office/drawing/2014/main" xmlns="" id="{509D954E-A844-4072-A556-DE584BEB9321}"/>
               </a:ext>
             </a:extLst>
           </p:cNvPr>
@@ -12367,7 +12367,7 @@
           <p:cNvPr id="6" name="Code Box">
             <a:extLst>
               <a:ext uri="{FF2B5EF4-FFF2-40B4-BE49-F238E27FC236}">
-                <a16:creationId xmlns="" xmlns:a16="http://schemas.microsoft.com/office/drawing/2014/main" id="{3278A82F-5546-4977-9F75-2A933B415945}"/>
+                <a16:creationId xmlns:a16="http://schemas.microsoft.com/office/drawing/2014/main" xmlns="" id="{3278A82F-5546-4977-9F75-2A933B415945}"/>
               </a:ext>
             </a:extLst>
           </p:cNvPr>
@@ -12454,7 +12454,7 @@
           <p:cNvPr id="21" name="Slide Body Text">
             <a:extLst>
               <a:ext uri="{FF2B5EF4-FFF2-40B4-BE49-F238E27FC236}">
-                <a16:creationId xmlns="" xmlns:a16="http://schemas.microsoft.com/office/drawing/2014/main" id="{04F318BE-2BAD-4677-871C-D78A4BF0CBA6}"/>
+                <a16:creationId xmlns:a16="http://schemas.microsoft.com/office/drawing/2014/main" xmlns="" id="{04F318BE-2BAD-4677-871C-D78A4BF0CBA6}"/>
               </a:ext>
             </a:extLst>
           </p:cNvPr>
@@ -12501,7 +12501,7 @@
           <p:cNvPr id="9" name="Rectangle Top">
             <a:extLst>
               <a:ext uri="{FF2B5EF4-FFF2-40B4-BE49-F238E27FC236}">
-                <a16:creationId xmlns="" xmlns:a16="http://schemas.microsoft.com/office/drawing/2014/main" id="{A15CE03A-0933-4E5D-9EA1-718D4F802FFC}"/>
+                <a16:creationId xmlns:a16="http://schemas.microsoft.com/office/drawing/2014/main" xmlns="" id="{A15CE03A-0933-4E5D-9EA1-718D4F802FFC}"/>
               </a:ext>
             </a:extLst>
           </p:cNvPr>
@@ -12582,7 +12582,7 @@
           <p:cNvPr id="10" name="Logo Software University" descr="Software University logo">
             <a:extLst>
               <a:ext uri="{FF2B5EF4-FFF2-40B4-BE49-F238E27FC236}">
-                <a16:creationId xmlns="" xmlns:a16="http://schemas.microsoft.com/office/drawing/2014/main" id="{8C01D7AF-7CBD-46E1-99F3-8EB60E838D91}"/>
+                <a16:creationId xmlns:a16="http://schemas.microsoft.com/office/drawing/2014/main" xmlns="" id="{8C01D7AF-7CBD-46E1-99F3-8EB60E838D91}"/>
               </a:ext>
             </a:extLst>
           </p:cNvPr>
@@ -12595,7 +12595,7 @@
           <a:blip r:embed="rId2" cstate="print">
             <a:extLst>
               <a:ext uri="{28A0092B-C50C-407E-A947-70E740481C1C}">
-                <a14:useLocalDpi xmlns="" xmlns:a14="http://schemas.microsoft.com/office/drawing/2010/main" val="0"/>
+                <a14:useLocalDpi xmlns:a14="http://schemas.microsoft.com/office/drawing/2010/main" xmlns="" val="0"/>
               </a:ext>
             </a:extLst>
           </a:blip>
@@ -12618,7 +12618,7 @@
           <p:cNvPr id="11" name="Slide Title">
             <a:extLst>
               <a:ext uri="{FF2B5EF4-FFF2-40B4-BE49-F238E27FC236}">
-                <a16:creationId xmlns="" xmlns:a16="http://schemas.microsoft.com/office/drawing/2014/main" id="{47D60833-F0A9-4F29-8C06-A963A7C8BE93}"/>
+                <a16:creationId xmlns:a16="http://schemas.microsoft.com/office/drawing/2014/main" xmlns="" id="{47D60833-F0A9-4F29-8C06-A963A7C8BE93}"/>
               </a:ext>
             </a:extLst>
           </p:cNvPr>
@@ -12657,7 +12657,7 @@
     </p:spTree>
     <p:extLst>
       <p:ext uri="{BB962C8B-B14F-4D97-AF65-F5344CB8AC3E}">
-        <p14:creationId xmlns="" xmlns:p14="http://schemas.microsoft.com/office/powerpoint/2010/main" val="1000829826"/>
+        <p14:creationId xmlns:p14="http://schemas.microsoft.com/office/powerpoint/2010/main" xmlns="" val="1000829826"/>
       </p:ext>
     </p:extLst>
   </p:cSld>
@@ -12665,7 +12665,7 @@
     <a:masterClrMapping/>
   </p:clrMapOvr>
   <mc:AlternateContent xmlns:mc="http://schemas.openxmlformats.org/markup-compatibility/2006">
-    <mc:Choice xmlns="" xmlns:p14="http://schemas.microsoft.com/office/powerpoint/2010/main" Requires="p14">
+    <mc:Choice xmlns:p14="http://schemas.microsoft.com/office/powerpoint/2010/main" xmlns="" Requires="p14">
       <p:transition spd="slow" p14:dur="2000" advClick="0" advTm="5000"/>
     </mc:Choice>
     <mc:Fallback>
@@ -12697,7 +12697,7 @@
           <p:cNvPr id="10" name="Slide Number">
             <a:extLst>
               <a:ext uri="{FF2B5EF4-FFF2-40B4-BE49-F238E27FC236}">
-                <a16:creationId xmlns="" xmlns:a16="http://schemas.microsoft.com/office/drawing/2014/main" id="{39DDE17E-5472-41F3-AF5F-54DFF10DC63C}"/>
+                <a16:creationId xmlns:a16="http://schemas.microsoft.com/office/drawing/2014/main" xmlns="" id="{39DDE17E-5472-41F3-AF5F-54DFF10DC63C}"/>
               </a:ext>
             </a:extLst>
           </p:cNvPr>
@@ -12739,7 +12739,7 @@
           <p:cNvPr id="9" name="Picture SoftUni Mascot" descr="SoftUni mascot with laptop">
             <a:extLst>
               <a:ext uri="{FF2B5EF4-FFF2-40B4-BE49-F238E27FC236}">
-                <a16:creationId xmlns="" xmlns:a16="http://schemas.microsoft.com/office/drawing/2014/main" id="{DC4365F6-D2C1-47B4-8477-38FD2C7711AA}"/>
+                <a16:creationId xmlns:a16="http://schemas.microsoft.com/office/drawing/2014/main" xmlns="" id="{DC4365F6-D2C1-47B4-8477-38FD2C7711AA}"/>
               </a:ext>
             </a:extLst>
           </p:cNvPr>
@@ -12752,7 +12752,7 @@
           <a:blip r:embed="rId2" cstate="print">
             <a:extLst>
               <a:ext uri="{28A0092B-C50C-407E-A947-70E740481C1C}">
-                <a14:useLocalDpi xmlns="" xmlns:a14="http://schemas.microsoft.com/office/drawing/2010/main" val="0"/>
+                <a14:useLocalDpi xmlns:a14="http://schemas.microsoft.com/office/drawing/2010/main" xmlns="" val="0"/>
               </a:ext>
             </a:extLst>
           </a:blip>
@@ -12775,7 +12775,7 @@
           <p:cNvPr id="23" name="Slide Body Text">
             <a:extLst>
               <a:ext uri="{FF2B5EF4-FFF2-40B4-BE49-F238E27FC236}">
-                <a16:creationId xmlns="" xmlns:a16="http://schemas.microsoft.com/office/drawing/2014/main" id="{889D93F4-ABFA-46BF-8E5D-FE6562ACB20F}"/>
+                <a16:creationId xmlns:a16="http://schemas.microsoft.com/office/drawing/2014/main" xmlns="" id="{889D93F4-ABFA-46BF-8E5D-FE6562ACB20F}"/>
               </a:ext>
             </a:extLst>
           </p:cNvPr>
@@ -12866,7 +12866,7 @@
           <p:cNvPr id="8" name="Rectangle Top">
             <a:extLst>
               <a:ext uri="{FF2B5EF4-FFF2-40B4-BE49-F238E27FC236}">
-                <a16:creationId xmlns="" xmlns:a16="http://schemas.microsoft.com/office/drawing/2014/main" id="{930E0800-9260-4369-8330-8264DD33C5CE}"/>
+                <a16:creationId xmlns:a16="http://schemas.microsoft.com/office/drawing/2014/main" xmlns="" id="{930E0800-9260-4369-8330-8264DD33C5CE}"/>
               </a:ext>
             </a:extLst>
           </p:cNvPr>
@@ -12947,7 +12947,7 @@
           <p:cNvPr id="11" name="Logo Software University" descr="Software University logo">
             <a:extLst>
               <a:ext uri="{FF2B5EF4-FFF2-40B4-BE49-F238E27FC236}">
-                <a16:creationId xmlns="" xmlns:a16="http://schemas.microsoft.com/office/drawing/2014/main" id="{14F779A7-4A91-448B-BEFA-956C70A1C22F}"/>
+                <a16:creationId xmlns:a16="http://schemas.microsoft.com/office/drawing/2014/main" xmlns="" id="{14F779A7-4A91-448B-BEFA-956C70A1C22F}"/>
               </a:ext>
             </a:extLst>
           </p:cNvPr>
@@ -12960,7 +12960,7 @@
           <a:blip r:embed="rId3" cstate="print">
             <a:extLst>
               <a:ext uri="{28A0092B-C50C-407E-A947-70E740481C1C}">
-                <a14:useLocalDpi xmlns="" xmlns:a14="http://schemas.microsoft.com/office/drawing/2010/main" val="0"/>
+                <a14:useLocalDpi xmlns:a14="http://schemas.microsoft.com/office/drawing/2010/main" xmlns="" val="0"/>
               </a:ext>
             </a:extLst>
           </a:blip>
@@ -12983,7 +12983,7 @@
           <p:cNvPr id="13" name="Slide Title">
             <a:extLst>
               <a:ext uri="{FF2B5EF4-FFF2-40B4-BE49-F238E27FC236}">
-                <a16:creationId xmlns="" xmlns:a16="http://schemas.microsoft.com/office/drawing/2014/main" id="{357D7BE1-6358-42CC-94F3-7BCDD91DCB6D}"/>
+                <a16:creationId xmlns:a16="http://schemas.microsoft.com/office/drawing/2014/main" xmlns="" id="{357D7BE1-6358-42CC-94F3-7BCDD91DCB6D}"/>
               </a:ext>
             </a:extLst>
           </p:cNvPr>
@@ -13022,7 +13022,7 @@
     </p:spTree>
     <p:extLst>
       <p:ext uri="{BB962C8B-B14F-4D97-AF65-F5344CB8AC3E}">
-        <p14:creationId xmlns="" xmlns:p14="http://schemas.microsoft.com/office/powerpoint/2010/main" val="1028724482"/>
+        <p14:creationId xmlns:p14="http://schemas.microsoft.com/office/powerpoint/2010/main" xmlns="" val="1028724482"/>
       </p:ext>
     </p:extLst>
   </p:cSld>
@@ -13030,7 +13030,7 @@
     <a:masterClrMapping/>
   </p:clrMapOvr>
   <mc:AlternateContent xmlns:mc="http://schemas.openxmlformats.org/markup-compatibility/2006">
-    <mc:Choice xmlns="" xmlns:p14="http://schemas.microsoft.com/office/powerpoint/2010/main" Requires="p14">
+    <mc:Choice xmlns:p14="http://schemas.microsoft.com/office/powerpoint/2010/main" xmlns="" Requires="p14">
       <p:transition spd="slow" p14:dur="2000" advClick="0" advTm="5000"/>
     </mc:Choice>
     <mc:Fallback>
@@ -13142,7 +13142,7 @@
           <p:cNvPr id="11" name="Slide Number">
             <a:extLst>
               <a:ext uri="{FF2B5EF4-FFF2-40B4-BE49-F238E27FC236}">
-                <a16:creationId xmlns="" xmlns:a16="http://schemas.microsoft.com/office/drawing/2014/main" id="{6750ECE4-94E0-469B-B8E4-562792823B0F}"/>
+                <a16:creationId xmlns:a16="http://schemas.microsoft.com/office/drawing/2014/main" xmlns="" id="{6750ECE4-94E0-469B-B8E4-562792823B0F}"/>
               </a:ext>
             </a:extLst>
           </p:cNvPr>
@@ -13265,7 +13265,7 @@
           <p:cNvPr id="12" name="Logo Software University Down" descr="Software University logo">
             <a:extLst>
               <a:ext uri="{FF2B5EF4-FFF2-40B4-BE49-F238E27FC236}">
-                <a16:creationId xmlns="" xmlns:a16="http://schemas.microsoft.com/office/drawing/2014/main" id="{7028D2F0-1E67-414B-A93D-D3F8F131A132}"/>
+                <a16:creationId xmlns:a16="http://schemas.microsoft.com/office/drawing/2014/main" xmlns="" id="{7028D2F0-1E67-414B-A93D-D3F8F131A132}"/>
               </a:ext>
             </a:extLst>
           </p:cNvPr>
@@ -13278,7 +13278,7 @@
           <a:blip r:embed="rId2" cstate="print">
             <a:extLst>
               <a:ext uri="{28A0092B-C50C-407E-A947-70E740481C1C}">
-                <a14:useLocalDpi xmlns="" xmlns:a14="http://schemas.microsoft.com/office/drawing/2010/main" val="0"/>
+                <a14:useLocalDpi xmlns:a14="http://schemas.microsoft.com/office/drawing/2010/main" xmlns="" val="0"/>
               </a:ext>
             </a:extLst>
           </a:blip>
@@ -13301,7 +13301,7 @@
           <p:cNvPr id="10" name="Text Placeholder Right">
             <a:extLst>
               <a:ext uri="{FF2B5EF4-FFF2-40B4-BE49-F238E27FC236}">
-                <a16:creationId xmlns="" xmlns:a16="http://schemas.microsoft.com/office/drawing/2014/main" id="{AF69A59F-C564-4A04-B1CC-31C261499991}"/>
+                <a16:creationId xmlns:a16="http://schemas.microsoft.com/office/drawing/2014/main" xmlns="" id="{AF69A59F-C564-4A04-B1CC-31C261499991}"/>
               </a:ext>
             </a:extLst>
           </p:cNvPr>
@@ -13379,7 +13379,7 @@
           <p:cNvPr id="9" name="Text Placeholder Left">
             <a:extLst>
               <a:ext uri="{FF2B5EF4-FFF2-40B4-BE49-F238E27FC236}">
-                <a16:creationId xmlns="" xmlns:a16="http://schemas.microsoft.com/office/drawing/2014/main" id="{C8A626D2-456B-41EF-9818-EA8DD7E314DA}"/>
+                <a16:creationId xmlns:a16="http://schemas.microsoft.com/office/drawing/2014/main" xmlns="" id="{C8A626D2-456B-41EF-9818-EA8DD7E314DA}"/>
               </a:ext>
             </a:extLst>
           </p:cNvPr>
@@ -13457,7 +13457,7 @@
           <p:cNvPr id="13" name="Rectangle Top">
             <a:extLst>
               <a:ext uri="{FF2B5EF4-FFF2-40B4-BE49-F238E27FC236}">
-                <a16:creationId xmlns="" xmlns:a16="http://schemas.microsoft.com/office/drawing/2014/main" id="{E03301DA-D0AF-46FD-8740-2F761250203A}"/>
+                <a16:creationId xmlns:a16="http://schemas.microsoft.com/office/drawing/2014/main" xmlns="" id="{E03301DA-D0AF-46FD-8740-2F761250203A}"/>
               </a:ext>
             </a:extLst>
           </p:cNvPr>
@@ -13538,7 +13538,7 @@
           <p:cNvPr id="14" name="Logo Software University" descr="Software University logo">
             <a:extLst>
               <a:ext uri="{FF2B5EF4-FFF2-40B4-BE49-F238E27FC236}">
-                <a16:creationId xmlns="" xmlns:a16="http://schemas.microsoft.com/office/drawing/2014/main" id="{19A67BB9-D880-4EAD-B90E-89C4219BFC0B}"/>
+                <a16:creationId xmlns:a16="http://schemas.microsoft.com/office/drawing/2014/main" xmlns="" id="{19A67BB9-D880-4EAD-B90E-89C4219BFC0B}"/>
               </a:ext>
             </a:extLst>
           </p:cNvPr>
@@ -13551,7 +13551,7 @@
           <a:blip r:embed="rId3" cstate="print">
             <a:extLst>
               <a:ext uri="{28A0092B-C50C-407E-A947-70E740481C1C}">
-                <a14:useLocalDpi xmlns="" xmlns:a14="http://schemas.microsoft.com/office/drawing/2010/main" val="0"/>
+                <a14:useLocalDpi xmlns:a14="http://schemas.microsoft.com/office/drawing/2010/main" xmlns="" val="0"/>
               </a:ext>
             </a:extLst>
           </a:blip>
@@ -13574,7 +13574,7 @@
           <p:cNvPr id="15" name="Slide Title">
             <a:extLst>
               <a:ext uri="{FF2B5EF4-FFF2-40B4-BE49-F238E27FC236}">
-                <a16:creationId xmlns="" xmlns:a16="http://schemas.microsoft.com/office/drawing/2014/main" id="{EA9A94D1-F9F6-4D7B-85E3-896A987B6A4D}"/>
+                <a16:creationId xmlns:a16="http://schemas.microsoft.com/office/drawing/2014/main" xmlns="" id="{EA9A94D1-F9F6-4D7B-85E3-896A987B6A4D}"/>
               </a:ext>
             </a:extLst>
           </p:cNvPr>
@@ -13613,7 +13613,7 @@
     </p:spTree>
     <p:extLst>
       <p:ext uri="{BB962C8B-B14F-4D97-AF65-F5344CB8AC3E}">
-        <p14:creationId xmlns="" xmlns:p14="http://schemas.microsoft.com/office/powerpoint/2010/main" val="3044033461"/>
+        <p14:creationId xmlns:p14="http://schemas.microsoft.com/office/powerpoint/2010/main" xmlns="" val="3044033461"/>
       </p:ext>
     </p:extLst>
   </p:cSld>
@@ -13621,7 +13621,7 @@
     <a:masterClrMapping/>
   </p:clrMapOvr>
   <mc:AlternateContent xmlns:mc="http://schemas.openxmlformats.org/markup-compatibility/2006">
-    <mc:Choice xmlns="" xmlns:p14="http://schemas.microsoft.com/office/powerpoint/2010/main" Requires="p14">
+    <mc:Choice xmlns:p14="http://schemas.microsoft.com/office/powerpoint/2010/main" xmlns="" Requires="p14">
       <p:transition spd="slow" p14:dur="2000" advClick="0" advTm="5000"/>
     </mc:Choice>
     <mc:Fallback>
@@ -13630,7 +13630,7 @@
   </mc:AlternateContent>
   <p:extLst>
     <p:ext uri="{DCECCB84-F9BA-43D5-87BE-67443E8EF086}">
-      <p15:sldGuideLst xmlns="" xmlns:p15="http://schemas.microsoft.com/office/powerpoint/2012/main">
+      <p15:sldGuideLst xmlns:p15="http://schemas.microsoft.com/office/powerpoint/2012/main" xmlns="">
         <p15:guide id="1" orient="horz" pos="2160">
           <p15:clr>
             <a:srgbClr val="FBAE40"/>
@@ -13677,7 +13677,7 @@
           <p:cNvPr id="4" name="Picture Background" descr="SoftUni Background">
             <a:extLst>
               <a:ext uri="{FF2B5EF4-FFF2-40B4-BE49-F238E27FC236}">
-                <a16:creationId xmlns="" xmlns:a16="http://schemas.microsoft.com/office/drawing/2014/main" id="{5BE90A63-DDD9-4B3B-A234-DF69B9BC812F}"/>
+                <a16:creationId xmlns:a16="http://schemas.microsoft.com/office/drawing/2014/main" xmlns="" id="{5BE90A63-DDD9-4B3B-A234-DF69B9BC812F}"/>
               </a:ext>
             </a:extLst>
           </p:cNvPr>
@@ -13706,7 +13706,7 @@
           <p:cNvPr id="11" name="Slide Body Text">
             <a:extLst>
               <a:ext uri="{FF2B5EF4-FFF2-40B4-BE49-F238E27FC236}">
-                <a16:creationId xmlns="" xmlns:a16="http://schemas.microsoft.com/office/drawing/2014/main" id="{90CBFB32-9F46-4F2F-8A54-9EE8BED27855}"/>
+                <a16:creationId xmlns:a16="http://schemas.microsoft.com/office/drawing/2014/main" xmlns="" id="{90CBFB32-9F46-4F2F-8A54-9EE8BED27855}"/>
               </a:ext>
             </a:extLst>
           </p:cNvPr>
@@ -13774,7 +13774,7 @@
           <p:cNvPr id="10" name="Slide Title">
             <a:extLst>
               <a:ext uri="{FF2B5EF4-FFF2-40B4-BE49-F238E27FC236}">
-                <a16:creationId xmlns="" xmlns:a16="http://schemas.microsoft.com/office/drawing/2014/main" id="{B770C392-3003-4C35-9625-BB041F8257BA}"/>
+                <a16:creationId xmlns:a16="http://schemas.microsoft.com/office/drawing/2014/main" xmlns="" id="{B770C392-3003-4C35-9625-BB041F8257BA}"/>
               </a:ext>
             </a:extLst>
           </p:cNvPr>
@@ -13811,7 +13811,7 @@
     </p:spTree>
     <p:extLst>
       <p:ext uri="{BB962C8B-B14F-4D97-AF65-F5344CB8AC3E}">
-        <p14:creationId xmlns="" xmlns:p14="http://schemas.microsoft.com/office/powerpoint/2010/main" val="156789181"/>
+        <p14:creationId xmlns:p14="http://schemas.microsoft.com/office/powerpoint/2010/main" xmlns="" val="156789181"/>
       </p:ext>
     </p:extLst>
   </p:cSld>
@@ -13835,7 +13835,7 @@
     <p:sldLayoutId id="2147483696" r:id="rId16"/>
   </p:sldLayoutIdLst>
   <mc:AlternateContent xmlns:mc="http://schemas.openxmlformats.org/markup-compatibility/2006">
-    <mc:Choice xmlns="" xmlns:p14="http://schemas.microsoft.com/office/powerpoint/2010/main" Requires="p14">
+    <mc:Choice xmlns:p14="http://schemas.microsoft.com/office/powerpoint/2010/main" xmlns="" Requires="p14">
       <p:transition spd="slow" p14:dur="2000" advClick="0" advTm="5000"/>
     </mc:Choice>
     <mc:Fallback>
@@ -14125,7 +14125,7 @@
   </p:txStyles>
   <p:extLst>
     <p:ext uri="{27BBF7A9-308A-43DC-89C8-2F10F3537804}">
-      <p15:sldGuideLst xmlns="" xmlns:p15="http://schemas.microsoft.com/office/powerpoint/2012/main">
+      <p15:sldGuideLst xmlns:p15="http://schemas.microsoft.com/office/powerpoint/2012/main" xmlns="">
         <p15:guide id="1" orient="horz" pos="2160">
           <p15:clr>
             <a:srgbClr val="F26B43"/>
@@ -14221,7 +14221,7 @@
           <p:cNvPr id="10" name="Author Position">
             <a:extLst>
               <a:ext uri="{FF2B5EF4-FFF2-40B4-BE49-F238E27FC236}">
-                <a16:creationId xmlns="" xmlns:a16="http://schemas.microsoft.com/office/drawing/2014/main" id="{F585BC4C-0F13-4FD4-8F23-99FD46618370}"/>
+                <a16:creationId xmlns:a16="http://schemas.microsoft.com/office/drawing/2014/main" xmlns="" id="{F585BC4C-0F13-4FD4-8F23-99FD46618370}"/>
               </a:ext>
             </a:extLst>
           </p:cNvPr>
@@ -14254,7 +14254,7 @@
           <p:cNvPr id="9" name="Author Name">
             <a:extLst>
               <a:ext uri="{FF2B5EF4-FFF2-40B4-BE49-F238E27FC236}">
-                <a16:creationId xmlns="" xmlns:a16="http://schemas.microsoft.com/office/drawing/2014/main" id="{FA396BB6-2053-4690-9672-BC528007D370}"/>
+                <a16:creationId xmlns:a16="http://schemas.microsoft.com/office/drawing/2014/main" xmlns="" id="{FA396BB6-2053-4690-9672-BC528007D370}"/>
               </a:ext>
             </a:extLst>
           </p:cNvPr>
@@ -14287,7 +14287,7 @@
           <p:cNvPr id="3" name="Presentation Subtitle">
             <a:extLst>
               <a:ext uri="{FF2B5EF4-FFF2-40B4-BE49-F238E27FC236}">
-                <a16:creationId xmlns="" xmlns:a16="http://schemas.microsoft.com/office/drawing/2014/main" id="{A004DC04-DA2A-41C0-8578-4B8D2F08EA7D}"/>
+                <a16:creationId xmlns:a16="http://schemas.microsoft.com/office/drawing/2014/main" xmlns="" id="{A004DC04-DA2A-41C0-8578-4B8D2F08EA7D}"/>
               </a:ext>
             </a:extLst>
           </p:cNvPr>
@@ -14331,7 +14331,7 @@
           <p:cNvPr id="16" name="Title 15">
             <a:extLst>
               <a:ext uri="{FF2B5EF4-FFF2-40B4-BE49-F238E27FC236}">
-                <a16:creationId xmlns="" xmlns:a16="http://schemas.microsoft.com/office/drawing/2014/main" id="{09D526E5-16F9-CDC3-F025-1D308EB5C234}"/>
+                <a16:creationId xmlns:a16="http://schemas.microsoft.com/office/drawing/2014/main" xmlns="" id="{09D526E5-16F9-CDC3-F025-1D308EB5C234}"/>
               </a:ext>
             </a:extLst>
           </p:cNvPr>
@@ -14374,7 +14374,7 @@
           <a:blip r:embed="rId4" cstate="print">
             <a:extLst>
               <a:ext uri="{28A0092B-C50C-407E-A947-70E740481C1C}">
-                <a14:useLocalDpi xmlns:a14="http://schemas.microsoft.com/office/drawing/2010/main" xmlns="" val="0"/>
+                <a14:useLocalDpi xmlns="" xmlns:a14="http://schemas.microsoft.com/office/drawing/2010/main" val="0"/>
               </a:ext>
             </a:extLst>
           </a:blip>
@@ -14394,7 +14394,7 @@
           <a:noFill/>
           <a:extLst>
             <a:ext uri="{909E8E84-426E-40DD-AFC4-6F175D3DCCD1}">
-              <a14:hiddenFill xmlns:a14="http://schemas.microsoft.com/office/drawing/2010/main" xmlns="">
+              <a14:hiddenFill xmlns="" xmlns:a14="http://schemas.microsoft.com/office/drawing/2010/main">
                 <a:solidFill>
                   <a:srgbClr val="FFFFFF"/>
                 </a:solidFill>
@@ -14406,7 +14406,7 @@
     </p:spTree>
     <p:extLst>
       <p:ext uri="{BB962C8B-B14F-4D97-AF65-F5344CB8AC3E}">
-        <p14:creationId xmlns="" xmlns:p14="http://schemas.microsoft.com/office/powerpoint/2010/main" val="3666405375"/>
+        <p14:creationId xmlns:p14="http://schemas.microsoft.com/office/powerpoint/2010/main" xmlns="" val="3666405375"/>
       </p:ext>
     </p:extLst>
   </p:cSld>
@@ -14414,7 +14414,7 @@
     <a:masterClrMapping/>
   </p:clrMapOvr>
   <mc:AlternateContent xmlns:mc="http://schemas.openxmlformats.org/markup-compatibility/2006">
-    <mc:Choice xmlns="" xmlns:p14="http://schemas.microsoft.com/office/powerpoint/2010/main" Requires="p14">
+    <mc:Choice xmlns:p14="http://schemas.microsoft.com/office/powerpoint/2010/main" xmlns="" Requires="p14">
       <p:transition spd="slow" p14:dur="2000" advClick="0" advTm="5000"/>
     </mc:Choice>
     <mc:Fallback>
@@ -14458,8 +14458,8 @@
         </p:nvSpPr>
         <p:spPr bwMode="auto">
           <a:xfrm>
-            <a:off x="1228045" y="1936518"/>
-            <a:ext cx="9674224" cy="3238579"/>
+            <a:off x="1228044" y="1936518"/>
+            <a:ext cx="10125756" cy="3259354"/>
           </a:xfrm>
           <a:prstGeom prst="rect">
             <a:avLst/>
@@ -14499,11 +14499,32 @@
               <a:buSzPct val="70000"/>
             </a:pPr>
             <a:r>
+              <a:rPr lang="en-US" sz="2800" b="1" noProof="1" smtClean="0">
+                <a:latin typeface="Consolas" pitchFamily="49" charset="0"/>
+                <a:cs typeface="Consolas" pitchFamily="49" charset="0"/>
+              </a:rPr>
+              <a:t>SELECT</a:t>
+            </a:r>
+            <a:r>
+              <a:rPr lang="bg-BG" sz="2800" b="1" noProof="1" smtClean="0">
+                <a:latin typeface="Consolas" pitchFamily="49" charset="0"/>
+                <a:cs typeface="Consolas" pitchFamily="49" charset="0"/>
+              </a:rPr>
+              <a:t> </a:t>
+            </a:r>
+            <a:r>
+              <a:rPr lang="en-US" sz="2800" b="1" noProof="1" smtClean="0">
+                <a:latin typeface="Consolas" pitchFamily="49" charset="0"/>
+                <a:cs typeface="Consolas" pitchFamily="49" charset="0"/>
+              </a:rPr>
+              <a:t>e.FirstName, e.LastName </a:t>
+            </a:r>
+            <a:r>
               <a:rPr lang="en-US" sz="2800" b="1" noProof="1">
                 <a:latin typeface="Consolas" pitchFamily="49" charset="0"/>
                 <a:cs typeface="Consolas" pitchFamily="49" charset="0"/>
               </a:rPr>
-              <a:t>SELECT FROM Employees AS e</a:t>
+              <a:t>FROM Employees AS e</a:t>
             </a:r>
           </a:p>
           <a:p>
@@ -14876,7 +14897,7 @@
           <p:cNvPr id="9" name="Slide Number">
             <a:extLst>
               <a:ext uri="{FF2B5EF4-FFF2-40B4-BE49-F238E27FC236}">
-                <a16:creationId xmlns:a16="http://schemas.microsoft.com/office/drawing/2014/main" xmlns="" id="{A816F084-DA92-4652-B283-F50A1A2276F5}"/>
+                <a16:creationId xmlns="" xmlns:a16="http://schemas.microsoft.com/office/drawing/2014/main" id="{A816F084-DA92-4652-B283-F50A1A2276F5}"/>
               </a:ext>
             </a:extLst>
           </p:cNvPr>
@@ -14916,7 +14937,7 @@
     </p:spTree>
     <p:extLst>
       <p:ext uri="{BB962C8B-B14F-4D97-AF65-F5344CB8AC3E}">
-        <p14:creationId xmlns:p14="http://schemas.microsoft.com/office/powerpoint/2010/main" xmlns="" val="3967804102"/>
+        <p14:creationId xmlns="" xmlns:p14="http://schemas.microsoft.com/office/powerpoint/2010/main" val="3967804102"/>
       </p:ext>
     </p:extLst>
   </p:cSld>
@@ -14924,7 +14945,7 @@
     <a:masterClrMapping/>
   </p:clrMapOvr>
   <mc:AlternateContent xmlns:mc="http://schemas.openxmlformats.org/markup-compatibility/2006">
-    <mc:Choice xmlns:p14="http://schemas.microsoft.com/office/powerpoint/2010/main" xmlns="" Requires="p14">
+    <mc:Choice xmlns="" xmlns:p14="http://schemas.microsoft.com/office/powerpoint/2010/main" Requires="p14">
       <p:transition spd="slow" p14:dur="2000" advClick="0" advTm="5000"/>
     </mc:Choice>
     <mc:Fallback>
@@ -15369,7 +15390,7 @@
           <p:cNvPr id="8" name="Slide Number">
             <a:extLst>
               <a:ext uri="{FF2B5EF4-FFF2-40B4-BE49-F238E27FC236}">
-                <a16:creationId xmlns:a16="http://schemas.microsoft.com/office/drawing/2014/main" xmlns="" id="{7379BEBA-72C0-4705-8AF6-97816F3B989B}"/>
+                <a16:creationId xmlns="" xmlns:a16="http://schemas.microsoft.com/office/drawing/2014/main" id="{7379BEBA-72C0-4705-8AF6-97816F3B989B}"/>
               </a:ext>
             </a:extLst>
           </p:cNvPr>
@@ -15409,7 +15430,7 @@
     </p:spTree>
     <p:extLst>
       <p:ext uri="{BB962C8B-B14F-4D97-AF65-F5344CB8AC3E}">
-        <p14:creationId xmlns:p14="http://schemas.microsoft.com/office/powerpoint/2010/main" xmlns="" val="1509527703"/>
+        <p14:creationId xmlns="" xmlns:p14="http://schemas.microsoft.com/office/powerpoint/2010/main" val="1509527703"/>
       </p:ext>
     </p:extLst>
   </p:cSld>
@@ -15417,7 +15438,7 @@
     <a:masterClrMapping/>
   </p:clrMapOvr>
   <mc:AlternateContent xmlns:mc="http://schemas.openxmlformats.org/markup-compatibility/2006">
-    <mc:Choice xmlns:p14="http://schemas.microsoft.com/office/powerpoint/2010/main" xmlns="" Requires="p14">
+    <mc:Choice xmlns="" xmlns:p14="http://schemas.microsoft.com/office/powerpoint/2010/main" Requires="p14">
       <p:transition spd="slow" p14:dur="2000" advClick="0" advTm="5000"/>
     </mc:Choice>
     <mc:Fallback>
@@ -16260,7 +16281,7 @@
           <p:cNvPr id="11" name="Slide Number">
             <a:extLst>
               <a:ext uri="{FF2B5EF4-FFF2-40B4-BE49-F238E27FC236}">
-                <a16:creationId xmlns:a16="http://schemas.microsoft.com/office/drawing/2014/main" xmlns="" id="{0FA1B6CD-C952-4A44-80D2-331DA0266BDB}"/>
+                <a16:creationId xmlns="" xmlns:a16="http://schemas.microsoft.com/office/drawing/2014/main" id="{0FA1B6CD-C952-4A44-80D2-331DA0266BDB}"/>
               </a:ext>
             </a:extLst>
           </p:cNvPr>
@@ -16300,7 +16321,7 @@
     </p:spTree>
     <p:extLst>
       <p:ext uri="{BB962C8B-B14F-4D97-AF65-F5344CB8AC3E}">
-        <p14:creationId xmlns:p14="http://schemas.microsoft.com/office/powerpoint/2010/main" xmlns="" val="4092459972"/>
+        <p14:creationId xmlns="" xmlns:p14="http://schemas.microsoft.com/office/powerpoint/2010/main" val="4092459972"/>
       </p:ext>
     </p:extLst>
   </p:cSld>
@@ -16308,7 +16329,7 @@
     <a:masterClrMapping/>
   </p:clrMapOvr>
   <mc:AlternateContent xmlns:mc="http://schemas.openxmlformats.org/markup-compatibility/2006">
-    <mc:Choice xmlns:p14="http://schemas.microsoft.com/office/powerpoint/2010/main" xmlns="" Requires="p14">
+    <mc:Choice xmlns="" xmlns:p14="http://schemas.microsoft.com/office/powerpoint/2010/main" Requires="p14">
       <p:transition spd="slow" p14:dur="2000" advClick="0" advTm="5000"/>
     </mc:Choice>
     <mc:Fallback>
@@ -16717,7 +16738,7 @@
     <a:masterClrMapping/>
   </p:clrMapOvr>
   <mc:AlternateContent xmlns:mc="http://schemas.openxmlformats.org/markup-compatibility/2006">
-    <mc:Choice xmlns="" xmlns:p14="http://schemas.microsoft.com/office/powerpoint/2010/main" Requires="p14">
+    <mc:Choice xmlns:p14="http://schemas.microsoft.com/office/powerpoint/2010/main" xmlns="" Requires="p14">
       <p:transition spd="slow" p14:dur="2000" advClick="0" advTm="5000"/>
     </mc:Choice>
     <mc:Fallback>
@@ -16992,7 +17013,7 @@
     <a:masterClrMapping/>
   </p:clrMapOvr>
   <mc:AlternateContent xmlns:mc="http://schemas.openxmlformats.org/markup-compatibility/2006">
-    <mc:Choice xmlns="" xmlns:p14="http://schemas.microsoft.com/office/powerpoint/2010/main" Requires="p14">
+    <mc:Choice xmlns:p14="http://schemas.microsoft.com/office/powerpoint/2010/main" xmlns="" Requires="p14">
       <p:transition spd="slow" p14:dur="2000" advClick="0" advTm="5000"/>
     </mc:Choice>
     <mc:Fallback>
@@ -17318,14 +17339,14 @@
                 <a:gridCol w="863600">
                   <a:extLst>
                     <a:ext uri="{9D8B030D-6E8A-4147-A177-3AD203B41FA5}">
-                      <a16:colId xmlns:a16="http://schemas.microsoft.com/office/drawing/2014/main" xmlns="" val="1594468805"/>
+                      <a16:colId xmlns="" xmlns:a16="http://schemas.microsoft.com/office/drawing/2014/main" val="1594468805"/>
                     </a:ext>
                   </a:extLst>
                 </a:gridCol>
                 <a:gridCol w="1727200">
                   <a:extLst>
                     <a:ext uri="{9D8B030D-6E8A-4147-A177-3AD203B41FA5}">
-                      <a16:colId xmlns:a16="http://schemas.microsoft.com/office/drawing/2014/main" xmlns="" val="683614382"/>
+                      <a16:colId xmlns="" xmlns:a16="http://schemas.microsoft.com/office/drawing/2014/main" val="683614382"/>
                     </a:ext>
                   </a:extLst>
                 </a:gridCol>
@@ -17395,7 +17416,7 @@
                 </a:tc>
                 <a:extLst>
                   <a:ext uri="{0D108BD9-81ED-4DB2-BD59-A6C34878D82A}">
-                    <a16:rowId xmlns:a16="http://schemas.microsoft.com/office/drawing/2014/main" xmlns="" val="1969825376"/>
+                    <a16:rowId xmlns="" xmlns:a16="http://schemas.microsoft.com/office/drawing/2014/main" val="1969825376"/>
                   </a:ext>
                 </a:extLst>
               </a:tr>
@@ -17444,7 +17465,7 @@
                 </a:tc>
                 <a:extLst>
                   <a:ext uri="{0D108BD9-81ED-4DB2-BD59-A6C34878D82A}">
-                    <a16:rowId xmlns:a16="http://schemas.microsoft.com/office/drawing/2014/main" xmlns="" val="2845318136"/>
+                    <a16:rowId xmlns="" xmlns:a16="http://schemas.microsoft.com/office/drawing/2014/main" val="2845318136"/>
                   </a:ext>
                 </a:extLst>
               </a:tr>
@@ -17493,7 +17514,7 @@
                 </a:tc>
                 <a:extLst>
                   <a:ext uri="{0D108BD9-81ED-4DB2-BD59-A6C34878D82A}">
-                    <a16:rowId xmlns:a16="http://schemas.microsoft.com/office/drawing/2014/main" xmlns="" val="2968156586"/>
+                    <a16:rowId xmlns="" xmlns:a16="http://schemas.microsoft.com/office/drawing/2014/main" val="2968156586"/>
                   </a:ext>
                 </a:extLst>
               </a:tr>
@@ -17542,7 +17563,7 @@
                 </a:tc>
                 <a:extLst>
                   <a:ext uri="{0D108BD9-81ED-4DB2-BD59-A6C34878D82A}">
-                    <a16:rowId xmlns:a16="http://schemas.microsoft.com/office/drawing/2014/main" xmlns="" val="1476753229"/>
+                    <a16:rowId xmlns="" xmlns:a16="http://schemas.microsoft.com/office/drawing/2014/main" val="1476753229"/>
                   </a:ext>
                 </a:extLst>
               </a:tr>
@@ -17602,14 +17623,14 @@
                 <a:gridCol w="914400">
                   <a:extLst>
                     <a:ext uri="{9D8B030D-6E8A-4147-A177-3AD203B41FA5}">
-                      <a16:colId xmlns:a16="http://schemas.microsoft.com/office/drawing/2014/main" xmlns="" val="1594468805"/>
+                      <a16:colId xmlns="" xmlns:a16="http://schemas.microsoft.com/office/drawing/2014/main" val="1594468805"/>
                     </a:ext>
                   </a:extLst>
                 </a:gridCol>
                 <a:gridCol w="1752600">
                   <a:extLst>
                     <a:ext uri="{9D8B030D-6E8A-4147-A177-3AD203B41FA5}">
-                      <a16:colId xmlns:a16="http://schemas.microsoft.com/office/drawing/2014/main" xmlns="" val="683614382"/>
+                      <a16:colId xmlns="" xmlns:a16="http://schemas.microsoft.com/office/drawing/2014/main" val="683614382"/>
                     </a:ext>
                   </a:extLst>
                 </a:gridCol>
@@ -17675,7 +17696,7 @@
                 </a:tc>
                 <a:extLst>
                   <a:ext uri="{0D108BD9-81ED-4DB2-BD59-A6C34878D82A}">
-                    <a16:rowId xmlns:a16="http://schemas.microsoft.com/office/drawing/2014/main" xmlns="" val="1969825376"/>
+                    <a16:rowId xmlns="" xmlns:a16="http://schemas.microsoft.com/office/drawing/2014/main" val="1969825376"/>
                   </a:ext>
                 </a:extLst>
               </a:tr>
@@ -17724,7 +17745,7 @@
                 </a:tc>
                 <a:extLst>
                   <a:ext uri="{0D108BD9-81ED-4DB2-BD59-A6C34878D82A}">
-                    <a16:rowId xmlns:a16="http://schemas.microsoft.com/office/drawing/2014/main" xmlns="" val="2845318136"/>
+                    <a16:rowId xmlns="" xmlns:a16="http://schemas.microsoft.com/office/drawing/2014/main" val="2845318136"/>
                   </a:ext>
                 </a:extLst>
               </a:tr>
@@ -17773,7 +17794,7 @@
                 </a:tc>
                 <a:extLst>
                   <a:ext uri="{0D108BD9-81ED-4DB2-BD59-A6C34878D82A}">
-                    <a16:rowId xmlns:a16="http://schemas.microsoft.com/office/drawing/2014/main" xmlns="" val="2968156586"/>
+                    <a16:rowId xmlns="" xmlns:a16="http://schemas.microsoft.com/office/drawing/2014/main" val="2968156586"/>
                   </a:ext>
                 </a:extLst>
               </a:tr>
@@ -17822,7 +17843,7 @@
                 </a:tc>
                 <a:extLst>
                   <a:ext uri="{0D108BD9-81ED-4DB2-BD59-A6C34878D82A}">
-                    <a16:rowId xmlns:a16="http://schemas.microsoft.com/office/drawing/2014/main" xmlns="" val="1476753229"/>
+                    <a16:rowId xmlns="" xmlns:a16="http://schemas.microsoft.com/office/drawing/2014/main" val="1476753229"/>
                   </a:ext>
                 </a:extLst>
               </a:tr>
@@ -18055,7 +18076,7 @@
           <p:nvPr>
             <p:extLst>
               <p:ext uri="{D42A27DB-BD31-4B8C-83A1-F6EECF244321}">
-                <p14:modId xmlns="" xmlns:p14="http://schemas.microsoft.com/office/powerpoint/2010/main" val="46705198"/>
+                <p14:modId xmlns:p14="http://schemas.microsoft.com/office/powerpoint/2010/main" xmlns="" val="46705198"/>
               </p:ext>
             </p:extLst>
           </p:nvPr>
@@ -19349,7 +19370,7 @@
     <a:masterClrMapping/>
   </p:clrMapOvr>
   <mc:AlternateContent xmlns:mc="http://schemas.openxmlformats.org/markup-compatibility/2006">
-    <mc:Choice xmlns="" xmlns:p14="http://schemas.microsoft.com/office/powerpoint/2010/main" Requires="p14">
+    <mc:Choice xmlns:p14="http://schemas.microsoft.com/office/powerpoint/2010/main" xmlns="" Requires="p14">
       <p:transition spd="slow" p14:dur="2000" advClick="0" advTm="5000"/>
     </mc:Choice>
     <mc:Fallback>
@@ -20001,7 +20022,7 @@
     <a:masterClrMapping/>
   </p:clrMapOvr>
   <mc:AlternateContent xmlns:mc="http://schemas.openxmlformats.org/markup-compatibility/2006">
-    <mc:Choice xmlns="" xmlns:p14="http://schemas.microsoft.com/office/powerpoint/2010/main" Requires="p14">
+    <mc:Choice xmlns:p14="http://schemas.microsoft.com/office/powerpoint/2010/main" xmlns="" Requires="p14">
       <p:transition spd="slow" p14:dur="2000" advClick="0" advTm="5000"/>
     </mc:Choice>
     <mc:Fallback>
@@ -20411,7 +20432,7 @@
     <a:masterClrMapping/>
   </p:clrMapOvr>
   <mc:AlternateContent xmlns:mc="http://schemas.openxmlformats.org/markup-compatibility/2006">
-    <mc:Choice xmlns="" xmlns:p14="http://schemas.microsoft.com/office/powerpoint/2010/main" Requires="p14">
+    <mc:Choice xmlns:p14="http://schemas.microsoft.com/office/powerpoint/2010/main" xmlns="" Requires="p14">
       <p:transition spd="slow" p14:dur="2000" advClick="0" advTm="5000"/>
     </mc:Choice>
     <mc:Fallback>
@@ -20670,14 +20691,14 @@
                 <a:gridCol w="863600">
                   <a:extLst>
                     <a:ext uri="{9D8B030D-6E8A-4147-A177-3AD203B41FA5}">
-                      <a16:colId xmlns:a16="http://schemas.microsoft.com/office/drawing/2014/main" xmlns="" val="1594468805"/>
+                      <a16:colId xmlns="" xmlns:a16="http://schemas.microsoft.com/office/drawing/2014/main" val="1594468805"/>
                     </a:ext>
                   </a:extLst>
                 </a:gridCol>
                 <a:gridCol w="1727200">
                   <a:extLst>
                     <a:ext uri="{9D8B030D-6E8A-4147-A177-3AD203B41FA5}">
-                      <a16:colId xmlns:a16="http://schemas.microsoft.com/office/drawing/2014/main" xmlns="" val="683614382"/>
+                      <a16:colId xmlns="" xmlns:a16="http://schemas.microsoft.com/office/drawing/2014/main" val="683614382"/>
                     </a:ext>
                   </a:extLst>
                 </a:gridCol>
@@ -20747,7 +20768,7 @@
                 </a:tc>
                 <a:extLst>
                   <a:ext uri="{0D108BD9-81ED-4DB2-BD59-A6C34878D82A}">
-                    <a16:rowId xmlns:a16="http://schemas.microsoft.com/office/drawing/2014/main" xmlns="" val="1969825376"/>
+                    <a16:rowId xmlns="" xmlns:a16="http://schemas.microsoft.com/office/drawing/2014/main" val="1969825376"/>
                   </a:ext>
                 </a:extLst>
               </a:tr>
@@ -20796,7 +20817,7 @@
                 </a:tc>
                 <a:extLst>
                   <a:ext uri="{0D108BD9-81ED-4DB2-BD59-A6C34878D82A}">
-                    <a16:rowId xmlns:a16="http://schemas.microsoft.com/office/drawing/2014/main" xmlns="" val="2845318136"/>
+                    <a16:rowId xmlns="" xmlns:a16="http://schemas.microsoft.com/office/drawing/2014/main" val="2845318136"/>
                   </a:ext>
                 </a:extLst>
               </a:tr>
@@ -20845,7 +20866,7 @@
                 </a:tc>
                 <a:extLst>
                   <a:ext uri="{0D108BD9-81ED-4DB2-BD59-A6C34878D82A}">
-                    <a16:rowId xmlns:a16="http://schemas.microsoft.com/office/drawing/2014/main" xmlns="" val="2968156586"/>
+                    <a16:rowId xmlns="" xmlns:a16="http://schemas.microsoft.com/office/drawing/2014/main" val="2968156586"/>
                   </a:ext>
                 </a:extLst>
               </a:tr>
@@ -20894,7 +20915,7 @@
                 </a:tc>
                 <a:extLst>
                   <a:ext uri="{0D108BD9-81ED-4DB2-BD59-A6C34878D82A}">
-                    <a16:rowId xmlns:a16="http://schemas.microsoft.com/office/drawing/2014/main" xmlns="" val="1476753229"/>
+                    <a16:rowId xmlns="" xmlns:a16="http://schemas.microsoft.com/office/drawing/2014/main" val="1476753229"/>
                   </a:ext>
                 </a:extLst>
               </a:tr>
@@ -20954,14 +20975,14 @@
                 <a:gridCol w="914400">
                   <a:extLst>
                     <a:ext uri="{9D8B030D-6E8A-4147-A177-3AD203B41FA5}">
-                      <a16:colId xmlns:a16="http://schemas.microsoft.com/office/drawing/2014/main" xmlns="" val="1594468805"/>
+                      <a16:colId xmlns="" xmlns:a16="http://schemas.microsoft.com/office/drawing/2014/main" val="1594468805"/>
                     </a:ext>
                   </a:extLst>
                 </a:gridCol>
                 <a:gridCol w="1752600">
                   <a:extLst>
                     <a:ext uri="{9D8B030D-6E8A-4147-A177-3AD203B41FA5}">
-                      <a16:colId xmlns:a16="http://schemas.microsoft.com/office/drawing/2014/main" xmlns="" val="683614382"/>
+                      <a16:colId xmlns="" xmlns:a16="http://schemas.microsoft.com/office/drawing/2014/main" val="683614382"/>
                     </a:ext>
                   </a:extLst>
                 </a:gridCol>
@@ -21027,7 +21048,7 @@
                 </a:tc>
                 <a:extLst>
                   <a:ext uri="{0D108BD9-81ED-4DB2-BD59-A6C34878D82A}">
-                    <a16:rowId xmlns:a16="http://schemas.microsoft.com/office/drawing/2014/main" xmlns="" val="1969825376"/>
+                    <a16:rowId xmlns="" xmlns:a16="http://schemas.microsoft.com/office/drawing/2014/main" val="1969825376"/>
                   </a:ext>
                 </a:extLst>
               </a:tr>
@@ -21076,7 +21097,7 @@
                 </a:tc>
                 <a:extLst>
                   <a:ext uri="{0D108BD9-81ED-4DB2-BD59-A6C34878D82A}">
-                    <a16:rowId xmlns:a16="http://schemas.microsoft.com/office/drawing/2014/main" xmlns="" val="2845318136"/>
+                    <a16:rowId xmlns="" xmlns:a16="http://schemas.microsoft.com/office/drawing/2014/main" val="2845318136"/>
                   </a:ext>
                 </a:extLst>
               </a:tr>
@@ -21125,7 +21146,7 @@
                 </a:tc>
                 <a:extLst>
                   <a:ext uri="{0D108BD9-81ED-4DB2-BD59-A6C34878D82A}">
-                    <a16:rowId xmlns:a16="http://schemas.microsoft.com/office/drawing/2014/main" xmlns="" val="2968156586"/>
+                    <a16:rowId xmlns="" xmlns:a16="http://schemas.microsoft.com/office/drawing/2014/main" val="2968156586"/>
                   </a:ext>
                 </a:extLst>
               </a:tr>
@@ -21174,7 +21195,7 @@
                 </a:tc>
                 <a:extLst>
                   <a:ext uri="{0D108BD9-81ED-4DB2-BD59-A6C34878D82A}">
-                    <a16:rowId xmlns:a16="http://schemas.microsoft.com/office/drawing/2014/main" xmlns="" val="1476753229"/>
+                    <a16:rowId xmlns="" xmlns:a16="http://schemas.microsoft.com/office/drawing/2014/main" val="1476753229"/>
                   </a:ext>
                 </a:extLst>
               </a:tr>
@@ -21407,7 +21428,7 @@
           <p:nvPr>
             <p:extLst>
               <p:ext uri="{D42A27DB-BD31-4B8C-83A1-F6EECF244321}">
-                <p14:modId xmlns="" xmlns:p14="http://schemas.microsoft.com/office/powerpoint/2010/main" val="46705198"/>
+                <p14:modId xmlns:p14="http://schemas.microsoft.com/office/powerpoint/2010/main" xmlns="" val="46705198"/>
               </p:ext>
             </p:extLst>
           </p:nvPr>
@@ -21913,7 +21934,7 @@
     <a:masterClrMapping/>
   </p:clrMapOvr>
   <mc:AlternateContent xmlns:mc="http://schemas.openxmlformats.org/markup-compatibility/2006">
-    <mc:Choice xmlns="" xmlns:p14="http://schemas.microsoft.com/office/powerpoint/2010/main" Requires="p14">
+    <mc:Choice xmlns:p14="http://schemas.microsoft.com/office/powerpoint/2010/main" xmlns="" Requires="p14">
       <p:transition spd="slow" p14:dur="2000" advClick="0" advTm="5000"/>
     </mc:Choice>
     <mc:Fallback>
@@ -22565,7 +22586,7 @@
     <a:masterClrMapping/>
   </p:clrMapOvr>
   <mc:AlternateContent xmlns:mc="http://schemas.openxmlformats.org/markup-compatibility/2006">
-    <mc:Choice xmlns="" xmlns:p14="http://schemas.microsoft.com/office/powerpoint/2010/main" Requires="p14">
+    <mc:Choice xmlns:p14="http://schemas.microsoft.com/office/powerpoint/2010/main" xmlns="" Requires="p14">
       <p:transition spd="slow" p14:dur="2000" advClick="0" advTm="5000"/>
     </mc:Choice>
     <mc:Fallback>
@@ -22721,7 +22742,7 @@
           <p:cNvPr id="5" name="Slide Number">
             <a:extLst>
               <a:ext uri="{FF2B5EF4-FFF2-40B4-BE49-F238E27FC236}">
-                <a16:creationId xmlns="" xmlns:a16="http://schemas.microsoft.com/office/drawing/2014/main" id="{6A760D59-0056-4F39-B077-DBDBE3D2927E}"/>
+                <a16:creationId xmlns:a16="http://schemas.microsoft.com/office/drawing/2014/main" xmlns="" id="{6A760D59-0056-4F39-B077-DBDBE3D2927E}"/>
               </a:ext>
             </a:extLst>
           </p:cNvPr>
@@ -22917,7 +22938,7 @@
     </p:spTree>
     <p:extLst>
       <p:ext uri="{BB962C8B-B14F-4D97-AF65-F5344CB8AC3E}">
-        <p14:creationId xmlns="" xmlns:p14="http://schemas.microsoft.com/office/powerpoint/2010/main" val="1646986932"/>
+        <p14:creationId xmlns:p14="http://schemas.microsoft.com/office/powerpoint/2010/main" xmlns="" val="1646986932"/>
       </p:ext>
     </p:extLst>
   </p:cSld>
@@ -22925,7 +22946,7 @@
     <a:masterClrMapping/>
   </p:clrMapOvr>
   <mc:AlternateContent xmlns:mc="http://schemas.openxmlformats.org/markup-compatibility/2006">
-    <mc:Choice xmlns="" xmlns:p14="http://schemas.microsoft.com/office/powerpoint/2010/main" Requires="p14">
+    <mc:Choice xmlns:p14="http://schemas.microsoft.com/office/powerpoint/2010/main" xmlns="" Requires="p14">
       <p:transition spd="slow" p14:dur="2000" advClick="0" advTm="5000"/>
     </mc:Choice>
     <mc:Fallback>
@@ -23166,11 +23187,7 @@
             </a:r>
             <a:r>
               <a:rPr lang="ru-RU" sz="3600" dirty="0" smtClean="0"/>
-              <a:t>във втората </a:t>
-            </a:r>
-            <a:r>
-              <a:rPr lang="ru-RU" sz="3600" dirty="0" smtClean="0"/>
-              <a:t>заявка</a:t>
+              <a:t>във втората заявка</a:t>
             </a:r>
           </a:p>
           <a:p>
@@ -23312,7 +23329,7 @@
     <a:masterClrMapping/>
   </p:clrMapOvr>
   <mc:AlternateContent xmlns:mc="http://schemas.openxmlformats.org/markup-compatibility/2006">
-    <mc:Choice xmlns="" xmlns:p14="http://schemas.microsoft.com/office/powerpoint/2010/main" Requires="p14">
+    <mc:Choice xmlns:p14="http://schemas.microsoft.com/office/powerpoint/2010/main" xmlns="" Requires="p14">
       <p:transition spd="slow" p14:dur="2000" advClick="0" advTm="5000"/>
     </mc:Choice>
     <mc:Fallback>
@@ -23463,11 +23480,7 @@
             </a:r>
             <a:r>
               <a:rPr lang="en-US" dirty="0" smtClean="0"/>
-              <a:t>(2</a:t>
-            </a:r>
-            <a:r>
-              <a:rPr lang="en-US" dirty="0" smtClean="0"/>
-              <a:t>)</a:t>
+              <a:t>(2)</a:t>
             </a:r>
             <a:endParaRPr lang="en-US" dirty="0"/>
           </a:p>
@@ -23495,14 +23508,14 @@
                 <a:gridCol w="863600">
                   <a:extLst>
                     <a:ext uri="{9D8B030D-6E8A-4147-A177-3AD203B41FA5}">
-                      <a16:colId xmlns:a16="http://schemas.microsoft.com/office/drawing/2014/main" xmlns="" val="1594468805"/>
+                      <a16:colId xmlns="" xmlns:a16="http://schemas.microsoft.com/office/drawing/2014/main" val="1594468805"/>
                     </a:ext>
                   </a:extLst>
                 </a:gridCol>
                 <a:gridCol w="1727200">
                   <a:extLst>
                     <a:ext uri="{9D8B030D-6E8A-4147-A177-3AD203B41FA5}">
-                      <a16:colId xmlns:a16="http://schemas.microsoft.com/office/drawing/2014/main" xmlns="" val="683614382"/>
+                      <a16:colId xmlns="" xmlns:a16="http://schemas.microsoft.com/office/drawing/2014/main" val="683614382"/>
                     </a:ext>
                   </a:extLst>
                 </a:gridCol>
@@ -23572,7 +23585,7 @@
                 </a:tc>
                 <a:extLst>
                   <a:ext uri="{0D108BD9-81ED-4DB2-BD59-A6C34878D82A}">
-                    <a16:rowId xmlns:a16="http://schemas.microsoft.com/office/drawing/2014/main" xmlns="" val="1969825376"/>
+                    <a16:rowId xmlns="" xmlns:a16="http://schemas.microsoft.com/office/drawing/2014/main" val="1969825376"/>
                   </a:ext>
                 </a:extLst>
               </a:tr>
@@ -23621,7 +23634,7 @@
                 </a:tc>
                 <a:extLst>
                   <a:ext uri="{0D108BD9-81ED-4DB2-BD59-A6C34878D82A}">
-                    <a16:rowId xmlns:a16="http://schemas.microsoft.com/office/drawing/2014/main" xmlns="" val="2845318136"/>
+                    <a16:rowId xmlns="" xmlns:a16="http://schemas.microsoft.com/office/drawing/2014/main" val="2845318136"/>
                   </a:ext>
                 </a:extLst>
               </a:tr>
@@ -23670,7 +23683,7 @@
                 </a:tc>
                 <a:extLst>
                   <a:ext uri="{0D108BD9-81ED-4DB2-BD59-A6C34878D82A}">
-                    <a16:rowId xmlns:a16="http://schemas.microsoft.com/office/drawing/2014/main" xmlns="" val="2968156586"/>
+                    <a16:rowId xmlns="" xmlns:a16="http://schemas.microsoft.com/office/drawing/2014/main" val="2968156586"/>
                   </a:ext>
                 </a:extLst>
               </a:tr>
@@ -23719,7 +23732,7 @@
                 </a:tc>
                 <a:extLst>
                   <a:ext uri="{0D108BD9-81ED-4DB2-BD59-A6C34878D82A}">
-                    <a16:rowId xmlns:a16="http://schemas.microsoft.com/office/drawing/2014/main" xmlns="" val="1476753229"/>
+                    <a16:rowId xmlns="" xmlns:a16="http://schemas.microsoft.com/office/drawing/2014/main" val="1476753229"/>
                   </a:ext>
                 </a:extLst>
               </a:tr>
@@ -23779,14 +23792,14 @@
                 <a:gridCol w="914400">
                   <a:extLst>
                     <a:ext uri="{9D8B030D-6E8A-4147-A177-3AD203B41FA5}">
-                      <a16:colId xmlns:a16="http://schemas.microsoft.com/office/drawing/2014/main" xmlns="" val="1594468805"/>
+                      <a16:colId xmlns="" xmlns:a16="http://schemas.microsoft.com/office/drawing/2014/main" val="1594468805"/>
                     </a:ext>
                   </a:extLst>
                 </a:gridCol>
                 <a:gridCol w="1752600">
                   <a:extLst>
                     <a:ext uri="{9D8B030D-6E8A-4147-A177-3AD203B41FA5}">
-                      <a16:colId xmlns:a16="http://schemas.microsoft.com/office/drawing/2014/main" xmlns="" val="683614382"/>
+                      <a16:colId xmlns="" xmlns:a16="http://schemas.microsoft.com/office/drawing/2014/main" val="683614382"/>
                     </a:ext>
                   </a:extLst>
                 </a:gridCol>
@@ -23852,7 +23865,7 @@
                 </a:tc>
                 <a:extLst>
                   <a:ext uri="{0D108BD9-81ED-4DB2-BD59-A6C34878D82A}">
-                    <a16:rowId xmlns:a16="http://schemas.microsoft.com/office/drawing/2014/main" xmlns="" val="1969825376"/>
+                    <a16:rowId xmlns="" xmlns:a16="http://schemas.microsoft.com/office/drawing/2014/main" val="1969825376"/>
                   </a:ext>
                 </a:extLst>
               </a:tr>
@@ -23901,7 +23914,7 @@
                 </a:tc>
                 <a:extLst>
                   <a:ext uri="{0D108BD9-81ED-4DB2-BD59-A6C34878D82A}">
-                    <a16:rowId xmlns:a16="http://schemas.microsoft.com/office/drawing/2014/main" xmlns="" val="2845318136"/>
+                    <a16:rowId xmlns="" xmlns:a16="http://schemas.microsoft.com/office/drawing/2014/main" val="2845318136"/>
                   </a:ext>
                 </a:extLst>
               </a:tr>
@@ -23950,7 +23963,7 @@
                 </a:tc>
                 <a:extLst>
                   <a:ext uri="{0D108BD9-81ED-4DB2-BD59-A6C34878D82A}">
-                    <a16:rowId xmlns:a16="http://schemas.microsoft.com/office/drawing/2014/main" xmlns="" val="2968156586"/>
+                    <a16:rowId xmlns="" xmlns:a16="http://schemas.microsoft.com/office/drawing/2014/main" val="2968156586"/>
                   </a:ext>
                 </a:extLst>
               </a:tr>
@@ -23999,7 +24012,7 @@
                 </a:tc>
                 <a:extLst>
                   <a:ext uri="{0D108BD9-81ED-4DB2-BD59-A6C34878D82A}">
-                    <a16:rowId xmlns:a16="http://schemas.microsoft.com/office/drawing/2014/main" xmlns="" val="1476753229"/>
+                    <a16:rowId xmlns="" xmlns:a16="http://schemas.microsoft.com/office/drawing/2014/main" val="1476753229"/>
                   </a:ext>
                 </a:extLst>
               </a:tr>
@@ -24232,7 +24245,7 @@
           <p:nvPr>
             <p:extLst>
               <p:ext uri="{D42A27DB-BD31-4B8C-83A1-F6EECF244321}">
-                <p14:modId xmlns="" xmlns:p14="http://schemas.microsoft.com/office/powerpoint/2010/main" val="46705198"/>
+                <p14:modId xmlns:p14="http://schemas.microsoft.com/office/powerpoint/2010/main" xmlns="" val="46705198"/>
               </p:ext>
             </p:extLst>
           </p:nvPr>
@@ -24492,16 +24505,6 @@
                         </a:rPr>
                         <a:t>1</a:t>
                       </a:r>
-                      <a:endParaRPr kumimoji="1" lang="en-US" sz="2200" b="0" i="0" u="none" strike="noStrike" cap="none" normalizeH="0" baseline="0" noProof="1" smtClean="0">
-                        <a:ln>
-                          <a:noFill/>
-                        </a:ln>
-                        <a:solidFill>
-                          <a:schemeClr val="tx1"/>
-                        </a:solidFill>
-                        <a:effectLst/>
-                        <a:latin typeface="+mn-lt"/>
-                      </a:endParaRPr>
                     </a:p>
                   </a:txBody>
                   <a:tcPr marL="91464" marR="91464" anchor="ctr" horzOverflow="overflow">
@@ -24699,16 +24702,6 @@
                         </a:rPr>
                         <a:t>3</a:t>
                       </a:r>
-                      <a:endParaRPr kumimoji="1" lang="en-US" sz="2200" b="0" i="0" u="none" strike="noStrike" cap="none" normalizeH="0" baseline="0" noProof="1" smtClean="0">
-                        <a:ln>
-                          <a:noFill/>
-                        </a:ln>
-                        <a:solidFill>
-                          <a:schemeClr val="tx1"/>
-                        </a:solidFill>
-                        <a:effectLst/>
-                        <a:latin typeface="+mn-lt"/>
-                      </a:endParaRPr>
                     </a:p>
                   </a:txBody>
                   <a:tcPr marL="91464" marR="91464" anchor="ctr" horzOverflow="overflow">
@@ -24955,7 +24948,7 @@
     <a:masterClrMapping/>
   </p:clrMapOvr>
   <mc:AlternateContent xmlns:mc="http://schemas.openxmlformats.org/markup-compatibility/2006">
-    <mc:Choice xmlns="" xmlns:p14="http://schemas.microsoft.com/office/powerpoint/2010/main" Requires="p14">
+    <mc:Choice xmlns:p14="http://schemas.microsoft.com/office/powerpoint/2010/main" xmlns="" Requires="p14">
       <p:transition spd="slow" p14:dur="2000" advClick="0" advTm="5000"/>
     </mc:Choice>
     <mc:Fallback>
@@ -25204,11 +25197,7 @@
             </a:r>
             <a:r>
               <a:rPr lang="en-US" dirty="0" smtClean="0"/>
-              <a:t>(3</a:t>
-            </a:r>
-            <a:r>
-              <a:rPr lang="en-US" dirty="0" smtClean="0"/>
-              <a:t>)</a:t>
+              <a:t>(3)</a:t>
             </a:r>
             <a:endParaRPr lang="en-US" dirty="0"/>
           </a:p>
@@ -25330,13 +25319,6 @@
               </a:rPr>
               <a:t>EXCEPT</a:t>
             </a:r>
-            <a:endParaRPr lang="en-US" sz="2800" b="1" noProof="1" smtClean="0">
-              <a:solidFill>
-                <a:schemeClr val="bg1"/>
-              </a:solidFill>
-              <a:latin typeface="Consolas" pitchFamily="49" charset="0"/>
-              <a:cs typeface="Consolas" pitchFamily="49" charset="0"/>
-            </a:endParaRPr>
           </a:p>
           <a:p>
             <a:pPr eaLnBrk="0" hangingPunct="0">
@@ -25383,14 +25365,7 @@
                 <a:latin typeface="Consolas" pitchFamily="49" charset="0"/>
                 <a:cs typeface="Consolas" pitchFamily="49" charset="0"/>
               </a:rPr>
-              <a:t> </a:t>
-            </a:r>
-            <a:r>
-              <a:rPr lang="en-US" sz="2800" b="1" noProof="1" smtClean="0">
-                <a:latin typeface="Consolas" pitchFamily="49" charset="0"/>
-                <a:cs typeface="Consolas" pitchFamily="49" charset="0"/>
-              </a:rPr>
-              <a:t>LocalShop</a:t>
+              <a:t> LocalShop</a:t>
             </a:r>
             <a:endParaRPr lang="en-US" sz="2800" b="1" noProof="1">
               <a:latin typeface="Consolas" pitchFamily="49" charset="0"/>
@@ -25633,7 +25608,7 @@
     <a:masterClrMapping/>
   </p:clrMapOvr>
   <mc:AlternateContent xmlns:mc="http://schemas.openxmlformats.org/markup-compatibility/2006">
-    <mc:Choice xmlns="" xmlns:p14="http://schemas.microsoft.com/office/powerpoint/2010/main" Requires="p14">
+    <mc:Choice xmlns:p14="http://schemas.microsoft.com/office/powerpoint/2010/main" xmlns="" Requires="p14">
       <p:transition spd="slow" p14:dur="2000" advClick="0" advTm="5000"/>
     </mc:Choice>
     <mc:Fallback>
@@ -25862,11 +25837,7 @@
             </a:r>
             <a:r>
               <a:rPr lang="ru-RU" sz="3600" dirty="0" smtClean="0"/>
-              <a:t>оказва </a:t>
-            </a:r>
-            <a:r>
-              <a:rPr lang="ru-RU" sz="3600" dirty="0" smtClean="0"/>
-              <a:t>какви стойности от първата таблица </a:t>
+              <a:t>оказва какви стойности от първата таблица </a:t>
             </a:r>
             <a:r>
               <a:rPr lang="ru-RU" sz="3600" b="1" dirty="0" smtClean="0">
@@ -25880,7 +25851,6 @@
               <a:rPr lang="ru-RU" sz="3600" dirty="0" smtClean="0"/>
               <a:t> на всички стойности от втората таблица</a:t>
             </a:r>
-            <a:endParaRPr lang="ru-RU" sz="3600" dirty="0" smtClean="0"/>
           </a:p>
           <a:p>
             <a:pPr lvl="1">
@@ -26001,7 +25971,7 @@
     <a:masterClrMapping/>
   </p:clrMapOvr>
   <mc:AlternateContent xmlns:mc="http://schemas.openxmlformats.org/markup-compatibility/2006">
-    <mc:Choice xmlns="" xmlns:p14="http://schemas.microsoft.com/office/powerpoint/2010/main" Requires="p14">
+    <mc:Choice xmlns:p14="http://schemas.microsoft.com/office/powerpoint/2010/main" xmlns="" Requires="p14">
       <p:transition spd="slow" p14:dur="2000" advClick="0" advTm="5000"/>
     </mc:Choice>
     <mc:Fallback>
@@ -26279,11 +26249,7 @@
             </a:r>
             <a:r>
               <a:rPr lang="en-US" smtClean="0"/>
-              <a:t> </a:t>
-            </a:r>
-            <a:r>
-              <a:rPr lang="en-US" smtClean="0"/>
-              <a:t>(2)</a:t>
+              <a:t> (2)</a:t>
             </a:r>
             <a:endParaRPr lang="en-US" dirty="0"/>
           </a:p>
@@ -26354,14 +26320,7 @@
                 <a:latin typeface="Consolas" pitchFamily="49" charset="0"/>
                 <a:cs typeface="Consolas" pitchFamily="49" charset="0"/>
               </a:rPr>
-              <a:t> </a:t>
-            </a:r>
-            <a:r>
-              <a:rPr lang="en-US" sz="2400" b="1" noProof="1" smtClean="0">
-                <a:latin typeface="Consolas" pitchFamily="49" charset="0"/>
-                <a:cs typeface="Consolas" pitchFamily="49" charset="0"/>
-              </a:rPr>
-              <a:t>StudentId FROM EnrolledCourses </a:t>
+              <a:t> StudentId FROM EnrolledCourses </a:t>
             </a:r>
             <a:endParaRPr lang="bg-BG" sz="2400" b="1" noProof="1" smtClean="0">
               <a:latin typeface="Consolas" pitchFamily="49" charset="0"/>
@@ -26389,27 +26348,7 @@
                 <a:latin typeface="Consolas" pitchFamily="49" charset="0"/>
                 <a:cs typeface="Consolas" pitchFamily="49" charset="0"/>
               </a:rPr>
-              <a:t>WHERE </a:t>
-            </a:r>
-            <a:r>
-              <a:rPr lang="en-US" sz="2400" b="1" noProof="1" smtClean="0">
-                <a:solidFill>
-                  <a:schemeClr val="bg1"/>
-                </a:solidFill>
-                <a:latin typeface="Consolas" pitchFamily="49" charset="0"/>
-                <a:cs typeface="Consolas" pitchFamily="49" charset="0"/>
-              </a:rPr>
-              <a:t>NOT </a:t>
-            </a:r>
-            <a:r>
-              <a:rPr lang="en-US" sz="2400" b="1" noProof="1" smtClean="0">
-                <a:solidFill>
-                  <a:schemeClr val="bg1"/>
-                </a:solidFill>
-                <a:latin typeface="Consolas" pitchFamily="49" charset="0"/>
-                <a:cs typeface="Consolas" pitchFamily="49" charset="0"/>
-              </a:rPr>
-              <a:t>EXISTS </a:t>
+              <a:t>WHERE NOT EXISTS </a:t>
             </a:r>
             <a:r>
               <a:rPr lang="en-US" sz="2400" b="1" noProof="1" smtClean="0">
@@ -26478,14 +26417,7 @@
                 <a:latin typeface="Consolas" pitchFamily="49" charset="0"/>
                 <a:cs typeface="Consolas" pitchFamily="49" charset="0"/>
               </a:rPr>
-              <a:t> </a:t>
-            </a:r>
-            <a:r>
-              <a:rPr lang="en-US" sz="2400" b="1" noProof="1" smtClean="0">
-                <a:latin typeface="Consolas" pitchFamily="49" charset="0"/>
-                <a:cs typeface="Consolas" pitchFamily="49" charset="0"/>
-              </a:rPr>
-              <a:t>MandatoryCourses </a:t>
+              <a:t> MandatoryCourses </a:t>
             </a:r>
             <a:endParaRPr lang="bg-BG" sz="2400" b="1" noProof="1" smtClean="0">
               <a:latin typeface="Consolas" pitchFamily="49" charset="0"/>
@@ -26520,27 +26452,7 @@
                 <a:latin typeface="Consolas" pitchFamily="49" charset="0"/>
                 <a:cs typeface="Consolas" pitchFamily="49" charset="0"/>
               </a:rPr>
-              <a:t>WHERE </a:t>
-            </a:r>
-            <a:r>
-              <a:rPr lang="en-US" sz="2400" b="1" noProof="1" smtClean="0">
-                <a:solidFill>
-                  <a:schemeClr val="bg1"/>
-                </a:solidFill>
-                <a:latin typeface="Consolas" pitchFamily="49" charset="0"/>
-                <a:cs typeface="Consolas" pitchFamily="49" charset="0"/>
-              </a:rPr>
-              <a:t>NOT </a:t>
-            </a:r>
-            <a:r>
-              <a:rPr lang="en-US" sz="2400" b="1" noProof="1" smtClean="0">
-                <a:solidFill>
-                  <a:schemeClr val="bg1"/>
-                </a:solidFill>
-                <a:latin typeface="Consolas" pitchFamily="49" charset="0"/>
-                <a:cs typeface="Consolas" pitchFamily="49" charset="0"/>
-              </a:rPr>
-              <a:t>EXISTS </a:t>
+              <a:t>WHERE NOT EXISTS </a:t>
             </a:r>
             <a:r>
               <a:rPr lang="en-US" sz="2400" b="1" noProof="1" smtClean="0">
@@ -26575,17 +26487,7 @@
                 <a:latin typeface="Consolas" pitchFamily="49" charset="0"/>
                 <a:cs typeface="Consolas" pitchFamily="49" charset="0"/>
               </a:rPr>
-              <a:t>	</a:t>
-            </a:r>
-            <a:r>
-              <a:rPr lang="bg-BG" sz="2400" b="1" noProof="1" smtClean="0">
-                <a:solidFill>
-                  <a:schemeClr val="bg1"/>
-                </a:solidFill>
-                <a:latin typeface="Consolas" pitchFamily="49" charset="0"/>
-                <a:cs typeface="Consolas" pitchFamily="49" charset="0"/>
-              </a:rPr>
-              <a:t>	</a:t>
+              <a:t>		</a:t>
             </a:r>
             <a:r>
               <a:rPr lang="en-US" sz="2400" b="1" noProof="1" smtClean="0">
@@ -26602,14 +26504,7 @@
                 <a:latin typeface="Consolas" pitchFamily="49" charset="0"/>
                 <a:cs typeface="Consolas" pitchFamily="49" charset="0"/>
               </a:rPr>
-              <a:t> </a:t>
-            </a:r>
-            <a:r>
-              <a:rPr lang="en-US" sz="2400" b="1" noProof="1" smtClean="0">
-                <a:latin typeface="Consolas" pitchFamily="49" charset="0"/>
-                <a:cs typeface="Consolas" pitchFamily="49" charset="0"/>
-              </a:rPr>
-              <a:t>* </a:t>
+              <a:t> * </a:t>
             </a:r>
             <a:r>
               <a:rPr lang="en-US" sz="2400" b="1" noProof="1" smtClean="0">
@@ -26626,21 +26521,7 @@
                 <a:latin typeface="Consolas" pitchFamily="49" charset="0"/>
                 <a:cs typeface="Consolas" pitchFamily="49" charset="0"/>
               </a:rPr>
-              <a:t>EnrolledCourses </a:t>
-            </a:r>
-            <a:r>
-              <a:rPr lang="en-US" sz="2400" b="1" noProof="1" smtClean="0">
-                <a:latin typeface="Consolas" pitchFamily="49" charset="0"/>
-                <a:cs typeface="Consolas" pitchFamily="49" charset="0"/>
-              </a:rPr>
-              <a:t>AS </a:t>
-            </a:r>
-            <a:r>
-              <a:rPr lang="en-US" sz="2400" b="1" noProof="1" smtClean="0">
-                <a:latin typeface="Consolas" pitchFamily="49" charset="0"/>
-                <a:cs typeface="Consolas" pitchFamily="49" charset="0"/>
-              </a:rPr>
-              <a:t>ec </a:t>
+              <a:t>EnrolledCourses AS ec </a:t>
             </a:r>
             <a:r>
               <a:rPr lang="bg-BG" sz="2400" b="1" noProof="1" smtClean="0">
@@ -26664,21 +26545,7 @@
                 <a:latin typeface="Consolas" pitchFamily="49" charset="0"/>
                 <a:cs typeface="Consolas" pitchFamily="49" charset="0"/>
               </a:rPr>
-              <a:t> ec.SudentId </a:t>
-            </a:r>
-            <a:r>
-              <a:rPr lang="en-US" sz="2400" b="1" noProof="1" smtClean="0">
-                <a:latin typeface="Consolas" pitchFamily="49" charset="0"/>
-                <a:cs typeface="Consolas" pitchFamily="49" charset="0"/>
-              </a:rPr>
-              <a:t>= </a:t>
-            </a:r>
-            <a:r>
-              <a:rPr lang="en-US" sz="2400" b="1" noProof="1" smtClean="0">
-                <a:latin typeface="Consolas" pitchFamily="49" charset="0"/>
-                <a:cs typeface="Consolas" pitchFamily="49" charset="0"/>
-              </a:rPr>
-              <a:t>EnrolledCourses.StudentId </a:t>
+              <a:t> ec.SudentId = EnrolledCourses.StudentId </a:t>
             </a:r>
             <a:r>
               <a:rPr lang="bg-BG" sz="2400" b="1" noProof="1" smtClean="0">
@@ -26692,21 +26559,7 @@
                 <a:latin typeface="Consolas" pitchFamily="49" charset="0"/>
                 <a:cs typeface="Consolas" pitchFamily="49" charset="0"/>
               </a:rPr>
-              <a:t>	AND ec.CourseId </a:t>
-            </a:r>
-            <a:r>
-              <a:rPr lang="en-US" sz="2400" b="1" noProof="1" smtClean="0">
-                <a:latin typeface="Consolas" pitchFamily="49" charset="0"/>
-                <a:cs typeface="Consolas" pitchFamily="49" charset="0"/>
-              </a:rPr>
-              <a:t>= </a:t>
-            </a:r>
-            <a:r>
-              <a:rPr lang="en-US" sz="2400" b="1" noProof="1" smtClean="0">
-                <a:latin typeface="Consolas" pitchFamily="49" charset="0"/>
-                <a:cs typeface="Consolas" pitchFamily="49" charset="0"/>
-              </a:rPr>
-              <a:t>NandatoryCourses.Course_id</a:t>
+              <a:t>	AND ec.CourseId = NandatoryCourses.Course_id</a:t>
             </a:r>
             <a:endParaRPr lang="bg-BG" sz="2400" b="1" noProof="1" smtClean="0">
               <a:latin typeface="Consolas" pitchFamily="49" charset="0"/>
@@ -26731,14 +26584,7 @@
                 <a:latin typeface="Consolas" pitchFamily="49" charset="0"/>
                 <a:cs typeface="Consolas" pitchFamily="49" charset="0"/>
               </a:rPr>
-              <a:t>	</a:t>
-            </a:r>
-            <a:r>
-              <a:rPr lang="bg-BG" sz="2400" b="1" noProof="1" smtClean="0">
-                <a:latin typeface="Consolas" pitchFamily="49" charset="0"/>
-                <a:cs typeface="Consolas" pitchFamily="49" charset="0"/>
-              </a:rPr>
-              <a:t>)</a:t>
+              <a:t>	)</a:t>
             </a:r>
           </a:p>
           <a:p>
@@ -26774,7 +26620,7 @@
     <a:masterClrMapping/>
   </p:clrMapOvr>
   <mc:AlternateContent xmlns:mc="http://schemas.openxmlformats.org/markup-compatibility/2006">
-    <mc:Choice xmlns="" xmlns:p14="http://schemas.microsoft.com/office/powerpoint/2010/main" Requires="p14">
+    <mc:Choice xmlns:p14="http://schemas.microsoft.com/office/powerpoint/2010/main" xmlns="" Requires="p14">
       <p:transition spd="slow" p14:dur="2000" advClick="0" advTm="5000"/>
     </mc:Choice>
     <mc:Fallback>
@@ -27027,7 +26873,7 @@
           <p:cNvPr id="9" name="Summary Box Group">
             <a:extLst>
               <a:ext uri="{FF2B5EF4-FFF2-40B4-BE49-F238E27FC236}">
-                <a16:creationId xmlns="" xmlns:a16="http://schemas.microsoft.com/office/drawing/2014/main" id="{EBAFE522-EB7D-4931-A015-9A7E8A98517D}"/>
+                <a16:creationId xmlns:a16="http://schemas.microsoft.com/office/drawing/2014/main" xmlns="" id="{EBAFE522-EB7D-4931-A015-9A7E8A98517D}"/>
               </a:ext>
             </a:extLst>
           </p:cNvPr>
@@ -27047,7 +26893,7 @@
             <p:cNvPr id="10" name="Rounded Rectangle Blue">
               <a:extLst>
                 <a:ext uri="{FF2B5EF4-FFF2-40B4-BE49-F238E27FC236}">
-                  <a16:creationId xmlns="" xmlns:a16="http://schemas.microsoft.com/office/drawing/2014/main" id="{18F78F23-3D09-4B63-8DF9-D49CFBB145EE}"/>
+                  <a16:creationId xmlns:a16="http://schemas.microsoft.com/office/drawing/2014/main" xmlns="" id="{18F78F23-3D09-4B63-8DF9-D49CFBB145EE}"/>
                 </a:ext>
               </a:extLst>
             </p:cNvPr>
@@ -27101,7 +26947,7 @@
             <p:cNvPr id="11" name="Rounded Rectangle Left">
               <a:extLst>
                 <a:ext uri="{FF2B5EF4-FFF2-40B4-BE49-F238E27FC236}">
-                  <a16:creationId xmlns="" xmlns:a16="http://schemas.microsoft.com/office/drawing/2014/main" id="{F12C06CE-2BBE-46C2-B718-813794C58DF9}"/>
+                  <a16:creationId xmlns:a16="http://schemas.microsoft.com/office/drawing/2014/main" xmlns="" id="{F12C06CE-2BBE-46C2-B718-813794C58DF9}"/>
                 </a:ext>
               </a:extLst>
             </p:cNvPr>
@@ -27161,7 +27007,7 @@
             <p:cNvPr id="12" name="Half Frame Top Right">
               <a:extLst>
                 <a:ext uri="{FF2B5EF4-FFF2-40B4-BE49-F238E27FC236}">
-                  <a16:creationId xmlns="" xmlns:a16="http://schemas.microsoft.com/office/drawing/2014/main" id="{66CDBB1E-AF3C-43FC-9F34-2DD691F81726}"/>
+                  <a16:creationId xmlns:a16="http://schemas.microsoft.com/office/drawing/2014/main" xmlns="" id="{66CDBB1E-AF3C-43FC-9F34-2DD691F81726}"/>
                 </a:ext>
               </a:extLst>
             </p:cNvPr>
@@ -27223,7 +27069,7 @@
           <p:cNvPr id="14" name="Text Placeholder Body">
             <a:extLst>
               <a:ext uri="{FF2B5EF4-FFF2-40B4-BE49-F238E27FC236}">
-                <a16:creationId xmlns="" xmlns:a16="http://schemas.microsoft.com/office/drawing/2014/main" id="{0E49D336-45B6-44D3-97C4-E28F8DEA2022}"/>
+                <a16:creationId xmlns:a16="http://schemas.microsoft.com/office/drawing/2014/main" xmlns="" id="{0E49D336-45B6-44D3-97C4-E28F8DEA2022}"/>
               </a:ext>
             </a:extLst>
           </p:cNvPr>
@@ -27354,11 +27200,6 @@
               </a:rPr>
               <a:t>Данни от повече от 2 таблици</a:t>
             </a:r>
-            <a:endParaRPr lang="bg-BG" sz="2400" dirty="0" smtClean="0">
-              <a:solidFill>
-                <a:schemeClr val="bg2"/>
-              </a:solidFill>
-            </a:endParaRPr>
           </a:p>
           <a:p>
             <a:pPr marL="360363" indent="-360000" fontAlgn="base">
@@ -27426,23 +27267,7 @@
                   <a:schemeClr val="bg2"/>
                 </a:solidFill>
               </a:rPr>
-              <a:t> </a:t>
-            </a:r>
-            <a:r>
-              <a:rPr lang="ru-RU" sz="2400" dirty="0" smtClean="0">
-                <a:solidFill>
-                  <a:schemeClr val="bg2"/>
-                </a:solidFill>
-              </a:rPr>
-              <a:t>за влагане на </a:t>
-            </a:r>
-            <a:r>
-              <a:rPr lang="ru-RU" sz="2400" dirty="0" smtClean="0">
-                <a:solidFill>
-                  <a:schemeClr val="bg2"/>
-                </a:solidFill>
-              </a:rPr>
-              <a:t>заявки</a:t>
+              <a:t> за влагане на заявки</a:t>
             </a:r>
           </a:p>
           <a:p>
@@ -27495,15 +27320,7 @@
             </a:r>
             <a:r>
               <a:rPr lang="ru-RU" sz="2600" dirty="0" smtClean="0"/>
-              <a:t>уникални </a:t>
-            </a:r>
-            <a:r>
-              <a:rPr lang="ru-RU" sz="2600" dirty="0" smtClean="0"/>
-              <a:t>редове от две или повече </a:t>
-            </a:r>
-            <a:r>
-              <a:rPr lang="ru-RU" sz="2600" dirty="0" smtClean="0"/>
-              <a:t>заявки</a:t>
+              <a:t>уникални редове от две или повече заявки</a:t>
             </a:r>
             <a:endParaRPr lang="en-US" sz="2600" dirty="0" smtClean="0"/>
           </a:p>
@@ -27544,15 +27361,7 @@
             </a:r>
             <a:r>
               <a:rPr lang="ru-RU" sz="2600" dirty="0" smtClean="0"/>
-              <a:t> </a:t>
-            </a:r>
-            <a:r>
-              <a:rPr lang="ru-RU" sz="2600" dirty="0" smtClean="0"/>
-              <a:t>редове между резултатите на две или повече </a:t>
-            </a:r>
-            <a:r>
-              <a:rPr lang="ru-RU" sz="2600" dirty="0" smtClean="0"/>
-              <a:t>заявки</a:t>
+              <a:t> редове между резултатите на две или повече заявки</a:t>
             </a:r>
           </a:p>
           <a:p>
@@ -27595,23 +27404,7 @@
             </a:r>
             <a:r>
               <a:rPr lang="ru-RU" sz="2600" dirty="0" smtClean="0"/>
-              <a:t>редове </a:t>
-            </a:r>
-            <a:r>
-              <a:rPr lang="ru-RU" sz="2600" dirty="0" smtClean="0"/>
-              <a:t>от първата </a:t>
-            </a:r>
-            <a:r>
-              <a:rPr lang="ru-RU" sz="2600" dirty="0" smtClean="0"/>
-              <a:t>заявка</a:t>
-            </a:r>
-            <a:r>
-              <a:rPr lang="ru-RU" sz="2600" dirty="0" smtClean="0"/>
-              <a:t>, които не се срещат във втората </a:t>
-            </a:r>
-            <a:r>
-              <a:rPr lang="ru-RU" sz="2600" dirty="0" smtClean="0"/>
-              <a:t>заявка</a:t>
+              <a:t>редове от първата заявка, които не се срещат във втората заявка</a:t>
             </a:r>
             <a:endParaRPr lang="en-US" sz="2600" dirty="0" smtClean="0"/>
           </a:p>
@@ -27644,19 +27437,7 @@
             </a:r>
             <a:r>
               <a:rPr lang="ru-RU" sz="2600" dirty="0" smtClean="0"/>
-              <a:t>стойности </a:t>
-            </a:r>
-            <a:r>
-              <a:rPr lang="ru-RU" sz="2600" dirty="0" smtClean="0"/>
-              <a:t>от първата таблица, </a:t>
-            </a:r>
-            <a:r>
-              <a:rPr lang="ru-RU" sz="2600" dirty="0" smtClean="0"/>
-              <a:t>съответстващи  </a:t>
-            </a:r>
-            <a:r>
-              <a:rPr lang="ru-RU" sz="2600" dirty="0" smtClean="0"/>
-              <a:t>на всички стойности от втората таблица</a:t>
+              <a:t>стойности от първата таблица, съответстващи  на всички стойности от втората таблица</a:t>
             </a:r>
             <a:r>
               <a:rPr lang="bg-BG" sz="2600" dirty="0" smtClean="0"/>
@@ -27671,7 +27452,7 @@
           <p:cNvPr id="17" name="Slide Number">
             <a:extLst>
               <a:ext uri="{FF2B5EF4-FFF2-40B4-BE49-F238E27FC236}">
-                <a16:creationId xmlns="" xmlns:a16="http://schemas.microsoft.com/office/drawing/2014/main" id="{9DE5559F-55C2-47F1-A321-B593B1EC63C1}"/>
+                <a16:creationId xmlns:a16="http://schemas.microsoft.com/office/drawing/2014/main" xmlns="" id="{9DE5559F-55C2-47F1-A321-B593B1EC63C1}"/>
               </a:ext>
             </a:extLst>
           </p:cNvPr>
@@ -27713,7 +27494,7 @@
           <p:cNvPr id="13" name="Picture SoftUni Mascot">
             <a:extLst>
               <a:ext uri="{FF2B5EF4-FFF2-40B4-BE49-F238E27FC236}">
-                <a16:creationId xmlns="" xmlns:a16="http://schemas.microsoft.com/office/drawing/2014/main" id="{CCC3A316-993C-4741-8826-E104F27650A3}"/>
+                <a16:creationId xmlns:a16="http://schemas.microsoft.com/office/drawing/2014/main" xmlns="" id="{CCC3A316-993C-4741-8826-E104F27650A3}"/>
               </a:ext>
             </a:extLst>
           </p:cNvPr>
@@ -27726,7 +27507,7 @@
           <a:blip r:embed="rId3" cstate="print">
             <a:extLst>
               <a:ext uri="{28A0092B-C50C-407E-A947-70E740481C1C}">
-                <a14:useLocalDpi xmlns="" xmlns:a14="http://schemas.microsoft.com/office/drawing/2010/main" val="0"/>
+                <a14:useLocalDpi xmlns:a14="http://schemas.microsoft.com/office/drawing/2010/main" xmlns="" val="0"/>
               </a:ext>
             </a:extLst>
           </a:blip>
@@ -27771,7 +27552,7 @@
     </p:spTree>
     <p:extLst>
       <p:ext uri="{BB962C8B-B14F-4D97-AF65-F5344CB8AC3E}">
-        <p14:creationId xmlns="" xmlns:p14="http://schemas.microsoft.com/office/powerpoint/2010/main" val="2087190546"/>
+        <p14:creationId xmlns:p14="http://schemas.microsoft.com/office/powerpoint/2010/main" xmlns="" val="2087190546"/>
       </p:ext>
     </p:extLst>
   </p:cSld>
@@ -27779,7 +27560,7 @@
     <a:masterClrMapping/>
   </p:clrMapOvr>
   <mc:AlternateContent xmlns:mc="http://schemas.openxmlformats.org/markup-compatibility/2006">
-    <mc:Choice xmlns="" xmlns:p14="http://schemas.microsoft.com/office/powerpoint/2010/main" Requires="p14">
+    <mc:Choice xmlns:p14="http://schemas.microsoft.com/office/powerpoint/2010/main" xmlns="" Requires="p14">
       <p:transition spd="slow" p14:dur="2000" advClick="0" advTm="5000"/>
     </mc:Choice>
     <mc:Fallback>
@@ -28166,7 +27947,7 @@
           <p:cNvPr id="5" name="Group 4">
             <a:extLst>
               <a:ext uri="{FF2B5EF4-FFF2-40B4-BE49-F238E27FC236}">
-                <a16:creationId xmlns="" xmlns:a16="http://schemas.microsoft.com/office/drawing/2014/main" id="{1A67F800-7980-E3CA-7188-3C478C8E98B8}"/>
+                <a16:creationId xmlns:a16="http://schemas.microsoft.com/office/drawing/2014/main" xmlns="" id="{1A67F800-7980-E3CA-7188-3C478C8E98B8}"/>
               </a:ext>
             </a:extLst>
           </p:cNvPr>
@@ -28186,7 +27967,7 @@
             <p:cNvPr id="7" name="Picture 6" descr="A picture containing text, sign, vector graphics&#10;&#10;Description automatically generated">
               <a:extLst>
                 <a:ext uri="{FF2B5EF4-FFF2-40B4-BE49-F238E27FC236}">
-                  <a16:creationId xmlns="" xmlns:a16="http://schemas.microsoft.com/office/drawing/2014/main" id="{15CE28B1-02BA-4014-E149-BF1EE09447ED}"/>
+                  <a16:creationId xmlns:a16="http://schemas.microsoft.com/office/drawing/2014/main" xmlns="" id="{15CE28B1-02BA-4014-E149-BF1EE09447ED}"/>
                 </a:ext>
               </a:extLst>
             </p:cNvPr>
@@ -28216,7 +27997,7 @@
             <p:cNvPr id="9" name="Picture 8" descr="Logo&#10;&#10;Description automatically generated">
               <a:extLst>
                 <a:ext uri="{FF2B5EF4-FFF2-40B4-BE49-F238E27FC236}">
-                  <a16:creationId xmlns="" xmlns:a16="http://schemas.microsoft.com/office/drawing/2014/main" id="{5F82FF4F-4AD2-4B3B-1445-F3C6BA268522}"/>
+                  <a16:creationId xmlns:a16="http://schemas.microsoft.com/office/drawing/2014/main" xmlns="" id="{5F82FF4F-4AD2-4B3B-1445-F3C6BA268522}"/>
                 </a:ext>
               </a:extLst>
             </p:cNvPr>
@@ -28246,7 +28027,7 @@
             <p:cNvPr id="11" name="Picture 10" descr="Logo&#10;&#10;Description automatically generated">
               <a:extLst>
                 <a:ext uri="{FF2B5EF4-FFF2-40B4-BE49-F238E27FC236}">
-                  <a16:creationId xmlns="" xmlns:a16="http://schemas.microsoft.com/office/drawing/2014/main" id="{68CCA8DB-9EFC-F9BC-57AE-81E4F843E863}"/>
+                  <a16:creationId xmlns:a16="http://schemas.microsoft.com/office/drawing/2014/main" xmlns="" id="{68CCA8DB-9EFC-F9BC-57AE-81E4F843E863}"/>
                 </a:ext>
               </a:extLst>
             </p:cNvPr>
@@ -28276,7 +28057,7 @@
             <p:cNvPr id="13" name="Picture 12" descr="Logo&#10;&#10;Description automatically generated">
               <a:extLst>
                 <a:ext uri="{FF2B5EF4-FFF2-40B4-BE49-F238E27FC236}">
-                  <a16:creationId xmlns="" xmlns:a16="http://schemas.microsoft.com/office/drawing/2014/main" id="{3FDF9297-50FA-E866-B6CE-9D64B1E892BF}"/>
+                  <a16:creationId xmlns:a16="http://schemas.microsoft.com/office/drawing/2014/main" xmlns="" id="{3FDF9297-50FA-E866-B6CE-9D64B1E892BF}"/>
                 </a:ext>
               </a:extLst>
             </p:cNvPr>
@@ -28306,7 +28087,7 @@
             <p:cNvPr id="18" name="Graphic 17">
               <a:extLst>
                 <a:ext uri="{FF2B5EF4-FFF2-40B4-BE49-F238E27FC236}">
-                  <a16:creationId xmlns="" xmlns:a16="http://schemas.microsoft.com/office/drawing/2014/main" id="{2A1BC0C9-7A7B-9C5B-B457-3E86E59EF29E}"/>
+                  <a16:creationId xmlns:a16="http://schemas.microsoft.com/office/drawing/2014/main" xmlns="" id="{2A1BC0C9-7A7B-9C5B-B457-3E86E59EF29E}"/>
                 </a:ext>
               </a:extLst>
             </p:cNvPr>
@@ -28319,7 +28100,7 @@
             <a:blip r:embed="rId7" cstate="print">
               <a:extLst>
                 <a:ext uri="{96DAC541-7B7A-43D3-8B79-37D633B846F1}">
-                  <asvg:svgBlip xmlns="" xmlns:asvg="http://schemas.microsoft.com/office/drawing/2016/SVG/main" r:embed="rId8"/>
+                  <asvg:svgBlip xmlns:asvg="http://schemas.microsoft.com/office/drawing/2016/SVG/main" xmlns="" r:embed="rId8"/>
                 </a:ext>
               </a:extLst>
             </a:blip>
@@ -28342,7 +28123,7 @@
             <p:cNvPr id="20" name="Graphic 19">
               <a:extLst>
                 <a:ext uri="{FF2B5EF4-FFF2-40B4-BE49-F238E27FC236}">
-                  <a16:creationId xmlns="" xmlns:a16="http://schemas.microsoft.com/office/drawing/2014/main" id="{DBE174DA-A182-7E57-06D4-86AFA26D484D}"/>
+                  <a16:creationId xmlns:a16="http://schemas.microsoft.com/office/drawing/2014/main" xmlns="" id="{DBE174DA-A182-7E57-06D4-86AFA26D484D}"/>
                 </a:ext>
               </a:extLst>
             </p:cNvPr>
@@ -28355,7 +28136,7 @@
             <a:blip r:embed="rId9" cstate="print">
               <a:extLst>
                 <a:ext uri="{96DAC541-7B7A-43D3-8B79-37D633B846F1}">
-                  <asvg:svgBlip xmlns="" xmlns:asvg="http://schemas.microsoft.com/office/drawing/2016/SVG/main" r:embed="rId10"/>
+                  <asvg:svgBlip xmlns:asvg="http://schemas.microsoft.com/office/drawing/2016/SVG/main" xmlns="" r:embed="rId10"/>
                 </a:ext>
               </a:extLst>
             </a:blip>
@@ -28378,7 +28159,7 @@
             <p:cNvPr id="22" name="Picture 21" descr="Logo&#10;&#10;Description automatically generated">
               <a:extLst>
                 <a:ext uri="{FF2B5EF4-FFF2-40B4-BE49-F238E27FC236}">
-                  <a16:creationId xmlns="" xmlns:a16="http://schemas.microsoft.com/office/drawing/2014/main" id="{9B7FFC36-A4BC-7A53-AB82-82C398A47538}"/>
+                  <a16:creationId xmlns:a16="http://schemas.microsoft.com/office/drawing/2014/main" xmlns="" id="{9B7FFC36-A4BC-7A53-AB82-82C398A47538}"/>
                 </a:ext>
               </a:extLst>
             </p:cNvPr>
@@ -28408,7 +28189,7 @@
             <p:cNvPr id="36" name="Group 35">
               <a:extLst>
                 <a:ext uri="{FF2B5EF4-FFF2-40B4-BE49-F238E27FC236}">
-                  <a16:creationId xmlns="" xmlns:a16="http://schemas.microsoft.com/office/drawing/2014/main" id="{3FB2AEAC-BDEE-9D5F-67A3-17CEDA699052}"/>
+                  <a16:creationId xmlns:a16="http://schemas.microsoft.com/office/drawing/2014/main" xmlns="" id="{3FB2AEAC-BDEE-9D5F-67A3-17CEDA699052}"/>
                 </a:ext>
               </a:extLst>
             </p:cNvPr>
@@ -28428,7 +28209,7 @@
               <p:cNvPr id="31" name="Straight Connector 30">
                 <a:extLst>
                   <a:ext uri="{FF2B5EF4-FFF2-40B4-BE49-F238E27FC236}">
-                    <a16:creationId xmlns="" xmlns:a16="http://schemas.microsoft.com/office/drawing/2014/main" id="{AA38ABD5-1637-DC80-A922-DF10E4F75CDE}"/>
+                    <a16:creationId xmlns:a16="http://schemas.microsoft.com/office/drawing/2014/main" xmlns="" id="{AA38ABD5-1637-DC80-A922-DF10E4F75CDE}"/>
                   </a:ext>
                 </a:extLst>
               </p:cNvPr>
@@ -28471,7 +28252,7 @@
               <p:cNvPr id="33" name="Picture 32">
                 <a:extLst>
                   <a:ext uri="{FF2B5EF4-FFF2-40B4-BE49-F238E27FC236}">
-                    <a16:creationId xmlns="" xmlns:a16="http://schemas.microsoft.com/office/drawing/2014/main" id="{617B586A-0BC5-5E32-7E67-FD277547ED69}"/>
+                    <a16:creationId xmlns:a16="http://schemas.microsoft.com/office/drawing/2014/main" xmlns="" id="{617B586A-0BC5-5E32-7E67-FD277547ED69}"/>
                   </a:ext>
                 </a:extLst>
               </p:cNvPr>
@@ -28503,7 +28284,7 @@
           <p:cNvPr id="40" name="Picture 39" descr="Logo&#10;&#10;Description automatically generated">
             <a:extLst>
               <a:ext uri="{FF2B5EF4-FFF2-40B4-BE49-F238E27FC236}">
-                <a16:creationId xmlns="" xmlns:a16="http://schemas.microsoft.com/office/drawing/2014/main" id="{9C30DD70-D438-6D27-35D3-8BB874966D84}"/>
+                <a16:creationId xmlns:a16="http://schemas.microsoft.com/office/drawing/2014/main" xmlns="" id="{9C30DD70-D438-6D27-35D3-8BB874966D84}"/>
               </a:ext>
             </a:extLst>
           </p:cNvPr>
@@ -28533,7 +28314,7 @@
           <p:cNvPr id="2" name="Google Shape;441;p37">
             <a:extLst>
               <a:ext uri="{FF2B5EF4-FFF2-40B4-BE49-F238E27FC236}">
-                <a16:creationId xmlns="" xmlns:a16="http://schemas.microsoft.com/office/drawing/2014/main" id="{2AFB472C-93C2-241B-75FA-457782840F92}"/>
+                <a16:creationId xmlns:a16="http://schemas.microsoft.com/office/drawing/2014/main" xmlns="" id="{2AFB472C-93C2-241B-75FA-457782840F92}"/>
               </a:ext>
             </a:extLst>
           </p:cNvPr>
@@ -28838,7 +28619,7 @@
           <p:cNvPr id="14" name="Картина 13">
             <a:extLst>
               <a:ext uri="{FF2B5EF4-FFF2-40B4-BE49-F238E27FC236}">
-                <a16:creationId xmlns="" xmlns:a16="http://schemas.microsoft.com/office/drawing/2014/main" id="{54B365E9-8FD0-6D5B-2DFC-723EE5DDD555}"/>
+                <a16:creationId xmlns:a16="http://schemas.microsoft.com/office/drawing/2014/main" xmlns="" id="{54B365E9-8FD0-6D5B-2DFC-723EE5DDD555}"/>
               </a:ext>
             </a:extLst>
           </p:cNvPr>
@@ -28868,7 +28649,7 @@
           <p:cNvPr id="16" name="Картина 15">
             <a:extLst>
               <a:ext uri="{FF2B5EF4-FFF2-40B4-BE49-F238E27FC236}">
-                <a16:creationId xmlns="" xmlns:a16="http://schemas.microsoft.com/office/drawing/2014/main" id="{3BD6ABFC-02BF-2D42-B42B-6929222F37B6}"/>
+                <a16:creationId xmlns:a16="http://schemas.microsoft.com/office/drawing/2014/main" xmlns="" id="{3BD6ABFC-02BF-2D42-B42B-6929222F37B6}"/>
               </a:ext>
             </a:extLst>
           </p:cNvPr>
@@ -28896,7 +28677,7 @@
     </p:spTree>
     <p:extLst>
       <p:ext uri="{BB962C8B-B14F-4D97-AF65-F5344CB8AC3E}">
-        <p14:creationId xmlns="" xmlns:p14="http://schemas.microsoft.com/office/powerpoint/2010/main" val="2144060659"/>
+        <p14:creationId xmlns:p14="http://schemas.microsoft.com/office/powerpoint/2010/main" xmlns="" val="2144060659"/>
       </p:ext>
     </p:extLst>
   </p:cSld>
@@ -28935,7 +28716,7 @@
           <p:cNvPr id="5" name="Slide Number">
             <a:extLst>
               <a:ext uri="{FF2B5EF4-FFF2-40B4-BE49-F238E27FC236}">
-                <a16:creationId xmlns="" xmlns:a16="http://schemas.microsoft.com/office/drawing/2014/main" id="{F48C3C93-90A1-4D31-BEA6-B54D1106CE31}"/>
+                <a16:creationId xmlns:a16="http://schemas.microsoft.com/office/drawing/2014/main" xmlns="" id="{F48C3C93-90A1-4D31-BEA6-B54D1106CE31}"/>
               </a:ext>
             </a:extLst>
           </p:cNvPr>
@@ -28977,7 +28758,7 @@
           <p:cNvPr id="2" name="Slide Body">
             <a:extLst>
               <a:ext uri="{FF2B5EF4-FFF2-40B4-BE49-F238E27FC236}">
-                <a16:creationId xmlns="" xmlns:a16="http://schemas.microsoft.com/office/drawing/2014/main" id="{980F49B1-E4BE-4389-A747-7AB9B71AD920}"/>
+                <a16:creationId xmlns:a16="http://schemas.microsoft.com/office/drawing/2014/main" xmlns="" id="{980F49B1-E4BE-4389-A747-7AB9B71AD920}"/>
               </a:ext>
             </a:extLst>
           </p:cNvPr>
@@ -29111,7 +28892,7 @@
           <p:cNvPr id="6" name="Picture License" descr="License">
             <a:extLst>
               <a:ext uri="{FF2B5EF4-FFF2-40B4-BE49-F238E27FC236}">
-                <a16:creationId xmlns="" xmlns:a16="http://schemas.microsoft.com/office/drawing/2014/main" id="{A10A2585-858C-4B1E-8846-27CF1C15729E}"/>
+                <a16:creationId xmlns:a16="http://schemas.microsoft.com/office/drawing/2014/main" xmlns="" id="{A10A2585-858C-4B1E-8846-27CF1C15729E}"/>
               </a:ext>
             </a:extLst>
           </p:cNvPr>
@@ -29152,7 +28933,7 @@
           <p:cNvPr id="3" name="Slide Title">
             <a:extLst>
               <a:ext uri="{FF2B5EF4-FFF2-40B4-BE49-F238E27FC236}">
-                <a16:creationId xmlns="" xmlns:a16="http://schemas.microsoft.com/office/drawing/2014/main" id="{E5F1FB41-80C3-4816-BC47-CCC50632E6E8}"/>
+                <a16:creationId xmlns:a16="http://schemas.microsoft.com/office/drawing/2014/main" xmlns="" id="{E5F1FB41-80C3-4816-BC47-CCC50632E6E8}"/>
               </a:ext>
             </a:extLst>
           </p:cNvPr>
@@ -29178,7 +28959,7 @@
     </p:spTree>
     <p:extLst>
       <p:ext uri="{BB962C8B-B14F-4D97-AF65-F5344CB8AC3E}">
-        <p14:creationId xmlns="" xmlns:p14="http://schemas.microsoft.com/office/powerpoint/2010/main" val="3506533871"/>
+        <p14:creationId xmlns:p14="http://schemas.microsoft.com/office/powerpoint/2010/main" xmlns="" val="3506533871"/>
       </p:ext>
     </p:extLst>
   </p:cSld>
@@ -29186,7 +28967,7 @@
     <a:masterClrMapping/>
   </p:clrMapOvr>
   <mc:AlternateContent xmlns:mc="http://schemas.openxmlformats.org/markup-compatibility/2006">
-    <mc:Choice xmlns="" xmlns:p14="http://schemas.microsoft.com/office/powerpoint/2010/main" Requires="p14">
+    <mc:Choice xmlns:p14="http://schemas.microsoft.com/office/powerpoint/2010/main" xmlns="" Requires="p14">
       <p:transition spd="slow" p14:dur="2000" advClick="0" advTm="5000"/>
     </mc:Choice>
     <mc:Fallback>
@@ -29298,7 +29079,7 @@
     <a:masterClrMapping/>
   </p:clrMapOvr>
   <mc:AlternateContent xmlns:mc="http://schemas.openxmlformats.org/markup-compatibility/2006">
-    <mc:Choice xmlns="" xmlns:p14="http://schemas.microsoft.com/office/powerpoint/2010/main" Requires="p14">
+    <mc:Choice xmlns:p14="http://schemas.microsoft.com/office/powerpoint/2010/main" xmlns="" Requires="p14">
       <p:transition spd="slow" p14:dur="2000" advClick="0" advTm="5000"/>
     </mc:Choice>
     <mc:Fallback>
@@ -29494,7 +29275,7 @@
     <a:masterClrMapping/>
   </p:clrMapOvr>
   <mc:AlternateContent xmlns:mc="http://schemas.openxmlformats.org/markup-compatibility/2006">
-    <mc:Choice xmlns="" xmlns:p14="http://schemas.microsoft.com/office/powerpoint/2010/main" Requires="p14">
+    <mc:Choice xmlns:p14="http://schemas.microsoft.com/office/powerpoint/2010/main" xmlns="" Requires="p14">
       <p:transition spd="slow" p14:dur="2000" advClick="0" advTm="5000"/>
     </mc:Choice>
     <mc:Fallback>
@@ -29823,7 +29604,7 @@
     <a:masterClrMapping/>
   </p:clrMapOvr>
   <mc:AlternateContent xmlns:mc="http://schemas.openxmlformats.org/markup-compatibility/2006">
-    <mc:Choice xmlns="" xmlns:p14="http://schemas.microsoft.com/office/powerpoint/2010/main" Requires="p14">
+    <mc:Choice xmlns:p14="http://schemas.microsoft.com/office/powerpoint/2010/main" xmlns="" Requires="p14">
       <p:transition spd="slow" p14:dur="2000" advClick="0" advTm="5000"/>
     </mc:Choice>
     <mc:Fallback>
@@ -30334,7 +30115,7 @@
           <p:cNvPr id="8" name="AutoShape 5">
             <a:extLst>
               <a:ext uri="{FF2B5EF4-FFF2-40B4-BE49-F238E27FC236}">
-                <a16:creationId xmlns:a16="http://schemas.microsoft.com/office/drawing/2014/main" xmlns="" id="{F571EDF2-BA8D-4C84-8360-12467530B87E}"/>
+                <a16:creationId xmlns="" xmlns:a16="http://schemas.microsoft.com/office/drawing/2014/main" id="{F571EDF2-BA8D-4C84-8360-12467530B87E}"/>
               </a:ext>
             </a:extLst>
           </p:cNvPr>
@@ -30480,7 +30261,7 @@
           <p:cNvPr id="9" name="AutoShape 5">
             <a:extLst>
               <a:ext uri="{FF2B5EF4-FFF2-40B4-BE49-F238E27FC236}">
-                <a16:creationId xmlns:a16="http://schemas.microsoft.com/office/drawing/2014/main" xmlns="" id="{F571EDF2-BA8D-4C84-8360-12467530B87E}"/>
+                <a16:creationId xmlns="" xmlns:a16="http://schemas.microsoft.com/office/drawing/2014/main" id="{F571EDF2-BA8D-4C84-8360-12467530B87E}"/>
               </a:ext>
             </a:extLst>
           </p:cNvPr>
@@ -30570,7 +30351,7 @@
     <a:masterClrMapping/>
   </p:clrMapOvr>
   <mc:AlternateContent xmlns:mc="http://schemas.openxmlformats.org/markup-compatibility/2006">
-    <mc:Choice xmlns="" xmlns:p14="http://schemas.microsoft.com/office/powerpoint/2010/main" Requires="p14">
+    <mc:Choice xmlns:p14="http://schemas.microsoft.com/office/powerpoint/2010/main" xmlns="" Requires="p14">
       <p:transition spd="slow" p14:dur="2000" advClick="0" advTm="5000"/>
     </mc:Choice>
     <mc:Fallback>
@@ -30849,7 +30630,7 @@
           <p:nvPr>
             <p:extLst>
               <p:ext uri="{D42A27DB-BD31-4B8C-83A1-F6EECF244321}">
-                <p14:modId xmlns:p14="http://schemas.microsoft.com/office/powerpoint/2010/main" xmlns="" val="1102571627"/>
+                <p14:modId xmlns="" xmlns:p14="http://schemas.microsoft.com/office/powerpoint/2010/main" val="1102571627"/>
               </p:ext>
             </p:extLst>
           </p:nvPr>
@@ -30868,21 +30649,21 @@
                 <a:gridCol w="1559860">
                   <a:extLst>
                     <a:ext uri="{9D8B030D-6E8A-4147-A177-3AD203B41FA5}">
-                      <a16:colId xmlns:a16="http://schemas.microsoft.com/office/drawing/2014/main" xmlns="" val="20000"/>
+                      <a16:colId xmlns="" xmlns:a16="http://schemas.microsoft.com/office/drawing/2014/main" val="20000"/>
                     </a:ext>
                   </a:extLst>
                 </a:gridCol>
                 <a:gridCol w="1792940">
                   <a:extLst>
                     <a:ext uri="{9D8B030D-6E8A-4147-A177-3AD203B41FA5}">
-                      <a16:colId xmlns:a16="http://schemas.microsoft.com/office/drawing/2014/main" xmlns="" val="20001"/>
+                      <a16:colId xmlns="" xmlns:a16="http://schemas.microsoft.com/office/drawing/2014/main" val="20001"/>
                     </a:ext>
                   </a:extLst>
                 </a:gridCol>
                 <a:gridCol w="1950721">
                   <a:extLst>
                     <a:ext uri="{9D8B030D-6E8A-4147-A177-3AD203B41FA5}">
-                      <a16:colId xmlns:a16="http://schemas.microsoft.com/office/drawing/2014/main" xmlns="" val="20002"/>
+                      <a16:colId xmlns="" xmlns:a16="http://schemas.microsoft.com/office/drawing/2014/main" val="20002"/>
                     </a:ext>
                   </a:extLst>
                 </a:gridCol>
@@ -31421,7 +31202,7 @@
                 </a:tc>
                 <a:extLst>
                   <a:ext uri="{0D108BD9-81ED-4DB2-BD59-A6C34878D82A}">
-                    <a16:rowId xmlns:a16="http://schemas.microsoft.com/office/drawing/2014/main" xmlns="" val="10001"/>
+                    <a16:rowId xmlns="" xmlns:a16="http://schemas.microsoft.com/office/drawing/2014/main" val="10001"/>
                   </a:ext>
                 </a:extLst>
               </a:tr>
@@ -31667,7 +31448,7 @@
                 </a:tc>
                 <a:extLst>
                   <a:ext uri="{0D108BD9-81ED-4DB2-BD59-A6C34878D82A}">
-                    <a16:rowId xmlns:a16="http://schemas.microsoft.com/office/drawing/2014/main" xmlns="" val="10002"/>
+                    <a16:rowId xmlns="" xmlns:a16="http://schemas.microsoft.com/office/drawing/2014/main" val="10002"/>
                   </a:ext>
                 </a:extLst>
               </a:tr>
@@ -32426,7 +32207,7 @@
     <a:masterClrMapping/>
   </p:clrMapOvr>
   <mc:AlternateContent xmlns:mc="http://schemas.openxmlformats.org/markup-compatibility/2006">
-    <mc:Choice xmlns="" xmlns:p14="http://schemas.microsoft.com/office/powerpoint/2010/main" Requires="p14">
+    <mc:Choice xmlns:p14="http://schemas.microsoft.com/office/powerpoint/2010/main" xmlns="" Requires="p14">
       <p:transition spd="slow" p14:dur="2000" advClick="0" advTm="5000"/>
     </mc:Choice>
     <mc:Fallback>
@@ -32486,7 +32267,7 @@
             <a:blip r:embed="rId3" cstate="print">
               <a:extLst>
                 <a:ext uri="{28A0092B-C50C-407E-A947-70E740481C1C}">
-                  <a14:useLocalDpi xmlns:a14="http://schemas.microsoft.com/office/drawing/2010/main" xmlns="" val="0"/>
+                  <a14:useLocalDpi xmlns="" xmlns:a14="http://schemas.microsoft.com/office/drawing/2010/main" val="0"/>
                 </a:ext>
               </a:extLst>
             </a:blip>
@@ -32516,7 +32297,7 @@
             <a:blip r:embed="rId4" cstate="print">
               <a:extLst>
                 <a:ext uri="{BEBA8EAE-BF5A-486C-A8C5-ECC9F3942E4B}">
-                  <a14:imgProps xmlns:a14="http://schemas.microsoft.com/office/drawing/2010/main" xmlns="">
+                  <a14:imgProps xmlns="" xmlns:a14="http://schemas.microsoft.com/office/drawing/2010/main">
                     <a14:imgLayer r:embed="rId5">
                       <a14:imgEffect>
                         <a14:brightnessContrast bright="13000"/>
@@ -32525,7 +32306,7 @@
                   </a14:imgProps>
                 </a:ext>
                 <a:ext uri="{28A0092B-C50C-407E-A947-70E740481C1C}">
-                  <a14:useLocalDpi xmlns:a14="http://schemas.microsoft.com/office/drawing/2010/main" xmlns="" val="0"/>
+                  <a14:useLocalDpi xmlns="" xmlns:a14="http://schemas.microsoft.com/office/drawing/2010/main" val="0"/>
                 </a:ext>
               </a:extLst>
             </a:blip>
@@ -32555,7 +32336,7 @@
             <a:blip r:embed="rId6" cstate="print">
               <a:extLst>
                 <a:ext uri="{BEBA8EAE-BF5A-486C-A8C5-ECC9F3942E4B}">
-                  <a14:imgProps xmlns:a14="http://schemas.microsoft.com/office/drawing/2010/main" xmlns="">
+                  <a14:imgProps xmlns="" xmlns:a14="http://schemas.microsoft.com/office/drawing/2010/main">
                     <a14:imgLayer r:embed="rId7">
                       <a14:imgEffect>
                         <a14:brightnessContrast bright="37000"/>
@@ -32564,7 +32345,7 @@
                   </a14:imgProps>
                 </a:ext>
                 <a:ext uri="{28A0092B-C50C-407E-A947-70E740481C1C}">
-                  <a14:useLocalDpi xmlns:a14="http://schemas.microsoft.com/office/drawing/2010/main" xmlns="" val="0"/>
+                  <a14:useLocalDpi xmlns="" xmlns:a14="http://schemas.microsoft.com/office/drawing/2010/main" val="0"/>
                 </a:ext>
               </a:extLst>
             </a:blip>
@@ -32588,7 +32369,7 @@
           <p:cNvPr id="4" name="Title 3">
             <a:extLst>
               <a:ext uri="{FF2B5EF4-FFF2-40B4-BE49-F238E27FC236}">
-                <a16:creationId xmlns:a16="http://schemas.microsoft.com/office/drawing/2014/main" xmlns="" id="{84B15084-1EDB-45FA-849F-A9E6D1C9F87D}"/>
+                <a16:creationId xmlns="" xmlns:a16="http://schemas.microsoft.com/office/drawing/2014/main" id="{84B15084-1EDB-45FA-849F-A9E6D1C9F87D}"/>
               </a:ext>
             </a:extLst>
           </p:cNvPr>
@@ -32617,7 +32398,7 @@
           <p:cNvPr id="7" name="Subtitle 6">
             <a:extLst>
               <a:ext uri="{FF2B5EF4-FFF2-40B4-BE49-F238E27FC236}">
-                <a16:creationId xmlns:a16="http://schemas.microsoft.com/office/drawing/2014/main" xmlns="" id="{B164C44A-7219-435E-914F-0B59FC8DBFCA}"/>
+                <a16:creationId xmlns="" xmlns:a16="http://schemas.microsoft.com/office/drawing/2014/main" id="{B164C44A-7219-435E-914F-0B59FC8DBFCA}"/>
               </a:ext>
             </a:extLst>
           </p:cNvPr>
@@ -32644,7 +32425,7 @@
     </p:spTree>
     <p:extLst>
       <p:ext uri="{BB962C8B-B14F-4D97-AF65-F5344CB8AC3E}">
-        <p14:creationId xmlns:p14="http://schemas.microsoft.com/office/powerpoint/2010/main" xmlns="" val="969028049"/>
+        <p14:creationId xmlns="" xmlns:p14="http://schemas.microsoft.com/office/powerpoint/2010/main" val="969028049"/>
       </p:ext>
     </p:extLst>
   </p:cSld>
@@ -32652,7 +32433,7 @@
     <a:masterClrMapping/>
   </p:clrMapOvr>
   <mc:AlternateContent xmlns:mc="http://schemas.openxmlformats.org/markup-compatibility/2006">
-    <mc:Choice xmlns:p14="http://schemas.microsoft.com/office/powerpoint/2010/main" xmlns="" Requires="p14">
+    <mc:Choice xmlns="" xmlns:p14="http://schemas.microsoft.com/office/powerpoint/2010/main" Requires="p14">
       <p:transition spd="slow" p14:dur="2000" advClick="0" advTm="5000"/>
     </mc:Choice>
     <mc:Fallback>
@@ -32691,7 +32472,7 @@
           <p:cNvPr id="9" name="Content Placeholder 8">
             <a:extLst>
               <a:ext uri="{FF2B5EF4-FFF2-40B4-BE49-F238E27FC236}">
-                <a16:creationId xmlns:a16="http://schemas.microsoft.com/office/drawing/2014/main" xmlns="" id="{174334DD-7BAB-4A22-AE78-E4D6B4A60AD0}"/>
+                <a16:creationId xmlns="" xmlns:a16="http://schemas.microsoft.com/office/drawing/2014/main" id="{174334DD-7BAB-4A22-AE78-E4D6B4A60AD0}"/>
               </a:ext>
             </a:extLst>
           </p:cNvPr>
@@ -32765,14 +32546,14 @@
                 <a:gridCol w="1704814">
                   <a:extLst>
                     <a:ext uri="{9D8B030D-6E8A-4147-A177-3AD203B41FA5}">
-                      <a16:colId xmlns:a16="http://schemas.microsoft.com/office/drawing/2014/main" xmlns="" val="1594468805"/>
+                      <a16:colId xmlns="" xmlns:a16="http://schemas.microsoft.com/office/drawing/2014/main" val="1594468805"/>
                     </a:ext>
                   </a:extLst>
                 </a:gridCol>
                 <a:gridCol w="2486186">
                   <a:extLst>
                     <a:ext uri="{9D8B030D-6E8A-4147-A177-3AD203B41FA5}">
-                      <a16:colId xmlns:a16="http://schemas.microsoft.com/office/drawing/2014/main" xmlns="" val="683614382"/>
+                      <a16:colId xmlns="" xmlns:a16="http://schemas.microsoft.com/office/drawing/2014/main" val="683614382"/>
                     </a:ext>
                   </a:extLst>
                 </a:gridCol>
@@ -32835,7 +32616,7 @@
                 </a:tc>
                 <a:extLst>
                   <a:ext uri="{0D108BD9-81ED-4DB2-BD59-A6C34878D82A}">
-                    <a16:rowId xmlns:a16="http://schemas.microsoft.com/office/drawing/2014/main" xmlns="" val="1969825376"/>
+                    <a16:rowId xmlns="" xmlns:a16="http://schemas.microsoft.com/office/drawing/2014/main" val="1969825376"/>
                   </a:ext>
                 </a:extLst>
               </a:tr>
@@ -32884,7 +32665,7 @@
                 </a:tc>
                 <a:extLst>
                   <a:ext uri="{0D108BD9-81ED-4DB2-BD59-A6C34878D82A}">
-                    <a16:rowId xmlns:a16="http://schemas.microsoft.com/office/drawing/2014/main" xmlns="" val="2845318136"/>
+                    <a16:rowId xmlns="" xmlns:a16="http://schemas.microsoft.com/office/drawing/2014/main" val="2845318136"/>
                   </a:ext>
                 </a:extLst>
               </a:tr>
@@ -32933,7 +32714,7 @@
                 </a:tc>
                 <a:extLst>
                   <a:ext uri="{0D108BD9-81ED-4DB2-BD59-A6C34878D82A}">
-                    <a16:rowId xmlns:a16="http://schemas.microsoft.com/office/drawing/2014/main" xmlns="" val="2968156586"/>
+                    <a16:rowId xmlns="" xmlns:a16="http://schemas.microsoft.com/office/drawing/2014/main" val="2968156586"/>
                   </a:ext>
                 </a:extLst>
               </a:tr>
@@ -32982,7 +32763,7 @@
                 </a:tc>
                 <a:extLst>
                   <a:ext uri="{0D108BD9-81ED-4DB2-BD59-A6C34878D82A}">
-                    <a16:rowId xmlns:a16="http://schemas.microsoft.com/office/drawing/2014/main" xmlns="" val="1476753229"/>
+                    <a16:rowId xmlns="" xmlns:a16="http://schemas.microsoft.com/office/drawing/2014/main" val="1476753229"/>
                   </a:ext>
                 </a:extLst>
               </a:tr>
@@ -33041,14 +32822,14 @@
                 <a:gridCol w="2590800">
                   <a:extLst>
                     <a:ext uri="{9D8B030D-6E8A-4147-A177-3AD203B41FA5}">
-                      <a16:colId xmlns:a16="http://schemas.microsoft.com/office/drawing/2014/main" xmlns="" val="1594468805"/>
+                      <a16:colId xmlns="" xmlns:a16="http://schemas.microsoft.com/office/drawing/2014/main" val="1594468805"/>
                     </a:ext>
                   </a:extLst>
                 </a:gridCol>
                 <a:gridCol w="1600200">
                   <a:extLst>
                     <a:ext uri="{9D8B030D-6E8A-4147-A177-3AD203B41FA5}">
-                      <a16:colId xmlns:a16="http://schemas.microsoft.com/office/drawing/2014/main" xmlns="" val="683614382"/>
+                      <a16:colId xmlns="" xmlns:a16="http://schemas.microsoft.com/office/drawing/2014/main" val="683614382"/>
                     </a:ext>
                   </a:extLst>
                 </a:gridCol>
@@ -33094,7 +32875,7 @@
                 </a:tc>
                 <a:extLst>
                   <a:ext uri="{0D108BD9-81ED-4DB2-BD59-A6C34878D82A}">
-                    <a16:rowId xmlns:a16="http://schemas.microsoft.com/office/drawing/2014/main" xmlns="" val="1969825376"/>
+                    <a16:rowId xmlns="" xmlns:a16="http://schemas.microsoft.com/office/drawing/2014/main" val="1969825376"/>
                   </a:ext>
                 </a:extLst>
               </a:tr>
@@ -33143,7 +32924,7 @@
                 </a:tc>
                 <a:extLst>
                   <a:ext uri="{0D108BD9-81ED-4DB2-BD59-A6C34878D82A}">
-                    <a16:rowId xmlns:a16="http://schemas.microsoft.com/office/drawing/2014/main" xmlns="" val="2845318136"/>
+                    <a16:rowId xmlns="" xmlns:a16="http://schemas.microsoft.com/office/drawing/2014/main" val="2845318136"/>
                   </a:ext>
                 </a:extLst>
               </a:tr>
@@ -33524,7 +33305,7 @@
           <p:cNvPr id="17" name="Slide Number">
             <a:extLst>
               <a:ext uri="{FF2B5EF4-FFF2-40B4-BE49-F238E27FC236}">
-                <a16:creationId xmlns:a16="http://schemas.microsoft.com/office/drawing/2014/main" xmlns="" id="{8557AFEC-E42F-4557-92F7-7DA53E20272D}"/>
+                <a16:creationId xmlns="" xmlns:a16="http://schemas.microsoft.com/office/drawing/2014/main" id="{8557AFEC-E42F-4557-92F7-7DA53E20272D}"/>
               </a:ext>
             </a:extLst>
           </p:cNvPr>
@@ -33652,7 +33433,7 @@
     </p:spTree>
     <p:extLst>
       <p:ext uri="{BB962C8B-B14F-4D97-AF65-F5344CB8AC3E}">
-        <p14:creationId xmlns:p14="http://schemas.microsoft.com/office/powerpoint/2010/main" xmlns="" val="826980726"/>
+        <p14:creationId xmlns="" xmlns:p14="http://schemas.microsoft.com/office/powerpoint/2010/main" val="826980726"/>
       </p:ext>
     </p:extLst>
   </p:cSld>
@@ -33660,7 +33441,7 @@
     <a:masterClrMapping/>
   </p:clrMapOvr>
   <mc:AlternateContent xmlns:mc="http://schemas.openxmlformats.org/markup-compatibility/2006">
-    <mc:Choice xmlns:p14="http://schemas.microsoft.com/office/powerpoint/2010/main" xmlns="" Requires="p14">
+    <mc:Choice xmlns="" xmlns:p14="http://schemas.microsoft.com/office/powerpoint/2010/main" Requires="p14">
       <p:transition spd="slow" p14:dur="2000" advClick="0" advTm="5000"/>
     </mc:Choice>
     <mc:Fallback>
@@ -34239,7 +34020,7 @@
   <a:extraClrSchemeLst/>
   <a:extLst>
     <a:ext uri="{05A4C25C-085E-4340-85A3-A5531E510DB2}">
-      <thm15:themeFamily xmlns="" xmlns:thm15="http://schemas.microsoft.com/office/thememl/2012/main" name="SoftUni" id="{D61FAD9B-6E74-4E03-BFE4-B363D484F1DA}" vid="{7089C1A3-635B-4B03-A017-DAF10A3A396B}"/>
+      <thm15:themeFamily xmlns:thm15="http://schemas.microsoft.com/office/thememl/2012/main" xmlns="" name="SoftUni" id="{D61FAD9B-6E74-4E03-BFE4-B363D484F1DA}" vid="{7089C1A3-635B-4B03-A017-DAF10A3A396B}"/>
     </a:ext>
   </a:extLst>
 </a:theme>
@@ -34534,7 +34315,7 @@
   <a:extraClrSchemeLst/>
   <a:extLst>
     <a:ext uri="{05A4C25C-085E-4340-85A3-A5531E510DB2}">
-      <thm15:themeFamily xmlns="" xmlns:thm15="http://schemas.microsoft.com/office/thememl/2012/main" name="Office Theme" id="{62F939B6-93AF-4DB8-9C6B-D6C7DFDC589F}" vid="{4A3C46E8-61CC-4603-A589-7422A47A8E4A}"/>
+      <thm15:themeFamily xmlns:thm15="http://schemas.microsoft.com/office/thememl/2012/main" xmlns="" name="Office Theme" id="{62F939B6-93AF-4DB8-9C6B-D6C7DFDC589F}" vid="{4A3C46E8-61CC-4603-A589-7422A47A8E4A}"/>
     </a:ext>
   </a:extLst>
 </a:theme>
@@ -34829,19 +34610,16 @@
   <a:extraClrSchemeLst/>
   <a:extLst>
     <a:ext uri="{05A4C25C-085E-4340-85A3-A5531E510DB2}">
-      <thm15:themeFamily xmlns="" xmlns:thm15="http://schemas.microsoft.com/office/thememl/2012/main" name="Office Theme" id="{62F939B6-93AF-4DB8-9C6B-D6C7DFDC589F}" vid="{4A3C46E8-61CC-4603-A589-7422A47A8E4A}"/>
+      <thm15:themeFamily xmlns:thm15="http://schemas.microsoft.com/office/thememl/2012/main" xmlns="" name="Office Theme" id="{62F939B6-93AF-4DB8-9C6B-D6C7DFDC589F}" vid="{4A3C46E8-61CC-4603-A589-7422A47A8E4A}"/>
     </a:ext>
   </a:extLst>
 </a:theme>
 </file>
 
 <file path=customXml/item1.xml><?xml version="1.0" encoding="utf-8"?>
-<?mso-contentType ?>
-<FormTemplates xmlns="http://schemas.microsoft.com/sharepoint/v3/contenttype/forms">
-  <Display>DocumentLibraryForm</Display>
-  <Edit>DocumentLibraryForm</Edit>
-  <New>DocumentLibraryForm</New>
-</FormTemplates>
+<p:properties xmlns:p="http://schemas.microsoft.com/office/2006/metadata/properties" xmlns:xsi="http://www.w3.org/2001/XMLSchema-instance" xmlns:pc="http://schemas.microsoft.com/office/infopath/2007/PartnerControls">
+  <documentManagement/>
+</p:properties>
 </file>
 
 <file path=customXml/item2.xml><?xml version="1.0" encoding="utf-8"?>
@@ -35017,15 +34795,26 @@
 </file>
 
 <file path=customXml/item3.xml><?xml version="1.0" encoding="utf-8"?>
-<p:properties xmlns:p="http://schemas.microsoft.com/office/2006/metadata/properties" xmlns:xsi="http://www.w3.org/2001/XMLSchema-instance" xmlns:pc="http://schemas.microsoft.com/office/infopath/2007/PartnerControls">
-  <documentManagement/>
-</p:properties>
+<?mso-contentType ?>
+<FormTemplates xmlns="http://schemas.microsoft.com/sharepoint/v3/contenttype/forms">
+  <Display>DocumentLibraryForm</Display>
+  <Edit>DocumentLibraryForm</Edit>
+  <New>DocumentLibraryForm</New>
+</FormTemplates>
 </file>
 
 <file path=customXml/itemProps1.xml><?xml version="1.0" encoding="utf-8"?>
-<ds:datastoreItem xmlns:ds="http://schemas.openxmlformats.org/officeDocument/2006/customXml" ds:itemID="{68A20BEC-F81B-49CD-951D-E62C4BAE7796}">
+<ds:datastoreItem xmlns:ds="http://schemas.openxmlformats.org/officeDocument/2006/customXml" ds:itemID="{5E2F4A33-1866-4BB8-8A35-8D6BDFE8D9F5}">
   <ds:schemaRefs>
-    <ds:schemaRef ds:uri="http://schemas.microsoft.com/sharepoint/v3/contenttype/forms"/>
+    <ds:schemaRef ds:uri="http://schemas.microsoft.com/office/infopath/2007/PartnerControls"/>
+    <ds:schemaRef ds:uri="http://purl.org/dc/dcmitype/"/>
+    <ds:schemaRef ds:uri="http://schemas.microsoft.com/office/2006/documentManagement/types"/>
+    <ds:schemaRef ds:uri="http://schemas.microsoft.com/office/2006/metadata/properties"/>
+    <ds:schemaRef ds:uri="http://www.w3.org/XML/1998/namespace"/>
+    <ds:schemaRef ds:uri="4f985cec-e092-4bcf-a1e1-b816bd0221d8"/>
+    <ds:schemaRef ds:uri="http://schemas.openxmlformats.org/package/2006/metadata/core-properties"/>
+    <ds:schemaRef ds:uri="http://purl.org/dc/terms/"/>
+    <ds:schemaRef ds:uri="http://purl.org/dc/elements/1.1/"/>
   </ds:schemaRefs>
 </ds:datastoreItem>
 </file>
@@ -35049,17 +34838,9 @@
 </file>
 
 <file path=customXml/itemProps3.xml><?xml version="1.0" encoding="utf-8"?>
-<ds:datastoreItem xmlns:ds="http://schemas.openxmlformats.org/officeDocument/2006/customXml" ds:itemID="{5E2F4A33-1866-4BB8-8A35-8D6BDFE8D9F5}">
+<ds:datastoreItem xmlns:ds="http://schemas.openxmlformats.org/officeDocument/2006/customXml" ds:itemID="{68A20BEC-F81B-49CD-951D-E62C4BAE7796}">
   <ds:schemaRefs>
-    <ds:schemaRef ds:uri="http://schemas.microsoft.com/office/infopath/2007/PartnerControls"/>
-    <ds:schemaRef ds:uri="http://purl.org/dc/dcmitype/"/>
-    <ds:schemaRef ds:uri="http://schemas.microsoft.com/office/2006/documentManagement/types"/>
-    <ds:schemaRef ds:uri="http://schemas.microsoft.com/office/2006/metadata/properties"/>
-    <ds:schemaRef ds:uri="http://www.w3.org/XML/1998/namespace"/>
-    <ds:schemaRef ds:uri="4f985cec-e092-4bcf-a1e1-b816bd0221d8"/>
-    <ds:schemaRef ds:uri="http://schemas.openxmlformats.org/package/2006/metadata/core-properties"/>
-    <ds:schemaRef ds:uri="http://purl.org/dc/terms/"/>
-    <ds:schemaRef ds:uri="http://purl.org/dc/elements/1.1/"/>
+    <ds:schemaRef ds:uri="http://schemas.microsoft.com/sharepoint/v3/contenttype/forms"/>
   </ds:schemaRefs>
 </ds:datastoreItem>
 </file>
--- a/Courses/Software-Sciences/Module-3-Databases-New/09-Complex-Joins-and-Subqueries/09-Complex-Joins-and-Subqueries.pptx
+++ b/Courses/Software-Sciences/Module-3-Databases-New/09-Complex-Joins-and-Subqueries/09-Complex-Joins-and-Subqueries.pptx
@@ -138,53 +138,45 @@
   </p:defaultTextStyle>
   <p:extLst>
     <p:ext uri="{521415D9-36F7-43E2-AB2F-B90AF26B5E84}">
-      <p14:sectionLst xmlns:p14="http://schemas.microsoft.com/office/powerpoint/2010/main" xmlns="">
+      <p14:sectionLst xmlns:p14="http://schemas.microsoft.com/office/powerpoint/2010/main">
         <p14:section name="Въведение" id="{A0C7653D-1924-4F56-9E27-AA2B21F1DA92}">
           <p14:sldIdLst>
             <p14:sldId id="503"/>
             <p14:sldId id="276"/>
           </p14:sldIdLst>
         </p14:section>
-        <p14:section name="СУБД" id="{EBC3E842-7998-5F43-BBFF-87388E49A719}">
+        <p14:section name="По-сложни съединения" id="{5B664745-DF56-A046-AE97-86C48A53125B}">
           <p14:sldIdLst>
-            <p14:sldId id="1194"/>
-            <p14:sldId id="1195"/>
-            <p14:sldId id="1227"/>
-            <p14:sldId id="1235"/>
-            <p14:sldId id="1196"/>
-            <p14:sldId id="1228"/>
-            <p14:sldId id="1197"/>
+            <p14:sldId id="509"/>
+            <p14:sldId id="510"/>
+            <p14:sldId id="511"/>
+            <p14:sldId id="512"/>
+            <p14:sldId id="513"/>
           </p14:sldIdLst>
         </p14:section>
-        <p14:section name="Релационни БД" id="{D145CC5F-D1C0-184F-AF84-72E3AD168803}">
+        <p14:section name="Вложени заяки" id="{162FE30C-2486-E347-9BE4-2FA7187691BD}">
           <p14:sldIdLst>
-            <p14:sldId id="1187"/>
-            <p14:sldId id="1188"/>
-            <p14:sldId id="1200"/>
-            <p14:sldId id="1189"/>
-            <p14:sldId id="1190"/>
-            <p14:sldId id="1239"/>
+            <p14:sldId id="504"/>
+            <p14:sldId id="505"/>
+            <p14:sldId id="506"/>
+            <p14:sldId id="507"/>
+            <p14:sldId id="508"/>
           </p14:sldIdLst>
         </p14:section>
-        <p14:section name="Нерелационни БД" id="{7DA79837-E897-6E49-90FA-689AE7C9F96F}">
+        <p14:section name="Обединение, сечение, разлика и деление" id="{E5201E23-AC2B-294B-9E28-8D7A0FC2A4CF}">
           <p14:sldIdLst>
-            <p14:sldId id="1236"/>
-            <p14:sldId id="1237"/>
-            <p14:sldId id="1238"/>
-          </p14:sldIdLst>
-        </p14:section>
-        <p14:section name="Типове данни" id="{0B96C509-419C-8042-92C9-F603B5607D8D}">
-          <p14:sldIdLst>
-            <p14:sldId id="1229"/>
-            <p14:sldId id="1230"/>
-            <p14:sldId id="1231"/>
-            <p14:sldId id="1232"/>
-            <p14:sldId id="1233"/>
-          </p14:sldIdLst>
-        </p14:section>
-        <p14:section name="Демо" id="{9F544E76-CAFC-3048-9F59-F751DF1CDD4E}">
-          <p14:sldIdLst>
-            <p14:sldId id="1234"/>
+            <p14:sldId id="514"/>
+            <p14:sldId id="515"/>
+            <p14:sldId id="516"/>
+            <p14:sldId id="517"/>
+            <p14:sldId id="518"/>
+            <p14:sldId id="519"/>
+            <p14:sldId id="520"/>
+            <p14:sldId id="521"/>
+            <p14:sldId id="522"/>
+            <p14:sldId id="523"/>
+            <p14:sldId id="524"/>
+            <p14:sldId id="526"/>
           </p14:sldIdLst>
         </p14:section>
         <p14:section name="Обобщение" id="{E19D07F1-86E2-47E9-B2AB-7ADC4F89DC12}">
@@ -197,7 +189,7 @@
       </p14:sectionLst>
     </p:ext>
     <p:ext uri="{EFAFB233-063F-42B5-8137-9DF3F51BA10A}">
-      <p15:sldGuideLst xmlns:p15="http://schemas.microsoft.com/office/powerpoint/2012/main" xmlns="">
+      <p15:sldGuideLst xmlns:p15="http://schemas.microsoft.com/office/powerpoint/2012/main">
         <p15:guide id="1" orient="horz" pos="2184" userDrawn="1">
           <p15:clr>
             <a:srgbClr val="A4A3A4"/>
@@ -211,7 +203,7 @@
       </p15:sldGuideLst>
     </p:ext>
     <p:ext uri="{2D200454-40CA-4A62-9FC3-DE9A4176ACB9}">
-      <p15:notesGuideLst xmlns:p15="http://schemas.microsoft.com/office/powerpoint/2012/main" xmlns=""/>
+      <p15:notesGuideLst xmlns:p15="http://schemas.microsoft.com/office/powerpoint/2012/main"/>
     </p:ext>
   </p:extLst>
 </p:presentation>
@@ -244,7 +236,7 @@
           <p:cNvPr id="2" name="Header Placeholder 1">
             <a:extLst>
               <a:ext uri="{FF2B5EF4-FFF2-40B4-BE49-F238E27FC236}">
-                <a16:creationId xmlns:a16="http://schemas.microsoft.com/office/drawing/2014/main" xmlns="" id="{56F20103-83CC-4A54-8FDE-9D37FC2629C0}"/>
+                <a16:creationId xmlns:a16="http://schemas.microsoft.com/office/drawing/2014/main" id="{56F20103-83CC-4A54-8FDE-9D37FC2629C0}"/>
               </a:ext>
             </a:extLst>
           </p:cNvPr>
@@ -281,7 +273,7 @@
           <p:cNvPr id="3" name="Date Placeholder 2">
             <a:extLst>
               <a:ext uri="{FF2B5EF4-FFF2-40B4-BE49-F238E27FC236}">
-                <a16:creationId xmlns:a16="http://schemas.microsoft.com/office/drawing/2014/main" xmlns="" id="{27A53962-26EF-44E4-9E69-61B1727AB1C2}"/>
+                <a16:creationId xmlns:a16="http://schemas.microsoft.com/office/drawing/2014/main" id="{27A53962-26EF-44E4-9E69-61B1727AB1C2}"/>
               </a:ext>
             </a:extLst>
           </p:cNvPr>
@@ -312,7 +304,7 @@
             <a:fld id="{4E087215-0C8F-4762-A664-737A353EC9A4}" type="datetimeFigureOut">
               <a:rPr lang="bg-BG" smtClean="0"/>
               <a:pPr/>
-              <a:t>25.8.2023 г.</a:t>
+              <a:t>28.08.23 г.</a:t>
             </a:fld>
             <a:endParaRPr lang="bg-BG" dirty="0"/>
           </a:p>
@@ -323,7 +315,7 @@
           <p:cNvPr id="4" name="Footer Placeholder 3">
             <a:extLst>
               <a:ext uri="{FF2B5EF4-FFF2-40B4-BE49-F238E27FC236}">
-                <a16:creationId xmlns:a16="http://schemas.microsoft.com/office/drawing/2014/main" xmlns="" id="{28A6967E-448F-4887-8FCB-34482EFBCC74}"/>
+                <a16:creationId xmlns:a16="http://schemas.microsoft.com/office/drawing/2014/main" id="{28A6967E-448F-4887-8FCB-34482EFBCC74}"/>
               </a:ext>
             </a:extLst>
           </p:cNvPr>
@@ -373,7 +365,7 @@
           <p:cNvPr id="5" name="Slide Number Placeholder 4">
             <a:extLst>
               <a:ext uri="{FF2B5EF4-FFF2-40B4-BE49-F238E27FC236}">
-                <a16:creationId xmlns:a16="http://schemas.microsoft.com/office/drawing/2014/main" xmlns="" id="{8B6554C2-DDBA-40E2-9536-53A07EC50274}"/>
+                <a16:creationId xmlns:a16="http://schemas.microsoft.com/office/drawing/2014/main" id="{8B6554C2-DDBA-40E2-9536-53A07EC50274}"/>
               </a:ext>
             </a:extLst>
           </p:cNvPr>
@@ -413,7 +405,7 @@
     </p:spTree>
     <p:extLst>
       <p:ext uri="{BB962C8B-B14F-4D97-AF65-F5344CB8AC3E}">
-        <p14:creationId xmlns:p14="http://schemas.microsoft.com/office/powerpoint/2010/main" xmlns="" val="4150602968"/>
+        <p14:creationId xmlns:p14="http://schemas.microsoft.com/office/powerpoint/2010/main" val="4150602968"/>
       </p:ext>
     </p:extLst>
   </p:cSld>
@@ -505,7 +497,7 @@
             <a:fld id="{72D84649-876A-46C9-8472-14CB09C070D8}" type="datetimeFigureOut">
               <a:rPr lang="en-US" smtClean="0"/>
               <a:pPr/>
-              <a:t>8/25/2023</a:t>
+              <a:t>8/28/23</a:t>
             </a:fld>
             <a:endParaRPr lang="en-US" dirty="0"/>
           </a:p>
@@ -644,7 +636,7 @@
           <p:cNvPr id="8" name="Footer Placeholder 7">
             <a:extLst>
               <a:ext uri="{FF2B5EF4-FFF2-40B4-BE49-F238E27FC236}">
-                <a16:creationId xmlns:a16="http://schemas.microsoft.com/office/drawing/2014/main" xmlns="" id="{CAC3A49B-3196-44DF-AC28-085C72EFBFF0}"/>
+                <a16:creationId xmlns:a16="http://schemas.microsoft.com/office/drawing/2014/main" id="{CAC3A49B-3196-44DF-AC28-085C72EFBFF0}"/>
               </a:ext>
             </a:extLst>
           </p:cNvPr>
@@ -692,7 +684,7 @@
     </p:spTree>
     <p:extLst>
       <p:ext uri="{BB962C8B-B14F-4D97-AF65-F5344CB8AC3E}">
-        <p14:creationId xmlns:p14="http://schemas.microsoft.com/office/powerpoint/2010/main" xmlns="" val="1530847692"/>
+        <p14:creationId xmlns:p14="http://schemas.microsoft.com/office/powerpoint/2010/main" val="1530847692"/>
       </p:ext>
     </p:extLst>
   </p:cSld>
@@ -839,7 +831,7 @@
           <p:cNvPr id="8" name="Slide Image Placeholder 7">
             <a:extLst>
               <a:ext uri="{FF2B5EF4-FFF2-40B4-BE49-F238E27FC236}">
-                <a16:creationId xmlns:a16="http://schemas.microsoft.com/office/drawing/2014/main" xmlns="" id="{78811095-27E9-49AB-972B-D4E20B3963A6}"/>
+                <a16:creationId xmlns:a16="http://schemas.microsoft.com/office/drawing/2014/main" id="{78811095-27E9-49AB-972B-D4E20B3963A6}"/>
               </a:ext>
             </a:extLst>
           </p:cNvPr>
@@ -857,7 +849,7 @@
           <p:cNvPr id="9" name="Notes Placeholder 8">
             <a:extLst>
               <a:ext uri="{FF2B5EF4-FFF2-40B4-BE49-F238E27FC236}">
-                <a16:creationId xmlns:a16="http://schemas.microsoft.com/office/drawing/2014/main" xmlns="" id="{E923224B-0CC3-475A-8628-8A90751AE61A}"/>
+                <a16:creationId xmlns:a16="http://schemas.microsoft.com/office/drawing/2014/main" id="{E923224B-0CC3-475A-8628-8A90751AE61A}"/>
               </a:ext>
             </a:extLst>
           </p:cNvPr>
@@ -882,7 +874,7 @@
           <p:cNvPr id="2" name="Footer Placeholder 1">
             <a:extLst>
               <a:ext uri="{FF2B5EF4-FFF2-40B4-BE49-F238E27FC236}">
-                <a16:creationId xmlns:a16="http://schemas.microsoft.com/office/drawing/2014/main" xmlns="" id="{3288A3F3-90B1-4930-8D00-5603BDABEF10}"/>
+                <a16:creationId xmlns:a16="http://schemas.microsoft.com/office/drawing/2014/main" id="{3288A3F3-90B1-4930-8D00-5603BDABEF10}"/>
               </a:ext>
             </a:extLst>
           </p:cNvPr>
@@ -918,7 +910,7 @@
     </p:spTree>
     <p:extLst>
       <p:ext uri="{BB962C8B-B14F-4D97-AF65-F5344CB8AC3E}">
-        <p14:creationId xmlns:p14="http://schemas.microsoft.com/office/powerpoint/2010/main" xmlns="" val="2594489433"/>
+        <p14:creationId xmlns:p14="http://schemas.microsoft.com/office/powerpoint/2010/main" val="2594489433"/>
       </p:ext>
     </p:extLst>
   </p:cSld>
@@ -1018,17 +1010,17 @@
           <a:lstStyle/>
           <a:p>
             <a:r>
-              <a:rPr lang="en-US" smtClean="0"/>
+              <a:rPr lang="en-US"/>
               <a:t>© SoftUni – </a:t>
             </a:r>
             <a:r>
-              <a:rPr lang="en-US" u="sng" smtClean="0">
+              <a:rPr lang="en-US" u="sng">
                 <a:hlinkClick r:id="rId3"/>
               </a:rPr>
               <a:t>https://softuni.org</a:t>
             </a:r>
             <a:r>
-              <a:rPr lang="en-US" smtClean="0"/>
+              <a:rPr lang="en-US"/>
               <a:t>. Copyrighted document. Unauthorized copy or reproduction is not permitted.</a:t>
             </a:r>
             <a:endParaRPr lang="en-US" dirty="0"/>
@@ -1133,17 +1125,17 @@
           <a:lstStyle/>
           <a:p>
             <a:r>
-              <a:rPr lang="en-US" smtClean="0"/>
+              <a:rPr lang="en-US"/>
               <a:t>© SoftUni – </a:t>
             </a:r>
             <a:r>
-              <a:rPr lang="en-US" u="sng" smtClean="0">
+              <a:rPr lang="en-US" u="sng">
                 <a:hlinkClick r:id="rId3"/>
               </a:rPr>
               <a:t>https://softuni.org</a:t>
             </a:r>
             <a:r>
-              <a:rPr lang="en-US" smtClean="0"/>
+              <a:rPr lang="en-US"/>
               <a:t>. Copyrighted document. Unauthorized copy or reproduction is not permitted.</a:t>
             </a:r>
             <a:endParaRPr lang="en-US" dirty="0"/>
@@ -1211,7 +1203,7 @@
           <p:cNvPr id="7" name="Slide Number Placeholder 5">
             <a:extLst>
               <a:ext uri="{FF2B5EF4-FFF2-40B4-BE49-F238E27FC236}">
-                <a16:creationId xmlns:a16="http://schemas.microsoft.com/office/drawing/2014/main" xmlns="" id="{E65F1CA9-65DC-416B-8882-B3A5E415CE67}"/>
+                <a16:creationId xmlns:a16="http://schemas.microsoft.com/office/drawing/2014/main" id="{E65F1CA9-65DC-416B-8882-B3A5E415CE67}"/>
               </a:ext>
             </a:extLst>
           </p:cNvPr>
@@ -1341,7 +1333,7 @@
           <p:cNvPr id="4" name="Footer Placeholder 3">
             <a:extLst>
               <a:ext uri="{FF2B5EF4-FFF2-40B4-BE49-F238E27FC236}">
-                <a16:creationId xmlns:a16="http://schemas.microsoft.com/office/drawing/2014/main" xmlns="" id="{C5BD11C3-9FCD-4EAE-876D-E766924FAFF2}"/>
+                <a16:creationId xmlns:a16="http://schemas.microsoft.com/office/drawing/2014/main" id="{C5BD11C3-9FCD-4EAE-876D-E766924FAFF2}"/>
               </a:ext>
             </a:extLst>
           </p:cNvPr>
@@ -1377,7 +1369,7 @@
     </p:spTree>
     <p:extLst>
       <p:ext uri="{BB962C8B-B14F-4D97-AF65-F5344CB8AC3E}">
-        <p14:creationId xmlns:p14="http://schemas.microsoft.com/office/powerpoint/2010/main" xmlns="" val="1860974293"/>
+        <p14:creationId xmlns:p14="http://schemas.microsoft.com/office/powerpoint/2010/main" val="1860974293"/>
       </p:ext>
     </p:extLst>
   </p:cSld>
@@ -1462,7 +1454,7 @@
     </p:spTree>
     <p:extLst>
       <p:ext uri="{BB962C8B-B14F-4D97-AF65-F5344CB8AC3E}">
-        <p14:creationId xmlns:p14="http://schemas.microsoft.com/office/powerpoint/2010/main" xmlns="" val="1201445929"/>
+        <p14:creationId xmlns:p14="http://schemas.microsoft.com/office/powerpoint/2010/main" val="1201445929"/>
       </p:ext>
     </p:extLst>
   </p:cSld>
@@ -1525,7 +1517,7 @@
           <p:cNvPr id="6" name="Slide Number Placeholder 5">
             <a:extLst>
               <a:ext uri="{FF2B5EF4-FFF2-40B4-BE49-F238E27FC236}">
-                <a16:creationId xmlns:a16="http://schemas.microsoft.com/office/drawing/2014/main" xmlns="" id="{6627548A-4D3C-449B-81A5-FA4BE4628490}"/>
+                <a16:creationId xmlns:a16="http://schemas.microsoft.com/office/drawing/2014/main" id="{6627548A-4D3C-449B-81A5-FA4BE4628490}"/>
               </a:ext>
             </a:extLst>
           </p:cNvPr>
@@ -1655,7 +1647,7 @@
           <p:cNvPr id="4" name="Footer Placeholder 3">
             <a:extLst>
               <a:ext uri="{FF2B5EF4-FFF2-40B4-BE49-F238E27FC236}">
-                <a16:creationId xmlns:a16="http://schemas.microsoft.com/office/drawing/2014/main" xmlns="" id="{D2472CE7-61C1-4B7B-B0C8-5A45F0178717}"/>
+                <a16:creationId xmlns:a16="http://schemas.microsoft.com/office/drawing/2014/main" id="{D2472CE7-61C1-4B7B-B0C8-5A45F0178717}"/>
               </a:ext>
             </a:extLst>
           </p:cNvPr>
@@ -1691,7 +1683,7 @@
     </p:spTree>
     <p:extLst>
       <p:ext uri="{BB962C8B-B14F-4D97-AF65-F5344CB8AC3E}">
-        <p14:creationId xmlns:p14="http://schemas.microsoft.com/office/powerpoint/2010/main" xmlns="" val="729041308"/>
+        <p14:creationId xmlns:p14="http://schemas.microsoft.com/office/powerpoint/2010/main" val="729041308"/>
       </p:ext>
     </p:extLst>
   </p:cSld>
@@ -1723,7 +1715,7 @@
           <p:cNvPr id="14" name="Slide Image Placeholder 13">
             <a:extLst>
               <a:ext uri="{FF2B5EF4-FFF2-40B4-BE49-F238E27FC236}">
-                <a16:creationId xmlns:a16="http://schemas.microsoft.com/office/drawing/2014/main" xmlns="" id="{A1F0B3C6-2E53-4CA3-86D1-53D46EC35267}"/>
+                <a16:creationId xmlns:a16="http://schemas.microsoft.com/office/drawing/2014/main" id="{A1F0B3C6-2E53-4CA3-86D1-53D46EC35267}"/>
               </a:ext>
             </a:extLst>
           </p:cNvPr>
@@ -1741,7 +1733,7 @@
           <p:cNvPr id="15" name="Notes Placeholder 14">
             <a:extLst>
               <a:ext uri="{FF2B5EF4-FFF2-40B4-BE49-F238E27FC236}">
-                <a16:creationId xmlns:a16="http://schemas.microsoft.com/office/drawing/2014/main" xmlns="" id="{149CC699-A079-49A5-A4D6-73B7F849A7DC}"/>
+                <a16:creationId xmlns:a16="http://schemas.microsoft.com/office/drawing/2014/main" id="{149CC699-A079-49A5-A4D6-73B7F849A7DC}"/>
               </a:ext>
             </a:extLst>
           </p:cNvPr>
@@ -1766,7 +1758,7 @@
           <p:cNvPr id="19" name="Slide Number Placeholder 5">
             <a:extLst>
               <a:ext uri="{FF2B5EF4-FFF2-40B4-BE49-F238E27FC236}">
-                <a16:creationId xmlns:a16="http://schemas.microsoft.com/office/drawing/2014/main" xmlns="" id="{121F4233-7E9A-40D2-9066-2DB14E2FA5AD}"/>
+                <a16:creationId xmlns:a16="http://schemas.microsoft.com/office/drawing/2014/main" id="{121F4233-7E9A-40D2-9066-2DB14E2FA5AD}"/>
               </a:ext>
             </a:extLst>
           </p:cNvPr>
@@ -1896,7 +1888,7 @@
           <p:cNvPr id="2" name="Footer Placeholder 1">
             <a:extLst>
               <a:ext uri="{FF2B5EF4-FFF2-40B4-BE49-F238E27FC236}">
-                <a16:creationId xmlns:a16="http://schemas.microsoft.com/office/drawing/2014/main" xmlns="" id="{D18F1DFF-B3E7-4ABF-97EE-0BBF3A961EC5}"/>
+                <a16:creationId xmlns:a16="http://schemas.microsoft.com/office/drawing/2014/main" id="{D18F1DFF-B3E7-4ABF-97EE-0BBF3A961EC5}"/>
               </a:ext>
             </a:extLst>
           </p:cNvPr>
@@ -1932,7 +1924,7 @@
     </p:spTree>
     <p:extLst>
       <p:ext uri="{BB962C8B-B14F-4D97-AF65-F5344CB8AC3E}">
-        <p14:creationId xmlns:p14="http://schemas.microsoft.com/office/powerpoint/2010/main" xmlns="" val="4028530743"/>
+        <p14:creationId xmlns:p14="http://schemas.microsoft.com/office/powerpoint/2010/main" val="4028530743"/>
       </p:ext>
     </p:extLst>
   </p:cSld>
@@ -2032,7 +2024,7 @@
           <p:cNvPr id="7" name="Footer Placeholder 7">
             <a:extLst>
               <a:ext uri="{FF2B5EF4-FFF2-40B4-BE49-F238E27FC236}">
-                <a16:creationId xmlns="" xmlns:a16="http://schemas.microsoft.com/office/drawing/2014/main" id="{56AA1182-9AB1-4D3A-8BB9-912E8B62BF2A}"/>
+                <a16:creationId xmlns:a16="http://schemas.microsoft.com/office/drawing/2014/main" id="{56AA1182-9AB1-4D3A-8BB9-912E8B62BF2A}"/>
               </a:ext>
             </a:extLst>
           </p:cNvPr>
@@ -2080,7 +2072,7 @@
     </p:spTree>
     <p:extLst>
       <p:ext uri="{BB962C8B-B14F-4D97-AF65-F5344CB8AC3E}">
-        <p14:creationId xmlns="" xmlns:p14="http://schemas.microsoft.com/office/powerpoint/2010/main" val="1373093975"/>
+        <p14:creationId xmlns:p14="http://schemas.microsoft.com/office/powerpoint/2010/main" val="1373093975"/>
       </p:ext>
     </p:extLst>
   </p:cSld>
@@ -2192,7 +2184,7 @@
           <p:cNvPr id="7" name="Footer Placeholder 7">
             <a:extLst>
               <a:ext uri="{FF2B5EF4-FFF2-40B4-BE49-F238E27FC236}">
-                <a16:creationId xmlns="" xmlns:a16="http://schemas.microsoft.com/office/drawing/2014/main" id="{769F3C2A-6839-40CC-ABF3-ADC3B2083BEC}"/>
+                <a16:creationId xmlns:a16="http://schemas.microsoft.com/office/drawing/2014/main" id="{769F3C2A-6839-40CC-ABF3-ADC3B2083BEC}"/>
               </a:ext>
             </a:extLst>
           </p:cNvPr>
@@ -2240,7 +2232,7 @@
     </p:spTree>
     <p:extLst>
       <p:ext uri="{BB962C8B-B14F-4D97-AF65-F5344CB8AC3E}">
-        <p14:creationId xmlns="" xmlns:p14="http://schemas.microsoft.com/office/powerpoint/2010/main" val="1589677150"/>
+        <p14:creationId xmlns:p14="http://schemas.microsoft.com/office/powerpoint/2010/main" val="1589677150"/>
       </p:ext>
     </p:extLst>
   </p:cSld>
@@ -2327,7 +2319,7 @@
           <p:cNvPr id="7" name="Footer Placeholder 7">
             <a:extLst>
               <a:ext uri="{FF2B5EF4-FFF2-40B4-BE49-F238E27FC236}">
-                <a16:creationId xmlns="" xmlns:a16="http://schemas.microsoft.com/office/drawing/2014/main" id="{67562BF2-0015-4011-80FF-0857D12BC27F}"/>
+                <a16:creationId xmlns:a16="http://schemas.microsoft.com/office/drawing/2014/main" id="{67562BF2-0015-4011-80FF-0857D12BC27F}"/>
               </a:ext>
             </a:extLst>
           </p:cNvPr>
@@ -2375,7 +2367,7 @@
     </p:spTree>
     <p:extLst>
       <p:ext uri="{BB962C8B-B14F-4D97-AF65-F5344CB8AC3E}">
-        <p14:creationId xmlns="" xmlns:p14="http://schemas.microsoft.com/office/powerpoint/2010/main" val="452608540"/>
+        <p14:creationId xmlns:p14="http://schemas.microsoft.com/office/powerpoint/2010/main" val="452608540"/>
       </p:ext>
     </p:extLst>
   </p:cSld>
@@ -2522,7 +2514,7 @@
           <p:cNvPr id="9" name="Footer Placeholder 7">
             <a:extLst>
               <a:ext uri="{FF2B5EF4-FFF2-40B4-BE49-F238E27FC236}">
-                <a16:creationId xmlns="" xmlns:a16="http://schemas.microsoft.com/office/drawing/2014/main" id="{0C9B08B0-F280-4682-AEAC-8DECAB371F64}"/>
+                <a16:creationId xmlns:a16="http://schemas.microsoft.com/office/drawing/2014/main" id="{0C9B08B0-F280-4682-AEAC-8DECAB371F64}"/>
               </a:ext>
             </a:extLst>
           </p:cNvPr>
@@ -2570,7 +2562,7 @@
     </p:spTree>
     <p:extLst>
       <p:ext uri="{BB962C8B-B14F-4D97-AF65-F5344CB8AC3E}">
-        <p14:creationId xmlns="" xmlns:p14="http://schemas.microsoft.com/office/powerpoint/2010/main" val="664285175"/>
+        <p14:creationId xmlns:p14="http://schemas.microsoft.com/office/powerpoint/2010/main" val="664285175"/>
       </p:ext>
     </p:extLst>
   </p:cSld>
@@ -2657,7 +2649,7 @@
           <p:cNvPr id="7" name="Footer Placeholder 7">
             <a:extLst>
               <a:ext uri="{FF2B5EF4-FFF2-40B4-BE49-F238E27FC236}">
-                <a16:creationId xmlns="" xmlns:a16="http://schemas.microsoft.com/office/drawing/2014/main" id="{A628E2D1-3510-4A58-9627-5EDC8B1E2217}"/>
+                <a16:creationId xmlns:a16="http://schemas.microsoft.com/office/drawing/2014/main" id="{A628E2D1-3510-4A58-9627-5EDC8B1E2217}"/>
               </a:ext>
             </a:extLst>
           </p:cNvPr>
@@ -2705,7 +2697,7 @@
     </p:spTree>
     <p:extLst>
       <p:ext uri="{BB962C8B-B14F-4D97-AF65-F5344CB8AC3E}">
-        <p14:creationId xmlns="" xmlns:p14="http://schemas.microsoft.com/office/powerpoint/2010/main" val="3851196914"/>
+        <p14:creationId xmlns:p14="http://schemas.microsoft.com/office/powerpoint/2010/main" val="3851196914"/>
       </p:ext>
     </p:extLst>
   </p:cSld>
@@ -2805,17 +2797,17 @@
           <a:lstStyle/>
           <a:p>
             <a:r>
-              <a:rPr lang="en-US" smtClean="0"/>
+              <a:rPr lang="en-US"/>
               <a:t>© SoftUni – </a:t>
             </a:r>
             <a:r>
-              <a:rPr lang="en-US" u="sng" smtClean="0">
+              <a:rPr lang="en-US" u="sng">
                 <a:hlinkClick r:id="rId3"/>
               </a:rPr>
               <a:t>https://softuni.org</a:t>
             </a:r>
             <a:r>
-              <a:rPr lang="en-US" smtClean="0"/>
+              <a:rPr lang="en-US"/>
               <a:t>. Copyrighted document. Unauthorized copy or reproduction is not permitted.</a:t>
             </a:r>
             <a:endParaRPr lang="en-US" dirty="0"/>
@@ -2920,17 +2912,17 @@
           <a:lstStyle/>
           <a:p>
             <a:r>
-              <a:rPr lang="en-US" smtClean="0"/>
+              <a:rPr lang="en-US"/>
               <a:t>© SoftUni – </a:t>
             </a:r>
             <a:r>
-              <a:rPr lang="en-US" u="sng" smtClean="0">
+              <a:rPr lang="en-US" u="sng">
                 <a:hlinkClick r:id="rId3"/>
               </a:rPr>
               <a:t>https://softuni.org</a:t>
             </a:r>
             <a:r>
-              <a:rPr lang="en-US" smtClean="0"/>
+              <a:rPr lang="en-US"/>
               <a:t>. Copyrighted document. Unauthorized copy or reproduction is not permitted.</a:t>
             </a:r>
             <a:endParaRPr lang="en-US" dirty="0"/>
@@ -2967,7 +2959,7 @@
           <p:cNvPr id="16" name="Rectangle Bottom">
             <a:extLst>
               <a:ext uri="{FF2B5EF4-FFF2-40B4-BE49-F238E27FC236}">
-                <a16:creationId xmlns:a16="http://schemas.microsoft.com/office/drawing/2014/main" xmlns="" id="{6854D183-0374-4B3E-B2CE-32F308A81591}"/>
+                <a16:creationId xmlns:a16="http://schemas.microsoft.com/office/drawing/2014/main" id="{6854D183-0374-4B3E-B2CE-32F308A81591}"/>
               </a:ext>
             </a:extLst>
           </p:cNvPr>
@@ -3048,7 +3040,7 @@
           <p:cNvPr id="14" name="Picture Logo SoftUni" descr="SoftUni logo">
             <a:extLst>
               <a:ext uri="{FF2B5EF4-FFF2-40B4-BE49-F238E27FC236}">
-                <a16:creationId xmlns:a16="http://schemas.microsoft.com/office/drawing/2014/main" xmlns="" id="{C4D6B2A2-DFF0-4712-BFEC-6676BEC99FEC}"/>
+                <a16:creationId xmlns:a16="http://schemas.microsoft.com/office/drawing/2014/main" id="{C4D6B2A2-DFF0-4712-BFEC-6676BEC99FEC}"/>
               </a:ext>
             </a:extLst>
           </p:cNvPr>
@@ -3071,7 +3063,7 @@
             </a:clrChange>
             <a:extLst>
               <a:ext uri="{28A0092B-C50C-407E-A947-70E740481C1C}">
-                <a14:useLocalDpi xmlns:a14="http://schemas.microsoft.com/office/drawing/2010/main" xmlns="" val="0"/>
+                <a14:useLocalDpi xmlns:a14="http://schemas.microsoft.com/office/drawing/2010/main" val="0"/>
               </a:ext>
             </a:extLst>
           </a:blip>
@@ -3094,7 +3086,7 @@
           <p:cNvPr id="31" name="Text Placeholder Company Site">
             <a:extLst>
               <a:ext uri="{FF2B5EF4-FFF2-40B4-BE49-F238E27FC236}">
-                <a16:creationId xmlns:a16="http://schemas.microsoft.com/office/drawing/2014/main" xmlns="" id="{3E6B87B7-9D33-4EBB-BD4F-C0436BA3FD72}"/>
+                <a16:creationId xmlns:a16="http://schemas.microsoft.com/office/drawing/2014/main" id="{3E6B87B7-9D33-4EBB-BD4F-C0436BA3FD72}"/>
               </a:ext>
             </a:extLst>
           </p:cNvPr>
@@ -3156,7 +3148,7 @@
           <p:cNvPr id="30" name="Text Placeholder Company Name">
             <a:extLst>
               <a:ext uri="{FF2B5EF4-FFF2-40B4-BE49-F238E27FC236}">
-                <a16:creationId xmlns:a16="http://schemas.microsoft.com/office/drawing/2014/main" xmlns="" id="{2EA92DCA-4DB5-4D03-ACD3-A6A296592D0C}"/>
+                <a16:creationId xmlns:a16="http://schemas.microsoft.com/office/drawing/2014/main" id="{2EA92DCA-4DB5-4D03-ACD3-A6A296592D0C}"/>
               </a:ext>
             </a:extLst>
           </p:cNvPr>
@@ -3218,7 +3210,7 @@
           <p:cNvPr id="35" name="Picture SoftUni Mascot" descr="SoftUni mascot">
             <a:extLst>
               <a:ext uri="{FF2B5EF4-FFF2-40B4-BE49-F238E27FC236}">
-                <a16:creationId xmlns:a16="http://schemas.microsoft.com/office/drawing/2014/main" xmlns="" id="{951E7DA9-C5F0-43D9-B013-3BDF9EEF029D}"/>
+                <a16:creationId xmlns:a16="http://schemas.microsoft.com/office/drawing/2014/main" id="{951E7DA9-C5F0-43D9-B013-3BDF9EEF029D}"/>
               </a:ext>
             </a:extLst>
           </p:cNvPr>
@@ -3231,7 +3223,7 @@
           <a:blip r:embed="rId3" cstate="print">
             <a:extLst>
               <a:ext uri="{28A0092B-C50C-407E-A947-70E740481C1C}">
-                <a14:useLocalDpi xmlns:a14="http://schemas.microsoft.com/office/drawing/2010/main" xmlns="" val="0"/>
+                <a14:useLocalDpi xmlns:a14="http://schemas.microsoft.com/office/drawing/2010/main" val="0"/>
               </a:ext>
             </a:extLst>
           </a:blip>
@@ -3254,7 +3246,7 @@
             <a:hlinkClick r:id="rId4"/>
             <a:extLst>
               <a:ext uri="{FF2B5EF4-FFF2-40B4-BE49-F238E27FC236}">
-                <a16:creationId xmlns:a16="http://schemas.microsoft.com/office/drawing/2014/main" xmlns="" id="{F2315EB3-3FE4-4D3B-921E-5F209CEC13CB}"/>
+                <a16:creationId xmlns:a16="http://schemas.microsoft.com/office/drawing/2014/main" id="{F2315EB3-3FE4-4D3B-921E-5F209CEC13CB}"/>
               </a:ext>
             </a:extLst>
           </p:cNvPr>
@@ -3277,7 +3269,7 @@
             </a:clrChange>
             <a:extLst>
               <a:ext uri="{28A0092B-C50C-407E-A947-70E740481C1C}">
-                <a14:useLocalDpi xmlns:a14="http://schemas.microsoft.com/office/drawing/2010/main" xmlns="" val="0"/>
+                <a14:useLocalDpi xmlns:a14="http://schemas.microsoft.com/office/drawing/2010/main" val="0"/>
               </a:ext>
             </a:extLst>
           </a:blip>
@@ -3300,7 +3292,7 @@
           <p:cNvPr id="40" name="Text Placeholder Author Position">
             <a:extLst>
               <a:ext uri="{FF2B5EF4-FFF2-40B4-BE49-F238E27FC236}">
-                <a16:creationId xmlns:a16="http://schemas.microsoft.com/office/drawing/2014/main" xmlns="" id="{CD940256-851E-46C8-8BFB-A5ECA6C7DA07}"/>
+                <a16:creationId xmlns:a16="http://schemas.microsoft.com/office/drawing/2014/main" id="{CD940256-851E-46C8-8BFB-A5ECA6C7DA07}"/>
               </a:ext>
             </a:extLst>
           </p:cNvPr>
@@ -3360,7 +3352,7 @@
           <p:cNvPr id="36" name="Text Placeholder Author Name">
             <a:extLst>
               <a:ext uri="{FF2B5EF4-FFF2-40B4-BE49-F238E27FC236}">
-                <a16:creationId xmlns:a16="http://schemas.microsoft.com/office/drawing/2014/main" xmlns="" id="{3B21F47B-DE1F-442D-A2B7-6866F8786704}"/>
+                <a16:creationId xmlns:a16="http://schemas.microsoft.com/office/drawing/2014/main" id="{3B21F47B-DE1F-442D-A2B7-6866F8786704}"/>
               </a:ext>
             </a:extLst>
           </p:cNvPr>
@@ -3420,7 +3412,7 @@
           <p:cNvPr id="33" name="Picture Placeholder Title Image">
             <a:extLst>
               <a:ext uri="{FF2B5EF4-FFF2-40B4-BE49-F238E27FC236}">
-                <a16:creationId xmlns:a16="http://schemas.microsoft.com/office/drawing/2014/main" xmlns="" id="{A04D819A-89E2-4714-8C56-1838BF467EF7}"/>
+                <a16:creationId xmlns:a16="http://schemas.microsoft.com/office/drawing/2014/main" id="{A04D819A-89E2-4714-8C56-1838BF467EF7}"/>
               </a:ext>
             </a:extLst>
           </p:cNvPr>
@@ -3462,7 +3454,7 @@
           <p:cNvPr id="43" name="Presentation Subtitle">
             <a:extLst>
               <a:ext uri="{FF2B5EF4-FFF2-40B4-BE49-F238E27FC236}">
-                <a16:creationId xmlns:a16="http://schemas.microsoft.com/office/drawing/2014/main" xmlns="" id="{37BDB812-1395-4B02-ABCF-6A331EEE23E5}"/>
+                <a16:creationId xmlns:a16="http://schemas.microsoft.com/office/drawing/2014/main" id="{37BDB812-1395-4B02-ABCF-6A331EEE23E5}"/>
               </a:ext>
             </a:extLst>
           </p:cNvPr>
@@ -3506,7 +3498,7 @@
           <p:cNvPr id="2" name="Presentation Title">
             <a:extLst>
               <a:ext uri="{FF2B5EF4-FFF2-40B4-BE49-F238E27FC236}">
-                <a16:creationId xmlns:a16="http://schemas.microsoft.com/office/drawing/2014/main" xmlns="" id="{A4DF3AB8-E6E3-4FCE-8A4A-ECD147720A5D}"/>
+                <a16:creationId xmlns:a16="http://schemas.microsoft.com/office/drawing/2014/main" id="{A4DF3AB8-E6E3-4FCE-8A4A-ECD147720A5D}"/>
               </a:ext>
             </a:extLst>
           </p:cNvPr>
@@ -3541,24 +3533,24 @@
     </p:spTree>
     <p:extLst>
       <p:ext uri="{BB962C8B-B14F-4D97-AF65-F5344CB8AC3E}">
-        <p14:creationId xmlns:p14="http://schemas.microsoft.com/office/powerpoint/2010/main" xmlns="" val="970179299"/>
+        <p14:creationId xmlns:p14="http://schemas.microsoft.com/office/powerpoint/2010/main" val="970179299"/>
       </p:ext>
     </p:extLst>
   </p:cSld>
   <p:clrMapOvr>
     <a:masterClrMapping/>
   </p:clrMapOvr>
-  <mc:AlternateContent xmlns:mc="http://schemas.openxmlformats.org/markup-compatibility/2006">
-    <mc:Choice xmlns:p14="http://schemas.microsoft.com/office/powerpoint/2010/main" xmlns="" Requires="p14">
+  <mc:AlternateContent xmlns:mc="http://schemas.openxmlformats.org/markup-compatibility/2006" xmlns:p14="http://schemas.microsoft.com/office/powerpoint/2010/main">
+    <mc:Choice Requires="p14">
       <p:transition spd="slow" p14:dur="2000" advClick="0" advTm="5000"/>
     </mc:Choice>
-    <mc:Fallback>
+    <mc:Fallback xmlns="">
       <p:transition spd="slow" advClick="0" advTm="5000"/>
     </mc:Fallback>
   </mc:AlternateContent>
   <p:extLst>
     <p:ext uri="{DCECCB84-F9BA-43D5-87BE-67443E8EF086}">
-      <p15:sldGuideLst xmlns:p15="http://schemas.microsoft.com/office/powerpoint/2012/main" xmlns="">
+      <p15:sldGuideLst xmlns:p15="http://schemas.microsoft.com/office/powerpoint/2012/main">
         <p15:guide id="1" orient="horz" pos="2160">
           <p15:clr>
             <a:srgbClr val="FBAE40"/>
@@ -3597,7 +3589,7 @@
           <p:cNvPr id="15" name="Slide Number">
             <a:extLst>
               <a:ext uri="{FF2B5EF4-FFF2-40B4-BE49-F238E27FC236}">
-                <a16:creationId xmlns:a16="http://schemas.microsoft.com/office/drawing/2014/main" xmlns="" id="{F888EE71-82B3-40F1-A63F-7417422FB4A4}"/>
+                <a16:creationId xmlns:a16="http://schemas.microsoft.com/office/drawing/2014/main" id="{F888EE71-82B3-40F1-A63F-7417422FB4A4}"/>
               </a:ext>
             </a:extLst>
           </p:cNvPr>
@@ -3639,7 +3631,7 @@
           <p:cNvPr id="14" name="Text Placeholder Body">
             <a:extLst>
               <a:ext uri="{FF2B5EF4-FFF2-40B4-BE49-F238E27FC236}">
-                <a16:creationId xmlns:a16="http://schemas.microsoft.com/office/drawing/2014/main" xmlns="" id="{A2ABE920-240F-4CF6-AD45-23ED489FAD6E}"/>
+                <a16:creationId xmlns:a16="http://schemas.microsoft.com/office/drawing/2014/main" id="{A2ABE920-240F-4CF6-AD45-23ED489FAD6E}"/>
               </a:ext>
             </a:extLst>
           </p:cNvPr>
@@ -3945,7 +3937,7 @@
           <p:cNvPr id="10" name="Rectangle Down">
             <a:extLst>
               <a:ext uri="{FF2B5EF4-FFF2-40B4-BE49-F238E27FC236}">
-                <a16:creationId xmlns:a16="http://schemas.microsoft.com/office/drawing/2014/main" xmlns="" id="{E9B994EC-35A8-4A11-98CB-25DC28852F94}"/>
+                <a16:creationId xmlns:a16="http://schemas.microsoft.com/office/drawing/2014/main" id="{E9B994EC-35A8-4A11-98CB-25DC28852F94}"/>
               </a:ext>
             </a:extLst>
           </p:cNvPr>
@@ -4026,7 +4018,7 @@
           <p:cNvPr id="11" name="Rectangle Top">
             <a:extLst>
               <a:ext uri="{FF2B5EF4-FFF2-40B4-BE49-F238E27FC236}">
-                <a16:creationId xmlns:a16="http://schemas.microsoft.com/office/drawing/2014/main" xmlns="" id="{274B8F05-DFCE-47BD-BAFD-DF93E1A63BDD}"/>
+                <a16:creationId xmlns:a16="http://schemas.microsoft.com/office/drawing/2014/main" id="{274B8F05-DFCE-47BD-BAFD-DF93E1A63BDD}"/>
               </a:ext>
             </a:extLst>
           </p:cNvPr>
@@ -4107,7 +4099,7 @@
           <p:cNvPr id="12" name="Logo Software University" descr="Software University logo">
             <a:extLst>
               <a:ext uri="{FF2B5EF4-FFF2-40B4-BE49-F238E27FC236}">
-                <a16:creationId xmlns:a16="http://schemas.microsoft.com/office/drawing/2014/main" xmlns="" id="{233CBB95-791E-4630-B3D9-FADFCE7BCF52}"/>
+                <a16:creationId xmlns:a16="http://schemas.microsoft.com/office/drawing/2014/main" id="{233CBB95-791E-4630-B3D9-FADFCE7BCF52}"/>
               </a:ext>
             </a:extLst>
           </p:cNvPr>
@@ -4120,7 +4112,7 @@
           <a:blip r:embed="rId2" cstate="print">
             <a:extLst>
               <a:ext uri="{28A0092B-C50C-407E-A947-70E740481C1C}">
-                <a14:useLocalDpi xmlns:a14="http://schemas.microsoft.com/office/drawing/2010/main" xmlns="" val="0"/>
+                <a14:useLocalDpi xmlns:a14="http://schemas.microsoft.com/office/drawing/2010/main" val="0"/>
               </a:ext>
             </a:extLst>
           </a:blip>
@@ -4143,7 +4135,7 @@
           <p:cNvPr id="13" name="Slide Title">
             <a:extLst>
               <a:ext uri="{FF2B5EF4-FFF2-40B4-BE49-F238E27FC236}">
-                <a16:creationId xmlns:a16="http://schemas.microsoft.com/office/drawing/2014/main" xmlns="" id="{3F218E34-55D7-4290-BFE4-80F31F941551}"/>
+                <a16:creationId xmlns:a16="http://schemas.microsoft.com/office/drawing/2014/main" id="{3F218E34-55D7-4290-BFE4-80F31F941551}"/>
               </a:ext>
             </a:extLst>
           </p:cNvPr>
@@ -4182,18 +4174,18 @@
     </p:spTree>
     <p:extLst>
       <p:ext uri="{BB962C8B-B14F-4D97-AF65-F5344CB8AC3E}">
-        <p14:creationId xmlns:p14="http://schemas.microsoft.com/office/powerpoint/2010/main" xmlns="" val="3774019400"/>
+        <p14:creationId xmlns:p14="http://schemas.microsoft.com/office/powerpoint/2010/main" val="3774019400"/>
       </p:ext>
     </p:extLst>
   </p:cSld>
   <p:clrMapOvr>
     <a:masterClrMapping/>
   </p:clrMapOvr>
-  <mc:AlternateContent xmlns:mc="http://schemas.openxmlformats.org/markup-compatibility/2006">
-    <mc:Choice xmlns:p14="http://schemas.microsoft.com/office/powerpoint/2010/main" xmlns="" Requires="p14">
+  <mc:AlternateContent xmlns:mc="http://schemas.openxmlformats.org/markup-compatibility/2006" xmlns:p14="http://schemas.microsoft.com/office/powerpoint/2010/main">
+    <mc:Choice Requires="p14">
       <p:transition spd="slow" p14:dur="2000" advClick="0" advTm="5000"/>
     </mc:Choice>
-    <mc:Fallback>
+    <mc:Fallback xmlns="">
       <p:transition spd="slow" advClick="0" advTm="5000"/>
     </mc:Fallback>
   </mc:AlternateContent>
@@ -4230,7 +4222,7 @@
           <p:cNvPr id="35" name="Rectangle Bottom">
             <a:extLst>
               <a:ext uri="{FF2B5EF4-FFF2-40B4-BE49-F238E27FC236}">
-                <a16:creationId xmlns:a16="http://schemas.microsoft.com/office/drawing/2014/main" xmlns="" id="{550A59F9-9A9D-4956-95B4-F78CC0DB1D59}"/>
+                <a16:creationId xmlns:a16="http://schemas.microsoft.com/office/drawing/2014/main" id="{550A59F9-9A9D-4956-95B4-F78CC0DB1D59}"/>
               </a:ext>
             </a:extLst>
           </p:cNvPr>
@@ -4311,7 +4303,7 @@
           <p:cNvPr id="53" name="Rectangle Bottom Copyright">
             <a:extLst>
               <a:ext uri="{FF2B5EF4-FFF2-40B4-BE49-F238E27FC236}">
-                <a16:creationId xmlns:a16="http://schemas.microsoft.com/office/drawing/2014/main" xmlns="" id="{B07FB7FB-DA6C-4F5D-B068-357F0FCE27D8}"/>
+                <a16:creationId xmlns:a16="http://schemas.microsoft.com/office/drawing/2014/main" id="{B07FB7FB-DA6C-4F5D-B068-357F0FCE27D8}"/>
               </a:ext>
             </a:extLst>
           </p:cNvPr>
@@ -4368,7 +4360,7 @@
                 <a:hlinkClick r:id="rId2">
                   <a:extLst>
                     <a:ext uri="{A12FA001-AC4F-418D-AE19-62706E023703}">
-                      <ahyp:hlinkClr xmlns:ahyp="http://schemas.microsoft.com/office/drawing/2018/hyperlinkcolor" xmlns="" val="tx"/>
+                      <ahyp:hlinkClr xmlns:ahyp="http://schemas.microsoft.com/office/drawing/2018/hyperlinkcolor" val="tx"/>
                     </a:ext>
                   </a:extLst>
                 </a:hlinkClick>
@@ -4404,7 +4396,7 @@
           <p:cNvPr id="26" name="Picture SoftUni Mascot" descr="SoftUni mascot with open hand">
             <a:extLst>
               <a:ext uri="{FF2B5EF4-FFF2-40B4-BE49-F238E27FC236}">
-                <a16:creationId xmlns:a16="http://schemas.microsoft.com/office/drawing/2014/main" xmlns="" id="{247CFF3C-C4FA-493D-8505-DF469F4D36A4}"/>
+                <a16:creationId xmlns:a16="http://schemas.microsoft.com/office/drawing/2014/main" id="{247CFF3C-C4FA-493D-8505-DF469F4D36A4}"/>
               </a:ext>
             </a:extLst>
           </p:cNvPr>
@@ -4417,7 +4409,7 @@
           <a:blip r:embed="rId3" cstate="print">
             <a:extLst>
               <a:ext uri="{28A0092B-C50C-407E-A947-70E740481C1C}">
-                <a14:useLocalDpi xmlns:a14="http://schemas.microsoft.com/office/drawing/2010/main" xmlns="" val="0"/>
+                <a14:useLocalDpi xmlns:a14="http://schemas.microsoft.com/office/drawing/2010/main" val="0"/>
               </a:ext>
             </a:extLst>
           </a:blip>
@@ -4440,7 +4432,7 @@
           <p:cNvPr id="2" name="Group SoftUni Brands">
             <a:extLst>
               <a:ext uri="{FF2B5EF4-FFF2-40B4-BE49-F238E27FC236}">
-                <a16:creationId xmlns:a16="http://schemas.microsoft.com/office/drawing/2014/main" xmlns="" id="{418FAE34-C1F8-46C7-A4AE-F270D1E70F25}"/>
+                <a16:creationId xmlns:a16="http://schemas.microsoft.com/office/drawing/2014/main" id="{418FAE34-C1F8-46C7-A4AE-F270D1E70F25}"/>
               </a:ext>
             </a:extLst>
           </p:cNvPr>
@@ -4460,7 +4452,7 @@
             <p:cNvPr id="24" name="Picture SoftUni Kids Logo" descr="SoftUni Kids logo">
               <a:extLst>
                 <a:ext uri="{FF2B5EF4-FFF2-40B4-BE49-F238E27FC236}">
-                  <a16:creationId xmlns:a16="http://schemas.microsoft.com/office/drawing/2014/main" xmlns="" id="{B0812936-74B6-4265-8C08-AEDC8C798702}"/>
+                  <a16:creationId xmlns:a16="http://schemas.microsoft.com/office/drawing/2014/main" id="{B0812936-74B6-4265-8C08-AEDC8C798702}"/>
                 </a:ext>
               </a:extLst>
             </p:cNvPr>
@@ -4473,7 +4465,7 @@
             <a:blip r:embed="rId4" cstate="print">
               <a:extLst>
                 <a:ext uri="{28A0092B-C50C-407E-A947-70E740481C1C}">
-                  <a14:useLocalDpi xmlns:a14="http://schemas.microsoft.com/office/drawing/2010/main" xmlns="" val="0"/>
+                  <a14:useLocalDpi xmlns:a14="http://schemas.microsoft.com/office/drawing/2010/main" val="0"/>
                 </a:ext>
               </a:extLst>
             </a:blip>
@@ -4496,7 +4488,7 @@
             <p:cNvPr id="23" name="Picture SoftUni Foundation Logo" descr="SoftUni Foundation logo">
               <a:extLst>
                 <a:ext uri="{FF2B5EF4-FFF2-40B4-BE49-F238E27FC236}">
-                  <a16:creationId xmlns:a16="http://schemas.microsoft.com/office/drawing/2014/main" xmlns="" id="{6643F71A-2013-433A-8322-FBAAED3162D8}"/>
+                  <a16:creationId xmlns:a16="http://schemas.microsoft.com/office/drawing/2014/main" id="{6643F71A-2013-433A-8322-FBAAED3162D8}"/>
                 </a:ext>
               </a:extLst>
             </p:cNvPr>
@@ -4509,7 +4501,7 @@
             <a:blip r:embed="rId5" cstate="print">
               <a:extLst>
                 <a:ext uri="{28A0092B-C50C-407E-A947-70E740481C1C}">
-                  <a14:useLocalDpi xmlns:a14="http://schemas.microsoft.com/office/drawing/2010/main" xmlns="" val="0"/>
+                  <a14:useLocalDpi xmlns:a14="http://schemas.microsoft.com/office/drawing/2010/main" val="0"/>
                 </a:ext>
               </a:extLst>
             </a:blip>
@@ -4532,7 +4524,7 @@
             <p:cNvPr id="22" name="Picture SoftUni Digital Logo" descr="SoftUni Digital logo">
               <a:extLst>
                 <a:ext uri="{FF2B5EF4-FFF2-40B4-BE49-F238E27FC236}">
-                  <a16:creationId xmlns:a16="http://schemas.microsoft.com/office/drawing/2014/main" xmlns="" id="{0A83D66F-855B-463B-920B-BF239B01A206}"/>
+                  <a16:creationId xmlns:a16="http://schemas.microsoft.com/office/drawing/2014/main" id="{0A83D66F-855B-463B-920B-BF239B01A206}"/>
                 </a:ext>
               </a:extLst>
             </p:cNvPr>
@@ -4545,7 +4537,7 @@
             <a:blip r:embed="rId6" cstate="print">
               <a:extLst>
                 <a:ext uri="{28A0092B-C50C-407E-A947-70E740481C1C}">
-                  <a14:useLocalDpi xmlns:a14="http://schemas.microsoft.com/office/drawing/2010/main" xmlns="" val="0"/>
+                  <a14:useLocalDpi xmlns:a14="http://schemas.microsoft.com/office/drawing/2010/main" val="0"/>
                 </a:ext>
               </a:extLst>
             </a:blip>
@@ -4568,7 +4560,7 @@
             <p:cNvPr id="21" name="Picture SoftUni Creative Logo" descr="SoftUni Creative logo">
               <a:extLst>
                 <a:ext uri="{FF2B5EF4-FFF2-40B4-BE49-F238E27FC236}">
-                  <a16:creationId xmlns:a16="http://schemas.microsoft.com/office/drawing/2014/main" xmlns="" id="{EA755AAE-BA08-481C-9224-0061170EE4B8}"/>
+                  <a16:creationId xmlns:a16="http://schemas.microsoft.com/office/drawing/2014/main" id="{EA755AAE-BA08-481C-9224-0061170EE4B8}"/>
                 </a:ext>
               </a:extLst>
             </p:cNvPr>
@@ -4581,7 +4573,7 @@
             <a:blip r:embed="rId7" cstate="print">
               <a:extLst>
                 <a:ext uri="{28A0092B-C50C-407E-A947-70E740481C1C}">
-                  <a14:useLocalDpi xmlns:a14="http://schemas.microsoft.com/office/drawing/2010/main" xmlns="" val="0"/>
+                  <a14:useLocalDpi xmlns:a14="http://schemas.microsoft.com/office/drawing/2010/main" val="0"/>
                 </a:ext>
               </a:extLst>
             </a:blip>
@@ -4604,7 +4596,7 @@
             <p:cNvPr id="20" name="Picture SoftUni Svetlina Logo" descr="SoftUni Svetlina logo">
               <a:extLst>
                 <a:ext uri="{FF2B5EF4-FFF2-40B4-BE49-F238E27FC236}">
-                  <a16:creationId xmlns:a16="http://schemas.microsoft.com/office/drawing/2014/main" xmlns="" id="{827D15FD-4C66-4B85-98E6-7826AA8F61C6}"/>
+                  <a16:creationId xmlns:a16="http://schemas.microsoft.com/office/drawing/2014/main" id="{827D15FD-4C66-4B85-98E6-7826AA8F61C6}"/>
                 </a:ext>
               </a:extLst>
             </p:cNvPr>
@@ -4617,7 +4609,7 @@
             <a:blip r:embed="rId8" cstate="print">
               <a:extLst>
                 <a:ext uri="{28A0092B-C50C-407E-A947-70E740481C1C}">
-                  <a14:useLocalDpi xmlns:a14="http://schemas.microsoft.com/office/drawing/2010/main" xmlns="" val="0"/>
+                  <a14:useLocalDpi xmlns:a14="http://schemas.microsoft.com/office/drawing/2010/main" val="0"/>
                 </a:ext>
               </a:extLst>
             </a:blip>
@@ -4640,7 +4632,7 @@
             <p:cNvPr id="25" name="Picture Software University Logo" descr="Software University logo">
               <a:extLst>
                 <a:ext uri="{FF2B5EF4-FFF2-40B4-BE49-F238E27FC236}">
-                  <a16:creationId xmlns:a16="http://schemas.microsoft.com/office/drawing/2014/main" xmlns="" id="{C74C190C-5856-41B9-8819-AE8DE0E10980}"/>
+                  <a16:creationId xmlns:a16="http://schemas.microsoft.com/office/drawing/2014/main" id="{C74C190C-5856-41B9-8819-AE8DE0E10980}"/>
                 </a:ext>
               </a:extLst>
             </p:cNvPr>
@@ -4653,7 +4645,7 @@
             <a:blip r:embed="rId9" cstate="print">
               <a:extLst>
                 <a:ext uri="{28A0092B-C50C-407E-A947-70E740481C1C}">
-                  <a14:useLocalDpi xmlns:a14="http://schemas.microsoft.com/office/drawing/2010/main" xmlns="" val="0"/>
+                  <a14:useLocalDpi xmlns:a14="http://schemas.microsoft.com/office/drawing/2010/main" val="0"/>
                 </a:ext>
               </a:extLst>
             </a:blip>
@@ -4676,7 +4668,7 @@
             <p:cNvPr id="33" name="Straight Connector 6">
               <a:extLst>
                 <a:ext uri="{FF2B5EF4-FFF2-40B4-BE49-F238E27FC236}">
-                  <a16:creationId xmlns:a16="http://schemas.microsoft.com/office/drawing/2014/main" xmlns="" id="{5C63D1E8-4A92-4691-8A24-A2FC7E8008E5}"/>
+                  <a16:creationId xmlns:a16="http://schemas.microsoft.com/office/drawing/2014/main" id="{5C63D1E8-4A92-4691-8A24-A2FC7E8008E5}"/>
                 </a:ext>
               </a:extLst>
             </p:cNvPr>
@@ -4715,7 +4707,7 @@
             <p:cNvPr id="32" name="Straight Connector 5">
               <a:extLst>
                 <a:ext uri="{FF2B5EF4-FFF2-40B4-BE49-F238E27FC236}">
-                  <a16:creationId xmlns:a16="http://schemas.microsoft.com/office/drawing/2014/main" xmlns="" id="{6E91D320-3732-40B8-864D-142D0A277ED1}"/>
+                  <a16:creationId xmlns:a16="http://schemas.microsoft.com/office/drawing/2014/main" id="{6E91D320-3732-40B8-864D-142D0A277ED1}"/>
                 </a:ext>
               </a:extLst>
             </p:cNvPr>
@@ -4754,7 +4746,7 @@
             <p:cNvPr id="31" name="Straight Connector 4">
               <a:extLst>
                 <a:ext uri="{FF2B5EF4-FFF2-40B4-BE49-F238E27FC236}">
-                  <a16:creationId xmlns:a16="http://schemas.microsoft.com/office/drawing/2014/main" xmlns="" id="{299ABE09-E33C-46B7-A80D-7BF4A6956211}"/>
+                  <a16:creationId xmlns:a16="http://schemas.microsoft.com/office/drawing/2014/main" id="{299ABE09-E33C-46B7-A80D-7BF4A6956211}"/>
                 </a:ext>
               </a:extLst>
             </p:cNvPr>
@@ -4791,7 +4783,7 @@
             <p:cNvPr id="30" name="Straight Connector 3">
               <a:extLst>
                 <a:ext uri="{FF2B5EF4-FFF2-40B4-BE49-F238E27FC236}">
-                  <a16:creationId xmlns:a16="http://schemas.microsoft.com/office/drawing/2014/main" xmlns="" id="{93DDBF37-0764-47AA-94E3-9A44F3ED8FB5}"/>
+                  <a16:creationId xmlns:a16="http://schemas.microsoft.com/office/drawing/2014/main" id="{93DDBF37-0764-47AA-94E3-9A44F3ED8FB5}"/>
                 </a:ext>
               </a:extLst>
             </p:cNvPr>
@@ -4828,7 +4820,7 @@
             <p:cNvPr id="29" name="Straight Connector 2">
               <a:extLst>
                 <a:ext uri="{FF2B5EF4-FFF2-40B4-BE49-F238E27FC236}">
-                  <a16:creationId xmlns:a16="http://schemas.microsoft.com/office/drawing/2014/main" xmlns="" id="{72BFE2F3-0845-4E5B-9375-E9D4027DD675}"/>
+                  <a16:creationId xmlns:a16="http://schemas.microsoft.com/office/drawing/2014/main" id="{72BFE2F3-0845-4E5B-9375-E9D4027DD675}"/>
                 </a:ext>
               </a:extLst>
             </p:cNvPr>
@@ -4865,7 +4857,7 @@
             <p:cNvPr id="28" name="Straight Connector 1">
               <a:extLst>
                 <a:ext uri="{FF2B5EF4-FFF2-40B4-BE49-F238E27FC236}">
-                  <a16:creationId xmlns:a16="http://schemas.microsoft.com/office/drawing/2014/main" xmlns="" id="{D4E5982E-3110-47E1-A5BB-91B7BECC3093}"/>
+                  <a16:creationId xmlns:a16="http://schemas.microsoft.com/office/drawing/2014/main" id="{D4E5982E-3110-47E1-A5BB-91B7BECC3093}"/>
                 </a:ext>
               </a:extLst>
             </p:cNvPr>
@@ -4902,7 +4894,7 @@
             <p:cNvPr id="27" name="Straight Connector Horizontal">
               <a:extLst>
                 <a:ext uri="{FF2B5EF4-FFF2-40B4-BE49-F238E27FC236}">
-                  <a16:creationId xmlns:a16="http://schemas.microsoft.com/office/drawing/2014/main" xmlns="" id="{5F62FB7C-BD6E-4383-98C1-2CF30F34CAFD}"/>
+                  <a16:creationId xmlns:a16="http://schemas.microsoft.com/office/drawing/2014/main" id="{5F62FB7C-BD6E-4383-98C1-2CF30F34CAFD}"/>
                 </a:ext>
               </a:extLst>
             </p:cNvPr>
@@ -4941,7 +4933,7 @@
             <p:cNvPr id="34" name="Straight Connector 0">
               <a:extLst>
                 <a:ext uri="{FF2B5EF4-FFF2-40B4-BE49-F238E27FC236}">
-                  <a16:creationId xmlns:a16="http://schemas.microsoft.com/office/drawing/2014/main" xmlns="" id="{C84A0FE1-723D-4682-8682-77BAD950EE15}"/>
+                  <a16:creationId xmlns:a16="http://schemas.microsoft.com/office/drawing/2014/main" id="{C84A0FE1-723D-4682-8682-77BAD950EE15}"/>
                 </a:ext>
               </a:extLst>
             </p:cNvPr>
@@ -4978,7 +4970,7 @@
             <p:cNvPr id="18" name="Picture SoftUni Logo" descr="SoftUni logo">
               <a:extLst>
                 <a:ext uri="{FF2B5EF4-FFF2-40B4-BE49-F238E27FC236}">
-                  <a16:creationId xmlns:a16="http://schemas.microsoft.com/office/drawing/2014/main" xmlns="" id="{A0675455-B7FA-4569-A5FD-A3B0F20B2A26}"/>
+                  <a16:creationId xmlns:a16="http://schemas.microsoft.com/office/drawing/2014/main" id="{A0675455-B7FA-4569-A5FD-A3B0F20B2A26}"/>
                 </a:ext>
               </a:extLst>
             </p:cNvPr>
@@ -4991,7 +4983,7 @@
             <a:blip r:embed="rId10" cstate="print">
               <a:extLst>
                 <a:ext uri="{28A0092B-C50C-407E-A947-70E740481C1C}">
-                  <a14:useLocalDpi xmlns:a14="http://schemas.microsoft.com/office/drawing/2010/main" xmlns="" val="0"/>
+                  <a14:useLocalDpi xmlns:a14="http://schemas.microsoft.com/office/drawing/2010/main" val="0"/>
                 </a:ext>
               </a:extLst>
             </a:blip>
@@ -5015,7 +5007,7 @@
           <p:cNvPr id="19" name="Slide Title">
             <a:extLst>
               <a:ext uri="{FF2B5EF4-FFF2-40B4-BE49-F238E27FC236}">
-                <a16:creationId xmlns:a16="http://schemas.microsoft.com/office/drawing/2014/main" xmlns="" id="{7CFDBB16-985C-4CC7-B6DB-B81B36037922}"/>
+                <a16:creationId xmlns:a16="http://schemas.microsoft.com/office/drawing/2014/main" id="{7CFDBB16-985C-4CC7-B6DB-B81B36037922}"/>
               </a:ext>
             </a:extLst>
           </p:cNvPr>
@@ -5118,7 +5110,7 @@
           <p:cNvPr id="36" name="Logo Software University" descr="Software University logo">
             <a:extLst>
               <a:ext uri="{FF2B5EF4-FFF2-40B4-BE49-F238E27FC236}">
-                <a16:creationId xmlns:a16="http://schemas.microsoft.com/office/drawing/2014/main" xmlns="" id="{67FC4D2E-913D-432A-B658-F0D82839FA5E}"/>
+                <a16:creationId xmlns:a16="http://schemas.microsoft.com/office/drawing/2014/main" id="{67FC4D2E-913D-432A-B658-F0D82839FA5E}"/>
               </a:ext>
             </a:extLst>
           </p:cNvPr>
@@ -5141,7 +5133,7 @@
             </a:clrChange>
             <a:extLst>
               <a:ext uri="{28A0092B-C50C-407E-A947-70E740481C1C}">
-                <a14:useLocalDpi xmlns:a14="http://schemas.microsoft.com/office/drawing/2010/main" xmlns="" val="0"/>
+                <a14:useLocalDpi xmlns:a14="http://schemas.microsoft.com/office/drawing/2010/main" val="0"/>
               </a:ext>
             </a:extLst>
           </a:blip>
@@ -5162,24 +5154,24 @@
     </p:spTree>
     <p:extLst>
       <p:ext uri="{BB962C8B-B14F-4D97-AF65-F5344CB8AC3E}">
-        <p14:creationId xmlns:p14="http://schemas.microsoft.com/office/powerpoint/2010/main" xmlns="" val="4192061223"/>
+        <p14:creationId xmlns:p14="http://schemas.microsoft.com/office/powerpoint/2010/main" val="4192061223"/>
       </p:ext>
     </p:extLst>
   </p:cSld>
   <p:clrMapOvr>
     <a:masterClrMapping/>
   </p:clrMapOvr>
-  <mc:AlternateContent xmlns:mc="http://schemas.openxmlformats.org/markup-compatibility/2006">
-    <mc:Choice xmlns:p14="http://schemas.microsoft.com/office/powerpoint/2010/main" xmlns="" Requires="p14">
+  <mc:AlternateContent xmlns:mc="http://schemas.openxmlformats.org/markup-compatibility/2006" xmlns:p14="http://schemas.microsoft.com/office/powerpoint/2010/main">
+    <mc:Choice Requires="p14">
       <p:transition spd="slow" p14:dur="2000" advClick="0" advTm="5000"/>
     </mc:Choice>
-    <mc:Fallback>
+    <mc:Fallback xmlns="">
       <p:transition spd="slow" advClick="0" advTm="5000"/>
     </mc:Fallback>
   </mc:AlternateContent>
   <p:extLst>
     <p:ext uri="{DCECCB84-F9BA-43D5-87BE-67443E8EF086}">
-      <p15:sldGuideLst xmlns:p15="http://schemas.microsoft.com/office/powerpoint/2012/main" xmlns="">
+      <p15:sldGuideLst xmlns:p15="http://schemas.microsoft.com/office/powerpoint/2012/main">
         <p15:guide id="1" orient="horz" pos="2160">
           <p15:clr>
             <a:srgbClr val="FBAE40"/>
@@ -5218,7 +5210,7 @@
           <p:cNvPr id="13" name="Slide Number">
             <a:extLst>
               <a:ext uri="{FF2B5EF4-FFF2-40B4-BE49-F238E27FC236}">
-                <a16:creationId xmlns:a16="http://schemas.microsoft.com/office/drawing/2014/main" xmlns="" id="{5B8761D8-B42F-4A70-A0CE-682CEB2AE31B}"/>
+                <a16:creationId xmlns:a16="http://schemas.microsoft.com/office/drawing/2014/main" id="{5B8761D8-B42F-4A70-A0CE-682CEB2AE31B}"/>
               </a:ext>
             </a:extLst>
           </p:cNvPr>
@@ -5261,7 +5253,7 @@
             <a:hlinkClick r:id="rId2" tooltip="Software University Discussion Forum"/>
             <a:extLst>
               <a:ext uri="{FF2B5EF4-FFF2-40B4-BE49-F238E27FC236}">
-                <a16:creationId xmlns:a16="http://schemas.microsoft.com/office/drawing/2014/main" xmlns="" id="{98C579AD-FAF5-4B28-9B52-5457F1E90061}"/>
+                <a16:creationId xmlns:a16="http://schemas.microsoft.com/office/drawing/2014/main" id="{98C579AD-FAF5-4B28-9B52-5457F1E90061}"/>
               </a:ext>
             </a:extLst>
           </p:cNvPr>
@@ -5274,7 +5266,7 @@
           <a:blip r:embed="rId3" cstate="print">
             <a:extLst>
               <a:ext uri="{28A0092B-C50C-407E-A947-70E740481C1C}">
-                <a14:useLocalDpi xmlns:a14="http://schemas.microsoft.com/office/drawing/2010/main" xmlns=""/>
+                <a14:useLocalDpi xmlns:a14="http://schemas.microsoft.com/office/drawing/2010/main"/>
               </a:ext>
             </a:extLst>
           </a:blip>
@@ -5298,7 +5290,7 @@
             <a:hlinkClick r:id="rId4" tooltip="Software University @ Facebook"/>
             <a:extLst>
               <a:ext uri="{FF2B5EF4-FFF2-40B4-BE49-F238E27FC236}">
-                <a16:creationId xmlns:a16="http://schemas.microsoft.com/office/drawing/2014/main" xmlns="" id="{6B2C510E-5EF2-49F6-B926-2BD74CD3C7F8}"/>
+                <a16:creationId xmlns:a16="http://schemas.microsoft.com/office/drawing/2014/main" id="{6B2C510E-5EF2-49F6-B926-2BD74CD3C7F8}"/>
               </a:ext>
             </a:extLst>
           </p:cNvPr>
@@ -5311,7 +5303,7 @@
           <a:blip r:embed="rId5" cstate="print">
             <a:extLst>
               <a:ext uri="{28A0092B-C50C-407E-A947-70E740481C1C}">
-                <a14:useLocalDpi xmlns:a14="http://schemas.microsoft.com/office/drawing/2010/main" xmlns=""/>
+                <a14:useLocalDpi xmlns:a14="http://schemas.microsoft.com/office/drawing/2010/main"/>
               </a:ext>
             </a:extLst>
           </a:blip>
@@ -5329,7 +5321,7 @@
           <a:noFill/>
           <a:extLst>
             <a:ext uri="{909E8E84-426E-40DD-AFC4-6F175D3DCCD1}">
-              <a14:hiddenFill xmlns:a14="http://schemas.microsoft.com/office/drawing/2010/main" xmlns="">
+              <a14:hiddenFill xmlns:a14="http://schemas.microsoft.com/office/drawing/2010/main">
                 <a:solidFill>
                   <a:srgbClr val="FFFFFF"/>
                 </a:solidFill>
@@ -5344,7 +5336,7 @@
             <a:hlinkClick r:id="rId6"/>
             <a:extLst>
               <a:ext uri="{FF2B5EF4-FFF2-40B4-BE49-F238E27FC236}">
-                <a16:creationId xmlns:a16="http://schemas.microsoft.com/office/drawing/2014/main" xmlns="" id="{F4604840-E810-44B7-9FF1-3B28CD68B758}"/>
+                <a16:creationId xmlns:a16="http://schemas.microsoft.com/office/drawing/2014/main" id="{F4604840-E810-44B7-9FF1-3B28CD68B758}"/>
               </a:ext>
             </a:extLst>
           </p:cNvPr>
@@ -5357,7 +5349,7 @@
           <a:blip r:embed="rId7" cstate="print">
             <a:extLst>
               <a:ext uri="{28A0092B-C50C-407E-A947-70E740481C1C}">
-                <a14:useLocalDpi xmlns:a14="http://schemas.microsoft.com/office/drawing/2010/main" xmlns="" val="0"/>
+                <a14:useLocalDpi xmlns:a14="http://schemas.microsoft.com/office/drawing/2010/main" val="0"/>
               </a:ext>
             </a:extLst>
           </a:blip>
@@ -5381,7 +5373,7 @@
             <a:hlinkClick r:id="rId8"/>
             <a:extLst>
               <a:ext uri="{FF2B5EF4-FFF2-40B4-BE49-F238E27FC236}">
-                <a16:creationId xmlns:a16="http://schemas.microsoft.com/office/drawing/2014/main" xmlns="" id="{07C965FA-A87E-4824-AFA8-C67AF548A76A}"/>
+                <a16:creationId xmlns:a16="http://schemas.microsoft.com/office/drawing/2014/main" id="{07C965FA-A87E-4824-AFA8-C67AF548A76A}"/>
               </a:ext>
             </a:extLst>
           </p:cNvPr>
@@ -5394,7 +5386,7 @@
           <a:blip r:embed="rId9" cstate="print">
             <a:extLst>
               <a:ext uri="{28A0092B-C50C-407E-A947-70E740481C1C}">
-                <a14:useLocalDpi xmlns:a14="http://schemas.microsoft.com/office/drawing/2010/main" xmlns="" val="0"/>
+                <a14:useLocalDpi xmlns:a14="http://schemas.microsoft.com/office/drawing/2010/main" val="0"/>
               </a:ext>
             </a:extLst>
           </a:blip>
@@ -5416,7 +5408,7 @@
           <p:cNvPr id="12" name="Slide Body Text">
             <a:extLst>
               <a:ext uri="{FF2B5EF4-FFF2-40B4-BE49-F238E27FC236}">
-                <a16:creationId xmlns:a16="http://schemas.microsoft.com/office/drawing/2014/main" xmlns="" id="{0C1F9416-8B6E-46DE-973C-777785E27A26}"/>
+                <a16:creationId xmlns:a16="http://schemas.microsoft.com/office/drawing/2014/main" id="{0C1F9416-8B6E-46DE-973C-777785E27A26}"/>
               </a:ext>
             </a:extLst>
           </p:cNvPr>
@@ -5541,7 +5533,7 @@
           <p:cNvPr id="10" name="Rectangle Top">
             <a:extLst>
               <a:ext uri="{FF2B5EF4-FFF2-40B4-BE49-F238E27FC236}">
-                <a16:creationId xmlns:a16="http://schemas.microsoft.com/office/drawing/2014/main" xmlns="" id="{86646B95-5E3B-4DE8-9118-031C2C296D8C}"/>
+                <a16:creationId xmlns:a16="http://schemas.microsoft.com/office/drawing/2014/main" id="{86646B95-5E3B-4DE8-9118-031C2C296D8C}"/>
               </a:ext>
             </a:extLst>
           </p:cNvPr>
@@ -5622,7 +5614,7 @@
           <p:cNvPr id="11" name="Logo Software University" descr="Software University logo">
             <a:extLst>
               <a:ext uri="{FF2B5EF4-FFF2-40B4-BE49-F238E27FC236}">
-                <a16:creationId xmlns:a16="http://schemas.microsoft.com/office/drawing/2014/main" xmlns="" id="{58AB1944-B146-4E89-B2D9-426EB610F319}"/>
+                <a16:creationId xmlns:a16="http://schemas.microsoft.com/office/drawing/2014/main" id="{58AB1944-B146-4E89-B2D9-426EB610F319}"/>
               </a:ext>
             </a:extLst>
           </p:cNvPr>
@@ -5635,7 +5627,7 @@
           <a:blip r:embed="rId11" cstate="print">
             <a:extLst>
               <a:ext uri="{28A0092B-C50C-407E-A947-70E740481C1C}">
-                <a14:useLocalDpi xmlns:a14="http://schemas.microsoft.com/office/drawing/2010/main" xmlns="" val="0"/>
+                <a14:useLocalDpi xmlns:a14="http://schemas.microsoft.com/office/drawing/2010/main" val="0"/>
               </a:ext>
             </a:extLst>
           </a:blip>
@@ -5658,7 +5650,7 @@
           <p:cNvPr id="18" name="Slide Title">
             <a:extLst>
               <a:ext uri="{FF2B5EF4-FFF2-40B4-BE49-F238E27FC236}">
-                <a16:creationId xmlns:a16="http://schemas.microsoft.com/office/drawing/2014/main" xmlns="" id="{AE87ED9C-76E1-4D85-9B06-3AF44AABB668}"/>
+                <a16:creationId xmlns:a16="http://schemas.microsoft.com/office/drawing/2014/main" id="{AE87ED9C-76E1-4D85-9B06-3AF44AABB668}"/>
               </a:ext>
             </a:extLst>
           </p:cNvPr>
@@ -5697,18 +5689,18 @@
     </p:spTree>
     <p:extLst>
       <p:ext uri="{BB962C8B-B14F-4D97-AF65-F5344CB8AC3E}">
-        <p14:creationId xmlns:p14="http://schemas.microsoft.com/office/powerpoint/2010/main" xmlns="" val="2196466322"/>
+        <p14:creationId xmlns:p14="http://schemas.microsoft.com/office/powerpoint/2010/main" val="2196466322"/>
       </p:ext>
     </p:extLst>
   </p:cSld>
   <p:clrMapOvr>
     <a:masterClrMapping/>
   </p:clrMapOvr>
-  <mc:AlternateContent xmlns:mc="http://schemas.openxmlformats.org/markup-compatibility/2006">
-    <mc:Choice xmlns:p14="http://schemas.microsoft.com/office/powerpoint/2010/main" xmlns="" Requires="p14">
+  <mc:AlternateContent xmlns:mc="http://schemas.openxmlformats.org/markup-compatibility/2006" xmlns:p14="http://schemas.microsoft.com/office/powerpoint/2010/main">
+    <mc:Choice Requires="p14">
       <p:transition spd="slow" p14:dur="2000" advClick="0" advTm="5000"/>
     </mc:Choice>
-    <mc:Fallback>
+    <mc:Fallback xmlns="">
       <p:transition spd="slow" advClick="0" advTm="5000"/>
     </mc:Fallback>
   </mc:AlternateContent>
@@ -5737,7 +5729,7 @@
           <p:cNvPr id="9" name="Oval Center Icon">
             <a:extLst>
               <a:ext uri="{FF2B5EF4-FFF2-40B4-BE49-F238E27FC236}">
-                <a16:creationId xmlns:a16="http://schemas.microsoft.com/office/drawing/2014/main" xmlns="" id="{13B9A8FE-2718-4F2C-98D4-CBF86AD69D58}"/>
+                <a16:creationId xmlns:a16="http://schemas.microsoft.com/office/drawing/2014/main" id="{13B9A8FE-2718-4F2C-98D4-CBF86AD69D58}"/>
               </a:ext>
             </a:extLst>
           </p:cNvPr>
@@ -5818,7 +5810,7 @@
           <p:cNvPr id="8" name="Slide Subtitle">
             <a:extLst>
               <a:ext uri="{FF2B5EF4-FFF2-40B4-BE49-F238E27FC236}">
-                <a16:creationId xmlns:a16="http://schemas.microsoft.com/office/drawing/2014/main" xmlns="" id="{588387B4-E99E-4145-9D1D-F17CA5190DFD}"/>
+                <a16:creationId xmlns:a16="http://schemas.microsoft.com/office/drawing/2014/main" id="{588387B4-E99E-4145-9D1D-F17CA5190DFD}"/>
               </a:ext>
             </a:extLst>
           </p:cNvPr>
@@ -5868,7 +5860,7 @@
           <p:cNvPr id="13" name="Slide Title">
             <a:extLst>
               <a:ext uri="{FF2B5EF4-FFF2-40B4-BE49-F238E27FC236}">
-                <a16:creationId xmlns:a16="http://schemas.microsoft.com/office/drawing/2014/main" xmlns="" id="{8A28C56F-AE84-49D0-9AD1-1F0CEEABF710}"/>
+                <a16:creationId xmlns:a16="http://schemas.microsoft.com/office/drawing/2014/main" id="{8A28C56F-AE84-49D0-9AD1-1F0CEEABF710}"/>
               </a:ext>
             </a:extLst>
           </p:cNvPr>
@@ -5913,18 +5905,18 @@
     </p:spTree>
     <p:extLst>
       <p:ext uri="{BB962C8B-B14F-4D97-AF65-F5344CB8AC3E}">
-        <p14:creationId xmlns:p14="http://schemas.microsoft.com/office/powerpoint/2010/main" xmlns="" val="475389923"/>
+        <p14:creationId xmlns:p14="http://schemas.microsoft.com/office/powerpoint/2010/main" val="475389923"/>
       </p:ext>
     </p:extLst>
   </p:cSld>
   <p:clrMapOvr>
     <a:masterClrMapping/>
   </p:clrMapOvr>
-  <mc:AlternateContent xmlns:mc="http://schemas.openxmlformats.org/markup-compatibility/2006">
-    <mc:Choice xmlns:p14="http://schemas.microsoft.com/office/powerpoint/2010/main" xmlns="" Requires="p14">
+  <mc:AlternateContent xmlns:mc="http://schemas.openxmlformats.org/markup-compatibility/2006" xmlns:p14="http://schemas.microsoft.com/office/powerpoint/2010/main">
+    <mc:Choice Requires="p14">
       <p:transition spd="slow" p14:dur="2000" advClick="0" advTm="5000"/>
     </mc:Choice>
-    <mc:Fallback>
+    <mc:Fallback xmlns="">
       <p:transition spd="slow" advClick="0" advTm="5000"/>
     </mc:Fallback>
   </mc:AlternateContent>
@@ -5954,7 +5946,7 @@
           <p:cNvPr id="2" name="Title 1">
             <a:extLst>
               <a:ext uri="{FF2B5EF4-FFF2-40B4-BE49-F238E27FC236}">
-                <a16:creationId xmlns:a16="http://schemas.microsoft.com/office/drawing/2014/main" xmlns="" id="{5213C145-EA12-94EF-AA17-5F628EA0AD2D}"/>
+                <a16:creationId xmlns:a16="http://schemas.microsoft.com/office/drawing/2014/main" id="{5213C145-EA12-94EF-AA17-5F628EA0AD2D}"/>
               </a:ext>
             </a:extLst>
           </p:cNvPr>
@@ -5992,7 +5984,7 @@
           <p:cNvPr id="3" name="Subtitle 2">
             <a:extLst>
               <a:ext uri="{FF2B5EF4-FFF2-40B4-BE49-F238E27FC236}">
-                <a16:creationId xmlns:a16="http://schemas.microsoft.com/office/drawing/2014/main" xmlns="" id="{5F55E72E-5B45-B6EE-75AE-03B188AD9A08}"/>
+                <a16:creationId xmlns:a16="http://schemas.microsoft.com/office/drawing/2014/main" id="{5F55E72E-5B45-B6EE-75AE-03B188AD9A08}"/>
               </a:ext>
             </a:extLst>
           </p:cNvPr>
@@ -6063,7 +6055,7 @@
           <p:cNvPr id="4" name="Date Placeholder 3">
             <a:extLst>
               <a:ext uri="{FF2B5EF4-FFF2-40B4-BE49-F238E27FC236}">
-                <a16:creationId xmlns:a16="http://schemas.microsoft.com/office/drawing/2014/main" xmlns="" id="{30C6A8EA-0240-01AB-A7C2-BD1CD885E1C1}"/>
+                <a16:creationId xmlns:a16="http://schemas.microsoft.com/office/drawing/2014/main" id="{30C6A8EA-0240-01AB-A7C2-BD1CD885E1C1}"/>
               </a:ext>
             </a:extLst>
           </p:cNvPr>
@@ -6082,7 +6074,7 @@
             <a:fld id="{1CF2F75B-1C4E-1E47-AE31-5B79E79ADF4F}" type="datetimeFigureOut">
               <a:rPr lang="x-none" smtClean="0"/>
               <a:pPr/>
-              <a:t>25.8.2023 г.</a:t>
+              <a:t>28.08.23</a:t>
             </a:fld>
             <a:endParaRPr lang="x-none"/>
           </a:p>
@@ -6093,7 +6085,7 @@
           <p:cNvPr id="5" name="Footer Placeholder 4">
             <a:extLst>
               <a:ext uri="{FF2B5EF4-FFF2-40B4-BE49-F238E27FC236}">
-                <a16:creationId xmlns:a16="http://schemas.microsoft.com/office/drawing/2014/main" xmlns="" id="{F95CBF96-4249-1541-E44E-FBCECA233B3C}"/>
+                <a16:creationId xmlns:a16="http://schemas.microsoft.com/office/drawing/2014/main" id="{F95CBF96-4249-1541-E44E-FBCECA233B3C}"/>
               </a:ext>
             </a:extLst>
           </p:cNvPr>
@@ -6118,7 +6110,7 @@
           <p:cNvPr id="6" name="Slide Number Placeholder 5">
             <a:extLst>
               <a:ext uri="{FF2B5EF4-FFF2-40B4-BE49-F238E27FC236}">
-                <a16:creationId xmlns:a16="http://schemas.microsoft.com/office/drawing/2014/main" xmlns="" id="{7ACB54F2-814F-F79B-8CD7-FA3133365CBC}"/>
+                <a16:creationId xmlns:a16="http://schemas.microsoft.com/office/drawing/2014/main" id="{7ACB54F2-814F-F79B-8CD7-FA3133365CBC}"/>
               </a:ext>
             </a:extLst>
           </p:cNvPr>
@@ -6146,7 +6138,7 @@
     </p:spTree>
     <p:extLst>
       <p:ext uri="{BB962C8B-B14F-4D97-AF65-F5344CB8AC3E}">
-        <p14:creationId xmlns:p14="http://schemas.microsoft.com/office/powerpoint/2010/main" xmlns="" val="2773863354"/>
+        <p14:creationId xmlns:p14="http://schemas.microsoft.com/office/powerpoint/2010/main" val="2773863354"/>
       </p:ext>
     </p:extLst>
   </p:cSld>
@@ -6178,7 +6170,7 @@
           <p:cNvPr id="8" name="Rectangle Top">
             <a:extLst>
               <a:ext uri="{FF2B5EF4-FFF2-40B4-BE49-F238E27FC236}">
-                <a16:creationId xmlns:a16="http://schemas.microsoft.com/office/drawing/2014/main" xmlns="" id="{454BD9C2-93A6-4860-A758-846ED0E1C8FA}"/>
+                <a16:creationId xmlns:a16="http://schemas.microsoft.com/office/drawing/2014/main" id="{454BD9C2-93A6-4860-A758-846ED0E1C8FA}"/>
               </a:ext>
             </a:extLst>
           </p:cNvPr>
@@ -6259,7 +6251,7 @@
           <p:cNvPr id="7" name="Slide Number">
             <a:extLst>
               <a:ext uri="{FF2B5EF4-FFF2-40B4-BE49-F238E27FC236}">
-                <a16:creationId xmlns:a16="http://schemas.microsoft.com/office/drawing/2014/main" xmlns="" id="{C1780DB1-0AF0-4108-AFE1-9DA99F0DBCB8}"/>
+                <a16:creationId xmlns:a16="http://schemas.microsoft.com/office/drawing/2014/main" id="{C1780DB1-0AF0-4108-AFE1-9DA99F0DBCB8}"/>
               </a:ext>
             </a:extLst>
           </p:cNvPr>
@@ -6301,7 +6293,7 @@
           <p:cNvPr id="3" name="Slide Body Text">
             <a:extLst>
               <a:ext uri="{FF2B5EF4-FFF2-40B4-BE49-F238E27FC236}">
-                <a16:creationId xmlns:a16="http://schemas.microsoft.com/office/drawing/2014/main" xmlns="" id="{5A9D2960-6D42-439F-82E8-812822013A10}"/>
+                <a16:creationId xmlns:a16="http://schemas.microsoft.com/office/drawing/2014/main" id="{5A9D2960-6D42-439F-82E8-812822013A10}"/>
               </a:ext>
             </a:extLst>
           </p:cNvPr>
@@ -6379,7 +6371,7 @@
           <p:cNvPr id="13" name="Rectangle Top">
             <a:extLst>
               <a:ext uri="{FF2B5EF4-FFF2-40B4-BE49-F238E27FC236}">
-                <a16:creationId xmlns:a16="http://schemas.microsoft.com/office/drawing/2014/main" xmlns="" id="{391AFA4E-7870-4561-A1B8-AC956B0C8931}"/>
+                <a16:creationId xmlns:a16="http://schemas.microsoft.com/office/drawing/2014/main" id="{391AFA4E-7870-4561-A1B8-AC956B0C8931}"/>
               </a:ext>
             </a:extLst>
           </p:cNvPr>
@@ -6460,7 +6452,7 @@
           <p:cNvPr id="12" name="Logo Software University" descr="Software University logo">
             <a:extLst>
               <a:ext uri="{FF2B5EF4-FFF2-40B4-BE49-F238E27FC236}">
-                <a16:creationId xmlns:a16="http://schemas.microsoft.com/office/drawing/2014/main" xmlns="" id="{B1D3B425-B9BF-43ED-9DEC-C05002FBA22F}"/>
+                <a16:creationId xmlns:a16="http://schemas.microsoft.com/office/drawing/2014/main" id="{B1D3B425-B9BF-43ED-9DEC-C05002FBA22F}"/>
               </a:ext>
             </a:extLst>
           </p:cNvPr>
@@ -6473,7 +6465,7 @@
           <a:blip r:embed="rId2" cstate="print">
             <a:extLst>
               <a:ext uri="{28A0092B-C50C-407E-A947-70E740481C1C}">
-                <a14:useLocalDpi xmlns:a14="http://schemas.microsoft.com/office/drawing/2010/main" xmlns="" val="0"/>
+                <a14:useLocalDpi xmlns:a14="http://schemas.microsoft.com/office/drawing/2010/main" val="0"/>
               </a:ext>
             </a:extLst>
           </a:blip>
@@ -6496,7 +6488,7 @@
           <p:cNvPr id="6" name="Slide Title">
             <a:extLst>
               <a:ext uri="{FF2B5EF4-FFF2-40B4-BE49-F238E27FC236}">
-                <a16:creationId xmlns:a16="http://schemas.microsoft.com/office/drawing/2014/main" xmlns="" id="{19B5B676-7892-440F-8191-7109B2C59885}"/>
+                <a16:creationId xmlns:a16="http://schemas.microsoft.com/office/drawing/2014/main" id="{19B5B676-7892-440F-8191-7109B2C59885}"/>
               </a:ext>
             </a:extLst>
           </p:cNvPr>
@@ -6535,18 +6527,18 @@
     </p:spTree>
     <p:extLst>
       <p:ext uri="{BB962C8B-B14F-4D97-AF65-F5344CB8AC3E}">
-        <p14:creationId xmlns:p14="http://schemas.microsoft.com/office/powerpoint/2010/main" xmlns="" val="2685365194"/>
+        <p14:creationId xmlns:p14="http://schemas.microsoft.com/office/powerpoint/2010/main" val="2685365194"/>
       </p:ext>
     </p:extLst>
   </p:cSld>
   <p:clrMapOvr>
     <a:masterClrMapping/>
   </p:clrMapOvr>
-  <mc:AlternateContent xmlns:mc="http://schemas.openxmlformats.org/markup-compatibility/2006">
-    <mc:Choice xmlns:p14="http://schemas.microsoft.com/office/powerpoint/2010/main" xmlns="" Requires="p14">
+  <mc:AlternateContent xmlns:mc="http://schemas.openxmlformats.org/markup-compatibility/2006" xmlns:p14="http://schemas.microsoft.com/office/powerpoint/2010/main">
+    <mc:Choice Requires="p14">
       <p:transition spd="slow" p14:dur="2000" advClick="0" advTm="5000"/>
     </mc:Choice>
-    <mc:Fallback>
+    <mc:Fallback xmlns="">
       <p:transition spd="slow" advClick="0" advTm="5000"/>
     </mc:Fallback>
   </mc:AlternateContent>
@@ -7593,7 +7585,7 @@
             <a:fld id="{1D8BD707-D9CF-40AE-B4C6-C98DA3205C09}" type="datetimeFigureOut">
               <a:rPr lang="en-US"/>
               <a:pPr/>
-              <a:t>8/25/2023</a:t>
+              <a:t>8/28/23</a:t>
             </a:fld>
             <a:endParaRPr lang="en-US" dirty="0"/>
           </a:p>
@@ -7653,7 +7645,7 @@
     </p:spTree>
     <p:extLst>
       <p:ext uri="{BB962C8B-B14F-4D97-AF65-F5344CB8AC3E}">
-        <p14:creationId xmlns:p14="http://schemas.microsoft.com/office/powerpoint/2010/main" xmlns="" val="2531485629"/>
+        <p14:creationId xmlns:p14="http://schemas.microsoft.com/office/powerpoint/2010/main" val="2531485629"/>
       </p:ext>
     </p:extLst>
   </p:cSld>
@@ -7849,18 +7841,18 @@
     </p:spTree>
     <p:extLst>
       <p:ext uri="{BB962C8B-B14F-4D97-AF65-F5344CB8AC3E}">
-        <p14:creationId xmlns:p14="http://schemas.microsoft.com/office/powerpoint/2010/main" xmlns="" val="3529216409"/>
+        <p14:creationId xmlns:p14="http://schemas.microsoft.com/office/powerpoint/2010/main" val="3529216409"/>
       </p:ext>
     </p:extLst>
   </p:cSld>
   <p:clrMapOvr>
     <a:masterClrMapping/>
   </p:clrMapOvr>
-  <mc:AlternateContent xmlns:mc="http://schemas.openxmlformats.org/markup-compatibility/2006">
-    <mc:Choice xmlns:p14="http://schemas.microsoft.com/office/powerpoint/2010/main" xmlns="" Requires="p14">
+  <mc:AlternateContent xmlns:mc="http://schemas.openxmlformats.org/markup-compatibility/2006" xmlns:p14="http://schemas.microsoft.com/office/powerpoint/2010/main">
+    <mc:Choice Requires="p14">
       <p:transition spd="slow" p14:dur="2000" advClick="0" advTm="5000"/>
     </mc:Choice>
-    <mc:Fallback>
+    <mc:Fallback xmlns="">
       <p:transition spd="slow" advClick="0" advTm="5000"/>
     </mc:Fallback>
   </mc:AlternateContent>
@@ -7889,7 +7881,7 @@
           <p:cNvPr id="7" name="Slide Number">
             <a:extLst>
               <a:ext uri="{FF2B5EF4-FFF2-40B4-BE49-F238E27FC236}">
-                <a16:creationId xmlns:a16="http://schemas.microsoft.com/office/drawing/2014/main" xmlns="" id="{C1780DB1-0AF0-4108-AFE1-9DA99F0DBCB8}"/>
+                <a16:creationId xmlns:a16="http://schemas.microsoft.com/office/drawing/2014/main" id="{C1780DB1-0AF0-4108-AFE1-9DA99F0DBCB8}"/>
               </a:ext>
             </a:extLst>
           </p:cNvPr>
@@ -7931,7 +7923,7 @@
           <p:cNvPr id="3" name="Slide Body Text">
             <a:extLst>
               <a:ext uri="{FF2B5EF4-FFF2-40B4-BE49-F238E27FC236}">
-                <a16:creationId xmlns:a16="http://schemas.microsoft.com/office/drawing/2014/main" xmlns="" id="{5A9D2960-6D42-439F-82E8-812822013A10}"/>
+                <a16:creationId xmlns:a16="http://schemas.microsoft.com/office/drawing/2014/main" id="{5A9D2960-6D42-439F-82E8-812822013A10}"/>
               </a:ext>
             </a:extLst>
           </p:cNvPr>
@@ -8009,7 +8001,7 @@
           <p:cNvPr id="13" name="Rectangle Top">
             <a:extLst>
               <a:ext uri="{FF2B5EF4-FFF2-40B4-BE49-F238E27FC236}">
-                <a16:creationId xmlns:a16="http://schemas.microsoft.com/office/drawing/2014/main" xmlns="" id="{391AFA4E-7870-4561-A1B8-AC956B0C8931}"/>
+                <a16:creationId xmlns:a16="http://schemas.microsoft.com/office/drawing/2014/main" id="{391AFA4E-7870-4561-A1B8-AC956B0C8931}"/>
               </a:ext>
             </a:extLst>
           </p:cNvPr>
@@ -8090,7 +8082,7 @@
           <p:cNvPr id="12" name="Logo Software University" descr="Software University logo">
             <a:extLst>
               <a:ext uri="{FF2B5EF4-FFF2-40B4-BE49-F238E27FC236}">
-                <a16:creationId xmlns:a16="http://schemas.microsoft.com/office/drawing/2014/main" xmlns="" id="{B1D3B425-B9BF-43ED-9DEC-C05002FBA22F}"/>
+                <a16:creationId xmlns:a16="http://schemas.microsoft.com/office/drawing/2014/main" id="{B1D3B425-B9BF-43ED-9DEC-C05002FBA22F}"/>
               </a:ext>
             </a:extLst>
           </p:cNvPr>
@@ -8103,7 +8095,7 @@
           <a:blip r:embed="rId2" cstate="print">
             <a:extLst>
               <a:ext uri="{28A0092B-C50C-407E-A947-70E740481C1C}">
-                <a14:useLocalDpi xmlns:a14="http://schemas.microsoft.com/office/drawing/2010/main" xmlns="" val="0"/>
+                <a14:useLocalDpi xmlns:a14="http://schemas.microsoft.com/office/drawing/2010/main" val="0"/>
               </a:ext>
             </a:extLst>
           </a:blip>
@@ -8126,7 +8118,7 @@
           <p:cNvPr id="6" name="Slide Title">
             <a:extLst>
               <a:ext uri="{FF2B5EF4-FFF2-40B4-BE49-F238E27FC236}">
-                <a16:creationId xmlns:a16="http://schemas.microsoft.com/office/drawing/2014/main" xmlns="" id="{19B5B676-7892-440F-8191-7109B2C59885}"/>
+                <a16:creationId xmlns:a16="http://schemas.microsoft.com/office/drawing/2014/main" id="{19B5B676-7892-440F-8191-7109B2C59885}"/>
               </a:ext>
             </a:extLst>
           </p:cNvPr>
@@ -8165,18 +8157,18 @@
     </p:spTree>
     <p:extLst>
       <p:ext uri="{BB962C8B-B14F-4D97-AF65-F5344CB8AC3E}">
-        <p14:creationId xmlns:p14="http://schemas.microsoft.com/office/powerpoint/2010/main" xmlns="" val="1102970716"/>
+        <p14:creationId xmlns:p14="http://schemas.microsoft.com/office/powerpoint/2010/main" val="1102970716"/>
       </p:ext>
     </p:extLst>
   </p:cSld>
   <p:clrMapOvr>
     <a:masterClrMapping/>
   </p:clrMapOvr>
-  <mc:AlternateContent xmlns:mc="http://schemas.openxmlformats.org/markup-compatibility/2006">
-    <mc:Choice xmlns:p14="http://schemas.microsoft.com/office/powerpoint/2010/main" xmlns="" Requires="p14">
+  <mc:AlternateContent xmlns:mc="http://schemas.openxmlformats.org/markup-compatibility/2006" xmlns:p14="http://schemas.microsoft.com/office/powerpoint/2010/main">
+    <mc:Choice Requires="p14">
       <p:transition spd="slow" p14:dur="2000" advClick="0" advTm="5000"/>
     </mc:Choice>
-    <mc:Fallback>
+    <mc:Fallback xmlns="">
       <p:transition spd="slow" advClick="0" advTm="5000"/>
     </mc:Fallback>
   </mc:AlternateContent>
@@ -8205,7 +8197,7 @@
           <p:cNvPr id="9" name="Slide Number">
             <a:extLst>
               <a:ext uri="{FF2B5EF4-FFF2-40B4-BE49-F238E27FC236}">
-                <a16:creationId xmlns:a16="http://schemas.microsoft.com/office/drawing/2014/main" xmlns="" id="{0020EB61-2079-41A3-B356-B1D8D48D786E}"/>
+                <a16:creationId xmlns:a16="http://schemas.microsoft.com/office/drawing/2014/main" id="{0020EB61-2079-41A3-B356-B1D8D48D786E}"/>
               </a:ext>
             </a:extLst>
           </p:cNvPr>
@@ -8322,7 +8314,7 @@
           <p:cNvPr id="7" name="Slide Body Text">
             <a:extLst>
               <a:ext uri="{FF2B5EF4-FFF2-40B4-BE49-F238E27FC236}">
-                <a16:creationId xmlns:a16="http://schemas.microsoft.com/office/drawing/2014/main" xmlns="" id="{CB4CB13C-66A1-466B-A6C1-B0BABF5CFEC1}"/>
+                <a16:creationId xmlns:a16="http://schemas.microsoft.com/office/drawing/2014/main" id="{CB4CB13C-66A1-466B-A6C1-B0BABF5CFEC1}"/>
               </a:ext>
             </a:extLst>
           </p:cNvPr>
@@ -8420,7 +8412,7 @@
           <p:cNvPr id="3" name="Logo Software University" descr="Software University logo">
             <a:extLst>
               <a:ext uri="{FF2B5EF4-FFF2-40B4-BE49-F238E27FC236}">
-                <a16:creationId xmlns:a16="http://schemas.microsoft.com/office/drawing/2014/main" xmlns="" id="{5573C101-930B-47AC-967A-A64513DFFDEE}"/>
+                <a16:creationId xmlns:a16="http://schemas.microsoft.com/office/drawing/2014/main" id="{5573C101-930B-47AC-967A-A64513DFFDEE}"/>
               </a:ext>
             </a:extLst>
           </p:cNvPr>
@@ -8443,7 +8435,7 @@
             </a:clrChange>
             <a:extLst>
               <a:ext uri="{28A0092B-C50C-407E-A947-70E740481C1C}">
-                <a14:useLocalDpi xmlns:a14="http://schemas.microsoft.com/office/drawing/2010/main" xmlns="" val="0"/>
+                <a14:useLocalDpi xmlns:a14="http://schemas.microsoft.com/office/drawing/2010/main" val="0"/>
               </a:ext>
             </a:extLst>
           </a:blip>
@@ -8466,7 +8458,7 @@
           <p:cNvPr id="8" name="Slide Title">
             <a:extLst>
               <a:ext uri="{FF2B5EF4-FFF2-40B4-BE49-F238E27FC236}">
-                <a16:creationId xmlns:a16="http://schemas.microsoft.com/office/drawing/2014/main" xmlns="" id="{E2DA9691-CDF5-499C-94BB-AAA61DAC1BFB}"/>
+                <a16:creationId xmlns:a16="http://schemas.microsoft.com/office/drawing/2014/main" id="{E2DA9691-CDF5-499C-94BB-AAA61DAC1BFB}"/>
               </a:ext>
             </a:extLst>
           </p:cNvPr>
@@ -8503,7 +8495,7 @@
           <p:cNvPr id="10" name="Group 9">
             <a:extLst>
               <a:ext uri="{FF2B5EF4-FFF2-40B4-BE49-F238E27FC236}">
-                <a16:creationId xmlns:a16="http://schemas.microsoft.com/office/drawing/2014/main" xmlns="" id="{43CDBCC2-1C96-44BC-B992-7B0C49C34904}"/>
+                <a16:creationId xmlns:a16="http://schemas.microsoft.com/office/drawing/2014/main" id="{43CDBCC2-1C96-44BC-B992-7B0C49C34904}"/>
               </a:ext>
             </a:extLst>
           </p:cNvPr>
@@ -8523,7 +8515,7 @@
             <p:cNvPr id="11" name="Group 10">
               <a:extLst>
                 <a:ext uri="{FF2B5EF4-FFF2-40B4-BE49-F238E27FC236}">
-                  <a16:creationId xmlns:a16="http://schemas.microsoft.com/office/drawing/2014/main" xmlns="" id="{7D71B3A8-4D39-42CF-9255-81EA3A622DD6}"/>
+                  <a16:creationId xmlns:a16="http://schemas.microsoft.com/office/drawing/2014/main" id="{7D71B3A8-4D39-42CF-9255-81EA3A622DD6}"/>
                 </a:ext>
               </a:extLst>
             </p:cNvPr>
@@ -8543,7 +8535,7 @@
               <p:cNvPr id="25" name="Oval 24">
                 <a:extLst>
                   <a:ext uri="{FF2B5EF4-FFF2-40B4-BE49-F238E27FC236}">
-                    <a16:creationId xmlns:a16="http://schemas.microsoft.com/office/drawing/2014/main" xmlns="" id="{B98059F9-1874-426D-8AF7-A12C21F37DD9}"/>
+                    <a16:creationId xmlns:a16="http://schemas.microsoft.com/office/drawing/2014/main" id="{B98059F9-1874-426D-8AF7-A12C21F37DD9}"/>
                   </a:ext>
                 </a:extLst>
               </p:cNvPr>
@@ -8595,7 +8587,7 @@
               <p:cNvPr id="26" name="Rectangle 5">
                 <a:extLst>
                   <a:ext uri="{FF2B5EF4-FFF2-40B4-BE49-F238E27FC236}">
-                    <a16:creationId xmlns:a16="http://schemas.microsoft.com/office/drawing/2014/main" xmlns="" id="{A3A1E077-DBDF-48F0-A924-604984B940A2}"/>
+                    <a16:creationId xmlns:a16="http://schemas.microsoft.com/office/drawing/2014/main" id="{A3A1E077-DBDF-48F0-A924-604984B940A2}"/>
                   </a:ext>
                 </a:extLst>
               </p:cNvPr>
@@ -8740,7 +8732,7 @@
               <p:cNvPr id="27" name="Rectangle 5">
                 <a:extLst>
                   <a:ext uri="{FF2B5EF4-FFF2-40B4-BE49-F238E27FC236}">
-                    <a16:creationId xmlns:a16="http://schemas.microsoft.com/office/drawing/2014/main" xmlns="" id="{798B1F51-1FA4-4199-81C7-62356C936CC9}"/>
+                    <a16:creationId xmlns:a16="http://schemas.microsoft.com/office/drawing/2014/main" id="{798B1F51-1FA4-4199-81C7-62356C936CC9}"/>
                   </a:ext>
                 </a:extLst>
               </p:cNvPr>
@@ -8885,7 +8877,7 @@
               <p:cNvPr id="28" name="Arc 27">
                 <a:extLst>
                   <a:ext uri="{FF2B5EF4-FFF2-40B4-BE49-F238E27FC236}">
-                    <a16:creationId xmlns:a16="http://schemas.microsoft.com/office/drawing/2014/main" xmlns="" id="{40A224C8-1233-40F7-96AB-BFF79AF6CDCB}"/>
+                    <a16:creationId xmlns:a16="http://schemas.microsoft.com/office/drawing/2014/main" id="{40A224C8-1233-40F7-96AB-BFF79AF6CDCB}"/>
                   </a:ext>
                 </a:extLst>
               </p:cNvPr>
@@ -8944,7 +8936,7 @@
               <p:cNvPr id="29" name="Arc 28">
                 <a:extLst>
                   <a:ext uri="{FF2B5EF4-FFF2-40B4-BE49-F238E27FC236}">
-                    <a16:creationId xmlns:a16="http://schemas.microsoft.com/office/drawing/2014/main" xmlns="" id="{B57C7CCC-E218-4321-8C7B-3F0C5753C7A1}"/>
+                    <a16:creationId xmlns:a16="http://schemas.microsoft.com/office/drawing/2014/main" id="{B57C7CCC-E218-4321-8C7B-3F0C5753C7A1}"/>
                   </a:ext>
                 </a:extLst>
               </p:cNvPr>
@@ -9004,7 +8996,7 @@
             <p:cNvPr id="13" name="Rectangle: Rounded Corners 12">
               <a:extLst>
                 <a:ext uri="{FF2B5EF4-FFF2-40B4-BE49-F238E27FC236}">
-                  <a16:creationId xmlns:a16="http://schemas.microsoft.com/office/drawing/2014/main" xmlns="" id="{6AF309CA-A56C-4ABC-B293-420F4EB1A9B4}"/>
+                  <a16:creationId xmlns:a16="http://schemas.microsoft.com/office/drawing/2014/main" id="{6AF309CA-A56C-4ABC-B293-420F4EB1A9B4}"/>
                 </a:ext>
               </a:extLst>
             </p:cNvPr>
@@ -9058,7 +9050,7 @@
             <p:cNvPr id="14" name="Rectangle: Rounded Corners 13">
               <a:extLst>
                 <a:ext uri="{FF2B5EF4-FFF2-40B4-BE49-F238E27FC236}">
-                  <a16:creationId xmlns:a16="http://schemas.microsoft.com/office/drawing/2014/main" xmlns="" id="{07955808-2AC7-44EB-8B6D-82B974E53A3C}"/>
+                  <a16:creationId xmlns:a16="http://schemas.microsoft.com/office/drawing/2014/main" id="{07955808-2AC7-44EB-8B6D-82B974E53A3C}"/>
                 </a:ext>
               </a:extLst>
             </p:cNvPr>
@@ -9119,7 +9111,7 @@
             <p:cNvPr id="15" name="Straight Connector 14">
               <a:extLst>
                 <a:ext uri="{FF2B5EF4-FFF2-40B4-BE49-F238E27FC236}">
-                  <a16:creationId xmlns:a16="http://schemas.microsoft.com/office/drawing/2014/main" xmlns="" id="{AC6420D7-AEAB-45EF-8D46-11EB06E4AFEA}"/>
+                  <a16:creationId xmlns:a16="http://schemas.microsoft.com/office/drawing/2014/main" id="{AC6420D7-AEAB-45EF-8D46-11EB06E4AFEA}"/>
                 </a:ext>
               </a:extLst>
             </p:cNvPr>
@@ -9165,7 +9157,7 @@
             <p:cNvPr id="16" name="Straight Connector 15">
               <a:extLst>
                 <a:ext uri="{FF2B5EF4-FFF2-40B4-BE49-F238E27FC236}">
-                  <a16:creationId xmlns:a16="http://schemas.microsoft.com/office/drawing/2014/main" xmlns="" id="{76C7FABC-6773-44F6-990B-3EB082BE9B35}"/>
+                  <a16:creationId xmlns:a16="http://schemas.microsoft.com/office/drawing/2014/main" id="{76C7FABC-6773-44F6-990B-3EB082BE9B35}"/>
                 </a:ext>
               </a:extLst>
             </p:cNvPr>
@@ -9211,7 +9203,7 @@
             <p:cNvPr id="17" name="Group 16">
               <a:extLst>
                 <a:ext uri="{FF2B5EF4-FFF2-40B4-BE49-F238E27FC236}">
-                  <a16:creationId xmlns:a16="http://schemas.microsoft.com/office/drawing/2014/main" xmlns="" id="{1FAD48E1-DC45-4B3D-9CE5-613250708496}"/>
+                  <a16:creationId xmlns:a16="http://schemas.microsoft.com/office/drawing/2014/main" id="{1FAD48E1-DC45-4B3D-9CE5-613250708496}"/>
                 </a:ext>
               </a:extLst>
             </p:cNvPr>
@@ -9234,7 +9226,7 @@
               <p:cNvPr id="23" name="Straight Connector 22">
                 <a:extLst>
                   <a:ext uri="{FF2B5EF4-FFF2-40B4-BE49-F238E27FC236}">
-                    <a16:creationId xmlns:a16="http://schemas.microsoft.com/office/drawing/2014/main" xmlns="" id="{B01FD1D1-046F-457B-AB63-2702CE3E906E}"/>
+                    <a16:creationId xmlns:a16="http://schemas.microsoft.com/office/drawing/2014/main" id="{B01FD1D1-046F-457B-AB63-2702CE3E906E}"/>
                   </a:ext>
                 </a:extLst>
               </p:cNvPr>
@@ -9278,7 +9270,7 @@
               <p:cNvPr id="24" name="Straight Connector 23">
                 <a:extLst>
                   <a:ext uri="{FF2B5EF4-FFF2-40B4-BE49-F238E27FC236}">
-                    <a16:creationId xmlns:a16="http://schemas.microsoft.com/office/drawing/2014/main" xmlns="" id="{895660C3-C72C-43EE-9C4A-170F85E5BE08}"/>
+                    <a16:creationId xmlns:a16="http://schemas.microsoft.com/office/drawing/2014/main" id="{895660C3-C72C-43EE-9C4A-170F85E5BE08}"/>
                   </a:ext>
                 </a:extLst>
               </p:cNvPr>
@@ -9323,7 +9315,7 @@
             <p:cNvPr id="19" name="Straight Connector 18">
               <a:extLst>
                 <a:ext uri="{FF2B5EF4-FFF2-40B4-BE49-F238E27FC236}">
-                  <a16:creationId xmlns:a16="http://schemas.microsoft.com/office/drawing/2014/main" xmlns="" id="{A74EE503-8FC0-42A6-8860-CA4EE42272E4}"/>
+                  <a16:creationId xmlns:a16="http://schemas.microsoft.com/office/drawing/2014/main" id="{A74EE503-8FC0-42A6-8860-CA4EE42272E4}"/>
                 </a:ext>
               </a:extLst>
             </p:cNvPr>
@@ -9369,7 +9361,7 @@
             <p:cNvPr id="12" name="Rectangle: Rounded Corners 11">
               <a:extLst>
                 <a:ext uri="{FF2B5EF4-FFF2-40B4-BE49-F238E27FC236}">
-                  <a16:creationId xmlns:a16="http://schemas.microsoft.com/office/drawing/2014/main" xmlns="" id="{F4189FDA-9FE8-490B-8A70-2E941811021F}"/>
+                  <a16:creationId xmlns:a16="http://schemas.microsoft.com/office/drawing/2014/main" id="{F4189FDA-9FE8-490B-8A70-2E941811021F}"/>
                 </a:ext>
               </a:extLst>
             </p:cNvPr>
@@ -9423,7 +9415,7 @@
             <p:cNvPr id="18" name="Group 17">
               <a:extLst>
                 <a:ext uri="{FF2B5EF4-FFF2-40B4-BE49-F238E27FC236}">
-                  <a16:creationId xmlns:a16="http://schemas.microsoft.com/office/drawing/2014/main" xmlns="" id="{FDA3EFCD-0DF8-419D-8533-D781521E597E}"/>
+                  <a16:creationId xmlns:a16="http://schemas.microsoft.com/office/drawing/2014/main" id="{FDA3EFCD-0DF8-419D-8533-D781521E597E}"/>
                 </a:ext>
               </a:extLst>
             </p:cNvPr>
@@ -9446,7 +9438,7 @@
               <p:cNvPr id="21" name="Straight Connector 20">
                 <a:extLst>
                   <a:ext uri="{FF2B5EF4-FFF2-40B4-BE49-F238E27FC236}">
-                    <a16:creationId xmlns:a16="http://schemas.microsoft.com/office/drawing/2014/main" xmlns="" id="{C3CC6A5A-182E-4A09-9C04-EB191881D789}"/>
+                    <a16:creationId xmlns:a16="http://schemas.microsoft.com/office/drawing/2014/main" id="{C3CC6A5A-182E-4A09-9C04-EB191881D789}"/>
                   </a:ext>
                 </a:extLst>
               </p:cNvPr>
@@ -9490,7 +9482,7 @@
               <p:cNvPr id="22" name="Straight Connector 21">
                 <a:extLst>
                   <a:ext uri="{FF2B5EF4-FFF2-40B4-BE49-F238E27FC236}">
-                    <a16:creationId xmlns:a16="http://schemas.microsoft.com/office/drawing/2014/main" xmlns="" id="{440C8953-0555-48CC-8255-78F17E053EE7}"/>
+                    <a16:creationId xmlns:a16="http://schemas.microsoft.com/office/drawing/2014/main" id="{440C8953-0555-48CC-8255-78F17E053EE7}"/>
                   </a:ext>
                 </a:extLst>
               </p:cNvPr>
@@ -9536,7 +9528,7 @@
           <p:cNvPr id="34" name="Straight Connector 33">
             <a:extLst>
               <a:ext uri="{FF2B5EF4-FFF2-40B4-BE49-F238E27FC236}">
-                <a16:creationId xmlns:a16="http://schemas.microsoft.com/office/drawing/2014/main" xmlns="" id="{29B538CA-8CCB-43FB-B5E5-5FC04EBC1F54}"/>
+                <a16:creationId xmlns:a16="http://schemas.microsoft.com/office/drawing/2014/main" id="{29B538CA-8CCB-43FB-B5E5-5FC04EBC1F54}"/>
               </a:ext>
             </a:extLst>
           </p:cNvPr>
@@ -9581,18 +9573,18 @@
     </p:spTree>
     <p:extLst>
       <p:ext uri="{BB962C8B-B14F-4D97-AF65-F5344CB8AC3E}">
-        <p14:creationId xmlns:p14="http://schemas.microsoft.com/office/powerpoint/2010/main" xmlns="" val="743545348"/>
+        <p14:creationId xmlns:p14="http://schemas.microsoft.com/office/powerpoint/2010/main" val="743545348"/>
       </p:ext>
     </p:extLst>
   </p:cSld>
   <p:clrMapOvr>
     <a:masterClrMapping/>
   </p:clrMapOvr>
-  <mc:AlternateContent xmlns:mc="http://schemas.openxmlformats.org/markup-compatibility/2006">
-    <mc:Choice xmlns:p14="http://schemas.microsoft.com/office/powerpoint/2010/main" xmlns="" Requires="p14">
+  <mc:AlternateContent xmlns:mc="http://schemas.openxmlformats.org/markup-compatibility/2006" xmlns:p14="http://schemas.microsoft.com/office/powerpoint/2010/main">
+    <mc:Choice Requires="p14">
       <p:transition spd="slow" p14:dur="2000" advClick="0" advTm="5000"/>
     </mc:Choice>
-    <mc:Fallback>
+    <mc:Fallback xmlns="">
       <p:transition spd="slow" advClick="0" advTm="5000"/>
     </mc:Fallback>
   </mc:AlternateContent>
@@ -9621,7 +9613,7 @@
           <p:cNvPr id="9" name="Slide Number">
             <a:extLst>
               <a:ext uri="{FF2B5EF4-FFF2-40B4-BE49-F238E27FC236}">
-                <a16:creationId xmlns:a16="http://schemas.microsoft.com/office/drawing/2014/main" xmlns="" id="{1865BF6B-7F07-4E9C-879F-80E36EEB3405}"/>
+                <a16:creationId xmlns:a16="http://schemas.microsoft.com/office/drawing/2014/main" id="{1865BF6B-7F07-4E9C-879F-80E36EEB3405}"/>
               </a:ext>
             </a:extLst>
           </p:cNvPr>
@@ -9663,7 +9655,7 @@
           <p:cNvPr id="12" name="Rectangle Left">
             <a:extLst>
               <a:ext uri="{FF2B5EF4-FFF2-40B4-BE49-F238E27FC236}">
-                <a16:creationId xmlns:a16="http://schemas.microsoft.com/office/drawing/2014/main" xmlns="" id="{345FB1C8-7F66-4D5C-ACCE-AE919936BCFD}"/>
+                <a16:creationId xmlns:a16="http://schemas.microsoft.com/office/drawing/2014/main" id="{345FB1C8-7F66-4D5C-ACCE-AE919936BCFD}"/>
               </a:ext>
             </a:extLst>
           </p:cNvPr>
@@ -9744,7 +9736,7 @@
           <p:cNvPr id="15" name="Slide Body Text">
             <a:extLst>
               <a:ext uri="{FF2B5EF4-FFF2-40B4-BE49-F238E27FC236}">
-                <a16:creationId xmlns:a16="http://schemas.microsoft.com/office/drawing/2014/main" xmlns="" id="{6157C8DE-E0AF-422B-BBB1-F0AF1264B5E9}"/>
+                <a16:creationId xmlns:a16="http://schemas.microsoft.com/office/drawing/2014/main" id="{6157C8DE-E0AF-422B-BBB1-F0AF1264B5E9}"/>
               </a:ext>
             </a:extLst>
           </p:cNvPr>
@@ -9842,7 +9834,7 @@
           <p:cNvPr id="16" name="Logo Software University" descr="Software University logo">
             <a:extLst>
               <a:ext uri="{FF2B5EF4-FFF2-40B4-BE49-F238E27FC236}">
-                <a16:creationId xmlns:a16="http://schemas.microsoft.com/office/drawing/2014/main" xmlns="" id="{EFEBB553-EACE-4B4F-8B4F-7629FDD910A4}"/>
+                <a16:creationId xmlns:a16="http://schemas.microsoft.com/office/drawing/2014/main" id="{EFEBB553-EACE-4B4F-8B4F-7629FDD910A4}"/>
               </a:ext>
             </a:extLst>
           </p:cNvPr>
@@ -9865,7 +9857,7 @@
             </a:clrChange>
             <a:extLst>
               <a:ext uri="{28A0092B-C50C-407E-A947-70E740481C1C}">
-                <a14:useLocalDpi xmlns:a14="http://schemas.microsoft.com/office/drawing/2010/main" xmlns="" val="0"/>
+                <a14:useLocalDpi xmlns:a14="http://schemas.microsoft.com/office/drawing/2010/main" val="0"/>
               </a:ext>
             </a:extLst>
           </a:blip>
@@ -9888,7 +9880,7 @@
           <p:cNvPr id="13" name="Slide Title">
             <a:extLst>
               <a:ext uri="{FF2B5EF4-FFF2-40B4-BE49-F238E27FC236}">
-                <a16:creationId xmlns:a16="http://schemas.microsoft.com/office/drawing/2014/main" xmlns="" id="{0D5CC956-5C4A-44BE-8F8B-327FAFA51E97}"/>
+                <a16:creationId xmlns:a16="http://schemas.microsoft.com/office/drawing/2014/main" id="{0D5CC956-5C4A-44BE-8F8B-327FAFA51E97}"/>
               </a:ext>
             </a:extLst>
           </p:cNvPr>
@@ -9925,7 +9917,7 @@
           <p:cNvPr id="33" name="Group 32">
             <a:extLst>
               <a:ext uri="{FF2B5EF4-FFF2-40B4-BE49-F238E27FC236}">
-                <a16:creationId xmlns:a16="http://schemas.microsoft.com/office/drawing/2014/main" xmlns="" id="{7CF60135-47AA-48F0-96BA-0E795668ABDB}"/>
+                <a16:creationId xmlns:a16="http://schemas.microsoft.com/office/drawing/2014/main" id="{7CF60135-47AA-48F0-96BA-0E795668ABDB}"/>
               </a:ext>
             </a:extLst>
           </p:cNvPr>
@@ -9945,7 +9937,7 @@
             <p:cNvPr id="34" name="Group 33">
               <a:extLst>
                 <a:ext uri="{FF2B5EF4-FFF2-40B4-BE49-F238E27FC236}">
-                  <a16:creationId xmlns:a16="http://schemas.microsoft.com/office/drawing/2014/main" xmlns="" id="{2823380E-3936-41AF-BDF7-DA54D75BBF6B}"/>
+                  <a16:creationId xmlns:a16="http://schemas.microsoft.com/office/drawing/2014/main" id="{2823380E-3936-41AF-BDF7-DA54D75BBF6B}"/>
                 </a:ext>
               </a:extLst>
             </p:cNvPr>
@@ -9965,7 +9957,7 @@
               <p:cNvPr id="47" name="Oval 46">
                 <a:extLst>
                   <a:ext uri="{FF2B5EF4-FFF2-40B4-BE49-F238E27FC236}">
-                    <a16:creationId xmlns:a16="http://schemas.microsoft.com/office/drawing/2014/main" xmlns="" id="{52B047D9-D8DD-45C7-9BC8-6D4F682F5182}"/>
+                    <a16:creationId xmlns:a16="http://schemas.microsoft.com/office/drawing/2014/main" id="{52B047D9-D8DD-45C7-9BC8-6D4F682F5182}"/>
                   </a:ext>
                 </a:extLst>
               </p:cNvPr>
@@ -10017,7 +10009,7 @@
               <p:cNvPr id="48" name="Rectangle 5">
                 <a:extLst>
                   <a:ext uri="{FF2B5EF4-FFF2-40B4-BE49-F238E27FC236}">
-                    <a16:creationId xmlns:a16="http://schemas.microsoft.com/office/drawing/2014/main" xmlns="" id="{4D84FE51-BD8E-47EA-9463-CE02FEA31766}"/>
+                    <a16:creationId xmlns:a16="http://schemas.microsoft.com/office/drawing/2014/main" id="{4D84FE51-BD8E-47EA-9463-CE02FEA31766}"/>
                   </a:ext>
                 </a:extLst>
               </p:cNvPr>
@@ -10162,7 +10154,7 @@
               <p:cNvPr id="49" name="Rectangle 5">
                 <a:extLst>
                   <a:ext uri="{FF2B5EF4-FFF2-40B4-BE49-F238E27FC236}">
-                    <a16:creationId xmlns:a16="http://schemas.microsoft.com/office/drawing/2014/main" xmlns="" id="{F5C8F037-C197-4219-AC87-3A81763512BC}"/>
+                    <a16:creationId xmlns:a16="http://schemas.microsoft.com/office/drawing/2014/main" id="{F5C8F037-C197-4219-AC87-3A81763512BC}"/>
                   </a:ext>
                 </a:extLst>
               </p:cNvPr>
@@ -10307,7 +10299,7 @@
               <p:cNvPr id="50" name="Arc 49">
                 <a:extLst>
                   <a:ext uri="{FF2B5EF4-FFF2-40B4-BE49-F238E27FC236}">
-                    <a16:creationId xmlns:a16="http://schemas.microsoft.com/office/drawing/2014/main" xmlns="" id="{786EE401-CF8E-439B-94A0-EE6F3A7D5798}"/>
+                    <a16:creationId xmlns:a16="http://schemas.microsoft.com/office/drawing/2014/main" id="{786EE401-CF8E-439B-94A0-EE6F3A7D5798}"/>
                   </a:ext>
                 </a:extLst>
               </p:cNvPr>
@@ -10366,7 +10358,7 @@
               <p:cNvPr id="51" name="Arc 50">
                 <a:extLst>
                   <a:ext uri="{FF2B5EF4-FFF2-40B4-BE49-F238E27FC236}">
-                    <a16:creationId xmlns:a16="http://schemas.microsoft.com/office/drawing/2014/main" xmlns="" id="{8D9ACD38-B3EB-4A63-9730-CBF0501BF235}"/>
+                    <a16:creationId xmlns:a16="http://schemas.microsoft.com/office/drawing/2014/main" id="{8D9ACD38-B3EB-4A63-9730-CBF0501BF235}"/>
                   </a:ext>
                 </a:extLst>
               </p:cNvPr>
@@ -10426,7 +10418,7 @@
             <p:cNvPr id="35" name="Rectangle: Rounded Corners 34">
               <a:extLst>
                 <a:ext uri="{FF2B5EF4-FFF2-40B4-BE49-F238E27FC236}">
-                  <a16:creationId xmlns:a16="http://schemas.microsoft.com/office/drawing/2014/main" xmlns="" id="{64EE493E-A353-4C75-A3B9-D48ABA2C57CC}"/>
+                  <a16:creationId xmlns:a16="http://schemas.microsoft.com/office/drawing/2014/main" id="{64EE493E-A353-4C75-A3B9-D48ABA2C57CC}"/>
                 </a:ext>
               </a:extLst>
             </p:cNvPr>
@@ -10480,7 +10472,7 @@
             <p:cNvPr id="36" name="Rectangle: Rounded Corners 35">
               <a:extLst>
                 <a:ext uri="{FF2B5EF4-FFF2-40B4-BE49-F238E27FC236}">
-                  <a16:creationId xmlns:a16="http://schemas.microsoft.com/office/drawing/2014/main" xmlns="" id="{718408B9-204E-42E3-9E79-33E047E869BC}"/>
+                  <a16:creationId xmlns:a16="http://schemas.microsoft.com/office/drawing/2014/main" id="{718408B9-204E-42E3-9E79-33E047E869BC}"/>
                 </a:ext>
               </a:extLst>
             </p:cNvPr>
@@ -10541,7 +10533,7 @@
             <p:cNvPr id="37" name="Straight Connector 36">
               <a:extLst>
                 <a:ext uri="{FF2B5EF4-FFF2-40B4-BE49-F238E27FC236}">
-                  <a16:creationId xmlns:a16="http://schemas.microsoft.com/office/drawing/2014/main" xmlns="" id="{0AB66D97-DF6F-4CD2-AF13-42B5C852F673}"/>
+                  <a16:creationId xmlns:a16="http://schemas.microsoft.com/office/drawing/2014/main" id="{0AB66D97-DF6F-4CD2-AF13-42B5C852F673}"/>
                 </a:ext>
               </a:extLst>
             </p:cNvPr>
@@ -10587,7 +10579,7 @@
             <p:cNvPr id="38" name="Straight Connector 37">
               <a:extLst>
                 <a:ext uri="{FF2B5EF4-FFF2-40B4-BE49-F238E27FC236}">
-                  <a16:creationId xmlns:a16="http://schemas.microsoft.com/office/drawing/2014/main" xmlns="" id="{F2AFBA69-C196-4703-8AAB-5F72A8EDCEB5}"/>
+                  <a16:creationId xmlns:a16="http://schemas.microsoft.com/office/drawing/2014/main" id="{F2AFBA69-C196-4703-8AAB-5F72A8EDCEB5}"/>
                 </a:ext>
               </a:extLst>
             </p:cNvPr>
@@ -10633,7 +10625,7 @@
             <p:cNvPr id="39" name="Group 38">
               <a:extLst>
                 <a:ext uri="{FF2B5EF4-FFF2-40B4-BE49-F238E27FC236}">
-                  <a16:creationId xmlns:a16="http://schemas.microsoft.com/office/drawing/2014/main" xmlns="" id="{9AFC66C1-0C1C-4332-9C4E-782574C896B8}"/>
+                  <a16:creationId xmlns:a16="http://schemas.microsoft.com/office/drawing/2014/main" id="{9AFC66C1-0C1C-4332-9C4E-782574C896B8}"/>
                 </a:ext>
               </a:extLst>
             </p:cNvPr>
@@ -10656,7 +10648,7 @@
               <p:cNvPr id="45" name="Straight Connector 44">
                 <a:extLst>
                   <a:ext uri="{FF2B5EF4-FFF2-40B4-BE49-F238E27FC236}">
-                    <a16:creationId xmlns:a16="http://schemas.microsoft.com/office/drawing/2014/main" xmlns="" id="{872CA8AD-EAF6-40BE-9DDE-ECDB4A980CA5}"/>
+                    <a16:creationId xmlns:a16="http://schemas.microsoft.com/office/drawing/2014/main" id="{872CA8AD-EAF6-40BE-9DDE-ECDB4A980CA5}"/>
                   </a:ext>
                 </a:extLst>
               </p:cNvPr>
@@ -10700,7 +10692,7 @@
               <p:cNvPr id="46" name="Straight Connector 45">
                 <a:extLst>
                   <a:ext uri="{FF2B5EF4-FFF2-40B4-BE49-F238E27FC236}">
-                    <a16:creationId xmlns:a16="http://schemas.microsoft.com/office/drawing/2014/main" xmlns="" id="{57DD3EC7-1A13-4AFE-BD6F-DA12C281FAFB}"/>
+                    <a16:creationId xmlns:a16="http://schemas.microsoft.com/office/drawing/2014/main" id="{57DD3EC7-1A13-4AFE-BD6F-DA12C281FAFB}"/>
                   </a:ext>
                 </a:extLst>
               </p:cNvPr>
@@ -10745,7 +10737,7 @@
             <p:cNvPr id="40" name="Straight Connector 39">
               <a:extLst>
                 <a:ext uri="{FF2B5EF4-FFF2-40B4-BE49-F238E27FC236}">
-                  <a16:creationId xmlns:a16="http://schemas.microsoft.com/office/drawing/2014/main" xmlns="" id="{E46151FA-19E9-4E84-A082-EDAC6F76EA9D}"/>
+                  <a16:creationId xmlns:a16="http://schemas.microsoft.com/office/drawing/2014/main" id="{E46151FA-19E9-4E84-A082-EDAC6F76EA9D}"/>
                 </a:ext>
               </a:extLst>
             </p:cNvPr>
@@ -10791,7 +10783,7 @@
             <p:cNvPr id="41" name="Rectangle: Rounded Corners 40">
               <a:extLst>
                 <a:ext uri="{FF2B5EF4-FFF2-40B4-BE49-F238E27FC236}">
-                  <a16:creationId xmlns:a16="http://schemas.microsoft.com/office/drawing/2014/main" xmlns="" id="{3423EEF0-5B70-4091-B2DA-0740D2609643}"/>
+                  <a16:creationId xmlns:a16="http://schemas.microsoft.com/office/drawing/2014/main" id="{3423EEF0-5B70-4091-B2DA-0740D2609643}"/>
                 </a:ext>
               </a:extLst>
             </p:cNvPr>
@@ -10845,7 +10837,7 @@
             <p:cNvPr id="42" name="Group 41">
               <a:extLst>
                 <a:ext uri="{FF2B5EF4-FFF2-40B4-BE49-F238E27FC236}">
-                  <a16:creationId xmlns:a16="http://schemas.microsoft.com/office/drawing/2014/main" xmlns="" id="{49A8AAA7-98E7-4224-B027-830FFCC285A3}"/>
+                  <a16:creationId xmlns:a16="http://schemas.microsoft.com/office/drawing/2014/main" id="{49A8AAA7-98E7-4224-B027-830FFCC285A3}"/>
                 </a:ext>
               </a:extLst>
             </p:cNvPr>
@@ -10868,7 +10860,7 @@
               <p:cNvPr id="43" name="Straight Connector 42">
                 <a:extLst>
                   <a:ext uri="{FF2B5EF4-FFF2-40B4-BE49-F238E27FC236}">
-                    <a16:creationId xmlns:a16="http://schemas.microsoft.com/office/drawing/2014/main" xmlns="" id="{2129EC38-471E-4685-973E-BA7A7F567C42}"/>
+                    <a16:creationId xmlns:a16="http://schemas.microsoft.com/office/drawing/2014/main" id="{2129EC38-471E-4685-973E-BA7A7F567C42}"/>
                   </a:ext>
                 </a:extLst>
               </p:cNvPr>
@@ -10912,7 +10904,7 @@
               <p:cNvPr id="44" name="Straight Connector 43">
                 <a:extLst>
                   <a:ext uri="{FF2B5EF4-FFF2-40B4-BE49-F238E27FC236}">
-                    <a16:creationId xmlns:a16="http://schemas.microsoft.com/office/drawing/2014/main" xmlns="" id="{678142BE-84C9-4834-B6CC-6623E401661C}"/>
+                    <a16:creationId xmlns:a16="http://schemas.microsoft.com/office/drawing/2014/main" id="{678142BE-84C9-4834-B6CC-6623E401661C}"/>
                   </a:ext>
                 </a:extLst>
               </p:cNvPr>
@@ -10956,18 +10948,18 @@
     </p:spTree>
     <p:extLst>
       <p:ext uri="{BB962C8B-B14F-4D97-AF65-F5344CB8AC3E}">
-        <p14:creationId xmlns:p14="http://schemas.microsoft.com/office/powerpoint/2010/main" xmlns="" val="1679651758"/>
+        <p14:creationId xmlns:p14="http://schemas.microsoft.com/office/powerpoint/2010/main" val="1679651758"/>
       </p:ext>
     </p:extLst>
   </p:cSld>
   <p:clrMapOvr>
     <a:masterClrMapping/>
   </p:clrMapOvr>
-  <mc:AlternateContent xmlns:mc="http://schemas.openxmlformats.org/markup-compatibility/2006">
-    <mc:Choice xmlns:p14="http://schemas.microsoft.com/office/powerpoint/2010/main" xmlns="" Requires="p14">
+  <mc:AlternateContent xmlns:mc="http://schemas.openxmlformats.org/markup-compatibility/2006" xmlns:p14="http://schemas.microsoft.com/office/powerpoint/2010/main">
+    <mc:Choice Requires="p14">
       <p:transition spd="slow" p14:dur="2000" advClick="0" advTm="5000"/>
     </mc:Choice>
-    <mc:Fallback>
+    <mc:Fallback xmlns="">
       <p:transition spd="slow" advClick="0" advTm="5000"/>
     </mc:Fallback>
   </mc:AlternateContent>
@@ -10996,7 +10988,7 @@
           <p:cNvPr id="5" name="Slide Number">
             <a:extLst>
               <a:ext uri="{FF2B5EF4-FFF2-40B4-BE49-F238E27FC236}">
-                <a16:creationId xmlns:a16="http://schemas.microsoft.com/office/drawing/2014/main" xmlns="" id="{F0B8C963-1813-4B69-AD27-6D02EBBBB569}"/>
+                <a16:creationId xmlns:a16="http://schemas.microsoft.com/office/drawing/2014/main" id="{F0B8C963-1813-4B69-AD27-6D02EBBBB569}"/>
               </a:ext>
             </a:extLst>
           </p:cNvPr>
@@ -11038,7 +11030,7 @@
           <p:cNvPr id="3" name="Rectangle Left">
             <a:extLst>
               <a:ext uri="{FF2B5EF4-FFF2-40B4-BE49-F238E27FC236}">
-                <a16:creationId xmlns:a16="http://schemas.microsoft.com/office/drawing/2014/main" xmlns="" id="{345FB1C8-7F66-4D5C-ACCE-AE919936BCFD}"/>
+                <a16:creationId xmlns:a16="http://schemas.microsoft.com/office/drawing/2014/main" id="{345FB1C8-7F66-4D5C-ACCE-AE919936BCFD}"/>
               </a:ext>
             </a:extLst>
           </p:cNvPr>
@@ -11119,7 +11111,7 @@
           <p:cNvPr id="7" name="Slide Body Text">
             <a:extLst>
               <a:ext uri="{FF2B5EF4-FFF2-40B4-BE49-F238E27FC236}">
-                <a16:creationId xmlns:a16="http://schemas.microsoft.com/office/drawing/2014/main" xmlns="" id="{7296EDA7-D37D-4B31-A888-371F0804124F}"/>
+                <a16:creationId xmlns:a16="http://schemas.microsoft.com/office/drawing/2014/main" id="{7296EDA7-D37D-4B31-A888-371F0804124F}"/>
               </a:ext>
             </a:extLst>
           </p:cNvPr>
@@ -11217,7 +11209,7 @@
           <p:cNvPr id="6" name="Slide Title">
             <a:extLst>
               <a:ext uri="{FF2B5EF4-FFF2-40B4-BE49-F238E27FC236}">
-                <a16:creationId xmlns:a16="http://schemas.microsoft.com/office/drawing/2014/main" xmlns="" id="{55A88B09-3557-48A3-BF27-42699C269215}"/>
+                <a16:creationId xmlns:a16="http://schemas.microsoft.com/office/drawing/2014/main" id="{55A88B09-3557-48A3-BF27-42699C269215}"/>
               </a:ext>
             </a:extLst>
           </p:cNvPr>
@@ -11254,7 +11246,7 @@
           <p:cNvPr id="28" name="Group 27">
             <a:extLst>
               <a:ext uri="{FF2B5EF4-FFF2-40B4-BE49-F238E27FC236}">
-                <a16:creationId xmlns:a16="http://schemas.microsoft.com/office/drawing/2014/main" xmlns="" id="{C4248838-4E67-439E-AE0A-0043D2CB04D6}"/>
+                <a16:creationId xmlns:a16="http://schemas.microsoft.com/office/drawing/2014/main" id="{C4248838-4E67-439E-AE0A-0043D2CB04D6}"/>
               </a:ext>
             </a:extLst>
           </p:cNvPr>
@@ -11274,7 +11266,7 @@
             <p:cNvPr id="29" name="Group 28">
               <a:extLst>
                 <a:ext uri="{FF2B5EF4-FFF2-40B4-BE49-F238E27FC236}">
-                  <a16:creationId xmlns:a16="http://schemas.microsoft.com/office/drawing/2014/main" xmlns="" id="{810CFD6A-2427-49D5-846A-5F93601D4184}"/>
+                  <a16:creationId xmlns:a16="http://schemas.microsoft.com/office/drawing/2014/main" id="{810CFD6A-2427-49D5-846A-5F93601D4184}"/>
                 </a:ext>
               </a:extLst>
             </p:cNvPr>
@@ -11294,7 +11286,7 @@
               <p:cNvPr id="42" name="Oval 41">
                 <a:extLst>
                   <a:ext uri="{FF2B5EF4-FFF2-40B4-BE49-F238E27FC236}">
-                    <a16:creationId xmlns:a16="http://schemas.microsoft.com/office/drawing/2014/main" xmlns="" id="{017B1AE5-5C36-4839-BA1F-B404EA44E701}"/>
+                    <a16:creationId xmlns:a16="http://schemas.microsoft.com/office/drawing/2014/main" id="{017B1AE5-5C36-4839-BA1F-B404EA44E701}"/>
                   </a:ext>
                 </a:extLst>
               </p:cNvPr>
@@ -11346,7 +11338,7 @@
               <p:cNvPr id="43" name="Rectangle 5">
                 <a:extLst>
                   <a:ext uri="{FF2B5EF4-FFF2-40B4-BE49-F238E27FC236}">
-                    <a16:creationId xmlns:a16="http://schemas.microsoft.com/office/drawing/2014/main" xmlns="" id="{FB963D79-BB49-4A1D-BA66-EA0670C79BAE}"/>
+                    <a16:creationId xmlns:a16="http://schemas.microsoft.com/office/drawing/2014/main" id="{FB963D79-BB49-4A1D-BA66-EA0670C79BAE}"/>
                   </a:ext>
                 </a:extLst>
               </p:cNvPr>
@@ -11491,7 +11483,7 @@
               <p:cNvPr id="44" name="Rectangle 5">
                 <a:extLst>
                   <a:ext uri="{FF2B5EF4-FFF2-40B4-BE49-F238E27FC236}">
-                    <a16:creationId xmlns:a16="http://schemas.microsoft.com/office/drawing/2014/main" xmlns="" id="{6D7746D8-B913-493B-AAE9-25BC6893D40E}"/>
+                    <a16:creationId xmlns:a16="http://schemas.microsoft.com/office/drawing/2014/main" id="{6D7746D8-B913-493B-AAE9-25BC6893D40E}"/>
                   </a:ext>
                 </a:extLst>
               </p:cNvPr>
@@ -11636,7 +11628,7 @@
               <p:cNvPr id="45" name="Arc 44">
                 <a:extLst>
                   <a:ext uri="{FF2B5EF4-FFF2-40B4-BE49-F238E27FC236}">
-                    <a16:creationId xmlns:a16="http://schemas.microsoft.com/office/drawing/2014/main" xmlns="" id="{29031C02-E965-417B-8799-96061B14F30D}"/>
+                    <a16:creationId xmlns:a16="http://schemas.microsoft.com/office/drawing/2014/main" id="{29031C02-E965-417B-8799-96061B14F30D}"/>
                   </a:ext>
                 </a:extLst>
               </p:cNvPr>
@@ -11695,7 +11687,7 @@
               <p:cNvPr id="46" name="Arc 45">
                 <a:extLst>
                   <a:ext uri="{FF2B5EF4-FFF2-40B4-BE49-F238E27FC236}">
-                    <a16:creationId xmlns:a16="http://schemas.microsoft.com/office/drawing/2014/main" xmlns="" id="{26BFD8A6-BC99-4B16-BA10-08A9E5C681C0}"/>
+                    <a16:creationId xmlns:a16="http://schemas.microsoft.com/office/drawing/2014/main" id="{26BFD8A6-BC99-4B16-BA10-08A9E5C681C0}"/>
                   </a:ext>
                 </a:extLst>
               </p:cNvPr>
@@ -11755,7 +11747,7 @@
             <p:cNvPr id="30" name="Rectangle: Rounded Corners 29">
               <a:extLst>
                 <a:ext uri="{FF2B5EF4-FFF2-40B4-BE49-F238E27FC236}">
-                  <a16:creationId xmlns:a16="http://schemas.microsoft.com/office/drawing/2014/main" xmlns="" id="{B310277F-A78E-4FB9-9EA9-88BE4F1D585B}"/>
+                  <a16:creationId xmlns:a16="http://schemas.microsoft.com/office/drawing/2014/main" id="{B310277F-A78E-4FB9-9EA9-88BE4F1D585B}"/>
                 </a:ext>
               </a:extLst>
             </p:cNvPr>
@@ -11809,7 +11801,7 @@
             <p:cNvPr id="31" name="Rectangle: Rounded Corners 30">
               <a:extLst>
                 <a:ext uri="{FF2B5EF4-FFF2-40B4-BE49-F238E27FC236}">
-                  <a16:creationId xmlns:a16="http://schemas.microsoft.com/office/drawing/2014/main" xmlns="" id="{A92CF92B-C212-4542-83AE-A0058B5BB5EA}"/>
+                  <a16:creationId xmlns:a16="http://schemas.microsoft.com/office/drawing/2014/main" id="{A92CF92B-C212-4542-83AE-A0058B5BB5EA}"/>
                 </a:ext>
               </a:extLst>
             </p:cNvPr>
@@ -11870,7 +11862,7 @@
             <p:cNvPr id="32" name="Straight Connector 31">
               <a:extLst>
                 <a:ext uri="{FF2B5EF4-FFF2-40B4-BE49-F238E27FC236}">
-                  <a16:creationId xmlns:a16="http://schemas.microsoft.com/office/drawing/2014/main" xmlns="" id="{563B4374-5C0D-461F-B3BD-78D99614D365}"/>
+                  <a16:creationId xmlns:a16="http://schemas.microsoft.com/office/drawing/2014/main" id="{563B4374-5C0D-461F-B3BD-78D99614D365}"/>
                 </a:ext>
               </a:extLst>
             </p:cNvPr>
@@ -11916,7 +11908,7 @@
             <p:cNvPr id="33" name="Straight Connector 32">
               <a:extLst>
                 <a:ext uri="{FF2B5EF4-FFF2-40B4-BE49-F238E27FC236}">
-                  <a16:creationId xmlns:a16="http://schemas.microsoft.com/office/drawing/2014/main" xmlns="" id="{FBC6FDE7-AEA1-4230-8433-4C088A0FF5F9}"/>
+                  <a16:creationId xmlns:a16="http://schemas.microsoft.com/office/drawing/2014/main" id="{FBC6FDE7-AEA1-4230-8433-4C088A0FF5F9}"/>
                 </a:ext>
               </a:extLst>
             </p:cNvPr>
@@ -11962,7 +11954,7 @@
             <p:cNvPr id="34" name="Group 33">
               <a:extLst>
                 <a:ext uri="{FF2B5EF4-FFF2-40B4-BE49-F238E27FC236}">
-                  <a16:creationId xmlns:a16="http://schemas.microsoft.com/office/drawing/2014/main" xmlns="" id="{C4D1021D-07C7-4331-8FF6-36980A30978B}"/>
+                  <a16:creationId xmlns:a16="http://schemas.microsoft.com/office/drawing/2014/main" id="{C4D1021D-07C7-4331-8FF6-36980A30978B}"/>
                 </a:ext>
               </a:extLst>
             </p:cNvPr>
@@ -11985,7 +11977,7 @@
               <p:cNvPr id="40" name="Straight Connector 39">
                 <a:extLst>
                   <a:ext uri="{FF2B5EF4-FFF2-40B4-BE49-F238E27FC236}">
-                    <a16:creationId xmlns:a16="http://schemas.microsoft.com/office/drawing/2014/main" xmlns="" id="{13B7FE99-95CF-45D5-966B-87A979B93431}"/>
+                    <a16:creationId xmlns:a16="http://schemas.microsoft.com/office/drawing/2014/main" id="{13B7FE99-95CF-45D5-966B-87A979B93431}"/>
                   </a:ext>
                 </a:extLst>
               </p:cNvPr>
@@ -12029,7 +12021,7 @@
               <p:cNvPr id="41" name="Straight Connector 40">
                 <a:extLst>
                   <a:ext uri="{FF2B5EF4-FFF2-40B4-BE49-F238E27FC236}">
-                    <a16:creationId xmlns:a16="http://schemas.microsoft.com/office/drawing/2014/main" xmlns="" id="{71BBA69B-19FF-4ADB-A739-AD8136A5F0A6}"/>
+                    <a16:creationId xmlns:a16="http://schemas.microsoft.com/office/drawing/2014/main" id="{71BBA69B-19FF-4ADB-A739-AD8136A5F0A6}"/>
                   </a:ext>
                 </a:extLst>
               </p:cNvPr>
@@ -12074,7 +12066,7 @@
             <p:cNvPr id="35" name="Straight Connector 34">
               <a:extLst>
                 <a:ext uri="{FF2B5EF4-FFF2-40B4-BE49-F238E27FC236}">
-                  <a16:creationId xmlns:a16="http://schemas.microsoft.com/office/drawing/2014/main" xmlns="" id="{BFD1D86B-562B-40B2-8E46-34233EFEE7FC}"/>
+                  <a16:creationId xmlns:a16="http://schemas.microsoft.com/office/drawing/2014/main" id="{BFD1D86B-562B-40B2-8E46-34233EFEE7FC}"/>
                 </a:ext>
               </a:extLst>
             </p:cNvPr>
@@ -12120,7 +12112,7 @@
             <p:cNvPr id="36" name="Rectangle: Rounded Corners 35">
               <a:extLst>
                 <a:ext uri="{FF2B5EF4-FFF2-40B4-BE49-F238E27FC236}">
-                  <a16:creationId xmlns:a16="http://schemas.microsoft.com/office/drawing/2014/main" xmlns="" id="{388C17BD-16A1-43C5-BFFA-2FF9174719E1}"/>
+                  <a16:creationId xmlns:a16="http://schemas.microsoft.com/office/drawing/2014/main" id="{388C17BD-16A1-43C5-BFFA-2FF9174719E1}"/>
                 </a:ext>
               </a:extLst>
             </p:cNvPr>
@@ -12174,7 +12166,7 @@
             <p:cNvPr id="37" name="Group 36">
               <a:extLst>
                 <a:ext uri="{FF2B5EF4-FFF2-40B4-BE49-F238E27FC236}">
-                  <a16:creationId xmlns:a16="http://schemas.microsoft.com/office/drawing/2014/main" xmlns="" id="{1B3B910E-ACFC-4F28-8E28-F02E1588B87E}"/>
+                  <a16:creationId xmlns:a16="http://schemas.microsoft.com/office/drawing/2014/main" id="{1B3B910E-ACFC-4F28-8E28-F02E1588B87E}"/>
                 </a:ext>
               </a:extLst>
             </p:cNvPr>
@@ -12197,7 +12189,7 @@
               <p:cNvPr id="38" name="Straight Connector 37">
                 <a:extLst>
                   <a:ext uri="{FF2B5EF4-FFF2-40B4-BE49-F238E27FC236}">
-                    <a16:creationId xmlns:a16="http://schemas.microsoft.com/office/drawing/2014/main" xmlns="" id="{F57772B6-06C0-4F54-AA94-D3F92DA4716A}"/>
+                    <a16:creationId xmlns:a16="http://schemas.microsoft.com/office/drawing/2014/main" id="{F57772B6-06C0-4F54-AA94-D3F92DA4716A}"/>
                   </a:ext>
                 </a:extLst>
               </p:cNvPr>
@@ -12241,7 +12233,7 @@
               <p:cNvPr id="39" name="Straight Connector 38">
                 <a:extLst>
                   <a:ext uri="{FF2B5EF4-FFF2-40B4-BE49-F238E27FC236}">
-                    <a16:creationId xmlns:a16="http://schemas.microsoft.com/office/drawing/2014/main" xmlns="" id="{23370C1F-7876-4278-AB20-78F6CAA385E2}"/>
+                    <a16:creationId xmlns:a16="http://schemas.microsoft.com/office/drawing/2014/main" id="{23370C1F-7876-4278-AB20-78F6CAA385E2}"/>
                   </a:ext>
                 </a:extLst>
               </p:cNvPr>
@@ -12285,18 +12277,18 @@
     </p:spTree>
     <p:extLst>
       <p:ext uri="{BB962C8B-B14F-4D97-AF65-F5344CB8AC3E}">
-        <p14:creationId xmlns:p14="http://schemas.microsoft.com/office/powerpoint/2010/main" xmlns="" val="3284562556"/>
+        <p14:creationId xmlns:p14="http://schemas.microsoft.com/office/powerpoint/2010/main" val="3284562556"/>
       </p:ext>
     </p:extLst>
   </p:cSld>
   <p:clrMapOvr>
     <a:masterClrMapping/>
   </p:clrMapOvr>
-  <mc:AlternateContent xmlns:mc="http://schemas.openxmlformats.org/markup-compatibility/2006">
-    <mc:Choice xmlns:p14="http://schemas.microsoft.com/office/powerpoint/2010/main" xmlns="" Requires="p14">
+  <mc:AlternateContent xmlns:mc="http://schemas.openxmlformats.org/markup-compatibility/2006" xmlns:p14="http://schemas.microsoft.com/office/powerpoint/2010/main">
+    <mc:Choice Requires="p14">
       <p:transition spd="slow" p14:dur="2000" advClick="0" advTm="5000"/>
     </mc:Choice>
-    <mc:Fallback>
+    <mc:Fallback xmlns="">
       <p:transition spd="slow" advClick="0" advTm="5000"/>
     </mc:Fallback>
   </mc:AlternateContent>
@@ -12325,7 +12317,7 @@
           <p:cNvPr id="8" name="Slide Number">
             <a:extLst>
               <a:ext uri="{FF2B5EF4-FFF2-40B4-BE49-F238E27FC236}">
-                <a16:creationId xmlns:a16="http://schemas.microsoft.com/office/drawing/2014/main" xmlns="" id="{509D954E-A844-4072-A556-DE584BEB9321}"/>
+                <a16:creationId xmlns:a16="http://schemas.microsoft.com/office/drawing/2014/main" id="{509D954E-A844-4072-A556-DE584BEB9321}"/>
               </a:ext>
             </a:extLst>
           </p:cNvPr>
@@ -12367,7 +12359,7 @@
           <p:cNvPr id="6" name="Code Box">
             <a:extLst>
               <a:ext uri="{FF2B5EF4-FFF2-40B4-BE49-F238E27FC236}">
-                <a16:creationId xmlns:a16="http://schemas.microsoft.com/office/drawing/2014/main" xmlns="" id="{3278A82F-5546-4977-9F75-2A933B415945}"/>
+                <a16:creationId xmlns:a16="http://schemas.microsoft.com/office/drawing/2014/main" id="{3278A82F-5546-4977-9F75-2A933B415945}"/>
               </a:ext>
             </a:extLst>
           </p:cNvPr>
@@ -12454,7 +12446,7 @@
           <p:cNvPr id="21" name="Slide Body Text">
             <a:extLst>
               <a:ext uri="{FF2B5EF4-FFF2-40B4-BE49-F238E27FC236}">
-                <a16:creationId xmlns:a16="http://schemas.microsoft.com/office/drawing/2014/main" xmlns="" id="{04F318BE-2BAD-4677-871C-D78A4BF0CBA6}"/>
+                <a16:creationId xmlns:a16="http://schemas.microsoft.com/office/drawing/2014/main" id="{04F318BE-2BAD-4677-871C-D78A4BF0CBA6}"/>
               </a:ext>
             </a:extLst>
           </p:cNvPr>
@@ -12501,7 +12493,7 @@
           <p:cNvPr id="9" name="Rectangle Top">
             <a:extLst>
               <a:ext uri="{FF2B5EF4-FFF2-40B4-BE49-F238E27FC236}">
-                <a16:creationId xmlns:a16="http://schemas.microsoft.com/office/drawing/2014/main" xmlns="" id="{A15CE03A-0933-4E5D-9EA1-718D4F802FFC}"/>
+                <a16:creationId xmlns:a16="http://schemas.microsoft.com/office/drawing/2014/main" id="{A15CE03A-0933-4E5D-9EA1-718D4F802FFC}"/>
               </a:ext>
             </a:extLst>
           </p:cNvPr>
@@ -12582,7 +12574,7 @@
           <p:cNvPr id="10" name="Logo Software University" descr="Software University logo">
             <a:extLst>
               <a:ext uri="{FF2B5EF4-FFF2-40B4-BE49-F238E27FC236}">
-                <a16:creationId xmlns:a16="http://schemas.microsoft.com/office/drawing/2014/main" xmlns="" id="{8C01D7AF-7CBD-46E1-99F3-8EB60E838D91}"/>
+                <a16:creationId xmlns:a16="http://schemas.microsoft.com/office/drawing/2014/main" id="{8C01D7AF-7CBD-46E1-99F3-8EB60E838D91}"/>
               </a:ext>
             </a:extLst>
           </p:cNvPr>
@@ -12595,7 +12587,7 @@
           <a:blip r:embed="rId2" cstate="print">
             <a:extLst>
               <a:ext uri="{28A0092B-C50C-407E-A947-70E740481C1C}">
-                <a14:useLocalDpi xmlns:a14="http://schemas.microsoft.com/office/drawing/2010/main" xmlns="" val="0"/>
+                <a14:useLocalDpi xmlns:a14="http://schemas.microsoft.com/office/drawing/2010/main" val="0"/>
               </a:ext>
             </a:extLst>
           </a:blip>
@@ -12618,7 +12610,7 @@
           <p:cNvPr id="11" name="Slide Title">
             <a:extLst>
               <a:ext uri="{FF2B5EF4-FFF2-40B4-BE49-F238E27FC236}">
-                <a16:creationId xmlns:a16="http://schemas.microsoft.com/office/drawing/2014/main" xmlns="" id="{47D60833-F0A9-4F29-8C06-A963A7C8BE93}"/>
+                <a16:creationId xmlns:a16="http://schemas.microsoft.com/office/drawing/2014/main" id="{47D60833-F0A9-4F29-8C06-A963A7C8BE93}"/>
               </a:ext>
             </a:extLst>
           </p:cNvPr>
@@ -12657,18 +12649,18 @@
     </p:spTree>
     <p:extLst>
       <p:ext uri="{BB962C8B-B14F-4D97-AF65-F5344CB8AC3E}">
-        <p14:creationId xmlns:p14="http://schemas.microsoft.com/office/powerpoint/2010/main" xmlns="" val="1000829826"/>
+        <p14:creationId xmlns:p14="http://schemas.microsoft.com/office/powerpoint/2010/main" val="1000829826"/>
       </p:ext>
     </p:extLst>
   </p:cSld>
   <p:clrMapOvr>
     <a:masterClrMapping/>
   </p:clrMapOvr>
-  <mc:AlternateContent xmlns:mc="http://schemas.openxmlformats.org/markup-compatibility/2006">
-    <mc:Choice xmlns:p14="http://schemas.microsoft.com/office/powerpoint/2010/main" xmlns="" Requires="p14">
+  <mc:AlternateContent xmlns:mc="http://schemas.openxmlformats.org/markup-compatibility/2006" xmlns:p14="http://schemas.microsoft.com/office/powerpoint/2010/main">
+    <mc:Choice Requires="p14">
       <p:transition spd="slow" p14:dur="2000" advClick="0" advTm="5000"/>
     </mc:Choice>
-    <mc:Fallback>
+    <mc:Fallback xmlns="">
       <p:transition spd="slow" advClick="0" advTm="5000"/>
     </mc:Fallback>
   </mc:AlternateContent>
@@ -12697,7 +12689,7 @@
           <p:cNvPr id="10" name="Slide Number">
             <a:extLst>
               <a:ext uri="{FF2B5EF4-FFF2-40B4-BE49-F238E27FC236}">
-                <a16:creationId xmlns:a16="http://schemas.microsoft.com/office/drawing/2014/main" xmlns="" id="{39DDE17E-5472-41F3-AF5F-54DFF10DC63C}"/>
+                <a16:creationId xmlns:a16="http://schemas.microsoft.com/office/drawing/2014/main" id="{39DDE17E-5472-41F3-AF5F-54DFF10DC63C}"/>
               </a:ext>
             </a:extLst>
           </p:cNvPr>
@@ -12739,7 +12731,7 @@
           <p:cNvPr id="9" name="Picture SoftUni Mascot" descr="SoftUni mascot with laptop">
             <a:extLst>
               <a:ext uri="{FF2B5EF4-FFF2-40B4-BE49-F238E27FC236}">
-                <a16:creationId xmlns:a16="http://schemas.microsoft.com/office/drawing/2014/main" xmlns="" id="{DC4365F6-D2C1-47B4-8477-38FD2C7711AA}"/>
+                <a16:creationId xmlns:a16="http://schemas.microsoft.com/office/drawing/2014/main" id="{DC4365F6-D2C1-47B4-8477-38FD2C7711AA}"/>
               </a:ext>
             </a:extLst>
           </p:cNvPr>
@@ -12752,7 +12744,7 @@
           <a:blip r:embed="rId2" cstate="print">
             <a:extLst>
               <a:ext uri="{28A0092B-C50C-407E-A947-70E740481C1C}">
-                <a14:useLocalDpi xmlns:a14="http://schemas.microsoft.com/office/drawing/2010/main" xmlns="" val="0"/>
+                <a14:useLocalDpi xmlns:a14="http://schemas.microsoft.com/office/drawing/2010/main" val="0"/>
               </a:ext>
             </a:extLst>
           </a:blip>
@@ -12775,7 +12767,7 @@
           <p:cNvPr id="23" name="Slide Body Text">
             <a:extLst>
               <a:ext uri="{FF2B5EF4-FFF2-40B4-BE49-F238E27FC236}">
-                <a16:creationId xmlns:a16="http://schemas.microsoft.com/office/drawing/2014/main" xmlns="" id="{889D93F4-ABFA-46BF-8E5D-FE6562ACB20F}"/>
+                <a16:creationId xmlns:a16="http://schemas.microsoft.com/office/drawing/2014/main" id="{889D93F4-ABFA-46BF-8E5D-FE6562ACB20F}"/>
               </a:ext>
             </a:extLst>
           </p:cNvPr>
@@ -12866,7 +12858,7 @@
           <p:cNvPr id="8" name="Rectangle Top">
             <a:extLst>
               <a:ext uri="{FF2B5EF4-FFF2-40B4-BE49-F238E27FC236}">
-                <a16:creationId xmlns:a16="http://schemas.microsoft.com/office/drawing/2014/main" xmlns="" id="{930E0800-9260-4369-8330-8264DD33C5CE}"/>
+                <a16:creationId xmlns:a16="http://schemas.microsoft.com/office/drawing/2014/main" id="{930E0800-9260-4369-8330-8264DD33C5CE}"/>
               </a:ext>
             </a:extLst>
           </p:cNvPr>
@@ -12947,7 +12939,7 @@
           <p:cNvPr id="11" name="Logo Software University" descr="Software University logo">
             <a:extLst>
               <a:ext uri="{FF2B5EF4-FFF2-40B4-BE49-F238E27FC236}">
-                <a16:creationId xmlns:a16="http://schemas.microsoft.com/office/drawing/2014/main" xmlns="" id="{14F779A7-4A91-448B-BEFA-956C70A1C22F}"/>
+                <a16:creationId xmlns:a16="http://schemas.microsoft.com/office/drawing/2014/main" id="{14F779A7-4A91-448B-BEFA-956C70A1C22F}"/>
               </a:ext>
             </a:extLst>
           </p:cNvPr>
@@ -12960,7 +12952,7 @@
           <a:blip r:embed="rId3" cstate="print">
             <a:extLst>
               <a:ext uri="{28A0092B-C50C-407E-A947-70E740481C1C}">
-                <a14:useLocalDpi xmlns:a14="http://schemas.microsoft.com/office/drawing/2010/main" xmlns="" val="0"/>
+                <a14:useLocalDpi xmlns:a14="http://schemas.microsoft.com/office/drawing/2010/main" val="0"/>
               </a:ext>
             </a:extLst>
           </a:blip>
@@ -12983,7 +12975,7 @@
           <p:cNvPr id="13" name="Slide Title">
             <a:extLst>
               <a:ext uri="{FF2B5EF4-FFF2-40B4-BE49-F238E27FC236}">
-                <a16:creationId xmlns:a16="http://schemas.microsoft.com/office/drawing/2014/main" xmlns="" id="{357D7BE1-6358-42CC-94F3-7BCDD91DCB6D}"/>
+                <a16:creationId xmlns:a16="http://schemas.microsoft.com/office/drawing/2014/main" id="{357D7BE1-6358-42CC-94F3-7BCDD91DCB6D}"/>
               </a:ext>
             </a:extLst>
           </p:cNvPr>
@@ -13022,18 +13014,18 @@
     </p:spTree>
     <p:extLst>
       <p:ext uri="{BB962C8B-B14F-4D97-AF65-F5344CB8AC3E}">
-        <p14:creationId xmlns:p14="http://schemas.microsoft.com/office/powerpoint/2010/main" xmlns="" val="1028724482"/>
+        <p14:creationId xmlns:p14="http://schemas.microsoft.com/office/powerpoint/2010/main" val="1028724482"/>
       </p:ext>
     </p:extLst>
   </p:cSld>
   <p:clrMapOvr>
     <a:masterClrMapping/>
   </p:clrMapOvr>
-  <mc:AlternateContent xmlns:mc="http://schemas.openxmlformats.org/markup-compatibility/2006">
-    <mc:Choice xmlns:p14="http://schemas.microsoft.com/office/powerpoint/2010/main" xmlns="" Requires="p14">
+  <mc:AlternateContent xmlns:mc="http://schemas.openxmlformats.org/markup-compatibility/2006" xmlns:p14="http://schemas.microsoft.com/office/powerpoint/2010/main">
+    <mc:Choice Requires="p14">
       <p:transition spd="slow" p14:dur="2000" advClick="0" advTm="5000"/>
     </mc:Choice>
-    <mc:Fallback>
+    <mc:Fallback xmlns="">
       <p:transition spd="slow" advClick="0" advTm="5000"/>
     </mc:Fallback>
   </mc:AlternateContent>
@@ -13142,7 +13134,7 @@
           <p:cNvPr id="11" name="Slide Number">
             <a:extLst>
               <a:ext uri="{FF2B5EF4-FFF2-40B4-BE49-F238E27FC236}">
-                <a16:creationId xmlns:a16="http://schemas.microsoft.com/office/drawing/2014/main" xmlns="" id="{6750ECE4-94E0-469B-B8E4-562792823B0F}"/>
+                <a16:creationId xmlns:a16="http://schemas.microsoft.com/office/drawing/2014/main" id="{6750ECE4-94E0-469B-B8E4-562792823B0F}"/>
               </a:ext>
             </a:extLst>
           </p:cNvPr>
@@ -13265,7 +13257,7 @@
           <p:cNvPr id="12" name="Logo Software University Down" descr="Software University logo">
             <a:extLst>
               <a:ext uri="{FF2B5EF4-FFF2-40B4-BE49-F238E27FC236}">
-                <a16:creationId xmlns:a16="http://schemas.microsoft.com/office/drawing/2014/main" xmlns="" id="{7028D2F0-1E67-414B-A93D-D3F8F131A132}"/>
+                <a16:creationId xmlns:a16="http://schemas.microsoft.com/office/drawing/2014/main" id="{7028D2F0-1E67-414B-A93D-D3F8F131A132}"/>
               </a:ext>
             </a:extLst>
           </p:cNvPr>
@@ -13278,7 +13270,7 @@
           <a:blip r:embed="rId2" cstate="print">
             <a:extLst>
               <a:ext uri="{28A0092B-C50C-407E-A947-70E740481C1C}">
-                <a14:useLocalDpi xmlns:a14="http://schemas.microsoft.com/office/drawing/2010/main" xmlns="" val="0"/>
+                <a14:useLocalDpi xmlns:a14="http://schemas.microsoft.com/office/drawing/2010/main" val="0"/>
               </a:ext>
             </a:extLst>
           </a:blip>
@@ -13301,7 +13293,7 @@
           <p:cNvPr id="10" name="Text Placeholder Right">
             <a:extLst>
               <a:ext uri="{FF2B5EF4-FFF2-40B4-BE49-F238E27FC236}">
-                <a16:creationId xmlns:a16="http://schemas.microsoft.com/office/drawing/2014/main" xmlns="" id="{AF69A59F-C564-4A04-B1CC-31C261499991}"/>
+                <a16:creationId xmlns:a16="http://schemas.microsoft.com/office/drawing/2014/main" id="{AF69A59F-C564-4A04-B1CC-31C261499991}"/>
               </a:ext>
             </a:extLst>
           </p:cNvPr>
@@ -13379,7 +13371,7 @@
           <p:cNvPr id="9" name="Text Placeholder Left">
             <a:extLst>
               <a:ext uri="{FF2B5EF4-FFF2-40B4-BE49-F238E27FC236}">
-                <a16:creationId xmlns:a16="http://schemas.microsoft.com/office/drawing/2014/main" xmlns="" id="{C8A626D2-456B-41EF-9818-EA8DD7E314DA}"/>
+                <a16:creationId xmlns:a16="http://schemas.microsoft.com/office/drawing/2014/main" id="{C8A626D2-456B-41EF-9818-EA8DD7E314DA}"/>
               </a:ext>
             </a:extLst>
           </p:cNvPr>
@@ -13457,7 +13449,7 @@
           <p:cNvPr id="13" name="Rectangle Top">
             <a:extLst>
               <a:ext uri="{FF2B5EF4-FFF2-40B4-BE49-F238E27FC236}">
-                <a16:creationId xmlns:a16="http://schemas.microsoft.com/office/drawing/2014/main" xmlns="" id="{E03301DA-D0AF-46FD-8740-2F761250203A}"/>
+                <a16:creationId xmlns:a16="http://schemas.microsoft.com/office/drawing/2014/main" id="{E03301DA-D0AF-46FD-8740-2F761250203A}"/>
               </a:ext>
             </a:extLst>
           </p:cNvPr>
@@ -13538,7 +13530,7 @@
           <p:cNvPr id="14" name="Logo Software University" descr="Software University logo">
             <a:extLst>
               <a:ext uri="{FF2B5EF4-FFF2-40B4-BE49-F238E27FC236}">
-                <a16:creationId xmlns:a16="http://schemas.microsoft.com/office/drawing/2014/main" xmlns="" id="{19A67BB9-D880-4EAD-B90E-89C4219BFC0B}"/>
+                <a16:creationId xmlns:a16="http://schemas.microsoft.com/office/drawing/2014/main" id="{19A67BB9-D880-4EAD-B90E-89C4219BFC0B}"/>
               </a:ext>
             </a:extLst>
           </p:cNvPr>
@@ -13551,7 +13543,7 @@
           <a:blip r:embed="rId3" cstate="print">
             <a:extLst>
               <a:ext uri="{28A0092B-C50C-407E-A947-70E740481C1C}">
-                <a14:useLocalDpi xmlns:a14="http://schemas.microsoft.com/office/drawing/2010/main" xmlns="" val="0"/>
+                <a14:useLocalDpi xmlns:a14="http://schemas.microsoft.com/office/drawing/2010/main" val="0"/>
               </a:ext>
             </a:extLst>
           </a:blip>
@@ -13574,7 +13566,7 @@
           <p:cNvPr id="15" name="Slide Title">
             <a:extLst>
               <a:ext uri="{FF2B5EF4-FFF2-40B4-BE49-F238E27FC236}">
-                <a16:creationId xmlns:a16="http://schemas.microsoft.com/office/drawing/2014/main" xmlns="" id="{EA9A94D1-F9F6-4D7B-85E3-896A987B6A4D}"/>
+                <a16:creationId xmlns:a16="http://schemas.microsoft.com/office/drawing/2014/main" id="{EA9A94D1-F9F6-4D7B-85E3-896A987B6A4D}"/>
               </a:ext>
             </a:extLst>
           </p:cNvPr>
@@ -13613,24 +13605,24 @@
     </p:spTree>
     <p:extLst>
       <p:ext uri="{BB962C8B-B14F-4D97-AF65-F5344CB8AC3E}">
-        <p14:creationId xmlns:p14="http://schemas.microsoft.com/office/powerpoint/2010/main" xmlns="" val="3044033461"/>
+        <p14:creationId xmlns:p14="http://schemas.microsoft.com/office/powerpoint/2010/main" val="3044033461"/>
       </p:ext>
     </p:extLst>
   </p:cSld>
   <p:clrMapOvr>
     <a:masterClrMapping/>
   </p:clrMapOvr>
-  <mc:AlternateContent xmlns:mc="http://schemas.openxmlformats.org/markup-compatibility/2006">
-    <mc:Choice xmlns:p14="http://schemas.microsoft.com/office/powerpoint/2010/main" xmlns="" Requires="p14">
+  <mc:AlternateContent xmlns:mc="http://schemas.openxmlformats.org/markup-compatibility/2006" xmlns:p14="http://schemas.microsoft.com/office/powerpoint/2010/main">
+    <mc:Choice Requires="p14">
       <p:transition spd="slow" p14:dur="2000" advClick="0" advTm="5000"/>
     </mc:Choice>
-    <mc:Fallback>
+    <mc:Fallback xmlns="">
       <p:transition spd="slow" advClick="0" advTm="5000"/>
     </mc:Fallback>
   </mc:AlternateContent>
   <p:extLst>
     <p:ext uri="{DCECCB84-F9BA-43D5-87BE-67443E8EF086}">
-      <p15:sldGuideLst xmlns:p15="http://schemas.microsoft.com/office/powerpoint/2012/main" xmlns="">
+      <p15:sldGuideLst xmlns:p15="http://schemas.microsoft.com/office/powerpoint/2012/main">
         <p15:guide id="1" orient="horz" pos="2160">
           <p15:clr>
             <a:srgbClr val="FBAE40"/>
@@ -13677,7 +13669,7 @@
           <p:cNvPr id="4" name="Picture Background" descr="SoftUni Background">
             <a:extLst>
               <a:ext uri="{FF2B5EF4-FFF2-40B4-BE49-F238E27FC236}">
-                <a16:creationId xmlns:a16="http://schemas.microsoft.com/office/drawing/2014/main" xmlns="" id="{5BE90A63-DDD9-4B3B-A234-DF69B9BC812F}"/>
+                <a16:creationId xmlns:a16="http://schemas.microsoft.com/office/drawing/2014/main" id="{5BE90A63-DDD9-4B3B-A234-DF69B9BC812F}"/>
               </a:ext>
             </a:extLst>
           </p:cNvPr>
@@ -13706,7 +13698,7 @@
           <p:cNvPr id="11" name="Slide Body Text">
             <a:extLst>
               <a:ext uri="{FF2B5EF4-FFF2-40B4-BE49-F238E27FC236}">
-                <a16:creationId xmlns:a16="http://schemas.microsoft.com/office/drawing/2014/main" xmlns="" id="{90CBFB32-9F46-4F2F-8A54-9EE8BED27855}"/>
+                <a16:creationId xmlns:a16="http://schemas.microsoft.com/office/drawing/2014/main" id="{90CBFB32-9F46-4F2F-8A54-9EE8BED27855}"/>
               </a:ext>
             </a:extLst>
           </p:cNvPr>
@@ -13774,7 +13766,7 @@
           <p:cNvPr id="10" name="Slide Title">
             <a:extLst>
               <a:ext uri="{FF2B5EF4-FFF2-40B4-BE49-F238E27FC236}">
-                <a16:creationId xmlns:a16="http://schemas.microsoft.com/office/drawing/2014/main" xmlns="" id="{B770C392-3003-4C35-9625-BB041F8257BA}"/>
+                <a16:creationId xmlns:a16="http://schemas.microsoft.com/office/drawing/2014/main" id="{B770C392-3003-4C35-9625-BB041F8257BA}"/>
               </a:ext>
             </a:extLst>
           </p:cNvPr>
@@ -13811,7 +13803,7 @@
     </p:spTree>
     <p:extLst>
       <p:ext uri="{BB962C8B-B14F-4D97-AF65-F5344CB8AC3E}">
-        <p14:creationId xmlns:p14="http://schemas.microsoft.com/office/powerpoint/2010/main" xmlns="" val="156789181"/>
+        <p14:creationId xmlns:p14="http://schemas.microsoft.com/office/powerpoint/2010/main" val="156789181"/>
       </p:ext>
     </p:extLst>
   </p:cSld>
@@ -13834,11 +13826,11 @@
     <p:sldLayoutId id="2147483695" r:id="rId15"/>
     <p:sldLayoutId id="2147483696" r:id="rId16"/>
   </p:sldLayoutIdLst>
-  <mc:AlternateContent xmlns:mc="http://schemas.openxmlformats.org/markup-compatibility/2006">
-    <mc:Choice xmlns:p14="http://schemas.microsoft.com/office/powerpoint/2010/main" xmlns="" Requires="p14">
+  <mc:AlternateContent xmlns:mc="http://schemas.openxmlformats.org/markup-compatibility/2006" xmlns:p14="http://schemas.microsoft.com/office/powerpoint/2010/main">
+    <mc:Choice Requires="p14">
       <p:transition spd="slow" p14:dur="2000" advClick="0" advTm="5000"/>
     </mc:Choice>
-    <mc:Fallback>
+    <mc:Fallback xmlns="">
       <p:transition spd="slow" advClick="0" advTm="5000"/>
     </mc:Fallback>
   </mc:AlternateContent>
@@ -14125,7 +14117,7 @@
   </p:txStyles>
   <p:extLst>
     <p:ext uri="{27BBF7A9-308A-43DC-89C8-2F10F3537804}">
-      <p15:sldGuideLst xmlns:p15="http://schemas.microsoft.com/office/powerpoint/2012/main" xmlns="">
+      <p15:sldGuideLst xmlns:p15="http://schemas.microsoft.com/office/powerpoint/2012/main">
         <p15:guide id="1" orient="horz" pos="2160">
           <p15:clr>
             <a:srgbClr val="F26B43"/>
@@ -14221,7 +14213,7 @@
           <p:cNvPr id="10" name="Author Position">
             <a:extLst>
               <a:ext uri="{FF2B5EF4-FFF2-40B4-BE49-F238E27FC236}">
-                <a16:creationId xmlns:a16="http://schemas.microsoft.com/office/drawing/2014/main" xmlns="" id="{F585BC4C-0F13-4FD4-8F23-99FD46618370}"/>
+                <a16:creationId xmlns:a16="http://schemas.microsoft.com/office/drawing/2014/main" id="{F585BC4C-0F13-4FD4-8F23-99FD46618370}"/>
               </a:ext>
             </a:extLst>
           </p:cNvPr>
@@ -14254,7 +14246,7 @@
           <p:cNvPr id="9" name="Author Name">
             <a:extLst>
               <a:ext uri="{FF2B5EF4-FFF2-40B4-BE49-F238E27FC236}">
-                <a16:creationId xmlns:a16="http://schemas.microsoft.com/office/drawing/2014/main" xmlns="" id="{FA396BB6-2053-4690-9672-BC528007D370}"/>
+                <a16:creationId xmlns:a16="http://schemas.microsoft.com/office/drawing/2014/main" id="{FA396BB6-2053-4690-9672-BC528007D370}"/>
               </a:ext>
             </a:extLst>
           </p:cNvPr>
@@ -14287,7 +14279,7 @@
           <p:cNvPr id="3" name="Presentation Subtitle">
             <a:extLst>
               <a:ext uri="{FF2B5EF4-FFF2-40B4-BE49-F238E27FC236}">
-                <a16:creationId xmlns:a16="http://schemas.microsoft.com/office/drawing/2014/main" xmlns="" id="{A004DC04-DA2A-41C0-8578-4B8D2F08EA7D}"/>
+                <a16:creationId xmlns:a16="http://schemas.microsoft.com/office/drawing/2014/main" id="{A004DC04-DA2A-41C0-8578-4B8D2F08EA7D}"/>
               </a:ext>
             </a:extLst>
           </p:cNvPr>
@@ -14311,15 +14303,15 @@
           <a:lstStyle/>
           <a:p>
             <a:r>
-              <a:rPr lang="bg-BG" dirty="0" smtClean="0"/>
+              <a:rPr lang="bg-BG" dirty="0"/>
               <a:t>Изпълнение на по-сложни </a:t>
             </a:r>
             <a:r>
-              <a:rPr lang="en-US" dirty="0" smtClean="0"/>
+              <a:rPr lang="en-US" dirty="0"/>
               <a:t>JOIN </a:t>
             </a:r>
             <a:r>
-              <a:rPr lang="bg-BG" dirty="0" smtClean="0"/>
+              <a:rPr lang="bg-BG" dirty="0"/>
               <a:t>заявки. Подзаявки</a:t>
             </a:r>
             <a:endParaRPr lang="en-US" dirty="0"/>
@@ -14331,7 +14323,7 @@
           <p:cNvPr id="16" name="Title 15">
             <a:extLst>
               <a:ext uri="{FF2B5EF4-FFF2-40B4-BE49-F238E27FC236}">
-                <a16:creationId xmlns:a16="http://schemas.microsoft.com/office/drawing/2014/main" xmlns="" id="{09D526E5-16F9-CDC3-F025-1D308EB5C234}"/>
+                <a16:creationId xmlns:a16="http://schemas.microsoft.com/office/drawing/2014/main" id="{09D526E5-16F9-CDC3-F025-1D308EB5C234}"/>
               </a:ext>
             </a:extLst>
           </p:cNvPr>
@@ -14344,8 +14336,8 @@
         </p:nvSpPr>
         <p:spPr>
           <a:xfrm>
-            <a:off x="554182" y="152400"/>
-            <a:ext cx="11083636" cy="1430019"/>
+            <a:off x="554182" y="457200"/>
+            <a:ext cx="11083636" cy="838200"/>
           </a:xfrm>
         </p:spPr>
         <p:txBody>
@@ -14355,8 +14347,12 @@
           <a:lstStyle/>
           <a:p>
             <a:r>
-              <a:rPr lang="ru-RU" sz="4400" dirty="0" smtClean="0"/>
-              <a:t>По-сложни съедининия и вложени заявки</a:t>
+              <a:rPr lang="bg-BG" sz="4400" dirty="0"/>
+              <a:t>По-сложни</a:t>
+            </a:r>
+            <a:r>
+              <a:rPr lang="ru-RU" sz="4400" dirty="0"/>
+              <a:t> съединения и вложени заявки</a:t>
             </a:r>
             <a:endParaRPr lang="bg-BG" sz="4400" dirty="0"/>
           </a:p>
@@ -14374,7 +14370,7 @@
           <a:blip r:embed="rId4" cstate="print">
             <a:extLst>
               <a:ext uri="{28A0092B-C50C-407E-A947-70E740481C1C}">
-                <a14:useLocalDpi xmlns="" xmlns:a14="http://schemas.microsoft.com/office/drawing/2010/main" val="0"/>
+                <a14:useLocalDpi xmlns:a14="http://schemas.microsoft.com/office/drawing/2010/main" val="0"/>
               </a:ext>
             </a:extLst>
           </a:blip>
@@ -14394,7 +14390,7 @@
           <a:noFill/>
           <a:extLst>
             <a:ext uri="{909E8E84-426E-40DD-AFC4-6F175D3DCCD1}">
-              <a14:hiddenFill xmlns="" xmlns:a14="http://schemas.microsoft.com/office/drawing/2010/main">
+              <a14:hiddenFill xmlns:a14="http://schemas.microsoft.com/office/drawing/2010/main">
                 <a:solidFill>
                   <a:srgbClr val="FFFFFF"/>
                 </a:solidFill>
@@ -14406,28 +14402,21 @@
     </p:spTree>
     <p:extLst>
       <p:ext uri="{BB962C8B-B14F-4D97-AF65-F5344CB8AC3E}">
-        <p14:creationId xmlns:p14="http://schemas.microsoft.com/office/powerpoint/2010/main" xmlns="" val="3666405375"/>
+        <p14:creationId xmlns:p14="http://schemas.microsoft.com/office/powerpoint/2010/main" val="3666405375"/>
       </p:ext>
     </p:extLst>
   </p:cSld>
   <p:clrMapOvr>
     <a:masterClrMapping/>
   </p:clrMapOvr>
-  <mc:AlternateContent xmlns:mc="http://schemas.openxmlformats.org/markup-compatibility/2006">
-    <mc:Choice xmlns:p14="http://schemas.microsoft.com/office/powerpoint/2010/main" xmlns="" Requires="p14">
+  <mc:AlternateContent xmlns:mc="http://schemas.openxmlformats.org/markup-compatibility/2006" xmlns:p14="http://schemas.microsoft.com/office/powerpoint/2010/main">
+    <mc:Choice Requires="p14">
       <p:transition spd="slow" p14:dur="2000" advClick="0" advTm="5000"/>
     </mc:Choice>
-    <mc:Fallback>
+    <mc:Fallback xmlns="">
       <p:transition spd="slow" advClick="0" advTm="5000"/>
     </mc:Fallback>
   </mc:AlternateContent>
-  <p:timing>
-    <p:tnLst>
-      <p:par>
-        <p:cTn id="1" dur="indefinite" restart="never" nodeType="tmRoot"/>
-      </p:par>
-    </p:tnLst>
-  </p:timing>
 </p:sld>
 </file>
 
@@ -14499,32 +14488,25 @@
               <a:buSzPct val="70000"/>
             </a:pPr>
             <a:r>
-              <a:rPr lang="en-US" sz="2800" b="1" noProof="1" smtClean="0">
+              <a:rPr lang="en-US" sz="2800" b="1" noProof="1">
                 <a:latin typeface="Consolas" pitchFamily="49" charset="0"/>
                 <a:cs typeface="Consolas" pitchFamily="49" charset="0"/>
               </a:rPr>
               <a:t>SELECT</a:t>
             </a:r>
             <a:r>
-              <a:rPr lang="bg-BG" sz="2800" b="1" noProof="1" smtClean="0">
+              <a:rPr lang="bg-BG" sz="2800" b="1" noProof="1">
                 <a:latin typeface="Consolas" pitchFamily="49" charset="0"/>
                 <a:cs typeface="Consolas" pitchFamily="49" charset="0"/>
               </a:rPr>
               <a:t> </a:t>
             </a:r>
             <a:r>
-              <a:rPr lang="en-US" sz="2800" b="1" noProof="1" smtClean="0">
-                <a:latin typeface="Consolas" pitchFamily="49" charset="0"/>
-                <a:cs typeface="Consolas" pitchFamily="49" charset="0"/>
-              </a:rPr>
-              <a:t>e.FirstName, e.LastName </a:t>
-            </a:r>
-            <a:r>
               <a:rPr lang="en-US" sz="2800" b="1" noProof="1">
                 <a:latin typeface="Consolas" pitchFamily="49" charset="0"/>
                 <a:cs typeface="Consolas" pitchFamily="49" charset="0"/>
               </a:rPr>
-              <a:t>FROM Employees AS e</a:t>
+              <a:t>e.FirstName, e.LastName FROM Employees AS e</a:t>
             </a:r>
           </a:p>
           <a:p>
@@ -14633,27 +14615,7 @@
                 <a:latin typeface="Consolas" pitchFamily="49" charset="0"/>
                 <a:cs typeface="Consolas" pitchFamily="49" charset="0"/>
               </a:rPr>
-              <a:t>     FROM </a:t>
-            </a:r>
-            <a:r>
-              <a:rPr lang="en-US" sz="2800" b="1" noProof="1" smtClean="0">
-                <a:solidFill>
-                  <a:schemeClr val="bg1"/>
-                </a:solidFill>
-                <a:latin typeface="Consolas" pitchFamily="49" charset="0"/>
-                <a:cs typeface="Consolas" pitchFamily="49" charset="0"/>
-              </a:rPr>
-              <a:t>Departments </a:t>
-            </a:r>
-            <a:r>
-              <a:rPr lang="en-US" sz="2800" b="1" noProof="1">
-                <a:solidFill>
-                  <a:schemeClr val="bg1"/>
-                </a:solidFill>
-                <a:latin typeface="Consolas" pitchFamily="49" charset="0"/>
-                <a:cs typeface="Consolas" pitchFamily="49" charset="0"/>
-              </a:rPr>
-              <a:t>AS d</a:t>
+              <a:t>     FROM Departments AS d</a:t>
             </a:r>
           </a:p>
           <a:p>
@@ -14719,10 +14681,9 @@
           <a:lstStyle/>
           <a:p>
             <a:r>
-              <a:rPr lang="bg-BG" dirty="0" smtClean="0"/>
+              <a:rPr lang="bg-BG" dirty="0"/>
               <a:t>Синтаксис</a:t>
             </a:r>
-            <a:endParaRPr lang="bg-BG" dirty="0"/>
           </a:p>
         </p:txBody>
       </p:sp>
@@ -14787,7 +14748,7 @@
           <a:p>
             <a:pPr algn="ctr"/>
             <a:r>
-              <a:rPr lang="bg-BG" sz="2800" b="1" noProof="1" smtClean="0">
+              <a:rPr lang="bg-BG" sz="2800" b="1" noProof="1">
                 <a:solidFill>
                   <a:srgbClr val="FFFFFF"/>
                 </a:solidFill>
@@ -14795,7 +14756,7 @@
               <a:t>Таблица </a:t>
             </a:r>
             <a:r>
-              <a:rPr lang="en-US" sz="2800" b="1" noProof="1" smtClean="0">
+              <a:rPr lang="en-US" sz="2800" b="1" noProof="1">
                 <a:solidFill>
                   <a:schemeClr val="bg1">
                     <a:lumMod val="60000"/>
@@ -14805,14 +14766,6 @@
               </a:rPr>
               <a:t>Departments</a:t>
             </a:r>
-            <a:endParaRPr lang="en-US" sz="2800" b="1" noProof="1">
-              <a:solidFill>
-                <a:schemeClr val="bg1">
-                  <a:lumMod val="60000"/>
-                  <a:lumOff val="40000"/>
-                </a:schemeClr>
-              </a:solidFill>
-            </a:endParaRPr>
           </a:p>
         </p:txBody>
       </p:sp>
@@ -14877,7 +14830,7 @@
           <a:p>
             <a:pPr algn="ctr"/>
             <a:r>
-              <a:rPr lang="bg-BG" sz="2800" b="1" noProof="1" smtClean="0">
+              <a:rPr lang="bg-BG" sz="2800" b="1" noProof="1">
                 <a:solidFill>
                   <a:srgbClr val="FFFFFF"/>
                 </a:solidFill>
@@ -14897,7 +14850,7 @@
           <p:cNvPr id="9" name="Slide Number">
             <a:extLst>
               <a:ext uri="{FF2B5EF4-FFF2-40B4-BE49-F238E27FC236}">
-                <a16:creationId xmlns="" xmlns:a16="http://schemas.microsoft.com/office/drawing/2014/main" id="{A816F084-DA92-4652-B283-F50A1A2276F5}"/>
+                <a16:creationId xmlns:a16="http://schemas.microsoft.com/office/drawing/2014/main" id="{A816F084-DA92-4652-B283-F50A1A2276F5}"/>
               </a:ext>
             </a:extLst>
           </p:cNvPr>
@@ -14937,18 +14890,18 @@
     </p:spTree>
     <p:extLst>
       <p:ext uri="{BB962C8B-B14F-4D97-AF65-F5344CB8AC3E}">
-        <p14:creationId xmlns="" xmlns:p14="http://schemas.microsoft.com/office/powerpoint/2010/main" val="3967804102"/>
+        <p14:creationId xmlns:p14="http://schemas.microsoft.com/office/powerpoint/2010/main" val="3967804102"/>
       </p:ext>
     </p:extLst>
   </p:cSld>
   <p:clrMapOvr>
     <a:masterClrMapping/>
   </p:clrMapOvr>
-  <mc:AlternateContent xmlns:mc="http://schemas.openxmlformats.org/markup-compatibility/2006">
-    <mc:Choice xmlns="" xmlns:p14="http://schemas.microsoft.com/office/powerpoint/2010/main" Requires="p14">
+  <mc:AlternateContent xmlns:mc="http://schemas.openxmlformats.org/markup-compatibility/2006" xmlns:p14="http://schemas.microsoft.com/office/powerpoint/2010/main">
+    <mc:Choice Requires="p14">
       <p:transition spd="slow" p14:dur="2000" advClick="0" advTm="5000"/>
     </mc:Choice>
-    <mc:Fallback>
+    <mc:Fallback xmlns="">
       <p:transition spd="slow" advClick="0" advTm="5000"/>
     </mc:Fallback>
   </mc:AlternateContent>
@@ -15272,11 +15225,11 @@
           <a:lstStyle/>
           <a:p>
             <a:r>
-              <a:rPr lang="bg-BG" dirty="0" smtClean="0"/>
+              <a:rPr lang="bg-BG" dirty="0"/>
               <a:t>Покажете </a:t>
             </a:r>
             <a:r>
-              <a:rPr lang="bg-BG" b="1" dirty="0" smtClean="0">
+              <a:rPr lang="bg-BG" b="1" dirty="0">
                 <a:solidFill>
                   <a:schemeClr val="bg1"/>
                 </a:solidFill>
@@ -15284,42 +15237,62 @@
               <a:t>най-ниската средна заплата </a:t>
             </a:r>
             <a:r>
-              <a:rPr lang="bg-BG" dirty="0" smtClean="0"/>
+              <a:rPr lang="bg-BG" dirty="0"/>
               <a:t>от</a:t>
             </a:r>
             <a:r>
-              <a:rPr lang="en-US" dirty="0" smtClean="0"/>
+              <a:rPr lang="en-US" dirty="0"/>
               <a:t> </a:t>
             </a:r>
             <a:r>
-              <a:rPr lang="bg-BG" b="1" dirty="0" smtClean="0">
+              <a:rPr lang="bg-BG" b="1" dirty="0">
                 <a:solidFill>
                   <a:schemeClr val="bg1"/>
                 </a:solidFill>
               </a:rPr>
               <a:t>всеки отдел</a:t>
             </a:r>
-            <a:r>
-              <a:rPr lang="en-US" dirty="0" smtClean="0"/>
-              <a:t>.</a:t>
-            </a:r>
             <a:endParaRPr lang="en-US" dirty="0"/>
           </a:p>
           <a:p>
             <a:pPr lvl="1"/>
             <a:r>
-              <a:rPr lang="ru-RU" dirty="0" smtClean="0"/>
-              <a:t>Изчислете средната заплата за всеки отдел</a:t>
-            </a:r>
-            <a:endParaRPr lang="en-US" dirty="0"/>
+              <a:rPr lang="ru-RU" dirty="0"/>
+              <a:t>Изчислете </a:t>
+            </a:r>
+            <a:r>
+              <a:rPr lang="ru-RU" b="1" dirty="0">
+                <a:solidFill>
+                  <a:schemeClr val="bg1"/>
+                </a:solidFill>
+              </a:rPr>
+              <a:t>средната заплата за всеки отдел</a:t>
+            </a:r>
+            <a:endParaRPr lang="en-US" b="1" dirty="0">
+              <a:solidFill>
+                <a:schemeClr val="bg1"/>
+              </a:solidFill>
+            </a:endParaRPr>
           </a:p>
           <a:p>
             <a:pPr lvl="1"/>
             <a:r>
-              <a:rPr lang="ru-RU" dirty="0" smtClean="0"/>
-              <a:t>След това покажете стойността на най-малката</a:t>
-            </a:r>
-            <a:endParaRPr lang="en-US" dirty="0"/>
+              <a:rPr lang="ru-RU" dirty="0"/>
+              <a:t>След това покажете стойността на </a:t>
+            </a:r>
+            <a:r>
+              <a:rPr lang="ru-RU" b="1" dirty="0">
+                <a:solidFill>
+                  <a:schemeClr val="bg1"/>
+                </a:solidFill>
+              </a:rPr>
+              <a:t>най-малката</a:t>
+            </a:r>
+            <a:endParaRPr lang="en-US" b="1" dirty="0">
+              <a:solidFill>
+                <a:schemeClr val="bg1"/>
+              </a:solidFill>
+            </a:endParaRPr>
           </a:p>
         </p:txBody>
       </p:sp>
@@ -15339,15 +15312,15 @@
           <a:lstStyle/>
           <a:p>
             <a:r>
-              <a:rPr lang="bg-BG" dirty="0" smtClean="0"/>
+              <a:rPr lang="bg-BG" dirty="0"/>
               <a:t>Задача</a:t>
             </a:r>
             <a:r>
-              <a:rPr lang="en-US" dirty="0" smtClean="0"/>
+              <a:rPr lang="en-US" dirty="0"/>
               <a:t>: </a:t>
             </a:r>
             <a:r>
-              <a:rPr lang="bg-BG" dirty="0" smtClean="0"/>
+              <a:rPr lang="bg-BG" dirty="0"/>
               <a:t>Минимална средна заплата</a:t>
             </a:r>
             <a:endParaRPr lang="en-US" dirty="0"/>
@@ -15370,8 +15343,8 @@
         </p:blipFill>
         <p:spPr>
           <a:xfrm>
-            <a:off x="4663574" y="3810000"/>
-            <a:ext cx="2864852" cy="821538"/>
+            <a:off x="4114800" y="4038600"/>
+            <a:ext cx="3962400" cy="1136276"/>
           </a:xfrm>
           <a:prstGeom prst="rect">
             <a:avLst/>
@@ -15390,7 +15363,7 @@
           <p:cNvPr id="8" name="Slide Number">
             <a:extLst>
               <a:ext uri="{FF2B5EF4-FFF2-40B4-BE49-F238E27FC236}">
-                <a16:creationId xmlns="" xmlns:a16="http://schemas.microsoft.com/office/drawing/2014/main" id="{7379BEBA-72C0-4705-8AF6-97816F3B989B}"/>
+                <a16:creationId xmlns:a16="http://schemas.microsoft.com/office/drawing/2014/main" id="{7379BEBA-72C0-4705-8AF6-97816F3B989B}"/>
               </a:ext>
             </a:extLst>
           </p:cNvPr>
@@ -15430,18 +15403,18 @@
     </p:spTree>
     <p:extLst>
       <p:ext uri="{BB962C8B-B14F-4D97-AF65-F5344CB8AC3E}">
-        <p14:creationId xmlns="" xmlns:p14="http://schemas.microsoft.com/office/powerpoint/2010/main" val="1509527703"/>
+        <p14:creationId xmlns:p14="http://schemas.microsoft.com/office/powerpoint/2010/main" val="1509527703"/>
       </p:ext>
     </p:extLst>
   </p:cSld>
   <p:clrMapOvr>
     <a:masterClrMapping/>
   </p:clrMapOvr>
-  <mc:AlternateContent xmlns:mc="http://schemas.openxmlformats.org/markup-compatibility/2006">
-    <mc:Choice xmlns="" xmlns:p14="http://schemas.microsoft.com/office/powerpoint/2010/main" Requires="p14">
+  <mc:AlternateContent xmlns:mc="http://schemas.openxmlformats.org/markup-compatibility/2006" xmlns:p14="http://schemas.microsoft.com/office/powerpoint/2010/main">
+    <mc:Choice Requires="p14">
       <p:transition spd="slow" p14:dur="2000" advClick="0" advTm="5000"/>
     </mc:Choice>
-    <mc:Fallback>
+    <mc:Fallback xmlns="">
       <p:transition spd="slow" advClick="0" advTm="5000"/>
     </mc:Fallback>
   </mc:AlternateContent>
@@ -16060,18 +16033,17 @@
           <a:lstStyle/>
           <a:p>
             <a:r>
-              <a:rPr lang="bg-BG" dirty="0" smtClean="0"/>
+              <a:rPr lang="bg-BG" dirty="0"/>
               <a:t>Решение</a:t>
             </a:r>
             <a:r>
-              <a:rPr lang="en-US" dirty="0" smtClean="0"/>
+              <a:rPr lang="en-US" dirty="0"/>
               <a:t>: </a:t>
             </a:r>
             <a:r>
-              <a:rPr lang="bg-BG" dirty="0" smtClean="0"/>
+              <a:rPr lang="bg-BG" dirty="0"/>
               <a:t>Минимална средна заплата</a:t>
             </a:r>
-            <a:endParaRPr lang="bg-BG" dirty="0"/>
           </a:p>
         </p:txBody>
       </p:sp>
@@ -16136,7 +16108,7 @@
           <a:p>
             <a:pPr algn="ctr"/>
             <a:r>
-              <a:rPr lang="bg-BG" sz="2800" b="1" noProof="1" smtClean="0">
+              <a:rPr lang="bg-BG" sz="2800" b="1" noProof="1">
                 <a:solidFill>
                   <a:srgbClr val="FFFFFF"/>
                 </a:solidFill>
@@ -16226,7 +16198,7 @@
           <a:p>
             <a:pPr algn="ctr"/>
             <a:r>
-              <a:rPr lang="bg-BG" sz="2800" b="1" noProof="1" smtClean="0">
+              <a:rPr lang="bg-BG" sz="2800" b="1" noProof="1">
                 <a:solidFill>
                   <a:srgbClr val="FFFFFF"/>
                 </a:solidFill>
@@ -16241,7 +16213,7 @@
               <a:t>Таблица </a:t>
             </a:r>
             <a:r>
-              <a:rPr lang="en-US" sz="2800" b="1" noProof="1" smtClean="0">
+              <a:rPr lang="en-US" sz="2800" b="1" noProof="1">
                 <a:solidFill>
                   <a:schemeClr val="bg1">
                     <a:lumMod val="60000"/>
@@ -16258,21 +16230,6 @@
               </a:rPr>
               <a:t>Employees</a:t>
             </a:r>
-            <a:endParaRPr lang="en-US" sz="2800" b="1" noProof="1">
-              <a:solidFill>
-                <a:schemeClr val="bg1">
-                  <a:lumMod val="60000"/>
-                  <a:lumOff val="40000"/>
-                </a:schemeClr>
-              </a:solidFill>
-              <a:effectLst>
-                <a:outerShdw blurRad="38100" dist="38100" dir="2700000" algn="tl">
-                  <a:srgbClr val="000000">
-                    <a:alpha val="43137"/>
-                  </a:srgbClr>
-                </a:outerShdw>
-              </a:effectLst>
-            </a:endParaRPr>
           </a:p>
         </p:txBody>
       </p:sp>
@@ -16281,7 +16238,7 @@
           <p:cNvPr id="11" name="Slide Number">
             <a:extLst>
               <a:ext uri="{FF2B5EF4-FFF2-40B4-BE49-F238E27FC236}">
-                <a16:creationId xmlns="" xmlns:a16="http://schemas.microsoft.com/office/drawing/2014/main" id="{0FA1B6CD-C952-4A44-80D2-331DA0266BDB}"/>
+                <a16:creationId xmlns:a16="http://schemas.microsoft.com/office/drawing/2014/main" id="{0FA1B6CD-C952-4A44-80D2-331DA0266BDB}"/>
               </a:ext>
             </a:extLst>
           </p:cNvPr>
@@ -16321,18 +16278,18 @@
     </p:spTree>
     <p:extLst>
       <p:ext uri="{BB962C8B-B14F-4D97-AF65-F5344CB8AC3E}">
-        <p14:creationId xmlns="" xmlns:p14="http://schemas.microsoft.com/office/powerpoint/2010/main" val="4092459972"/>
+        <p14:creationId xmlns:p14="http://schemas.microsoft.com/office/powerpoint/2010/main" val="4092459972"/>
       </p:ext>
     </p:extLst>
   </p:cSld>
   <p:clrMapOvr>
     <a:masterClrMapping/>
   </p:clrMapOvr>
-  <mc:AlternateContent xmlns:mc="http://schemas.openxmlformats.org/markup-compatibility/2006">
-    <mc:Choice xmlns="" xmlns:p14="http://schemas.microsoft.com/office/powerpoint/2010/main" Requires="p14">
+  <mc:AlternateContent xmlns:mc="http://schemas.openxmlformats.org/markup-compatibility/2006" xmlns:p14="http://schemas.microsoft.com/office/powerpoint/2010/main">
+    <mc:Choice Requires="p14">
       <p:transition spd="slow" p14:dur="2000" advClick="0" advTm="5000"/>
     </mc:Choice>
-    <mc:Fallback>
+    <mc:Fallback xmlns="">
       <p:transition spd="slow" advClick="0" advTm="5000"/>
     </mc:Fallback>
   </mc:AlternateContent>
@@ -16634,7 +16591,7 @@
         </p:nvSpPr>
         <p:spPr>
           <a:xfrm>
-            <a:off x="609600" y="5943600"/>
+            <a:off x="609599" y="5654447"/>
             <a:ext cx="10961783" cy="768084"/>
           </a:xfrm>
         </p:spPr>
@@ -16643,38 +16600,33 @@
           <a:lstStyle/>
           <a:p>
             <a:r>
-              <a:rPr lang="en-US" dirty="0" smtClean="0"/>
+              <a:rPr lang="en-US" sz="4000" dirty="0"/>
               <a:t>UNION</a:t>
             </a:r>
             <a:r>
-              <a:rPr lang="bg-BG" dirty="0" smtClean="0"/>
+              <a:rPr lang="bg-BG" sz="4000" dirty="0"/>
               <a:t>, </a:t>
             </a:r>
             <a:r>
-              <a:rPr lang="en-US" dirty="0" smtClean="0"/>
+              <a:rPr lang="en-US" sz="4000" dirty="0"/>
               <a:t>INTERSECT</a:t>
             </a:r>
             <a:r>
-              <a:rPr lang="bg-BG" dirty="0" smtClean="0"/>
+              <a:rPr lang="bg-BG" sz="4000" dirty="0"/>
               <a:t>, </a:t>
             </a:r>
             <a:r>
-              <a:rPr lang="en-US" dirty="0" smtClean="0"/>
+              <a:rPr lang="en-US" sz="4000" dirty="0"/>
               <a:t>EXCEPT</a:t>
             </a:r>
             <a:r>
-              <a:rPr lang="bg-BG" dirty="0" smtClean="0"/>
+              <a:rPr lang="bg-BG" sz="4000" dirty="0"/>
               <a:t> и</a:t>
             </a:r>
             <a:r>
-              <a:rPr lang="en-US" dirty="0" smtClean="0"/>
-              <a:t> </a:t>
-            </a:r>
-            <a:r>
-              <a:rPr lang="bg-BG" dirty="0" smtClean="0"/>
-              <a:t>деление</a:t>
-            </a:r>
-            <a:endParaRPr lang="en-US" dirty="0"/>
+              <a:rPr lang="en-US" sz="4000" dirty="0"/>
+              <a:t> DIVIDE</a:t>
+            </a:r>
           </a:p>
         </p:txBody>
       </p:sp>
@@ -16690,8 +16642,8 @@
         </p:nvSpPr>
         <p:spPr>
           <a:xfrm>
-            <a:off x="609600" y="4800600"/>
-            <a:ext cx="10961783" cy="768084"/>
+            <a:off x="-81709" y="4768803"/>
+            <a:ext cx="12344400" cy="768084"/>
           </a:xfrm>
         </p:spPr>
         <p:txBody>
@@ -16699,10 +16651,10 @@
           <a:lstStyle/>
           <a:p>
             <a:r>
-              <a:rPr lang="bg-BG" dirty="0" smtClean="0"/>
+              <a:rPr lang="bg-BG" sz="5000" dirty="0"/>
               <a:t>Обединение, сечение, разлика, деление</a:t>
             </a:r>
-            <a:endParaRPr lang="en-US" dirty="0"/>
+            <a:endParaRPr lang="en-US" sz="5000" dirty="0"/>
           </a:p>
         </p:txBody>
       </p:sp>
@@ -16737,21 +16689,14 @@
   <p:clrMapOvr>
     <a:masterClrMapping/>
   </p:clrMapOvr>
-  <mc:AlternateContent xmlns:mc="http://schemas.openxmlformats.org/markup-compatibility/2006">
-    <mc:Choice xmlns:p14="http://schemas.microsoft.com/office/powerpoint/2010/main" xmlns="" Requires="p14">
+  <mc:AlternateContent xmlns:mc="http://schemas.openxmlformats.org/markup-compatibility/2006" xmlns:p14="http://schemas.microsoft.com/office/powerpoint/2010/main">
+    <mc:Choice Requires="p14">
       <p:transition spd="slow" p14:dur="2000" advClick="0" advTm="5000"/>
     </mc:Choice>
-    <mc:Fallback>
+    <mc:Fallback xmlns="">
       <p:transition spd="slow" advClick="0" advTm="5000"/>
     </mc:Fallback>
   </mc:AlternateContent>
-  <p:timing>
-    <p:tnLst>
-      <p:par>
-        <p:cTn id="1" dur="indefinite" restart="never" nodeType="tmRoot"/>
-      </p:par>
-    </p:tnLst>
-  </p:timing>
 </p:sld>
 </file>
 
@@ -16808,8 +16753,8 @@
         </p:nvSpPr>
         <p:spPr>
           <a:xfrm>
-            <a:off x="190402" y="1196125"/>
-            <a:ext cx="11849198" cy="5528766"/>
+            <a:off x="76200" y="1196125"/>
+            <a:ext cx="11963400" cy="5528766"/>
           </a:xfrm>
         </p:spPr>
         <p:txBody>
@@ -16824,7 +16769,7 @@
               </a:buClr>
             </a:pPr>
             <a:r>
-              <a:rPr lang="bg-BG" dirty="0" smtClean="0">
+              <a:rPr lang="bg-BG" dirty="0">
                 <a:solidFill>
                   <a:srgbClr val="224464"/>
                 </a:solidFill>
@@ -16832,30 +16777,44 @@
               <a:t>Операцията </a:t>
             </a:r>
             <a:r>
-              <a:rPr lang="en-US" b="1" dirty="0" smtClean="0">
+              <a:rPr lang="en-US" b="1" dirty="0">
+                <a:solidFill>
+                  <a:schemeClr val="bg1"/>
+                </a:solidFill>
+                <a:latin typeface="Consolas" panose="020B0609020204030204" pitchFamily="49" charset="0"/>
+                <a:cs typeface="Consolas" panose="020B0609020204030204" pitchFamily="49" charset="0"/>
+              </a:rPr>
+              <a:t>UNION</a:t>
+            </a:r>
+          </a:p>
+          <a:p>
+            <a:pPr lvl="1">
+              <a:buClr>
+                <a:schemeClr val="tx1"/>
+              </a:buClr>
+            </a:pPr>
+            <a:r>
+              <a:rPr lang="ru-RU" b="1" dirty="0">
                 <a:solidFill>
                   <a:schemeClr val="bg1"/>
                 </a:solidFill>
               </a:rPr>
-              <a:t>UNION</a:t>
-            </a:r>
+              <a:t>Обединение</a:t>
+            </a:r>
+            <a:r>
+              <a:rPr lang="ru-RU" dirty="0"/>
+              <a:t> на резултатите от две или повече заявки</a:t>
+            </a:r>
+            <a:endParaRPr lang="en-US" dirty="0"/>
           </a:p>
           <a:p>
             <a:pPr lvl="1"/>
             <a:r>
-              <a:rPr lang="ru-RU" dirty="0" smtClean="0"/>
-              <a:t>Обединение на резултатите от две или повече заявки</a:t>
-            </a:r>
-            <a:endParaRPr lang="en-US" dirty="0" smtClean="0"/>
-          </a:p>
-          <a:p>
-            <a:pPr lvl="1"/>
-            <a:r>
-              <a:rPr lang="ru-RU" dirty="0" smtClean="0"/>
+              <a:rPr lang="ru-RU" dirty="0"/>
               <a:t>Връща </a:t>
             </a:r>
             <a:r>
-              <a:rPr lang="ru-RU" b="1" dirty="0" smtClean="0">
+              <a:rPr lang="ru-RU" b="1" dirty="0">
                 <a:solidFill>
                   <a:schemeClr val="bg1"/>
                 </a:solidFill>
@@ -16863,10 +16822,10 @@
               <a:t>уникални</a:t>
             </a:r>
             <a:r>
-              <a:rPr lang="ru-RU" dirty="0" smtClean="0"/>
+              <a:rPr lang="ru-RU" dirty="0"/>
               <a:t> редове, премахвайки дублиращите се записи</a:t>
             </a:r>
-            <a:endParaRPr lang="en-US" dirty="0" smtClean="0"/>
+            <a:endParaRPr lang="en-US" dirty="0"/>
           </a:p>
           <a:p>
             <a:pPr lvl="1">
@@ -16875,7 +16834,7 @@
               </a:buClr>
             </a:pPr>
             <a:r>
-              <a:rPr lang="ru-RU" b="1" dirty="0" smtClean="0">
+              <a:rPr lang="ru-RU" b="1" dirty="0">
                 <a:solidFill>
                   <a:schemeClr val="bg1"/>
                 </a:solidFill>
@@ -16883,11 +16842,11 @@
               <a:t>Броят</a:t>
             </a:r>
             <a:r>
-              <a:rPr lang="ru-RU" dirty="0" smtClean="0"/>
+              <a:rPr lang="ru-RU" dirty="0"/>
               <a:t> и </a:t>
             </a:r>
             <a:r>
-              <a:rPr lang="ru-RU" b="1" dirty="0" smtClean="0">
+              <a:rPr lang="ru-RU" b="1" dirty="0">
                 <a:solidFill>
                   <a:schemeClr val="bg1"/>
                 </a:solidFill>
@@ -16895,15 +16854,15 @@
               <a:t>редът</a:t>
             </a:r>
             <a:r>
-              <a:rPr lang="ru-RU" dirty="0" smtClean="0"/>
+              <a:rPr lang="ru-RU" dirty="0"/>
               <a:t> на </a:t>
             </a:r>
             <a:r>
-              <a:rPr lang="bg-BG" dirty="0" smtClean="0"/>
+              <a:rPr lang="bg-BG" dirty="0"/>
               <a:t>колоните </a:t>
             </a:r>
             <a:r>
-              <a:rPr lang="ru-RU" dirty="0" smtClean="0"/>
+              <a:rPr lang="ru-RU" dirty="0"/>
               <a:t>във всички SELECT заявки трябва да съвпадат (ако се селектират колони)</a:t>
             </a:r>
           </a:p>
@@ -16914,7 +16873,7 @@
               </a:buClr>
             </a:pPr>
             <a:r>
-              <a:rPr lang="ru-RU" b="1" dirty="0" smtClean="0">
+              <a:rPr lang="ru-RU" b="1" dirty="0">
                 <a:solidFill>
                   <a:schemeClr val="bg1"/>
                 </a:solidFill>
@@ -16922,11 +16881,11 @@
               <a:t>Типовете</a:t>
             </a:r>
             <a:r>
-              <a:rPr lang="ru-RU" dirty="0" smtClean="0"/>
+              <a:rPr lang="ru-RU" dirty="0"/>
               <a:t> на съответните колони също трябва да бъдат </a:t>
             </a:r>
             <a:r>
-              <a:rPr lang="ru-RU" b="1" dirty="0" smtClean="0">
+              <a:rPr lang="ru-RU" b="1" dirty="0">
                 <a:solidFill>
                   <a:schemeClr val="bg1"/>
                 </a:solidFill>
@@ -16941,7 +16900,7 @@
               </a:buClr>
             </a:pPr>
             <a:r>
-              <a:rPr lang="ru-RU" dirty="0" smtClean="0">
+              <a:rPr lang="ru-RU" dirty="0">
                 <a:solidFill>
                   <a:srgbClr val="224464"/>
                 </a:solidFill>
@@ -16949,7 +16908,7 @@
               <a:t>За да </a:t>
             </a:r>
             <a:r>
-              <a:rPr lang="ru-RU" b="1" dirty="0" smtClean="0">
+              <a:rPr lang="ru-RU" b="1" dirty="0">
                 <a:solidFill>
                   <a:schemeClr val="bg1"/>
                 </a:solidFill>
@@ -16957,25 +16916,45 @@
               <a:t>запазим</a:t>
             </a:r>
             <a:r>
-              <a:rPr lang="ru-RU" dirty="0" smtClean="0">
+              <a:rPr lang="ru-RU" dirty="0">
                 <a:solidFill>
                   <a:srgbClr val="224464"/>
                 </a:solidFill>
               </a:rPr>
-              <a:t> дублиращите се редове използваме </a:t>
-            </a:r>
-            <a:r>
-              <a:rPr lang="en-US" b="1" dirty="0" smtClean="0">
+              <a:t> дублиращите се редове</a:t>
+            </a:r>
+            <a:r>
+              <a:rPr lang="en-US" dirty="0">
+                <a:solidFill>
+                  <a:srgbClr val="224464"/>
+                </a:solidFill>
+              </a:rPr>
+              <a:t>,</a:t>
+            </a:r>
+            <a:r>
+              <a:rPr lang="ru-RU" dirty="0">
+                <a:solidFill>
+                  <a:srgbClr val="224464"/>
+                </a:solidFill>
+              </a:rPr>
+              <a:t> използваме </a:t>
+            </a:r>
+            <a:r>
+              <a:rPr lang="en-US" b="1" dirty="0">
                 <a:solidFill>
                   <a:schemeClr val="bg1"/>
                 </a:solidFill>
+                <a:latin typeface="Consolas" panose="020B0609020204030204" pitchFamily="49" charset="0"/>
+                <a:cs typeface="Consolas" panose="020B0609020204030204" pitchFamily="49" charset="0"/>
               </a:rPr>
               <a:t>UNION ALL</a:t>
             </a:r>
-            <a:endParaRPr lang="ru-RU" b="1" dirty="0" smtClean="0">
+            <a:endParaRPr lang="ru-RU" b="1" dirty="0">
               <a:solidFill>
                 <a:schemeClr val="bg1"/>
               </a:solidFill>
+              <a:latin typeface="Consolas" panose="020B0609020204030204" pitchFamily="49" charset="0"/>
+              <a:cs typeface="Consolas" panose="020B0609020204030204" pitchFamily="49" charset="0"/>
             </a:endParaRPr>
           </a:p>
         </p:txBody>
@@ -16996,14 +16975,13 @@
           <a:lstStyle/>
           <a:p>
             <a:r>
-              <a:rPr lang="bg-BG" dirty="0" smtClean="0"/>
+              <a:rPr lang="bg-BG" dirty="0"/>
               <a:t>Обединение</a:t>
             </a:r>
             <a:r>
-              <a:rPr lang="en-US" dirty="0" smtClean="0"/>
+              <a:rPr lang="en-US" dirty="0"/>
               <a:t> (1)</a:t>
             </a:r>
-            <a:endParaRPr lang="en-US" dirty="0"/>
           </a:p>
         </p:txBody>
       </p:sp>
@@ -17012,11 +16990,11 @@
   <p:clrMapOvr>
     <a:masterClrMapping/>
   </p:clrMapOvr>
-  <mc:AlternateContent xmlns:mc="http://schemas.openxmlformats.org/markup-compatibility/2006">
-    <mc:Choice xmlns:p14="http://schemas.microsoft.com/office/powerpoint/2010/main" xmlns="" Requires="p14">
+  <mc:AlternateContent xmlns:mc="http://schemas.openxmlformats.org/markup-compatibility/2006" xmlns:p14="http://schemas.microsoft.com/office/powerpoint/2010/main">
+    <mc:Choice Requires="p14">
       <p:transition spd="slow" p14:dur="2000" advClick="0" advTm="5000"/>
     </mc:Choice>
-    <mc:Fallback>
+    <mc:Fallback xmlns="">
       <p:transition spd="slow" advClick="0" advTm="5000"/>
     </mc:Fallback>
   </mc:AlternateContent>
@@ -17306,14 +17284,13 @@
           <a:lstStyle/>
           <a:p>
             <a:r>
-              <a:rPr lang="bg-BG" dirty="0" smtClean="0"/>
+              <a:rPr lang="bg-BG" dirty="0"/>
               <a:t>Обединение</a:t>
             </a:r>
             <a:r>
-              <a:rPr lang="en-US" dirty="0" smtClean="0"/>
+              <a:rPr lang="en-US" dirty="0"/>
               <a:t> (2)</a:t>
             </a:r>
-            <a:endParaRPr lang="en-US" dirty="0"/>
           </a:p>
         </p:txBody>
       </p:sp>
@@ -17339,14 +17316,14 @@
                 <a:gridCol w="863600">
                   <a:extLst>
                     <a:ext uri="{9D8B030D-6E8A-4147-A177-3AD203B41FA5}">
-                      <a16:colId xmlns="" xmlns:a16="http://schemas.microsoft.com/office/drawing/2014/main" val="1594468805"/>
+                      <a16:colId xmlns:a16="http://schemas.microsoft.com/office/drawing/2014/main" val="1594468805"/>
                     </a:ext>
                   </a:extLst>
                 </a:gridCol>
                 <a:gridCol w="1727200">
                   <a:extLst>
                     <a:ext uri="{9D8B030D-6E8A-4147-A177-3AD203B41FA5}">
-                      <a16:colId xmlns="" xmlns:a16="http://schemas.microsoft.com/office/drawing/2014/main" val="683614382"/>
+                      <a16:colId xmlns:a16="http://schemas.microsoft.com/office/drawing/2014/main" val="683614382"/>
                     </a:ext>
                   </a:extLst>
                 </a:gridCol>
@@ -17359,7 +17336,7 @@
                     <a:p>
                       <a:pPr algn="ctr"/>
                       <a:r>
-                        <a:rPr lang="en-US" noProof="1" smtClean="0">
+                        <a:rPr lang="en-US" noProof="1">
                           <a:solidFill>
                             <a:schemeClr val="tx1"/>
                           </a:solidFill>
@@ -17368,13 +17345,6 @@
                         </a:rPr>
                         <a:t>Id</a:t>
                       </a:r>
-                      <a:endParaRPr lang="en-US" noProof="1">
-                        <a:solidFill>
-                          <a:schemeClr val="tx1"/>
-                        </a:solidFill>
-                        <a:effectLst/>
-                        <a:latin typeface="+mj-lt"/>
-                      </a:endParaRPr>
                     </a:p>
                   </a:txBody>
                   <a:tcPr anchor="ctr">
@@ -17390,7 +17360,7 @@
                     <a:p>
                       <a:pPr algn="ctr"/>
                       <a:r>
-                        <a:rPr lang="en-US" noProof="1" smtClean="0">
+                        <a:rPr lang="en-US" noProof="1">
                           <a:solidFill>
                             <a:schemeClr val="tx1"/>
                           </a:solidFill>
@@ -17399,13 +17369,6 @@
                         </a:rPr>
                         <a:t>Name</a:t>
                       </a:r>
-                      <a:endParaRPr lang="en-US" noProof="1">
-                        <a:solidFill>
-                          <a:schemeClr val="tx1"/>
-                        </a:solidFill>
-                        <a:effectLst/>
-                        <a:latin typeface="+mj-lt"/>
-                      </a:endParaRPr>
                     </a:p>
                   </a:txBody>
                   <a:tcPr anchor="ctr">
@@ -17416,7 +17379,7 @@
                 </a:tc>
                 <a:extLst>
                   <a:ext uri="{0D108BD9-81ED-4DB2-BD59-A6C34878D82A}">
-                    <a16:rowId xmlns="" xmlns:a16="http://schemas.microsoft.com/office/drawing/2014/main" val="1969825376"/>
+                    <a16:rowId xmlns:a16="http://schemas.microsoft.com/office/drawing/2014/main" val="1969825376"/>
                   </a:ext>
                 </a:extLst>
               </a:tr>
@@ -17427,7 +17390,7 @@
                     <a:lstStyle/>
                     <a:p>
                       <a:r>
-                        <a:rPr lang="en-US" dirty="0" smtClean="0">
+                        <a:rPr lang="en-US" dirty="0">
                           <a:effectLst/>
                         </a:rPr>
                         <a:t>1</a:t>
@@ -17448,7 +17411,7 @@
                     <a:lstStyle/>
                     <a:p>
                       <a:r>
-                        <a:rPr lang="en-US" dirty="0" smtClean="0">
+                        <a:rPr lang="en-US" dirty="0">
                           <a:effectLst/>
                         </a:rPr>
                         <a:t>John</a:t>
@@ -17465,7 +17428,7 @@
                 </a:tc>
                 <a:extLst>
                   <a:ext uri="{0D108BD9-81ED-4DB2-BD59-A6C34878D82A}">
-                    <a16:rowId xmlns="" xmlns:a16="http://schemas.microsoft.com/office/drawing/2014/main" val="2845318136"/>
+                    <a16:rowId xmlns:a16="http://schemas.microsoft.com/office/drawing/2014/main" val="2845318136"/>
                   </a:ext>
                 </a:extLst>
               </a:tr>
@@ -17476,7 +17439,7 @@
                     <a:lstStyle/>
                     <a:p>
                       <a:r>
-                        <a:rPr lang="en-US" dirty="0" smtClean="0">
+                        <a:rPr lang="en-US" dirty="0">
                           <a:effectLst/>
                         </a:rPr>
                         <a:t>2</a:t>
@@ -17497,7 +17460,7 @@
                     <a:lstStyle/>
                     <a:p>
                       <a:r>
-                        <a:rPr lang="en-US" dirty="0" smtClean="0">
+                        <a:rPr lang="en-US" dirty="0">
                           <a:effectLst/>
                         </a:rPr>
                         <a:t>Gosho</a:t>
@@ -17514,7 +17477,7 @@
                 </a:tc>
                 <a:extLst>
                   <a:ext uri="{0D108BD9-81ED-4DB2-BD59-A6C34878D82A}">
-                    <a16:rowId xmlns="" xmlns:a16="http://schemas.microsoft.com/office/drawing/2014/main" val="2968156586"/>
+                    <a16:rowId xmlns:a16="http://schemas.microsoft.com/office/drawing/2014/main" val="2968156586"/>
                   </a:ext>
                 </a:extLst>
               </a:tr>
@@ -17525,7 +17488,7 @@
                     <a:lstStyle/>
                     <a:p>
                       <a:r>
-                        <a:rPr lang="en-US" dirty="0" smtClean="0">
+                        <a:rPr lang="en-US" dirty="0">
                           <a:effectLst/>
                         </a:rPr>
                         <a:t>3</a:t>
@@ -17546,7 +17509,7 @@
                     <a:lstStyle/>
                     <a:p>
                       <a:r>
-                        <a:rPr lang="en-US" dirty="0" smtClean="0">
+                        <a:rPr lang="en-US" dirty="0">
                           <a:effectLst/>
                         </a:rPr>
                         <a:t>Bob</a:t>
@@ -17563,7 +17526,7 @@
                 </a:tc>
                 <a:extLst>
                   <a:ext uri="{0D108BD9-81ED-4DB2-BD59-A6C34878D82A}">
-                    <a16:rowId xmlns="" xmlns:a16="http://schemas.microsoft.com/office/drawing/2014/main" val="1476753229"/>
+                    <a16:rowId xmlns:a16="http://schemas.microsoft.com/office/drawing/2014/main" val="1476753229"/>
                   </a:ext>
                 </a:extLst>
               </a:tr>
@@ -17594,10 +17557,9 @@
           <a:lstStyle/>
           <a:p>
             <a:r>
-              <a:rPr lang="en-US" sz="2800" b="1" dirty="0" smtClean="0"/>
+              <a:rPr lang="en-US" sz="2800" b="1" dirty="0"/>
               <a:t>Employees1</a:t>
             </a:r>
-            <a:endParaRPr lang="en-US" sz="2800" b="1" dirty="0"/>
           </a:p>
         </p:txBody>
       </p:sp>
@@ -17623,14 +17585,14 @@
                 <a:gridCol w="914400">
                   <a:extLst>
                     <a:ext uri="{9D8B030D-6E8A-4147-A177-3AD203B41FA5}">
-                      <a16:colId xmlns="" xmlns:a16="http://schemas.microsoft.com/office/drawing/2014/main" val="1594468805"/>
+                      <a16:colId xmlns:a16="http://schemas.microsoft.com/office/drawing/2014/main" val="1594468805"/>
                     </a:ext>
                   </a:extLst>
                 </a:gridCol>
                 <a:gridCol w="1752600">
                   <a:extLst>
                     <a:ext uri="{9D8B030D-6E8A-4147-A177-3AD203B41FA5}">
-                      <a16:colId xmlns="" xmlns:a16="http://schemas.microsoft.com/office/drawing/2014/main" val="683614382"/>
+                      <a16:colId xmlns:a16="http://schemas.microsoft.com/office/drawing/2014/main" val="683614382"/>
                     </a:ext>
                   </a:extLst>
                 </a:gridCol>
@@ -17643,7 +17605,7 @@
                     <a:p>
                       <a:pPr algn="ctr"/>
                       <a:r>
-                        <a:rPr lang="en-US" noProof="1" smtClean="0">
+                        <a:rPr lang="en-US" noProof="1">
                           <a:solidFill>
                             <a:schemeClr val="tx1"/>
                           </a:solidFill>
@@ -17651,12 +17613,6 @@
                         </a:rPr>
                         <a:t>Id</a:t>
                       </a:r>
-                      <a:endParaRPr lang="en-US" noProof="1">
-                        <a:solidFill>
-                          <a:schemeClr val="tx1"/>
-                        </a:solidFill>
-                        <a:effectLst/>
-                      </a:endParaRPr>
                     </a:p>
                   </a:txBody>
                   <a:tcPr anchor="ctr">
@@ -17672,7 +17628,7 @@
                     <a:p>
                       <a:pPr algn="ctr"/>
                       <a:r>
-                        <a:rPr lang="en-US" noProof="1" smtClean="0">
+                        <a:rPr lang="en-US" noProof="1">
                           <a:solidFill>
                             <a:schemeClr val="tx1"/>
                           </a:solidFill>
@@ -17680,12 +17636,6 @@
                         </a:rPr>
                         <a:t>Name</a:t>
                       </a:r>
-                      <a:endParaRPr lang="en-US" noProof="1">
-                        <a:solidFill>
-                          <a:schemeClr val="tx1"/>
-                        </a:solidFill>
-                        <a:effectLst/>
-                      </a:endParaRPr>
                     </a:p>
                   </a:txBody>
                   <a:tcPr anchor="ctr">
@@ -17696,7 +17646,7 @@
                 </a:tc>
                 <a:extLst>
                   <a:ext uri="{0D108BD9-81ED-4DB2-BD59-A6C34878D82A}">
-                    <a16:rowId xmlns="" xmlns:a16="http://schemas.microsoft.com/office/drawing/2014/main" val="1969825376"/>
+                    <a16:rowId xmlns:a16="http://schemas.microsoft.com/office/drawing/2014/main" val="1969825376"/>
                   </a:ext>
                 </a:extLst>
               </a:tr>
@@ -17707,7 +17657,7 @@
                     <a:lstStyle/>
                     <a:p>
                       <a:r>
-                        <a:rPr lang="en-US" dirty="0" smtClean="0">
+                        <a:rPr lang="en-US" dirty="0">
                           <a:effectLst/>
                         </a:rPr>
                         <a:t>3</a:t>
@@ -17728,7 +17678,7 @@
                     <a:lstStyle/>
                     <a:p>
                       <a:r>
-                        <a:rPr lang="en-US" dirty="0" smtClean="0">
+                        <a:rPr lang="en-US" dirty="0">
                           <a:effectLst/>
                         </a:rPr>
                         <a:t>Bob</a:t>
@@ -17745,7 +17695,7 @@
                 </a:tc>
                 <a:extLst>
                   <a:ext uri="{0D108BD9-81ED-4DB2-BD59-A6C34878D82A}">
-                    <a16:rowId xmlns="" xmlns:a16="http://schemas.microsoft.com/office/drawing/2014/main" val="2845318136"/>
+                    <a16:rowId xmlns:a16="http://schemas.microsoft.com/office/drawing/2014/main" val="2845318136"/>
                   </a:ext>
                 </a:extLst>
               </a:tr>
@@ -17756,7 +17706,7 @@
                     <a:lstStyle/>
                     <a:p>
                       <a:r>
-                        <a:rPr lang="en-US" dirty="0" smtClean="0">
+                        <a:rPr lang="en-US" dirty="0">
                           <a:effectLst/>
                         </a:rPr>
                         <a:t>4</a:t>
@@ -17777,7 +17727,7 @@
                     <a:lstStyle/>
                     <a:p>
                       <a:r>
-                        <a:rPr lang="en-US" dirty="0" smtClean="0">
+                        <a:rPr lang="en-US" dirty="0">
                           <a:effectLst/>
                         </a:rPr>
                         <a:t>Kevin</a:t>
@@ -17794,7 +17744,7 @@
                 </a:tc>
                 <a:extLst>
                   <a:ext uri="{0D108BD9-81ED-4DB2-BD59-A6C34878D82A}">
-                    <a16:rowId xmlns="" xmlns:a16="http://schemas.microsoft.com/office/drawing/2014/main" val="2968156586"/>
+                    <a16:rowId xmlns:a16="http://schemas.microsoft.com/office/drawing/2014/main" val="2968156586"/>
                   </a:ext>
                 </a:extLst>
               </a:tr>
@@ -17805,7 +17755,7 @@
                     <a:lstStyle/>
                     <a:p>
                       <a:r>
-                        <a:rPr lang="en-US" dirty="0" smtClean="0">
+                        <a:rPr lang="en-US" dirty="0">
                           <a:effectLst/>
                         </a:rPr>
                         <a:t>5</a:t>
@@ -17826,7 +17776,7 @@
                     <a:lstStyle/>
                     <a:p>
                       <a:r>
-                        <a:rPr lang="en-US" dirty="0" smtClean="0">
+                        <a:rPr lang="en-US" dirty="0">
                           <a:effectLst/>
                         </a:rPr>
                         <a:t>Kate</a:t>
@@ -17843,7 +17793,7 @@
                 </a:tc>
                 <a:extLst>
                   <a:ext uri="{0D108BD9-81ED-4DB2-BD59-A6C34878D82A}">
-                    <a16:rowId xmlns="" xmlns:a16="http://schemas.microsoft.com/office/drawing/2014/main" val="1476753229"/>
+                    <a16:rowId xmlns:a16="http://schemas.microsoft.com/office/drawing/2014/main" val="1476753229"/>
                   </a:ext>
                 </a:extLst>
               </a:tr>
@@ -17874,10 +17824,9 @@
           <a:lstStyle/>
           <a:p>
             <a:r>
-              <a:rPr lang="en-US" sz="2800" b="1" dirty="0" smtClean="0"/>
+              <a:rPr lang="en-US" sz="2800" b="1" dirty="0"/>
               <a:t>Employees2</a:t>
             </a:r>
-            <a:endParaRPr lang="en-US" sz="2800" b="1" dirty="0"/>
           </a:p>
         </p:txBody>
       </p:sp>
@@ -18076,7 +18025,7 @@
           <p:nvPr>
             <p:extLst>
               <p:ext uri="{D42A27DB-BD31-4B8C-83A1-F6EECF244321}">
-                <p14:modId xmlns:p14="http://schemas.microsoft.com/office/powerpoint/2010/main" xmlns="" val="46705198"/>
+                <p14:modId xmlns:p14="http://schemas.microsoft.com/office/powerpoint/2010/main" val="46705198"/>
               </p:ext>
             </p:extLst>
           </p:nvPr>
@@ -18090,8 +18039,20 @@
             <a:tbl>
               <a:tblPr/>
               <a:tblGrid>
-                <a:gridCol w="1714947"/>
-                <a:gridCol w="2572420"/>
+                <a:gridCol w="1714947">
+                  <a:extLst>
+                    <a:ext uri="{9D8B030D-6E8A-4147-A177-3AD203B41FA5}">
+                      <a16:colId xmlns:a16="http://schemas.microsoft.com/office/drawing/2014/main" val="20000"/>
+                    </a:ext>
+                  </a:extLst>
+                </a:gridCol>
+                <a:gridCol w="2572420">
+                  <a:extLst>
+                    <a:ext uri="{9D8B030D-6E8A-4147-A177-3AD203B41FA5}">
+                      <a16:colId xmlns:a16="http://schemas.microsoft.com/office/drawing/2014/main" val="20001"/>
+                    </a:ext>
+                  </a:extLst>
+                </a:gridCol>
               </a:tblGrid>
               <a:tr h="342900">
                 <a:tc>
@@ -18118,7 +18079,7 @@
                         <a:tabLst/>
                       </a:pPr>
                       <a:r>
-                        <a:rPr kumimoji="1" lang="en-US" sz="2400" b="1" i="0" u="none" strike="noStrike" cap="none" normalizeH="0" baseline="0" noProof="1" smtClean="0">
+                        <a:rPr kumimoji="1" lang="en-US" sz="2400" b="1" i="0" u="none" strike="noStrike" cap="none" normalizeH="0" baseline="0" noProof="1">
                           <a:ln>
                             <a:noFill/>
                           </a:ln>
@@ -18220,7 +18181,7 @@
                         <a:tabLst/>
                       </a:pPr>
                       <a:r>
-                        <a:rPr kumimoji="1" lang="en-US" sz="2400" b="1" i="0" u="none" strike="noStrike" cap="none" normalizeH="0" baseline="0" noProof="1" smtClean="0">
+                        <a:rPr kumimoji="1" lang="en-US" sz="2400" b="1" i="0" u="none" strike="noStrike" cap="none" normalizeH="0" baseline="0" noProof="1">
                           <a:ln>
                             <a:noFill/>
                           </a:ln>
@@ -18298,6 +18259,11 @@
                     </a:solidFill>
                   </a:tcPr>
                 </a:tc>
+                <a:extLst>
+                  <a:ext uri="{0D108BD9-81ED-4DB2-BD59-A6C34878D82A}">
+                    <a16:rowId xmlns:a16="http://schemas.microsoft.com/office/drawing/2014/main" val="10000"/>
+                  </a:ext>
+                </a:extLst>
               </a:tr>
               <a:tr h="342900">
                 <a:tc>
@@ -18324,7 +18290,7 @@
                         <a:tabLst/>
                       </a:pPr>
                       <a:r>
-                        <a:rPr kumimoji="1" lang="en-US" sz="2200" b="0" i="0" u="none" strike="noStrike" cap="none" normalizeH="0" baseline="0" noProof="1" smtClean="0">
+                        <a:rPr kumimoji="1" lang="en-US" sz="2200" b="0" i="0" u="none" strike="noStrike" cap="none" normalizeH="0" baseline="0" noProof="1">
                           <a:ln>
                             <a:noFill/>
                           </a:ln>
@@ -18420,12 +18386,12 @@
                         <a:tabLst/>
                       </a:pPr>
                       <a:r>
-                        <a:rPr lang="en-US" sz="2000" dirty="0" smtClean="0">
+                        <a:rPr lang="en-US" sz="2000" dirty="0">
                           <a:effectLst/>
                         </a:rPr>
                         <a:t>John</a:t>
                       </a:r>
-                      <a:endParaRPr kumimoji="1" lang="en-US" sz="2200" b="0" i="0" u="none" strike="noStrike" cap="none" normalizeH="0" baseline="0" noProof="1" smtClean="0">
+                      <a:endParaRPr kumimoji="1" lang="en-US" sz="2200" b="0" i="0" u="none" strike="noStrike" cap="none" normalizeH="0" baseline="0" noProof="1">
                         <a:ln>
                           <a:noFill/>
                         </a:ln>
@@ -18495,6 +18461,11 @@
                     <a:noFill/>
                   </a:tcPr>
                 </a:tc>
+                <a:extLst>
+                  <a:ext uri="{0D108BD9-81ED-4DB2-BD59-A6C34878D82A}">
+                    <a16:rowId xmlns:a16="http://schemas.microsoft.com/office/drawing/2014/main" val="10001"/>
+                  </a:ext>
+                </a:extLst>
               </a:tr>
               <a:tr h="342900">
                 <a:tc>
@@ -18521,7 +18492,7 @@
                         <a:tabLst/>
                       </a:pPr>
                       <a:r>
-                        <a:rPr kumimoji="1" lang="en-US" sz="2200" b="0" i="0" u="none" strike="noStrike" cap="none" normalizeH="0" baseline="0" noProof="1" smtClean="0">
+                        <a:rPr kumimoji="1" lang="en-US" sz="2200" b="0" i="0" u="none" strike="noStrike" cap="none" normalizeH="0" baseline="0" noProof="1">
                           <a:ln>
                             <a:noFill/>
                           </a:ln>
@@ -18617,12 +18588,12 @@
                         <a:tabLst/>
                       </a:pPr>
                       <a:r>
-                        <a:rPr lang="en-US" sz="2000" dirty="0" smtClean="0">
+                        <a:rPr lang="en-US" sz="2000" dirty="0">
                           <a:effectLst/>
                         </a:rPr>
                         <a:t>Gosho</a:t>
                       </a:r>
-                      <a:endParaRPr kumimoji="1" lang="en-US" sz="2200" b="0" i="0" u="none" strike="noStrike" cap="none" normalizeH="0" baseline="0" noProof="1" smtClean="0">
+                      <a:endParaRPr kumimoji="1" lang="en-US" sz="2200" b="0" i="0" u="none" strike="noStrike" cap="none" normalizeH="0" baseline="0" noProof="1">
                         <a:ln>
                           <a:noFill/>
                         </a:ln>
@@ -18692,6 +18663,11 @@
                     <a:noFill/>
                   </a:tcPr>
                 </a:tc>
+                <a:extLst>
+                  <a:ext uri="{0D108BD9-81ED-4DB2-BD59-A6C34878D82A}">
+                    <a16:rowId xmlns:a16="http://schemas.microsoft.com/office/drawing/2014/main" val="10002"/>
+                  </a:ext>
+                </a:extLst>
               </a:tr>
               <a:tr h="342900">
                 <a:tc>
@@ -18718,7 +18694,7 @@
                         <a:tabLst/>
                       </a:pPr>
                       <a:r>
-                        <a:rPr kumimoji="1" lang="en-US" sz="2200" b="0" i="0" u="none" strike="noStrike" cap="none" normalizeH="0" baseline="0" noProof="1" smtClean="0">
+                        <a:rPr kumimoji="1" lang="en-US" sz="2200" b="0" i="0" u="none" strike="noStrike" cap="none" normalizeH="0" baseline="0" noProof="1">
                           <a:ln>
                             <a:noFill/>
                           </a:ln>
@@ -18814,12 +18790,12 @@
                         <a:tabLst/>
                       </a:pPr>
                       <a:r>
-                        <a:rPr lang="en-US" sz="2000" dirty="0" smtClean="0">
+                        <a:rPr lang="en-US" sz="2000" dirty="0">
                           <a:effectLst/>
                         </a:rPr>
                         <a:t>Bob</a:t>
                       </a:r>
-                      <a:endParaRPr kumimoji="1" lang="en-US" sz="2200" b="0" i="0" u="none" strike="noStrike" cap="none" normalizeH="0" baseline="0" noProof="1" smtClean="0">
+                      <a:endParaRPr kumimoji="1" lang="en-US" sz="2200" b="0" i="0" u="none" strike="noStrike" cap="none" normalizeH="0" baseline="0" noProof="1">
                         <a:ln>
                           <a:noFill/>
                         </a:ln>
@@ -18889,6 +18865,11 @@
                     <a:noFill/>
                   </a:tcPr>
                 </a:tc>
+                <a:extLst>
+                  <a:ext uri="{0D108BD9-81ED-4DB2-BD59-A6C34878D82A}">
+                    <a16:rowId xmlns:a16="http://schemas.microsoft.com/office/drawing/2014/main" val="10003"/>
+                  </a:ext>
+                </a:extLst>
               </a:tr>
               <a:tr h="342900">
                 <a:tc>
@@ -18915,7 +18896,7 @@
                         <a:tabLst/>
                       </a:pPr>
                       <a:r>
-                        <a:rPr kumimoji="1" lang="en-US" sz="2200" b="0" i="0" u="none" strike="noStrike" cap="none" normalizeH="0" baseline="0" noProof="1" smtClean="0">
+                        <a:rPr kumimoji="1" lang="en-US" sz="2200" b="0" i="0" u="none" strike="noStrike" cap="none" normalizeH="0" baseline="0" noProof="1">
                           <a:ln>
                             <a:noFill/>
                           </a:ln>
@@ -19011,12 +18992,12 @@
                         <a:tabLst/>
                       </a:pPr>
                       <a:r>
-                        <a:rPr lang="en-US" sz="2000" dirty="0" smtClean="0">
+                        <a:rPr lang="en-US" sz="2000" dirty="0">
                           <a:effectLst/>
                         </a:rPr>
                         <a:t>Kevin</a:t>
                       </a:r>
-                      <a:endParaRPr kumimoji="1" lang="en-US" sz="2200" b="0" i="0" u="none" strike="noStrike" cap="none" normalizeH="0" baseline="0" noProof="1" smtClean="0">
+                      <a:endParaRPr kumimoji="1" lang="en-US" sz="2200" b="0" i="0" u="none" strike="noStrike" cap="none" normalizeH="0" baseline="0" noProof="1">
                         <a:ln>
                           <a:noFill/>
                         </a:ln>
@@ -19086,6 +19067,11 @@
                     <a:noFill/>
                   </a:tcPr>
                 </a:tc>
+                <a:extLst>
+                  <a:ext uri="{0D108BD9-81ED-4DB2-BD59-A6C34878D82A}">
+                    <a16:rowId xmlns:a16="http://schemas.microsoft.com/office/drawing/2014/main" val="10004"/>
+                  </a:ext>
+                </a:extLst>
               </a:tr>
               <a:tr h="342900">
                 <a:tc>
@@ -19112,7 +19098,7 @@
                         <a:tabLst/>
                       </a:pPr>
                       <a:r>
-                        <a:rPr kumimoji="1" lang="en-US" sz="2200" b="0" i="0" u="none" strike="noStrike" cap="none" normalizeH="0" baseline="0" noProof="1" smtClean="0">
+                        <a:rPr kumimoji="1" lang="en-US" sz="2200" b="0" i="0" u="none" strike="noStrike" cap="none" normalizeH="0" baseline="0" noProof="1">
                           <a:ln>
                             <a:noFill/>
                           </a:ln>
@@ -19208,12 +19194,12 @@
                         <a:tabLst/>
                       </a:pPr>
                       <a:r>
-                        <a:rPr lang="en-US" sz="2000" dirty="0" smtClean="0">
+                        <a:rPr lang="en-US" sz="2000" dirty="0">
                           <a:effectLst/>
                         </a:rPr>
                         <a:t>Kate</a:t>
                       </a:r>
-                      <a:endParaRPr kumimoji="1" lang="en-US" sz="2200" b="0" i="0" u="none" strike="noStrike" cap="none" normalizeH="0" baseline="0" noProof="1" smtClean="0">
+                      <a:endParaRPr kumimoji="1" lang="en-US" sz="2200" b="0" i="0" u="none" strike="noStrike" cap="none" normalizeH="0" baseline="0" noProof="1">
                         <a:ln>
                           <a:noFill/>
                         </a:ln>
@@ -19283,6 +19269,11 @@
                     <a:noFill/>
                   </a:tcPr>
                 </a:tc>
+                <a:extLst>
+                  <a:ext uri="{0D108BD9-81ED-4DB2-BD59-A6C34878D82A}">
+                    <a16:rowId xmlns:a16="http://schemas.microsoft.com/office/drawing/2014/main" val="10005"/>
+                  </a:ext>
+                </a:extLst>
               </a:tr>
             </a:tbl>
           </a:graphicData>
@@ -19349,18 +19340,96 @@
           <a:p>
             <a:pPr algn="ctr"/>
             <a:r>
-              <a:rPr lang="bg-BG" sz="2800" b="1" noProof="1" smtClean="0">
+              <a:rPr lang="bg-BG" sz="2800" b="1" noProof="1">
                 <a:solidFill>
                   <a:schemeClr val="bg2"/>
                 </a:solidFill>
               </a:rPr>
-              <a:t>Резултатната таблица</a:t>
+              <a:t>Резултатна</a:t>
+            </a:r>
+            <a:r>
+              <a:rPr lang="en-US" sz="2800" b="1" noProof="1">
+                <a:solidFill>
+                  <a:schemeClr val="bg2"/>
+                </a:solidFill>
+              </a:rPr>
+              <a:t> </a:t>
+            </a:r>
+            <a:r>
+              <a:rPr lang="bg-BG" sz="2800" b="1" noProof="1">
+                <a:solidFill>
+                  <a:schemeClr val="bg2"/>
+                </a:solidFill>
+              </a:rPr>
+              <a:t>таблица</a:t>
             </a:r>
             <a:endParaRPr lang="en-US" sz="2800" b="1" noProof="1">
               <a:solidFill>
                 <a:schemeClr val="bg2"/>
               </a:solidFill>
             </a:endParaRPr>
+          </a:p>
+        </p:txBody>
+      </p:sp>
+      <p:sp>
+        <p:nvSpPr>
+          <p:cNvPr id="3" name="TextBox 2">
+            <a:extLst>
+              <a:ext uri="{FF2B5EF4-FFF2-40B4-BE49-F238E27FC236}">
+                <a16:creationId xmlns:a16="http://schemas.microsoft.com/office/drawing/2014/main" id="{E596606C-0285-E6B9-0204-C12031B4D416}"/>
+              </a:ext>
+            </a:extLst>
+          </p:cNvPr>
+          <p:cNvSpPr txBox="1"/>
+          <p:nvPr/>
+        </p:nvSpPr>
+        <p:spPr>
+          <a:xfrm>
+            <a:off x="4438510" y="1361460"/>
+            <a:ext cx="2394856" cy="1816047"/>
+          </a:xfrm>
+          <a:prstGeom prst="rect">
+            <a:avLst/>
+          </a:prstGeom>
+          <a:ln/>
+        </p:spPr>
+        <p:style>
+          <a:lnRef idx="2">
+            <a:schemeClr val="accent2"/>
+          </a:lnRef>
+          <a:fillRef idx="1">
+            <a:schemeClr val="lt1"/>
+          </a:fillRef>
+          <a:effectRef idx="0">
+            <a:schemeClr val="accent2"/>
+          </a:effectRef>
+          <a:fontRef idx="minor">
+            <a:schemeClr val="dk1"/>
+          </a:fontRef>
+        </p:style>
+        <p:txBody>
+          <a:bodyPr vert="horz" wrap="square" lIns="144000" tIns="108000" rIns="144000" bIns="108000" rtlCol="0">
+            <a:spAutoFit/>
+          </a:bodyPr>
+          <a:lstStyle/>
+          <a:p>
+            <a:pPr algn="l" eaLnBrk="0" hangingPunct="0">
+              <a:lnSpc>
+                <a:spcPct val="110000"/>
+              </a:lnSpc>
+              <a:buClr>
+                <a:schemeClr val="accent5">
+                  <a:lumMod val="40000"/>
+                  <a:lumOff val="60000"/>
+                </a:schemeClr>
+              </a:buClr>
+              <a:buSzPct val="70000"/>
+            </a:pPr>
+            <a:r>
+              <a:rPr lang="en-US" sz="3200" b="1" dirty="0"/>
+              <a:t>TODO: fix table borders</a:t>
+            </a:r>
+            <a:endParaRPr lang="bg-BG" sz="3200" b="1" dirty="0"/>
           </a:p>
         </p:txBody>
       </p:sp>
@@ -19369,11 +19438,11 @@
   <p:clrMapOvr>
     <a:masterClrMapping/>
   </p:clrMapOvr>
-  <mc:AlternateContent xmlns:mc="http://schemas.openxmlformats.org/markup-compatibility/2006">
-    <mc:Choice xmlns:p14="http://schemas.microsoft.com/office/powerpoint/2010/main" xmlns="" Requires="p14">
+  <mc:AlternateContent xmlns:mc="http://schemas.openxmlformats.org/markup-compatibility/2006" xmlns:p14="http://schemas.microsoft.com/office/powerpoint/2010/main">
+    <mc:Choice Requires="p14">
       <p:transition spd="slow" p14:dur="2000" advClick="0" advTm="5000"/>
     </mc:Choice>
-    <mc:Fallback>
+    <mc:Fallback xmlns="">
       <p:transition spd="slow" advClick="0" advTm="5000"/>
     </mc:Fallback>
   </mc:AlternateContent>
@@ -19614,14 +19683,13 @@
           <a:lstStyle/>
           <a:p>
             <a:r>
-              <a:rPr lang="bg-BG" dirty="0" smtClean="0"/>
+              <a:rPr lang="bg-BG" dirty="0"/>
               <a:t>Обединение</a:t>
             </a:r>
             <a:r>
-              <a:rPr lang="en-US" dirty="0" smtClean="0"/>
+              <a:rPr lang="en-US" dirty="0"/>
               <a:t> (3)</a:t>
             </a:r>
-            <a:endParaRPr lang="en-US" dirty="0"/>
           </a:p>
         </p:txBody>
       </p:sp>
@@ -19676,7 +19744,7 @@
               <a:buSzPct val="70000"/>
             </a:pPr>
             <a:r>
-              <a:rPr lang="en-US" sz="2800" b="1" noProof="1" smtClean="0">
+              <a:rPr lang="en-US" sz="2800" b="1" noProof="1">
                 <a:solidFill>
                   <a:schemeClr val="bg1"/>
                 </a:solidFill>
@@ -19686,14 +19754,14 @@
               <a:t>SELECT</a:t>
             </a:r>
             <a:r>
-              <a:rPr lang="en-US" sz="2800" b="1" noProof="1" smtClean="0">
+              <a:rPr lang="en-US" sz="2800" b="1" noProof="1">
                 <a:latin typeface="Consolas" pitchFamily="49" charset="0"/>
                 <a:cs typeface="Consolas" pitchFamily="49" charset="0"/>
               </a:rPr>
               <a:t> Id, Name </a:t>
             </a:r>
             <a:r>
-              <a:rPr lang="en-US" sz="2800" b="1" noProof="1" smtClean="0">
+              <a:rPr lang="en-US" sz="2800" b="1" noProof="1">
                 <a:solidFill>
                   <a:schemeClr val="bg1"/>
                 </a:solidFill>
@@ -19703,7 +19771,7 @@
               <a:t>FROM</a:t>
             </a:r>
             <a:r>
-              <a:rPr lang="en-US" sz="2800" b="1" noProof="1" smtClean="0">
+              <a:rPr lang="en-US" sz="2800" b="1" noProof="1">
                 <a:latin typeface="Consolas" pitchFamily="49" charset="0"/>
                 <a:cs typeface="Consolas" pitchFamily="49" charset="0"/>
               </a:rPr>
@@ -19724,7 +19792,7 @@
               <a:buSzPct val="70000"/>
             </a:pPr>
             <a:r>
-              <a:rPr lang="en-US" sz="2800" b="1" noProof="1" smtClean="0">
+              <a:rPr lang="en-US" sz="2800" b="1" noProof="1">
                 <a:solidFill>
                   <a:schemeClr val="bg1"/>
                 </a:solidFill>
@@ -19748,7 +19816,7 @@
               <a:buSzPct val="70000"/>
             </a:pPr>
             <a:r>
-              <a:rPr lang="en-US" sz="2800" b="1" noProof="1" smtClean="0">
+              <a:rPr lang="en-US" sz="2800" b="1" noProof="1">
                 <a:solidFill>
                   <a:schemeClr val="bg1"/>
                 </a:solidFill>
@@ -19758,14 +19826,14 @@
               <a:t>SELECT</a:t>
             </a:r>
             <a:r>
-              <a:rPr lang="en-US" sz="2800" b="1" noProof="1" smtClean="0">
+              <a:rPr lang="en-US" sz="2800" b="1" noProof="1">
                 <a:latin typeface="Consolas" pitchFamily="49" charset="0"/>
                 <a:cs typeface="Consolas" pitchFamily="49" charset="0"/>
               </a:rPr>
               <a:t> Id, Name </a:t>
             </a:r>
             <a:r>
-              <a:rPr lang="en-US" sz="2800" b="1" noProof="1" smtClean="0">
+              <a:rPr lang="en-US" sz="2800" b="1" noProof="1">
                 <a:solidFill>
                   <a:schemeClr val="bg1"/>
                 </a:solidFill>
@@ -19775,16 +19843,12 @@
               <a:t>FROM</a:t>
             </a:r>
             <a:r>
-              <a:rPr lang="en-US" sz="2800" b="1" noProof="1" smtClean="0">
+              <a:rPr lang="en-US" sz="2800" b="1" noProof="1">
                 <a:latin typeface="Consolas" pitchFamily="49" charset="0"/>
                 <a:cs typeface="Consolas" pitchFamily="49" charset="0"/>
               </a:rPr>
               <a:t> Employees2</a:t>
             </a:r>
-            <a:endParaRPr lang="en-US" sz="2800" b="1" noProof="1">
-              <a:latin typeface="Consolas" pitchFamily="49" charset="0"/>
-              <a:cs typeface="Consolas" pitchFamily="49" charset="0"/>
-            </a:endParaRPr>
           </a:p>
         </p:txBody>
       </p:sp>
@@ -19849,7 +19913,7 @@
           <a:p>
             <a:pPr algn="ctr"/>
             <a:r>
-              <a:rPr lang="bg-BG" sz="2800" b="1" noProof="1" smtClean="0">
+              <a:rPr lang="bg-BG" sz="2800" b="1" noProof="1">
                 <a:solidFill>
                   <a:schemeClr val="bg2"/>
                 </a:solidFill>
@@ -19925,7 +19989,7 @@
           <a:p>
             <a:pPr algn="ctr"/>
             <a:r>
-              <a:rPr lang="bg-BG" sz="2800" b="1" noProof="1" smtClean="0">
+              <a:rPr lang="bg-BG" sz="2800" b="1" noProof="1">
                 <a:solidFill>
                   <a:schemeClr val="bg2"/>
                 </a:solidFill>
@@ -20001,7 +20065,7 @@
           <a:p>
             <a:pPr algn="ctr"/>
             <a:r>
-              <a:rPr lang="bg-BG" sz="2800" b="1" noProof="1" smtClean="0">
+              <a:rPr lang="bg-BG" sz="2800" b="1" noProof="1">
                 <a:solidFill>
                   <a:schemeClr val="bg2"/>
                 </a:solidFill>
@@ -20021,11 +20085,11 @@
   <p:clrMapOvr>
     <a:masterClrMapping/>
   </p:clrMapOvr>
-  <mc:AlternateContent xmlns:mc="http://schemas.openxmlformats.org/markup-compatibility/2006">
-    <mc:Choice xmlns:p14="http://schemas.microsoft.com/office/powerpoint/2010/main" xmlns="" Requires="p14">
+  <mc:AlternateContent xmlns:mc="http://schemas.openxmlformats.org/markup-compatibility/2006" xmlns:p14="http://schemas.microsoft.com/office/powerpoint/2010/main">
+    <mc:Choice Requires="p14">
       <p:transition spd="slow" p14:dur="2000" advClick="0" advTm="5000"/>
     </mc:Choice>
-    <mc:Fallback>
+    <mc:Fallback xmlns="">
       <p:transition spd="slow" advClick="0" advTm="5000"/>
     </mc:Fallback>
   </mc:AlternateContent>
@@ -20218,7 +20282,7 @@
               </a:buClr>
             </a:pPr>
             <a:r>
-              <a:rPr lang="bg-BG" sz="3600" dirty="0" smtClean="0">
+              <a:rPr lang="bg-BG" sz="3600" dirty="0">
                 <a:solidFill>
                   <a:srgbClr val="224464"/>
                 </a:solidFill>
@@ -20226,14 +20290,14 @@
               <a:t>Операцията </a:t>
             </a:r>
             <a:r>
-              <a:rPr lang="en-US" sz="3600" b="1" dirty="0" smtClean="0">
+              <a:rPr lang="en-US" sz="3600" b="1" dirty="0">
                 <a:solidFill>
                   <a:schemeClr val="bg1"/>
                 </a:solidFill>
               </a:rPr>
               <a:t>INTERSECT</a:t>
             </a:r>
-            <a:endParaRPr lang="bg-BG" sz="3600" b="1" dirty="0" smtClean="0">
+            <a:endParaRPr lang="bg-BG" sz="3600" b="1" dirty="0">
               <a:solidFill>
                 <a:schemeClr val="bg1"/>
               </a:solidFill>
@@ -20246,11 +20310,11 @@
               </a:buClr>
             </a:pPr>
             <a:r>
-              <a:rPr lang="ru-RU" sz="3400" dirty="0" smtClean="0"/>
+              <a:rPr lang="ru-RU" sz="3400" dirty="0"/>
               <a:t>Връща </a:t>
             </a:r>
             <a:r>
-              <a:rPr lang="ru-RU" sz="3400" b="1" dirty="0" smtClean="0">
+              <a:rPr lang="ru-RU" sz="3400" b="1" dirty="0">
                 <a:solidFill>
                   <a:schemeClr val="bg1"/>
                 </a:solidFill>
@@ -20258,10 +20322,10 @@
               <a:t>общите редове </a:t>
             </a:r>
             <a:r>
-              <a:rPr lang="ru-RU" sz="3400" dirty="0" smtClean="0"/>
+              <a:rPr lang="ru-RU" sz="3400" dirty="0"/>
               <a:t>между резултатите от две или повече заявки</a:t>
             </a:r>
-            <a:endParaRPr lang="en-US" sz="3400" dirty="0" smtClean="0"/>
+            <a:endParaRPr lang="en-US" sz="3400" dirty="0"/>
           </a:p>
           <a:p>
             <a:pPr lvl="1">
@@ -20270,11 +20334,11 @@
               </a:buClr>
             </a:pPr>
             <a:r>
-              <a:rPr lang="bg-BG" sz="3400" dirty="0" smtClean="0"/>
+              <a:rPr lang="bg-BG" sz="3400" dirty="0"/>
               <a:t>Използва се, когато искаме да вземем само </a:t>
             </a:r>
             <a:r>
-              <a:rPr lang="bg-BG" sz="3400" b="1" dirty="0" smtClean="0">
+              <a:rPr lang="bg-BG" sz="3400" b="1" dirty="0">
                 <a:solidFill>
                   <a:schemeClr val="bg1"/>
                 </a:solidFill>
@@ -20282,7 +20346,7 @@
               <a:t>съвпадащите</a:t>
             </a:r>
             <a:r>
-              <a:rPr lang="bg-BG" sz="3400" dirty="0" smtClean="0"/>
+              <a:rPr lang="bg-BG" sz="3400" dirty="0"/>
               <a:t> редове в две или повече таблици</a:t>
             </a:r>
           </a:p>
@@ -20293,11 +20357,11 @@
               </a:buClr>
             </a:pPr>
             <a:r>
-              <a:rPr lang="ru-RU" sz="3200" dirty="0" smtClean="0"/>
+              <a:rPr lang="ru-RU" sz="3200" dirty="0"/>
               <a:t>Например </a:t>
             </a:r>
             <a:r>
-              <a:rPr lang="ru-RU" sz="3200" b="1" dirty="0" smtClean="0">
+              <a:rPr lang="ru-RU" sz="3200" b="1" dirty="0">
                 <a:solidFill>
                   <a:schemeClr val="bg1"/>
                 </a:solidFill>
@@ -20305,11 +20369,11 @@
               <a:t>общите интереси </a:t>
             </a:r>
             <a:r>
-              <a:rPr lang="ru-RU" sz="3200" dirty="0" smtClean="0"/>
+              <a:rPr lang="ru-RU" sz="3200" dirty="0"/>
               <a:t>между </a:t>
             </a:r>
             <a:r>
-              <a:rPr lang="ru-RU" sz="3200" b="1" dirty="0" smtClean="0">
+              <a:rPr lang="ru-RU" sz="3200" b="1" dirty="0">
                 <a:solidFill>
                   <a:schemeClr val="bg1"/>
                 </a:solidFill>
@@ -20317,11 +20381,11 @@
               <a:t>потребителите</a:t>
             </a:r>
             <a:r>
-              <a:rPr lang="ru-RU" sz="3200" dirty="0" smtClean="0"/>
+              <a:rPr lang="ru-RU" sz="3200" dirty="0"/>
               <a:t> в </a:t>
             </a:r>
             <a:r>
-              <a:rPr lang="ru-RU" sz="3200" b="1" dirty="0" smtClean="0">
+              <a:rPr lang="ru-RU" sz="3200" b="1" dirty="0">
                 <a:solidFill>
                   <a:schemeClr val="bg1"/>
                 </a:solidFill>
@@ -20329,11 +20393,11 @@
               <a:t>социална</a:t>
             </a:r>
             <a:r>
-              <a:rPr lang="ru-RU" sz="3200" dirty="0" smtClean="0"/>
+              <a:rPr lang="ru-RU" sz="3200" dirty="0"/>
               <a:t> </a:t>
             </a:r>
             <a:r>
-              <a:rPr lang="ru-RU" sz="3200" b="1" dirty="0" smtClean="0">
+              <a:rPr lang="ru-RU" sz="3200" b="1" dirty="0">
                 <a:solidFill>
                   <a:schemeClr val="bg1"/>
                 </a:solidFill>
@@ -20348,7 +20412,7 @@
               </a:buClr>
             </a:pPr>
             <a:r>
-              <a:rPr lang="ru-RU" sz="3400" b="1" dirty="0" smtClean="0">
+              <a:rPr lang="ru-RU" sz="3400" b="1" dirty="0">
                 <a:solidFill>
                   <a:schemeClr val="bg1"/>
                 </a:solidFill>
@@ -20356,7 +20420,7 @@
               <a:t>Типовете</a:t>
             </a:r>
             <a:r>
-              <a:rPr lang="ru-RU" sz="3400" dirty="0" smtClean="0">
+              <a:rPr lang="ru-RU" sz="3400" dirty="0">
                 <a:solidFill>
                   <a:srgbClr val="224464"/>
                 </a:solidFill>
@@ -20364,7 +20428,7 @@
               <a:t>, </a:t>
             </a:r>
             <a:r>
-              <a:rPr lang="ru-RU" sz="3400" b="1" dirty="0" smtClean="0">
+              <a:rPr lang="ru-RU" sz="3400" b="1" dirty="0">
                 <a:solidFill>
                   <a:schemeClr val="bg1"/>
                 </a:solidFill>
@@ -20372,7 +20436,7 @@
               <a:t>броят</a:t>
             </a:r>
             <a:r>
-              <a:rPr lang="ru-RU" sz="3400" dirty="0" smtClean="0">
+              <a:rPr lang="ru-RU" sz="3400" dirty="0">
                 <a:solidFill>
                   <a:srgbClr val="224464"/>
                 </a:solidFill>
@@ -20380,7 +20444,7 @@
               <a:t> и </a:t>
             </a:r>
             <a:r>
-              <a:rPr lang="ru-RU" sz="3400" b="1" dirty="0" smtClean="0">
+              <a:rPr lang="ru-RU" sz="3400" b="1" dirty="0">
                 <a:solidFill>
                   <a:schemeClr val="bg1"/>
                 </a:solidFill>
@@ -20388,14 +20452,14 @@
               <a:t>редът</a:t>
             </a:r>
             <a:r>
-              <a:rPr lang="ru-RU" sz="3400" dirty="0" smtClean="0">
+              <a:rPr lang="ru-RU" sz="3400" dirty="0">
                 <a:solidFill>
                   <a:srgbClr val="224464"/>
                 </a:solidFill>
               </a:rPr>
               <a:t> на колоните трябва да съвпада</a:t>
             </a:r>
-            <a:endParaRPr lang="en-US" sz="3400" dirty="0" smtClean="0">
+            <a:endParaRPr lang="en-US" sz="3400" dirty="0">
               <a:solidFill>
                 <a:srgbClr val="224464"/>
               </a:solidFill>
@@ -20419,10 +20483,166 @@
           <a:lstStyle/>
           <a:p>
             <a:r>
-              <a:rPr lang="bg-BG" dirty="0" smtClean="0"/>
+              <a:rPr lang="bg-BG" dirty="0"/>
               <a:t>Сечение (1)</a:t>
             </a:r>
             <a:endParaRPr lang="en-US" dirty="0"/>
+          </a:p>
+        </p:txBody>
+      </p:sp>
+      <p:sp>
+        <p:nvSpPr>
+          <p:cNvPr id="7" name="TextBox 2">
+            <a:extLst>
+              <a:ext uri="{FF2B5EF4-FFF2-40B4-BE49-F238E27FC236}">
+                <a16:creationId xmlns:a16="http://schemas.microsoft.com/office/drawing/2014/main" id="{E596606C-0285-E6B9-0204-C12031B4D416}"/>
+              </a:ext>
+            </a:extLst>
+          </p:cNvPr>
+          <p:cNvSpPr txBox="1"/>
+          <p:nvPr/>
+        </p:nvSpPr>
+        <p:spPr>
+          <a:xfrm>
+            <a:off x="4898572" y="2520976"/>
+            <a:ext cx="3483428" cy="1274361"/>
+          </a:xfrm>
+          <a:prstGeom prst="rect">
+            <a:avLst/>
+          </a:prstGeom>
+          <a:ln/>
+        </p:spPr>
+        <p:style>
+          <a:lnRef idx="2">
+            <a:schemeClr val="accent2"/>
+          </a:lnRef>
+          <a:fillRef idx="1">
+            <a:schemeClr val="lt1"/>
+          </a:fillRef>
+          <a:effectRef idx="0">
+            <a:schemeClr val="accent2"/>
+          </a:effectRef>
+          <a:fontRef idx="minor">
+            <a:schemeClr val="dk1"/>
+          </a:fontRef>
+        </p:style>
+        <p:txBody>
+          <a:bodyPr vert="horz" wrap="square" lIns="144000" tIns="108000" rIns="144000" bIns="108000" rtlCol="0">
+            <a:spAutoFit/>
+          </a:bodyPr>
+          <a:lstStyle>
+            <a:defPPr>
+              <a:defRPr lang="en-US"/>
+            </a:defPPr>
+            <a:lvl1pPr marL="0" algn="l" defTabSz="914400" rtl="0" eaLnBrk="1" latinLnBrk="0" hangingPunct="1">
+              <a:defRPr sz="1800" kern="1200">
+                <a:solidFill>
+                  <a:schemeClr val="dk1"/>
+                </a:solidFill>
+                <a:latin typeface="+mn-lt"/>
+                <a:ea typeface="+mn-ea"/>
+                <a:cs typeface="+mn-cs"/>
+              </a:defRPr>
+            </a:lvl1pPr>
+            <a:lvl2pPr marL="457200" algn="l" defTabSz="914400" rtl="0" eaLnBrk="1" latinLnBrk="0" hangingPunct="1">
+              <a:defRPr sz="1800" kern="1200">
+                <a:solidFill>
+                  <a:schemeClr val="dk1"/>
+                </a:solidFill>
+                <a:latin typeface="+mn-lt"/>
+                <a:ea typeface="+mn-ea"/>
+                <a:cs typeface="+mn-cs"/>
+              </a:defRPr>
+            </a:lvl2pPr>
+            <a:lvl3pPr marL="914400" algn="l" defTabSz="914400" rtl="0" eaLnBrk="1" latinLnBrk="0" hangingPunct="1">
+              <a:defRPr sz="1800" kern="1200">
+                <a:solidFill>
+                  <a:schemeClr val="dk1"/>
+                </a:solidFill>
+                <a:latin typeface="+mn-lt"/>
+                <a:ea typeface="+mn-ea"/>
+                <a:cs typeface="+mn-cs"/>
+              </a:defRPr>
+            </a:lvl3pPr>
+            <a:lvl4pPr marL="1371600" algn="l" defTabSz="914400" rtl="0" eaLnBrk="1" latinLnBrk="0" hangingPunct="1">
+              <a:defRPr sz="1800" kern="1200">
+                <a:solidFill>
+                  <a:schemeClr val="dk1"/>
+                </a:solidFill>
+                <a:latin typeface="+mn-lt"/>
+                <a:ea typeface="+mn-ea"/>
+                <a:cs typeface="+mn-cs"/>
+              </a:defRPr>
+            </a:lvl4pPr>
+            <a:lvl5pPr marL="1828800" algn="l" defTabSz="914400" rtl="0" eaLnBrk="1" latinLnBrk="0" hangingPunct="1">
+              <a:defRPr sz="1800" kern="1200">
+                <a:solidFill>
+                  <a:schemeClr val="dk1"/>
+                </a:solidFill>
+                <a:latin typeface="+mn-lt"/>
+                <a:ea typeface="+mn-ea"/>
+                <a:cs typeface="+mn-cs"/>
+              </a:defRPr>
+            </a:lvl5pPr>
+            <a:lvl6pPr marL="2286000" algn="l" defTabSz="914400" rtl="0" eaLnBrk="1" latinLnBrk="0" hangingPunct="1">
+              <a:defRPr sz="1800" kern="1200">
+                <a:solidFill>
+                  <a:schemeClr val="dk1"/>
+                </a:solidFill>
+                <a:latin typeface="+mn-lt"/>
+                <a:ea typeface="+mn-ea"/>
+                <a:cs typeface="+mn-cs"/>
+              </a:defRPr>
+            </a:lvl6pPr>
+            <a:lvl7pPr marL="2743200" algn="l" defTabSz="914400" rtl="0" eaLnBrk="1" latinLnBrk="0" hangingPunct="1">
+              <a:defRPr sz="1800" kern="1200">
+                <a:solidFill>
+                  <a:schemeClr val="dk1"/>
+                </a:solidFill>
+                <a:latin typeface="+mn-lt"/>
+                <a:ea typeface="+mn-ea"/>
+                <a:cs typeface="+mn-cs"/>
+              </a:defRPr>
+            </a:lvl7pPr>
+            <a:lvl8pPr marL="3200400" algn="l" defTabSz="914400" rtl="0" eaLnBrk="1" latinLnBrk="0" hangingPunct="1">
+              <a:defRPr sz="1800" kern="1200">
+                <a:solidFill>
+                  <a:schemeClr val="dk1"/>
+                </a:solidFill>
+                <a:latin typeface="+mn-lt"/>
+                <a:ea typeface="+mn-ea"/>
+                <a:cs typeface="+mn-cs"/>
+              </a:defRPr>
+            </a:lvl8pPr>
+            <a:lvl9pPr marL="3657600" algn="l" defTabSz="914400" rtl="0" eaLnBrk="1" latinLnBrk="0" hangingPunct="1">
+              <a:defRPr sz="1800" kern="1200">
+                <a:solidFill>
+                  <a:schemeClr val="dk1"/>
+                </a:solidFill>
+                <a:latin typeface="+mn-lt"/>
+                <a:ea typeface="+mn-ea"/>
+                <a:cs typeface="+mn-cs"/>
+              </a:defRPr>
+            </a:lvl9pPr>
+          </a:lstStyle>
+          <a:p>
+            <a:pPr algn="l" eaLnBrk="0" hangingPunct="0">
+              <a:lnSpc>
+                <a:spcPct val="110000"/>
+              </a:lnSpc>
+              <a:buClr>
+                <a:schemeClr val="accent5">
+                  <a:lumMod val="40000"/>
+                  <a:lumOff val="60000"/>
+                </a:schemeClr>
+              </a:buClr>
+              <a:buSzPct val="70000"/>
+            </a:pPr>
+            <a:r>
+              <a:rPr lang="en-US" sz="3200" b="1" dirty="0"/>
+              <a:t>TODO: make key words in Consolas</a:t>
+            </a:r>
+            <a:endParaRPr lang="bg-BG" sz="3200" b="1" dirty="0"/>
           </a:p>
         </p:txBody>
       </p:sp>
@@ -20431,11 +20651,11 @@
   <p:clrMapOvr>
     <a:masterClrMapping/>
   </p:clrMapOvr>
-  <mc:AlternateContent xmlns:mc="http://schemas.openxmlformats.org/markup-compatibility/2006">
-    <mc:Choice xmlns:p14="http://schemas.microsoft.com/office/powerpoint/2010/main" xmlns="" Requires="p14">
+  <mc:AlternateContent xmlns:mc="http://schemas.openxmlformats.org/markup-compatibility/2006" xmlns:p14="http://schemas.microsoft.com/office/powerpoint/2010/main">
+    <mc:Choice Requires="p14">
       <p:transition spd="slow" p14:dur="2000" advClick="0" advTm="5000"/>
     </mc:Choice>
-    <mc:Fallback>
+    <mc:Fallback xmlns="">
       <p:transition spd="slow" advClick="0" advTm="5000"/>
     </mc:Fallback>
   </mc:AlternateContent>
@@ -20658,14 +20878,13 @@
           <a:lstStyle/>
           <a:p>
             <a:r>
-              <a:rPr lang="bg-BG" dirty="0" smtClean="0"/>
+              <a:rPr lang="bg-BG" dirty="0"/>
               <a:t>Сечение </a:t>
             </a:r>
             <a:r>
-              <a:rPr lang="en-US" dirty="0" smtClean="0"/>
+              <a:rPr lang="en-US" dirty="0"/>
               <a:t>(2)</a:t>
             </a:r>
-            <a:endParaRPr lang="en-US" dirty="0"/>
           </a:p>
         </p:txBody>
       </p:sp>
@@ -20675,7 +20894,13 @@
           <p:cNvGraphicFramePr>
             <a:graphicFrameLocks noGrp="1"/>
           </p:cNvGraphicFramePr>
-          <p:nvPr/>
+          <p:nvPr>
+            <p:extLst>
+              <p:ext uri="{D42A27DB-BD31-4B8C-83A1-F6EECF244321}">
+                <p14:modId xmlns:p14="http://schemas.microsoft.com/office/powerpoint/2010/main" val="2221984978"/>
+              </p:ext>
+            </p:extLst>
+          </p:nvPr>
         </p:nvGraphicFramePr>
         <p:xfrm>
           <a:off x="1905000" y="1828800"/>
@@ -20691,14 +20916,14 @@
                 <a:gridCol w="863600">
                   <a:extLst>
                     <a:ext uri="{9D8B030D-6E8A-4147-A177-3AD203B41FA5}">
-                      <a16:colId xmlns="" xmlns:a16="http://schemas.microsoft.com/office/drawing/2014/main" val="1594468805"/>
+                      <a16:colId xmlns:a16="http://schemas.microsoft.com/office/drawing/2014/main" val="1594468805"/>
                     </a:ext>
                   </a:extLst>
                 </a:gridCol>
                 <a:gridCol w="1727200">
                   <a:extLst>
                     <a:ext uri="{9D8B030D-6E8A-4147-A177-3AD203B41FA5}">
-                      <a16:colId xmlns="" xmlns:a16="http://schemas.microsoft.com/office/drawing/2014/main" val="683614382"/>
+                      <a16:colId xmlns:a16="http://schemas.microsoft.com/office/drawing/2014/main" val="683614382"/>
                     </a:ext>
                   </a:extLst>
                 </a:gridCol>
@@ -20711,22 +20936,20 @@
                     <a:p>
                       <a:pPr algn="ctr"/>
                       <a:r>
-                        <a:rPr lang="en-US" noProof="1" smtClean="0">
+                        <a:rPr kumimoji="1" lang="en-US" sz="2400" b="1" i="0" u="none" strike="noStrike" kern="1200" cap="none" normalizeH="0" baseline="0" noProof="1">
+                          <a:ln>
+                            <a:noFill/>
+                          </a:ln>
                           <a:solidFill>
                             <a:schemeClr val="tx1"/>
                           </a:solidFill>
                           <a:effectLst/>
                           <a:latin typeface="+mj-lt"/>
+                          <a:ea typeface="+mn-ea"/>
+                          <a:cs typeface="+mn-cs"/>
                         </a:rPr>
                         <a:t>Id</a:t>
                       </a:r>
-                      <a:endParaRPr lang="en-US" noProof="1">
-                        <a:solidFill>
-                          <a:schemeClr val="tx1"/>
-                        </a:solidFill>
-                        <a:effectLst/>
-                        <a:latin typeface="+mj-lt"/>
-                      </a:endParaRPr>
                     </a:p>
                   </a:txBody>
                   <a:tcPr anchor="ctr">
@@ -20742,7 +20965,7 @@
                     <a:p>
                       <a:pPr algn="ctr"/>
                       <a:r>
-                        <a:rPr lang="en-US" noProof="1" smtClean="0">
+                        <a:rPr lang="en-US" noProof="1">
                           <a:solidFill>
                             <a:schemeClr val="tx1"/>
                           </a:solidFill>
@@ -20751,13 +20974,6 @@
                         </a:rPr>
                         <a:t>Name</a:t>
                       </a:r>
-                      <a:endParaRPr lang="en-US" noProof="1">
-                        <a:solidFill>
-                          <a:schemeClr val="tx1"/>
-                        </a:solidFill>
-                        <a:effectLst/>
-                        <a:latin typeface="+mj-lt"/>
-                      </a:endParaRPr>
                     </a:p>
                   </a:txBody>
                   <a:tcPr anchor="ctr">
@@ -20768,7 +20984,7 @@
                 </a:tc>
                 <a:extLst>
                   <a:ext uri="{0D108BD9-81ED-4DB2-BD59-A6C34878D82A}">
-                    <a16:rowId xmlns="" xmlns:a16="http://schemas.microsoft.com/office/drawing/2014/main" val="1969825376"/>
+                    <a16:rowId xmlns:a16="http://schemas.microsoft.com/office/drawing/2014/main" val="1969825376"/>
                   </a:ext>
                 </a:extLst>
               </a:tr>
@@ -20779,7 +20995,7 @@
                     <a:lstStyle/>
                     <a:p>
                       <a:r>
-                        <a:rPr lang="en-US" dirty="0" smtClean="0">
+                        <a:rPr lang="en-US" dirty="0">
                           <a:effectLst/>
                         </a:rPr>
                         <a:t>1</a:t>
@@ -20800,7 +21016,7 @@
                     <a:lstStyle/>
                     <a:p>
                       <a:r>
-                        <a:rPr lang="en-US" dirty="0" smtClean="0">
+                        <a:rPr lang="en-US" dirty="0">
                           <a:effectLst/>
                         </a:rPr>
                         <a:t>John</a:t>
@@ -20817,7 +21033,7 @@
                 </a:tc>
                 <a:extLst>
                   <a:ext uri="{0D108BD9-81ED-4DB2-BD59-A6C34878D82A}">
-                    <a16:rowId xmlns="" xmlns:a16="http://schemas.microsoft.com/office/drawing/2014/main" val="2845318136"/>
+                    <a16:rowId xmlns:a16="http://schemas.microsoft.com/office/drawing/2014/main" val="2845318136"/>
                   </a:ext>
                 </a:extLst>
               </a:tr>
@@ -20828,7 +21044,7 @@
                     <a:lstStyle/>
                     <a:p>
                       <a:r>
-                        <a:rPr lang="en-US" dirty="0" smtClean="0">
+                        <a:rPr lang="en-US" dirty="0">
                           <a:effectLst/>
                         </a:rPr>
                         <a:t>2</a:t>
@@ -20849,7 +21065,7 @@
                     <a:lstStyle/>
                     <a:p>
                       <a:r>
-                        <a:rPr lang="en-US" dirty="0" smtClean="0">
+                        <a:rPr lang="en-US" dirty="0">
                           <a:effectLst/>
                         </a:rPr>
                         <a:t>Gosho</a:t>
@@ -20866,7 +21082,7 @@
                 </a:tc>
                 <a:extLst>
                   <a:ext uri="{0D108BD9-81ED-4DB2-BD59-A6C34878D82A}">
-                    <a16:rowId xmlns="" xmlns:a16="http://schemas.microsoft.com/office/drawing/2014/main" val="2968156586"/>
+                    <a16:rowId xmlns:a16="http://schemas.microsoft.com/office/drawing/2014/main" val="2968156586"/>
                   </a:ext>
                 </a:extLst>
               </a:tr>
@@ -20877,7 +21093,7 @@
                     <a:lstStyle/>
                     <a:p>
                       <a:r>
-                        <a:rPr lang="en-US" dirty="0" smtClean="0">
+                        <a:rPr lang="en-US" dirty="0">
                           <a:effectLst/>
                         </a:rPr>
                         <a:t>3</a:t>
@@ -20898,7 +21114,7 @@
                     <a:lstStyle/>
                     <a:p>
                       <a:r>
-                        <a:rPr lang="en-US" dirty="0" smtClean="0">
+                        <a:rPr lang="en-US" dirty="0">
                           <a:effectLst/>
                         </a:rPr>
                         <a:t>Bob</a:t>
@@ -20915,7 +21131,7 @@
                 </a:tc>
                 <a:extLst>
                   <a:ext uri="{0D108BD9-81ED-4DB2-BD59-A6C34878D82A}">
-                    <a16:rowId xmlns="" xmlns:a16="http://schemas.microsoft.com/office/drawing/2014/main" val="1476753229"/>
+                    <a16:rowId xmlns:a16="http://schemas.microsoft.com/office/drawing/2014/main" val="1476753229"/>
                   </a:ext>
                 </a:extLst>
               </a:tr>
@@ -20946,10 +21162,9 @@
           <a:lstStyle/>
           <a:p>
             <a:r>
-              <a:rPr lang="en-US" sz="2800" b="1" dirty="0" smtClean="0"/>
+              <a:rPr lang="en-US" sz="2800" b="1" dirty="0"/>
               <a:t>Employees1</a:t>
             </a:r>
-            <a:endParaRPr lang="en-US" sz="2800" b="1" dirty="0"/>
           </a:p>
         </p:txBody>
       </p:sp>
@@ -20975,14 +21190,14 @@
                 <a:gridCol w="914400">
                   <a:extLst>
                     <a:ext uri="{9D8B030D-6E8A-4147-A177-3AD203B41FA5}">
-                      <a16:colId xmlns="" xmlns:a16="http://schemas.microsoft.com/office/drawing/2014/main" val="1594468805"/>
+                      <a16:colId xmlns:a16="http://schemas.microsoft.com/office/drawing/2014/main" val="1594468805"/>
                     </a:ext>
                   </a:extLst>
                 </a:gridCol>
                 <a:gridCol w="1752600">
                   <a:extLst>
                     <a:ext uri="{9D8B030D-6E8A-4147-A177-3AD203B41FA5}">
-                      <a16:colId xmlns="" xmlns:a16="http://schemas.microsoft.com/office/drawing/2014/main" val="683614382"/>
+                      <a16:colId xmlns:a16="http://schemas.microsoft.com/office/drawing/2014/main" val="683614382"/>
                     </a:ext>
                   </a:extLst>
                 </a:gridCol>
@@ -20995,7 +21210,7 @@
                     <a:p>
                       <a:pPr algn="ctr"/>
                       <a:r>
-                        <a:rPr lang="en-US" noProof="1" smtClean="0">
+                        <a:rPr lang="en-US" noProof="1">
                           <a:solidFill>
                             <a:schemeClr val="tx1"/>
                           </a:solidFill>
@@ -21003,12 +21218,6 @@
                         </a:rPr>
                         <a:t>Id</a:t>
                       </a:r>
-                      <a:endParaRPr lang="en-US" noProof="1">
-                        <a:solidFill>
-                          <a:schemeClr val="tx1"/>
-                        </a:solidFill>
-                        <a:effectLst/>
-                      </a:endParaRPr>
                     </a:p>
                   </a:txBody>
                   <a:tcPr anchor="ctr">
@@ -21024,7 +21233,7 @@
                     <a:p>
                       <a:pPr algn="ctr"/>
                       <a:r>
-                        <a:rPr lang="en-US" noProof="1" smtClean="0">
+                        <a:rPr lang="en-US" noProof="1">
                           <a:solidFill>
                             <a:schemeClr val="tx1"/>
                           </a:solidFill>
@@ -21032,12 +21241,6 @@
                         </a:rPr>
                         <a:t>Name</a:t>
                       </a:r>
-                      <a:endParaRPr lang="en-US" noProof="1">
-                        <a:solidFill>
-                          <a:schemeClr val="tx1"/>
-                        </a:solidFill>
-                        <a:effectLst/>
-                      </a:endParaRPr>
                     </a:p>
                   </a:txBody>
                   <a:tcPr anchor="ctr">
@@ -21048,7 +21251,7 @@
                 </a:tc>
                 <a:extLst>
                   <a:ext uri="{0D108BD9-81ED-4DB2-BD59-A6C34878D82A}">
-                    <a16:rowId xmlns="" xmlns:a16="http://schemas.microsoft.com/office/drawing/2014/main" val="1969825376"/>
+                    <a16:rowId xmlns:a16="http://schemas.microsoft.com/office/drawing/2014/main" val="1969825376"/>
                   </a:ext>
                 </a:extLst>
               </a:tr>
@@ -21059,7 +21262,7 @@
                     <a:lstStyle/>
                     <a:p>
                       <a:r>
-                        <a:rPr lang="en-US" dirty="0" smtClean="0">
+                        <a:rPr lang="en-US" dirty="0">
                           <a:effectLst/>
                         </a:rPr>
                         <a:t>3</a:t>
@@ -21080,7 +21283,7 @@
                     <a:lstStyle/>
                     <a:p>
                       <a:r>
-                        <a:rPr lang="en-US" dirty="0" smtClean="0">
+                        <a:rPr lang="en-US" dirty="0">
                           <a:effectLst/>
                         </a:rPr>
                         <a:t>Bob</a:t>
@@ -21097,7 +21300,7 @@
                 </a:tc>
                 <a:extLst>
                   <a:ext uri="{0D108BD9-81ED-4DB2-BD59-A6C34878D82A}">
-                    <a16:rowId xmlns="" xmlns:a16="http://schemas.microsoft.com/office/drawing/2014/main" val="2845318136"/>
+                    <a16:rowId xmlns:a16="http://schemas.microsoft.com/office/drawing/2014/main" val="2845318136"/>
                   </a:ext>
                 </a:extLst>
               </a:tr>
@@ -21108,7 +21311,7 @@
                     <a:lstStyle/>
                     <a:p>
                       <a:r>
-                        <a:rPr lang="en-US" dirty="0" smtClean="0">
+                        <a:rPr lang="en-US" dirty="0">
                           <a:effectLst/>
                         </a:rPr>
                         <a:t>4</a:t>
@@ -21129,7 +21332,7 @@
                     <a:lstStyle/>
                     <a:p>
                       <a:r>
-                        <a:rPr lang="en-US" dirty="0" smtClean="0">
+                        <a:rPr lang="en-US" dirty="0">
                           <a:effectLst/>
                         </a:rPr>
                         <a:t>Kevin</a:t>
@@ -21146,7 +21349,7 @@
                 </a:tc>
                 <a:extLst>
                   <a:ext uri="{0D108BD9-81ED-4DB2-BD59-A6C34878D82A}">
-                    <a16:rowId xmlns="" xmlns:a16="http://schemas.microsoft.com/office/drawing/2014/main" val="2968156586"/>
+                    <a16:rowId xmlns:a16="http://schemas.microsoft.com/office/drawing/2014/main" val="2968156586"/>
                   </a:ext>
                 </a:extLst>
               </a:tr>
@@ -21157,7 +21360,7 @@
                     <a:lstStyle/>
                     <a:p>
                       <a:r>
-                        <a:rPr lang="en-US" dirty="0" smtClean="0">
+                        <a:rPr lang="en-US" dirty="0">
                           <a:effectLst/>
                         </a:rPr>
                         <a:t>5</a:t>
@@ -21178,7 +21381,7 @@
                     <a:lstStyle/>
                     <a:p>
                       <a:r>
-                        <a:rPr lang="en-US" dirty="0" smtClean="0">
+                        <a:rPr lang="en-US" dirty="0">
                           <a:effectLst/>
                         </a:rPr>
                         <a:t>Kate</a:t>
@@ -21195,7 +21398,7 @@
                 </a:tc>
                 <a:extLst>
                   <a:ext uri="{0D108BD9-81ED-4DB2-BD59-A6C34878D82A}">
-                    <a16:rowId xmlns="" xmlns:a16="http://schemas.microsoft.com/office/drawing/2014/main" val="1476753229"/>
+                    <a16:rowId xmlns:a16="http://schemas.microsoft.com/office/drawing/2014/main" val="1476753229"/>
                   </a:ext>
                 </a:extLst>
               </a:tr>
@@ -21226,10 +21429,9 @@
           <a:lstStyle/>
           <a:p>
             <a:r>
-              <a:rPr lang="en-US" sz="2800" b="1" dirty="0" smtClean="0"/>
+              <a:rPr lang="en-US" sz="2800" b="1" dirty="0"/>
               <a:t>Employees2</a:t>
             </a:r>
-            <a:endParaRPr lang="en-US" sz="2800" b="1" dirty="0"/>
           </a:p>
         </p:txBody>
       </p:sp>
@@ -21428,7 +21630,7 @@
           <p:nvPr>
             <p:extLst>
               <p:ext uri="{D42A27DB-BD31-4B8C-83A1-F6EECF244321}">
-                <p14:modId xmlns:p14="http://schemas.microsoft.com/office/powerpoint/2010/main" xmlns="" val="46705198"/>
+                <p14:modId xmlns:p14="http://schemas.microsoft.com/office/powerpoint/2010/main" val="279872060"/>
               </p:ext>
             </p:extLst>
           </p:nvPr>
@@ -21442,8 +21644,20 @@
             <a:tbl>
               <a:tblPr/>
               <a:tblGrid>
-                <a:gridCol w="1714947"/>
-                <a:gridCol w="2572420"/>
+                <a:gridCol w="1714947">
+                  <a:extLst>
+                    <a:ext uri="{9D8B030D-6E8A-4147-A177-3AD203B41FA5}">
+                      <a16:colId xmlns:a16="http://schemas.microsoft.com/office/drawing/2014/main" val="20000"/>
+                    </a:ext>
+                  </a:extLst>
+                </a:gridCol>
+                <a:gridCol w="2572420">
+                  <a:extLst>
+                    <a:ext uri="{9D8B030D-6E8A-4147-A177-3AD203B41FA5}">
+                      <a16:colId xmlns:a16="http://schemas.microsoft.com/office/drawing/2014/main" val="20001"/>
+                    </a:ext>
+                  </a:extLst>
+                </a:gridCol>
               </a:tblGrid>
               <a:tr h="342900">
                 <a:tc>
@@ -21470,7 +21684,7 @@
                         <a:tabLst/>
                       </a:pPr>
                       <a:r>
-                        <a:rPr kumimoji="1" lang="en-US" sz="2400" b="1" i="0" u="none" strike="noStrike" cap="none" normalizeH="0" baseline="0" noProof="1" smtClean="0">
+                        <a:rPr kumimoji="1" lang="en-US" sz="2400" b="1" i="0" u="none" strike="noStrike" cap="none" normalizeH="0" baseline="0" noProof="1">
                           <a:ln>
                             <a:noFill/>
                           </a:ln>
@@ -21572,7 +21786,7 @@
                         <a:tabLst/>
                       </a:pPr>
                       <a:r>
-                        <a:rPr kumimoji="1" lang="en-US" sz="2400" b="1" i="0" u="none" strike="noStrike" cap="none" normalizeH="0" baseline="0" noProof="1" smtClean="0">
+                        <a:rPr kumimoji="1" lang="en-US" sz="2400" b="1" i="0" u="none" strike="noStrike" cap="none" normalizeH="0" baseline="0" noProof="1">
                           <a:ln>
                             <a:noFill/>
                           </a:ln>
@@ -21650,6 +21864,11 @@
                     </a:solidFill>
                   </a:tcPr>
                 </a:tc>
+                <a:extLst>
+                  <a:ext uri="{0D108BD9-81ED-4DB2-BD59-A6C34878D82A}">
+                    <a16:rowId xmlns:a16="http://schemas.microsoft.com/office/drawing/2014/main" val="10000"/>
+                  </a:ext>
+                </a:extLst>
               </a:tr>
               <a:tr h="342900">
                 <a:tc>
@@ -21676,7 +21895,7 @@
                         <a:tabLst/>
                       </a:pPr>
                       <a:r>
-                        <a:rPr kumimoji="1" lang="en-US" sz="2200" b="0" i="0" u="none" strike="noStrike" cap="none" normalizeH="0" baseline="0" noProof="1" smtClean="0">
+                        <a:rPr kumimoji="1" lang="en-US" sz="2200" b="0" i="0" u="none" strike="noStrike" cap="none" normalizeH="0" baseline="0" noProof="1">
                           <a:ln>
                             <a:noFill/>
                           </a:ln>
@@ -21772,12 +21991,12 @@
                         <a:tabLst/>
                       </a:pPr>
                       <a:r>
-                        <a:rPr lang="en-US" sz="2000" dirty="0" smtClean="0">
+                        <a:rPr lang="en-US" sz="2000" dirty="0">
                           <a:effectLst/>
                         </a:rPr>
                         <a:t>Bob</a:t>
                       </a:r>
-                      <a:endParaRPr kumimoji="1" lang="en-US" sz="2200" b="0" i="0" u="none" strike="noStrike" cap="none" normalizeH="0" baseline="0" noProof="1" smtClean="0">
+                      <a:endParaRPr kumimoji="1" lang="en-US" sz="2200" b="0" i="0" u="none" strike="noStrike" cap="none" normalizeH="0" baseline="0" noProof="1">
                         <a:ln>
                           <a:noFill/>
                         </a:ln>
@@ -21847,6 +22066,11 @@
                     <a:noFill/>
                   </a:tcPr>
                 </a:tc>
+                <a:extLst>
+                  <a:ext uri="{0D108BD9-81ED-4DB2-BD59-A6C34878D82A}">
+                    <a16:rowId xmlns:a16="http://schemas.microsoft.com/office/drawing/2014/main" val="10001"/>
+                  </a:ext>
+                </a:extLst>
               </a:tr>
             </a:tbl>
           </a:graphicData>
@@ -21913,7 +22137,7 @@
           <a:p>
             <a:pPr algn="ctr"/>
             <a:r>
-              <a:rPr lang="bg-BG" sz="2800" b="1" noProof="1" smtClean="0">
+              <a:rPr lang="bg-BG" sz="2800" b="1" noProof="1">
                 <a:solidFill>
                   <a:schemeClr val="bg2"/>
                 </a:solidFill>
@@ -21925,6 +22149,68 @@
                 <a:schemeClr val="bg2"/>
               </a:solidFill>
             </a:endParaRPr>
+          </a:p>
+        </p:txBody>
+      </p:sp>
+      <p:sp>
+        <p:nvSpPr>
+          <p:cNvPr id="12" name="TextBox 11">
+            <a:extLst>
+              <a:ext uri="{FF2B5EF4-FFF2-40B4-BE49-F238E27FC236}">
+                <a16:creationId xmlns:a16="http://schemas.microsoft.com/office/drawing/2014/main" id="{3726ADDF-A5F5-EA4E-79AC-014321A14088}"/>
+              </a:ext>
+            </a:extLst>
+          </p:cNvPr>
+          <p:cNvSpPr txBox="1"/>
+          <p:nvPr/>
+        </p:nvSpPr>
+        <p:spPr>
+          <a:xfrm>
+            <a:off x="4438510" y="1361460"/>
+            <a:ext cx="2394856" cy="1816047"/>
+          </a:xfrm>
+          <a:prstGeom prst="rect">
+            <a:avLst/>
+          </a:prstGeom>
+          <a:ln/>
+        </p:spPr>
+        <p:style>
+          <a:lnRef idx="2">
+            <a:schemeClr val="accent2"/>
+          </a:lnRef>
+          <a:fillRef idx="1">
+            <a:schemeClr val="lt1"/>
+          </a:fillRef>
+          <a:effectRef idx="0">
+            <a:schemeClr val="accent2"/>
+          </a:effectRef>
+          <a:fontRef idx="minor">
+            <a:schemeClr val="dk1"/>
+          </a:fontRef>
+        </p:style>
+        <p:txBody>
+          <a:bodyPr vert="horz" wrap="square" lIns="144000" tIns="108000" rIns="144000" bIns="108000" rtlCol="0">
+            <a:spAutoFit/>
+          </a:bodyPr>
+          <a:lstStyle/>
+          <a:p>
+            <a:pPr algn="l" eaLnBrk="0" hangingPunct="0">
+              <a:lnSpc>
+                <a:spcPct val="110000"/>
+              </a:lnSpc>
+              <a:buClr>
+                <a:schemeClr val="accent5">
+                  <a:lumMod val="40000"/>
+                  <a:lumOff val="60000"/>
+                </a:schemeClr>
+              </a:buClr>
+              <a:buSzPct val="70000"/>
+            </a:pPr>
+            <a:r>
+              <a:rPr lang="en-US" sz="3200" b="1" dirty="0"/>
+              <a:t>TODO: fix table borders</a:t>
+            </a:r>
+            <a:endParaRPr lang="bg-BG" sz="3200" b="1" dirty="0"/>
           </a:p>
         </p:txBody>
       </p:sp>
@@ -21933,11 +22219,11 @@
   <p:clrMapOvr>
     <a:masterClrMapping/>
   </p:clrMapOvr>
-  <mc:AlternateContent xmlns:mc="http://schemas.openxmlformats.org/markup-compatibility/2006">
-    <mc:Choice xmlns:p14="http://schemas.microsoft.com/office/powerpoint/2010/main" xmlns="" Requires="p14">
+  <mc:AlternateContent xmlns:mc="http://schemas.openxmlformats.org/markup-compatibility/2006" xmlns:p14="http://schemas.microsoft.com/office/powerpoint/2010/main">
+    <mc:Choice Requires="p14">
       <p:transition spd="slow" p14:dur="2000" advClick="0" advTm="5000"/>
     </mc:Choice>
-    <mc:Fallback>
+    <mc:Fallback xmlns="">
       <p:transition spd="slow" advClick="0" advTm="5000"/>
     </mc:Fallback>
   </mc:AlternateContent>
@@ -22178,14 +22464,13 @@
           <a:lstStyle/>
           <a:p>
             <a:r>
-              <a:rPr lang="bg-BG" dirty="0" smtClean="0"/>
+              <a:rPr lang="bg-BG" dirty="0"/>
               <a:t>Сечение </a:t>
             </a:r>
             <a:r>
-              <a:rPr lang="en-US" dirty="0" smtClean="0"/>
+              <a:rPr lang="en-US" dirty="0"/>
               <a:t>(3)</a:t>
             </a:r>
-            <a:endParaRPr lang="en-US" dirty="0"/>
           </a:p>
         </p:txBody>
       </p:sp>
@@ -22240,7 +22525,7 @@
               <a:buSzPct val="70000"/>
             </a:pPr>
             <a:r>
-              <a:rPr lang="en-US" sz="2800" b="1" noProof="1" smtClean="0">
+              <a:rPr lang="en-US" sz="2800" b="1" noProof="1">
                 <a:solidFill>
                   <a:schemeClr val="bg1"/>
                 </a:solidFill>
@@ -22250,14 +22535,14 @@
               <a:t>SELECT</a:t>
             </a:r>
             <a:r>
-              <a:rPr lang="en-US" sz="2800" b="1" noProof="1" smtClean="0">
+              <a:rPr lang="en-US" sz="2800" b="1" noProof="1">
                 <a:latin typeface="Consolas" pitchFamily="49" charset="0"/>
                 <a:cs typeface="Consolas" pitchFamily="49" charset="0"/>
               </a:rPr>
               <a:t> Id, Name </a:t>
             </a:r>
             <a:r>
-              <a:rPr lang="en-US" sz="2800" b="1" noProof="1" smtClean="0">
+              <a:rPr lang="en-US" sz="2800" b="1" noProof="1">
                 <a:solidFill>
                   <a:schemeClr val="bg1"/>
                 </a:solidFill>
@@ -22267,7 +22552,7 @@
               <a:t>FROM</a:t>
             </a:r>
             <a:r>
-              <a:rPr lang="en-US" sz="2800" b="1" noProof="1" smtClean="0">
+              <a:rPr lang="en-US" sz="2800" b="1" noProof="1">
                 <a:latin typeface="Consolas" pitchFamily="49" charset="0"/>
                 <a:cs typeface="Consolas" pitchFamily="49" charset="0"/>
               </a:rPr>
@@ -22288,7 +22573,7 @@
               <a:buSzPct val="70000"/>
             </a:pPr>
             <a:r>
-              <a:rPr lang="en-US" sz="2800" b="1" noProof="1" smtClean="0">
+              <a:rPr lang="en-US" sz="2800" b="1" noProof="1">
                 <a:solidFill>
                   <a:schemeClr val="bg1"/>
                 </a:solidFill>
@@ -22312,7 +22597,7 @@
               <a:buSzPct val="70000"/>
             </a:pPr>
             <a:r>
-              <a:rPr lang="en-US" sz="2800" b="1" noProof="1" smtClean="0">
+              <a:rPr lang="en-US" sz="2800" b="1" noProof="1">
                 <a:solidFill>
                   <a:schemeClr val="bg1"/>
                 </a:solidFill>
@@ -22322,14 +22607,14 @@
               <a:t>SELECT</a:t>
             </a:r>
             <a:r>
-              <a:rPr lang="en-US" sz="2800" b="1" noProof="1" smtClean="0">
+              <a:rPr lang="en-US" sz="2800" b="1" noProof="1">
                 <a:latin typeface="Consolas" pitchFamily="49" charset="0"/>
                 <a:cs typeface="Consolas" pitchFamily="49" charset="0"/>
               </a:rPr>
               <a:t> Id, Name </a:t>
             </a:r>
             <a:r>
-              <a:rPr lang="en-US" sz="2800" b="1" noProof="1" smtClean="0">
+              <a:rPr lang="en-US" sz="2800" b="1" noProof="1">
                 <a:solidFill>
                   <a:schemeClr val="bg1"/>
                 </a:solidFill>
@@ -22339,16 +22624,12 @@
               <a:t>FROM</a:t>
             </a:r>
             <a:r>
-              <a:rPr lang="en-US" sz="2800" b="1" noProof="1" smtClean="0">
+              <a:rPr lang="en-US" sz="2800" b="1" noProof="1">
                 <a:latin typeface="Consolas" pitchFamily="49" charset="0"/>
                 <a:cs typeface="Consolas" pitchFamily="49" charset="0"/>
               </a:rPr>
               <a:t> Employees2</a:t>
             </a:r>
-            <a:endParaRPr lang="en-US" sz="2800" b="1" noProof="1">
-              <a:latin typeface="Consolas" pitchFamily="49" charset="0"/>
-              <a:cs typeface="Consolas" pitchFamily="49" charset="0"/>
-            </a:endParaRPr>
           </a:p>
         </p:txBody>
       </p:sp>
@@ -22413,7 +22694,7 @@
           <a:p>
             <a:pPr algn="ctr"/>
             <a:r>
-              <a:rPr lang="bg-BG" sz="2800" b="1" noProof="1" smtClean="0">
+              <a:rPr lang="bg-BG" sz="2800" b="1" noProof="1">
                 <a:solidFill>
                   <a:schemeClr val="bg2"/>
                 </a:solidFill>
@@ -22489,7 +22770,7 @@
           <a:p>
             <a:pPr algn="ctr"/>
             <a:r>
-              <a:rPr lang="bg-BG" sz="2800" b="1" noProof="1" smtClean="0">
+              <a:rPr lang="bg-BG" sz="2800" b="1" noProof="1">
                 <a:solidFill>
                   <a:schemeClr val="bg2"/>
                 </a:solidFill>
@@ -22565,7 +22846,7 @@
           <a:p>
             <a:pPr algn="ctr"/>
             <a:r>
-              <a:rPr lang="bg-BG" sz="2800" b="1" noProof="1" smtClean="0">
+              <a:rPr lang="bg-BG" sz="2800" b="1" noProof="1">
                 <a:solidFill>
                   <a:schemeClr val="bg2"/>
                 </a:solidFill>
@@ -22585,11 +22866,11 @@
   <p:clrMapOvr>
     <a:masterClrMapping/>
   </p:clrMapOvr>
-  <mc:AlternateContent xmlns:mc="http://schemas.openxmlformats.org/markup-compatibility/2006">
-    <mc:Choice xmlns:p14="http://schemas.microsoft.com/office/powerpoint/2010/main" xmlns="" Requires="p14">
+  <mc:AlternateContent xmlns:mc="http://schemas.openxmlformats.org/markup-compatibility/2006" xmlns:p14="http://schemas.microsoft.com/office/powerpoint/2010/main">
+    <mc:Choice Requires="p14">
       <p:transition spd="slow" p14:dur="2000" advClick="0" advTm="5000"/>
     </mc:Choice>
-    <mc:Fallback>
+    <mc:Fallback xmlns="">
       <p:transition spd="slow" advClick="0" advTm="5000"/>
     </mc:Fallback>
   </mc:AlternateContent>
@@ -22742,7 +23023,7 @@
           <p:cNvPr id="5" name="Slide Number">
             <a:extLst>
               <a:ext uri="{FF2B5EF4-FFF2-40B4-BE49-F238E27FC236}">
-                <a16:creationId xmlns:a16="http://schemas.microsoft.com/office/drawing/2014/main" xmlns="" id="{6A760D59-0056-4F39-B077-DBDBE3D2927E}"/>
+                <a16:creationId xmlns:a16="http://schemas.microsoft.com/office/drawing/2014/main" id="{6A760D59-0056-4F39-B077-DBDBE3D2927E}"/>
               </a:ext>
             </a:extLst>
           </p:cNvPr>
@@ -22890,20 +23171,76 @@
           <a:lstStyle/>
           <a:p>
             <a:r>
-              <a:rPr lang="bg-BG" sz="3200" dirty="0" smtClean="0"/>
+              <a:rPr lang="bg-BG" sz="3200" dirty="0"/>
               <a:t>По-сложни съединения</a:t>
             </a:r>
           </a:p>
           <a:p>
             <a:r>
-              <a:rPr lang="bg-BG" sz="3200" dirty="0" smtClean="0"/>
-              <a:t>Вложени заявки</a:t>
-            </a:r>
-          </a:p>
-          <a:p>
-            <a:r>
-              <a:rPr lang="bg-BG" sz="3200" dirty="0" smtClean="0"/>
-              <a:t>Операции за обединение, сечение, разлика и деление</a:t>
+              <a:rPr lang="en-US" sz="3200" dirty="0"/>
+              <a:t>͏</a:t>
+            </a:r>
+            <a:r>
+              <a:rPr lang="bg-BG" sz="3200" b="1" dirty="0">
+                <a:solidFill>
+                  <a:schemeClr val="bg1"/>
+                </a:solidFill>
+              </a:rPr>
+              <a:t>Вложени</a:t>
+            </a:r>
+            <a:r>
+              <a:rPr lang="bg-BG" sz="3200" dirty="0"/>
+              <a:t> заявки</a:t>
+            </a:r>
+          </a:p>
+          <a:p>
+            <a:r>
+              <a:rPr lang="bg-BG" sz="3200" dirty="0"/>
+              <a:t>Операции за </a:t>
+            </a:r>
+            <a:r>
+              <a:rPr lang="bg-BG" sz="3200" b="1" dirty="0">
+                <a:solidFill>
+                  <a:schemeClr val="bg1"/>
+                </a:solidFill>
+              </a:rPr>
+              <a:t>обединение</a:t>
+            </a:r>
+            <a:r>
+              <a:rPr lang="bg-BG" sz="3200" dirty="0"/>
+              <a:t>, </a:t>
+            </a:r>
+            <a:r>
+              <a:rPr lang="bg-BG" sz="3200" b="1" dirty="0">
+                <a:solidFill>
+                  <a:schemeClr val="bg1"/>
+                </a:solidFill>
+              </a:rPr>
+              <a:t>сечение</a:t>
+            </a:r>
+            <a:r>
+              <a:rPr lang="bg-BG" sz="3200" dirty="0"/>
+              <a:t>, </a:t>
+            </a:r>
+            <a:r>
+              <a:rPr lang="bg-BG" sz="3200" b="1" dirty="0">
+                <a:solidFill>
+                  <a:schemeClr val="bg1"/>
+                </a:solidFill>
+              </a:rPr>
+              <a:t>разлика</a:t>
+            </a:r>
+            <a:r>
+              <a:rPr lang="bg-BG" sz="3200" dirty="0"/>
+              <a:t> и </a:t>
+            </a:r>
+            <a:r>
+              <a:rPr lang="bg-BG" sz="3200" b="1" dirty="0">
+                <a:solidFill>
+                  <a:schemeClr val="bg1"/>
+                </a:solidFill>
+              </a:rPr>
+              <a:t>деление</a:t>
             </a:r>
           </a:p>
         </p:txBody>
@@ -22920,7 +23257,7 @@
         </p:nvSpPr>
         <p:spPr>
           <a:xfrm>
-            <a:off x="190405" y="100750"/>
+            <a:off x="152400" y="152400"/>
             <a:ext cx="9669213" cy="882654"/>
           </a:xfrm>
         </p:spPr>
@@ -22938,18 +23275,18 @@
     </p:spTree>
     <p:extLst>
       <p:ext uri="{BB962C8B-B14F-4D97-AF65-F5344CB8AC3E}">
-        <p14:creationId xmlns:p14="http://schemas.microsoft.com/office/powerpoint/2010/main" xmlns="" val="1646986932"/>
+        <p14:creationId xmlns:p14="http://schemas.microsoft.com/office/powerpoint/2010/main" val="1646986932"/>
       </p:ext>
     </p:extLst>
   </p:cSld>
   <p:clrMapOvr>
     <a:masterClrMapping/>
   </p:clrMapOvr>
-  <mc:AlternateContent xmlns:mc="http://schemas.openxmlformats.org/markup-compatibility/2006">
-    <mc:Choice xmlns:p14="http://schemas.microsoft.com/office/powerpoint/2010/main" xmlns="" Requires="p14">
+  <mc:AlternateContent xmlns:mc="http://schemas.openxmlformats.org/markup-compatibility/2006" xmlns:p14="http://schemas.microsoft.com/office/powerpoint/2010/main">
+    <mc:Choice Requires="p14">
       <p:transition spd="slow" p14:dur="2000" advClick="0" advTm="5000"/>
     </mc:Choice>
-    <mc:Fallback>
+    <mc:Fallback xmlns="">
       <p:transition spd="slow" advClick="0" advTm="5000"/>
     </mc:Fallback>
   </mc:AlternateContent>
@@ -23146,7 +23483,7 @@
               </a:buClr>
             </a:pPr>
             <a:r>
-              <a:rPr lang="bg-BG" sz="3600" dirty="0" smtClean="0">
+              <a:rPr lang="bg-BG" sz="3600" dirty="0">
                 <a:solidFill>
                   <a:srgbClr val="224464"/>
                 </a:solidFill>
@@ -23154,14 +23491,14 @@
               <a:t>Операцията </a:t>
             </a:r>
             <a:r>
-              <a:rPr lang="en-US" sz="3600" b="1" dirty="0" smtClean="0">
+              <a:rPr lang="en-US" sz="3600" b="1" dirty="0">
                 <a:solidFill>
                   <a:schemeClr val="bg1"/>
                 </a:solidFill>
               </a:rPr>
               <a:t>EXCEPT</a:t>
             </a:r>
-            <a:endParaRPr lang="bg-BG" sz="3600" b="1" dirty="0" smtClean="0">
+            <a:endParaRPr lang="bg-BG" sz="3600" b="1" dirty="0">
               <a:solidFill>
                 <a:schemeClr val="bg1"/>
               </a:solidFill>
@@ -23174,11 +23511,11 @@
               </a:buClr>
             </a:pPr>
             <a:r>
-              <a:rPr lang="ru-RU" sz="3600" dirty="0" smtClean="0"/>
+              <a:rPr lang="ru-RU" sz="3600" dirty="0"/>
               <a:t>Връща редовете от първата заявка, които </a:t>
             </a:r>
             <a:r>
-              <a:rPr lang="ru-RU" sz="3600" b="1" dirty="0" smtClean="0">
+              <a:rPr lang="ru-RU" sz="3600" b="1" dirty="0">
                 <a:solidFill>
                   <a:schemeClr val="bg1"/>
                 </a:solidFill>
@@ -23186,7 +23523,7 @@
               <a:t>не се срещат </a:t>
             </a:r>
             <a:r>
-              <a:rPr lang="ru-RU" sz="3600" dirty="0" smtClean="0"/>
+              <a:rPr lang="ru-RU" sz="3600" dirty="0"/>
               <a:t>във втората заявка</a:t>
             </a:r>
           </a:p>
@@ -23197,11 +23534,11 @@
               </a:buClr>
             </a:pPr>
             <a:r>
-              <a:rPr lang="ru-RU" sz="3400" dirty="0" smtClean="0"/>
+              <a:rPr lang="ru-RU" sz="3400" dirty="0"/>
               <a:t>Например, за да намерим </a:t>
             </a:r>
             <a:r>
-              <a:rPr lang="ru-RU" sz="3400" b="1" dirty="0" smtClean="0">
+              <a:rPr lang="ru-RU" sz="3400" b="1" dirty="0">
                 <a:solidFill>
                   <a:schemeClr val="bg1"/>
                 </a:solidFill>
@@ -23209,11 +23546,11 @@
               <a:t>продукти</a:t>
             </a:r>
             <a:r>
-              <a:rPr lang="ru-RU" sz="3400" dirty="0" smtClean="0"/>
+              <a:rPr lang="ru-RU" sz="3400" dirty="0"/>
               <a:t>, които са налични в </a:t>
             </a:r>
             <a:r>
-              <a:rPr lang="ru-RU" sz="3400" b="1" dirty="0" smtClean="0">
+              <a:rPr lang="ru-RU" sz="3400" b="1" dirty="0">
                 <a:solidFill>
                   <a:schemeClr val="bg1"/>
                 </a:solidFill>
@@ -23221,18 +23558,18 @@
               <a:t>онлайн магазин</a:t>
             </a:r>
             <a:r>
-              <a:rPr lang="ru-RU" sz="3400" dirty="0" smtClean="0"/>
+              <a:rPr lang="ru-RU" sz="3400" dirty="0"/>
               <a:t>, но не и в магазина на </a:t>
             </a:r>
             <a:r>
-              <a:rPr lang="ru-RU" sz="3400" b="1" dirty="0" smtClean="0">
+              <a:rPr lang="ru-RU" sz="3400" b="1" dirty="0">
                 <a:solidFill>
                   <a:schemeClr val="bg1"/>
                 </a:solidFill>
               </a:rPr>
               <a:t>физически адрес</a:t>
             </a:r>
-            <a:endParaRPr lang="en-US" sz="3400" b="1" dirty="0" smtClean="0">
+            <a:endParaRPr lang="en-US" sz="3400" b="1" dirty="0">
               <a:solidFill>
                 <a:schemeClr val="bg1"/>
               </a:solidFill>
@@ -23245,7 +23582,7 @@
               </a:buClr>
             </a:pPr>
             <a:r>
-              <a:rPr lang="ru-RU" sz="3400" b="1" dirty="0" smtClean="0">
+              <a:rPr lang="ru-RU" sz="3400" b="1" dirty="0">
                 <a:solidFill>
                   <a:schemeClr val="bg1"/>
                 </a:solidFill>
@@ -23253,7 +23590,7 @@
               <a:t>Типовете</a:t>
             </a:r>
             <a:r>
-              <a:rPr lang="ru-RU" sz="3400" dirty="0" smtClean="0">
+              <a:rPr lang="ru-RU" sz="3400" dirty="0">
                 <a:solidFill>
                   <a:srgbClr val="224464"/>
                 </a:solidFill>
@@ -23261,7 +23598,7 @@
               <a:t>, </a:t>
             </a:r>
             <a:r>
-              <a:rPr lang="ru-RU" sz="3400" b="1" dirty="0" smtClean="0">
+              <a:rPr lang="ru-RU" sz="3400" b="1" dirty="0">
                 <a:solidFill>
                   <a:schemeClr val="bg1"/>
                 </a:solidFill>
@@ -23269,7 +23606,7 @@
               <a:t>броят</a:t>
             </a:r>
             <a:r>
-              <a:rPr lang="ru-RU" sz="3400" dirty="0" smtClean="0">
+              <a:rPr lang="ru-RU" sz="3400" dirty="0">
                 <a:solidFill>
                   <a:srgbClr val="224464"/>
                 </a:solidFill>
@@ -23277,7 +23614,7 @@
               <a:t> и </a:t>
             </a:r>
             <a:r>
-              <a:rPr lang="ru-RU" sz="3400" b="1" dirty="0" smtClean="0">
+              <a:rPr lang="ru-RU" sz="3400" b="1" dirty="0">
                 <a:solidFill>
                   <a:schemeClr val="bg1"/>
                 </a:solidFill>
@@ -23285,14 +23622,14 @@
               <a:t>редът</a:t>
             </a:r>
             <a:r>
-              <a:rPr lang="ru-RU" sz="3400" dirty="0" smtClean="0">
+              <a:rPr lang="ru-RU" sz="3400" dirty="0">
                 <a:solidFill>
                   <a:srgbClr val="224464"/>
                 </a:solidFill>
               </a:rPr>
               <a:t> на колоните трябва да съвпада</a:t>
             </a:r>
-            <a:endParaRPr lang="en-US" sz="3400" dirty="0" smtClean="0">
+            <a:endParaRPr lang="en-US" sz="3400" dirty="0">
               <a:solidFill>
                 <a:srgbClr val="224464"/>
               </a:solidFill>
@@ -23316,7 +23653,7 @@
           <a:lstStyle/>
           <a:p>
             <a:r>
-              <a:rPr lang="bg-BG" dirty="0" smtClean="0"/>
+              <a:rPr lang="bg-BG" dirty="0"/>
               <a:t>Разлика (1)</a:t>
             </a:r>
             <a:endParaRPr lang="en-US" dirty="0"/>
@@ -23328,11 +23665,11 @@
   <p:clrMapOvr>
     <a:masterClrMapping/>
   </p:clrMapOvr>
-  <mc:AlternateContent xmlns:mc="http://schemas.openxmlformats.org/markup-compatibility/2006">
-    <mc:Choice xmlns:p14="http://schemas.microsoft.com/office/powerpoint/2010/main" xmlns="" Requires="p14">
+  <mc:AlternateContent xmlns:mc="http://schemas.openxmlformats.org/markup-compatibility/2006" xmlns:p14="http://schemas.microsoft.com/office/powerpoint/2010/main">
+    <mc:Choice Requires="p14">
       <p:transition spd="slow" p14:dur="2000" advClick="0" advTm="5000"/>
     </mc:Choice>
-    <mc:Fallback>
+    <mc:Fallback xmlns="">
       <p:transition spd="slow" advClick="0" advTm="5000"/>
     </mc:Fallback>
   </mc:AlternateContent>
@@ -23475,14 +23812,13 @@
           <a:lstStyle/>
           <a:p>
             <a:r>
-              <a:rPr lang="bg-BG" dirty="0" smtClean="0"/>
+              <a:rPr lang="bg-BG" dirty="0"/>
               <a:t>Разлика </a:t>
             </a:r>
             <a:r>
-              <a:rPr lang="en-US" dirty="0" smtClean="0"/>
+              <a:rPr lang="en-US" dirty="0"/>
               <a:t>(2)</a:t>
             </a:r>
-            <a:endParaRPr lang="en-US" dirty="0"/>
           </a:p>
         </p:txBody>
       </p:sp>
@@ -23508,14 +23844,14 @@
                 <a:gridCol w="863600">
                   <a:extLst>
                     <a:ext uri="{9D8B030D-6E8A-4147-A177-3AD203B41FA5}">
-                      <a16:colId xmlns="" xmlns:a16="http://schemas.microsoft.com/office/drawing/2014/main" val="1594468805"/>
+                      <a16:colId xmlns:a16="http://schemas.microsoft.com/office/drawing/2014/main" val="1594468805"/>
                     </a:ext>
                   </a:extLst>
                 </a:gridCol>
                 <a:gridCol w="1727200">
                   <a:extLst>
                     <a:ext uri="{9D8B030D-6E8A-4147-A177-3AD203B41FA5}">
-                      <a16:colId xmlns="" xmlns:a16="http://schemas.microsoft.com/office/drawing/2014/main" val="683614382"/>
+                      <a16:colId xmlns:a16="http://schemas.microsoft.com/office/drawing/2014/main" val="683614382"/>
                     </a:ext>
                   </a:extLst>
                 </a:gridCol>
@@ -23528,7 +23864,7 @@
                     <a:p>
                       <a:pPr algn="ctr"/>
                       <a:r>
-                        <a:rPr lang="en-US" noProof="1" smtClean="0">
+                        <a:rPr lang="en-US" noProof="1">
                           <a:solidFill>
                             <a:schemeClr val="tx1"/>
                           </a:solidFill>
@@ -23537,13 +23873,6 @@
                         </a:rPr>
                         <a:t>Id</a:t>
                       </a:r>
-                      <a:endParaRPr lang="en-US" noProof="1">
-                        <a:solidFill>
-                          <a:schemeClr val="tx1"/>
-                        </a:solidFill>
-                        <a:effectLst/>
-                        <a:latin typeface="+mj-lt"/>
-                      </a:endParaRPr>
                     </a:p>
                   </a:txBody>
                   <a:tcPr anchor="ctr">
@@ -23559,7 +23888,7 @@
                     <a:p>
                       <a:pPr algn="ctr"/>
                       <a:r>
-                        <a:rPr lang="en-US" noProof="1" smtClean="0">
+                        <a:rPr lang="en-US" noProof="1">
                           <a:solidFill>
                             <a:schemeClr val="tx1"/>
                           </a:solidFill>
@@ -23568,13 +23897,6 @@
                         </a:rPr>
                         <a:t>Name</a:t>
                       </a:r>
-                      <a:endParaRPr lang="en-US" noProof="1">
-                        <a:solidFill>
-                          <a:schemeClr val="tx1"/>
-                        </a:solidFill>
-                        <a:effectLst/>
-                        <a:latin typeface="+mj-lt"/>
-                      </a:endParaRPr>
                     </a:p>
                   </a:txBody>
                   <a:tcPr anchor="ctr">
@@ -23585,7 +23907,7 @@
                 </a:tc>
                 <a:extLst>
                   <a:ext uri="{0D108BD9-81ED-4DB2-BD59-A6C34878D82A}">
-                    <a16:rowId xmlns="" xmlns:a16="http://schemas.microsoft.com/office/drawing/2014/main" val="1969825376"/>
+                    <a16:rowId xmlns:a16="http://schemas.microsoft.com/office/drawing/2014/main" val="1969825376"/>
                   </a:ext>
                 </a:extLst>
               </a:tr>
@@ -23596,7 +23918,7 @@
                     <a:lstStyle/>
                     <a:p>
                       <a:r>
-                        <a:rPr lang="en-US" dirty="0" smtClean="0">
+                        <a:rPr lang="en-US" dirty="0">
                           <a:effectLst/>
                         </a:rPr>
                         <a:t>1</a:t>
@@ -23617,7 +23939,7 @@
                     <a:lstStyle/>
                     <a:p>
                       <a:r>
-                        <a:rPr lang="en-US" dirty="0" smtClean="0">
+                        <a:rPr lang="en-US" dirty="0">
                           <a:effectLst/>
                         </a:rPr>
                         <a:t>Smartwatch</a:t>
@@ -23634,7 +23956,7 @@
                 </a:tc>
                 <a:extLst>
                   <a:ext uri="{0D108BD9-81ED-4DB2-BD59-A6C34878D82A}">
-                    <a16:rowId xmlns="" xmlns:a16="http://schemas.microsoft.com/office/drawing/2014/main" val="2845318136"/>
+                    <a16:rowId xmlns:a16="http://schemas.microsoft.com/office/drawing/2014/main" val="2845318136"/>
                   </a:ext>
                 </a:extLst>
               </a:tr>
@@ -23645,7 +23967,7 @@
                     <a:lstStyle/>
                     <a:p>
                       <a:r>
-                        <a:rPr lang="en-US" dirty="0" smtClean="0">
+                        <a:rPr lang="en-US" dirty="0">
                           <a:effectLst/>
                         </a:rPr>
                         <a:t>2</a:t>
@@ -23666,7 +23988,7 @@
                     <a:lstStyle/>
                     <a:p>
                       <a:r>
-                        <a:rPr lang="en-US" dirty="0" smtClean="0">
+                        <a:rPr lang="en-US" dirty="0">
                           <a:effectLst/>
                         </a:rPr>
                         <a:t>Speakers</a:t>
@@ -23683,7 +24005,7 @@
                 </a:tc>
                 <a:extLst>
                   <a:ext uri="{0D108BD9-81ED-4DB2-BD59-A6C34878D82A}">
-                    <a16:rowId xmlns="" xmlns:a16="http://schemas.microsoft.com/office/drawing/2014/main" val="2968156586"/>
+                    <a16:rowId xmlns:a16="http://schemas.microsoft.com/office/drawing/2014/main" val="2968156586"/>
                   </a:ext>
                 </a:extLst>
               </a:tr>
@@ -23694,7 +24016,7 @@
                     <a:lstStyle/>
                     <a:p>
                       <a:r>
-                        <a:rPr lang="en-US" dirty="0" smtClean="0">
+                        <a:rPr lang="en-US" dirty="0">
                           <a:effectLst/>
                         </a:rPr>
                         <a:t>3</a:t>
@@ -23715,7 +24037,7 @@
                     <a:lstStyle/>
                     <a:p>
                       <a:r>
-                        <a:rPr lang="en-US" dirty="0" smtClean="0">
+                        <a:rPr lang="en-US" dirty="0">
                           <a:effectLst/>
                         </a:rPr>
                         <a:t>Microphone</a:t>
@@ -23732,7 +24054,7 @@
                 </a:tc>
                 <a:extLst>
                   <a:ext uri="{0D108BD9-81ED-4DB2-BD59-A6C34878D82A}">
-                    <a16:rowId xmlns="" xmlns:a16="http://schemas.microsoft.com/office/drawing/2014/main" val="1476753229"/>
+                    <a16:rowId xmlns:a16="http://schemas.microsoft.com/office/drawing/2014/main" val="1476753229"/>
                   </a:ext>
                 </a:extLst>
               </a:tr>
@@ -23763,10 +24085,9 @@
           <a:lstStyle/>
           <a:p>
             <a:r>
-              <a:rPr lang="en-US" sz="2800" b="1" dirty="0" smtClean="0"/>
+              <a:rPr lang="en-US" sz="2800" b="1" dirty="0"/>
               <a:t>OnlineShop</a:t>
             </a:r>
-            <a:endParaRPr lang="en-US" sz="2800" b="1" dirty="0"/>
           </a:p>
         </p:txBody>
       </p:sp>
@@ -23792,14 +24113,14 @@
                 <a:gridCol w="914400">
                   <a:extLst>
                     <a:ext uri="{9D8B030D-6E8A-4147-A177-3AD203B41FA5}">
-                      <a16:colId xmlns="" xmlns:a16="http://schemas.microsoft.com/office/drawing/2014/main" val="1594468805"/>
+                      <a16:colId xmlns:a16="http://schemas.microsoft.com/office/drawing/2014/main" val="1594468805"/>
                     </a:ext>
                   </a:extLst>
                 </a:gridCol>
                 <a:gridCol w="1752600">
                   <a:extLst>
                     <a:ext uri="{9D8B030D-6E8A-4147-A177-3AD203B41FA5}">
-                      <a16:colId xmlns="" xmlns:a16="http://schemas.microsoft.com/office/drawing/2014/main" val="683614382"/>
+                      <a16:colId xmlns:a16="http://schemas.microsoft.com/office/drawing/2014/main" val="683614382"/>
                     </a:ext>
                   </a:extLst>
                 </a:gridCol>
@@ -23812,7 +24133,7 @@
                     <a:p>
                       <a:pPr algn="ctr"/>
                       <a:r>
-                        <a:rPr lang="en-US" noProof="1" smtClean="0">
+                        <a:rPr lang="en-US" noProof="1">
                           <a:solidFill>
                             <a:schemeClr val="tx1"/>
                           </a:solidFill>
@@ -23820,12 +24141,6 @@
                         </a:rPr>
                         <a:t>Id</a:t>
                       </a:r>
-                      <a:endParaRPr lang="en-US" noProof="1">
-                        <a:solidFill>
-                          <a:schemeClr val="tx1"/>
-                        </a:solidFill>
-                        <a:effectLst/>
-                      </a:endParaRPr>
                     </a:p>
                   </a:txBody>
                   <a:tcPr anchor="ctr">
@@ -23841,7 +24156,7 @@
                     <a:p>
                       <a:pPr algn="ctr"/>
                       <a:r>
-                        <a:rPr lang="en-US" noProof="1" smtClean="0">
+                        <a:rPr lang="en-US" noProof="1">
                           <a:solidFill>
                             <a:schemeClr val="tx1"/>
                           </a:solidFill>
@@ -23849,12 +24164,6 @@
                         </a:rPr>
                         <a:t>Name</a:t>
                       </a:r>
-                      <a:endParaRPr lang="en-US" noProof="1">
-                        <a:solidFill>
-                          <a:schemeClr val="tx1"/>
-                        </a:solidFill>
-                        <a:effectLst/>
-                      </a:endParaRPr>
                     </a:p>
                   </a:txBody>
                   <a:tcPr anchor="ctr">
@@ -23865,7 +24174,7 @@
                 </a:tc>
                 <a:extLst>
                   <a:ext uri="{0D108BD9-81ED-4DB2-BD59-A6C34878D82A}">
-                    <a16:rowId xmlns="" xmlns:a16="http://schemas.microsoft.com/office/drawing/2014/main" val="1969825376"/>
+                    <a16:rowId xmlns:a16="http://schemas.microsoft.com/office/drawing/2014/main" val="1969825376"/>
                   </a:ext>
                 </a:extLst>
               </a:tr>
@@ -23876,7 +24185,7 @@
                     <a:lstStyle/>
                     <a:p>
                       <a:r>
-                        <a:rPr lang="en-US" dirty="0" smtClean="0">
+                        <a:rPr lang="en-US" dirty="0">
                           <a:effectLst/>
                         </a:rPr>
                         <a:t>3</a:t>
@@ -23897,7 +24206,7 @@
                     <a:lstStyle/>
                     <a:p>
                       <a:r>
-                        <a:rPr lang="en-US" dirty="0" smtClean="0">
+                        <a:rPr lang="en-US" dirty="0">
                           <a:effectLst/>
                         </a:rPr>
                         <a:t>Speakers</a:t>
@@ -23914,7 +24223,7 @@
                 </a:tc>
                 <a:extLst>
                   <a:ext uri="{0D108BD9-81ED-4DB2-BD59-A6C34878D82A}">
-                    <a16:rowId xmlns="" xmlns:a16="http://schemas.microsoft.com/office/drawing/2014/main" val="2845318136"/>
+                    <a16:rowId xmlns:a16="http://schemas.microsoft.com/office/drawing/2014/main" val="2845318136"/>
                   </a:ext>
                 </a:extLst>
               </a:tr>
@@ -23925,7 +24234,7 @@
                     <a:lstStyle/>
                     <a:p>
                       <a:r>
-                        <a:rPr lang="en-US" dirty="0" smtClean="0">
+                        <a:rPr lang="en-US" dirty="0">
                           <a:effectLst/>
                         </a:rPr>
                         <a:t>4</a:t>
@@ -23946,7 +24255,7 @@
                     <a:lstStyle/>
                     <a:p>
                       <a:r>
-                        <a:rPr lang="en-US" dirty="0" smtClean="0">
+                        <a:rPr lang="en-US" dirty="0">
                           <a:effectLst/>
                         </a:rPr>
                         <a:t>TV</a:t>
@@ -23963,7 +24272,7 @@
                 </a:tc>
                 <a:extLst>
                   <a:ext uri="{0D108BD9-81ED-4DB2-BD59-A6C34878D82A}">
-                    <a16:rowId xmlns="" xmlns:a16="http://schemas.microsoft.com/office/drawing/2014/main" val="2968156586"/>
+                    <a16:rowId xmlns:a16="http://schemas.microsoft.com/office/drawing/2014/main" val="2968156586"/>
                   </a:ext>
                 </a:extLst>
               </a:tr>
@@ -23974,7 +24283,7 @@
                     <a:lstStyle/>
                     <a:p>
                       <a:r>
-                        <a:rPr lang="en-US" dirty="0" smtClean="0">
+                        <a:rPr lang="en-US" dirty="0">
                           <a:effectLst/>
                         </a:rPr>
                         <a:t>5</a:t>
@@ -23995,7 +24304,7 @@
                     <a:lstStyle/>
                     <a:p>
                       <a:r>
-                        <a:rPr lang="en-US" dirty="0" smtClean="0">
+                        <a:rPr lang="en-US" dirty="0">
                           <a:effectLst/>
                         </a:rPr>
                         <a:t>Camera</a:t>
@@ -24012,7 +24321,7 @@
                 </a:tc>
                 <a:extLst>
                   <a:ext uri="{0D108BD9-81ED-4DB2-BD59-A6C34878D82A}">
-                    <a16:rowId xmlns="" xmlns:a16="http://schemas.microsoft.com/office/drawing/2014/main" val="1476753229"/>
+                    <a16:rowId xmlns:a16="http://schemas.microsoft.com/office/drawing/2014/main" val="1476753229"/>
                   </a:ext>
                 </a:extLst>
               </a:tr>
@@ -24043,10 +24352,9 @@
           <a:lstStyle/>
           <a:p>
             <a:r>
-              <a:rPr lang="en-US" sz="2800" b="1" dirty="0" smtClean="0"/>
+              <a:rPr lang="en-US" sz="2800" b="1" dirty="0"/>
               <a:t>LocalShop</a:t>
             </a:r>
-            <a:endParaRPr lang="en-US" sz="2800" b="1" dirty="0"/>
           </a:p>
         </p:txBody>
       </p:sp>
@@ -24245,7 +24553,7 @@
           <p:nvPr>
             <p:extLst>
               <p:ext uri="{D42A27DB-BD31-4B8C-83A1-F6EECF244321}">
-                <p14:modId xmlns:p14="http://schemas.microsoft.com/office/powerpoint/2010/main" xmlns="" val="46705198"/>
+                <p14:modId xmlns:p14="http://schemas.microsoft.com/office/powerpoint/2010/main" val="46705198"/>
               </p:ext>
             </p:extLst>
           </p:nvPr>
@@ -24259,8 +24567,20 @@
             <a:tbl>
               <a:tblPr/>
               <a:tblGrid>
-                <a:gridCol w="1714947"/>
-                <a:gridCol w="2572420"/>
+                <a:gridCol w="1714947">
+                  <a:extLst>
+                    <a:ext uri="{9D8B030D-6E8A-4147-A177-3AD203B41FA5}">
+                      <a16:colId xmlns:a16="http://schemas.microsoft.com/office/drawing/2014/main" val="20000"/>
+                    </a:ext>
+                  </a:extLst>
+                </a:gridCol>
+                <a:gridCol w="2572420">
+                  <a:extLst>
+                    <a:ext uri="{9D8B030D-6E8A-4147-A177-3AD203B41FA5}">
+                      <a16:colId xmlns:a16="http://schemas.microsoft.com/office/drawing/2014/main" val="20001"/>
+                    </a:ext>
+                  </a:extLst>
+                </a:gridCol>
               </a:tblGrid>
               <a:tr h="342900">
                 <a:tc>
@@ -24287,7 +24607,7 @@
                         <a:tabLst/>
                       </a:pPr>
                       <a:r>
-                        <a:rPr kumimoji="1" lang="en-US" sz="2400" b="1" i="0" u="none" strike="noStrike" cap="none" normalizeH="0" baseline="0" noProof="1" smtClean="0">
+                        <a:rPr kumimoji="1" lang="en-US" sz="2400" b="1" i="0" u="none" strike="noStrike" cap="none" normalizeH="0" baseline="0" noProof="1">
                           <a:ln>
                             <a:noFill/>
                           </a:ln>
@@ -24389,7 +24709,7 @@
                         <a:tabLst/>
                       </a:pPr>
                       <a:r>
-                        <a:rPr kumimoji="1" lang="en-US" sz="2400" b="1" i="0" u="none" strike="noStrike" cap="none" normalizeH="0" baseline="0" noProof="1" smtClean="0">
+                        <a:rPr kumimoji="1" lang="en-US" sz="2400" b="1" i="0" u="none" strike="noStrike" cap="none" normalizeH="0" baseline="0" noProof="1">
                           <a:ln>
                             <a:noFill/>
                           </a:ln>
@@ -24467,6 +24787,11 @@
                     </a:solidFill>
                   </a:tcPr>
                 </a:tc>
+                <a:extLst>
+                  <a:ext uri="{0D108BD9-81ED-4DB2-BD59-A6C34878D82A}">
+                    <a16:rowId xmlns:a16="http://schemas.microsoft.com/office/drawing/2014/main" val="10000"/>
+                  </a:ext>
+                </a:extLst>
               </a:tr>
               <a:tr h="342900">
                 <a:tc>
@@ -24493,7 +24818,7 @@
                         <a:tabLst/>
                       </a:pPr>
                       <a:r>
-                        <a:rPr kumimoji="1" lang="en-US" sz="2200" b="0" i="0" u="none" strike="noStrike" cap="none" normalizeH="0" baseline="0" noProof="1" smtClean="0">
+                        <a:rPr kumimoji="1" lang="en-US" sz="2200" b="0" i="0" u="none" strike="noStrike" cap="none" normalizeH="0" baseline="0" noProof="1">
                           <a:ln>
                             <a:noFill/>
                           </a:ln>
@@ -24589,12 +24914,12 @@
                         <a:tabLst/>
                       </a:pPr>
                       <a:r>
-                        <a:rPr lang="en-US" sz="2000" dirty="0" smtClean="0">
+                        <a:rPr lang="en-US" sz="2000" dirty="0">
                           <a:effectLst/>
                         </a:rPr>
                         <a:t>Smartwatch</a:t>
                       </a:r>
-                      <a:endParaRPr kumimoji="1" lang="en-US" sz="2200" b="0" i="0" u="none" strike="noStrike" cap="none" normalizeH="0" baseline="0" noProof="1" smtClean="0">
+                      <a:endParaRPr kumimoji="1" lang="en-US" sz="2200" b="0" i="0" u="none" strike="noStrike" cap="none" normalizeH="0" baseline="0" noProof="1">
                         <a:ln>
                           <a:noFill/>
                         </a:ln>
@@ -24664,6 +24989,11 @@
                     <a:noFill/>
                   </a:tcPr>
                 </a:tc>
+                <a:extLst>
+                  <a:ext uri="{0D108BD9-81ED-4DB2-BD59-A6C34878D82A}">
+                    <a16:rowId xmlns:a16="http://schemas.microsoft.com/office/drawing/2014/main" val="10001"/>
+                  </a:ext>
+                </a:extLst>
               </a:tr>
               <a:tr h="342900">
                 <a:tc>
@@ -24690,7 +25020,7 @@
                         <a:tabLst/>
                       </a:pPr>
                       <a:r>
-                        <a:rPr kumimoji="1" lang="en-US" sz="2200" b="0" i="0" u="none" strike="noStrike" cap="none" normalizeH="0" baseline="0" noProof="1" smtClean="0">
+                        <a:rPr kumimoji="1" lang="en-US" sz="2200" b="0" i="0" u="none" strike="noStrike" cap="none" normalizeH="0" baseline="0" noProof="1">
                           <a:ln>
                             <a:noFill/>
                           </a:ln>
@@ -24786,12 +25116,12 @@
                         <a:tabLst/>
                       </a:pPr>
                       <a:r>
-                        <a:rPr lang="en-US" sz="2000" dirty="0" smtClean="0">
+                        <a:rPr lang="en-US" sz="2000" dirty="0">
                           <a:effectLst/>
                         </a:rPr>
                         <a:t>Microphone</a:t>
                       </a:r>
-                      <a:endParaRPr kumimoji="1" lang="en-US" sz="2200" b="0" i="0" u="none" strike="noStrike" cap="none" normalizeH="0" baseline="0" noProof="1" smtClean="0">
+                      <a:endParaRPr kumimoji="1" lang="en-US" sz="2200" b="0" i="0" u="none" strike="noStrike" cap="none" normalizeH="0" baseline="0" noProof="1">
                         <a:ln>
                           <a:noFill/>
                         </a:ln>
@@ -24861,6 +25191,11 @@
                     <a:noFill/>
                   </a:tcPr>
                 </a:tc>
+                <a:extLst>
+                  <a:ext uri="{0D108BD9-81ED-4DB2-BD59-A6C34878D82A}">
+                    <a16:rowId xmlns:a16="http://schemas.microsoft.com/office/drawing/2014/main" val="10002"/>
+                  </a:ext>
+                </a:extLst>
               </a:tr>
             </a:tbl>
           </a:graphicData>
@@ -24927,7 +25262,7 @@
           <a:p>
             <a:pPr algn="ctr"/>
             <a:r>
-              <a:rPr lang="bg-BG" sz="2800" b="1" noProof="1" smtClean="0">
+              <a:rPr lang="bg-BG" sz="2800" b="1" noProof="1">
                 <a:solidFill>
                   <a:schemeClr val="bg2"/>
                 </a:solidFill>
@@ -24939,6 +25274,68 @@
                 <a:schemeClr val="bg2"/>
               </a:solidFill>
             </a:endParaRPr>
+          </a:p>
+        </p:txBody>
+      </p:sp>
+      <p:sp>
+        <p:nvSpPr>
+          <p:cNvPr id="12" name="TextBox 11">
+            <a:extLst>
+              <a:ext uri="{FF2B5EF4-FFF2-40B4-BE49-F238E27FC236}">
+                <a16:creationId xmlns:a16="http://schemas.microsoft.com/office/drawing/2014/main" id="{0316080F-13FD-9558-927E-969BDBE09D00}"/>
+              </a:ext>
+            </a:extLst>
+          </p:cNvPr>
+          <p:cNvSpPr txBox="1"/>
+          <p:nvPr/>
+        </p:nvSpPr>
+        <p:spPr>
+          <a:xfrm>
+            <a:off x="4438510" y="1361460"/>
+            <a:ext cx="2394856" cy="1816047"/>
+          </a:xfrm>
+          <a:prstGeom prst="rect">
+            <a:avLst/>
+          </a:prstGeom>
+          <a:ln/>
+        </p:spPr>
+        <p:style>
+          <a:lnRef idx="2">
+            <a:schemeClr val="accent2"/>
+          </a:lnRef>
+          <a:fillRef idx="1">
+            <a:schemeClr val="lt1"/>
+          </a:fillRef>
+          <a:effectRef idx="0">
+            <a:schemeClr val="accent2"/>
+          </a:effectRef>
+          <a:fontRef idx="minor">
+            <a:schemeClr val="dk1"/>
+          </a:fontRef>
+        </p:style>
+        <p:txBody>
+          <a:bodyPr vert="horz" wrap="square" lIns="144000" tIns="108000" rIns="144000" bIns="108000" rtlCol="0">
+            <a:spAutoFit/>
+          </a:bodyPr>
+          <a:lstStyle/>
+          <a:p>
+            <a:pPr algn="l" eaLnBrk="0" hangingPunct="0">
+              <a:lnSpc>
+                <a:spcPct val="110000"/>
+              </a:lnSpc>
+              <a:buClr>
+                <a:schemeClr val="accent5">
+                  <a:lumMod val="40000"/>
+                  <a:lumOff val="60000"/>
+                </a:schemeClr>
+              </a:buClr>
+              <a:buSzPct val="70000"/>
+            </a:pPr>
+            <a:r>
+              <a:rPr lang="en-US" sz="3200" b="1" dirty="0"/>
+              <a:t>TODO: fix table borders</a:t>
+            </a:r>
+            <a:endParaRPr lang="bg-BG" sz="3200" b="1" dirty="0"/>
           </a:p>
         </p:txBody>
       </p:sp>
@@ -24947,11 +25344,11 @@
   <p:clrMapOvr>
     <a:masterClrMapping/>
   </p:clrMapOvr>
-  <mc:AlternateContent xmlns:mc="http://schemas.openxmlformats.org/markup-compatibility/2006">
-    <mc:Choice xmlns:p14="http://schemas.microsoft.com/office/powerpoint/2010/main" xmlns="" Requires="p14">
+  <mc:AlternateContent xmlns:mc="http://schemas.openxmlformats.org/markup-compatibility/2006" xmlns:p14="http://schemas.microsoft.com/office/powerpoint/2010/main">
+    <mc:Choice Requires="p14">
       <p:transition spd="slow" p14:dur="2000" advClick="0" advTm="5000"/>
     </mc:Choice>
-    <mc:Fallback>
+    <mc:Fallback xmlns="">
       <p:transition spd="slow" advClick="0" advTm="5000"/>
     </mc:Fallback>
   </mc:AlternateContent>
@@ -25192,14 +25589,13 @@
           <a:lstStyle/>
           <a:p>
             <a:r>
-              <a:rPr lang="bg-BG" dirty="0" smtClean="0"/>
+              <a:rPr lang="bg-BG" dirty="0"/>
               <a:t>Разлика </a:t>
             </a:r>
             <a:r>
-              <a:rPr lang="en-US" dirty="0" smtClean="0"/>
+              <a:rPr lang="en-US" dirty="0"/>
               <a:t>(3)</a:t>
             </a:r>
-            <a:endParaRPr lang="en-US" dirty="0"/>
           </a:p>
         </p:txBody>
       </p:sp>
@@ -25254,7 +25650,7 @@
               <a:buSzPct val="70000"/>
             </a:pPr>
             <a:r>
-              <a:rPr lang="en-US" sz="2800" b="1" noProof="1" smtClean="0">
+              <a:rPr lang="en-US" sz="2800" b="1" noProof="1">
                 <a:solidFill>
                   <a:schemeClr val="bg1"/>
                 </a:solidFill>
@@ -25264,14 +25660,14 @@
               <a:t>SELECT</a:t>
             </a:r>
             <a:r>
-              <a:rPr lang="en-US" sz="2800" b="1" noProof="1" smtClean="0">
+              <a:rPr lang="en-US" sz="2800" b="1" noProof="1">
                 <a:latin typeface="Consolas" pitchFamily="49" charset="0"/>
                 <a:cs typeface="Consolas" pitchFamily="49" charset="0"/>
               </a:rPr>
               <a:t> Id, Name </a:t>
             </a:r>
             <a:r>
-              <a:rPr lang="en-US" sz="2800" b="1" noProof="1" smtClean="0">
+              <a:rPr lang="en-US" sz="2800" b="1" noProof="1">
                 <a:solidFill>
                   <a:schemeClr val="bg1"/>
                 </a:solidFill>
@@ -25281,17 +25677,17 @@
               <a:t>FROM</a:t>
             </a:r>
             <a:r>
-              <a:rPr lang="en-US" sz="2800" b="1" noProof="1" smtClean="0">
+              <a:rPr lang="en-US" sz="2800" b="1" noProof="1">
                 <a:latin typeface="Consolas" pitchFamily="49" charset="0"/>
                 <a:cs typeface="Consolas" pitchFamily="49" charset="0"/>
               </a:rPr>
               <a:t> </a:t>
             </a:r>
             <a:r>
-              <a:rPr lang="en-US" sz="2800" b="1" dirty="0" smtClean="0"/>
+              <a:rPr lang="en-US" sz="2800" b="1" dirty="0"/>
               <a:t>OnlineShop</a:t>
             </a:r>
-            <a:endParaRPr lang="en-US" sz="2800" b="1" noProof="1" smtClean="0">
+            <a:endParaRPr lang="en-US" sz="2800" b="1" noProof="1">
               <a:latin typeface="Consolas" pitchFamily="49" charset="0"/>
               <a:cs typeface="Consolas" pitchFamily="49" charset="0"/>
             </a:endParaRPr>
@@ -25310,7 +25706,7 @@
               <a:buSzPct val="70000"/>
             </a:pPr>
             <a:r>
-              <a:rPr lang="en-US" sz="2800" b="1" noProof="1" smtClean="0">
+              <a:rPr lang="en-US" sz="2800" b="1" noProof="1">
                 <a:solidFill>
                   <a:schemeClr val="bg1"/>
                 </a:solidFill>
@@ -25334,7 +25730,7 @@
               <a:buSzPct val="70000"/>
             </a:pPr>
             <a:r>
-              <a:rPr lang="en-US" sz="2800" b="1" noProof="1" smtClean="0">
+              <a:rPr lang="en-US" sz="2800" b="1" noProof="1">
                 <a:solidFill>
                   <a:schemeClr val="bg1"/>
                 </a:solidFill>
@@ -25344,14 +25740,14 @@
               <a:t>SELECT</a:t>
             </a:r>
             <a:r>
-              <a:rPr lang="en-US" sz="2800" b="1" noProof="1" smtClean="0">
+              <a:rPr lang="en-US" sz="2800" b="1" noProof="1">
                 <a:latin typeface="Consolas" pitchFamily="49" charset="0"/>
                 <a:cs typeface="Consolas" pitchFamily="49" charset="0"/>
               </a:rPr>
               <a:t> Id, Name </a:t>
             </a:r>
             <a:r>
-              <a:rPr lang="en-US" sz="2800" b="1" noProof="1" smtClean="0">
+              <a:rPr lang="en-US" sz="2800" b="1" noProof="1">
                 <a:solidFill>
                   <a:schemeClr val="bg1"/>
                 </a:solidFill>
@@ -25361,16 +25757,12 @@
               <a:t>FROM</a:t>
             </a:r>
             <a:r>
-              <a:rPr lang="en-US" sz="2800" b="1" noProof="1" smtClean="0">
+              <a:rPr lang="en-US" sz="2800" b="1" noProof="1">
                 <a:latin typeface="Consolas" pitchFamily="49" charset="0"/>
                 <a:cs typeface="Consolas" pitchFamily="49" charset="0"/>
               </a:rPr>
               <a:t> LocalShop</a:t>
             </a:r>
-            <a:endParaRPr lang="en-US" sz="2800" b="1" noProof="1">
-              <a:latin typeface="Consolas" pitchFamily="49" charset="0"/>
-              <a:cs typeface="Consolas" pitchFamily="49" charset="0"/>
-            </a:endParaRPr>
           </a:p>
         </p:txBody>
       </p:sp>
@@ -25435,7 +25827,7 @@
           <a:p>
             <a:pPr algn="ctr"/>
             <a:r>
-              <a:rPr lang="bg-BG" sz="2800" b="1" noProof="1" smtClean="0">
+              <a:rPr lang="bg-BG" sz="2800" b="1" noProof="1">
                 <a:solidFill>
                   <a:schemeClr val="bg2"/>
                 </a:solidFill>
@@ -25511,7 +25903,7 @@
           <a:p>
             <a:pPr algn="ctr"/>
             <a:r>
-              <a:rPr lang="bg-BG" sz="2800" b="1" noProof="1" smtClean="0">
+              <a:rPr lang="bg-BG" sz="2800" b="1" noProof="1">
                 <a:solidFill>
                   <a:schemeClr val="bg2"/>
                 </a:solidFill>
@@ -25587,7 +25979,7 @@
           <a:p>
             <a:pPr algn="ctr"/>
             <a:r>
-              <a:rPr lang="bg-BG" sz="2800" b="1" noProof="1" smtClean="0">
+              <a:rPr lang="bg-BG" sz="2800" b="1" noProof="1">
                 <a:solidFill>
                   <a:schemeClr val="bg2"/>
                 </a:solidFill>
@@ -25607,11 +25999,11 @@
   <p:clrMapOvr>
     <a:masterClrMapping/>
   </p:clrMapOvr>
-  <mc:AlternateContent xmlns:mc="http://schemas.openxmlformats.org/markup-compatibility/2006">
-    <mc:Choice xmlns:p14="http://schemas.microsoft.com/office/powerpoint/2010/main" xmlns="" Requires="p14">
+  <mc:AlternateContent xmlns:mc="http://schemas.openxmlformats.org/markup-compatibility/2006" xmlns:p14="http://schemas.microsoft.com/office/powerpoint/2010/main">
+    <mc:Choice Requires="p14">
       <p:transition spd="slow" p14:dur="2000" advClick="0" advTm="5000"/>
     </mc:Choice>
-    <mc:Fallback>
+    <mc:Fallback xmlns="">
       <p:transition spd="slow" advClick="0" advTm="5000"/>
     </mc:Fallback>
   </mc:AlternateContent>
@@ -25804,7 +26196,7 @@
               </a:buClr>
             </a:pPr>
             <a:r>
-              <a:rPr lang="bg-BG" sz="3600" dirty="0" smtClean="0">
+              <a:rPr lang="bg-BG" sz="3600" dirty="0">
                 <a:solidFill>
                   <a:srgbClr val="224464"/>
                 </a:solidFill>
@@ -25812,14 +26204,14 @@
               <a:t>Операцията </a:t>
             </a:r>
             <a:r>
-              <a:rPr lang="en-US" sz="3600" b="1" dirty="0" smtClean="0">
+              <a:rPr lang="en-US" sz="3600" b="1" dirty="0">
                 <a:solidFill>
                   <a:schemeClr val="bg1"/>
                 </a:solidFill>
               </a:rPr>
               <a:t>DIVIDE</a:t>
             </a:r>
-            <a:endParaRPr lang="bg-BG" sz="3600" b="1" dirty="0" smtClean="0">
+            <a:endParaRPr lang="bg-BG" sz="3600" b="1" dirty="0">
               <a:solidFill>
                 <a:schemeClr val="bg1"/>
               </a:solidFill>
@@ -25832,15 +26224,15 @@
               </a:buClr>
             </a:pPr>
             <a:r>
-              <a:rPr lang="bg-BG" sz="3600" dirty="0" smtClean="0"/>
+              <a:rPr lang="bg-BG" sz="3600" dirty="0"/>
               <a:t>П</a:t>
             </a:r>
             <a:r>
-              <a:rPr lang="ru-RU" sz="3600" dirty="0" smtClean="0"/>
+              <a:rPr lang="ru-RU" sz="3600" dirty="0"/>
               <a:t>оказва какви стойности от първата таблица </a:t>
             </a:r>
             <a:r>
-              <a:rPr lang="ru-RU" sz="3600" b="1" dirty="0" smtClean="0">
+              <a:rPr lang="ru-RU" sz="3600" b="1" dirty="0">
                 <a:solidFill>
                   <a:schemeClr val="bg1"/>
                 </a:solidFill>
@@ -25848,7 +26240,7 @@
               <a:t>съответстват</a:t>
             </a:r>
             <a:r>
-              <a:rPr lang="ru-RU" sz="3600" dirty="0" smtClean="0"/>
+              <a:rPr lang="ru-RU" sz="3600" dirty="0"/>
               <a:t> на всички стойности от втората таблица</a:t>
             </a:r>
           </a:p>
@@ -25859,14 +26251,14 @@
               </a:buClr>
             </a:pPr>
             <a:r>
-              <a:rPr lang="bg-BG" sz="3400" dirty="0" smtClean="0">
+              <a:rPr lang="bg-BG" sz="3400" dirty="0">
                 <a:solidFill>
                   <a:srgbClr val="224464"/>
                 </a:solidFill>
               </a:rPr>
               <a:t>Използва се по-рядко и е по-сложна</a:t>
             </a:r>
-            <a:endParaRPr lang="en-US" sz="3400" dirty="0" smtClean="0">
+            <a:endParaRPr lang="en-US" sz="3400" dirty="0">
               <a:solidFill>
                 <a:srgbClr val="224464"/>
               </a:solidFill>
@@ -25879,7 +26271,7 @@
               </a:buClr>
             </a:pPr>
             <a:r>
-              <a:rPr lang="bg-BG" sz="3200" dirty="0" smtClean="0">
+              <a:rPr lang="bg-BG" sz="3200" dirty="0">
                 <a:solidFill>
                   <a:srgbClr val="224464"/>
                 </a:solidFill>
@@ -25887,7 +26279,7 @@
               <a:t>Например за намиране на </a:t>
             </a:r>
             <a:r>
-              <a:rPr lang="bg-BG" sz="3200" b="1" dirty="0" smtClean="0">
+              <a:rPr lang="bg-BG" sz="3200" b="1" dirty="0">
                 <a:solidFill>
                   <a:schemeClr val="bg1"/>
                 </a:solidFill>
@@ -25895,7 +26287,7 @@
               <a:t>студентите</a:t>
             </a:r>
             <a:r>
-              <a:rPr lang="bg-BG" sz="3200" dirty="0" smtClean="0">
+              <a:rPr lang="bg-BG" sz="3200" dirty="0">
                 <a:solidFill>
                   <a:srgbClr val="224464"/>
                 </a:solidFill>
@@ -25903,7 +26295,7 @@
               <a:t>, които са </a:t>
             </a:r>
             <a:r>
-              <a:rPr lang="bg-BG" sz="3200" b="1" dirty="0" smtClean="0">
+              <a:rPr lang="bg-BG" sz="3200" b="1" dirty="0">
                 <a:solidFill>
                   <a:schemeClr val="bg1"/>
                 </a:solidFill>
@@ -25911,7 +26303,7 @@
               <a:t>записани</a:t>
             </a:r>
             <a:r>
-              <a:rPr lang="bg-BG" sz="3200" dirty="0" smtClean="0">
+              <a:rPr lang="bg-BG" sz="3200" dirty="0">
                 <a:solidFill>
                   <a:srgbClr val="224464"/>
                 </a:solidFill>
@@ -25919,7 +26311,7 @@
               <a:t> на всички </a:t>
             </a:r>
             <a:r>
-              <a:rPr lang="bg-BG" sz="3200" b="1" dirty="0" smtClean="0">
+              <a:rPr lang="bg-BG" sz="3200" b="1" dirty="0">
                 <a:solidFill>
                   <a:schemeClr val="bg1"/>
                 </a:solidFill>
@@ -25927,14 +26319,14 @@
               <a:t>задължителни курсове </a:t>
             </a:r>
             <a:r>
-              <a:rPr lang="bg-BG" sz="3200" dirty="0" smtClean="0">
+              <a:rPr lang="bg-BG" sz="3200" dirty="0">
                 <a:solidFill>
                   <a:srgbClr val="224464"/>
                 </a:solidFill>
               </a:rPr>
               <a:t>в университета</a:t>
             </a:r>
-            <a:endParaRPr lang="en-US" sz="3200" dirty="0" smtClean="0">
+            <a:endParaRPr lang="en-US" sz="3200" dirty="0">
               <a:solidFill>
                 <a:srgbClr val="224464"/>
               </a:solidFill>
@@ -25958,7 +26350,7 @@
           <a:lstStyle/>
           <a:p>
             <a:r>
-              <a:rPr lang="bg-BG" dirty="0" smtClean="0"/>
+              <a:rPr lang="bg-BG" dirty="0"/>
               <a:t>Деление (1)</a:t>
             </a:r>
             <a:endParaRPr lang="en-US" dirty="0"/>
@@ -25970,11 +26362,11 @@
   <p:clrMapOvr>
     <a:masterClrMapping/>
   </p:clrMapOvr>
-  <mc:AlternateContent xmlns:mc="http://schemas.openxmlformats.org/markup-compatibility/2006">
-    <mc:Choice xmlns:p14="http://schemas.microsoft.com/office/powerpoint/2010/main" xmlns="" Requires="p14">
+  <mc:AlternateContent xmlns:mc="http://schemas.openxmlformats.org/markup-compatibility/2006" xmlns:p14="http://schemas.microsoft.com/office/powerpoint/2010/main">
+    <mc:Choice Requires="p14">
       <p:transition spd="slow" p14:dur="2000" advClick="0" advTm="5000"/>
     </mc:Choice>
-    <mc:Fallback>
+    <mc:Fallback xmlns="">
       <p:transition spd="slow" advClick="0" advTm="5000"/>
     </mc:Fallback>
   </mc:AlternateContent>
@@ -26149,22 +26541,22 @@
           </a:bodyPr>
           <a:lstStyle/>
           <a:p>
-            <a:endParaRPr lang="en-US" dirty="0" smtClean="0"/>
-          </a:p>
-          <a:p>
-            <a:endParaRPr lang="en-US" dirty="0" smtClean="0"/>
-          </a:p>
-          <a:p>
-            <a:endParaRPr lang="en-US" dirty="0" smtClean="0"/>
-          </a:p>
-          <a:p>
-            <a:endParaRPr lang="en-US" dirty="0" smtClean="0"/>
-          </a:p>
-          <a:p>
-            <a:endParaRPr lang="en-US" dirty="0" smtClean="0"/>
-          </a:p>
-          <a:p>
-            <a:endParaRPr lang="en-US" sz="3200" dirty="0" smtClean="0"/>
+            <a:endParaRPr lang="en-US" dirty="0"/>
+          </a:p>
+          <a:p>
+            <a:endParaRPr lang="en-US" dirty="0"/>
+          </a:p>
+          <a:p>
+            <a:endParaRPr lang="en-US" dirty="0"/>
+          </a:p>
+          <a:p>
+            <a:endParaRPr lang="en-US" dirty="0"/>
+          </a:p>
+          <a:p>
+            <a:endParaRPr lang="en-US" dirty="0"/>
+          </a:p>
+          <a:p>
+            <a:endParaRPr lang="en-US" sz="3200" dirty="0"/>
           </a:p>
           <a:p>
             <a:pPr>
@@ -26173,7 +26565,7 @@
               </a:buClr>
             </a:pPr>
             <a:r>
-              <a:rPr lang="ru-RU" sz="3200" b="1" dirty="0" smtClean="0">
+              <a:rPr lang="ru-RU" sz="3200" b="1" dirty="0">
                 <a:solidFill>
                   <a:schemeClr val="bg1"/>
                 </a:solidFill>
@@ -26181,27 +26573,27 @@
               <a:t>Вътрешните подзаявки </a:t>
             </a:r>
             <a:r>
-              <a:rPr lang="ru-RU" sz="3200" dirty="0" smtClean="0"/>
+              <a:rPr lang="ru-RU" sz="3200" dirty="0"/>
               <a:t>сравняват записите между </a:t>
             </a:r>
             <a:r>
-              <a:rPr lang="bg-BG" sz="3200" dirty="0" smtClean="0"/>
+              <a:rPr lang="bg-BG" sz="3200" dirty="0"/>
               <a:t>двете</a:t>
             </a:r>
             <a:r>
-              <a:rPr lang="ru-RU" sz="3200" dirty="0" smtClean="0"/>
+              <a:rPr lang="ru-RU" sz="3200" dirty="0"/>
               <a:t> таблиц</a:t>
             </a:r>
             <a:r>
-              <a:rPr lang="bg-BG" sz="3200" dirty="0" smtClean="0"/>
+              <a:rPr lang="bg-BG" sz="3200" dirty="0"/>
               <a:t>и</a:t>
             </a:r>
             <a:r>
-              <a:rPr lang="ru-RU" sz="3200" dirty="0" smtClean="0"/>
+              <a:rPr lang="ru-RU" sz="3200" dirty="0"/>
               <a:t> и намират </a:t>
             </a:r>
             <a:r>
-              <a:rPr lang="ru-RU" sz="3200" b="1" dirty="0" smtClean="0">
+              <a:rPr lang="ru-RU" sz="3200" b="1" dirty="0">
                 <a:solidFill>
                   <a:schemeClr val="bg1"/>
                 </a:solidFill>
@@ -26209,11 +26601,11 @@
               <a:t>студентите</a:t>
             </a:r>
             <a:r>
-              <a:rPr lang="ru-RU" sz="3200" dirty="0" smtClean="0"/>
+              <a:rPr lang="ru-RU" sz="3200" dirty="0"/>
               <a:t>, които са записани на </a:t>
             </a:r>
             <a:r>
-              <a:rPr lang="ru-RU" sz="3200" b="1" dirty="0" smtClean="0">
+              <a:rPr lang="ru-RU" sz="3200" b="1" dirty="0">
                 <a:solidFill>
                   <a:schemeClr val="bg1"/>
                 </a:solidFill>
@@ -26244,11 +26636,11 @@
           <a:lstStyle/>
           <a:p>
             <a:r>
-              <a:rPr lang="bg-BG" smtClean="0"/>
+              <a:rPr lang="bg-BG"/>
               <a:t>Деление</a:t>
             </a:r>
             <a:r>
-              <a:rPr lang="en-US" smtClean="0"/>
+              <a:rPr lang="en-US"/>
               <a:t> (2)</a:t>
             </a:r>
             <a:endParaRPr lang="en-US" dirty="0"/>
@@ -26306,7 +26698,7 @@
               <a:buSzPct val="70000"/>
             </a:pPr>
             <a:r>
-              <a:rPr lang="en-US" sz="2400" b="1" noProof="1" smtClean="0">
+              <a:rPr lang="en-US" sz="2400" b="1" noProof="1">
                 <a:solidFill>
                   <a:schemeClr val="bg1"/>
                 </a:solidFill>
@@ -26316,13 +26708,13 @@
               <a:t>SELECT</a:t>
             </a:r>
             <a:r>
-              <a:rPr lang="en-US" sz="2400" b="1" noProof="1" smtClean="0">
+              <a:rPr lang="en-US" sz="2400" b="1" noProof="1">
                 <a:latin typeface="Consolas" pitchFamily="49" charset="0"/>
                 <a:cs typeface="Consolas" pitchFamily="49" charset="0"/>
               </a:rPr>
               <a:t> StudentId FROM EnrolledCourses </a:t>
             </a:r>
-            <a:endParaRPr lang="bg-BG" sz="2400" b="1" noProof="1" smtClean="0">
+            <a:endParaRPr lang="bg-BG" sz="2400" b="1" noProof="1">
               <a:latin typeface="Consolas" pitchFamily="49" charset="0"/>
               <a:cs typeface="Consolas" pitchFamily="49" charset="0"/>
             </a:endParaRPr>
@@ -26341,7 +26733,7 @@
               <a:buSzPct val="70000"/>
             </a:pPr>
             <a:r>
-              <a:rPr lang="en-US" sz="2400" b="1" noProof="1" smtClean="0">
+              <a:rPr lang="en-US" sz="2400" b="1" noProof="1">
                 <a:solidFill>
                   <a:schemeClr val="bg1"/>
                 </a:solidFill>
@@ -26351,13 +26743,13 @@
               <a:t>WHERE NOT EXISTS </a:t>
             </a:r>
             <a:r>
-              <a:rPr lang="en-US" sz="2400" b="1" noProof="1" smtClean="0">
+              <a:rPr lang="en-US" sz="2400" b="1" noProof="1">
                 <a:latin typeface="Consolas" pitchFamily="49" charset="0"/>
                 <a:cs typeface="Consolas" pitchFamily="49" charset="0"/>
               </a:rPr>
               <a:t>(</a:t>
             </a:r>
-            <a:endParaRPr lang="bg-BG" sz="2400" b="1" noProof="1" smtClean="0">
+            <a:endParaRPr lang="bg-BG" sz="2400" b="1" noProof="1">
               <a:latin typeface="Consolas" pitchFamily="49" charset="0"/>
               <a:cs typeface="Consolas" pitchFamily="49" charset="0"/>
             </a:endParaRPr>
@@ -26376,7 +26768,7 @@
               <a:buSzPct val="70000"/>
             </a:pPr>
             <a:r>
-              <a:rPr lang="bg-BG" sz="2400" b="1" noProof="1" smtClean="0">
+              <a:rPr lang="bg-BG" sz="2400" b="1" noProof="1">
                 <a:solidFill>
                   <a:schemeClr val="bg1"/>
                 </a:solidFill>
@@ -26386,7 +26778,7 @@
               <a:t>	</a:t>
             </a:r>
             <a:r>
-              <a:rPr lang="en-US" sz="2400" b="1" noProof="1" smtClean="0">
+              <a:rPr lang="en-US" sz="2400" b="1" noProof="1">
                 <a:solidFill>
                   <a:schemeClr val="bg1"/>
                 </a:solidFill>
@@ -26396,14 +26788,14 @@
               <a:t>SELECT</a:t>
             </a:r>
             <a:r>
-              <a:rPr lang="en-US" sz="2400" b="1" noProof="1" smtClean="0">
+              <a:rPr lang="en-US" sz="2400" b="1" noProof="1">
                 <a:latin typeface="Consolas" pitchFamily="49" charset="0"/>
                 <a:cs typeface="Consolas" pitchFamily="49" charset="0"/>
               </a:rPr>
               <a:t> CourseId </a:t>
             </a:r>
             <a:r>
-              <a:rPr lang="en-US" sz="2400" b="1" noProof="1" smtClean="0">
+              <a:rPr lang="en-US" sz="2400" b="1" noProof="1">
                 <a:solidFill>
                   <a:schemeClr val="bg1"/>
                 </a:solidFill>
@@ -26413,13 +26805,13 @@
               <a:t>FROM</a:t>
             </a:r>
             <a:r>
-              <a:rPr lang="en-US" sz="2400" b="1" noProof="1" smtClean="0">
+              <a:rPr lang="en-US" sz="2400" b="1" noProof="1">
                 <a:latin typeface="Consolas" pitchFamily="49" charset="0"/>
                 <a:cs typeface="Consolas" pitchFamily="49" charset="0"/>
               </a:rPr>
               <a:t> MandatoryCourses </a:t>
             </a:r>
-            <a:endParaRPr lang="bg-BG" sz="2400" b="1" noProof="1" smtClean="0">
+            <a:endParaRPr lang="bg-BG" sz="2400" b="1" noProof="1">
               <a:latin typeface="Consolas" pitchFamily="49" charset="0"/>
               <a:cs typeface="Consolas" pitchFamily="49" charset="0"/>
             </a:endParaRPr>
@@ -26438,14 +26830,14 @@
               <a:buSzPct val="70000"/>
             </a:pPr>
             <a:r>
-              <a:rPr lang="bg-BG" sz="2400" b="1" noProof="1" smtClean="0">
+              <a:rPr lang="bg-BG" sz="2400" b="1" noProof="1">
                 <a:latin typeface="Consolas" pitchFamily="49" charset="0"/>
                 <a:cs typeface="Consolas" pitchFamily="49" charset="0"/>
               </a:rPr>
               <a:t>	</a:t>
             </a:r>
             <a:r>
-              <a:rPr lang="en-US" sz="2400" b="1" noProof="1" smtClean="0">
+              <a:rPr lang="en-US" sz="2400" b="1" noProof="1">
                 <a:solidFill>
                   <a:schemeClr val="bg1"/>
                 </a:solidFill>
@@ -26455,13 +26847,13 @@
               <a:t>WHERE NOT EXISTS </a:t>
             </a:r>
             <a:r>
-              <a:rPr lang="en-US" sz="2400" b="1" noProof="1" smtClean="0">
+              <a:rPr lang="en-US" sz="2400" b="1" noProof="1">
                 <a:latin typeface="Consolas" pitchFamily="49" charset="0"/>
                 <a:cs typeface="Consolas" pitchFamily="49" charset="0"/>
               </a:rPr>
               <a:t>(</a:t>
             </a:r>
-            <a:endParaRPr lang="bg-BG" sz="2400" b="1" noProof="1" smtClean="0">
+            <a:endParaRPr lang="bg-BG" sz="2400" b="1" noProof="1">
               <a:latin typeface="Consolas" pitchFamily="49" charset="0"/>
               <a:cs typeface="Consolas" pitchFamily="49" charset="0"/>
             </a:endParaRPr>
@@ -26480,7 +26872,7 @@
               <a:buSzPct val="70000"/>
             </a:pPr>
             <a:r>
-              <a:rPr lang="bg-BG" sz="2400" b="1" noProof="1" smtClean="0">
+              <a:rPr lang="bg-BG" sz="2400" b="1" noProof="1">
                 <a:solidFill>
                   <a:schemeClr val="bg1"/>
                 </a:solidFill>
@@ -26490,7 +26882,7 @@
               <a:t>		</a:t>
             </a:r>
             <a:r>
-              <a:rPr lang="en-US" sz="2400" b="1" noProof="1" smtClean="0">
+              <a:rPr lang="en-US" sz="2400" b="1" noProof="1">
                 <a:solidFill>
                   <a:schemeClr val="bg1"/>
                 </a:solidFill>
@@ -26500,14 +26892,14 @@
               <a:t>SELECT</a:t>
             </a:r>
             <a:r>
-              <a:rPr lang="en-US" sz="2400" b="1" noProof="1" smtClean="0">
+              <a:rPr lang="en-US" sz="2400" b="1" noProof="1">
                 <a:latin typeface="Consolas" pitchFamily="49" charset="0"/>
                 <a:cs typeface="Consolas" pitchFamily="49" charset="0"/>
               </a:rPr>
               <a:t> * </a:t>
             </a:r>
             <a:r>
-              <a:rPr lang="en-US" sz="2400" b="1" noProof="1" smtClean="0">
+              <a:rPr lang="en-US" sz="2400" b="1" noProof="1">
                 <a:solidFill>
                   <a:schemeClr val="bg1"/>
                 </a:solidFill>
@@ -26517,21 +26909,21 @@
               <a:t>FROM </a:t>
             </a:r>
             <a:r>
-              <a:rPr lang="en-US" sz="2400" b="1" noProof="1" smtClean="0">
+              <a:rPr lang="en-US" sz="2400" b="1" noProof="1">
                 <a:latin typeface="Consolas" pitchFamily="49" charset="0"/>
                 <a:cs typeface="Consolas" pitchFamily="49" charset="0"/>
               </a:rPr>
               <a:t>EnrolledCourses AS ec </a:t>
             </a:r>
             <a:r>
-              <a:rPr lang="bg-BG" sz="2400" b="1" noProof="1" smtClean="0">
+              <a:rPr lang="bg-BG" sz="2400" b="1" noProof="1">
                 <a:latin typeface="Consolas" pitchFamily="49" charset="0"/>
                 <a:cs typeface="Consolas" pitchFamily="49" charset="0"/>
               </a:rPr>
               <a:t>					</a:t>
             </a:r>
             <a:r>
-              <a:rPr lang="en-US" sz="2400" b="1" noProof="1" smtClean="0">
+              <a:rPr lang="en-US" sz="2400" b="1" noProof="1">
                 <a:solidFill>
                   <a:schemeClr val="bg1"/>
                 </a:solidFill>
@@ -26541,27 +26933,27 @@
               <a:t>WHERE</a:t>
             </a:r>
             <a:r>
-              <a:rPr lang="en-US" sz="2400" b="1" noProof="1" smtClean="0">
+              <a:rPr lang="en-US" sz="2400" b="1" noProof="1">
                 <a:latin typeface="Consolas" pitchFamily="49" charset="0"/>
                 <a:cs typeface="Consolas" pitchFamily="49" charset="0"/>
               </a:rPr>
               <a:t> ec.SudentId = EnrolledCourses.StudentId </a:t>
             </a:r>
             <a:r>
-              <a:rPr lang="bg-BG" sz="2400" b="1" noProof="1" smtClean="0">
+              <a:rPr lang="bg-BG" sz="2400" b="1" noProof="1">
                 <a:latin typeface="Consolas" pitchFamily="49" charset="0"/>
                 <a:cs typeface="Consolas" pitchFamily="49" charset="0"/>
               </a:rPr>
               <a:t>		</a:t>
             </a:r>
             <a:r>
-              <a:rPr lang="en-US" sz="2400" b="1" noProof="1" smtClean="0">
+              <a:rPr lang="en-US" sz="2400" b="1" noProof="1">
                 <a:latin typeface="Consolas" pitchFamily="49" charset="0"/>
                 <a:cs typeface="Consolas" pitchFamily="49" charset="0"/>
               </a:rPr>
               <a:t>	AND ec.CourseId = NandatoryCourses.Course_id</a:t>
             </a:r>
-            <a:endParaRPr lang="bg-BG" sz="2400" b="1" noProof="1" smtClean="0">
+            <a:endParaRPr lang="bg-BG" sz="2400" b="1" noProof="1">
               <a:latin typeface="Consolas" pitchFamily="49" charset="0"/>
               <a:cs typeface="Consolas" pitchFamily="49" charset="0"/>
             </a:endParaRPr>
@@ -26580,7 +26972,7 @@
               <a:buSzPct val="70000"/>
             </a:pPr>
             <a:r>
-              <a:rPr lang="bg-BG" sz="2400" b="1" noProof="1" smtClean="0">
+              <a:rPr lang="bg-BG" sz="2400" b="1" noProof="1">
                 <a:latin typeface="Consolas" pitchFamily="49" charset="0"/>
                 <a:cs typeface="Consolas" pitchFamily="49" charset="0"/>
               </a:rPr>
@@ -26601,7 +26993,7 @@
               <a:buSzPct val="70000"/>
             </a:pPr>
             <a:r>
-              <a:rPr lang="bg-BG" sz="2400" b="1" noProof="1" smtClean="0">
+              <a:rPr lang="bg-BG" sz="2400" b="1" noProof="1">
                 <a:latin typeface="Consolas" pitchFamily="49" charset="0"/>
                 <a:cs typeface="Consolas" pitchFamily="49" charset="0"/>
               </a:rPr>
@@ -26619,11 +27011,11 @@
   <p:clrMapOvr>
     <a:masterClrMapping/>
   </p:clrMapOvr>
-  <mc:AlternateContent xmlns:mc="http://schemas.openxmlformats.org/markup-compatibility/2006">
-    <mc:Choice xmlns:p14="http://schemas.microsoft.com/office/powerpoint/2010/main" xmlns="" Requires="p14">
+  <mc:AlternateContent xmlns:mc="http://schemas.openxmlformats.org/markup-compatibility/2006" xmlns:p14="http://schemas.microsoft.com/office/powerpoint/2010/main">
+    <mc:Choice Requires="p14">
       <p:transition spd="slow" p14:dur="2000" advClick="0" advTm="5000"/>
     </mc:Choice>
-    <mc:Fallback>
+    <mc:Fallback xmlns="">
       <p:transition spd="slow" advClick="0" advTm="5000"/>
     </mc:Fallback>
   </mc:AlternateContent>
@@ -26873,7 +27265,7 @@
           <p:cNvPr id="9" name="Summary Box Group">
             <a:extLst>
               <a:ext uri="{FF2B5EF4-FFF2-40B4-BE49-F238E27FC236}">
-                <a16:creationId xmlns:a16="http://schemas.microsoft.com/office/drawing/2014/main" xmlns="" id="{EBAFE522-EB7D-4931-A015-9A7E8A98517D}"/>
+                <a16:creationId xmlns:a16="http://schemas.microsoft.com/office/drawing/2014/main" id="{EBAFE522-EB7D-4931-A015-9A7E8A98517D}"/>
               </a:ext>
             </a:extLst>
           </p:cNvPr>
@@ -26882,7 +27274,7 @@
         </p:nvGrpSpPr>
         <p:grpSpPr>
           <a:xfrm>
-            <a:off x="190403" y="1294337"/>
+            <a:off x="206968" y="1294337"/>
             <a:ext cx="9470432" cy="5394328"/>
             <a:chOff x="472011" y="1508786"/>
             <a:chExt cx="3799787" cy="4865561"/>
@@ -26893,7 +27285,7 @@
             <p:cNvPr id="10" name="Rounded Rectangle Blue">
               <a:extLst>
                 <a:ext uri="{FF2B5EF4-FFF2-40B4-BE49-F238E27FC236}">
-                  <a16:creationId xmlns:a16="http://schemas.microsoft.com/office/drawing/2014/main" xmlns="" id="{18F78F23-3D09-4B63-8DF9-D49CFBB145EE}"/>
+                  <a16:creationId xmlns:a16="http://schemas.microsoft.com/office/drawing/2014/main" id="{18F78F23-3D09-4B63-8DF9-D49CFBB145EE}"/>
                 </a:ext>
               </a:extLst>
             </p:cNvPr>
@@ -26947,7 +27339,7 @@
             <p:cNvPr id="11" name="Rounded Rectangle Left">
               <a:extLst>
                 <a:ext uri="{FF2B5EF4-FFF2-40B4-BE49-F238E27FC236}">
-                  <a16:creationId xmlns:a16="http://schemas.microsoft.com/office/drawing/2014/main" xmlns="" id="{F12C06CE-2BBE-46C2-B718-813794C58DF9}"/>
+                  <a16:creationId xmlns:a16="http://schemas.microsoft.com/office/drawing/2014/main" id="{F12C06CE-2BBE-46C2-B718-813794C58DF9}"/>
                 </a:ext>
               </a:extLst>
             </p:cNvPr>
@@ -27002,74 +27394,13 @@
             </a:p>
           </p:txBody>
         </p:sp>
-        <p:sp>
-          <p:nvSpPr>
-            <p:cNvPr id="12" name="Half Frame Top Right">
-              <a:extLst>
-                <a:ext uri="{FF2B5EF4-FFF2-40B4-BE49-F238E27FC236}">
-                  <a16:creationId xmlns:a16="http://schemas.microsoft.com/office/drawing/2014/main" xmlns="" id="{66CDBB1E-AF3C-43FC-9F34-2DD691F81726}"/>
-                </a:ext>
-              </a:extLst>
-            </p:cNvPr>
-            <p:cNvSpPr/>
-            <p:nvPr/>
-          </p:nvSpPr>
-          <p:spPr>
-            <a:xfrm rot="5400000">
-              <a:off x="3742559" y="1912372"/>
-              <a:ext cx="669775" cy="238503"/>
-            </a:xfrm>
-            <a:prstGeom prst="halfFrame">
-              <a:avLst>
-                <a:gd name="adj1" fmla="val 23728"/>
-                <a:gd name="adj2" fmla="val 24642"/>
-              </a:avLst>
-            </a:prstGeom>
-            <a:solidFill>
-              <a:schemeClr val="bg2">
-                <a:alpha val="23000"/>
-              </a:schemeClr>
-            </a:solidFill>
-            <a:ln>
-              <a:noFill/>
-            </a:ln>
-          </p:spPr>
-          <p:style>
-            <a:lnRef idx="2">
-              <a:schemeClr val="accent1">
-                <a:shade val="50000"/>
-              </a:schemeClr>
-            </a:lnRef>
-            <a:fillRef idx="1">
-              <a:schemeClr val="accent1"/>
-            </a:fillRef>
-            <a:effectRef idx="0">
-              <a:schemeClr val="accent1"/>
-            </a:effectRef>
-            <a:fontRef idx="minor">
-              <a:schemeClr val="lt1"/>
-            </a:fontRef>
-          </p:style>
-          <p:txBody>
-            <a:bodyPr rtlCol="0" anchor="ctr"/>
-            <a:lstStyle/>
-            <a:p>
-              <a:pPr algn="ctr"/>
-              <a:endParaRPr lang="ko-KR" altLang="en-US" sz="2400" dirty="0">
-                <a:solidFill>
-                  <a:schemeClr val="tx1"/>
-                </a:solidFill>
-              </a:endParaRPr>
-            </a:p>
-          </p:txBody>
-        </p:sp>
       </p:grpSp>
       <p:sp>
         <p:nvSpPr>
           <p:cNvPr id="14" name="Text Placeholder Body">
             <a:extLst>
               <a:ext uri="{FF2B5EF4-FFF2-40B4-BE49-F238E27FC236}">
-                <a16:creationId xmlns:a16="http://schemas.microsoft.com/office/drawing/2014/main" xmlns="" id="{0E49D336-45B6-44D3-97C4-E28F8DEA2022}"/>
+                <a16:creationId xmlns:a16="http://schemas.microsoft.com/office/drawing/2014/main" id="{0E49D336-45B6-44D3-97C4-E28F8DEA2022}"/>
               </a:ext>
             </a:extLst>
           </p:cNvPr>
@@ -27082,8 +27413,8 @@
         </p:nvSpPr>
         <p:spPr>
           <a:xfrm>
-            <a:off x="685800" y="1295400"/>
-            <a:ext cx="8775781" cy="5029200"/>
+            <a:off x="749219" y="1447800"/>
+            <a:ext cx="8775781" cy="5237577"/>
           </a:xfrm>
         </p:spPr>
         <p:txBody>
@@ -27150,11 +27481,7 @@
               </a:buClr>
             </a:pPr>
             <a:r>
-              <a:rPr lang="bg-BG" sz="2600" dirty="0" smtClean="0"/>
-              <a:t>Използваме</a:t>
-            </a:r>
-            <a:r>
-              <a:rPr lang="bg-BG" sz="2600" b="1" dirty="0" smtClean="0">
+              <a:rPr lang="bg-BG" sz="2700" b="1" dirty="0">
                 <a:solidFill>
                   <a:schemeClr val="bg1">
                     <a:lumMod val="60000"/>
@@ -27162,10 +27489,23 @@
                   </a:schemeClr>
                 </a:solidFill>
               </a:rPr>
-              <a:t> по-сложни </a:t>
-            </a:r>
-            <a:r>
-              <a:rPr lang="en-US" sz="2600" b="1" dirty="0" smtClean="0">
+              <a:t>По-сложни </a:t>
+            </a:r>
+            <a:r>
+              <a:rPr lang="en-US" sz="2700" b="1" dirty="0">
+                <a:solidFill>
+                  <a:schemeClr val="bg1">
+                    <a:lumMod val="60000"/>
+                    <a:lumOff val="40000"/>
+                  </a:schemeClr>
+                </a:solidFill>
+                <a:latin typeface="Consolas" panose="020B0609020204030204" pitchFamily="49" charset="0"/>
+                <a:cs typeface="Consolas" panose="020B0609020204030204" pitchFamily="49" charset="0"/>
+              </a:rPr>
+              <a:t>JOIN</a:t>
+            </a:r>
+            <a:r>
+              <a:rPr lang="en-US" sz="2700" b="1" dirty="0">
                 <a:solidFill>
                   <a:schemeClr val="bg1">
                     <a:lumMod val="60000"/>
@@ -27173,11 +27513,43 @@
                   </a:schemeClr>
                 </a:solidFill>
               </a:rPr>
-              <a:t>JOIN </a:t>
-            </a:r>
-            <a:r>
-              <a:rPr lang="bg-BG" sz="2600" dirty="0" smtClean="0"/>
-              <a:t>заявки:</a:t>
+              <a:t> </a:t>
+            </a:r>
+            <a:r>
+              <a:rPr lang="bg-BG" sz="2700" dirty="0"/>
+              <a:t>заявки</a:t>
+            </a:r>
+            <a:r>
+              <a:rPr lang="en-US" sz="2700" dirty="0"/>
+              <a:t> – </a:t>
+            </a:r>
+            <a:r>
+              <a:rPr lang="bg-BG" sz="2700" dirty="0"/>
+              <a:t>данни от повече от 2 таблици</a:t>
+            </a:r>
+          </a:p>
+          <a:p>
+            <a:pPr marL="360363" indent="-360000" fontAlgn="base">
+              <a:lnSpc>
+                <a:spcPct val="100000"/>
+              </a:lnSpc>
+              <a:spcAft>
+                <a:spcPts val="0"/>
+              </a:spcAft>
+              <a:buClr>
+                <a:schemeClr val="bg2"/>
+              </a:buClr>
+            </a:pPr>
+            <a:r>
+              <a:rPr lang="bg-BG" sz="2700" b="1" dirty="0">
+                <a:solidFill>
+                  <a:schemeClr val="bg1">
+                    <a:lumMod val="60000"/>
+                    <a:lumOff val="40000"/>
+                  </a:schemeClr>
+                </a:solidFill>
+              </a:rPr>
+              <a:t>Подзаявки</a:t>
             </a:r>
           </a:p>
           <a:p>
@@ -27193,12 +27565,57 @@
               </a:buClr>
             </a:pPr>
             <a:r>
-              <a:rPr lang="bg-BG" sz="2400" dirty="0" smtClean="0">
+              <a:rPr lang="ru-RU" sz="2500" dirty="0">
                 <a:solidFill>
                   <a:schemeClr val="bg2"/>
                 </a:solidFill>
               </a:rPr>
-              <a:t>Данни от повече от 2 таблици</a:t>
+              <a:t>Използват</a:t>
+            </a:r>
+            <a:r>
+              <a:rPr lang="en-US" sz="2500" dirty="0">
+                <a:solidFill>
+                  <a:schemeClr val="bg2"/>
+                </a:solidFill>
+              </a:rPr>
+              <a:t> </a:t>
+            </a:r>
+            <a:r>
+              <a:rPr lang="bg-BG" sz="2500" dirty="0">
+                <a:solidFill>
+                  <a:schemeClr val="bg2"/>
+                </a:solidFill>
+              </a:rPr>
+              <a:t>се</a:t>
+            </a:r>
+            <a:r>
+              <a:rPr lang="ru-RU" sz="2500" dirty="0">
+                <a:solidFill>
+                  <a:schemeClr val="bg2"/>
+                </a:solidFill>
+              </a:rPr>
+              <a:t> за влагане на заявки</a:t>
+            </a:r>
+          </a:p>
+          <a:p>
+            <a:pPr marL="969948" lvl="1" indent="-360000" fontAlgn="base">
+              <a:lnSpc>
+                <a:spcPct val="100000"/>
+              </a:lnSpc>
+              <a:spcAft>
+                <a:spcPts val="0"/>
+              </a:spcAft>
+              <a:buClr>
+                <a:schemeClr val="bg2"/>
+              </a:buClr>
+            </a:pPr>
+            <a:r>
+              <a:rPr lang="ru-RU" sz="2500" dirty="0">
+                <a:solidFill>
+                  <a:schemeClr val="bg2"/>
+                </a:solidFill>
+              </a:rPr>
+              <a:t>Използваме резултата от заявка като данни за друга</a:t>
             </a:r>
           </a:p>
           <a:p>
@@ -27214,82 +27631,27 @@
               </a:buClr>
             </a:pPr>
             <a:r>
-              <a:rPr lang="bg-BG" sz="2600" b="1" dirty="0" smtClean="0">
+              <a:rPr lang="en-US" sz="2700" b="1" dirty="0">
                 <a:solidFill>
                   <a:schemeClr val="bg1">
                     <a:lumMod val="60000"/>
                     <a:lumOff val="40000"/>
                   </a:schemeClr>
                 </a:solidFill>
+                <a:latin typeface="Consolas" panose="020B0609020204030204" pitchFamily="49" charset="0"/>
+                <a:cs typeface="Consolas" panose="020B0609020204030204" pitchFamily="49" charset="0"/>
               </a:rPr>
-              <a:t>Подзаявки</a:t>
-            </a:r>
-          </a:p>
-          <a:p>
-            <a:pPr marL="969948" lvl="1" indent="-360000" fontAlgn="base">
-              <a:lnSpc>
-                <a:spcPct val="100000"/>
-              </a:lnSpc>
-              <a:spcAft>
-                <a:spcPts val="0"/>
-              </a:spcAft>
-              <a:buClr>
-                <a:schemeClr val="bg2"/>
-              </a:buClr>
-            </a:pPr>
-            <a:r>
-              <a:rPr lang="ru-RU" sz="2400" dirty="0" smtClean="0">
-                <a:solidFill>
-                  <a:schemeClr val="bg2"/>
-                </a:solidFill>
-              </a:rPr>
-              <a:t>Използват</a:t>
-            </a:r>
-            <a:r>
-              <a:rPr lang="en-US" sz="2400" dirty="0" smtClean="0">
-                <a:solidFill>
-                  <a:schemeClr val="bg2"/>
-                </a:solidFill>
-              </a:rPr>
-              <a:t> </a:t>
-            </a:r>
-            <a:r>
-              <a:rPr lang="bg-BG" sz="2400" dirty="0" smtClean="0">
-                <a:solidFill>
-                  <a:schemeClr val="bg2"/>
-                </a:solidFill>
-              </a:rPr>
-              <a:t>се</a:t>
-            </a:r>
-            <a:r>
-              <a:rPr lang="ru-RU" sz="2400" dirty="0" smtClean="0">
-                <a:solidFill>
-                  <a:schemeClr val="bg2"/>
-                </a:solidFill>
-              </a:rPr>
-              <a:t> за влагане на заявки</a:t>
-            </a:r>
-          </a:p>
-          <a:p>
-            <a:pPr marL="969948" lvl="1" indent="-360000" fontAlgn="base">
-              <a:lnSpc>
-                <a:spcPct val="100000"/>
-              </a:lnSpc>
-              <a:spcAft>
-                <a:spcPts val="0"/>
-              </a:spcAft>
-              <a:buClr>
-                <a:schemeClr val="bg2"/>
-              </a:buClr>
-            </a:pPr>
-            <a:r>
-              <a:rPr lang="ru-RU" sz="2400" dirty="0" smtClean="0">
-                <a:solidFill>
-                  <a:schemeClr val="bg2"/>
-                </a:solidFill>
-              </a:rPr>
-              <a:t>Използваме резултата от заявка като данни за друга</a:t>
-            </a:r>
+              <a:t>UNION</a:t>
+            </a:r>
+            <a:r>
+              <a:rPr lang="en-US" sz="2700" dirty="0"/>
+              <a:t> == </a:t>
+            </a:r>
+            <a:r>
+              <a:rPr lang="ru-RU" sz="2700" dirty="0"/>
+              <a:t>уникални редове от две или повече заявки</a:t>
+            </a:r>
+            <a:endParaRPr lang="en-US" sz="2700" dirty="0"/>
           </a:p>
           <a:p>
             <a:pPr marL="360363" indent="-360000" fontAlgn="base">
@@ -27304,7 +27666,20 @@
               </a:buClr>
             </a:pPr>
             <a:r>
-              <a:rPr lang="en-US" sz="2600" b="1" dirty="0" smtClean="0">
+              <a:rPr lang="en-US" sz="2700" b="1" dirty="0">
+                <a:solidFill>
+                  <a:schemeClr val="bg1">
+                    <a:lumMod val="60000"/>
+                    <a:lumOff val="40000"/>
+                  </a:schemeClr>
+                </a:solidFill>
+                <a:latin typeface="Consolas" panose="020B0609020204030204" pitchFamily="49" charset="0"/>
+                <a:cs typeface="Consolas" panose="020B0609020204030204" pitchFamily="49" charset="0"/>
+              </a:rPr>
+              <a:t>INTERSECT</a:t>
+            </a:r>
+            <a:r>
+              <a:rPr lang="en-US" sz="2700" b="1" dirty="0">
                 <a:solidFill>
                   <a:schemeClr val="bg1">
                     <a:lumMod val="60000"/>
@@ -27312,17 +27687,24 @@
                   </a:schemeClr>
                 </a:solidFill>
               </a:rPr>
-              <a:t>UNION</a:t>
-            </a:r>
-            <a:r>
-              <a:rPr lang="en-US" sz="2600" dirty="0" smtClean="0"/>
-              <a:t> == </a:t>
-            </a:r>
-            <a:r>
-              <a:rPr lang="ru-RU" sz="2600" dirty="0" smtClean="0"/>
-              <a:t>уникални редове от две или повече заявки</a:t>
-            </a:r>
-            <a:endParaRPr lang="en-US" sz="2600" dirty="0" smtClean="0"/>
+              <a:t> </a:t>
+            </a:r>
+            <a:r>
+              <a:rPr lang="en-US" sz="2700" dirty="0"/>
+              <a:t>== </a:t>
+            </a:r>
+            <a:r>
+              <a:rPr lang="ru-RU" sz="2700" dirty="0"/>
+              <a:t>общи</a:t>
+            </a:r>
+            <a:r>
+              <a:rPr lang="bg-BG" sz="2700" dirty="0"/>
+              <a:t>те</a:t>
+            </a:r>
+            <a:r>
+              <a:rPr lang="ru-RU" sz="2700" dirty="0"/>
+              <a:t> редове между резултатите на две или повече заявки</a:t>
+            </a:r>
           </a:p>
           <a:p>
             <a:pPr marL="360363" indent="-360000" fontAlgn="base">
@@ -27337,7 +27719,20 @@
               </a:buClr>
             </a:pPr>
             <a:r>
-              <a:rPr lang="en-US" sz="2600" b="1" dirty="0" smtClean="0">
+              <a:rPr lang="en-US" sz="2700" b="1" dirty="0">
+                <a:solidFill>
+                  <a:schemeClr val="bg1">
+                    <a:lumMod val="60000"/>
+                    <a:lumOff val="40000"/>
+                  </a:schemeClr>
+                </a:solidFill>
+                <a:latin typeface="Consolas" panose="020B0609020204030204" pitchFamily="49" charset="0"/>
+                <a:cs typeface="Consolas" panose="020B0609020204030204" pitchFamily="49" charset="0"/>
+              </a:rPr>
+              <a:t>EXCEPT</a:t>
+            </a:r>
+            <a:r>
+              <a:rPr lang="en-US" sz="2700" b="1" dirty="0">
                 <a:solidFill>
                   <a:schemeClr val="bg1">
                     <a:lumMod val="60000"/>
@@ -27345,24 +27740,28 @@
                   </a:schemeClr>
                 </a:solidFill>
               </a:rPr>
-              <a:t>INTERSECT </a:t>
-            </a:r>
-            <a:r>
-              <a:rPr lang="en-US" sz="2600" dirty="0" smtClean="0"/>
-              <a:t>== </a:t>
-            </a:r>
-            <a:r>
-              <a:rPr lang="ru-RU" sz="2600" dirty="0" smtClean="0"/>
-              <a:t>общи</a:t>
-            </a:r>
-            <a:r>
-              <a:rPr lang="bg-BG" sz="2600" dirty="0" smtClean="0"/>
-              <a:t>те</a:t>
-            </a:r>
-            <a:r>
-              <a:rPr lang="ru-RU" sz="2600" dirty="0" smtClean="0"/>
-              <a:t> редове между резултатите на две или повече заявки</a:t>
-            </a:r>
+              <a:t> </a:t>
+            </a:r>
+            <a:r>
+              <a:rPr lang="en-US" sz="2700" dirty="0"/>
+              <a:t>==</a:t>
+            </a:r>
+            <a:r>
+              <a:rPr lang="en-US" sz="2700" b="1" dirty="0">
+                <a:solidFill>
+                  <a:schemeClr val="bg1">
+                    <a:lumMod val="60000"/>
+                    <a:lumOff val="40000"/>
+                  </a:schemeClr>
+                </a:solidFill>
+              </a:rPr>
+              <a:t> </a:t>
+            </a:r>
+            <a:r>
+              <a:rPr lang="ru-RU" sz="2700" dirty="0"/>
+              <a:t>редове от първата заявка, които не се срещат във втората заявка</a:t>
+            </a:r>
+            <a:endParaRPr lang="en-US" sz="2700" dirty="0"/>
           </a:p>
           <a:p>
             <a:pPr marL="360363" indent="-360000" fontAlgn="base">
@@ -27377,73 +27776,31 @@
               </a:buClr>
             </a:pPr>
             <a:r>
-              <a:rPr lang="en-US" sz="2600" b="1" dirty="0" smtClean="0">
+              <a:rPr lang="en-US" sz="2700" b="1" dirty="0">
                 <a:solidFill>
                   <a:schemeClr val="bg1">
                     <a:lumMod val="60000"/>
                     <a:lumOff val="40000"/>
                   </a:schemeClr>
                 </a:solidFill>
+                <a:latin typeface="Consolas" panose="020B0609020204030204" pitchFamily="49" charset="0"/>
+                <a:cs typeface="Consolas" panose="020B0609020204030204" pitchFamily="49" charset="0"/>
               </a:rPr>
-              <a:t>EXCEPT </a:t>
-            </a:r>
-            <a:r>
-              <a:rPr lang="en-US" sz="2600" dirty="0" smtClean="0"/>
-              <a:t>==</a:t>
-            </a:r>
-            <a:r>
-              <a:rPr lang="en-US" sz="2600" b="1" dirty="0" smtClean="0">
-                <a:solidFill>
-                  <a:schemeClr val="bg1">
-                    <a:lumMod val="60000"/>
-                    <a:lumOff val="40000"/>
-                  </a:schemeClr>
-                </a:solidFill>
-              </a:rPr>
+              <a:t>DIVIDE</a:t>
+            </a:r>
+            <a:r>
+              <a:rPr lang="bg-BG" sz="2700" dirty="0"/>
+              <a:t> == </a:t>
+            </a:r>
+            <a:r>
+              <a:rPr lang="ru-RU" sz="2700" dirty="0"/>
+              <a:t>стойности от първата таблица, съответстващи  на всички стойности от втората таблица</a:t>
+            </a:r>
+            <a:r>
+              <a:rPr lang="bg-BG" sz="2700" dirty="0"/>
               <a:t> </a:t>
             </a:r>
-            <a:r>
-              <a:rPr lang="ru-RU" sz="2600" dirty="0" smtClean="0"/>
-              <a:t>редове от първата заявка, които не се срещат във втората заявка</a:t>
-            </a:r>
-            <a:endParaRPr lang="en-US" sz="2600" dirty="0" smtClean="0"/>
-          </a:p>
-          <a:p>
-            <a:pPr marL="360363" indent="-360000" fontAlgn="base">
-              <a:lnSpc>
-                <a:spcPct val="100000"/>
-              </a:lnSpc>
-              <a:spcAft>
-                <a:spcPts val="0"/>
-              </a:spcAft>
-              <a:buClr>
-                <a:schemeClr val="bg2"/>
-              </a:buClr>
-            </a:pPr>
-            <a:r>
-              <a:rPr lang="bg-BG" sz="2600" b="1" dirty="0" smtClean="0">
-                <a:solidFill>
-                  <a:schemeClr val="bg1">
-                    <a:lumMod val="60000"/>
-                    <a:lumOff val="40000"/>
-                  </a:schemeClr>
-                </a:solidFill>
-              </a:rPr>
-              <a:t>Деление</a:t>
-            </a:r>
-            <a:r>
-              <a:rPr lang="bg-BG" sz="2600" dirty="0" smtClean="0"/>
-              <a:t> == </a:t>
-            </a:r>
-            <a:r>
-              <a:rPr lang="ru-RU" sz="2600" dirty="0" smtClean="0"/>
-              <a:t>стойности от първата таблица, съответстващи  на всички стойности от втората таблица</a:t>
-            </a:r>
-            <a:r>
-              <a:rPr lang="bg-BG" sz="2600" dirty="0" smtClean="0"/>
-              <a:t> </a:t>
-            </a:r>
-            <a:endParaRPr lang="en-US" sz="2600" dirty="0" smtClean="0"/>
+            <a:endParaRPr lang="en-US" sz="2700" dirty="0"/>
           </a:p>
         </p:txBody>
       </p:sp>
@@ -27452,7 +27809,7 @@
           <p:cNvPr id="17" name="Slide Number">
             <a:extLst>
               <a:ext uri="{FF2B5EF4-FFF2-40B4-BE49-F238E27FC236}">
-                <a16:creationId xmlns:a16="http://schemas.microsoft.com/office/drawing/2014/main" xmlns="" id="{9DE5559F-55C2-47F1-A321-B593B1EC63C1}"/>
+                <a16:creationId xmlns:a16="http://schemas.microsoft.com/office/drawing/2014/main" id="{9DE5559F-55C2-47F1-A321-B593B1EC63C1}"/>
               </a:ext>
             </a:extLst>
           </p:cNvPr>
@@ -27494,7 +27851,7 @@
           <p:cNvPr id="13" name="Picture SoftUni Mascot">
             <a:extLst>
               <a:ext uri="{FF2B5EF4-FFF2-40B4-BE49-F238E27FC236}">
-                <a16:creationId xmlns:a16="http://schemas.microsoft.com/office/drawing/2014/main" xmlns="" id="{CCC3A316-993C-4741-8826-E104F27650A3}"/>
+                <a16:creationId xmlns:a16="http://schemas.microsoft.com/office/drawing/2014/main" id="{CCC3A316-993C-4741-8826-E104F27650A3}"/>
               </a:ext>
             </a:extLst>
           </p:cNvPr>
@@ -27507,7 +27864,7 @@
           <a:blip r:embed="rId3" cstate="print">
             <a:extLst>
               <a:ext uri="{28A0092B-C50C-407E-A947-70E740481C1C}">
-                <a14:useLocalDpi xmlns:a14="http://schemas.microsoft.com/office/drawing/2010/main" xmlns="" val="0"/>
+                <a14:useLocalDpi xmlns:a14="http://schemas.microsoft.com/office/drawing/2010/main" val="0"/>
               </a:ext>
             </a:extLst>
           </a:blip>
@@ -27552,18 +27909,18 @@
     </p:spTree>
     <p:extLst>
       <p:ext uri="{BB962C8B-B14F-4D97-AF65-F5344CB8AC3E}">
-        <p14:creationId xmlns:p14="http://schemas.microsoft.com/office/powerpoint/2010/main" xmlns="" val="2087190546"/>
+        <p14:creationId xmlns:p14="http://schemas.microsoft.com/office/powerpoint/2010/main" val="2087190546"/>
       </p:ext>
     </p:extLst>
   </p:cSld>
   <p:clrMapOvr>
     <a:masterClrMapping/>
   </p:clrMapOvr>
-  <mc:AlternateContent xmlns:mc="http://schemas.openxmlformats.org/markup-compatibility/2006">
-    <mc:Choice xmlns:p14="http://schemas.microsoft.com/office/powerpoint/2010/main" xmlns="" Requires="p14">
+  <mc:AlternateContent xmlns:mc="http://schemas.openxmlformats.org/markup-compatibility/2006" xmlns:p14="http://schemas.microsoft.com/office/powerpoint/2010/main">
+    <mc:Choice Requires="p14">
       <p:transition spd="slow" p14:dur="2000" advClick="0" advTm="5000"/>
     </mc:Choice>
-    <mc:Fallback>
+    <mc:Fallback xmlns="">
       <p:transition spd="slow" advClick="0" advTm="5000"/>
     </mc:Fallback>
   </mc:AlternateContent>
@@ -27603,7 +27960,7 @@
                                         <p:tgtEl>
                                           <p:spTgt spid="14">
                                             <p:txEl>
-                                              <p:pRg st="2" end="2"/>
+                                              <p:pRg st="1" end="1"/>
                                             </p:txEl>
                                           </p:spTgt>
                                         </p:tgtEl>
@@ -27634,7 +27991,7 @@
                                         <p:tgtEl>
                                           <p:spTgt spid="14">
                                             <p:txEl>
-                                              <p:pRg st="3" end="3"/>
+                                              <p:pRg st="2" end="2"/>
                                             </p:txEl>
                                           </p:spTgt>
                                         </p:tgtEl>
@@ -27683,7 +28040,7 @@
                                         <p:tgtEl>
                                           <p:spTgt spid="14">
                                             <p:txEl>
-                                              <p:pRg st="4" end="4"/>
+                                              <p:pRg st="3" end="3"/>
                                             </p:txEl>
                                           </p:spTgt>
                                         </p:tgtEl>
@@ -27732,7 +28089,7 @@
                                         <p:tgtEl>
                                           <p:spTgt spid="14">
                                             <p:txEl>
-                                              <p:pRg st="5" end="5"/>
+                                              <p:pRg st="4" end="4"/>
                                             </p:txEl>
                                           </p:spTgt>
                                         </p:tgtEl>
@@ -27781,7 +28138,7 @@
                                         <p:tgtEl>
                                           <p:spTgt spid="14">
                                             <p:txEl>
-                                              <p:pRg st="6" end="6"/>
+                                              <p:pRg st="5" end="5"/>
                                             </p:txEl>
                                           </p:spTgt>
                                         </p:tgtEl>
@@ -27830,7 +28187,7 @@
                                         <p:tgtEl>
                                           <p:spTgt spid="14">
                                             <p:txEl>
-                                              <p:pRg st="7" end="7"/>
+                                              <p:pRg st="6" end="6"/>
                                             </p:txEl>
                                           </p:spTgt>
                                         </p:tgtEl>
@@ -27879,7 +28236,7 @@
                                         <p:tgtEl>
                                           <p:spTgt spid="14">
                                             <p:txEl>
-                                              <p:pRg st="8" end="8"/>
+                                              <p:pRg st="7" end="7"/>
                                             </p:txEl>
                                           </p:spTgt>
                                         </p:tgtEl>
@@ -27947,7 +28304,7 @@
           <p:cNvPr id="5" name="Group 4">
             <a:extLst>
               <a:ext uri="{FF2B5EF4-FFF2-40B4-BE49-F238E27FC236}">
-                <a16:creationId xmlns:a16="http://schemas.microsoft.com/office/drawing/2014/main" xmlns="" id="{1A67F800-7980-E3CA-7188-3C478C8E98B8}"/>
+                <a16:creationId xmlns:a16="http://schemas.microsoft.com/office/drawing/2014/main" id="{1A67F800-7980-E3CA-7188-3C478C8E98B8}"/>
               </a:ext>
             </a:extLst>
           </p:cNvPr>
@@ -27967,7 +28324,7 @@
             <p:cNvPr id="7" name="Picture 6" descr="A picture containing text, sign, vector graphics&#10;&#10;Description automatically generated">
               <a:extLst>
                 <a:ext uri="{FF2B5EF4-FFF2-40B4-BE49-F238E27FC236}">
-                  <a16:creationId xmlns:a16="http://schemas.microsoft.com/office/drawing/2014/main" xmlns="" id="{15CE28B1-02BA-4014-E149-BF1EE09447ED}"/>
+                  <a16:creationId xmlns:a16="http://schemas.microsoft.com/office/drawing/2014/main" id="{15CE28B1-02BA-4014-E149-BF1EE09447ED}"/>
                 </a:ext>
               </a:extLst>
             </p:cNvPr>
@@ -27997,7 +28354,7 @@
             <p:cNvPr id="9" name="Picture 8" descr="Logo&#10;&#10;Description automatically generated">
               <a:extLst>
                 <a:ext uri="{FF2B5EF4-FFF2-40B4-BE49-F238E27FC236}">
-                  <a16:creationId xmlns:a16="http://schemas.microsoft.com/office/drawing/2014/main" xmlns="" id="{5F82FF4F-4AD2-4B3B-1445-F3C6BA268522}"/>
+                  <a16:creationId xmlns:a16="http://schemas.microsoft.com/office/drawing/2014/main" id="{5F82FF4F-4AD2-4B3B-1445-F3C6BA268522}"/>
                 </a:ext>
               </a:extLst>
             </p:cNvPr>
@@ -28027,7 +28384,7 @@
             <p:cNvPr id="11" name="Picture 10" descr="Logo&#10;&#10;Description automatically generated">
               <a:extLst>
                 <a:ext uri="{FF2B5EF4-FFF2-40B4-BE49-F238E27FC236}">
-                  <a16:creationId xmlns:a16="http://schemas.microsoft.com/office/drawing/2014/main" xmlns="" id="{68CCA8DB-9EFC-F9BC-57AE-81E4F843E863}"/>
+                  <a16:creationId xmlns:a16="http://schemas.microsoft.com/office/drawing/2014/main" id="{68CCA8DB-9EFC-F9BC-57AE-81E4F843E863}"/>
                 </a:ext>
               </a:extLst>
             </p:cNvPr>
@@ -28057,7 +28414,7 @@
             <p:cNvPr id="13" name="Picture 12" descr="Logo&#10;&#10;Description automatically generated">
               <a:extLst>
                 <a:ext uri="{FF2B5EF4-FFF2-40B4-BE49-F238E27FC236}">
-                  <a16:creationId xmlns:a16="http://schemas.microsoft.com/office/drawing/2014/main" xmlns="" id="{3FDF9297-50FA-E866-B6CE-9D64B1E892BF}"/>
+                  <a16:creationId xmlns:a16="http://schemas.microsoft.com/office/drawing/2014/main" id="{3FDF9297-50FA-E866-B6CE-9D64B1E892BF}"/>
                 </a:ext>
               </a:extLst>
             </p:cNvPr>
@@ -28087,7 +28444,7 @@
             <p:cNvPr id="18" name="Graphic 17">
               <a:extLst>
                 <a:ext uri="{FF2B5EF4-FFF2-40B4-BE49-F238E27FC236}">
-                  <a16:creationId xmlns:a16="http://schemas.microsoft.com/office/drawing/2014/main" xmlns="" id="{2A1BC0C9-7A7B-9C5B-B457-3E86E59EF29E}"/>
+                  <a16:creationId xmlns:a16="http://schemas.microsoft.com/office/drawing/2014/main" id="{2A1BC0C9-7A7B-9C5B-B457-3E86E59EF29E}"/>
                 </a:ext>
               </a:extLst>
             </p:cNvPr>
@@ -28100,7 +28457,7 @@
             <a:blip r:embed="rId7" cstate="print">
               <a:extLst>
                 <a:ext uri="{96DAC541-7B7A-43D3-8B79-37D633B846F1}">
-                  <asvg:svgBlip xmlns:asvg="http://schemas.microsoft.com/office/drawing/2016/SVG/main" xmlns="" r:embed="rId8"/>
+                  <asvg:svgBlip xmlns:asvg="http://schemas.microsoft.com/office/drawing/2016/SVG/main" r:embed="rId8"/>
                 </a:ext>
               </a:extLst>
             </a:blip>
@@ -28123,7 +28480,7 @@
             <p:cNvPr id="20" name="Graphic 19">
               <a:extLst>
                 <a:ext uri="{FF2B5EF4-FFF2-40B4-BE49-F238E27FC236}">
-                  <a16:creationId xmlns:a16="http://schemas.microsoft.com/office/drawing/2014/main" xmlns="" id="{DBE174DA-A182-7E57-06D4-86AFA26D484D}"/>
+                  <a16:creationId xmlns:a16="http://schemas.microsoft.com/office/drawing/2014/main" id="{DBE174DA-A182-7E57-06D4-86AFA26D484D}"/>
                 </a:ext>
               </a:extLst>
             </p:cNvPr>
@@ -28136,7 +28493,7 @@
             <a:blip r:embed="rId9" cstate="print">
               <a:extLst>
                 <a:ext uri="{96DAC541-7B7A-43D3-8B79-37D633B846F1}">
-                  <asvg:svgBlip xmlns:asvg="http://schemas.microsoft.com/office/drawing/2016/SVG/main" xmlns="" r:embed="rId10"/>
+                  <asvg:svgBlip xmlns:asvg="http://schemas.microsoft.com/office/drawing/2016/SVG/main" r:embed="rId10"/>
                 </a:ext>
               </a:extLst>
             </a:blip>
@@ -28159,7 +28516,7 @@
             <p:cNvPr id="22" name="Picture 21" descr="Logo&#10;&#10;Description automatically generated">
               <a:extLst>
                 <a:ext uri="{FF2B5EF4-FFF2-40B4-BE49-F238E27FC236}">
-                  <a16:creationId xmlns:a16="http://schemas.microsoft.com/office/drawing/2014/main" xmlns="" id="{9B7FFC36-A4BC-7A53-AB82-82C398A47538}"/>
+                  <a16:creationId xmlns:a16="http://schemas.microsoft.com/office/drawing/2014/main" id="{9B7FFC36-A4BC-7A53-AB82-82C398A47538}"/>
                 </a:ext>
               </a:extLst>
             </p:cNvPr>
@@ -28189,7 +28546,7 @@
             <p:cNvPr id="36" name="Group 35">
               <a:extLst>
                 <a:ext uri="{FF2B5EF4-FFF2-40B4-BE49-F238E27FC236}">
-                  <a16:creationId xmlns:a16="http://schemas.microsoft.com/office/drawing/2014/main" xmlns="" id="{3FB2AEAC-BDEE-9D5F-67A3-17CEDA699052}"/>
+                  <a16:creationId xmlns:a16="http://schemas.microsoft.com/office/drawing/2014/main" id="{3FB2AEAC-BDEE-9D5F-67A3-17CEDA699052}"/>
                 </a:ext>
               </a:extLst>
             </p:cNvPr>
@@ -28209,7 +28566,7 @@
               <p:cNvPr id="31" name="Straight Connector 30">
                 <a:extLst>
                   <a:ext uri="{FF2B5EF4-FFF2-40B4-BE49-F238E27FC236}">
-                    <a16:creationId xmlns:a16="http://schemas.microsoft.com/office/drawing/2014/main" xmlns="" id="{AA38ABD5-1637-DC80-A922-DF10E4F75CDE}"/>
+                    <a16:creationId xmlns:a16="http://schemas.microsoft.com/office/drawing/2014/main" id="{AA38ABD5-1637-DC80-A922-DF10E4F75CDE}"/>
                   </a:ext>
                 </a:extLst>
               </p:cNvPr>
@@ -28252,7 +28609,7 @@
               <p:cNvPr id="33" name="Picture 32">
                 <a:extLst>
                   <a:ext uri="{FF2B5EF4-FFF2-40B4-BE49-F238E27FC236}">
-                    <a16:creationId xmlns:a16="http://schemas.microsoft.com/office/drawing/2014/main" xmlns="" id="{617B586A-0BC5-5E32-7E67-FD277547ED69}"/>
+                    <a16:creationId xmlns:a16="http://schemas.microsoft.com/office/drawing/2014/main" id="{617B586A-0BC5-5E32-7E67-FD277547ED69}"/>
                   </a:ext>
                 </a:extLst>
               </p:cNvPr>
@@ -28284,7 +28641,7 @@
           <p:cNvPr id="40" name="Picture 39" descr="Logo&#10;&#10;Description automatically generated">
             <a:extLst>
               <a:ext uri="{FF2B5EF4-FFF2-40B4-BE49-F238E27FC236}">
-                <a16:creationId xmlns:a16="http://schemas.microsoft.com/office/drawing/2014/main" xmlns="" id="{9C30DD70-D438-6D27-35D3-8BB874966D84}"/>
+                <a16:creationId xmlns:a16="http://schemas.microsoft.com/office/drawing/2014/main" id="{9C30DD70-D438-6D27-35D3-8BB874966D84}"/>
               </a:ext>
             </a:extLst>
           </p:cNvPr>
@@ -28314,7 +28671,7 @@
           <p:cNvPr id="2" name="Google Shape;441;p37">
             <a:extLst>
               <a:ext uri="{FF2B5EF4-FFF2-40B4-BE49-F238E27FC236}">
-                <a16:creationId xmlns:a16="http://schemas.microsoft.com/office/drawing/2014/main" xmlns="" id="{2AFB472C-93C2-241B-75FA-457782840F92}"/>
+                <a16:creationId xmlns:a16="http://schemas.microsoft.com/office/drawing/2014/main" id="{2AFB472C-93C2-241B-75FA-457782840F92}"/>
               </a:ext>
             </a:extLst>
           </p:cNvPr>
@@ -28619,7 +28976,7 @@
           <p:cNvPr id="14" name="Картина 13">
             <a:extLst>
               <a:ext uri="{FF2B5EF4-FFF2-40B4-BE49-F238E27FC236}">
-                <a16:creationId xmlns:a16="http://schemas.microsoft.com/office/drawing/2014/main" xmlns="" id="{54B365E9-8FD0-6D5B-2DFC-723EE5DDD555}"/>
+                <a16:creationId xmlns:a16="http://schemas.microsoft.com/office/drawing/2014/main" id="{54B365E9-8FD0-6D5B-2DFC-723EE5DDD555}"/>
               </a:ext>
             </a:extLst>
           </p:cNvPr>
@@ -28649,7 +29006,7 @@
           <p:cNvPr id="16" name="Картина 15">
             <a:extLst>
               <a:ext uri="{FF2B5EF4-FFF2-40B4-BE49-F238E27FC236}">
-                <a16:creationId xmlns:a16="http://schemas.microsoft.com/office/drawing/2014/main" xmlns="" id="{3BD6ABFC-02BF-2D42-B42B-6929222F37B6}"/>
+                <a16:creationId xmlns:a16="http://schemas.microsoft.com/office/drawing/2014/main" id="{3BD6ABFC-02BF-2D42-B42B-6929222F37B6}"/>
               </a:ext>
             </a:extLst>
           </p:cNvPr>
@@ -28677,20 +29034,13 @@
     </p:spTree>
     <p:extLst>
       <p:ext uri="{BB962C8B-B14F-4D97-AF65-F5344CB8AC3E}">
-        <p14:creationId xmlns:p14="http://schemas.microsoft.com/office/powerpoint/2010/main" xmlns="" val="2144060659"/>
+        <p14:creationId xmlns:p14="http://schemas.microsoft.com/office/powerpoint/2010/main" val="2144060659"/>
       </p:ext>
     </p:extLst>
   </p:cSld>
   <p:clrMapOvr>
     <a:masterClrMapping/>
   </p:clrMapOvr>
-  <p:timing>
-    <p:tnLst>
-      <p:par>
-        <p:cTn id="1" dur="indefinite" restart="never" nodeType="tmRoot"/>
-      </p:par>
-    </p:tnLst>
-  </p:timing>
 </p:sld>
 </file>
 
@@ -28716,7 +29066,7 @@
           <p:cNvPr id="5" name="Slide Number">
             <a:extLst>
               <a:ext uri="{FF2B5EF4-FFF2-40B4-BE49-F238E27FC236}">
-                <a16:creationId xmlns:a16="http://schemas.microsoft.com/office/drawing/2014/main" xmlns="" id="{F48C3C93-90A1-4D31-BEA6-B54D1106CE31}"/>
+                <a16:creationId xmlns:a16="http://schemas.microsoft.com/office/drawing/2014/main" id="{F48C3C93-90A1-4D31-BEA6-B54D1106CE31}"/>
               </a:ext>
             </a:extLst>
           </p:cNvPr>
@@ -28758,7 +29108,7 @@
           <p:cNvPr id="2" name="Slide Body">
             <a:extLst>
               <a:ext uri="{FF2B5EF4-FFF2-40B4-BE49-F238E27FC236}">
-                <a16:creationId xmlns:a16="http://schemas.microsoft.com/office/drawing/2014/main" xmlns="" id="{980F49B1-E4BE-4389-A747-7AB9B71AD920}"/>
+                <a16:creationId xmlns:a16="http://schemas.microsoft.com/office/drawing/2014/main" id="{980F49B1-E4BE-4389-A747-7AB9B71AD920}"/>
               </a:ext>
             </a:extLst>
           </p:cNvPr>
@@ -28892,7 +29242,7 @@
           <p:cNvPr id="6" name="Picture License" descr="License">
             <a:extLst>
               <a:ext uri="{FF2B5EF4-FFF2-40B4-BE49-F238E27FC236}">
-                <a16:creationId xmlns:a16="http://schemas.microsoft.com/office/drawing/2014/main" xmlns="" id="{A10A2585-858C-4B1E-8846-27CF1C15729E}"/>
+                <a16:creationId xmlns:a16="http://schemas.microsoft.com/office/drawing/2014/main" id="{A10A2585-858C-4B1E-8846-27CF1C15729E}"/>
               </a:ext>
             </a:extLst>
           </p:cNvPr>
@@ -28933,7 +29283,7 @@
           <p:cNvPr id="3" name="Slide Title">
             <a:extLst>
               <a:ext uri="{FF2B5EF4-FFF2-40B4-BE49-F238E27FC236}">
-                <a16:creationId xmlns:a16="http://schemas.microsoft.com/office/drawing/2014/main" xmlns="" id="{E5F1FB41-80C3-4816-BC47-CCC50632E6E8}"/>
+                <a16:creationId xmlns:a16="http://schemas.microsoft.com/office/drawing/2014/main" id="{E5F1FB41-80C3-4816-BC47-CCC50632E6E8}"/>
               </a:ext>
             </a:extLst>
           </p:cNvPr>
@@ -28959,28 +29309,21 @@
     </p:spTree>
     <p:extLst>
       <p:ext uri="{BB962C8B-B14F-4D97-AF65-F5344CB8AC3E}">
-        <p14:creationId xmlns:p14="http://schemas.microsoft.com/office/powerpoint/2010/main" xmlns="" val="3506533871"/>
+        <p14:creationId xmlns:p14="http://schemas.microsoft.com/office/powerpoint/2010/main" val="3506533871"/>
       </p:ext>
     </p:extLst>
   </p:cSld>
   <p:clrMapOvr>
     <a:masterClrMapping/>
   </p:clrMapOvr>
-  <mc:AlternateContent xmlns:mc="http://schemas.openxmlformats.org/markup-compatibility/2006">
-    <mc:Choice xmlns:p14="http://schemas.microsoft.com/office/powerpoint/2010/main" xmlns="" Requires="p14">
+  <mc:AlternateContent xmlns:mc="http://schemas.openxmlformats.org/markup-compatibility/2006" xmlns:p14="http://schemas.microsoft.com/office/powerpoint/2010/main">
+    <mc:Choice Requires="p14">
       <p:transition spd="slow" p14:dur="2000" advClick="0" advTm="5000"/>
     </mc:Choice>
-    <mc:Fallback>
+    <mc:Fallback xmlns="">
       <p:transition spd="slow" advClick="0" advTm="5000"/>
     </mc:Fallback>
   </mc:AlternateContent>
-  <p:timing>
-    <p:tnLst>
-      <p:par>
-        <p:cTn id="1" dur="indefinite" restart="never" nodeType="tmRoot"/>
-      </p:par>
-    </p:tnLst>
-  </p:timing>
 </p:sld>
 </file>
 
@@ -29017,7 +29360,7 @@
           <a:lstStyle/>
           <a:p>
             <a:r>
-              <a:rPr lang="bg-BG" dirty="0" smtClean="0"/>
+              <a:rPr lang="bg-BG" dirty="0"/>
               <a:t>Обединяване на няколко таблици</a:t>
             </a:r>
             <a:endParaRPr lang="en-US" dirty="0"/>
@@ -29040,7 +29383,7 @@
           <a:lstStyle/>
           <a:p>
             <a:r>
-              <a:rPr lang="bg-BG" dirty="0" smtClean="0"/>
+              <a:rPr lang="bg-BG" dirty="0"/>
               <a:t>По-сложни съединения</a:t>
             </a:r>
             <a:endParaRPr lang="en-US" dirty="0"/>
@@ -29078,21 +29421,14 @@
   <p:clrMapOvr>
     <a:masterClrMapping/>
   </p:clrMapOvr>
-  <mc:AlternateContent xmlns:mc="http://schemas.openxmlformats.org/markup-compatibility/2006">
-    <mc:Choice xmlns:p14="http://schemas.microsoft.com/office/powerpoint/2010/main" xmlns="" Requires="p14">
+  <mc:AlternateContent xmlns:mc="http://schemas.openxmlformats.org/markup-compatibility/2006" xmlns:p14="http://schemas.microsoft.com/office/powerpoint/2010/main">
+    <mc:Choice Requires="p14">
       <p:transition spd="slow" p14:dur="2000" advClick="0" advTm="5000"/>
     </mc:Choice>
-    <mc:Fallback>
+    <mc:Fallback xmlns="">
       <p:transition spd="slow" advClick="0" advTm="5000"/>
     </mc:Fallback>
   </mc:AlternateContent>
-  <p:timing>
-    <p:tnLst>
-      <p:par>
-        <p:cTn id="1" dur="indefinite" restart="never" nodeType="tmRoot"/>
-      </p:par>
-    </p:tnLst>
-  </p:timing>
 </p:sld>
 </file>
 
@@ -29160,15 +29496,31 @@
           <a:lstStyle/>
           <a:p>
             <a:r>
-              <a:rPr lang="bg-BG" dirty="0" smtClean="0"/>
+              <a:rPr lang="bg-BG" dirty="0"/>
               <a:t>Понякога се нуждаем да обединим </a:t>
             </a:r>
             <a:r>
-              <a:rPr lang="ru-RU" dirty="0" smtClean="0"/>
-              <a:t>повече от две таблиците за анализ на </a:t>
-            </a:r>
-            <a:r>
-              <a:rPr lang="ru-RU" b="1" dirty="0" smtClean="0">
+              <a:rPr lang="ru-RU" b="1" dirty="0">
+                <a:solidFill>
+                  <a:schemeClr val="bg1"/>
+                </a:solidFill>
+              </a:rPr>
+              <a:t>повече от две таблици</a:t>
+            </a:r>
+            <a:r>
+              <a:rPr lang="en-US" b="1" dirty="0">
+                <a:solidFill>
+                  <a:schemeClr val="bg1"/>
+                </a:solidFill>
+              </a:rPr>
+              <a:t> </a:t>
+            </a:r>
+            <a:r>
+              <a:rPr lang="ru-RU" dirty="0"/>
+              <a:t>за анализ на </a:t>
+            </a:r>
+            <a:r>
+              <a:rPr lang="ru-RU" b="1" dirty="0">
                 <a:solidFill>
                   <a:schemeClr val="bg1"/>
                 </a:solidFill>
@@ -29176,11 +29528,11 @@
               <a:t>комплексни</a:t>
             </a:r>
             <a:r>
-              <a:rPr lang="ru-RU" dirty="0" smtClean="0"/>
+              <a:rPr lang="ru-RU" dirty="0"/>
               <a:t> </a:t>
             </a:r>
             <a:r>
-              <a:rPr lang="ru-RU" b="1" dirty="0" smtClean="0">
+              <a:rPr lang="ru-RU" b="1" dirty="0">
                 <a:solidFill>
                   <a:schemeClr val="bg1"/>
                 </a:solidFill>
@@ -29190,18 +29542,18 @@
           </a:p>
           <a:p>
             <a:r>
-              <a:rPr lang="ru-RU" dirty="0" smtClean="0"/>
+              <a:rPr lang="ru-RU" dirty="0"/>
               <a:t>Пример:</a:t>
             </a:r>
           </a:p>
           <a:p>
             <a:pPr lvl="1"/>
             <a:r>
-              <a:rPr lang="ru-RU" dirty="0" smtClean="0"/>
+              <a:rPr lang="ru-RU" dirty="0"/>
               <a:t>Имаме таблиците </a:t>
             </a:r>
             <a:r>
-              <a:rPr lang="en-US" b="1" dirty="0" smtClean="0">
+              <a:rPr lang="en-US" b="1" dirty="0">
                 <a:solidFill>
                   <a:schemeClr val="bg1"/>
                 </a:solidFill>
@@ -29209,15 +29561,15 @@
               <a:t>Users</a:t>
             </a:r>
             <a:r>
-              <a:rPr lang="en-US" dirty="0" smtClean="0"/>
+              <a:rPr lang="en-US" dirty="0"/>
               <a:t> </a:t>
             </a:r>
             <a:r>
-              <a:rPr lang="bg-BG" dirty="0" smtClean="0"/>
+              <a:rPr lang="bg-BG" dirty="0"/>
               <a:t>и </a:t>
             </a:r>
             <a:r>
-              <a:rPr lang="en-US" b="1" dirty="0" smtClean="0">
+              <a:rPr lang="en-US" b="1" dirty="0">
                 <a:solidFill>
                   <a:schemeClr val="bg1"/>
                 </a:solidFill>
@@ -29228,15 +29580,15 @@
           <a:p>
             <a:pPr lvl="1"/>
             <a:r>
-              <a:rPr lang="ru-RU" dirty="0" smtClean="0"/>
+              <a:rPr lang="ru-RU" dirty="0"/>
               <a:t>Имаме </a:t>
             </a:r>
             <a:r>
-              <a:rPr lang="bg-BG" dirty="0" smtClean="0"/>
+              <a:rPr lang="bg-BG" dirty="0"/>
               <a:t>свързващата таблица </a:t>
             </a:r>
             <a:r>
-              <a:rPr lang="en-US" b="1" dirty="0" smtClean="0">
+              <a:rPr lang="en-US" b="1" dirty="0">
                 <a:solidFill>
                   <a:schemeClr val="bg1"/>
                 </a:solidFill>
@@ -29262,7 +29614,7 @@
           <a:lstStyle/>
           <a:p>
             <a:r>
-              <a:rPr lang="bg-BG" dirty="0" smtClean="0"/>
+              <a:rPr lang="bg-BG" dirty="0"/>
               <a:t>По-сложни съединения (1)</a:t>
             </a:r>
             <a:endParaRPr lang="en-US" dirty="0"/>
@@ -29274,11 +29626,11 @@
   <p:clrMapOvr>
     <a:masterClrMapping/>
   </p:clrMapOvr>
-  <mc:AlternateContent xmlns:mc="http://schemas.openxmlformats.org/markup-compatibility/2006">
-    <mc:Choice xmlns:p14="http://schemas.microsoft.com/office/powerpoint/2010/main" xmlns="" Requires="p14">
+  <mc:AlternateContent xmlns:mc="http://schemas.openxmlformats.org/markup-compatibility/2006" xmlns:p14="http://schemas.microsoft.com/office/powerpoint/2010/main">
+    <mc:Choice Requires="p14">
       <p:transition spd="slow" p14:dur="2000" advClick="0" advTm="5000"/>
     </mc:Choice>
-    <mc:Fallback>
+    <mc:Fallback xmlns="">
       <p:transition spd="slow" advClick="0" advTm="5000"/>
     </mc:Fallback>
   </mc:AlternateContent>
@@ -29504,11 +29856,11 @@
           <a:lstStyle/>
           <a:p>
             <a:r>
-              <a:rPr lang="ru-RU" dirty="0" smtClean="0"/>
+              <a:rPr lang="ru-RU" dirty="0"/>
               <a:t>Искаме да извлечем следната информация за </a:t>
             </a:r>
             <a:r>
-              <a:rPr lang="ru-RU" b="1" dirty="0" smtClean="0">
+              <a:rPr lang="ru-RU" b="1" dirty="0">
                 <a:solidFill>
                   <a:schemeClr val="bg1"/>
                 </a:solidFill>
@@ -29516,11 +29868,11 @@
               <a:t>всяка</a:t>
             </a:r>
             <a:r>
-              <a:rPr lang="ru-RU" dirty="0" smtClean="0"/>
+              <a:rPr lang="ru-RU" dirty="0"/>
               <a:t> </a:t>
             </a:r>
             <a:r>
-              <a:rPr lang="ru-RU" b="1" dirty="0" smtClean="0">
+              <a:rPr lang="ru-RU" b="1" dirty="0">
                 <a:solidFill>
                   <a:schemeClr val="bg1"/>
                 </a:solidFill>
@@ -29528,45 +29880,45 @@
               <a:t>поръчка</a:t>
             </a:r>
             <a:r>
-              <a:rPr lang="ru-RU" dirty="0" smtClean="0"/>
+              <a:rPr lang="ru-RU" dirty="0"/>
               <a:t>:</a:t>
             </a:r>
-            <a:endParaRPr lang="en-US" dirty="0" smtClean="0"/>
+            <a:endParaRPr lang="en-US" dirty="0"/>
           </a:p>
           <a:p>
             <a:pPr lvl="1"/>
             <a:r>
-              <a:rPr lang="bg-BG" dirty="0" smtClean="0"/>
+              <a:rPr lang="bg-BG" dirty="0"/>
               <a:t>Име на клиента</a:t>
             </a:r>
-            <a:endParaRPr lang="en-US" dirty="0" smtClean="0"/>
+            <a:endParaRPr lang="en-US" dirty="0"/>
           </a:p>
           <a:p>
             <a:pPr lvl="1"/>
             <a:r>
-              <a:rPr lang="bg-BG" dirty="0" smtClean="0"/>
+              <a:rPr lang="bg-BG" dirty="0"/>
               <a:t>Дата на поръчката</a:t>
             </a:r>
           </a:p>
           <a:p>
             <a:pPr lvl="1"/>
             <a:r>
-              <a:rPr lang="bg-BG" dirty="0" smtClean="0"/>
+              <a:rPr lang="bg-BG" dirty="0"/>
               <a:t>Списък на </a:t>
             </a:r>
             <a:r>
-              <a:rPr lang="ru-RU" dirty="0" smtClean="0"/>
+              <a:rPr lang="ru-RU" dirty="0"/>
               <a:t>поръчаните </a:t>
             </a:r>
             <a:r>
-              <a:rPr lang="bg-BG" dirty="0" smtClean="0"/>
+              <a:rPr lang="bg-BG" dirty="0"/>
               <a:t>продукти</a:t>
             </a:r>
           </a:p>
           <a:p>
             <a:pPr lvl="1"/>
             <a:r>
-              <a:rPr lang="ru-RU" dirty="0" smtClean="0"/>
+              <a:rPr lang="ru-RU" dirty="0"/>
               <a:t>Количеството на поръчаните продукти</a:t>
             </a:r>
           </a:p>
@@ -29591,7 +29943,7 @@
           <a:lstStyle/>
           <a:p>
             <a:r>
-              <a:rPr lang="bg-BG" dirty="0" smtClean="0"/>
+              <a:rPr lang="bg-BG" dirty="0"/>
               <a:t>По-сложни съединения (2)</a:t>
             </a:r>
             <a:endParaRPr lang="en-US" dirty="0"/>
@@ -29603,11 +29955,11 @@
   <p:clrMapOvr>
     <a:masterClrMapping/>
   </p:clrMapOvr>
-  <mc:AlternateContent xmlns:mc="http://schemas.openxmlformats.org/markup-compatibility/2006">
-    <mc:Choice xmlns:p14="http://schemas.microsoft.com/office/powerpoint/2010/main" xmlns="" Requires="p14">
+  <mc:AlternateContent xmlns:mc="http://schemas.openxmlformats.org/markup-compatibility/2006" xmlns:p14="http://schemas.microsoft.com/office/powerpoint/2010/main">
+    <mc:Choice Requires="p14">
       <p:transition spd="slow" p14:dur="2000" advClick="0" advTm="5000"/>
     </mc:Choice>
-    <mc:Fallback>
+    <mc:Fallback xmlns="">
       <p:transition spd="slow" advClick="0" advTm="5000"/>
     </mc:Fallback>
   </mc:AlternateContent>
@@ -29850,32 +30202,35 @@
           <a:lstStyle/>
           <a:p>
             <a:r>
-              <a:rPr lang="bg-BG" dirty="0" smtClean="0"/>
+              <a:rPr lang="bg-BG" dirty="0"/>
               <a:t>Заявката може да изглежда така:</a:t>
             </a:r>
           </a:p>
           <a:p>
-            <a:endParaRPr lang="bg-BG" dirty="0" smtClean="0"/>
-          </a:p>
-          <a:p>
-            <a:endParaRPr lang="bg-BG" dirty="0" smtClean="0"/>
-          </a:p>
-          <a:p>
-            <a:endParaRPr lang="bg-BG" dirty="0" smtClean="0"/>
-          </a:p>
-          <a:p>
-            <a:endParaRPr lang="bg-BG" dirty="0" smtClean="0"/>
-          </a:p>
-          <a:p>
-            <a:endParaRPr lang="bg-BG" dirty="0" smtClean="0"/>
-          </a:p>
-          <a:p>
-            <a:r>
-              <a:rPr lang="ru-RU" dirty="0" smtClean="0"/>
+            <a:endParaRPr lang="bg-BG" dirty="0"/>
+          </a:p>
+          <a:p>
+            <a:endParaRPr lang="bg-BG" dirty="0"/>
+          </a:p>
+          <a:p>
+            <a:endParaRPr lang="bg-BG" dirty="0"/>
+          </a:p>
+          <a:p>
+            <a:endParaRPr lang="bg-BG" dirty="0"/>
+          </a:p>
+          <a:p>
+            <a:pPr marL="0" indent="0">
+              <a:buNone/>
+            </a:pPr>
+            <a:endParaRPr lang="bg-BG" dirty="0"/>
+          </a:p>
+          <a:p>
+            <a:r>
+              <a:rPr lang="ru-RU" dirty="0"/>
               <a:t>Свързваме информацията от </a:t>
             </a:r>
             <a:r>
-              <a:rPr lang="ru-RU" b="1" dirty="0" smtClean="0">
+              <a:rPr lang="ru-RU" b="1" dirty="0">
                 <a:solidFill>
                   <a:schemeClr val="bg1"/>
                 </a:solidFill>
@@ -29883,11 +30238,11 @@
               <a:t>трите</a:t>
             </a:r>
             <a:r>
-              <a:rPr lang="ru-RU" dirty="0" smtClean="0"/>
+              <a:rPr lang="ru-RU" dirty="0"/>
               <a:t> таблиците и извличаме желаните данни за </a:t>
             </a:r>
             <a:r>
-              <a:rPr lang="ru-RU" b="1" dirty="0" smtClean="0">
+              <a:rPr lang="ru-RU" b="1" dirty="0">
                 <a:solidFill>
                   <a:schemeClr val="bg1"/>
                 </a:solidFill>
@@ -29918,7 +30273,7 @@
           <a:lstStyle/>
           <a:p>
             <a:r>
-              <a:rPr lang="bg-BG" dirty="0" smtClean="0"/>
+              <a:rPr lang="bg-BG" dirty="0"/>
               <a:t>По-сложни съединения (3)</a:t>
             </a:r>
             <a:endParaRPr lang="en-US" dirty="0"/>
@@ -29973,7 +30328,7 @@
               <a:buSzPct val="70000"/>
             </a:pPr>
             <a:r>
-              <a:rPr lang="en-US" sz="2600" b="1" noProof="1" smtClean="0">
+              <a:rPr lang="en-US" sz="2600" b="1" noProof="1">
                 <a:solidFill>
                   <a:schemeClr val="bg1"/>
                 </a:solidFill>
@@ -29983,7 +30338,7 @@
               <a:t>SELECT </a:t>
             </a:r>
             <a:r>
-              <a:rPr lang="en-US" sz="2600" b="1" noProof="1" smtClean="0">
+              <a:rPr lang="en-US" sz="2600" b="1" noProof="1">
                 <a:latin typeface="Consolas" pitchFamily="49" charset="0"/>
                 <a:cs typeface="Consolas" pitchFamily="49" charset="0"/>
               </a:rPr>
@@ -30001,7 +30356,7 @@
               <a:buSzPct val="70000"/>
             </a:pPr>
             <a:r>
-              <a:rPr lang="en-US" sz="2600" b="1" noProof="1" smtClean="0">
+              <a:rPr lang="en-US" sz="2600" b="1" noProof="1">
                 <a:solidFill>
                   <a:schemeClr val="bg1"/>
                 </a:solidFill>
@@ -30011,7 +30366,7 @@
               <a:t>FROM </a:t>
             </a:r>
             <a:r>
-              <a:rPr lang="en-US" sz="2600" b="1" noProof="1" smtClean="0">
+              <a:rPr lang="en-US" sz="2600" b="1" noProof="1">
                 <a:latin typeface="Consolas" pitchFamily="49" charset="0"/>
                 <a:cs typeface="Consolas" pitchFamily="49" charset="0"/>
               </a:rPr>
@@ -30029,7 +30384,7 @@
               <a:buSzPct val="70000"/>
             </a:pPr>
             <a:r>
-              <a:rPr lang="en-US" sz="2600" b="1" noProof="1" smtClean="0">
+              <a:rPr lang="en-US" sz="2600" b="1" noProof="1">
                 <a:solidFill>
                   <a:schemeClr val="bg1"/>
                 </a:solidFill>
@@ -30039,14 +30394,14 @@
               <a:t>JOIN </a:t>
             </a:r>
             <a:r>
-              <a:rPr lang="en-US" sz="2600" b="1" noProof="1" smtClean="0">
+              <a:rPr lang="en-US" sz="2600" b="1" noProof="1">
                 <a:latin typeface="Consolas" pitchFamily="49" charset="0"/>
                 <a:cs typeface="Consolas" pitchFamily="49" charset="0"/>
               </a:rPr>
               <a:t>Users AS u </a:t>
             </a:r>
             <a:r>
-              <a:rPr lang="en-US" sz="2600" b="1" noProof="1" smtClean="0">
+              <a:rPr lang="en-US" sz="2600" b="1" noProof="1">
                 <a:solidFill>
                   <a:schemeClr val="bg1"/>
                 </a:solidFill>
@@ -30056,7 +30411,7 @@
               <a:t>ON</a:t>
             </a:r>
             <a:r>
-              <a:rPr lang="en-US" sz="2600" b="1" noProof="1" smtClean="0">
+              <a:rPr lang="en-US" sz="2600" b="1" noProof="1">
                 <a:latin typeface="Consolas" pitchFamily="49" charset="0"/>
                 <a:cs typeface="Consolas" pitchFamily="49" charset="0"/>
               </a:rPr>
@@ -30074,7 +30429,7 @@
               <a:buSzPct val="70000"/>
             </a:pPr>
             <a:r>
-              <a:rPr lang="en-US" sz="2600" b="1" noProof="1" smtClean="0">
+              <a:rPr lang="en-US" sz="2600" b="1" noProof="1">
                 <a:solidFill>
                   <a:schemeClr val="bg1"/>
                 </a:solidFill>
@@ -30084,14 +30439,14 @@
               <a:t>JOIN </a:t>
             </a:r>
             <a:r>
-              <a:rPr lang="en-US" sz="2600" b="1" noProof="1" smtClean="0">
+              <a:rPr lang="en-US" sz="2600" b="1" noProof="1">
                 <a:latin typeface="Consolas" pitchFamily="49" charset="0"/>
                 <a:cs typeface="Consolas" pitchFamily="49" charset="0"/>
               </a:rPr>
               <a:t>OrderItems AS oi </a:t>
             </a:r>
             <a:r>
-              <a:rPr lang="en-US" sz="2600" b="1" noProof="1" smtClean="0">
+              <a:rPr lang="en-US" sz="2600" b="1" noProof="1">
                 <a:solidFill>
                   <a:schemeClr val="bg1"/>
                 </a:solidFill>
@@ -30101,7 +30456,7 @@
               <a:t>ON</a:t>
             </a:r>
             <a:r>
-              <a:rPr lang="en-US" sz="2600" b="1" noProof="1" smtClean="0">
+              <a:rPr lang="en-US" sz="2600" b="1" noProof="1">
                 <a:latin typeface="Consolas" pitchFamily="49" charset="0"/>
                 <a:cs typeface="Consolas" pitchFamily="49" charset="0"/>
               </a:rPr>
@@ -30115,7 +30470,7 @@
           <p:cNvPr id="8" name="AutoShape 5">
             <a:extLst>
               <a:ext uri="{FF2B5EF4-FFF2-40B4-BE49-F238E27FC236}">
-                <a16:creationId xmlns="" xmlns:a16="http://schemas.microsoft.com/office/drawing/2014/main" id="{F571EDF2-BA8D-4C84-8360-12467530B87E}"/>
+                <a16:creationId xmlns:a16="http://schemas.microsoft.com/office/drawing/2014/main" id="{F571EDF2-BA8D-4C84-8360-12467530B87E}"/>
               </a:ext>
             </a:extLst>
           </p:cNvPr>
@@ -30127,7 +30482,7 @@
         <p:spPr bwMode="auto">
           <a:xfrm>
             <a:off x="7696200" y="2743200"/>
-            <a:ext cx="2590800" cy="762000"/>
+            <a:ext cx="3581400" cy="838200"/>
           </a:xfrm>
           <a:prstGeom prst="wedgeRoundRectCallout">
             <a:avLst>
@@ -30177,15 +30532,15 @@
           <a:p>
             <a:pPr algn="ctr"/>
             <a:r>
-              <a:rPr lang="bg-BG" sz="2400" b="1" noProof="1" smtClean="0">
+              <a:rPr lang="bg-BG" sz="2400" b="1" noProof="1">
                 <a:solidFill>
                   <a:schemeClr val="bg2"/>
                 </a:solidFill>
               </a:rPr>
-              <a:t>Потребители</a:t>
-            </a:r>
-            <a:r>
-              <a:rPr lang="bg-BG" sz="2400" b="1" noProof="1" smtClean="0">
+              <a:t>Свързваме потребители</a:t>
+            </a:r>
+            <a:r>
+              <a:rPr lang="bg-BG" sz="2400" b="1" noProof="1">
                 <a:solidFill>
                   <a:srgbClr val="FFFFFF"/>
                 </a:solidFill>
@@ -30193,7 +30548,7 @@
               <a:t> </a:t>
             </a:r>
             <a:r>
-              <a:rPr lang="bg-BG" sz="2400" b="1" noProof="1" smtClean="0">
+              <a:rPr lang="bg-BG" sz="2400" b="1" noProof="1">
                 <a:solidFill>
                   <a:srgbClr val="FFFFFF"/>
                 </a:solidFill>
@@ -30208,7 +30563,7 @@
               <a:t>с </a:t>
             </a:r>
             <a:r>
-              <a:rPr lang="bg-BG" sz="2400" b="1" noProof="1" smtClean="0">
+              <a:rPr lang="bg-BG" sz="2400" b="1" noProof="1">
                 <a:solidFill>
                   <a:schemeClr val="bg2"/>
                 </a:solidFill>
@@ -30216,7 +30571,7 @@
               <a:t>поръчките</a:t>
             </a:r>
             <a:r>
-              <a:rPr lang="bg-BG" sz="2400" b="1" noProof="1" smtClean="0">
+              <a:rPr lang="bg-BG" sz="2400" b="1" noProof="1">
                 <a:solidFill>
                   <a:srgbClr val="FFFFFF"/>
                 </a:solidFill>
@@ -30224,7 +30579,7 @@
               <a:t> </a:t>
             </a:r>
             <a:r>
-              <a:rPr lang="bg-BG" sz="2400" b="1" noProof="1" smtClean="0">
+              <a:rPr lang="bg-BG" sz="2400" b="1" noProof="1">
                 <a:solidFill>
                   <a:srgbClr val="FFFFFF"/>
                 </a:solidFill>
@@ -30261,7 +30616,7 @@
           <p:cNvPr id="9" name="AutoShape 5">
             <a:extLst>
               <a:ext uri="{FF2B5EF4-FFF2-40B4-BE49-F238E27FC236}">
-                <a16:creationId xmlns="" xmlns:a16="http://schemas.microsoft.com/office/drawing/2014/main" id="{F571EDF2-BA8D-4C84-8360-12467530B87E}"/>
+                <a16:creationId xmlns:a16="http://schemas.microsoft.com/office/drawing/2014/main" id="{F571EDF2-BA8D-4C84-8360-12467530B87E}"/>
               </a:ext>
             </a:extLst>
           </p:cNvPr>
@@ -30272,8 +30627,8 @@
         </p:nvSpPr>
         <p:spPr bwMode="auto">
           <a:xfrm>
-            <a:off x="3124200" y="4343400"/>
-            <a:ext cx="3505200" cy="685799"/>
+            <a:off x="3124200" y="4343401"/>
+            <a:ext cx="3505200" cy="609600"/>
           </a:xfrm>
           <a:prstGeom prst="wedgeRoundRectCallout">
             <a:avLst>
@@ -30323,7 +30678,7 @@
           <a:p>
             <a:pPr algn="ctr"/>
             <a:r>
-              <a:rPr lang="bg-BG" sz="2400" b="1" noProof="1" smtClean="0">
+              <a:rPr lang="bg-BG" sz="2400" b="1" noProof="1">
                 <a:solidFill>
                   <a:schemeClr val="bg2"/>
                 </a:solidFill>
@@ -30350,11 +30705,11 @@
   <p:clrMapOvr>
     <a:masterClrMapping/>
   </p:clrMapOvr>
-  <mc:AlternateContent xmlns:mc="http://schemas.openxmlformats.org/markup-compatibility/2006">
-    <mc:Choice xmlns:p14="http://schemas.microsoft.com/office/powerpoint/2010/main" xmlns="" Requires="p14">
+  <mc:AlternateContent xmlns:mc="http://schemas.openxmlformats.org/markup-compatibility/2006" xmlns:p14="http://schemas.microsoft.com/office/powerpoint/2010/main">
+    <mc:Choice Requires="p14">
       <p:transition spd="slow" p14:dur="2000" advClick="0" advTm="5000"/>
     </mc:Choice>
-    <mc:Fallback>
+    <mc:Fallback xmlns="">
       <p:transition spd="slow" advClick="0" advTm="5000"/>
     </mc:Fallback>
   </mc:AlternateContent>
@@ -30591,7 +30946,7 @@
           <a:lstStyle/>
           <a:p>
             <a:r>
-              <a:rPr lang="bg-BG" dirty="0" smtClean="0"/>
+              <a:rPr lang="bg-BG" dirty="0"/>
               <a:t>Резултатът:</a:t>
             </a:r>
             <a:endParaRPr lang="en-US" dirty="0"/>
@@ -30614,7 +30969,7 @@
           <a:lstStyle/>
           <a:p>
             <a:r>
-              <a:rPr lang="bg-BG" dirty="0" smtClean="0"/>
+              <a:rPr lang="bg-BG" dirty="0"/>
               <a:t>По-сложни съединения (4)</a:t>
             </a:r>
             <a:endParaRPr lang="en-US" dirty="0"/>
@@ -30630,14 +30985,14 @@
           <p:nvPr>
             <p:extLst>
               <p:ext uri="{D42A27DB-BD31-4B8C-83A1-F6EECF244321}">
-                <p14:modId xmlns="" xmlns:p14="http://schemas.microsoft.com/office/powerpoint/2010/main" val="1102571627"/>
+                <p14:modId xmlns:p14="http://schemas.microsoft.com/office/powerpoint/2010/main" val="3322265950"/>
               </p:ext>
             </p:extLst>
           </p:nvPr>
         </p:nvGraphicFramePr>
         <p:xfrm>
-          <a:off x="2781300" y="2590800"/>
-          <a:ext cx="6629401" cy="2982406"/>
+          <a:off x="1828800" y="2438400"/>
+          <a:ext cx="8534400" cy="3743342"/>
         </p:xfrm>
         <a:graphic>
           <a:graphicData uri="http://schemas.openxmlformats.org/drawingml/2006/table">
@@ -30646,30 +31001,36 @@
                 <a:tableStyleId>{2D5ABB26-0587-4C30-8999-92F81FD0307C}</a:tableStyleId>
               </a:tblPr>
               <a:tblGrid>
-                <a:gridCol w="1559860">
+                <a:gridCol w="2008095">
                   <a:extLst>
                     <a:ext uri="{9D8B030D-6E8A-4147-A177-3AD203B41FA5}">
-                      <a16:colId xmlns="" xmlns:a16="http://schemas.microsoft.com/office/drawing/2014/main" val="20000"/>
+                      <a16:colId xmlns:a16="http://schemas.microsoft.com/office/drawing/2014/main" val="20000"/>
                     </a:ext>
                   </a:extLst>
                 </a:gridCol>
-                <a:gridCol w="1792940">
+                <a:gridCol w="2308152">
                   <a:extLst>
                     <a:ext uri="{9D8B030D-6E8A-4147-A177-3AD203B41FA5}">
-                      <a16:colId xmlns="" xmlns:a16="http://schemas.microsoft.com/office/drawing/2014/main" val="20001"/>
+                      <a16:colId xmlns:a16="http://schemas.microsoft.com/office/drawing/2014/main" val="20001"/>
                     </a:ext>
                   </a:extLst>
                 </a:gridCol>
-                <a:gridCol w="1950721">
+                <a:gridCol w="2511273">
                   <a:extLst>
                     <a:ext uri="{9D8B030D-6E8A-4147-A177-3AD203B41FA5}">
-                      <a16:colId xmlns="" xmlns:a16="http://schemas.microsoft.com/office/drawing/2014/main" val="20002"/>
+                      <a16:colId xmlns:a16="http://schemas.microsoft.com/office/drawing/2014/main" val="20002"/>
                     </a:ext>
                   </a:extLst>
                 </a:gridCol>
-                <a:gridCol w="1325880"/>
+                <a:gridCol w="1706880">
+                  <a:extLst>
+                    <a:ext uri="{9D8B030D-6E8A-4147-A177-3AD203B41FA5}">
+                      <a16:colId xmlns:a16="http://schemas.microsoft.com/office/drawing/2014/main" val="20003"/>
+                    </a:ext>
+                  </a:extLst>
+                </a:gridCol>
               </a:tblGrid>
-              <a:tr h="546073">
+              <a:tr h="685399">
                 <a:tc>
                   <a:txBody>
                     <a:bodyPr/>
@@ -30684,7 +31045,7 @@
                         </a:spcBef>
                       </a:pPr>
                       <a:r>
-                        <a:rPr lang="en-US" sz="2000" b="1" dirty="0" smtClean="0">
+                        <a:rPr lang="en-US" sz="2600" b="1" dirty="0">
                           <a:solidFill>
                             <a:srgbClr val="224464"/>
                           </a:solidFill>
@@ -30693,7 +31054,7 @@
                         </a:rPr>
                         <a:t>Username</a:t>
                       </a:r>
-                      <a:endParaRPr sz="2000" dirty="0">
+                      <a:endParaRPr sz="2600" dirty="0">
                         <a:latin typeface="Calibri"/>
                         <a:cs typeface="Calibri"/>
                       </a:endParaRPr>
@@ -30749,7 +31110,7 @@
                         </a:spcBef>
                       </a:pPr>
                       <a:r>
-                        <a:rPr lang="en-US" sz="2000" b="1" spc="-5" dirty="0" smtClean="0">
+                        <a:rPr lang="en-US" sz="2600" b="1" spc="-5" dirty="0">
                           <a:solidFill>
                             <a:srgbClr val="224464"/>
                           </a:solidFill>
@@ -30758,7 +31119,7 @@
                         </a:rPr>
                         <a:t>OrderDate</a:t>
                       </a:r>
-                      <a:endParaRPr sz="2000" dirty="0">
+                      <a:endParaRPr sz="2600" dirty="0">
                         <a:latin typeface="Calibri"/>
                         <a:cs typeface="Calibri"/>
                       </a:endParaRPr>
@@ -30817,7 +31178,7 @@
                         </a:spcBef>
                       </a:pPr>
                       <a:r>
-                        <a:rPr lang="en-US" sz="2000" b="1" spc="-5" dirty="0" err="1" smtClean="0">
+                        <a:rPr lang="en-US" sz="2600" b="1" spc="-5" dirty="0">
                           <a:solidFill>
                             <a:srgbClr val="224464"/>
                           </a:solidFill>
@@ -30826,7 +31187,7 @@
                         </a:rPr>
                         <a:t>ProductName</a:t>
                       </a:r>
-                      <a:endParaRPr sz="2000" dirty="0">
+                      <a:endParaRPr sz="2600" dirty="0">
                         <a:latin typeface="Calibri"/>
                         <a:cs typeface="Calibri"/>
                       </a:endParaRPr>
@@ -30885,7 +31246,7 @@
                         </a:spcBef>
                       </a:pPr>
                       <a:r>
-                        <a:rPr lang="en-US" sz="2000" b="1" kern="1200" spc="-5" dirty="0" smtClean="0">
+                        <a:rPr lang="en-US" sz="2600" b="1" kern="1200" spc="-5" dirty="0">
                           <a:solidFill>
                             <a:srgbClr val="224464"/>
                           </a:solidFill>
@@ -30895,14 +31256,6 @@
                         </a:rPr>
                         <a:t>Quantity</a:t>
                       </a:r>
-                      <a:endParaRPr lang="en-US" sz="2000" b="1" kern="1200" spc="-5" dirty="0">
-                        <a:solidFill>
-                          <a:srgbClr val="224464"/>
-                        </a:solidFill>
-                        <a:latin typeface="+mn-lt"/>
-                        <a:ea typeface="+mn-ea"/>
-                        <a:cs typeface="Calibri"/>
-                      </a:endParaRPr>
                     </a:p>
                   </a:txBody>
                   <a:tcPr marL="0" marR="0" marT="58419" marB="0" anchor="ctr">
@@ -30944,8 +31297,13 @@
                     </a:solidFill>
                   </a:tcPr>
                 </a:tc>
+                <a:extLst>
+                  <a:ext uri="{0D108BD9-81ED-4DB2-BD59-A6C34878D82A}">
+                    <a16:rowId xmlns:a16="http://schemas.microsoft.com/office/drawing/2014/main" val="10000"/>
+                  </a:ext>
+                </a:extLst>
               </a:tr>
-              <a:tr h="546073">
+              <a:tr h="685399">
                 <a:tc>
                   <a:txBody>
                     <a:bodyPr/>
@@ -30960,7 +31318,7 @@
                         </a:spcBef>
                       </a:pPr>
                       <a:r>
-                        <a:rPr lang="en-US" sz="2000" dirty="0" smtClean="0">
+                        <a:rPr lang="en-US" sz="2600" dirty="0">
                           <a:solidFill>
                             <a:srgbClr val="224464"/>
                           </a:solidFill>
@@ -30969,7 +31327,7 @@
                         </a:rPr>
                         <a:t>  John</a:t>
                       </a:r>
-                      <a:endParaRPr sz="2000" dirty="0">
+                      <a:endParaRPr sz="2600" dirty="0">
                         <a:latin typeface="Calibri"/>
                         <a:cs typeface="Calibri"/>
                       </a:endParaRPr>
@@ -31022,7 +31380,7 @@
                         </a:spcBef>
                       </a:pPr>
                       <a:r>
-                        <a:rPr lang="en-US" sz="2000" spc="-20" dirty="0" smtClean="0">
+                        <a:rPr lang="en-US" sz="2600" spc="-20" dirty="0">
                           <a:solidFill>
                             <a:srgbClr val="224464"/>
                           </a:solidFill>
@@ -31031,7 +31389,7 @@
                         </a:rPr>
                         <a:t>2023-01-10</a:t>
                       </a:r>
-                      <a:endParaRPr sz="2000" dirty="0">
+                      <a:endParaRPr sz="2600" dirty="0">
                         <a:latin typeface="Calibri"/>
                         <a:cs typeface="Calibri"/>
                       </a:endParaRPr>
@@ -31087,7 +31445,7 @@
                         </a:spcBef>
                       </a:pPr>
                       <a:r>
-                        <a:rPr lang="en-US" sz="2000" spc="-5" dirty="0" smtClean="0">
+                        <a:rPr lang="en-US" sz="2600" spc="-5" dirty="0">
                           <a:solidFill>
                             <a:srgbClr val="224464"/>
                           </a:solidFill>
@@ -31096,7 +31454,7 @@
                         </a:rPr>
                         <a:t>  TV</a:t>
                       </a:r>
-                      <a:endParaRPr sz="2000" dirty="0">
+                      <a:endParaRPr sz="2600" dirty="0">
                         <a:latin typeface="Calibri"/>
                         <a:cs typeface="Calibri"/>
                       </a:endParaRPr>
@@ -31152,13 +31510,13 @@
                         </a:spcBef>
                       </a:pPr>
                       <a:r>
-                        <a:rPr lang="en-US" sz="2000" dirty="0" smtClean="0">
+                        <a:rPr lang="en-US" sz="2600" dirty="0">
                           <a:latin typeface="Calibri"/>
                           <a:cs typeface="Calibri"/>
                         </a:rPr>
                         <a:t>  1</a:t>
                       </a:r>
-                      <a:endParaRPr sz="2000" dirty="0">
+                      <a:endParaRPr sz="2600" dirty="0">
                         <a:latin typeface="Calibri"/>
                         <a:cs typeface="Calibri"/>
                       </a:endParaRPr>
@@ -31202,11 +31560,11 @@
                 </a:tc>
                 <a:extLst>
                   <a:ext uri="{0D108BD9-81ED-4DB2-BD59-A6C34878D82A}">
-                    <a16:rowId xmlns="" xmlns:a16="http://schemas.microsoft.com/office/drawing/2014/main" val="10001"/>
+                    <a16:rowId xmlns:a16="http://schemas.microsoft.com/office/drawing/2014/main" val="10001"/>
                   </a:ext>
                 </a:extLst>
               </a:tr>
-              <a:tr h="472565">
+              <a:tr h="593136">
                 <a:tc>
                   <a:txBody>
                     <a:bodyPr/>
@@ -31221,7 +31579,7 @@
                         </a:spcBef>
                       </a:pPr>
                       <a:r>
-                        <a:rPr lang="en-US" sz="2000" dirty="0" smtClean="0">
+                        <a:rPr lang="en-US" sz="2600" dirty="0">
                           <a:solidFill>
                             <a:srgbClr val="224464"/>
                           </a:solidFill>
@@ -31230,7 +31588,7 @@
                         </a:rPr>
                         <a:t>  Peter</a:t>
                       </a:r>
-                      <a:endParaRPr sz="2000" dirty="0">
+                      <a:endParaRPr sz="2600" dirty="0">
                         <a:latin typeface="Calibri"/>
                         <a:cs typeface="Calibri"/>
                       </a:endParaRPr>
@@ -31280,7 +31638,7 @@
                         </a:spcBef>
                       </a:pPr>
                       <a:r>
-                        <a:rPr lang="en-US" sz="2000" spc="-20" dirty="0" smtClean="0">
+                        <a:rPr lang="en-US" sz="2600" spc="-20" dirty="0">
                           <a:solidFill>
                             <a:srgbClr val="224464"/>
                           </a:solidFill>
@@ -31289,7 +31647,7 @@
                         </a:rPr>
                         <a:t>2023-04-12</a:t>
                       </a:r>
-                      <a:endParaRPr sz="2000" dirty="0">
+                      <a:endParaRPr sz="2600" dirty="0">
                         <a:latin typeface="Calibri"/>
                         <a:cs typeface="Calibri"/>
                       </a:endParaRPr>
@@ -31339,7 +31697,7 @@
                         </a:spcBef>
                       </a:pPr>
                       <a:r>
-                        <a:rPr lang="en-US" sz="2000" spc="-10" dirty="0" smtClean="0">
+                        <a:rPr lang="en-US" sz="2600" spc="-10" dirty="0">
                           <a:solidFill>
                             <a:srgbClr val="224464"/>
                           </a:solidFill>
@@ -31348,7 +31706,7 @@
                         </a:rPr>
                         <a:t>  Smartphone</a:t>
                       </a:r>
-                      <a:endParaRPr sz="2000" dirty="0">
+                      <a:endParaRPr sz="2600" dirty="0">
                         <a:latin typeface="Calibri"/>
                         <a:cs typeface="Calibri"/>
                       </a:endParaRPr>
@@ -31401,13 +31759,13 @@
                         </a:spcBef>
                       </a:pPr>
                       <a:r>
-                        <a:rPr lang="en-US" sz="2000" dirty="0" smtClean="0">
+                        <a:rPr lang="en-US" sz="2600" dirty="0">
                           <a:latin typeface="Calibri"/>
                           <a:cs typeface="Calibri"/>
                         </a:rPr>
                         <a:t>  2</a:t>
                       </a:r>
-                      <a:endParaRPr sz="2000" dirty="0">
+                      <a:endParaRPr sz="2600" dirty="0">
                         <a:latin typeface="Calibri"/>
                         <a:cs typeface="Calibri"/>
                       </a:endParaRPr>
@@ -31448,11 +31806,11 @@
                 </a:tc>
                 <a:extLst>
                   <a:ext uri="{0D108BD9-81ED-4DB2-BD59-A6C34878D82A}">
-                    <a16:rowId xmlns="" xmlns:a16="http://schemas.microsoft.com/office/drawing/2014/main" val="10002"/>
+                    <a16:rowId xmlns:a16="http://schemas.microsoft.com/office/drawing/2014/main" val="10002"/>
                   </a:ext>
                 </a:extLst>
               </a:tr>
-              <a:tr h="472565">
+              <a:tr h="593136">
                 <a:tc>
                   <a:txBody>
                     <a:bodyPr/>
@@ -31467,13 +31825,13 @@
                         </a:spcBef>
                       </a:pPr>
                       <a:r>
-                        <a:rPr lang="en-US" sz="2000" dirty="0" smtClean="0">
+                        <a:rPr lang="en-US" sz="2600" dirty="0">
                           <a:latin typeface="Calibri"/>
                           <a:cs typeface="Calibri"/>
                         </a:rPr>
                         <a:t>  Gosho</a:t>
                       </a:r>
-                      <a:endParaRPr sz="2000" dirty="0">
+                      <a:endParaRPr sz="2600" dirty="0">
                         <a:latin typeface="Calibri"/>
                         <a:cs typeface="Calibri"/>
                       </a:endParaRPr>
@@ -31526,7 +31884,7 @@
                         </a:spcBef>
                       </a:pPr>
                       <a:r>
-                        <a:rPr lang="en-US" sz="2000" spc="-20" dirty="0" smtClean="0">
+                        <a:rPr lang="en-US" sz="2600" spc="-20" dirty="0">
                           <a:solidFill>
                             <a:srgbClr val="224464"/>
                           </a:solidFill>
@@ -31535,7 +31893,7 @@
                         </a:rPr>
                         <a:t>2023-10-12</a:t>
                       </a:r>
-                      <a:endParaRPr sz="2000" dirty="0">
+                      <a:endParaRPr sz="2600" dirty="0">
                         <a:latin typeface="Calibri"/>
                         <a:cs typeface="Calibri"/>
                       </a:endParaRPr>
@@ -31591,13 +31949,13 @@
                         </a:spcBef>
                       </a:pPr>
                       <a:r>
-                        <a:rPr lang="en-US" sz="2000" dirty="0" smtClean="0">
+                        <a:rPr lang="en-US" sz="2600" dirty="0">
                           <a:latin typeface="Calibri"/>
                           <a:cs typeface="Calibri"/>
                         </a:rPr>
                         <a:t>  Table</a:t>
                       </a:r>
-                      <a:endParaRPr sz="2000" dirty="0">
+                      <a:endParaRPr sz="2600" dirty="0">
                         <a:latin typeface="Calibri"/>
                         <a:cs typeface="Calibri"/>
                       </a:endParaRPr>
@@ -31653,13 +32011,13 @@
                         </a:spcBef>
                       </a:pPr>
                       <a:r>
-                        <a:rPr lang="en-US" sz="2000" dirty="0" smtClean="0">
+                        <a:rPr lang="en-US" sz="2600" dirty="0">
                           <a:latin typeface="Calibri"/>
                           <a:cs typeface="Calibri"/>
                         </a:rPr>
                         <a:t>  1</a:t>
                       </a:r>
-                      <a:endParaRPr sz="2000" dirty="0">
+                      <a:endParaRPr sz="2600" dirty="0">
                         <a:latin typeface="Calibri"/>
                         <a:cs typeface="Calibri"/>
                       </a:endParaRPr>
@@ -31701,8 +32059,13 @@
                     </a:lnB>
                   </a:tcPr>
                 </a:tc>
+                <a:extLst>
+                  <a:ext uri="{0D108BD9-81ED-4DB2-BD59-A6C34878D82A}">
+                    <a16:rowId xmlns:a16="http://schemas.microsoft.com/office/drawing/2014/main" val="10003"/>
+                  </a:ext>
+                </a:extLst>
               </a:tr>
-              <a:tr h="472565">
+              <a:tr h="593136">
                 <a:tc>
                   <a:txBody>
                     <a:bodyPr/>
@@ -31717,13 +32080,13 @@
                         </a:spcBef>
                       </a:pPr>
                       <a:r>
-                        <a:rPr lang="en-US" sz="2000" dirty="0" smtClean="0">
+                        <a:rPr lang="en-US" sz="2600" dirty="0">
                           <a:latin typeface="Calibri"/>
                           <a:cs typeface="Calibri"/>
                         </a:rPr>
                         <a:t>  Ivan</a:t>
                       </a:r>
-                      <a:endParaRPr sz="2000" dirty="0">
+                      <a:endParaRPr sz="2600" dirty="0">
                         <a:latin typeface="Calibri"/>
                         <a:cs typeface="Calibri"/>
                       </a:endParaRPr>
@@ -31776,7 +32139,7 @@
                         </a:spcBef>
                       </a:pPr>
                       <a:r>
-                        <a:rPr lang="en-US" sz="2000" spc="-20" dirty="0" smtClean="0">
+                        <a:rPr lang="en-US" sz="2600" spc="-20" dirty="0">
                           <a:solidFill>
                             <a:srgbClr val="224464"/>
                           </a:solidFill>
@@ -31785,7 +32148,7 @@
                         </a:rPr>
                         <a:t>2023-07-06</a:t>
                       </a:r>
-                      <a:endParaRPr sz="2000" dirty="0">
+                      <a:endParaRPr sz="2600" dirty="0">
                         <a:latin typeface="Calibri"/>
                         <a:cs typeface="Calibri"/>
                       </a:endParaRPr>
@@ -31841,13 +32204,13 @@
                         </a:spcBef>
                       </a:pPr>
                       <a:r>
-                        <a:rPr lang="en-US" sz="2000" dirty="0" smtClean="0">
+                        <a:rPr lang="en-US" sz="2600" dirty="0">
                           <a:latin typeface="Calibri"/>
                           <a:cs typeface="Calibri"/>
                         </a:rPr>
                         <a:t>  Sofa</a:t>
                       </a:r>
-                      <a:endParaRPr sz="2000" dirty="0">
+                      <a:endParaRPr sz="2600" dirty="0">
                         <a:latin typeface="Calibri"/>
                         <a:cs typeface="Calibri"/>
                       </a:endParaRPr>
@@ -31903,13 +32266,13 @@
                         </a:spcBef>
                       </a:pPr>
                       <a:r>
-                        <a:rPr lang="en-US" sz="2000" dirty="0" smtClean="0">
+                        <a:rPr lang="en-US" sz="2600" dirty="0">
                           <a:latin typeface="Calibri"/>
                           <a:cs typeface="Calibri"/>
                         </a:rPr>
                         <a:t>  4</a:t>
                       </a:r>
-                      <a:endParaRPr sz="2000" dirty="0">
+                      <a:endParaRPr sz="2600" dirty="0">
                         <a:latin typeface="Calibri"/>
                         <a:cs typeface="Calibri"/>
                       </a:endParaRPr>
@@ -31951,8 +32314,13 @@
                     </a:lnB>
                   </a:tcPr>
                 </a:tc>
+                <a:extLst>
+                  <a:ext uri="{0D108BD9-81ED-4DB2-BD59-A6C34878D82A}">
+                    <a16:rowId xmlns:a16="http://schemas.microsoft.com/office/drawing/2014/main" val="10004"/>
+                  </a:ext>
+                </a:extLst>
               </a:tr>
-              <a:tr h="472565">
+              <a:tr h="593136">
                 <a:tc>
                   <a:txBody>
                     <a:bodyPr/>
@@ -31967,20 +32335,20 @@
                         </a:spcBef>
                       </a:pPr>
                       <a:r>
-                        <a:rPr lang="en-US" sz="2000" dirty="0" smtClean="0">
+                        <a:rPr lang="en-US" sz="2600" dirty="0">
                           <a:latin typeface="Calibri"/>
                           <a:cs typeface="Calibri"/>
                         </a:rPr>
                         <a:t>  </a:t>
                       </a:r>
                       <a:r>
-                        <a:rPr lang="en-US" sz="2000" dirty="0" err="1" smtClean="0">
+                        <a:rPr lang="en-US" sz="2600" dirty="0" err="1">
                           <a:latin typeface="Calibri"/>
                           <a:cs typeface="Calibri"/>
                         </a:rPr>
                         <a:t>Pesho</a:t>
                       </a:r>
-                      <a:endParaRPr sz="2000" dirty="0">
+                      <a:endParaRPr sz="2600" dirty="0">
                         <a:latin typeface="Calibri"/>
                         <a:cs typeface="Calibri"/>
                       </a:endParaRPr>
@@ -32030,7 +32398,7 @@
                         </a:spcBef>
                       </a:pPr>
                       <a:r>
-                        <a:rPr lang="en-US" sz="2000" spc="-20" dirty="0" smtClean="0">
+                        <a:rPr lang="en-US" sz="2600" spc="-20" dirty="0">
                           <a:solidFill>
                             <a:srgbClr val="224464"/>
                           </a:solidFill>
@@ -32039,7 +32407,7 @@
                         </a:rPr>
                         <a:t>2023-02-11</a:t>
                       </a:r>
-                      <a:endParaRPr sz="2000" dirty="0">
+                      <a:endParaRPr sz="2600" dirty="0">
                         <a:latin typeface="Calibri"/>
                         <a:cs typeface="Calibri"/>
                       </a:endParaRPr>
@@ -32092,13 +32460,13 @@
                         </a:spcBef>
                       </a:pPr>
                       <a:r>
-                        <a:rPr lang="en-US" sz="2000" dirty="0" smtClean="0">
+                        <a:rPr lang="en-US" sz="2600" dirty="0">
                           <a:latin typeface="Calibri"/>
                           <a:cs typeface="Calibri"/>
                         </a:rPr>
                         <a:t>  Speakers</a:t>
                       </a:r>
-                      <a:endParaRPr sz="2000" dirty="0">
+                      <a:endParaRPr sz="2600" dirty="0">
                         <a:latin typeface="Calibri"/>
                         <a:cs typeface="Calibri"/>
                       </a:endParaRPr>
@@ -32151,13 +32519,13 @@
                         </a:spcBef>
                       </a:pPr>
                       <a:r>
-                        <a:rPr lang="en-US" sz="2000" dirty="0" smtClean="0">
+                        <a:rPr lang="en-US" sz="2600" dirty="0">
                           <a:latin typeface="Calibri"/>
                           <a:cs typeface="Calibri"/>
                         </a:rPr>
                         <a:t>  3</a:t>
                       </a:r>
-                      <a:endParaRPr sz="2000" dirty="0">
+                      <a:endParaRPr sz="2600" dirty="0">
                         <a:latin typeface="Calibri"/>
                         <a:cs typeface="Calibri"/>
                       </a:endParaRPr>
@@ -32196,6 +32564,11 @@
                     </a:lnB>
                   </a:tcPr>
                 </a:tc>
+                <a:extLst>
+                  <a:ext uri="{0D108BD9-81ED-4DB2-BD59-A6C34878D82A}">
+                    <a16:rowId xmlns:a16="http://schemas.microsoft.com/office/drawing/2014/main" val="10005"/>
+                  </a:ext>
+                </a:extLst>
               </a:tr>
             </a:tbl>
           </a:graphicData>
@@ -32206,21 +32579,14 @@
   <p:clrMapOvr>
     <a:masterClrMapping/>
   </p:clrMapOvr>
-  <mc:AlternateContent xmlns:mc="http://schemas.openxmlformats.org/markup-compatibility/2006">
-    <mc:Choice xmlns:p14="http://schemas.microsoft.com/office/powerpoint/2010/main" xmlns="" Requires="p14">
+  <mc:AlternateContent xmlns:mc="http://schemas.openxmlformats.org/markup-compatibility/2006" xmlns:p14="http://schemas.microsoft.com/office/powerpoint/2010/main">
+    <mc:Choice Requires="p14">
       <p:transition spd="slow" p14:dur="2000" advClick="0" advTm="5000"/>
     </mc:Choice>
-    <mc:Fallback>
+    <mc:Fallback xmlns="">
       <p:transition spd="slow" advClick="0" advTm="5000"/>
     </mc:Fallback>
   </mc:AlternateContent>
-  <p:timing>
-    <p:tnLst>
-      <p:par>
-        <p:cTn id="1" dur="indefinite" restart="never" nodeType="tmRoot"/>
-      </p:par>
-    </p:tnLst>
-  </p:timing>
 </p:sld>
 </file>
 
@@ -32267,7 +32633,7 @@
             <a:blip r:embed="rId3" cstate="print">
               <a:extLst>
                 <a:ext uri="{28A0092B-C50C-407E-A947-70E740481C1C}">
-                  <a14:useLocalDpi xmlns="" xmlns:a14="http://schemas.microsoft.com/office/drawing/2010/main" val="0"/>
+                  <a14:useLocalDpi xmlns:a14="http://schemas.microsoft.com/office/drawing/2010/main" val="0"/>
                 </a:ext>
               </a:extLst>
             </a:blip>
@@ -32297,7 +32663,7 @@
             <a:blip r:embed="rId4" cstate="print">
               <a:extLst>
                 <a:ext uri="{BEBA8EAE-BF5A-486C-A8C5-ECC9F3942E4B}">
-                  <a14:imgProps xmlns="" xmlns:a14="http://schemas.microsoft.com/office/drawing/2010/main">
+                  <a14:imgProps xmlns:a14="http://schemas.microsoft.com/office/drawing/2010/main">
                     <a14:imgLayer r:embed="rId5">
                       <a14:imgEffect>
                         <a14:brightnessContrast bright="13000"/>
@@ -32306,7 +32672,7 @@
                   </a14:imgProps>
                 </a:ext>
                 <a:ext uri="{28A0092B-C50C-407E-A947-70E740481C1C}">
-                  <a14:useLocalDpi xmlns="" xmlns:a14="http://schemas.microsoft.com/office/drawing/2010/main" val="0"/>
+                  <a14:useLocalDpi xmlns:a14="http://schemas.microsoft.com/office/drawing/2010/main" val="0"/>
                 </a:ext>
               </a:extLst>
             </a:blip>
@@ -32336,7 +32702,7 @@
             <a:blip r:embed="rId6" cstate="print">
               <a:extLst>
                 <a:ext uri="{BEBA8EAE-BF5A-486C-A8C5-ECC9F3942E4B}">
-                  <a14:imgProps xmlns="" xmlns:a14="http://schemas.microsoft.com/office/drawing/2010/main">
+                  <a14:imgProps xmlns:a14="http://schemas.microsoft.com/office/drawing/2010/main">
                     <a14:imgLayer r:embed="rId7">
                       <a14:imgEffect>
                         <a14:brightnessContrast bright="37000"/>
@@ -32345,7 +32711,7 @@
                   </a14:imgProps>
                 </a:ext>
                 <a:ext uri="{28A0092B-C50C-407E-A947-70E740481C1C}">
-                  <a14:useLocalDpi xmlns="" xmlns:a14="http://schemas.microsoft.com/office/drawing/2010/main" val="0"/>
+                  <a14:useLocalDpi xmlns:a14="http://schemas.microsoft.com/office/drawing/2010/main" val="0"/>
                 </a:ext>
               </a:extLst>
             </a:blip>
@@ -32369,7 +32735,7 @@
           <p:cNvPr id="4" name="Title 3">
             <a:extLst>
               <a:ext uri="{FF2B5EF4-FFF2-40B4-BE49-F238E27FC236}">
-                <a16:creationId xmlns="" xmlns:a16="http://schemas.microsoft.com/office/drawing/2014/main" id="{84B15084-1EDB-45FA-849F-A9E6D1C9F87D}"/>
+                <a16:creationId xmlns:a16="http://schemas.microsoft.com/office/drawing/2014/main" id="{84B15084-1EDB-45FA-849F-A9E6D1C9F87D}"/>
               </a:ext>
             </a:extLst>
           </p:cNvPr>
@@ -32386,7 +32752,7 @@
           <a:lstStyle/>
           <a:p>
             <a:r>
-              <a:rPr lang="bg-BG" dirty="0" smtClean="0"/>
+              <a:rPr lang="bg-BG" dirty="0"/>
               <a:t>Вложени заявки</a:t>
             </a:r>
             <a:endParaRPr lang="en-GB" dirty="0"/>
@@ -32398,7 +32764,7 @@
           <p:cNvPr id="7" name="Subtitle 6">
             <a:extLst>
               <a:ext uri="{FF2B5EF4-FFF2-40B4-BE49-F238E27FC236}">
-                <a16:creationId xmlns="" xmlns:a16="http://schemas.microsoft.com/office/drawing/2014/main" id="{B164C44A-7219-435E-914F-0B59FC8DBFCA}"/>
+                <a16:creationId xmlns:a16="http://schemas.microsoft.com/office/drawing/2014/main" id="{B164C44A-7219-435E-914F-0B59FC8DBFCA}"/>
               </a:ext>
             </a:extLst>
           </p:cNvPr>
@@ -32415,7 +32781,7 @@
           <a:lstStyle/>
           <a:p>
             <a:r>
-              <a:rPr lang="ru-RU" dirty="0" smtClean="0"/>
+              <a:rPr lang="ru-RU" dirty="0"/>
               <a:t>Манипулиране на заявки на множество нива</a:t>
             </a:r>
             <a:endParaRPr lang="en-GB" dirty="0"/>
@@ -32425,28 +32791,21 @@
     </p:spTree>
     <p:extLst>
       <p:ext uri="{BB962C8B-B14F-4D97-AF65-F5344CB8AC3E}">
-        <p14:creationId xmlns="" xmlns:p14="http://schemas.microsoft.com/office/powerpoint/2010/main" val="969028049"/>
+        <p14:creationId xmlns:p14="http://schemas.microsoft.com/office/powerpoint/2010/main" val="969028049"/>
       </p:ext>
     </p:extLst>
   </p:cSld>
   <p:clrMapOvr>
     <a:masterClrMapping/>
   </p:clrMapOvr>
-  <mc:AlternateContent xmlns:mc="http://schemas.openxmlformats.org/markup-compatibility/2006">
-    <mc:Choice xmlns="" xmlns:p14="http://schemas.microsoft.com/office/powerpoint/2010/main" Requires="p14">
+  <mc:AlternateContent xmlns:mc="http://schemas.openxmlformats.org/markup-compatibility/2006" xmlns:p14="http://schemas.microsoft.com/office/powerpoint/2010/main">
+    <mc:Choice Requires="p14">
       <p:transition spd="slow" p14:dur="2000" advClick="0" advTm="5000"/>
     </mc:Choice>
-    <mc:Fallback>
+    <mc:Fallback xmlns="">
       <p:transition spd="slow" advClick="0" advTm="5000"/>
     </mc:Fallback>
   </mc:AlternateContent>
-  <p:timing>
-    <p:tnLst>
-      <p:par>
-        <p:cTn id="1" dur="indefinite" restart="never" nodeType="tmRoot"/>
-      </p:par>
-    </p:tnLst>
-  </p:timing>
 </p:sld>
 </file>
 
@@ -32472,7 +32831,7 @@
           <p:cNvPr id="9" name="Content Placeholder 8">
             <a:extLst>
               <a:ext uri="{FF2B5EF4-FFF2-40B4-BE49-F238E27FC236}">
-                <a16:creationId xmlns="" xmlns:a16="http://schemas.microsoft.com/office/drawing/2014/main" id="{174334DD-7BAB-4A22-AE78-E4D6B4A60AD0}"/>
+                <a16:creationId xmlns:a16="http://schemas.microsoft.com/office/drawing/2014/main" id="{174334DD-7BAB-4A22-AE78-E4D6B4A60AD0}"/>
               </a:ext>
             </a:extLst>
           </p:cNvPr>
@@ -32494,10 +32853,34 @@
           <a:lstStyle/>
           <a:p>
             <a:r>
-              <a:rPr lang="ru-RU" dirty="0" smtClean="0"/>
-              <a:t>Използваме резултата от заявка като данни за друга заявка</a:t>
-            </a:r>
-            <a:endParaRPr lang="en-US" dirty="0"/>
+              <a:rPr lang="ru-RU" dirty="0"/>
+              <a:t>Използваме </a:t>
+            </a:r>
+            <a:r>
+              <a:rPr lang="ru-RU" b="1" dirty="0">
+                <a:solidFill>
+                  <a:schemeClr val="bg1"/>
+                </a:solidFill>
+              </a:rPr>
+              <a:t>резултата</a:t>
+            </a:r>
+            <a:r>
+              <a:rPr lang="ru-RU" dirty="0"/>
+              <a:t> от заявка като </a:t>
+            </a:r>
+            <a:r>
+              <a:rPr lang="ru-RU" b="1" dirty="0">
+                <a:solidFill>
+                  <a:schemeClr val="bg1"/>
+                </a:solidFill>
+              </a:rPr>
+              <a:t>данни за друга заявка</a:t>
+            </a:r>
+            <a:endParaRPr lang="en-US" b="1" dirty="0">
+              <a:solidFill>
+                <a:schemeClr val="bg1"/>
+              </a:solidFill>
+            </a:endParaRPr>
           </a:p>
         </p:txBody>
       </p:sp>
@@ -32517,10 +32900,9 @@
           <a:lstStyle/>
           <a:p>
             <a:r>
-              <a:rPr lang="bg-BG" dirty="0" smtClean="0"/>
+              <a:rPr lang="bg-BG" dirty="0"/>
               <a:t>Подзаявки</a:t>
             </a:r>
-            <a:endParaRPr lang="bg-BG" dirty="0"/>
           </a:p>
         </p:txBody>
       </p:sp>
@@ -32530,7 +32912,13 @@
           <p:cNvGraphicFramePr>
             <a:graphicFrameLocks noGrp="1"/>
           </p:cNvGraphicFramePr>
-          <p:nvPr/>
+          <p:nvPr>
+            <p:extLst>
+              <p:ext uri="{D42A27DB-BD31-4B8C-83A1-F6EECF244321}">
+                <p14:modId xmlns:p14="http://schemas.microsoft.com/office/powerpoint/2010/main" val="77447268"/>
+              </p:ext>
+            </p:extLst>
+          </p:nvPr>
         </p:nvGraphicFramePr>
         <p:xfrm>
           <a:off x="2235197" y="2946399"/>
@@ -32546,14 +32934,14 @@
                 <a:gridCol w="1704814">
                   <a:extLst>
                     <a:ext uri="{9D8B030D-6E8A-4147-A177-3AD203B41FA5}">
-                      <a16:colId xmlns="" xmlns:a16="http://schemas.microsoft.com/office/drawing/2014/main" val="1594468805"/>
+                      <a16:colId xmlns:a16="http://schemas.microsoft.com/office/drawing/2014/main" val="1594468805"/>
                     </a:ext>
                   </a:extLst>
                 </a:gridCol>
                 <a:gridCol w="2486186">
                   <a:extLst>
                     <a:ext uri="{9D8B030D-6E8A-4147-A177-3AD203B41FA5}">
-                      <a16:colId xmlns="" xmlns:a16="http://schemas.microsoft.com/office/drawing/2014/main" val="683614382"/>
+                      <a16:colId xmlns:a16="http://schemas.microsoft.com/office/drawing/2014/main" val="683614382"/>
                     </a:ext>
                   </a:extLst>
                 </a:gridCol>
@@ -32566,7 +32954,7 @@
                     <a:p>
                       <a:pPr algn="ctr"/>
                       <a:r>
-                        <a:rPr lang="en-US" noProof="1" smtClean="0">
+                        <a:rPr lang="en-US" noProof="1">
                           <a:solidFill>
                             <a:schemeClr val="tx1"/>
                           </a:solidFill>
@@ -32575,16 +32963,27 @@
                         </a:rPr>
                         <a:t>Id</a:t>
                       </a:r>
-                      <a:endParaRPr lang="en-US" noProof="1">
-                        <a:solidFill>
-                          <a:schemeClr val="tx1"/>
-                        </a:solidFill>
-                        <a:effectLst/>
-                        <a:latin typeface="+mj-lt"/>
-                      </a:endParaRPr>
                     </a:p>
                   </a:txBody>
                   <a:tcPr anchor="ctr">
+                    <a:lnL w="12700" cap="flat" cmpd="sng" algn="ctr">
+                      <a:solidFill>
+                        <a:schemeClr val="tx1"/>
+                      </a:solidFill>
+                      <a:prstDash val="solid"/>
+                      <a:round/>
+                      <a:headEnd type="none" w="med" len="med"/>
+                      <a:tailEnd type="none" w="med" len="med"/>
+                    </a:lnL>
+                    <a:lnT w="12700" cap="flat" cmpd="sng" algn="ctr">
+                      <a:solidFill>
+                        <a:schemeClr val="tx1"/>
+                      </a:solidFill>
+                      <a:prstDash val="solid"/>
+                      <a:round/>
+                      <a:headEnd type="none" w="med" len="med"/>
+                      <a:tailEnd type="none" w="med" len="med"/>
+                    </a:lnT>
                     <a:solidFill>
                       <a:srgbClr val="D1D5DD"/>
                     </a:solidFill>
@@ -32609,6 +33008,24 @@
                     </a:p>
                   </a:txBody>
                   <a:tcPr anchor="ctr">
+                    <a:lnR w="12700" cap="flat" cmpd="sng" algn="ctr">
+                      <a:solidFill>
+                        <a:schemeClr val="tx1"/>
+                      </a:solidFill>
+                      <a:prstDash val="solid"/>
+                      <a:round/>
+                      <a:headEnd type="none" w="med" len="med"/>
+                      <a:tailEnd type="none" w="med" len="med"/>
+                    </a:lnR>
+                    <a:lnT w="12700" cap="flat" cmpd="sng" algn="ctr">
+                      <a:solidFill>
+                        <a:schemeClr val="tx1"/>
+                      </a:solidFill>
+                      <a:prstDash val="solid"/>
+                      <a:round/>
+                      <a:headEnd type="none" w="med" len="med"/>
+                      <a:tailEnd type="none" w="med" len="med"/>
+                    </a:lnT>
                     <a:solidFill>
                       <a:srgbClr val="D1D5DD"/>
                     </a:solidFill>
@@ -32616,7 +33033,7 @@
                 </a:tc>
                 <a:extLst>
                   <a:ext uri="{0D108BD9-81ED-4DB2-BD59-A6C34878D82A}">
-                    <a16:rowId xmlns="" xmlns:a16="http://schemas.microsoft.com/office/drawing/2014/main" val="1969825376"/>
+                    <a16:rowId xmlns:a16="http://schemas.microsoft.com/office/drawing/2014/main" val="1969825376"/>
                   </a:ext>
                 </a:extLst>
               </a:tr>
@@ -32640,7 +33057,21 @@
                       </a:endParaRPr>
                     </a:p>
                   </a:txBody>
-                  <a:tcPr anchor="ctr"/>
+                  <a:tcPr anchor="ctr">
+                    <a:lnL w="12700" cap="flat" cmpd="sng" algn="ctr">
+                      <a:solidFill>
+                        <a:schemeClr val="tx1"/>
+                      </a:solidFill>
+                      <a:prstDash val="solid"/>
+                      <a:round/>
+                      <a:headEnd type="none" w="med" len="med"/>
+                      <a:tailEnd type="none" w="med" len="med"/>
+                    </a:lnL>
+                    <a:lnB w="9525" cap="flat" cmpd="sng" algn="ctr">
+                      <a:noFill/>
+                      <a:prstDash val="solid"/>
+                    </a:lnB>
+                  </a:tcPr>
                 </a:tc>
                 <a:tc>
                   <a:txBody>
@@ -32661,11 +33092,21 @@
                       </a:endParaRPr>
                     </a:p>
                   </a:txBody>
-                  <a:tcPr anchor="ctr"/>
+                  <a:tcPr anchor="ctr">
+                    <a:lnR w="12700" cap="flat" cmpd="sng" algn="ctr">
+                      <a:solidFill>
+                        <a:schemeClr val="tx1"/>
+                      </a:solidFill>
+                      <a:prstDash val="solid"/>
+                      <a:round/>
+                      <a:headEnd type="none" w="med" len="med"/>
+                      <a:tailEnd type="none" w="med" len="med"/>
+                    </a:lnR>
+                  </a:tcPr>
                 </a:tc>
                 <a:extLst>
                   <a:ext uri="{0D108BD9-81ED-4DB2-BD59-A6C34878D82A}">
-                    <a16:rowId xmlns="" xmlns:a16="http://schemas.microsoft.com/office/drawing/2014/main" val="2845318136"/>
+                    <a16:rowId xmlns:a16="http://schemas.microsoft.com/office/drawing/2014/main" val="2845318136"/>
                   </a:ext>
                 </a:extLst>
               </a:tr>
@@ -32689,7 +33130,36 @@
                       </a:endParaRPr>
                     </a:p>
                   </a:txBody>
-                  <a:tcPr anchor="ctr"/>
+                  <a:tcPr anchor="ctr">
+                    <a:lnL w="12700" cap="flat" cmpd="sng" algn="ctr">
+                      <a:solidFill>
+                        <a:schemeClr val="tx1"/>
+                      </a:solidFill>
+                      <a:prstDash val="solid"/>
+                      <a:round/>
+                      <a:headEnd type="none" w="med" len="med"/>
+                      <a:tailEnd type="none" w="med" len="med"/>
+                    </a:lnL>
+                    <a:lnR>
+                      <a:noFill/>
+                    </a:lnR>
+                    <a:lnT w="9525" cap="flat" cmpd="sng" algn="ctr">
+                      <a:noFill/>
+                      <a:prstDash val="solid"/>
+                    </a:lnT>
+                    <a:lnB w="9525" cap="flat" cmpd="sng" algn="ctr">
+                      <a:noFill/>
+                      <a:prstDash val="solid"/>
+                    </a:lnB>
+                    <a:lnTlToBr w="12700" cmpd="sng">
+                      <a:noFill/>
+                      <a:prstDash val="solid"/>
+                    </a:lnTlToBr>
+                    <a:lnBlToTr w="12700" cmpd="sng">
+                      <a:noFill/>
+                      <a:prstDash val="solid"/>
+                    </a:lnBlToTr>
+                  </a:tcPr>
                 </a:tc>
                 <a:tc>
                   <a:txBody>
@@ -32710,11 +33180,24 @@
                       </a:endParaRPr>
                     </a:p>
                   </a:txBody>
-                  <a:tcPr anchor="ctr"/>
+                  <a:tcPr anchor="ctr">
+                    <a:lnL>
+                      <a:noFill/>
+                    </a:lnL>
+                    <a:lnR w="12700" cap="flat" cmpd="sng" algn="ctr">
+                      <a:solidFill>
+                        <a:schemeClr val="tx1"/>
+                      </a:solidFill>
+                      <a:prstDash val="solid"/>
+                      <a:round/>
+                      <a:headEnd type="none" w="med" len="med"/>
+                      <a:tailEnd type="none" w="med" len="med"/>
+                    </a:lnR>
+                  </a:tcPr>
                 </a:tc>
                 <a:extLst>
                   <a:ext uri="{0D108BD9-81ED-4DB2-BD59-A6C34878D82A}">
-                    <a16:rowId xmlns="" xmlns:a16="http://schemas.microsoft.com/office/drawing/2014/main" val="2968156586"/>
+                    <a16:rowId xmlns:a16="http://schemas.microsoft.com/office/drawing/2014/main" val="2968156586"/>
                   </a:ext>
                 </a:extLst>
               </a:tr>
@@ -32738,7 +33221,30 @@
                       </a:endParaRPr>
                     </a:p>
                   </a:txBody>
-                  <a:tcPr anchor="ctr"/>
+                  <a:tcPr anchor="ctr">
+                    <a:lnL w="12700" cap="flat" cmpd="sng" algn="ctr">
+                      <a:solidFill>
+                        <a:schemeClr val="tx1"/>
+                      </a:solidFill>
+                      <a:prstDash val="solid"/>
+                      <a:round/>
+                      <a:headEnd type="none" w="med" len="med"/>
+                      <a:tailEnd type="none" w="med" len="med"/>
+                    </a:lnL>
+                    <a:lnT w="9525" cap="flat" cmpd="sng" algn="ctr">
+                      <a:noFill/>
+                      <a:prstDash val="solid"/>
+                    </a:lnT>
+                    <a:lnB w="12700" cap="flat" cmpd="sng" algn="ctr">
+                      <a:solidFill>
+                        <a:schemeClr val="tx1"/>
+                      </a:solidFill>
+                      <a:prstDash val="solid"/>
+                      <a:round/>
+                      <a:headEnd type="none" w="med" len="med"/>
+                      <a:tailEnd type="none" w="med" len="med"/>
+                    </a:lnB>
+                  </a:tcPr>
                 </a:tc>
                 <a:tc>
                   <a:txBody>
@@ -32759,11 +33265,30 @@
                       </a:endParaRPr>
                     </a:p>
                   </a:txBody>
-                  <a:tcPr anchor="ctr"/>
+                  <a:tcPr anchor="ctr">
+                    <a:lnR w="12700" cap="flat" cmpd="sng" algn="ctr">
+                      <a:solidFill>
+                        <a:schemeClr val="tx1"/>
+                      </a:solidFill>
+                      <a:prstDash val="solid"/>
+                      <a:round/>
+                      <a:headEnd type="none" w="med" len="med"/>
+                      <a:tailEnd type="none" w="med" len="med"/>
+                    </a:lnR>
+                    <a:lnB w="12700" cap="flat" cmpd="sng" algn="ctr">
+                      <a:solidFill>
+                        <a:schemeClr val="tx1"/>
+                      </a:solidFill>
+                      <a:prstDash val="solid"/>
+                      <a:round/>
+                      <a:headEnd type="none" w="med" len="med"/>
+                      <a:tailEnd type="none" w="med" len="med"/>
+                    </a:lnB>
+                  </a:tcPr>
                 </a:tc>
                 <a:extLst>
                   <a:ext uri="{0D108BD9-81ED-4DB2-BD59-A6C34878D82A}">
-                    <a16:rowId xmlns="" xmlns:a16="http://schemas.microsoft.com/office/drawing/2014/main" val="1476753229"/>
+                    <a16:rowId xmlns:a16="http://schemas.microsoft.com/office/drawing/2014/main" val="1476753229"/>
                   </a:ext>
                 </a:extLst>
               </a:tr>
@@ -32822,14 +33347,14 @@
                 <a:gridCol w="2590800">
                   <a:extLst>
                     <a:ext uri="{9D8B030D-6E8A-4147-A177-3AD203B41FA5}">
-                      <a16:colId xmlns="" xmlns:a16="http://schemas.microsoft.com/office/drawing/2014/main" val="1594468805"/>
+                      <a16:colId xmlns:a16="http://schemas.microsoft.com/office/drawing/2014/main" val="1594468805"/>
                     </a:ext>
                   </a:extLst>
                 </a:gridCol>
                 <a:gridCol w="1600200">
                   <a:extLst>
                     <a:ext uri="{9D8B030D-6E8A-4147-A177-3AD203B41FA5}">
-                      <a16:colId xmlns="" xmlns:a16="http://schemas.microsoft.com/office/drawing/2014/main" val="683614382"/>
+                      <a16:colId xmlns:a16="http://schemas.microsoft.com/office/drawing/2014/main" val="683614382"/>
                     </a:ext>
                   </a:extLst>
                 </a:gridCol>
@@ -32875,7 +33400,7 @@
                 </a:tc>
                 <a:extLst>
                   <a:ext uri="{0D108BD9-81ED-4DB2-BD59-A6C34878D82A}">
-                    <a16:rowId xmlns="" xmlns:a16="http://schemas.microsoft.com/office/drawing/2014/main" val="1969825376"/>
+                    <a16:rowId xmlns:a16="http://schemas.microsoft.com/office/drawing/2014/main" val="1969825376"/>
                   </a:ext>
                 </a:extLst>
               </a:tr>
@@ -32924,7 +33449,7 @@
                 </a:tc>
                 <a:extLst>
                   <a:ext uri="{0D108BD9-81ED-4DB2-BD59-A6C34878D82A}">
-                    <a16:rowId xmlns="" xmlns:a16="http://schemas.microsoft.com/office/drawing/2014/main" val="2845318136"/>
+                    <a16:rowId xmlns:a16="http://schemas.microsoft.com/office/drawing/2014/main" val="2845318136"/>
                   </a:ext>
                 </a:extLst>
               </a:tr>
@@ -33048,8 +33573,8 @@
         </p:nvSpPr>
         <p:spPr bwMode="auto">
           <a:xfrm>
-            <a:off x="6343161" y="2229734"/>
-            <a:ext cx="1726782" cy="528307"/>
+            <a:off x="6343161" y="2209800"/>
+            <a:ext cx="1726782" cy="548241"/>
           </a:xfrm>
           <a:prstGeom prst="wedgeRoundRectCallout">
             <a:avLst>
@@ -33099,7 +33624,7 @@
           <a:p>
             <a:pPr algn="ctr"/>
             <a:r>
-              <a:rPr lang="bg-BG" sz="2800" b="1" noProof="1" smtClean="0">
+              <a:rPr lang="bg-BG" sz="2800" b="1" noProof="1">
                 <a:solidFill>
                   <a:srgbClr val="FFFFFF"/>
                 </a:solidFill>
@@ -33189,7 +33714,7 @@
           <a:p>
             <a:pPr algn="ctr"/>
             <a:r>
-              <a:rPr lang="bg-BG" sz="2800" b="1" noProof="1" smtClean="0">
+              <a:rPr lang="bg-BG" sz="2800" b="1" noProof="1">
                 <a:solidFill>
                   <a:srgbClr val="FFFFFF"/>
                 </a:solidFill>
@@ -33305,7 +33830,7 @@
           <p:cNvPr id="17" name="Slide Number">
             <a:extLst>
               <a:ext uri="{FF2B5EF4-FFF2-40B4-BE49-F238E27FC236}">
-                <a16:creationId xmlns="" xmlns:a16="http://schemas.microsoft.com/office/drawing/2014/main" id="{8557AFEC-E42F-4557-92F7-7DA53E20272D}"/>
+                <a16:creationId xmlns:a16="http://schemas.microsoft.com/office/drawing/2014/main" id="{8557AFEC-E42F-4557-92F7-7DA53E20272D}"/>
               </a:ext>
             </a:extLst>
           </p:cNvPr>
@@ -33430,21 +33955,83 @@
           </a:p>
         </p:txBody>
       </p:sp>
+      <p:sp>
+        <p:nvSpPr>
+          <p:cNvPr id="2" name="TextBox 1">
+            <a:extLst>
+              <a:ext uri="{FF2B5EF4-FFF2-40B4-BE49-F238E27FC236}">
+                <a16:creationId xmlns:a16="http://schemas.microsoft.com/office/drawing/2014/main" id="{8D70FC53-73E7-C09A-1900-0CCE63BC0FD4}"/>
+              </a:ext>
+            </a:extLst>
+          </p:cNvPr>
+          <p:cNvSpPr txBox="1"/>
+          <p:nvPr/>
+        </p:nvSpPr>
+        <p:spPr>
+          <a:xfrm>
+            <a:off x="7358744" y="3200400"/>
+            <a:ext cx="2394856" cy="1274361"/>
+          </a:xfrm>
+          <a:prstGeom prst="rect">
+            <a:avLst/>
+          </a:prstGeom>
+          <a:ln/>
+        </p:spPr>
+        <p:style>
+          <a:lnRef idx="2">
+            <a:schemeClr val="accent2"/>
+          </a:lnRef>
+          <a:fillRef idx="1">
+            <a:schemeClr val="lt1"/>
+          </a:fillRef>
+          <a:effectRef idx="0">
+            <a:schemeClr val="accent2"/>
+          </a:effectRef>
+          <a:fontRef idx="minor">
+            <a:schemeClr val="dk1"/>
+          </a:fontRef>
+        </p:style>
+        <p:txBody>
+          <a:bodyPr vert="horz" wrap="square" lIns="144000" tIns="108000" rIns="144000" bIns="108000" rtlCol="0">
+            <a:spAutoFit/>
+          </a:bodyPr>
+          <a:lstStyle/>
+          <a:p>
+            <a:pPr algn="l" eaLnBrk="0" hangingPunct="0">
+              <a:lnSpc>
+                <a:spcPct val="110000"/>
+              </a:lnSpc>
+              <a:buClr>
+                <a:schemeClr val="accent5">
+                  <a:lumMod val="40000"/>
+                  <a:lumOff val="60000"/>
+                </a:schemeClr>
+              </a:buClr>
+              <a:buSzPct val="70000"/>
+            </a:pPr>
+            <a:r>
+              <a:rPr lang="en-US" sz="3200" b="1" dirty="0"/>
+              <a:t>TODO: fix table border</a:t>
+            </a:r>
+            <a:endParaRPr lang="bg-BG" sz="3200" b="1" dirty="0"/>
+          </a:p>
+        </p:txBody>
+      </p:sp>
     </p:spTree>
     <p:extLst>
       <p:ext uri="{BB962C8B-B14F-4D97-AF65-F5344CB8AC3E}">
-        <p14:creationId xmlns="" xmlns:p14="http://schemas.microsoft.com/office/powerpoint/2010/main" val="826980726"/>
+        <p14:creationId xmlns:p14="http://schemas.microsoft.com/office/powerpoint/2010/main" val="826980726"/>
       </p:ext>
     </p:extLst>
   </p:cSld>
   <p:clrMapOvr>
     <a:masterClrMapping/>
   </p:clrMapOvr>
-  <mc:AlternateContent xmlns:mc="http://schemas.openxmlformats.org/markup-compatibility/2006">
-    <mc:Choice xmlns="" xmlns:p14="http://schemas.microsoft.com/office/powerpoint/2010/main" Requires="p14">
+  <mc:AlternateContent xmlns:mc="http://schemas.openxmlformats.org/markup-compatibility/2006" xmlns:p14="http://schemas.microsoft.com/office/powerpoint/2010/main">
+    <mc:Choice Requires="p14">
       <p:transition spd="slow" p14:dur="2000" advClick="0" advTm="5000"/>
     </mc:Choice>
-    <mc:Fallback>
+    <mc:Fallback xmlns="">
       <p:transition spd="slow" advClick="0" advTm="5000"/>
     </mc:Fallback>
   </mc:AlternateContent>
@@ -34020,7 +34607,7 @@
   <a:extraClrSchemeLst/>
   <a:extLst>
     <a:ext uri="{05A4C25C-085E-4340-85A3-A5531E510DB2}">
-      <thm15:themeFamily xmlns:thm15="http://schemas.microsoft.com/office/thememl/2012/main" xmlns="" name="SoftUni" id="{D61FAD9B-6E74-4E03-BFE4-B363D484F1DA}" vid="{7089C1A3-635B-4B03-A017-DAF10A3A396B}"/>
+      <thm15:themeFamily xmlns:thm15="http://schemas.microsoft.com/office/thememl/2012/main" name="SoftUni" id="{D61FAD9B-6E74-4E03-BFE4-B363D484F1DA}" vid="{7089C1A3-635B-4B03-A017-DAF10A3A396B}"/>
     </a:ext>
   </a:extLst>
 </a:theme>
@@ -34315,7 +34902,7 @@
   <a:extraClrSchemeLst/>
   <a:extLst>
     <a:ext uri="{05A4C25C-085E-4340-85A3-A5531E510DB2}">
-      <thm15:themeFamily xmlns:thm15="http://schemas.microsoft.com/office/thememl/2012/main" xmlns="" name="Office Theme" id="{62F939B6-93AF-4DB8-9C6B-D6C7DFDC589F}" vid="{4A3C46E8-61CC-4603-A589-7422A47A8E4A}"/>
+      <thm15:themeFamily xmlns:thm15="http://schemas.microsoft.com/office/thememl/2012/main" name="Office Theme" id="{62F939B6-93AF-4DB8-9C6B-D6C7DFDC589F}" vid="{4A3C46E8-61CC-4603-A589-7422A47A8E4A}"/>
     </a:ext>
   </a:extLst>
 </a:theme>
@@ -34610,7 +35197,7 @@
   <a:extraClrSchemeLst/>
   <a:extLst>
     <a:ext uri="{05A4C25C-085E-4340-85A3-A5531E510DB2}">
-      <thm15:themeFamily xmlns:thm15="http://schemas.microsoft.com/office/thememl/2012/main" xmlns="" name="Office Theme" id="{62F939B6-93AF-4DB8-9C6B-D6C7DFDC589F}" vid="{4A3C46E8-61CC-4603-A589-7422A47A8E4A}"/>
+      <thm15:themeFamily xmlns:thm15="http://schemas.microsoft.com/office/thememl/2012/main" name="Office Theme" id="{62F939B6-93AF-4DB8-9C6B-D6C7DFDC589F}" vid="{4A3C46E8-61CC-4603-A589-7422A47A8E4A}"/>
     </a:ext>
   </a:extLst>
 </a:theme>
